--- a/OpenMP_Folien.pptx
+++ b/OpenMP_Folien.pptx
@@ -5,13 +5,20 @@
     <p:sldMasterId id="2147483648" r:id="rId1"/>
   </p:sldMasterIdLst>
   <p:notesMasterIdLst>
-    <p:notesMasterId r:id="rId6"/>
+    <p:notesMasterId r:id="rId13"/>
   </p:notesMasterIdLst>
   <p:sldIdLst>
     <p:sldId id="256" r:id="rId2"/>
     <p:sldId id="257" r:id="rId3"/>
-    <p:sldId id="258" r:id="rId4"/>
-    <p:sldId id="259" r:id="rId5"/>
+    <p:sldId id="260" r:id="rId4"/>
+    <p:sldId id="258" r:id="rId5"/>
+    <p:sldId id="259" r:id="rId6"/>
+    <p:sldId id="266" r:id="rId7"/>
+    <p:sldId id="261" r:id="rId8"/>
+    <p:sldId id="262" r:id="rId9"/>
+    <p:sldId id="263" r:id="rId10"/>
+    <p:sldId id="264" r:id="rId11"/>
+    <p:sldId id="265" r:id="rId12"/>
   </p:sldIdLst>
   <p:sldSz cx="12192000" cy="6858000"/>
   <p:notesSz cx="6858000" cy="9144000"/>
@@ -110,6 +117,11 @@
       </a:defRPr>
     </a:lvl9pPr>
   </p:defaultTextStyle>
+  <p:extLst>
+    <p:ext uri="{EFAFB233-063F-42B5-8137-9DF3F51BA10A}">
+      <p15:sldGuideLst xmlns:p15="http://schemas.microsoft.com/office/powerpoint/2012/main"/>
+    </p:ext>
+  </p:extLst>
 </p:presentation>
 </file>
 
@@ -195,7 +207,7 @@
           <a:p>
             <a:fld id="{AD5FCB38-51A2-4D62-8717-5BE0EDC2993F}" type="datetimeFigureOut">
               <a:rPr lang="de-DE" smtClean="0"/>
-              <a:t>07.02.2020</a:t>
+              <a:t>09.02.2020</a:t>
             </a:fld>
             <a:endParaRPr lang="de-DE"/>
           </a:p>
@@ -516,31 +528,7 @@
                 <a:ea typeface="+mn-ea"/>
                 <a:cs typeface="+mn-cs"/>
               </a:rPr>
-              <a:t></a:t>
-            </a:r>
-            <a:r>
-              <a:rPr lang="de-DE" sz="1200" kern="1200" dirty="0" err="1">
-                <a:solidFill>
-                  <a:schemeClr val="tx1"/>
-                </a:solidFill>
-                <a:effectLst/>
-                <a:latin typeface="+mn-lt"/>
-                <a:ea typeface="+mn-ea"/>
-                <a:cs typeface="+mn-cs"/>
-              </a:rPr>
-              <a:t>emeinsame</a:t>
-            </a:r>
-            <a:r>
-              <a:rPr lang="de-DE" sz="1200" kern="1200" dirty="0">
-                <a:solidFill>
-                  <a:schemeClr val="tx1"/>
-                </a:solidFill>
-                <a:effectLst/>
-                <a:latin typeface="+mn-lt"/>
-                <a:ea typeface="+mn-ea"/>
-                <a:cs typeface="+mn-cs"/>
-              </a:rPr>
-              <a:t> Daten:</a:t>
+              <a:t>Gemeinsame Daten:</a:t>
             </a:r>
           </a:p>
           <a:p>
@@ -700,7 +688,7 @@
           <a:p>
             <a:fld id="{67F32239-C198-46BF-8243-3DEE8544CFAA}" type="slidenum">
               <a:rPr lang="de-DE" smtClean="0"/>
-              <a:t>4</a:t>
+              <a:t>5</a:t>
             </a:fld>
             <a:endParaRPr lang="de-DE"/>
           </a:p>
@@ -710,6 +698,90 @@
     <p:extLst>
       <p:ext uri="{BB962C8B-B14F-4D97-AF65-F5344CB8AC3E}">
         <p14:creationId xmlns:p14="http://schemas.microsoft.com/office/powerpoint/2010/main" val="1659285144"/>
+      </p:ext>
+    </p:extLst>
+  </p:cSld>
+  <p:clrMapOvr>
+    <a:masterClrMapping/>
+  </p:clrMapOvr>
+</p:notes>
+</file>
+
+<file path=ppt/notesSlides/notesSlide2.xml><?xml version="1.0" encoding="utf-8"?>
+<p:notes xmlns:a="http://schemas.openxmlformats.org/drawingml/2006/main" xmlns:r="http://schemas.openxmlformats.org/officeDocument/2006/relationships" xmlns:p="http://schemas.openxmlformats.org/presentationml/2006/main">
+  <p:cSld>
+    <p:spTree>
+      <p:nvGrpSpPr>
+        <p:cNvPr id="1" name=""/>
+        <p:cNvGrpSpPr/>
+        <p:nvPr/>
+      </p:nvGrpSpPr>
+      <p:grpSpPr>
+        <a:xfrm>
+          <a:off x="0" y="0"/>
+          <a:ext cx="0" cy="0"/>
+          <a:chOff x="0" y="0"/>
+          <a:chExt cx="0" cy="0"/>
+        </a:xfrm>
+      </p:grpSpPr>
+      <p:sp>
+        <p:nvSpPr>
+          <p:cNvPr id="2" name="Folienbildplatzhalter 1"/>
+          <p:cNvSpPr>
+            <a:spLocks noGrp="1" noRot="1" noChangeAspect="1"/>
+          </p:cNvSpPr>
+          <p:nvPr>
+            <p:ph type="sldImg"/>
+          </p:nvPr>
+        </p:nvSpPr>
+        <p:spPr/>
+      </p:sp>
+      <p:sp>
+        <p:nvSpPr>
+          <p:cNvPr id="3" name="Notizenplatzhalter 2"/>
+          <p:cNvSpPr>
+            <a:spLocks noGrp="1"/>
+          </p:cNvSpPr>
+          <p:nvPr>
+            <p:ph type="body" idx="1"/>
+          </p:nvPr>
+        </p:nvSpPr>
+        <p:spPr/>
+        <p:txBody>
+          <a:bodyPr/>
+          <a:lstStyle/>
+          <a:p>
+            <a:endParaRPr lang="de-DE" dirty="0"/>
+          </a:p>
+        </p:txBody>
+      </p:sp>
+      <p:sp>
+        <p:nvSpPr>
+          <p:cNvPr id="4" name="Foliennummernplatzhalter 3"/>
+          <p:cNvSpPr>
+            <a:spLocks noGrp="1"/>
+          </p:cNvSpPr>
+          <p:nvPr>
+            <p:ph type="sldNum" sz="quarter" idx="5"/>
+          </p:nvPr>
+        </p:nvSpPr>
+        <p:spPr/>
+        <p:txBody>
+          <a:bodyPr/>
+          <a:lstStyle/>
+          <a:p>
+            <a:fld id="{67F32239-C198-46BF-8243-3DEE8544CFAA}" type="slidenum">
+              <a:rPr lang="de-DE" smtClean="0"/>
+              <a:t>11</a:t>
+            </a:fld>
+            <a:endParaRPr lang="de-DE"/>
+          </a:p>
+        </p:txBody>
+      </p:sp>
+    </p:spTree>
+    <p:extLst>
+      <p:ext uri="{BB962C8B-B14F-4D97-AF65-F5344CB8AC3E}">
+        <p14:creationId xmlns:p14="http://schemas.microsoft.com/office/powerpoint/2010/main" val="1955124107"/>
       </p:ext>
     </p:extLst>
   </p:cSld>
@@ -866,7 +938,7 @@
           <a:p>
             <a:fld id="{B5E8A55B-A329-4846-8D76-CA2F32F53923}" type="datetimeFigureOut">
               <a:rPr lang="de-DE" smtClean="0"/>
-              <a:t>07.02.2020</a:t>
+              <a:t>09.02.2020</a:t>
             </a:fld>
             <a:endParaRPr lang="de-DE"/>
           </a:p>
@@ -1064,7 +1136,7 @@
           <a:p>
             <a:fld id="{B5E8A55B-A329-4846-8D76-CA2F32F53923}" type="datetimeFigureOut">
               <a:rPr lang="de-DE" smtClean="0"/>
-              <a:t>07.02.2020</a:t>
+              <a:t>09.02.2020</a:t>
             </a:fld>
             <a:endParaRPr lang="de-DE"/>
           </a:p>
@@ -1272,7 +1344,7 @@
           <a:p>
             <a:fld id="{B5E8A55B-A329-4846-8D76-CA2F32F53923}" type="datetimeFigureOut">
               <a:rPr lang="de-DE" smtClean="0"/>
-              <a:t>07.02.2020</a:t>
+              <a:t>09.02.2020</a:t>
             </a:fld>
             <a:endParaRPr lang="de-DE"/>
           </a:p>
@@ -1470,7 +1542,7 @@
           <a:p>
             <a:fld id="{B5E8A55B-A329-4846-8D76-CA2F32F53923}" type="datetimeFigureOut">
               <a:rPr lang="de-DE" smtClean="0"/>
-              <a:t>07.02.2020</a:t>
+              <a:t>09.02.2020</a:t>
             </a:fld>
             <a:endParaRPr lang="de-DE"/>
           </a:p>
@@ -1745,7 +1817,7 @@
           <a:p>
             <a:fld id="{B5E8A55B-A329-4846-8D76-CA2F32F53923}" type="datetimeFigureOut">
               <a:rPr lang="de-DE" smtClean="0"/>
-              <a:t>07.02.2020</a:t>
+              <a:t>09.02.2020</a:t>
             </a:fld>
             <a:endParaRPr lang="de-DE"/>
           </a:p>
@@ -2010,7 +2082,7 @@
           <a:p>
             <a:fld id="{B5E8A55B-A329-4846-8D76-CA2F32F53923}" type="datetimeFigureOut">
               <a:rPr lang="de-DE" smtClean="0"/>
-              <a:t>07.02.2020</a:t>
+              <a:t>09.02.2020</a:t>
             </a:fld>
             <a:endParaRPr lang="de-DE"/>
           </a:p>
@@ -2422,7 +2494,7 @@
           <a:p>
             <a:fld id="{B5E8A55B-A329-4846-8D76-CA2F32F53923}" type="datetimeFigureOut">
               <a:rPr lang="de-DE" smtClean="0"/>
-              <a:t>07.02.2020</a:t>
+              <a:t>09.02.2020</a:t>
             </a:fld>
             <a:endParaRPr lang="de-DE"/>
           </a:p>
@@ -2563,7 +2635,7 @@
           <a:p>
             <a:fld id="{B5E8A55B-A329-4846-8D76-CA2F32F53923}" type="datetimeFigureOut">
               <a:rPr lang="de-DE" smtClean="0"/>
-              <a:t>07.02.2020</a:t>
+              <a:t>09.02.2020</a:t>
             </a:fld>
             <a:endParaRPr lang="de-DE"/>
           </a:p>
@@ -2676,7 +2748,7 @@
           <a:p>
             <a:fld id="{B5E8A55B-A329-4846-8D76-CA2F32F53923}" type="datetimeFigureOut">
               <a:rPr lang="de-DE" smtClean="0"/>
-              <a:t>07.02.2020</a:t>
+              <a:t>09.02.2020</a:t>
             </a:fld>
             <a:endParaRPr lang="de-DE"/>
           </a:p>
@@ -2987,7 +3059,7 @@
           <a:p>
             <a:fld id="{B5E8A55B-A329-4846-8D76-CA2F32F53923}" type="datetimeFigureOut">
               <a:rPr lang="de-DE" smtClean="0"/>
-              <a:t>07.02.2020</a:t>
+              <a:t>09.02.2020</a:t>
             </a:fld>
             <a:endParaRPr lang="de-DE"/>
           </a:p>
@@ -3275,7 +3347,7 @@
           <a:p>
             <a:fld id="{B5E8A55B-A329-4846-8D76-CA2F32F53923}" type="datetimeFigureOut">
               <a:rPr lang="de-DE" smtClean="0"/>
-              <a:t>07.02.2020</a:t>
+              <a:t>09.02.2020</a:t>
             </a:fld>
             <a:endParaRPr lang="de-DE"/>
           </a:p>
@@ -3516,7 +3588,7 @@
           <a:p>
             <a:fld id="{B5E8A55B-A329-4846-8D76-CA2F32F53923}" type="datetimeFigureOut">
               <a:rPr lang="de-DE" smtClean="0"/>
-              <a:t>07.02.2020</a:t>
+              <a:t>09.02.2020</a:t>
             </a:fld>
             <a:endParaRPr lang="de-DE"/>
           </a:p>
@@ -4000,6 +4072,566 @@
 </p:sld>
 </file>
 
+<file path=ppt/slides/slide10.xml><?xml version="1.0" encoding="utf-8"?>
+<p:sld xmlns:a="http://schemas.openxmlformats.org/drawingml/2006/main" xmlns:r="http://schemas.openxmlformats.org/officeDocument/2006/relationships" xmlns:p="http://schemas.openxmlformats.org/presentationml/2006/main">
+  <p:cSld>
+    <p:spTree>
+      <p:nvGrpSpPr>
+        <p:cNvPr id="1" name=""/>
+        <p:cNvGrpSpPr/>
+        <p:nvPr/>
+      </p:nvGrpSpPr>
+      <p:grpSpPr>
+        <a:xfrm>
+          <a:off x="0" y="0"/>
+          <a:ext cx="0" cy="0"/>
+          <a:chOff x="0" y="0"/>
+          <a:chExt cx="0" cy="0"/>
+        </a:xfrm>
+      </p:grpSpPr>
+      <p:sp>
+        <p:nvSpPr>
+          <p:cNvPr id="2" name="Titel 1">
+            <a:extLst>
+              <a:ext uri="{FF2B5EF4-FFF2-40B4-BE49-F238E27FC236}">
+                <a16:creationId xmlns:a16="http://schemas.microsoft.com/office/drawing/2014/main" id="{C7E3F825-1918-451E-B3AB-EE354B6B60AF}"/>
+              </a:ext>
+            </a:extLst>
+          </p:cNvPr>
+          <p:cNvSpPr>
+            <a:spLocks noGrp="1"/>
+          </p:cNvSpPr>
+          <p:nvPr>
+            <p:ph type="title"/>
+          </p:nvPr>
+        </p:nvSpPr>
+        <p:spPr/>
+        <p:txBody>
+          <a:bodyPr/>
+          <a:lstStyle/>
+          <a:p>
+            <a:r>
+              <a:rPr lang="de-DE"/>
+              <a:t>Übung 2 Game of Life</a:t>
+            </a:r>
+          </a:p>
+        </p:txBody>
+      </p:sp>
+      <p:sp>
+        <p:nvSpPr>
+          <p:cNvPr id="3" name="Inhaltsplatzhalter 2">
+            <a:extLst>
+              <a:ext uri="{FF2B5EF4-FFF2-40B4-BE49-F238E27FC236}">
+                <a16:creationId xmlns:a16="http://schemas.microsoft.com/office/drawing/2014/main" id="{6EFFB83E-507E-4C9F-B3D5-EF05AE455650}"/>
+              </a:ext>
+            </a:extLst>
+          </p:cNvPr>
+          <p:cNvSpPr>
+            <a:spLocks noGrp="1"/>
+          </p:cNvSpPr>
+          <p:nvPr>
+            <p:ph idx="1"/>
+          </p:nvPr>
+        </p:nvSpPr>
+        <p:spPr/>
+        <p:txBody>
+          <a:bodyPr/>
+          <a:lstStyle/>
+          <a:p>
+            <a:r>
+              <a:rPr lang="en-US" dirty="0" err="1"/>
+              <a:t>asd</a:t>
+            </a:r>
+            <a:endParaRPr lang="de-DE" dirty="0"/>
+          </a:p>
+        </p:txBody>
+      </p:sp>
+    </p:spTree>
+    <p:extLst>
+      <p:ext uri="{BB962C8B-B14F-4D97-AF65-F5344CB8AC3E}">
+        <p14:creationId xmlns:p14="http://schemas.microsoft.com/office/powerpoint/2010/main" val="697228799"/>
+      </p:ext>
+    </p:extLst>
+  </p:cSld>
+  <p:clrMapOvr>
+    <a:masterClrMapping/>
+  </p:clrMapOvr>
+</p:sld>
+</file>
+
+<file path=ppt/slides/slide11.xml><?xml version="1.0" encoding="utf-8"?>
+<p:sld xmlns:a="http://schemas.openxmlformats.org/drawingml/2006/main" xmlns:r="http://schemas.openxmlformats.org/officeDocument/2006/relationships" xmlns:p="http://schemas.openxmlformats.org/presentationml/2006/main">
+  <p:cSld>
+    <p:spTree>
+      <p:nvGrpSpPr>
+        <p:cNvPr id="1" name=""/>
+        <p:cNvGrpSpPr/>
+        <p:nvPr/>
+      </p:nvGrpSpPr>
+      <p:grpSpPr>
+        <a:xfrm>
+          <a:off x="0" y="0"/>
+          <a:ext cx="0" cy="0"/>
+          <a:chOff x="0" y="0"/>
+          <a:chExt cx="0" cy="0"/>
+        </a:xfrm>
+      </p:grpSpPr>
+      <p:sp>
+        <p:nvSpPr>
+          <p:cNvPr id="2" name="Titel 1">
+            <a:extLst>
+              <a:ext uri="{FF2B5EF4-FFF2-40B4-BE49-F238E27FC236}">
+                <a16:creationId xmlns:a16="http://schemas.microsoft.com/office/drawing/2014/main" id="{C7E3F825-1918-451E-B3AB-EE354B6B60AF}"/>
+              </a:ext>
+            </a:extLst>
+          </p:cNvPr>
+          <p:cNvSpPr>
+            <a:spLocks noGrp="1"/>
+          </p:cNvSpPr>
+          <p:nvPr>
+            <p:ph type="title"/>
+          </p:nvPr>
+        </p:nvSpPr>
+        <p:spPr>
+          <a:xfrm>
+            <a:off x="838200" y="365125"/>
+            <a:ext cx="10515600" cy="1325563"/>
+          </a:xfrm>
+        </p:spPr>
+        <p:txBody>
+          <a:bodyPr>
+            <a:normAutofit/>
+          </a:bodyPr>
+          <a:lstStyle/>
+          <a:p>
+            <a:r>
+              <a:rPr lang="de-DE" dirty="0"/>
+              <a:t>Übung 3 </a:t>
+            </a:r>
+            <a:r>
+              <a:rPr lang="de-DE" dirty="0" err="1"/>
+              <a:t>Quicksort</a:t>
+            </a:r>
+            <a:r>
+              <a:rPr lang="de-DE" dirty="0"/>
+              <a:t> Parallelisierung </a:t>
+            </a:r>
+            <a:r>
+              <a:rPr lang="de-DE" dirty="0" err="1"/>
+              <a:t>Sections</a:t>
+            </a:r>
+            <a:endParaRPr lang="de-DE" dirty="0"/>
+          </a:p>
+        </p:txBody>
+      </p:sp>
+      <p:graphicFrame>
+        <p:nvGraphicFramePr>
+          <p:cNvPr id="5" name="Tabelle 5">
+            <a:extLst>
+              <a:ext uri="{FF2B5EF4-FFF2-40B4-BE49-F238E27FC236}">
+                <a16:creationId xmlns:a16="http://schemas.microsoft.com/office/drawing/2014/main" id="{BF4B5319-A78F-476F-BDC1-E5551D330D1A}"/>
+              </a:ext>
+            </a:extLst>
+          </p:cNvPr>
+          <p:cNvGraphicFramePr>
+            <a:graphicFrameLocks noGrp="1"/>
+          </p:cNvGraphicFramePr>
+          <p:nvPr>
+            <p:ph idx="1"/>
+            <p:extLst>
+              <p:ext uri="{D42A27DB-BD31-4B8C-83A1-F6EECF244321}">
+                <p14:modId xmlns:p14="http://schemas.microsoft.com/office/powerpoint/2010/main" val="1898193681"/>
+              </p:ext>
+            </p:extLst>
+          </p:nvPr>
+        </p:nvGraphicFramePr>
+        <p:xfrm>
+          <a:off x="838200" y="3429000"/>
+          <a:ext cx="10515600" cy="1112520"/>
+        </p:xfrm>
+        <a:graphic>
+          <a:graphicData uri="http://schemas.openxmlformats.org/drawingml/2006/table">
+            <a:tbl>
+              <a:tblPr firstRow="1" bandRow="1">
+                <a:tableStyleId>{5C22544A-7EE6-4342-B048-85BDC9FD1C3A}</a:tableStyleId>
+              </a:tblPr>
+              <a:tblGrid>
+                <a:gridCol w="1752600">
+                  <a:extLst>
+                    <a:ext uri="{9D8B030D-6E8A-4147-A177-3AD203B41FA5}">
+                      <a16:colId xmlns:a16="http://schemas.microsoft.com/office/drawing/2014/main" val="3706614358"/>
+                    </a:ext>
+                  </a:extLst>
+                </a:gridCol>
+                <a:gridCol w="1752600">
+                  <a:extLst>
+                    <a:ext uri="{9D8B030D-6E8A-4147-A177-3AD203B41FA5}">
+                      <a16:colId xmlns:a16="http://schemas.microsoft.com/office/drawing/2014/main" val="1804461210"/>
+                    </a:ext>
+                  </a:extLst>
+                </a:gridCol>
+                <a:gridCol w="1752600">
+                  <a:extLst>
+                    <a:ext uri="{9D8B030D-6E8A-4147-A177-3AD203B41FA5}">
+                      <a16:colId xmlns:a16="http://schemas.microsoft.com/office/drawing/2014/main" val="4173243819"/>
+                    </a:ext>
+                  </a:extLst>
+                </a:gridCol>
+                <a:gridCol w="1752600">
+                  <a:extLst>
+                    <a:ext uri="{9D8B030D-6E8A-4147-A177-3AD203B41FA5}">
+                      <a16:colId xmlns:a16="http://schemas.microsoft.com/office/drawing/2014/main" val="4134306666"/>
+                    </a:ext>
+                  </a:extLst>
+                </a:gridCol>
+                <a:gridCol w="1752600">
+                  <a:extLst>
+                    <a:ext uri="{9D8B030D-6E8A-4147-A177-3AD203B41FA5}">
+                      <a16:colId xmlns:a16="http://schemas.microsoft.com/office/drawing/2014/main" val="3835685042"/>
+                    </a:ext>
+                  </a:extLst>
+                </a:gridCol>
+                <a:gridCol w="1752600">
+                  <a:extLst>
+                    <a:ext uri="{9D8B030D-6E8A-4147-A177-3AD203B41FA5}">
+                      <a16:colId xmlns:a16="http://schemas.microsoft.com/office/drawing/2014/main" val="1373760785"/>
+                    </a:ext>
+                  </a:extLst>
+                </a:gridCol>
+              </a:tblGrid>
+              <a:tr h="370840">
+                <a:tc>
+                  <a:txBody>
+                    <a:bodyPr/>
+                    <a:lstStyle/>
+                    <a:p>
+                      <a:endParaRPr lang="de-DE"/>
+                    </a:p>
+                  </a:txBody>
+                  <a:tcPr/>
+                </a:tc>
+                <a:tc>
+                  <a:txBody>
+                    <a:bodyPr/>
+                    <a:lstStyle/>
+                    <a:p>
+                      <a:r>
+                        <a:rPr lang="en-US" dirty="0"/>
+                        <a:t>1000</a:t>
+                      </a:r>
+                      <a:endParaRPr lang="de-DE" dirty="0"/>
+                    </a:p>
+                  </a:txBody>
+                  <a:tcPr/>
+                </a:tc>
+                <a:tc>
+                  <a:txBody>
+                    <a:bodyPr/>
+                    <a:lstStyle/>
+                    <a:p>
+                      <a:r>
+                        <a:rPr lang="en-US" dirty="0"/>
+                        <a:t>10000</a:t>
+                      </a:r>
+                      <a:endParaRPr lang="de-DE" dirty="0"/>
+                    </a:p>
+                  </a:txBody>
+                  <a:tcPr/>
+                </a:tc>
+                <a:tc>
+                  <a:txBody>
+                    <a:bodyPr/>
+                    <a:lstStyle/>
+                    <a:p>
+                      <a:r>
+                        <a:rPr lang="en-US" dirty="0"/>
+                        <a:t>50000</a:t>
+                      </a:r>
+                      <a:endParaRPr lang="de-DE" dirty="0"/>
+                    </a:p>
+                  </a:txBody>
+                  <a:tcPr/>
+                </a:tc>
+                <a:tc>
+                  <a:txBody>
+                    <a:bodyPr/>
+                    <a:lstStyle/>
+                    <a:p>
+                      <a:r>
+                        <a:rPr lang="en-US" dirty="0"/>
+                        <a:t>100000</a:t>
+                      </a:r>
+                      <a:endParaRPr lang="de-DE" dirty="0"/>
+                    </a:p>
+                  </a:txBody>
+                  <a:tcPr/>
+                </a:tc>
+                <a:tc>
+                  <a:txBody>
+                    <a:bodyPr/>
+                    <a:lstStyle/>
+                    <a:p>
+                      <a:r>
+                        <a:rPr lang="en-US" dirty="0"/>
+                        <a:t>500000</a:t>
+                      </a:r>
+                      <a:endParaRPr lang="de-DE" dirty="0"/>
+                    </a:p>
+                  </a:txBody>
+                  <a:tcPr/>
+                </a:tc>
+                <a:extLst>
+                  <a:ext uri="{0D108BD9-81ED-4DB2-BD59-A6C34878D82A}">
+                    <a16:rowId xmlns:a16="http://schemas.microsoft.com/office/drawing/2014/main" val="2114500752"/>
+                  </a:ext>
+                </a:extLst>
+              </a:tr>
+              <a:tr h="370840">
+                <a:tc>
+                  <a:txBody>
+                    <a:bodyPr/>
+                    <a:lstStyle/>
+                    <a:p>
+                      <a:r>
+                        <a:rPr lang="en-US" dirty="0"/>
+                        <a:t>Normal</a:t>
+                      </a:r>
+                      <a:endParaRPr lang="de-DE" dirty="0"/>
+                    </a:p>
+                  </a:txBody>
+                  <a:tcPr/>
+                </a:tc>
+                <a:tc>
+                  <a:txBody>
+                    <a:bodyPr/>
+                    <a:lstStyle/>
+                    <a:p>
+                      <a:r>
+                        <a:rPr lang="en-US" dirty="0"/>
+                        <a:t>217</a:t>
+                      </a:r>
+                      <a:endParaRPr lang="de-DE" dirty="0"/>
+                    </a:p>
+                  </a:txBody>
+                  <a:tcPr/>
+                </a:tc>
+                <a:tc>
+                  <a:txBody>
+                    <a:bodyPr/>
+                    <a:lstStyle/>
+                    <a:p>
+                      <a:r>
+                        <a:rPr lang="en-US" dirty="0"/>
+                        <a:t>2692</a:t>
+                      </a:r>
+                      <a:endParaRPr lang="de-DE" dirty="0"/>
+                    </a:p>
+                  </a:txBody>
+                  <a:tcPr/>
+                </a:tc>
+                <a:tc>
+                  <a:txBody>
+                    <a:bodyPr/>
+                    <a:lstStyle/>
+                    <a:p>
+                      <a:r>
+                        <a:rPr lang="en-US" dirty="0"/>
+                        <a:t>15487</a:t>
+                      </a:r>
+                      <a:endParaRPr lang="de-DE" dirty="0"/>
+                    </a:p>
+                  </a:txBody>
+                  <a:tcPr/>
+                </a:tc>
+                <a:tc>
+                  <a:txBody>
+                    <a:bodyPr/>
+                    <a:lstStyle/>
+                    <a:p>
+                      <a:r>
+                        <a:rPr lang="en-US" dirty="0"/>
+                        <a:t>33254</a:t>
+                      </a:r>
+                      <a:endParaRPr lang="de-DE" dirty="0"/>
+                    </a:p>
+                  </a:txBody>
+                  <a:tcPr/>
+                </a:tc>
+                <a:tc>
+                  <a:txBody>
+                    <a:bodyPr/>
+                    <a:lstStyle/>
+                    <a:p>
+                      <a:r>
+                        <a:rPr lang="en-US" dirty="0"/>
+                        <a:t>191251</a:t>
+                      </a:r>
+                      <a:endParaRPr lang="de-DE" dirty="0"/>
+                    </a:p>
+                  </a:txBody>
+                  <a:tcPr/>
+                </a:tc>
+                <a:extLst>
+                  <a:ext uri="{0D108BD9-81ED-4DB2-BD59-A6C34878D82A}">
+                    <a16:rowId xmlns:a16="http://schemas.microsoft.com/office/drawing/2014/main" val="4031426376"/>
+                  </a:ext>
+                </a:extLst>
+              </a:tr>
+              <a:tr h="370840">
+                <a:tc>
+                  <a:txBody>
+                    <a:bodyPr/>
+                    <a:lstStyle/>
+                    <a:p>
+                      <a:r>
+                        <a:rPr lang="en-US" dirty="0"/>
+                        <a:t>OpenMP</a:t>
+                      </a:r>
+                      <a:endParaRPr lang="de-DE" dirty="0"/>
+                    </a:p>
+                  </a:txBody>
+                  <a:tcPr/>
+                </a:tc>
+                <a:tc>
+                  <a:txBody>
+                    <a:bodyPr/>
+                    <a:lstStyle/>
+                    <a:p>
+                      <a:r>
+                        <a:rPr lang="en-US" dirty="0"/>
+                        <a:t>435</a:t>
+                      </a:r>
+                      <a:endParaRPr lang="de-DE" dirty="0"/>
+                    </a:p>
+                  </a:txBody>
+                  <a:tcPr/>
+                </a:tc>
+                <a:tc>
+                  <a:txBody>
+                    <a:bodyPr/>
+                    <a:lstStyle/>
+                    <a:p>
+                      <a:r>
+                        <a:rPr lang="en-US" dirty="0"/>
+                        <a:t>2495</a:t>
+                      </a:r>
+                      <a:endParaRPr lang="de-DE" dirty="0"/>
+                    </a:p>
+                  </a:txBody>
+                  <a:tcPr/>
+                </a:tc>
+                <a:tc>
+                  <a:txBody>
+                    <a:bodyPr/>
+                    <a:lstStyle/>
+                    <a:p>
+                      <a:r>
+                        <a:rPr lang="en-US" dirty="0"/>
+                        <a:t>13362</a:t>
+                      </a:r>
+                      <a:endParaRPr lang="de-DE" dirty="0"/>
+                    </a:p>
+                  </a:txBody>
+                  <a:tcPr/>
+                </a:tc>
+                <a:tc>
+                  <a:txBody>
+                    <a:bodyPr/>
+                    <a:lstStyle/>
+                    <a:p>
+                      <a:r>
+                        <a:rPr lang="en-US" dirty="0"/>
+                        <a:t>28526</a:t>
+                      </a:r>
+                      <a:endParaRPr lang="de-DE" dirty="0"/>
+                    </a:p>
+                  </a:txBody>
+                  <a:tcPr/>
+                </a:tc>
+                <a:tc>
+                  <a:txBody>
+                    <a:bodyPr/>
+                    <a:lstStyle/>
+                    <a:p>
+                      <a:r>
+                        <a:rPr lang="en-US" dirty="0"/>
+                        <a:t>155192</a:t>
+                      </a:r>
+                      <a:endParaRPr lang="de-DE" dirty="0"/>
+                    </a:p>
+                  </a:txBody>
+                  <a:tcPr/>
+                </a:tc>
+                <a:extLst>
+                  <a:ext uri="{0D108BD9-81ED-4DB2-BD59-A6C34878D82A}">
+                    <a16:rowId xmlns:a16="http://schemas.microsoft.com/office/drawing/2014/main" val="4186416659"/>
+                  </a:ext>
+                </a:extLst>
+              </a:tr>
+            </a:tbl>
+          </a:graphicData>
+        </a:graphic>
+      </p:graphicFrame>
+      <p:sp>
+        <p:nvSpPr>
+          <p:cNvPr id="7" name="Textfeld 6">
+            <a:extLst>
+              <a:ext uri="{FF2B5EF4-FFF2-40B4-BE49-F238E27FC236}">
+                <a16:creationId xmlns:a16="http://schemas.microsoft.com/office/drawing/2014/main" id="{F7CB4E5E-F9B9-4726-B396-8BE0571DEC4F}"/>
+              </a:ext>
+            </a:extLst>
+          </p:cNvPr>
+          <p:cNvSpPr txBox="1"/>
+          <p:nvPr/>
+        </p:nvSpPr>
+        <p:spPr>
+          <a:xfrm>
+            <a:off x="838200" y="1690688"/>
+            <a:ext cx="10515600" cy="954107"/>
+          </a:xfrm>
+          <a:prstGeom prst="rect">
+            <a:avLst/>
+          </a:prstGeom>
+          <a:noFill/>
+        </p:spPr>
+        <p:txBody>
+          <a:bodyPr wrap="square" rtlCol="0">
+            <a:spAutoFit/>
+          </a:bodyPr>
+          <a:lstStyle/>
+          <a:p>
+            <a:pPr marL="457200" indent="-457200">
+              <a:buFont typeface="Arial" panose="020B0604020202020204" pitchFamily="34" charset="0"/>
+              <a:buChar char="•"/>
+            </a:pPr>
+            <a:r>
+              <a:rPr lang="de-DE" sz="2800" dirty="0"/>
+              <a:t>Warum ist die Parallelisierung im gleich schnell, wenn die </a:t>
+            </a:r>
+            <a:r>
+              <a:rPr lang="de-DE" sz="2800" dirty="0" err="1"/>
+              <a:t>Quicksort</a:t>
+            </a:r>
+            <a:r>
+              <a:rPr lang="de-DE" sz="2800" dirty="0"/>
+              <a:t> Methode Parallelisiert wird?</a:t>
+            </a:r>
+          </a:p>
+        </p:txBody>
+      </p:sp>
+    </p:spTree>
+    <p:extLst>
+      <p:ext uri="{BB962C8B-B14F-4D97-AF65-F5344CB8AC3E}">
+        <p14:creationId xmlns:p14="http://schemas.microsoft.com/office/powerpoint/2010/main" val="1950806513"/>
+      </p:ext>
+    </p:extLst>
+  </p:cSld>
+  <p:clrMapOvr>
+    <a:masterClrMapping/>
+  </p:clrMapOvr>
+</p:sld>
+</file>
+
 <file path=ppt/slides/slide2.xml><?xml version="1.0" encoding="utf-8"?>
 <p:sld xmlns:a="http://schemas.openxmlformats.org/drawingml/2006/main" xmlns:r="http://schemas.openxmlformats.org/officeDocument/2006/relationships" xmlns:p="http://schemas.openxmlformats.org/presentationml/2006/main">
   <p:cSld>
@@ -4144,6 +4776,183 @@
 </file>
 
 <file path=ppt/slides/slide3.xml><?xml version="1.0" encoding="utf-8"?>
+<p:sld xmlns:a="http://schemas.openxmlformats.org/drawingml/2006/main" xmlns:r="http://schemas.openxmlformats.org/officeDocument/2006/relationships" xmlns:p="http://schemas.openxmlformats.org/presentationml/2006/main">
+  <p:cSld>
+    <p:spTree>
+      <p:nvGrpSpPr>
+        <p:cNvPr id="1" name=""/>
+        <p:cNvGrpSpPr/>
+        <p:nvPr/>
+      </p:nvGrpSpPr>
+      <p:grpSpPr>
+        <a:xfrm>
+          <a:off x="0" y="0"/>
+          <a:ext cx="0" cy="0"/>
+          <a:chOff x="0" y="0"/>
+          <a:chExt cx="0" cy="0"/>
+        </a:xfrm>
+      </p:grpSpPr>
+      <p:sp>
+        <p:nvSpPr>
+          <p:cNvPr id="2" name="Titel 1">
+            <a:extLst>
+              <a:ext uri="{FF2B5EF4-FFF2-40B4-BE49-F238E27FC236}">
+                <a16:creationId xmlns:a16="http://schemas.microsoft.com/office/drawing/2014/main" id="{2096F096-A894-45E2-A4D7-538ED2B0278F}"/>
+              </a:ext>
+            </a:extLst>
+          </p:cNvPr>
+          <p:cNvSpPr>
+            <a:spLocks noGrp="1"/>
+          </p:cNvSpPr>
+          <p:nvPr>
+            <p:ph type="title"/>
+          </p:nvPr>
+        </p:nvSpPr>
+        <p:spPr/>
+        <p:txBody>
+          <a:bodyPr/>
+          <a:lstStyle/>
+          <a:p>
+            <a:r>
+              <a:rPr lang="en-US" dirty="0" err="1"/>
+              <a:t>Anwendung</a:t>
+            </a:r>
+            <a:endParaRPr lang="de-DE" dirty="0"/>
+          </a:p>
+        </p:txBody>
+      </p:sp>
+      <p:sp>
+        <p:nvSpPr>
+          <p:cNvPr id="3" name="Inhaltsplatzhalter 2">
+            <a:extLst>
+              <a:ext uri="{FF2B5EF4-FFF2-40B4-BE49-F238E27FC236}">
+                <a16:creationId xmlns:a16="http://schemas.microsoft.com/office/drawing/2014/main" id="{4D0BAB4A-F0AD-401C-949C-079470D3D988}"/>
+              </a:ext>
+            </a:extLst>
+          </p:cNvPr>
+          <p:cNvSpPr>
+            <a:spLocks noGrp="1"/>
+          </p:cNvSpPr>
+          <p:nvPr>
+            <p:ph idx="1"/>
+          </p:nvPr>
+        </p:nvSpPr>
+        <p:spPr>
+          <a:xfrm>
+            <a:off x="838200" y="1825625"/>
+            <a:ext cx="10687756" cy="4351338"/>
+          </a:xfrm>
+        </p:spPr>
+        <p:txBody>
+          <a:bodyPr/>
+          <a:lstStyle/>
+          <a:p>
+            <a:r>
+              <a:rPr lang="de-DE" dirty="0" err="1"/>
+              <a:t>OpenMP</a:t>
+            </a:r>
+            <a:r>
+              <a:rPr lang="de-DE" dirty="0"/>
+              <a:t> relevanten Pragmas: #</a:t>
+            </a:r>
+            <a:r>
+              <a:rPr lang="de-DE" dirty="0" err="1"/>
+              <a:t>pragma</a:t>
+            </a:r>
+            <a:r>
+              <a:rPr lang="de-DE" dirty="0"/>
+              <a:t> </a:t>
+            </a:r>
+            <a:r>
+              <a:rPr lang="de-DE" dirty="0" err="1"/>
+              <a:t>omp</a:t>
+            </a:r>
+            <a:endParaRPr lang="de-DE" dirty="0"/>
+          </a:p>
+          <a:p>
+            <a:r>
+              <a:rPr lang="de-DE" dirty="0"/>
+              <a:t>Pragmas werden von Compilern ohne </a:t>
+            </a:r>
+            <a:r>
+              <a:rPr lang="de-DE" dirty="0" err="1"/>
+              <a:t>OpenMP</a:t>
+            </a:r>
+            <a:r>
+              <a:rPr lang="de-DE" dirty="0"/>
+              <a:t>-Unterstützung ignoriert</a:t>
+            </a:r>
+          </a:p>
+          <a:p>
+            <a:r>
+              <a:rPr lang="de-DE" dirty="0" err="1"/>
+              <a:t>OpenMP</a:t>
+            </a:r>
+            <a:r>
+              <a:rPr lang="de-DE" dirty="0"/>
+              <a:t>-Direktive bezieht sich immer auf den nachfolgenden strukturierten Block</a:t>
+            </a:r>
+          </a:p>
+          <a:p>
+            <a:pPr lvl="1"/>
+            <a:endParaRPr lang="de-DE" dirty="0"/>
+          </a:p>
+        </p:txBody>
+      </p:sp>
+      <p:pic>
+        <p:nvPicPr>
+          <p:cNvPr id="4" name="Grafik 3">
+            <a:extLst>
+              <a:ext uri="{FF2B5EF4-FFF2-40B4-BE49-F238E27FC236}">
+                <a16:creationId xmlns:a16="http://schemas.microsoft.com/office/drawing/2014/main" id="{7070BF6B-AFC6-440C-912C-B3AD6E92098B}"/>
+              </a:ext>
+            </a:extLst>
+          </p:cNvPr>
+          <p:cNvPicPr>
+            <a:picLocks noChangeAspect="1"/>
+          </p:cNvPicPr>
+          <p:nvPr/>
+        </p:nvPicPr>
+        <p:blipFill rotWithShape="1">
+          <a:blip r:embed="rId2">
+            <a:clrChange>
+              <a:clrFrom>
+                <a:srgbClr val="FFFFCC"/>
+              </a:clrFrom>
+              <a:clrTo>
+                <a:srgbClr val="FFFFCC">
+                  <a:alpha val="0"/>
+                </a:srgbClr>
+              </a:clrTo>
+            </a:clrChange>
+          </a:blip>
+          <a:srcRect r="2534" b="4883"/>
+          <a:stretch/>
+        </p:blipFill>
+        <p:spPr>
+          <a:xfrm>
+            <a:off x="2855313" y="4001294"/>
+            <a:ext cx="6999887" cy="1259328"/>
+          </a:xfrm>
+          <a:prstGeom prst="rect">
+            <a:avLst/>
+          </a:prstGeom>
+        </p:spPr>
+      </p:pic>
+    </p:spTree>
+    <p:extLst>
+      <p:ext uri="{BB962C8B-B14F-4D97-AF65-F5344CB8AC3E}">
+        <p14:creationId xmlns:p14="http://schemas.microsoft.com/office/powerpoint/2010/main" val="3625285823"/>
+      </p:ext>
+    </p:extLst>
+  </p:cSld>
+  <p:clrMapOvr>
+    <a:masterClrMapping/>
+  </p:clrMapOvr>
+</p:sld>
+</file>
+
+<file path=ppt/slides/slide4.xml><?xml version="1.0" encoding="utf-8"?>
 <p:sld xmlns:a="http://schemas.openxmlformats.org/drawingml/2006/main" xmlns:r="http://schemas.openxmlformats.org/officeDocument/2006/relationships" xmlns:p="http://schemas.openxmlformats.org/presentationml/2006/main">
   <p:cSld>
     <p:bg>
@@ -4482,7 +5291,7 @@
 </p:sld>
 </file>
 
-<file path=ppt/slides/slide4.xml><?xml version="1.0" encoding="utf-8"?>
+<file path=ppt/slides/slide5.xml><?xml version="1.0" encoding="utf-8"?>
 <p:sld xmlns:a="http://schemas.openxmlformats.org/drawingml/2006/main" xmlns:r="http://schemas.openxmlformats.org/officeDocument/2006/relationships" xmlns:p="http://schemas.openxmlformats.org/presentationml/2006/main">
   <p:cSld>
     <p:bg>
@@ -4773,6 +5582,475 @@
     <p:extLst>
       <p:ext uri="{BB962C8B-B14F-4D97-AF65-F5344CB8AC3E}">
         <p14:creationId xmlns:p14="http://schemas.microsoft.com/office/powerpoint/2010/main" val="3000337623"/>
+      </p:ext>
+    </p:extLst>
+  </p:cSld>
+  <p:clrMapOvr>
+    <a:masterClrMapping/>
+  </p:clrMapOvr>
+</p:sld>
+</file>
+
+<file path=ppt/slides/slide6.xml><?xml version="1.0" encoding="utf-8"?>
+<p:sld xmlns:a="http://schemas.openxmlformats.org/drawingml/2006/main" xmlns:r="http://schemas.openxmlformats.org/officeDocument/2006/relationships" xmlns:p="http://schemas.openxmlformats.org/presentationml/2006/main">
+  <p:cSld>
+    <p:spTree>
+      <p:nvGrpSpPr>
+        <p:cNvPr id="1" name=""/>
+        <p:cNvGrpSpPr/>
+        <p:nvPr/>
+      </p:nvGrpSpPr>
+      <p:grpSpPr>
+        <a:xfrm>
+          <a:off x="0" y="0"/>
+          <a:ext cx="0" cy="0"/>
+          <a:chOff x="0" y="0"/>
+          <a:chExt cx="0" cy="0"/>
+        </a:xfrm>
+      </p:grpSpPr>
+      <p:sp>
+        <p:nvSpPr>
+          <p:cNvPr id="2" name="Titel 1">
+            <a:extLst>
+              <a:ext uri="{FF2B5EF4-FFF2-40B4-BE49-F238E27FC236}">
+                <a16:creationId xmlns:a16="http://schemas.microsoft.com/office/drawing/2014/main" id="{F64D71EF-2811-4B48-99D6-C2EB90DA3653}"/>
+              </a:ext>
+            </a:extLst>
+          </p:cNvPr>
+          <p:cNvSpPr>
+            <a:spLocks noGrp="1"/>
+          </p:cNvSpPr>
+          <p:nvPr>
+            <p:ph type="title"/>
+          </p:nvPr>
+        </p:nvSpPr>
+        <p:spPr/>
+        <p:txBody>
+          <a:bodyPr/>
+          <a:lstStyle/>
+          <a:p>
+            <a:r>
+              <a:rPr lang="en-US" dirty="0"/>
+              <a:t>OpenMP - Sections</a:t>
+            </a:r>
+            <a:endParaRPr lang="de-DE" dirty="0"/>
+          </a:p>
+        </p:txBody>
+      </p:sp>
+      <p:sp>
+        <p:nvSpPr>
+          <p:cNvPr id="3" name="Inhaltsplatzhalter 2">
+            <a:extLst>
+              <a:ext uri="{FF2B5EF4-FFF2-40B4-BE49-F238E27FC236}">
+                <a16:creationId xmlns:a16="http://schemas.microsoft.com/office/drawing/2014/main" id="{8A90385B-4556-43EB-8171-A773E7ED7A35}"/>
+              </a:ext>
+            </a:extLst>
+          </p:cNvPr>
+          <p:cNvSpPr>
+            <a:spLocks noGrp="1"/>
+          </p:cNvSpPr>
+          <p:nvPr>
+            <p:ph idx="1"/>
+          </p:nvPr>
+        </p:nvSpPr>
+        <p:spPr/>
+        <p:txBody>
+          <a:bodyPr/>
+          <a:lstStyle/>
+          <a:p>
+            <a:endParaRPr lang="de-DE" dirty="0"/>
+          </a:p>
+        </p:txBody>
+      </p:sp>
+    </p:spTree>
+    <p:extLst>
+      <p:ext uri="{BB962C8B-B14F-4D97-AF65-F5344CB8AC3E}">
+        <p14:creationId xmlns:p14="http://schemas.microsoft.com/office/powerpoint/2010/main" val="1129215958"/>
+      </p:ext>
+    </p:extLst>
+  </p:cSld>
+  <p:clrMapOvr>
+    <a:masterClrMapping/>
+  </p:clrMapOvr>
+</p:sld>
+</file>
+
+<file path=ppt/slides/slide7.xml><?xml version="1.0" encoding="utf-8"?>
+<p:sld xmlns:a="http://schemas.openxmlformats.org/drawingml/2006/main" xmlns:r="http://schemas.openxmlformats.org/officeDocument/2006/relationships" xmlns:p="http://schemas.openxmlformats.org/presentationml/2006/main">
+  <p:cSld>
+    <p:spTree>
+      <p:nvGrpSpPr>
+        <p:cNvPr id="1" name=""/>
+        <p:cNvGrpSpPr/>
+        <p:nvPr/>
+      </p:nvGrpSpPr>
+      <p:grpSpPr>
+        <a:xfrm>
+          <a:off x="0" y="0"/>
+          <a:ext cx="0" cy="0"/>
+          <a:chOff x="0" y="0"/>
+          <a:chExt cx="0" cy="0"/>
+        </a:xfrm>
+      </p:grpSpPr>
+      <p:sp>
+        <p:nvSpPr>
+          <p:cNvPr id="2" name="Titel 1">
+            <a:extLst>
+              <a:ext uri="{FF2B5EF4-FFF2-40B4-BE49-F238E27FC236}">
+                <a16:creationId xmlns:a16="http://schemas.microsoft.com/office/drawing/2014/main" id="{59A524BF-F199-4B48-8E12-568949F6E88F}"/>
+              </a:ext>
+            </a:extLst>
+          </p:cNvPr>
+          <p:cNvSpPr>
+            <a:spLocks noGrp="1"/>
+          </p:cNvSpPr>
+          <p:nvPr>
+            <p:ph type="title"/>
+          </p:nvPr>
+        </p:nvSpPr>
+        <p:spPr/>
+        <p:txBody>
+          <a:bodyPr/>
+          <a:lstStyle/>
+          <a:p>
+            <a:r>
+              <a:rPr lang="en-US" dirty="0"/>
+              <a:t>OpenMP</a:t>
+            </a:r>
+            <a:endParaRPr lang="de-DE" dirty="0"/>
+          </a:p>
+        </p:txBody>
+      </p:sp>
+      <p:sp>
+        <p:nvSpPr>
+          <p:cNvPr id="4" name="Textplatzhalter 3">
+            <a:extLst>
+              <a:ext uri="{FF2B5EF4-FFF2-40B4-BE49-F238E27FC236}">
+                <a16:creationId xmlns:a16="http://schemas.microsoft.com/office/drawing/2014/main" id="{1BE5769B-2C6A-4DEC-B4CE-7A8B725E89C8}"/>
+              </a:ext>
+            </a:extLst>
+          </p:cNvPr>
+          <p:cNvSpPr>
+            <a:spLocks noGrp="1"/>
+          </p:cNvSpPr>
+          <p:nvPr>
+            <p:ph type="body" idx="1"/>
+          </p:nvPr>
+        </p:nvSpPr>
+        <p:spPr/>
+        <p:txBody>
+          <a:bodyPr/>
+          <a:lstStyle/>
+          <a:p>
+            <a:r>
+              <a:rPr lang="en-US" dirty="0" err="1"/>
+              <a:t>Vorteile</a:t>
+            </a:r>
+            <a:endParaRPr lang="de-DE" dirty="0"/>
+          </a:p>
+        </p:txBody>
+      </p:sp>
+      <p:sp>
+        <p:nvSpPr>
+          <p:cNvPr id="3" name="Inhaltsplatzhalter 2">
+            <a:extLst>
+              <a:ext uri="{FF2B5EF4-FFF2-40B4-BE49-F238E27FC236}">
+                <a16:creationId xmlns:a16="http://schemas.microsoft.com/office/drawing/2014/main" id="{8E71139A-310F-44D6-859A-E656BE8B871B}"/>
+              </a:ext>
+            </a:extLst>
+          </p:cNvPr>
+          <p:cNvSpPr>
+            <a:spLocks noGrp="1"/>
+          </p:cNvSpPr>
+          <p:nvPr>
+            <p:ph sz="half" idx="2"/>
+          </p:nvPr>
+        </p:nvSpPr>
+        <p:spPr/>
+        <p:txBody>
+          <a:bodyPr/>
+          <a:lstStyle/>
+          <a:p>
+            <a:r>
+              <a:rPr lang="de-DE" dirty="0"/>
+              <a:t>Parallelisierung seriellen Codes durch Direktiven</a:t>
+            </a:r>
+          </a:p>
+          <a:p>
+            <a:r>
+              <a:rPr lang="de-DE" dirty="0"/>
+              <a:t>Einfach und schnell zu implementieren</a:t>
+            </a:r>
+          </a:p>
+          <a:p>
+            <a:r>
+              <a:rPr lang="de-DE" dirty="0"/>
+              <a:t>Code bleibt übersichtlich</a:t>
+            </a:r>
+          </a:p>
+          <a:p>
+            <a:endParaRPr lang="de-DE" dirty="0"/>
+          </a:p>
+        </p:txBody>
+      </p:sp>
+      <p:sp>
+        <p:nvSpPr>
+          <p:cNvPr id="5" name="Textplatzhalter 4">
+            <a:extLst>
+              <a:ext uri="{FF2B5EF4-FFF2-40B4-BE49-F238E27FC236}">
+                <a16:creationId xmlns:a16="http://schemas.microsoft.com/office/drawing/2014/main" id="{75D614F6-E68E-4420-8137-EC07E0C0E2FA}"/>
+              </a:ext>
+            </a:extLst>
+          </p:cNvPr>
+          <p:cNvSpPr>
+            <a:spLocks noGrp="1"/>
+          </p:cNvSpPr>
+          <p:nvPr>
+            <p:ph type="body" sz="quarter" idx="3"/>
+          </p:nvPr>
+        </p:nvSpPr>
+        <p:spPr/>
+        <p:txBody>
+          <a:bodyPr/>
+          <a:lstStyle/>
+          <a:p>
+            <a:r>
+              <a:rPr lang="en-US" dirty="0" err="1"/>
+              <a:t>Nachteile</a:t>
+            </a:r>
+            <a:endParaRPr lang="de-DE" dirty="0"/>
+          </a:p>
+        </p:txBody>
+      </p:sp>
+      <p:sp>
+        <p:nvSpPr>
+          <p:cNvPr id="6" name="Inhaltsplatzhalter 5">
+            <a:extLst>
+              <a:ext uri="{FF2B5EF4-FFF2-40B4-BE49-F238E27FC236}">
+                <a16:creationId xmlns:a16="http://schemas.microsoft.com/office/drawing/2014/main" id="{AACDD7B1-CEDE-44D9-8B47-98BE114AAB3F}"/>
+              </a:ext>
+            </a:extLst>
+          </p:cNvPr>
+          <p:cNvSpPr>
+            <a:spLocks noGrp="1"/>
+          </p:cNvSpPr>
+          <p:nvPr>
+            <p:ph sz="quarter" idx="4"/>
+          </p:nvPr>
+        </p:nvSpPr>
+        <p:spPr/>
+        <p:txBody>
+          <a:bodyPr/>
+          <a:lstStyle/>
+          <a:p>
+            <a:r>
+              <a:rPr lang="de-DE" dirty="0"/>
+              <a:t>Spezieller Compiler</a:t>
+            </a:r>
+          </a:p>
+          <a:p>
+            <a:r>
+              <a:rPr lang="de-DE" dirty="0"/>
+              <a:t>Nur mit gemeinsamem Speicher </a:t>
+            </a:r>
+          </a:p>
+          <a:p>
+            <a:r>
+              <a:rPr lang="de-DE" dirty="0"/>
+              <a:t>Kommunikation zwischen Threads sind implizit </a:t>
+            </a:r>
+          </a:p>
+          <a:p>
+            <a:pPr lvl="1"/>
+            <a:r>
+              <a:rPr lang="de-DE" dirty="0"/>
+              <a:t>Schwer nachvollziehbar</a:t>
+            </a:r>
+          </a:p>
+        </p:txBody>
+      </p:sp>
+    </p:spTree>
+    <p:extLst>
+      <p:ext uri="{BB962C8B-B14F-4D97-AF65-F5344CB8AC3E}">
+        <p14:creationId xmlns:p14="http://schemas.microsoft.com/office/powerpoint/2010/main" val="593835966"/>
+      </p:ext>
+    </p:extLst>
+  </p:cSld>
+  <p:clrMapOvr>
+    <a:masterClrMapping/>
+  </p:clrMapOvr>
+</p:sld>
+</file>
+
+<file path=ppt/slides/slide8.xml><?xml version="1.0" encoding="utf-8"?>
+<p:sld xmlns:a="http://schemas.openxmlformats.org/drawingml/2006/main" xmlns:r="http://schemas.openxmlformats.org/officeDocument/2006/relationships" xmlns:p="http://schemas.openxmlformats.org/presentationml/2006/main">
+  <p:cSld>
+    <p:spTree>
+      <p:nvGrpSpPr>
+        <p:cNvPr id="1" name=""/>
+        <p:cNvGrpSpPr/>
+        <p:nvPr/>
+      </p:nvGrpSpPr>
+      <p:grpSpPr>
+        <a:xfrm>
+          <a:off x="0" y="0"/>
+          <a:ext cx="0" cy="0"/>
+          <a:chOff x="0" y="0"/>
+          <a:chExt cx="0" cy="0"/>
+        </a:xfrm>
+      </p:grpSpPr>
+      <p:sp>
+        <p:nvSpPr>
+          <p:cNvPr id="2" name="Titel 1">
+            <a:extLst>
+              <a:ext uri="{FF2B5EF4-FFF2-40B4-BE49-F238E27FC236}">
+                <a16:creationId xmlns:a16="http://schemas.microsoft.com/office/drawing/2014/main" id="{37C29E86-CE3A-4BC8-9116-2D6039E202C9}"/>
+              </a:ext>
+            </a:extLst>
+          </p:cNvPr>
+          <p:cNvSpPr>
+            <a:spLocks noGrp="1"/>
+          </p:cNvSpPr>
+          <p:nvPr>
+            <p:ph type="ctrTitle"/>
+          </p:nvPr>
+        </p:nvSpPr>
+        <p:spPr/>
+        <p:txBody>
+          <a:bodyPr/>
+          <a:lstStyle/>
+          <a:p>
+            <a:r>
+              <a:rPr lang="en-US" dirty="0" err="1"/>
+              <a:t>Übung</a:t>
+            </a:r>
+            <a:endParaRPr lang="de-DE" dirty="0"/>
+          </a:p>
+        </p:txBody>
+      </p:sp>
+      <p:sp>
+        <p:nvSpPr>
+          <p:cNvPr id="3" name="Untertitel 2">
+            <a:extLst>
+              <a:ext uri="{FF2B5EF4-FFF2-40B4-BE49-F238E27FC236}">
+                <a16:creationId xmlns:a16="http://schemas.microsoft.com/office/drawing/2014/main" id="{A639AB8C-024A-4705-8C52-E903B3469BD3}"/>
+              </a:ext>
+            </a:extLst>
+          </p:cNvPr>
+          <p:cNvSpPr>
+            <a:spLocks noGrp="1"/>
+          </p:cNvSpPr>
+          <p:nvPr>
+            <p:ph type="subTitle" idx="1"/>
+          </p:nvPr>
+        </p:nvSpPr>
+        <p:spPr/>
+        <p:txBody>
+          <a:bodyPr/>
+          <a:lstStyle/>
+          <a:p>
+            <a:endParaRPr lang="de-DE"/>
+          </a:p>
+        </p:txBody>
+      </p:sp>
+    </p:spTree>
+    <p:extLst>
+      <p:ext uri="{BB962C8B-B14F-4D97-AF65-F5344CB8AC3E}">
+        <p14:creationId xmlns:p14="http://schemas.microsoft.com/office/powerpoint/2010/main" val="3103430782"/>
+      </p:ext>
+    </p:extLst>
+  </p:cSld>
+  <p:clrMapOvr>
+    <a:masterClrMapping/>
+  </p:clrMapOvr>
+</p:sld>
+</file>
+
+<file path=ppt/slides/slide9.xml><?xml version="1.0" encoding="utf-8"?>
+<p:sld xmlns:a="http://schemas.openxmlformats.org/drawingml/2006/main" xmlns:r="http://schemas.openxmlformats.org/officeDocument/2006/relationships" xmlns:p="http://schemas.openxmlformats.org/presentationml/2006/main">
+  <p:cSld>
+    <p:spTree>
+      <p:nvGrpSpPr>
+        <p:cNvPr id="1" name=""/>
+        <p:cNvGrpSpPr/>
+        <p:nvPr/>
+      </p:nvGrpSpPr>
+      <p:grpSpPr>
+        <a:xfrm>
+          <a:off x="0" y="0"/>
+          <a:ext cx="0" cy="0"/>
+          <a:chOff x="0" y="0"/>
+          <a:chExt cx="0" cy="0"/>
+        </a:xfrm>
+      </p:grpSpPr>
+      <p:sp>
+        <p:nvSpPr>
+          <p:cNvPr id="2" name="Titel 1">
+            <a:extLst>
+              <a:ext uri="{FF2B5EF4-FFF2-40B4-BE49-F238E27FC236}">
+                <a16:creationId xmlns:a16="http://schemas.microsoft.com/office/drawing/2014/main" id="{C7E3F825-1918-451E-B3AB-EE354B6B60AF}"/>
+              </a:ext>
+            </a:extLst>
+          </p:cNvPr>
+          <p:cNvSpPr>
+            <a:spLocks noGrp="1"/>
+          </p:cNvSpPr>
+          <p:nvPr>
+            <p:ph type="title"/>
+          </p:nvPr>
+        </p:nvSpPr>
+        <p:spPr/>
+        <p:txBody>
+          <a:bodyPr/>
+          <a:lstStyle/>
+          <a:p>
+            <a:r>
+              <a:rPr lang="de-DE"/>
+              <a:t>Übung 1 Parallelisierung von Addition</a:t>
+            </a:r>
+          </a:p>
+        </p:txBody>
+      </p:sp>
+      <p:sp>
+        <p:nvSpPr>
+          <p:cNvPr id="3" name="Inhaltsplatzhalter 2">
+            <a:extLst>
+              <a:ext uri="{FF2B5EF4-FFF2-40B4-BE49-F238E27FC236}">
+                <a16:creationId xmlns:a16="http://schemas.microsoft.com/office/drawing/2014/main" id="{6EFFB83E-507E-4C9F-B3D5-EF05AE455650}"/>
+              </a:ext>
+            </a:extLst>
+          </p:cNvPr>
+          <p:cNvSpPr>
+            <a:spLocks noGrp="1"/>
+          </p:cNvSpPr>
+          <p:nvPr>
+            <p:ph idx="1"/>
+          </p:nvPr>
+        </p:nvSpPr>
+        <p:spPr/>
+        <p:txBody>
+          <a:bodyPr/>
+          <a:lstStyle/>
+          <a:p>
+            <a:r>
+              <a:rPr lang="de-DE" dirty="0"/>
+              <a:t>Warum gleiche Performance bei Release-</a:t>
+            </a:r>
+            <a:r>
+              <a:rPr lang="de-DE" dirty="0" err="1"/>
+              <a:t>Build</a:t>
+            </a:r>
+            <a:r>
+              <a:rPr lang="de-DE" dirty="0"/>
+              <a:t>?</a:t>
+            </a:r>
+          </a:p>
+        </p:txBody>
+      </p:sp>
+    </p:spTree>
+    <p:extLst>
+      <p:ext uri="{BB962C8B-B14F-4D97-AF65-F5344CB8AC3E}">
+        <p14:creationId xmlns:p14="http://schemas.microsoft.com/office/powerpoint/2010/main" val="2737949822"/>
       </p:ext>
     </p:extLst>
   </p:cSld>

--- a/OpenMP_Folien.pptx
+++ b/OpenMP_Folien.pptx
@@ -5,20 +5,26 @@
     <p:sldMasterId id="2147483648" r:id="rId1"/>
   </p:sldMasterIdLst>
   <p:notesMasterIdLst>
-    <p:notesMasterId r:id="rId13"/>
+    <p:notesMasterId r:id="rId19"/>
   </p:notesMasterIdLst>
   <p:sldIdLst>
     <p:sldId id="256" r:id="rId2"/>
-    <p:sldId id="257" r:id="rId3"/>
-    <p:sldId id="260" r:id="rId4"/>
-    <p:sldId id="258" r:id="rId5"/>
-    <p:sldId id="259" r:id="rId6"/>
-    <p:sldId id="266" r:id="rId7"/>
-    <p:sldId id="261" r:id="rId8"/>
-    <p:sldId id="262" r:id="rId9"/>
-    <p:sldId id="263" r:id="rId10"/>
-    <p:sldId id="264" r:id="rId11"/>
-    <p:sldId id="265" r:id="rId12"/>
+    <p:sldId id="270" r:id="rId3"/>
+    <p:sldId id="271" r:id="rId4"/>
+    <p:sldId id="272" r:id="rId5"/>
+    <p:sldId id="257" r:id="rId6"/>
+    <p:sldId id="260" r:id="rId7"/>
+    <p:sldId id="258" r:id="rId8"/>
+    <p:sldId id="259" r:id="rId9"/>
+    <p:sldId id="266" r:id="rId10"/>
+    <p:sldId id="261" r:id="rId11"/>
+    <p:sldId id="262" r:id="rId12"/>
+    <p:sldId id="263" r:id="rId13"/>
+    <p:sldId id="264" r:id="rId14"/>
+    <p:sldId id="265" r:id="rId15"/>
+    <p:sldId id="267" r:id="rId16"/>
+    <p:sldId id="268" r:id="rId17"/>
+    <p:sldId id="269" r:id="rId18"/>
   </p:sldIdLst>
   <p:sldSz cx="12192000" cy="6858000"/>
   <p:notesSz cx="6858000" cy="9144000"/>
@@ -207,7 +213,7 @@
           <a:p>
             <a:fld id="{AD5FCB38-51A2-4D62-8717-5BE0EDC2993F}" type="datetimeFigureOut">
               <a:rPr lang="de-DE" smtClean="0"/>
-              <a:t>09.02.2020</a:t>
+              <a:t>09.02.20</a:t>
             </a:fld>
             <a:endParaRPr lang="de-DE"/>
           </a:p>
@@ -518,155 +524,6 @@
           <a:bodyPr/>
           <a:lstStyle/>
           <a:p>
-            <a:r>
-              <a:rPr lang="de-DE" sz="1200" kern="1200" dirty="0">
-                <a:solidFill>
-                  <a:schemeClr val="tx1"/>
-                </a:solidFill>
-                <a:effectLst/>
-                <a:latin typeface="+mn-lt"/>
-                <a:ea typeface="+mn-ea"/>
-                <a:cs typeface="+mn-cs"/>
-              </a:rPr>
-              <a:t>Gemeinsame Daten:</a:t>
-            </a:r>
-          </a:p>
-          <a:p>
-            <a:r>
-              <a:rPr lang="de-DE" sz="1200" kern="1200" dirty="0">
-                <a:solidFill>
-                  <a:schemeClr val="tx1"/>
-                </a:solidFill>
-                <a:effectLst/>
-                <a:latin typeface="+mn-lt"/>
-                <a:ea typeface="+mn-ea"/>
-                <a:cs typeface="+mn-cs"/>
-              </a:rPr>
-              <a:t>sind allen Threads bekannt und von diesen zugreifbar</a:t>
-            </a:r>
-          </a:p>
-          <a:p>
-            <a:r>
-              <a:rPr lang="de-DE" sz="1200" kern="1200" dirty="0">
-                <a:solidFill>
-                  <a:schemeClr val="tx1"/>
-                </a:solidFill>
-                <a:effectLst/>
-                <a:latin typeface="+mn-lt"/>
-                <a:ea typeface="+mn-ea"/>
-                <a:cs typeface="+mn-cs"/>
-              </a:rPr>
-              <a:t>alle Threads, die auf diese Daten zugreifen, greifen auf die selbe Speicherstelle zu</a:t>
-            </a:r>
-          </a:p>
-          <a:p>
-            <a:r>
-              <a:rPr lang="de-DE" sz="1200" kern="1200" dirty="0">
-                <a:solidFill>
-                  <a:schemeClr val="tx1"/>
-                </a:solidFill>
-                <a:effectLst/>
-                <a:latin typeface="+mn-lt"/>
-                <a:ea typeface="+mn-ea"/>
-                <a:cs typeface="+mn-cs"/>
-              </a:rPr>
-              <a:t>Threads kommunizieren miteinander oder synchronisieren sich über gemeinsame Daten</a:t>
-            </a:r>
-          </a:p>
-          <a:p>
-            <a:endParaRPr lang="de-DE" sz="1200" kern="1200" dirty="0">
-              <a:solidFill>
-                <a:schemeClr val="tx1"/>
-              </a:solidFill>
-              <a:effectLst/>
-              <a:latin typeface="+mn-lt"/>
-              <a:ea typeface="+mn-ea"/>
-              <a:cs typeface="+mn-cs"/>
-            </a:endParaRPr>
-          </a:p>
-          <a:p>
-            <a:r>
-              <a:rPr lang="de-DE" sz="1200" kern="1200" dirty="0">
-                <a:solidFill>
-                  <a:schemeClr val="tx1"/>
-                </a:solidFill>
-                <a:effectLst/>
-                <a:latin typeface="+mn-lt"/>
-                <a:ea typeface="+mn-ea"/>
-                <a:cs typeface="+mn-cs"/>
-              </a:rPr>
-              <a:t>Private Daten:</a:t>
-            </a:r>
-          </a:p>
-          <a:p>
-            <a:r>
-              <a:rPr lang="de-DE" sz="1200" kern="1200" dirty="0">
-                <a:solidFill>
-                  <a:schemeClr val="tx1"/>
-                </a:solidFill>
-                <a:effectLst/>
-                <a:latin typeface="+mn-lt"/>
-                <a:ea typeface="+mn-ea"/>
-                <a:cs typeface="+mn-cs"/>
-              </a:rPr>
-              <a:t>jeder Thread legt seine eigene private Kopie an</a:t>
-            </a:r>
-          </a:p>
-          <a:p>
-            <a:r>
-              <a:rPr lang="de-DE" sz="1200" kern="1200" dirty="0">
-                <a:solidFill>
-                  <a:schemeClr val="tx1"/>
-                </a:solidFill>
-                <a:effectLst/>
-                <a:latin typeface="+mn-lt"/>
-                <a:ea typeface="+mn-ea"/>
-                <a:cs typeface="+mn-cs"/>
-              </a:rPr>
-              <a:t>jeder Thread greift nur auf seine eigene Speicherstelle in seinem Ausführungskontext zu</a:t>
-            </a:r>
-          </a:p>
-          <a:p>
-            <a:r>
-              <a:rPr lang="de-DE" sz="1200" kern="1200" dirty="0">
-                <a:solidFill>
-                  <a:schemeClr val="tx1"/>
-                </a:solidFill>
-                <a:effectLst/>
-                <a:latin typeface="+mn-lt"/>
-                <a:ea typeface="+mn-ea"/>
-                <a:cs typeface="+mn-cs"/>
-              </a:rPr>
-              <a:t>nicht zugreifbar für andere Threads</a:t>
-            </a:r>
-          </a:p>
-          <a:p>
-            <a:r>
-              <a:rPr lang="de-DE" sz="1200" kern="1200" dirty="0">
-                <a:solidFill>
-                  <a:schemeClr val="tx1"/>
-                </a:solidFill>
-                <a:effectLst/>
-                <a:latin typeface="+mn-lt"/>
-                <a:ea typeface="+mn-ea"/>
-                <a:cs typeface="+mn-cs"/>
-              </a:rPr>
-              <a:t>existiert nur während der Ausführung einer parallelen Region</a:t>
-            </a:r>
-          </a:p>
-          <a:p>
-            <a:r>
-              <a:rPr lang="de-DE" sz="1200" kern="1200" dirty="0">
-                <a:solidFill>
-                  <a:schemeClr val="tx1"/>
-                </a:solidFill>
-                <a:effectLst/>
-                <a:latin typeface="+mn-lt"/>
-                <a:ea typeface="+mn-ea"/>
-                <a:cs typeface="+mn-cs"/>
-              </a:rPr>
-              <a:t>Wert beim Eintritt und Austritt in die parallele Region undefiniert</a:t>
-            </a:r>
             <a:endParaRPr lang="de-DE" dirty="0"/>
           </a:p>
         </p:txBody>
@@ -697,7 +554,7 @@
     </p:spTree>
     <p:extLst>
       <p:ext uri="{BB962C8B-B14F-4D97-AF65-F5344CB8AC3E}">
-        <p14:creationId xmlns:p14="http://schemas.microsoft.com/office/powerpoint/2010/main" val="1659285144"/>
+        <p14:creationId xmlns:p14="http://schemas.microsoft.com/office/powerpoint/2010/main" val="810675153"/>
       </p:ext>
     </p:extLst>
   </p:cSld>
@@ -751,6 +608,155 @@
           <a:bodyPr/>
           <a:lstStyle/>
           <a:p>
+            <a:r>
+              <a:rPr lang="de-DE" sz="1200" kern="1200" dirty="0">
+                <a:solidFill>
+                  <a:schemeClr val="tx1"/>
+                </a:solidFill>
+                <a:effectLst/>
+                <a:latin typeface="+mn-lt"/>
+                <a:ea typeface="+mn-ea"/>
+                <a:cs typeface="+mn-cs"/>
+              </a:rPr>
+              <a:t>Gemeinsame Daten:</a:t>
+            </a:r>
+          </a:p>
+          <a:p>
+            <a:r>
+              <a:rPr lang="de-DE" sz="1200" kern="1200" dirty="0">
+                <a:solidFill>
+                  <a:schemeClr val="tx1"/>
+                </a:solidFill>
+                <a:effectLst/>
+                <a:latin typeface="+mn-lt"/>
+                <a:ea typeface="+mn-ea"/>
+                <a:cs typeface="+mn-cs"/>
+              </a:rPr>
+              <a:t>sind allen Threads bekannt und von diesen zugreifbar</a:t>
+            </a:r>
+          </a:p>
+          <a:p>
+            <a:r>
+              <a:rPr lang="de-DE" sz="1200" kern="1200" dirty="0">
+                <a:solidFill>
+                  <a:schemeClr val="tx1"/>
+                </a:solidFill>
+                <a:effectLst/>
+                <a:latin typeface="+mn-lt"/>
+                <a:ea typeface="+mn-ea"/>
+                <a:cs typeface="+mn-cs"/>
+              </a:rPr>
+              <a:t>alle Threads, die auf diese Daten zugreifen, greifen auf die selbe Speicherstelle zu</a:t>
+            </a:r>
+          </a:p>
+          <a:p>
+            <a:r>
+              <a:rPr lang="de-DE" sz="1200" kern="1200" dirty="0">
+                <a:solidFill>
+                  <a:schemeClr val="tx1"/>
+                </a:solidFill>
+                <a:effectLst/>
+                <a:latin typeface="+mn-lt"/>
+                <a:ea typeface="+mn-ea"/>
+                <a:cs typeface="+mn-cs"/>
+              </a:rPr>
+              <a:t>Threads kommunizieren miteinander oder synchronisieren sich über gemeinsame Daten</a:t>
+            </a:r>
+          </a:p>
+          <a:p>
+            <a:endParaRPr lang="de-DE" sz="1200" kern="1200" dirty="0">
+              <a:solidFill>
+                <a:schemeClr val="tx1"/>
+              </a:solidFill>
+              <a:effectLst/>
+              <a:latin typeface="+mn-lt"/>
+              <a:ea typeface="+mn-ea"/>
+              <a:cs typeface="+mn-cs"/>
+            </a:endParaRPr>
+          </a:p>
+          <a:p>
+            <a:r>
+              <a:rPr lang="de-DE" sz="1200" kern="1200" dirty="0">
+                <a:solidFill>
+                  <a:schemeClr val="tx1"/>
+                </a:solidFill>
+                <a:effectLst/>
+                <a:latin typeface="+mn-lt"/>
+                <a:ea typeface="+mn-ea"/>
+                <a:cs typeface="+mn-cs"/>
+              </a:rPr>
+              <a:t>Private Daten:</a:t>
+            </a:r>
+          </a:p>
+          <a:p>
+            <a:r>
+              <a:rPr lang="de-DE" sz="1200" kern="1200" dirty="0">
+                <a:solidFill>
+                  <a:schemeClr val="tx1"/>
+                </a:solidFill>
+                <a:effectLst/>
+                <a:latin typeface="+mn-lt"/>
+                <a:ea typeface="+mn-ea"/>
+                <a:cs typeface="+mn-cs"/>
+              </a:rPr>
+              <a:t>jeder Thread legt seine eigene private Kopie an</a:t>
+            </a:r>
+          </a:p>
+          <a:p>
+            <a:r>
+              <a:rPr lang="de-DE" sz="1200" kern="1200" dirty="0">
+                <a:solidFill>
+                  <a:schemeClr val="tx1"/>
+                </a:solidFill>
+                <a:effectLst/>
+                <a:latin typeface="+mn-lt"/>
+                <a:ea typeface="+mn-ea"/>
+                <a:cs typeface="+mn-cs"/>
+              </a:rPr>
+              <a:t>jeder Thread greift nur auf seine eigene Speicherstelle in seinem Ausführungskontext zu</a:t>
+            </a:r>
+          </a:p>
+          <a:p>
+            <a:r>
+              <a:rPr lang="de-DE" sz="1200" kern="1200" dirty="0">
+                <a:solidFill>
+                  <a:schemeClr val="tx1"/>
+                </a:solidFill>
+                <a:effectLst/>
+                <a:latin typeface="+mn-lt"/>
+                <a:ea typeface="+mn-ea"/>
+                <a:cs typeface="+mn-cs"/>
+              </a:rPr>
+              <a:t>nicht zugreifbar für andere Threads</a:t>
+            </a:r>
+          </a:p>
+          <a:p>
+            <a:r>
+              <a:rPr lang="de-DE" sz="1200" kern="1200" dirty="0">
+                <a:solidFill>
+                  <a:schemeClr val="tx1"/>
+                </a:solidFill>
+                <a:effectLst/>
+                <a:latin typeface="+mn-lt"/>
+                <a:ea typeface="+mn-ea"/>
+                <a:cs typeface="+mn-cs"/>
+              </a:rPr>
+              <a:t>existiert nur während der Ausführung einer parallelen Region</a:t>
+            </a:r>
+          </a:p>
+          <a:p>
+            <a:r>
+              <a:rPr lang="de-DE" sz="1200" kern="1200" dirty="0">
+                <a:solidFill>
+                  <a:schemeClr val="tx1"/>
+                </a:solidFill>
+                <a:effectLst/>
+                <a:latin typeface="+mn-lt"/>
+                <a:ea typeface="+mn-ea"/>
+                <a:cs typeface="+mn-cs"/>
+              </a:rPr>
+              <a:t>Wert beim Eintritt und Austritt in die parallele Region undefiniert</a:t>
+            </a:r>
             <a:endParaRPr lang="de-DE" dirty="0"/>
           </a:p>
         </p:txBody>
@@ -772,7 +778,91 @@
           <a:p>
             <a:fld id="{67F32239-C198-46BF-8243-3DEE8544CFAA}" type="slidenum">
               <a:rPr lang="de-DE" smtClean="0"/>
-              <a:t>11</a:t>
+              <a:t>8</a:t>
+            </a:fld>
+            <a:endParaRPr lang="de-DE"/>
+          </a:p>
+        </p:txBody>
+      </p:sp>
+    </p:spTree>
+    <p:extLst>
+      <p:ext uri="{BB962C8B-B14F-4D97-AF65-F5344CB8AC3E}">
+        <p14:creationId xmlns:p14="http://schemas.microsoft.com/office/powerpoint/2010/main" val="1659285144"/>
+      </p:ext>
+    </p:extLst>
+  </p:cSld>
+  <p:clrMapOvr>
+    <a:masterClrMapping/>
+  </p:clrMapOvr>
+</p:notes>
+</file>
+
+<file path=ppt/notesSlides/notesSlide3.xml><?xml version="1.0" encoding="utf-8"?>
+<p:notes xmlns:a="http://schemas.openxmlformats.org/drawingml/2006/main" xmlns:r="http://schemas.openxmlformats.org/officeDocument/2006/relationships" xmlns:p="http://schemas.openxmlformats.org/presentationml/2006/main">
+  <p:cSld>
+    <p:spTree>
+      <p:nvGrpSpPr>
+        <p:cNvPr id="1" name=""/>
+        <p:cNvGrpSpPr/>
+        <p:nvPr/>
+      </p:nvGrpSpPr>
+      <p:grpSpPr>
+        <a:xfrm>
+          <a:off x="0" y="0"/>
+          <a:ext cx="0" cy="0"/>
+          <a:chOff x="0" y="0"/>
+          <a:chExt cx="0" cy="0"/>
+        </a:xfrm>
+      </p:grpSpPr>
+      <p:sp>
+        <p:nvSpPr>
+          <p:cNvPr id="2" name="Folienbildplatzhalter 1"/>
+          <p:cNvSpPr>
+            <a:spLocks noGrp="1" noRot="1" noChangeAspect="1"/>
+          </p:cNvSpPr>
+          <p:nvPr>
+            <p:ph type="sldImg"/>
+          </p:nvPr>
+        </p:nvSpPr>
+        <p:spPr/>
+      </p:sp>
+      <p:sp>
+        <p:nvSpPr>
+          <p:cNvPr id="3" name="Notizenplatzhalter 2"/>
+          <p:cNvSpPr>
+            <a:spLocks noGrp="1"/>
+          </p:cNvSpPr>
+          <p:nvPr>
+            <p:ph type="body" idx="1"/>
+          </p:nvPr>
+        </p:nvSpPr>
+        <p:spPr/>
+        <p:txBody>
+          <a:bodyPr/>
+          <a:lstStyle/>
+          <a:p>
+            <a:endParaRPr lang="de-DE" dirty="0"/>
+          </a:p>
+        </p:txBody>
+      </p:sp>
+      <p:sp>
+        <p:nvSpPr>
+          <p:cNvPr id="4" name="Foliennummernplatzhalter 3"/>
+          <p:cNvSpPr>
+            <a:spLocks noGrp="1"/>
+          </p:cNvSpPr>
+          <p:nvPr>
+            <p:ph type="sldNum" sz="quarter" idx="5"/>
+          </p:nvPr>
+        </p:nvSpPr>
+        <p:spPr/>
+        <p:txBody>
+          <a:bodyPr/>
+          <a:lstStyle/>
+          <a:p>
+            <a:fld id="{67F32239-C198-46BF-8243-3DEE8544CFAA}" type="slidenum">
+              <a:rPr lang="de-DE" smtClean="0"/>
+              <a:t>14</a:t>
             </a:fld>
             <a:endParaRPr lang="de-DE"/>
           </a:p>
@@ -782,6 +872,90 @@
     <p:extLst>
       <p:ext uri="{BB962C8B-B14F-4D97-AF65-F5344CB8AC3E}">
         <p14:creationId xmlns:p14="http://schemas.microsoft.com/office/powerpoint/2010/main" val="1955124107"/>
+      </p:ext>
+    </p:extLst>
+  </p:cSld>
+  <p:clrMapOvr>
+    <a:masterClrMapping/>
+  </p:clrMapOvr>
+</p:notes>
+</file>
+
+<file path=ppt/notesSlides/notesSlide4.xml><?xml version="1.0" encoding="utf-8"?>
+<p:notes xmlns:a="http://schemas.openxmlformats.org/drawingml/2006/main" xmlns:r="http://schemas.openxmlformats.org/officeDocument/2006/relationships" xmlns:p="http://schemas.openxmlformats.org/presentationml/2006/main">
+  <p:cSld>
+    <p:spTree>
+      <p:nvGrpSpPr>
+        <p:cNvPr id="1" name=""/>
+        <p:cNvGrpSpPr/>
+        <p:nvPr/>
+      </p:nvGrpSpPr>
+      <p:grpSpPr>
+        <a:xfrm>
+          <a:off x="0" y="0"/>
+          <a:ext cx="0" cy="0"/>
+          <a:chOff x="0" y="0"/>
+          <a:chExt cx="0" cy="0"/>
+        </a:xfrm>
+      </p:grpSpPr>
+      <p:sp>
+        <p:nvSpPr>
+          <p:cNvPr id="2" name="Folienbildplatzhalter 1"/>
+          <p:cNvSpPr>
+            <a:spLocks noGrp="1" noRot="1" noChangeAspect="1"/>
+          </p:cNvSpPr>
+          <p:nvPr>
+            <p:ph type="sldImg"/>
+          </p:nvPr>
+        </p:nvSpPr>
+        <p:spPr/>
+      </p:sp>
+      <p:sp>
+        <p:nvSpPr>
+          <p:cNvPr id="3" name="Notizenplatzhalter 2"/>
+          <p:cNvSpPr>
+            <a:spLocks noGrp="1"/>
+          </p:cNvSpPr>
+          <p:nvPr>
+            <p:ph type="body" idx="1"/>
+          </p:nvPr>
+        </p:nvSpPr>
+        <p:spPr/>
+        <p:txBody>
+          <a:bodyPr/>
+          <a:lstStyle/>
+          <a:p>
+            <a:endParaRPr lang="de-DE" dirty="0"/>
+          </a:p>
+        </p:txBody>
+      </p:sp>
+      <p:sp>
+        <p:nvSpPr>
+          <p:cNvPr id="4" name="Foliennummernplatzhalter 3"/>
+          <p:cNvSpPr>
+            <a:spLocks noGrp="1"/>
+          </p:cNvSpPr>
+          <p:nvPr>
+            <p:ph type="sldNum" sz="quarter" idx="5"/>
+          </p:nvPr>
+        </p:nvSpPr>
+        <p:spPr/>
+        <p:txBody>
+          <a:bodyPr/>
+          <a:lstStyle/>
+          <a:p>
+            <a:fld id="{67F32239-C198-46BF-8243-3DEE8544CFAA}" type="slidenum">
+              <a:rPr lang="de-DE" smtClean="0"/>
+              <a:t>16</a:t>
+            </a:fld>
+            <a:endParaRPr lang="de-DE"/>
+          </a:p>
+        </p:txBody>
+      </p:sp>
+    </p:spTree>
+    <p:extLst>
+      <p:ext uri="{BB962C8B-B14F-4D97-AF65-F5344CB8AC3E}">
+        <p14:creationId xmlns:p14="http://schemas.microsoft.com/office/powerpoint/2010/main" val="1307838226"/>
       </p:ext>
     </p:extLst>
   </p:cSld>
@@ -938,7 +1112,7 @@
           <a:p>
             <a:fld id="{B5E8A55B-A329-4846-8D76-CA2F32F53923}" type="datetimeFigureOut">
               <a:rPr lang="de-DE" smtClean="0"/>
-              <a:t>09.02.2020</a:t>
+              <a:t>09.02.20</a:t>
             </a:fld>
             <a:endParaRPr lang="de-DE"/>
           </a:p>
@@ -1136,7 +1310,7 @@
           <a:p>
             <a:fld id="{B5E8A55B-A329-4846-8D76-CA2F32F53923}" type="datetimeFigureOut">
               <a:rPr lang="de-DE" smtClean="0"/>
-              <a:t>09.02.2020</a:t>
+              <a:t>09.02.20</a:t>
             </a:fld>
             <a:endParaRPr lang="de-DE"/>
           </a:p>
@@ -1344,7 +1518,7 @@
           <a:p>
             <a:fld id="{B5E8A55B-A329-4846-8D76-CA2F32F53923}" type="datetimeFigureOut">
               <a:rPr lang="de-DE" smtClean="0"/>
-              <a:t>09.02.2020</a:t>
+              <a:t>09.02.20</a:t>
             </a:fld>
             <a:endParaRPr lang="de-DE"/>
           </a:p>
@@ -1542,7 +1716,7 @@
           <a:p>
             <a:fld id="{B5E8A55B-A329-4846-8D76-CA2F32F53923}" type="datetimeFigureOut">
               <a:rPr lang="de-DE" smtClean="0"/>
-              <a:t>09.02.2020</a:t>
+              <a:t>09.02.20</a:t>
             </a:fld>
             <a:endParaRPr lang="de-DE"/>
           </a:p>
@@ -1817,7 +1991,7 @@
           <a:p>
             <a:fld id="{B5E8A55B-A329-4846-8D76-CA2F32F53923}" type="datetimeFigureOut">
               <a:rPr lang="de-DE" smtClean="0"/>
-              <a:t>09.02.2020</a:t>
+              <a:t>09.02.20</a:t>
             </a:fld>
             <a:endParaRPr lang="de-DE"/>
           </a:p>
@@ -2082,7 +2256,7 @@
           <a:p>
             <a:fld id="{B5E8A55B-A329-4846-8D76-CA2F32F53923}" type="datetimeFigureOut">
               <a:rPr lang="de-DE" smtClean="0"/>
-              <a:t>09.02.2020</a:t>
+              <a:t>09.02.20</a:t>
             </a:fld>
             <a:endParaRPr lang="de-DE"/>
           </a:p>
@@ -2494,7 +2668,7 @@
           <a:p>
             <a:fld id="{B5E8A55B-A329-4846-8D76-CA2F32F53923}" type="datetimeFigureOut">
               <a:rPr lang="de-DE" smtClean="0"/>
-              <a:t>09.02.2020</a:t>
+              <a:t>09.02.20</a:t>
             </a:fld>
             <a:endParaRPr lang="de-DE"/>
           </a:p>
@@ -2635,7 +2809,7 @@
           <a:p>
             <a:fld id="{B5E8A55B-A329-4846-8D76-CA2F32F53923}" type="datetimeFigureOut">
               <a:rPr lang="de-DE" smtClean="0"/>
-              <a:t>09.02.2020</a:t>
+              <a:t>09.02.20</a:t>
             </a:fld>
             <a:endParaRPr lang="de-DE"/>
           </a:p>
@@ -2748,7 +2922,7 @@
           <a:p>
             <a:fld id="{B5E8A55B-A329-4846-8D76-CA2F32F53923}" type="datetimeFigureOut">
               <a:rPr lang="de-DE" smtClean="0"/>
-              <a:t>09.02.2020</a:t>
+              <a:t>09.02.20</a:t>
             </a:fld>
             <a:endParaRPr lang="de-DE"/>
           </a:p>
@@ -3059,7 +3233,7 @@
           <a:p>
             <a:fld id="{B5E8A55B-A329-4846-8D76-CA2F32F53923}" type="datetimeFigureOut">
               <a:rPr lang="de-DE" smtClean="0"/>
-              <a:t>09.02.2020</a:t>
+              <a:t>09.02.20</a:t>
             </a:fld>
             <a:endParaRPr lang="de-DE"/>
           </a:p>
@@ -3347,7 +3521,7 @@
           <a:p>
             <a:fld id="{B5E8A55B-A329-4846-8D76-CA2F32F53923}" type="datetimeFigureOut">
               <a:rPr lang="de-DE" smtClean="0"/>
-              <a:t>09.02.2020</a:t>
+              <a:t>09.02.20</a:t>
             </a:fld>
             <a:endParaRPr lang="de-DE"/>
           </a:p>
@@ -3588,7 +3762,7 @@
           <a:p>
             <a:fld id="{B5E8A55B-A329-4846-8D76-CA2F32F53923}" type="datetimeFigureOut">
               <a:rPr lang="de-DE" smtClean="0"/>
-              <a:t>09.02.2020</a:t>
+              <a:t>09.02.20</a:t>
             </a:fld>
             <a:endParaRPr lang="de-DE"/>
           </a:p>
@@ -3991,6 +4165,14 @@
 <file path=ppt/slides/slide1.xml><?xml version="1.0" encoding="utf-8"?>
 <p:sld xmlns:a="http://schemas.openxmlformats.org/drawingml/2006/main" xmlns:r="http://schemas.openxmlformats.org/officeDocument/2006/relationships" xmlns:p="http://schemas.openxmlformats.org/presentationml/2006/main">
   <p:cSld>
+    <p:bg>
+      <p:bgPr>
+        <a:solidFill>
+          <a:schemeClr val="bg1"/>
+        </a:solidFill>
+        <a:effectLst/>
+      </p:bgPr>
+    </p:bg>
     <p:spTree>
       <p:nvGrpSpPr>
         <p:cNvPr id="1" name=""/>
@@ -4007,6 +4189,223 @@
       </p:grpSpPr>
       <p:sp>
         <p:nvSpPr>
+          <p:cNvPr id="12" name="Rectangle 11">
+            <a:extLst>
+              <a:ext uri="{FF2B5EF4-FFF2-40B4-BE49-F238E27FC236}">
+                <a16:creationId xmlns:a16="http://schemas.microsoft.com/office/drawing/2014/main" id="{EB270761-CC40-4F3F-A916-7E3BC3989348}"/>
+              </a:ext>
+              <a:ext uri="{C183D7F6-B498-43B3-948B-1728B52AA6E4}">
+                <adec:decorative xmlns:adec="http://schemas.microsoft.com/office/drawing/2017/decorative" val="1"/>
+              </a:ext>
+            </a:extLst>
+          </p:cNvPr>
+          <p:cNvSpPr>
+            <a:spLocks noGrp="1" noRot="1" noChangeAspect="1" noMove="1" noResize="1" noEditPoints="1" noAdjustHandles="1" noChangeArrowheads="1" noChangeShapeType="1" noTextEdit="1"/>
+          </p:cNvSpPr>
+          <p:nvPr>
+            <p:extLst>
+              <p:ext uri="{386F3935-93C4-4BCD-93E2-E3B085C9AB24}">
+                <p16:designElem xmlns:p16="http://schemas.microsoft.com/office/powerpoint/2015/main" val="1"/>
+              </p:ext>
+            </p:extLst>
+          </p:nvPr>
+        </p:nvSpPr>
+        <p:spPr>
+          <a:xfrm>
+            <a:off x="-1" y="0"/>
+            <a:ext cx="12191695" cy="6858000"/>
+          </a:xfrm>
+          <a:prstGeom prst="rect">
+            <a:avLst/>
+          </a:prstGeom>
+          <a:gradFill>
+            <a:gsLst>
+              <a:gs pos="0">
+                <a:schemeClr val="accent1">
+                  <a:lumMod val="5000"/>
+                  <a:lumOff val="95000"/>
+                </a:schemeClr>
+              </a:gs>
+              <a:gs pos="74000">
+                <a:schemeClr val="accent1">
+                  <a:lumMod val="45000"/>
+                  <a:lumOff val="55000"/>
+                </a:schemeClr>
+              </a:gs>
+              <a:gs pos="83000">
+                <a:schemeClr val="accent1">
+                  <a:lumMod val="45000"/>
+                  <a:lumOff val="55000"/>
+                </a:schemeClr>
+              </a:gs>
+              <a:gs pos="100000">
+                <a:schemeClr val="accent1">
+                  <a:lumMod val="30000"/>
+                  <a:lumOff val="70000"/>
+                </a:schemeClr>
+              </a:gs>
+            </a:gsLst>
+            <a:lin ang="5400000" scaled="1"/>
+          </a:gradFill>
+          <a:ln>
+            <a:noFill/>
+          </a:ln>
+        </p:spPr>
+        <p:style>
+          <a:lnRef idx="2">
+            <a:schemeClr val="accent1">
+              <a:shade val="50000"/>
+            </a:schemeClr>
+          </a:lnRef>
+          <a:fillRef idx="1">
+            <a:schemeClr val="accent1"/>
+          </a:fillRef>
+          <a:effectRef idx="0">
+            <a:schemeClr val="accent1"/>
+          </a:effectRef>
+          <a:fontRef idx="minor">
+            <a:schemeClr val="lt1"/>
+          </a:fontRef>
+        </p:style>
+        <p:txBody>
+          <a:bodyPr rtlCol="0" anchor="ctr"/>
+          <a:lstStyle/>
+          <a:p>
+            <a:pPr algn="ctr"/>
+            <a:endParaRPr lang="en-US"/>
+          </a:p>
+        </p:txBody>
+      </p:sp>
+      <p:sp>
+        <p:nvSpPr>
+          <p:cNvPr id="14" name="Rectangle 13">
+            <a:extLst>
+              <a:ext uri="{FF2B5EF4-FFF2-40B4-BE49-F238E27FC236}">
+                <a16:creationId xmlns:a16="http://schemas.microsoft.com/office/drawing/2014/main" id="{2820855C-9FA4-417A-BE67-63C022F81980}"/>
+              </a:ext>
+              <a:ext uri="{C183D7F6-B498-43B3-948B-1728B52AA6E4}">
+                <adec:decorative xmlns:adec="http://schemas.microsoft.com/office/drawing/2017/decorative" val="1"/>
+              </a:ext>
+            </a:extLst>
+          </p:cNvPr>
+          <p:cNvSpPr>
+            <a:spLocks noGrp="1" noRot="1" noChangeAspect="1" noMove="1" noResize="1" noEditPoints="1" noAdjustHandles="1" noChangeArrowheads="1" noChangeShapeType="1" noTextEdit="1"/>
+          </p:cNvSpPr>
+          <p:nvPr>
+            <p:extLst>
+              <p:ext uri="{386F3935-93C4-4BCD-93E2-E3B085C9AB24}">
+                <p16:designElem xmlns:p16="http://schemas.microsoft.com/office/powerpoint/2015/main" val="1"/>
+              </p:ext>
+            </p:extLst>
+          </p:nvPr>
+        </p:nvSpPr>
+        <p:spPr>
+          <a:xfrm>
+            <a:off x="0" y="891540"/>
+            <a:ext cx="722376" cy="5071110"/>
+          </a:xfrm>
+          <a:prstGeom prst="rect">
+            <a:avLst/>
+          </a:prstGeom>
+          <a:solidFill>
+            <a:srgbClr val="4C5254"/>
+          </a:solidFill>
+          <a:ln>
+            <a:noFill/>
+          </a:ln>
+        </p:spPr>
+        <p:style>
+          <a:lnRef idx="2">
+            <a:schemeClr val="accent1">
+              <a:shade val="50000"/>
+            </a:schemeClr>
+          </a:lnRef>
+          <a:fillRef idx="1">
+            <a:schemeClr val="accent1"/>
+          </a:fillRef>
+          <a:effectRef idx="0">
+            <a:schemeClr val="accent1"/>
+          </a:effectRef>
+          <a:fontRef idx="minor">
+            <a:schemeClr val="lt1"/>
+          </a:fontRef>
+        </p:style>
+        <p:txBody>
+          <a:bodyPr rtlCol="0" anchor="ctr"/>
+          <a:lstStyle/>
+          <a:p>
+            <a:pPr algn="ctr"/>
+            <a:endParaRPr lang="en-US"/>
+          </a:p>
+        </p:txBody>
+      </p:sp>
+      <p:sp>
+        <p:nvSpPr>
+          <p:cNvPr id="16" name="Rectangle 15">
+            <a:extLst>
+              <a:ext uri="{FF2B5EF4-FFF2-40B4-BE49-F238E27FC236}">
+                <a16:creationId xmlns:a16="http://schemas.microsoft.com/office/drawing/2014/main" id="{D7E6A49B-1B06-403E-8CC5-ACB38A6BDEEB}"/>
+              </a:ext>
+              <a:ext uri="{C183D7F6-B498-43B3-948B-1728B52AA6E4}">
+                <adec:decorative xmlns:adec="http://schemas.microsoft.com/office/drawing/2017/decorative" val="1"/>
+              </a:ext>
+            </a:extLst>
+          </p:cNvPr>
+          <p:cNvSpPr>
+            <a:spLocks noGrp="1" noRot="1" noChangeAspect="1" noMove="1" noResize="1" noEditPoints="1" noAdjustHandles="1" noChangeArrowheads="1" noChangeShapeType="1" noTextEdit="1"/>
+          </p:cNvSpPr>
+          <p:nvPr>
+            <p:extLst>
+              <p:ext uri="{386F3935-93C4-4BCD-93E2-E3B085C9AB24}">
+                <p16:designElem xmlns:p16="http://schemas.microsoft.com/office/powerpoint/2015/main" val="1"/>
+              </p:ext>
+            </p:extLst>
+          </p:nvPr>
+        </p:nvSpPr>
+        <p:spPr>
+          <a:xfrm>
+            <a:off x="1202435" y="891540"/>
+            <a:ext cx="10989565" cy="5071110"/>
+          </a:xfrm>
+          <a:prstGeom prst="rect">
+            <a:avLst/>
+          </a:prstGeom>
+          <a:solidFill>
+            <a:schemeClr val="bg1">
+              <a:alpha val="80000"/>
+            </a:schemeClr>
+          </a:solidFill>
+          <a:ln>
+            <a:noFill/>
+          </a:ln>
+        </p:spPr>
+        <p:style>
+          <a:lnRef idx="2">
+            <a:schemeClr val="accent1">
+              <a:shade val="50000"/>
+            </a:schemeClr>
+          </a:lnRef>
+          <a:fillRef idx="1">
+            <a:schemeClr val="accent1"/>
+          </a:fillRef>
+          <a:effectRef idx="0">
+            <a:schemeClr val="accent1"/>
+          </a:effectRef>
+          <a:fontRef idx="minor">
+            <a:schemeClr val="lt1"/>
+          </a:fontRef>
+        </p:style>
+        <p:txBody>
+          <a:bodyPr rtlCol="0" anchor="ctr"/>
+          <a:lstStyle/>
+          <a:p>
+            <a:pPr algn="ctr"/>
+            <a:endParaRPr lang="en-US"/>
+          </a:p>
+        </p:txBody>
+      </p:sp>
+      <p:sp>
+        <p:nvSpPr>
           <p:cNvPr id="2" name="Titel 1">
             <a:extLst>
               <a:ext uri="{FF2B5EF4-FFF2-40B4-BE49-F238E27FC236}">
@@ -4021,41 +4420,24 @@
             <p:ph type="ctrTitle"/>
           </p:nvPr>
         </p:nvSpPr>
-        <p:spPr/>
-        <p:txBody>
-          <a:bodyPr/>
+        <p:spPr>
+          <a:xfrm>
+            <a:off x="1366160" y="1660121"/>
+            <a:ext cx="9623404" cy="3305493"/>
+          </a:xfrm>
+        </p:spPr>
+        <p:txBody>
+          <a:bodyPr>
+            <a:normAutofit/>
+          </a:bodyPr>
           <a:lstStyle/>
           <a:p>
-            <a:r>
-              <a:rPr lang="en-US" dirty="0"/>
+            <a:pPr algn="l"/>
+            <a:r>
+              <a:rPr lang="en-US" sz="8800"/>
               <a:t>OpenMP</a:t>
             </a:r>
-            <a:endParaRPr lang="de-DE" dirty="0"/>
-          </a:p>
-        </p:txBody>
-      </p:sp>
-      <p:sp>
-        <p:nvSpPr>
-          <p:cNvPr id="3" name="Untertitel 2">
-            <a:extLst>
-              <a:ext uri="{FF2B5EF4-FFF2-40B4-BE49-F238E27FC236}">
-                <a16:creationId xmlns:a16="http://schemas.microsoft.com/office/drawing/2014/main" id="{F650B9E9-1097-4AF1-BFF8-30F04DA193B1}"/>
-              </a:ext>
-            </a:extLst>
-          </p:cNvPr>
-          <p:cNvSpPr>
-            <a:spLocks noGrp="1"/>
-          </p:cNvSpPr>
-          <p:nvPr>
-            <p:ph type="subTitle" idx="1"/>
-          </p:nvPr>
-        </p:nvSpPr>
-        <p:spPr/>
-        <p:txBody>
-          <a:bodyPr/>
-          <a:lstStyle/>
-          <a:p>
-            <a:endParaRPr lang="de-DE"/>
+            <a:endParaRPr lang="de-DE" sz="8800"/>
           </a:p>
         </p:txBody>
       </p:sp>
@@ -4094,7 +4476,7 @@
           <p:cNvPr id="2" name="Titel 1">
             <a:extLst>
               <a:ext uri="{FF2B5EF4-FFF2-40B4-BE49-F238E27FC236}">
-                <a16:creationId xmlns:a16="http://schemas.microsoft.com/office/drawing/2014/main" id="{C7E3F825-1918-451E-B3AB-EE354B6B60AF}"/>
+                <a16:creationId xmlns:a16="http://schemas.microsoft.com/office/drawing/2014/main" id="{59A524BF-F199-4B48-8E12-568949F6E88F}"/>
               </a:ext>
             </a:extLst>
           </p:cNvPr>
@@ -4111,18 +4493,19 @@
           <a:lstStyle/>
           <a:p>
             <a:r>
-              <a:rPr lang="de-DE"/>
-              <a:t>Übung 2 Game of Life</a:t>
-            </a:r>
-          </a:p>
-        </p:txBody>
-      </p:sp>
-      <p:sp>
-        <p:nvSpPr>
-          <p:cNvPr id="3" name="Inhaltsplatzhalter 2">
-            <a:extLst>
-              <a:ext uri="{FF2B5EF4-FFF2-40B4-BE49-F238E27FC236}">
-                <a16:creationId xmlns:a16="http://schemas.microsoft.com/office/drawing/2014/main" id="{6EFFB83E-507E-4C9F-B3D5-EF05AE455650}"/>
+              <a:rPr lang="en-US" dirty="0"/>
+              <a:t>OpenMP</a:t>
+            </a:r>
+            <a:endParaRPr lang="de-DE" dirty="0"/>
+          </a:p>
+        </p:txBody>
+      </p:sp>
+      <p:sp>
+        <p:nvSpPr>
+          <p:cNvPr id="4" name="Textplatzhalter 3">
+            <a:extLst>
+              <a:ext uri="{FF2B5EF4-FFF2-40B4-BE49-F238E27FC236}">
+                <a16:creationId xmlns:a16="http://schemas.microsoft.com/office/drawing/2014/main" id="{1BE5769B-2C6A-4DEC-B4CE-7A8B725E89C8}"/>
               </a:ext>
             </a:extLst>
           </p:cNvPr>
@@ -4130,7 +4513,7 @@
             <a:spLocks noGrp="1"/>
           </p:cNvSpPr>
           <p:nvPr>
-            <p:ph idx="1"/>
+            <p:ph type="body" idx="1"/>
           </p:nvPr>
         </p:nvSpPr>
         <p:spPr/>
@@ -4140,9 +4523,934 @@
           <a:p>
             <a:r>
               <a:rPr lang="en-US" dirty="0" err="1"/>
-              <a:t>asd</a:t>
+              <a:t>Vorteile</a:t>
             </a:r>
             <a:endParaRPr lang="de-DE" dirty="0"/>
+          </a:p>
+        </p:txBody>
+      </p:sp>
+      <p:sp>
+        <p:nvSpPr>
+          <p:cNvPr id="3" name="Inhaltsplatzhalter 2">
+            <a:extLst>
+              <a:ext uri="{FF2B5EF4-FFF2-40B4-BE49-F238E27FC236}">
+                <a16:creationId xmlns:a16="http://schemas.microsoft.com/office/drawing/2014/main" id="{8E71139A-310F-44D6-859A-E656BE8B871B}"/>
+              </a:ext>
+            </a:extLst>
+          </p:cNvPr>
+          <p:cNvSpPr>
+            <a:spLocks noGrp="1"/>
+          </p:cNvSpPr>
+          <p:nvPr>
+            <p:ph sz="half" idx="2"/>
+          </p:nvPr>
+        </p:nvSpPr>
+        <p:spPr/>
+        <p:txBody>
+          <a:bodyPr/>
+          <a:lstStyle/>
+          <a:p>
+            <a:r>
+              <a:rPr lang="de-DE" dirty="0"/>
+              <a:t>Parallelisierung seriellen Codes durch Direktiven</a:t>
+            </a:r>
+          </a:p>
+          <a:p>
+            <a:r>
+              <a:rPr lang="de-DE" dirty="0"/>
+              <a:t>Einfach und schnell zu implementieren</a:t>
+            </a:r>
+          </a:p>
+          <a:p>
+            <a:r>
+              <a:rPr lang="de-DE" dirty="0"/>
+              <a:t>Code bleibt übersichtlich</a:t>
+            </a:r>
+          </a:p>
+          <a:p>
+            <a:endParaRPr lang="de-DE" dirty="0"/>
+          </a:p>
+        </p:txBody>
+      </p:sp>
+      <p:sp>
+        <p:nvSpPr>
+          <p:cNvPr id="5" name="Textplatzhalter 4">
+            <a:extLst>
+              <a:ext uri="{FF2B5EF4-FFF2-40B4-BE49-F238E27FC236}">
+                <a16:creationId xmlns:a16="http://schemas.microsoft.com/office/drawing/2014/main" id="{75D614F6-E68E-4420-8137-EC07E0C0E2FA}"/>
+              </a:ext>
+            </a:extLst>
+          </p:cNvPr>
+          <p:cNvSpPr>
+            <a:spLocks noGrp="1"/>
+          </p:cNvSpPr>
+          <p:nvPr>
+            <p:ph type="body" sz="quarter" idx="3"/>
+          </p:nvPr>
+        </p:nvSpPr>
+        <p:spPr/>
+        <p:txBody>
+          <a:bodyPr/>
+          <a:lstStyle/>
+          <a:p>
+            <a:r>
+              <a:rPr lang="en-US" dirty="0" err="1"/>
+              <a:t>Nachteile</a:t>
+            </a:r>
+            <a:endParaRPr lang="de-DE" dirty="0"/>
+          </a:p>
+        </p:txBody>
+      </p:sp>
+      <p:sp>
+        <p:nvSpPr>
+          <p:cNvPr id="6" name="Inhaltsplatzhalter 5">
+            <a:extLst>
+              <a:ext uri="{FF2B5EF4-FFF2-40B4-BE49-F238E27FC236}">
+                <a16:creationId xmlns:a16="http://schemas.microsoft.com/office/drawing/2014/main" id="{AACDD7B1-CEDE-44D9-8B47-98BE114AAB3F}"/>
+              </a:ext>
+            </a:extLst>
+          </p:cNvPr>
+          <p:cNvSpPr>
+            <a:spLocks noGrp="1"/>
+          </p:cNvSpPr>
+          <p:nvPr>
+            <p:ph sz="quarter" idx="4"/>
+          </p:nvPr>
+        </p:nvSpPr>
+        <p:spPr/>
+        <p:txBody>
+          <a:bodyPr/>
+          <a:lstStyle/>
+          <a:p>
+            <a:r>
+              <a:rPr lang="de-DE" dirty="0"/>
+              <a:t>Spezieller Compiler</a:t>
+            </a:r>
+          </a:p>
+          <a:p>
+            <a:r>
+              <a:rPr lang="de-DE" dirty="0"/>
+              <a:t>Nur mit gemeinsamem Speicher </a:t>
+            </a:r>
+          </a:p>
+          <a:p>
+            <a:r>
+              <a:rPr lang="de-DE" dirty="0"/>
+              <a:t>Kommunikation zwischen Threads sind implizit </a:t>
+            </a:r>
+          </a:p>
+          <a:p>
+            <a:pPr lvl="1"/>
+            <a:r>
+              <a:rPr lang="de-DE" dirty="0"/>
+              <a:t>Schwer nachvollziehbar</a:t>
+            </a:r>
+          </a:p>
+        </p:txBody>
+      </p:sp>
+    </p:spTree>
+    <p:extLst>
+      <p:ext uri="{BB962C8B-B14F-4D97-AF65-F5344CB8AC3E}">
+        <p14:creationId xmlns:p14="http://schemas.microsoft.com/office/powerpoint/2010/main" val="593835966"/>
+      </p:ext>
+    </p:extLst>
+  </p:cSld>
+  <p:clrMapOvr>
+    <a:masterClrMapping/>
+  </p:clrMapOvr>
+</p:sld>
+</file>
+
+<file path=ppt/slides/slide11.xml><?xml version="1.0" encoding="utf-8"?>
+<p:sld xmlns:a="http://schemas.openxmlformats.org/drawingml/2006/main" xmlns:r="http://schemas.openxmlformats.org/officeDocument/2006/relationships" xmlns:p="http://schemas.openxmlformats.org/presentationml/2006/main">
+  <p:cSld>
+    <p:bg>
+      <p:bgPr>
+        <a:solidFill>
+          <a:schemeClr val="bg1"/>
+        </a:solidFill>
+        <a:effectLst/>
+      </p:bgPr>
+    </p:bg>
+    <p:spTree>
+      <p:nvGrpSpPr>
+        <p:cNvPr id="1" name=""/>
+        <p:cNvGrpSpPr/>
+        <p:nvPr/>
+      </p:nvGrpSpPr>
+      <p:grpSpPr>
+        <a:xfrm>
+          <a:off x="0" y="0"/>
+          <a:ext cx="0" cy="0"/>
+          <a:chOff x="0" y="0"/>
+          <a:chExt cx="0" cy="0"/>
+        </a:xfrm>
+      </p:grpSpPr>
+      <p:sp>
+        <p:nvSpPr>
+          <p:cNvPr id="7" name="Rectangle 6">
+            <a:extLst>
+              <a:ext uri="{FF2B5EF4-FFF2-40B4-BE49-F238E27FC236}">
+                <a16:creationId xmlns:a16="http://schemas.microsoft.com/office/drawing/2014/main" id="{EB270761-CC40-4F3F-A916-7E3BC3989348}"/>
+              </a:ext>
+              <a:ext uri="{C183D7F6-B498-43B3-948B-1728B52AA6E4}">
+                <adec:decorative xmlns:adec="http://schemas.microsoft.com/office/drawing/2017/decorative" val="1"/>
+              </a:ext>
+            </a:extLst>
+          </p:cNvPr>
+          <p:cNvSpPr>
+            <a:spLocks noGrp="1" noRot="1" noChangeAspect="1" noMove="1" noResize="1" noEditPoints="1" noAdjustHandles="1" noChangeArrowheads="1" noChangeShapeType="1" noTextEdit="1"/>
+          </p:cNvSpPr>
+          <p:nvPr>
+            <p:extLst>
+              <p:ext uri="{386F3935-93C4-4BCD-93E2-E3B085C9AB24}">
+                <p16:designElem xmlns:p16="http://schemas.microsoft.com/office/powerpoint/2015/main" val="1"/>
+              </p:ext>
+            </p:extLst>
+          </p:nvPr>
+        </p:nvSpPr>
+        <p:spPr>
+          <a:xfrm>
+            <a:off x="-1" y="0"/>
+            <a:ext cx="12191695" cy="6858000"/>
+          </a:xfrm>
+          <a:prstGeom prst="rect">
+            <a:avLst/>
+          </a:prstGeom>
+          <a:gradFill>
+            <a:gsLst>
+              <a:gs pos="0">
+                <a:schemeClr val="accent1">
+                  <a:lumMod val="5000"/>
+                  <a:lumOff val="95000"/>
+                </a:schemeClr>
+              </a:gs>
+              <a:gs pos="74000">
+                <a:schemeClr val="accent1">
+                  <a:lumMod val="45000"/>
+                  <a:lumOff val="55000"/>
+                </a:schemeClr>
+              </a:gs>
+              <a:gs pos="83000">
+                <a:schemeClr val="accent1">
+                  <a:lumMod val="45000"/>
+                  <a:lumOff val="55000"/>
+                </a:schemeClr>
+              </a:gs>
+              <a:gs pos="100000">
+                <a:schemeClr val="accent1">
+                  <a:lumMod val="30000"/>
+                  <a:lumOff val="70000"/>
+                </a:schemeClr>
+              </a:gs>
+            </a:gsLst>
+            <a:lin ang="5400000" scaled="1"/>
+          </a:gradFill>
+          <a:ln>
+            <a:noFill/>
+          </a:ln>
+        </p:spPr>
+        <p:style>
+          <a:lnRef idx="2">
+            <a:schemeClr val="accent1">
+              <a:shade val="50000"/>
+            </a:schemeClr>
+          </a:lnRef>
+          <a:fillRef idx="1">
+            <a:schemeClr val="accent1"/>
+          </a:fillRef>
+          <a:effectRef idx="0">
+            <a:schemeClr val="accent1"/>
+          </a:effectRef>
+          <a:fontRef idx="minor">
+            <a:schemeClr val="lt1"/>
+          </a:fontRef>
+        </p:style>
+        <p:txBody>
+          <a:bodyPr rtlCol="0" anchor="ctr"/>
+          <a:lstStyle/>
+          <a:p>
+            <a:pPr algn="ctr"/>
+            <a:endParaRPr lang="en-US"/>
+          </a:p>
+        </p:txBody>
+      </p:sp>
+      <p:sp>
+        <p:nvSpPr>
+          <p:cNvPr id="9" name="Rectangle 8">
+            <a:extLst>
+              <a:ext uri="{FF2B5EF4-FFF2-40B4-BE49-F238E27FC236}">
+                <a16:creationId xmlns:a16="http://schemas.microsoft.com/office/drawing/2014/main" id="{2820855C-9FA4-417A-BE67-63C022F81980}"/>
+              </a:ext>
+              <a:ext uri="{C183D7F6-B498-43B3-948B-1728B52AA6E4}">
+                <adec:decorative xmlns:adec="http://schemas.microsoft.com/office/drawing/2017/decorative" val="1"/>
+              </a:ext>
+            </a:extLst>
+          </p:cNvPr>
+          <p:cNvSpPr>
+            <a:spLocks noGrp="1" noRot="1" noChangeAspect="1" noMove="1" noResize="1" noEditPoints="1" noAdjustHandles="1" noChangeArrowheads="1" noChangeShapeType="1" noTextEdit="1"/>
+          </p:cNvSpPr>
+          <p:nvPr>
+            <p:extLst>
+              <p:ext uri="{386F3935-93C4-4BCD-93E2-E3B085C9AB24}">
+                <p16:designElem xmlns:p16="http://schemas.microsoft.com/office/powerpoint/2015/main" val="1"/>
+              </p:ext>
+            </p:extLst>
+          </p:nvPr>
+        </p:nvSpPr>
+        <p:spPr>
+          <a:xfrm>
+            <a:off x="0" y="891540"/>
+            <a:ext cx="722376" cy="5071110"/>
+          </a:xfrm>
+          <a:prstGeom prst="rect">
+            <a:avLst/>
+          </a:prstGeom>
+          <a:solidFill>
+            <a:srgbClr val="4C5254"/>
+          </a:solidFill>
+          <a:ln>
+            <a:noFill/>
+          </a:ln>
+        </p:spPr>
+        <p:style>
+          <a:lnRef idx="2">
+            <a:schemeClr val="accent1">
+              <a:shade val="50000"/>
+            </a:schemeClr>
+          </a:lnRef>
+          <a:fillRef idx="1">
+            <a:schemeClr val="accent1"/>
+          </a:fillRef>
+          <a:effectRef idx="0">
+            <a:schemeClr val="accent1"/>
+          </a:effectRef>
+          <a:fontRef idx="minor">
+            <a:schemeClr val="lt1"/>
+          </a:fontRef>
+        </p:style>
+        <p:txBody>
+          <a:bodyPr rtlCol="0" anchor="ctr"/>
+          <a:lstStyle/>
+          <a:p>
+            <a:pPr algn="ctr"/>
+            <a:endParaRPr lang="en-US"/>
+          </a:p>
+        </p:txBody>
+      </p:sp>
+      <p:sp>
+        <p:nvSpPr>
+          <p:cNvPr id="11" name="Rectangle 10">
+            <a:extLst>
+              <a:ext uri="{FF2B5EF4-FFF2-40B4-BE49-F238E27FC236}">
+                <a16:creationId xmlns:a16="http://schemas.microsoft.com/office/drawing/2014/main" id="{D7E6A49B-1B06-403E-8CC5-ACB38A6BDEEB}"/>
+              </a:ext>
+              <a:ext uri="{C183D7F6-B498-43B3-948B-1728B52AA6E4}">
+                <adec:decorative xmlns:adec="http://schemas.microsoft.com/office/drawing/2017/decorative" val="1"/>
+              </a:ext>
+            </a:extLst>
+          </p:cNvPr>
+          <p:cNvSpPr>
+            <a:spLocks noGrp="1" noRot="1" noChangeAspect="1" noMove="1" noResize="1" noEditPoints="1" noAdjustHandles="1" noChangeArrowheads="1" noChangeShapeType="1" noTextEdit="1"/>
+          </p:cNvSpPr>
+          <p:nvPr>
+            <p:extLst>
+              <p:ext uri="{386F3935-93C4-4BCD-93E2-E3B085C9AB24}">
+                <p16:designElem xmlns:p16="http://schemas.microsoft.com/office/powerpoint/2015/main" val="1"/>
+              </p:ext>
+            </p:extLst>
+          </p:nvPr>
+        </p:nvSpPr>
+        <p:spPr>
+          <a:xfrm>
+            <a:off x="1202435" y="891540"/>
+            <a:ext cx="10989565" cy="5071110"/>
+          </a:xfrm>
+          <a:prstGeom prst="rect">
+            <a:avLst/>
+          </a:prstGeom>
+          <a:solidFill>
+            <a:schemeClr val="bg1">
+              <a:alpha val="80000"/>
+            </a:schemeClr>
+          </a:solidFill>
+          <a:ln>
+            <a:noFill/>
+          </a:ln>
+        </p:spPr>
+        <p:style>
+          <a:lnRef idx="2">
+            <a:schemeClr val="accent1">
+              <a:shade val="50000"/>
+            </a:schemeClr>
+          </a:lnRef>
+          <a:fillRef idx="1">
+            <a:schemeClr val="accent1"/>
+          </a:fillRef>
+          <a:effectRef idx="0">
+            <a:schemeClr val="accent1"/>
+          </a:effectRef>
+          <a:fontRef idx="minor">
+            <a:schemeClr val="lt1"/>
+          </a:fontRef>
+        </p:style>
+        <p:txBody>
+          <a:bodyPr rtlCol="0" anchor="ctr"/>
+          <a:lstStyle/>
+          <a:p>
+            <a:pPr algn="ctr"/>
+            <a:endParaRPr lang="en-US"/>
+          </a:p>
+        </p:txBody>
+      </p:sp>
+      <p:sp>
+        <p:nvSpPr>
+          <p:cNvPr id="2" name="Titel 1">
+            <a:extLst>
+              <a:ext uri="{FF2B5EF4-FFF2-40B4-BE49-F238E27FC236}">
+                <a16:creationId xmlns:a16="http://schemas.microsoft.com/office/drawing/2014/main" id="{37C29E86-CE3A-4BC8-9116-2D6039E202C9}"/>
+              </a:ext>
+            </a:extLst>
+          </p:cNvPr>
+          <p:cNvSpPr>
+            <a:spLocks noGrp="1"/>
+          </p:cNvSpPr>
+          <p:nvPr>
+            <p:ph type="ctrTitle"/>
+          </p:nvPr>
+        </p:nvSpPr>
+        <p:spPr>
+          <a:xfrm>
+            <a:off x="1366160" y="1660121"/>
+            <a:ext cx="9623404" cy="3305493"/>
+          </a:xfrm>
+        </p:spPr>
+        <p:txBody>
+          <a:bodyPr>
+            <a:normAutofit/>
+          </a:bodyPr>
+          <a:lstStyle/>
+          <a:p>
+            <a:pPr algn="l"/>
+            <a:r>
+              <a:rPr lang="en-US" sz="8800"/>
+              <a:t>Übungen</a:t>
+            </a:r>
+            <a:endParaRPr lang="de-DE" sz="8800"/>
+          </a:p>
+        </p:txBody>
+      </p:sp>
+    </p:spTree>
+    <p:extLst>
+      <p:ext uri="{BB962C8B-B14F-4D97-AF65-F5344CB8AC3E}">
+        <p14:creationId xmlns:p14="http://schemas.microsoft.com/office/powerpoint/2010/main" val="3103430782"/>
+      </p:ext>
+    </p:extLst>
+  </p:cSld>
+  <p:clrMapOvr>
+    <a:masterClrMapping/>
+  </p:clrMapOvr>
+</p:sld>
+</file>
+
+<file path=ppt/slides/slide12.xml><?xml version="1.0" encoding="utf-8"?>
+<p:sld xmlns:a="http://schemas.openxmlformats.org/drawingml/2006/main" xmlns:r="http://schemas.openxmlformats.org/officeDocument/2006/relationships" xmlns:p="http://schemas.openxmlformats.org/presentationml/2006/main">
+  <p:cSld>
+    <p:bg>
+      <p:bgPr>
+        <a:solidFill>
+          <a:schemeClr val="bg1"/>
+        </a:solidFill>
+        <a:effectLst/>
+      </p:bgPr>
+    </p:bg>
+    <p:spTree>
+      <p:nvGrpSpPr>
+        <p:cNvPr id="1" name=""/>
+        <p:cNvGrpSpPr/>
+        <p:nvPr/>
+      </p:nvGrpSpPr>
+      <p:grpSpPr>
+        <a:xfrm>
+          <a:off x="0" y="0"/>
+          <a:ext cx="0" cy="0"/>
+          <a:chOff x="0" y="0"/>
+          <a:chExt cx="0" cy="0"/>
+        </a:xfrm>
+      </p:grpSpPr>
+      <p:sp>
+        <p:nvSpPr>
+          <p:cNvPr id="8" name="Rectangle 7">
+            <a:extLst>
+              <a:ext uri="{FF2B5EF4-FFF2-40B4-BE49-F238E27FC236}">
+                <a16:creationId xmlns:a16="http://schemas.microsoft.com/office/drawing/2014/main" id="{8D70B121-56F4-4848-B38B-182089D909FA}"/>
+              </a:ext>
+              <a:ext uri="{C183D7F6-B498-43B3-948B-1728B52AA6E4}">
+                <adec:decorative xmlns:adec="http://schemas.microsoft.com/office/drawing/2017/decorative" val="1"/>
+              </a:ext>
+            </a:extLst>
+          </p:cNvPr>
+          <p:cNvSpPr>
+            <a:spLocks noGrp="1" noRot="1" noChangeAspect="1" noMove="1" noResize="1" noEditPoints="1" noAdjustHandles="1" noChangeArrowheads="1" noChangeShapeType="1" noTextEdit="1"/>
+          </p:cNvSpPr>
+          <p:nvPr>
+            <p:extLst>
+              <p:ext uri="{386F3935-93C4-4BCD-93E2-E3B085C9AB24}">
+                <p16:designElem xmlns:p16="http://schemas.microsoft.com/office/powerpoint/2015/main" val="1"/>
+              </p:ext>
+            </p:extLst>
+          </p:nvPr>
+        </p:nvSpPr>
+        <p:spPr bwMode="ltGray">
+          <a:xfrm>
+            <a:off x="321564" y="320040"/>
+            <a:ext cx="11548872" cy="6217920"/>
+          </a:xfrm>
+          <a:prstGeom prst="rect">
+            <a:avLst/>
+          </a:prstGeom>
+          <a:solidFill>
+            <a:schemeClr val="tx1">
+              <a:alpha val="8000"/>
+            </a:schemeClr>
+          </a:solidFill>
+          <a:ln w="127000" cap="sq" cmpd="thinThick">
+            <a:noFill/>
+          </a:ln>
+        </p:spPr>
+        <p:style>
+          <a:lnRef idx="2">
+            <a:schemeClr val="accent1">
+              <a:shade val="50000"/>
+            </a:schemeClr>
+          </a:lnRef>
+          <a:fillRef idx="1">
+            <a:schemeClr val="accent1"/>
+          </a:fillRef>
+          <a:effectRef idx="0">
+            <a:schemeClr val="accent1"/>
+          </a:effectRef>
+          <a:fontRef idx="minor">
+            <a:schemeClr val="lt1"/>
+          </a:fontRef>
+        </p:style>
+        <p:txBody>
+          <a:bodyPr rtlCol="0" anchor="ctr"/>
+          <a:lstStyle/>
+          <a:p>
+            <a:pPr algn="ctr"/>
+            <a:endParaRPr lang="en-US"/>
+          </a:p>
+        </p:txBody>
+      </p:sp>
+      <p:sp>
+        <p:nvSpPr>
+          <p:cNvPr id="2" name="Titel 1">
+            <a:extLst>
+              <a:ext uri="{FF2B5EF4-FFF2-40B4-BE49-F238E27FC236}">
+                <a16:creationId xmlns:a16="http://schemas.microsoft.com/office/drawing/2014/main" id="{C7E3F825-1918-451E-B3AB-EE354B6B60AF}"/>
+              </a:ext>
+            </a:extLst>
+          </p:cNvPr>
+          <p:cNvSpPr>
+            <a:spLocks noGrp="1"/>
+          </p:cNvSpPr>
+          <p:nvPr>
+            <p:ph type="title"/>
+          </p:nvPr>
+        </p:nvSpPr>
+        <p:spPr>
+          <a:xfrm>
+            <a:off x="838200" y="963877"/>
+            <a:ext cx="3494362" cy="4930246"/>
+          </a:xfrm>
+        </p:spPr>
+        <p:txBody>
+          <a:bodyPr>
+            <a:normAutofit/>
+          </a:bodyPr>
+          <a:lstStyle/>
+          <a:p>
+            <a:pPr algn="r"/>
+            <a:r>
+              <a:rPr lang="de-DE" sz="4100">
+                <a:solidFill>
+                  <a:schemeClr val="accent1"/>
+                </a:solidFill>
+              </a:rPr>
+              <a:t>Übung 1 Parallelisierung von Addition</a:t>
+            </a:r>
+          </a:p>
+        </p:txBody>
+      </p:sp>
+      <p:cxnSp>
+        <p:nvCxnSpPr>
+          <p:cNvPr id="10" name="Straight Connector 9">
+            <a:extLst>
+              <a:ext uri="{FF2B5EF4-FFF2-40B4-BE49-F238E27FC236}">
+                <a16:creationId xmlns:a16="http://schemas.microsoft.com/office/drawing/2014/main" id="{2D72A2C9-F3CA-4216-8BAD-FA4C970C3C4E}"/>
+              </a:ext>
+              <a:ext uri="{C183D7F6-B498-43B3-948B-1728B52AA6E4}">
+                <adec:decorative xmlns:adec="http://schemas.microsoft.com/office/drawing/2017/decorative" val="1"/>
+              </a:ext>
+            </a:extLst>
+          </p:cNvPr>
+          <p:cNvCxnSpPr>
+            <a:cxnSpLocks noGrp="1" noRot="1" noChangeAspect="1" noMove="1" noResize="1" noEditPoints="1" noAdjustHandles="1" noChangeArrowheads="1" noChangeShapeType="1"/>
+          </p:cNvCxnSpPr>
+          <p:nvPr>
+            <p:extLst>
+              <p:ext uri="{386F3935-93C4-4BCD-93E2-E3B085C9AB24}">
+                <p16:designElem xmlns:p16="http://schemas.microsoft.com/office/powerpoint/2015/main" val="1"/>
+              </p:ext>
+            </p:extLst>
+          </p:nvPr>
+        </p:nvCxnSpPr>
+        <p:spPr>
+          <a:xfrm>
+            <a:off x="4654296" y="2057400"/>
+            <a:ext cx="0" cy="2743200"/>
+          </a:xfrm>
+          <a:prstGeom prst="line">
+            <a:avLst/>
+          </a:prstGeom>
+          <a:ln w="19050">
+            <a:solidFill>
+              <a:schemeClr val="tx1">
+                <a:lumMod val="85000"/>
+                <a:lumOff val="15000"/>
+              </a:schemeClr>
+            </a:solidFill>
+          </a:ln>
+        </p:spPr>
+        <p:style>
+          <a:lnRef idx="1">
+            <a:schemeClr val="accent1"/>
+          </a:lnRef>
+          <a:fillRef idx="0">
+            <a:schemeClr val="accent1"/>
+          </a:fillRef>
+          <a:effectRef idx="0">
+            <a:schemeClr val="accent1"/>
+          </a:effectRef>
+          <a:fontRef idx="minor">
+            <a:schemeClr val="tx1"/>
+          </a:fontRef>
+        </p:style>
+      </p:cxnSp>
+      <p:sp>
+        <p:nvSpPr>
+          <p:cNvPr id="3" name="Inhaltsplatzhalter 2">
+            <a:extLst>
+              <a:ext uri="{FF2B5EF4-FFF2-40B4-BE49-F238E27FC236}">
+                <a16:creationId xmlns:a16="http://schemas.microsoft.com/office/drawing/2014/main" id="{6EFFB83E-507E-4C9F-B3D5-EF05AE455650}"/>
+              </a:ext>
+            </a:extLst>
+          </p:cNvPr>
+          <p:cNvSpPr>
+            <a:spLocks noGrp="1"/>
+          </p:cNvSpPr>
+          <p:nvPr>
+            <p:ph idx="1"/>
+          </p:nvPr>
+        </p:nvSpPr>
+        <p:spPr>
+          <a:xfrm>
+            <a:off x="4976031" y="963877"/>
+            <a:ext cx="6377769" cy="4930246"/>
+          </a:xfrm>
+        </p:spPr>
+        <p:txBody>
+          <a:bodyPr anchor="ctr">
+            <a:normAutofit/>
+          </a:bodyPr>
+          <a:lstStyle/>
+          <a:p>
+            <a:r>
+              <a:rPr lang="de-DE" sz="2400"/>
+              <a:t>Warum gleiche Performance bei Release-Build?</a:t>
+            </a:r>
+          </a:p>
+          <a:p>
+            <a:endParaRPr lang="de-DE" sz="2400"/>
+          </a:p>
+          <a:p>
+            <a:endParaRPr lang="de-DE" sz="2400"/>
+          </a:p>
+          <a:p>
+            <a:r>
+              <a:rPr lang="de-DE" sz="2400"/>
+              <a:t>Welche Unterschiede ergeben sich zwischen dem Debug- und Release-Build?</a:t>
+            </a:r>
+          </a:p>
+          <a:p>
+            <a:endParaRPr lang="de-DE" sz="2400"/>
+          </a:p>
+          <a:p>
+            <a:endParaRPr lang="de-DE" sz="2400"/>
+          </a:p>
+          <a:p>
+            <a:r>
+              <a:rPr lang="de-DE" sz="2400"/>
+              <a:t>Was zeigt der Task-Manager für eine Ressourcen-Auslastung an?</a:t>
+            </a:r>
+          </a:p>
+        </p:txBody>
+      </p:sp>
+    </p:spTree>
+    <p:extLst>
+      <p:ext uri="{BB962C8B-B14F-4D97-AF65-F5344CB8AC3E}">
+        <p14:creationId xmlns:p14="http://schemas.microsoft.com/office/powerpoint/2010/main" val="2737949822"/>
+      </p:ext>
+    </p:extLst>
+  </p:cSld>
+  <p:clrMapOvr>
+    <a:masterClrMapping/>
+  </p:clrMapOvr>
+</p:sld>
+</file>
+
+<file path=ppt/slides/slide13.xml><?xml version="1.0" encoding="utf-8"?>
+<p:sld xmlns:a="http://schemas.openxmlformats.org/drawingml/2006/main" xmlns:r="http://schemas.openxmlformats.org/officeDocument/2006/relationships" xmlns:p="http://schemas.openxmlformats.org/presentationml/2006/main">
+  <p:cSld>
+    <p:bg>
+      <p:bgPr>
+        <a:solidFill>
+          <a:schemeClr val="bg1"/>
+        </a:solidFill>
+        <a:effectLst/>
+      </p:bgPr>
+    </p:bg>
+    <p:spTree>
+      <p:nvGrpSpPr>
+        <p:cNvPr id="1" name=""/>
+        <p:cNvGrpSpPr/>
+        <p:nvPr/>
+      </p:nvGrpSpPr>
+      <p:grpSpPr>
+        <a:xfrm>
+          <a:off x="0" y="0"/>
+          <a:ext cx="0" cy="0"/>
+          <a:chOff x="0" y="0"/>
+          <a:chExt cx="0" cy="0"/>
+        </a:xfrm>
+      </p:grpSpPr>
+      <p:sp>
+        <p:nvSpPr>
+          <p:cNvPr id="8" name="Rectangle 7">
+            <a:extLst>
+              <a:ext uri="{FF2B5EF4-FFF2-40B4-BE49-F238E27FC236}">
+                <a16:creationId xmlns:a16="http://schemas.microsoft.com/office/drawing/2014/main" id="{8D70B121-56F4-4848-B38B-182089D909FA}"/>
+              </a:ext>
+              <a:ext uri="{C183D7F6-B498-43B3-948B-1728B52AA6E4}">
+                <adec:decorative xmlns:adec="http://schemas.microsoft.com/office/drawing/2017/decorative" val="1"/>
+              </a:ext>
+            </a:extLst>
+          </p:cNvPr>
+          <p:cNvSpPr>
+            <a:spLocks noGrp="1" noRot="1" noChangeAspect="1" noMove="1" noResize="1" noEditPoints="1" noAdjustHandles="1" noChangeArrowheads="1" noChangeShapeType="1" noTextEdit="1"/>
+          </p:cNvSpPr>
+          <p:nvPr>
+            <p:extLst>
+              <p:ext uri="{386F3935-93C4-4BCD-93E2-E3B085C9AB24}">
+                <p16:designElem xmlns:p16="http://schemas.microsoft.com/office/powerpoint/2015/main" val="1"/>
+              </p:ext>
+            </p:extLst>
+          </p:nvPr>
+        </p:nvSpPr>
+        <p:spPr bwMode="ltGray">
+          <a:xfrm>
+            <a:off x="321564" y="320040"/>
+            <a:ext cx="11548872" cy="6217920"/>
+          </a:xfrm>
+          <a:prstGeom prst="rect">
+            <a:avLst/>
+          </a:prstGeom>
+          <a:solidFill>
+            <a:schemeClr val="tx1">
+              <a:alpha val="8000"/>
+            </a:schemeClr>
+          </a:solidFill>
+          <a:ln w="127000" cap="sq" cmpd="thinThick">
+            <a:noFill/>
+          </a:ln>
+        </p:spPr>
+        <p:style>
+          <a:lnRef idx="2">
+            <a:schemeClr val="accent1">
+              <a:shade val="50000"/>
+            </a:schemeClr>
+          </a:lnRef>
+          <a:fillRef idx="1">
+            <a:schemeClr val="accent1"/>
+          </a:fillRef>
+          <a:effectRef idx="0">
+            <a:schemeClr val="accent1"/>
+          </a:effectRef>
+          <a:fontRef idx="minor">
+            <a:schemeClr val="lt1"/>
+          </a:fontRef>
+        </p:style>
+        <p:txBody>
+          <a:bodyPr rtlCol="0" anchor="ctr"/>
+          <a:lstStyle/>
+          <a:p>
+            <a:pPr algn="ctr"/>
+            <a:endParaRPr lang="en-US"/>
+          </a:p>
+        </p:txBody>
+      </p:sp>
+      <p:sp>
+        <p:nvSpPr>
+          <p:cNvPr id="2" name="Titel 1">
+            <a:extLst>
+              <a:ext uri="{FF2B5EF4-FFF2-40B4-BE49-F238E27FC236}">
+                <a16:creationId xmlns:a16="http://schemas.microsoft.com/office/drawing/2014/main" id="{C7E3F825-1918-451E-B3AB-EE354B6B60AF}"/>
+              </a:ext>
+            </a:extLst>
+          </p:cNvPr>
+          <p:cNvSpPr>
+            <a:spLocks noGrp="1"/>
+          </p:cNvSpPr>
+          <p:nvPr>
+            <p:ph type="title"/>
+          </p:nvPr>
+        </p:nvSpPr>
+        <p:spPr>
+          <a:xfrm>
+            <a:off x="838200" y="963877"/>
+            <a:ext cx="3494362" cy="4930246"/>
+          </a:xfrm>
+        </p:spPr>
+        <p:txBody>
+          <a:bodyPr>
+            <a:normAutofit/>
+          </a:bodyPr>
+          <a:lstStyle/>
+          <a:p>
+            <a:pPr algn="r"/>
+            <a:r>
+              <a:rPr lang="de-DE">
+                <a:solidFill>
+                  <a:schemeClr val="accent1"/>
+                </a:solidFill>
+              </a:rPr>
+              <a:t>Übung 2 Game of Life</a:t>
+            </a:r>
+          </a:p>
+        </p:txBody>
+      </p:sp>
+      <p:cxnSp>
+        <p:nvCxnSpPr>
+          <p:cNvPr id="10" name="Straight Connector 9">
+            <a:extLst>
+              <a:ext uri="{FF2B5EF4-FFF2-40B4-BE49-F238E27FC236}">
+                <a16:creationId xmlns:a16="http://schemas.microsoft.com/office/drawing/2014/main" id="{2D72A2C9-F3CA-4216-8BAD-FA4C970C3C4E}"/>
+              </a:ext>
+              <a:ext uri="{C183D7F6-B498-43B3-948B-1728B52AA6E4}">
+                <adec:decorative xmlns:adec="http://schemas.microsoft.com/office/drawing/2017/decorative" val="1"/>
+              </a:ext>
+            </a:extLst>
+          </p:cNvPr>
+          <p:cNvCxnSpPr>
+            <a:cxnSpLocks noGrp="1" noRot="1" noChangeAspect="1" noMove="1" noResize="1" noEditPoints="1" noAdjustHandles="1" noChangeArrowheads="1" noChangeShapeType="1"/>
+          </p:cNvCxnSpPr>
+          <p:nvPr>
+            <p:extLst>
+              <p:ext uri="{386F3935-93C4-4BCD-93E2-E3B085C9AB24}">
+                <p16:designElem xmlns:p16="http://schemas.microsoft.com/office/powerpoint/2015/main" val="1"/>
+              </p:ext>
+            </p:extLst>
+          </p:nvPr>
+        </p:nvCxnSpPr>
+        <p:spPr>
+          <a:xfrm>
+            <a:off x="4654296" y="2057400"/>
+            <a:ext cx="0" cy="2743200"/>
+          </a:xfrm>
+          <a:prstGeom prst="line">
+            <a:avLst/>
+          </a:prstGeom>
+          <a:ln w="19050">
+            <a:solidFill>
+              <a:schemeClr val="tx1">
+                <a:lumMod val="85000"/>
+                <a:lumOff val="15000"/>
+              </a:schemeClr>
+            </a:solidFill>
+          </a:ln>
+        </p:spPr>
+        <p:style>
+          <a:lnRef idx="1">
+            <a:schemeClr val="accent1"/>
+          </a:lnRef>
+          <a:fillRef idx="0">
+            <a:schemeClr val="accent1"/>
+          </a:fillRef>
+          <a:effectRef idx="0">
+            <a:schemeClr val="accent1"/>
+          </a:effectRef>
+          <a:fontRef idx="minor">
+            <a:schemeClr val="tx1"/>
+          </a:fontRef>
+        </p:style>
+      </p:cxnSp>
+      <p:sp>
+        <p:nvSpPr>
+          <p:cNvPr id="3" name="Inhaltsplatzhalter 2">
+            <a:extLst>
+              <a:ext uri="{FF2B5EF4-FFF2-40B4-BE49-F238E27FC236}">
+                <a16:creationId xmlns:a16="http://schemas.microsoft.com/office/drawing/2014/main" id="{6EFFB83E-507E-4C9F-B3D5-EF05AE455650}"/>
+              </a:ext>
+            </a:extLst>
+          </p:cNvPr>
+          <p:cNvSpPr>
+            <a:spLocks noGrp="1"/>
+          </p:cNvSpPr>
+          <p:nvPr>
+            <p:ph idx="1"/>
+          </p:nvPr>
+        </p:nvSpPr>
+        <p:spPr>
+          <a:xfrm>
+            <a:off x="4976031" y="963877"/>
+            <a:ext cx="6377769" cy="4930246"/>
+          </a:xfrm>
+        </p:spPr>
+        <p:txBody>
+          <a:bodyPr anchor="ctr">
+            <a:normAutofit/>
+          </a:bodyPr>
+          <a:lstStyle/>
+          <a:p>
+            <a:r>
+              <a:rPr lang="en-US" sz="2400"/>
+              <a:t>Welcher Ansatz hat sich als bester zur Optimierung herausgestellt?</a:t>
+            </a:r>
+          </a:p>
+          <a:p>
+            <a:endParaRPr lang="en-US" sz="2400"/>
+          </a:p>
+          <a:p>
+            <a:endParaRPr lang="en-US" sz="2400"/>
+          </a:p>
+          <a:p>
+            <a:r>
+              <a:rPr lang="de-DE" sz="2400"/>
+              <a:t>Was könnten Probleme bei einer guten Optimierung sein?</a:t>
+            </a:r>
+          </a:p>
+          <a:p>
+            <a:endParaRPr lang="de-DE" sz="2400"/>
+          </a:p>
+          <a:p>
+            <a:endParaRPr lang="de-DE" sz="2400"/>
+          </a:p>
+          <a:p>
+            <a:r>
+              <a:rPr lang="de-DE" sz="2400"/>
+              <a:t>Ist das Beispiel anschaulich genug?</a:t>
+            </a:r>
           </a:p>
         </p:txBody>
       </p:sp>
@@ -4159,7 +5467,3286 @@
 </p:sld>
 </file>
 
-<file path=ppt/slides/slide11.xml><?xml version="1.0" encoding="utf-8"?>
+<file path=ppt/slides/slide14.xml><?xml version="1.0" encoding="utf-8"?>
+<p:sld xmlns:a="http://schemas.openxmlformats.org/drawingml/2006/main" xmlns:r="http://schemas.openxmlformats.org/officeDocument/2006/relationships" xmlns:p="http://schemas.openxmlformats.org/presentationml/2006/main">
+  <p:cSld>
+    <p:bg>
+      <p:bgPr>
+        <a:solidFill>
+          <a:schemeClr val="bg1"/>
+        </a:solidFill>
+        <a:effectLst/>
+      </p:bgPr>
+    </p:bg>
+    <p:spTree>
+      <p:nvGrpSpPr>
+        <p:cNvPr id="1" name=""/>
+        <p:cNvGrpSpPr/>
+        <p:nvPr/>
+      </p:nvGrpSpPr>
+      <p:grpSpPr>
+        <a:xfrm>
+          <a:off x="0" y="0"/>
+          <a:ext cx="0" cy="0"/>
+          <a:chOff x="0" y="0"/>
+          <a:chExt cx="0" cy="0"/>
+        </a:xfrm>
+      </p:grpSpPr>
+      <p:sp>
+        <p:nvSpPr>
+          <p:cNvPr id="12" name="Background Fill">
+            <a:extLst>
+              <a:ext uri="{FF2B5EF4-FFF2-40B4-BE49-F238E27FC236}">
+                <a16:creationId xmlns:a16="http://schemas.microsoft.com/office/drawing/2014/main" id="{3C915414-2809-4735-A560-0D5FE66700D8}"/>
+              </a:ext>
+              <a:ext uri="{C183D7F6-B498-43B3-948B-1728B52AA6E4}">
+                <adec:decorative xmlns:adec="http://schemas.microsoft.com/office/drawing/2017/decorative" val="1"/>
+              </a:ext>
+            </a:extLst>
+          </p:cNvPr>
+          <p:cNvSpPr>
+            <a:spLocks noGrp="1" noRot="1" noChangeAspect="1" noMove="1" noResize="1" noEditPoints="1" noAdjustHandles="1" noChangeArrowheads="1" noChangeShapeType="1" noTextEdit="1"/>
+          </p:cNvSpPr>
+          <p:nvPr>
+            <p:extLst>
+              <p:ext uri="{386F3935-93C4-4BCD-93E2-E3B085C9AB24}">
+                <p16:designElem xmlns:p16="http://schemas.microsoft.com/office/powerpoint/2015/main" val="1"/>
+              </p:ext>
+            </p:extLst>
+          </p:nvPr>
+        </p:nvSpPr>
+        <p:spPr>
+          <a:xfrm>
+            <a:off x="-1" y="-3382"/>
+            <a:ext cx="12188952" cy="6858000"/>
+          </a:xfrm>
+          <a:prstGeom prst="rect">
+            <a:avLst/>
+          </a:prstGeom>
+          <a:solidFill>
+            <a:schemeClr val="bg1">
+              <a:lumMod val="95000"/>
+            </a:schemeClr>
+          </a:solidFill>
+          <a:ln w="50800">
+            <a:noFill/>
+          </a:ln>
+        </p:spPr>
+        <p:style>
+          <a:lnRef idx="2">
+            <a:schemeClr val="accent1">
+              <a:shade val="50000"/>
+            </a:schemeClr>
+          </a:lnRef>
+          <a:fillRef idx="1">
+            <a:schemeClr val="accent1"/>
+          </a:fillRef>
+          <a:effectRef idx="0">
+            <a:schemeClr val="accent1"/>
+          </a:effectRef>
+          <a:fontRef idx="minor">
+            <a:schemeClr val="lt1"/>
+          </a:fontRef>
+        </p:style>
+        <p:txBody>
+          <a:bodyPr rtlCol="0" anchor="ctr"/>
+          <a:lstStyle/>
+          <a:p>
+            <a:pPr algn="ctr"/>
+            <a:endParaRPr lang="en-US" dirty="0"/>
+          </a:p>
+        </p:txBody>
+      </p:sp>
+      <p:grpSp>
+        <p:nvGrpSpPr>
+          <p:cNvPr id="14" name="Grid">
+            <a:extLst>
+              <a:ext uri="{FF2B5EF4-FFF2-40B4-BE49-F238E27FC236}">
+                <a16:creationId xmlns:a16="http://schemas.microsoft.com/office/drawing/2014/main" id="{24413201-85BF-4680-A7D4-10CDBD03569C}"/>
+              </a:ext>
+              <a:ext uri="{C183D7F6-B498-43B3-948B-1728B52AA6E4}">
+                <adec:decorative xmlns:adec="http://schemas.microsoft.com/office/drawing/2017/decorative" val="1"/>
+              </a:ext>
+            </a:extLst>
+          </p:cNvPr>
+          <p:cNvGrpSpPr>
+            <a:grpSpLocks noGrp="1" noUngrp="1" noRot="1" noChangeAspect="1" noMove="1" noResize="1"/>
+          </p:cNvGrpSpPr>
+          <p:nvPr>
+            <p:extLst>
+              <p:ext uri="{386F3935-93C4-4BCD-93E2-E3B085C9AB24}">
+                <p16:designElem xmlns:p16="http://schemas.microsoft.com/office/powerpoint/2015/main" val="1"/>
+              </p:ext>
+            </p:extLst>
+          </p:nvPr>
+        </p:nvGrpSpPr>
+        <p:grpSpPr>
+          <a:xfrm>
+            <a:off x="0" y="0"/>
+            <a:ext cx="12038471" cy="6858000"/>
+            <a:chOff x="0" y="-12406"/>
+            <a:chExt cx="12038471" cy="6858000"/>
+          </a:xfrm>
+        </p:grpSpPr>
+        <p:cxnSp>
+          <p:nvCxnSpPr>
+            <p:cNvPr id="15" name="Straight Connector 14">
+              <a:extLst>
+                <a:ext uri="{FF2B5EF4-FFF2-40B4-BE49-F238E27FC236}">
+                  <a16:creationId xmlns:a16="http://schemas.microsoft.com/office/drawing/2014/main" id="{1F819D8C-C8E5-4336-9882-79FBF6555189}"/>
+                </a:ext>
+                <a:ext uri="{C183D7F6-B498-43B3-948B-1728B52AA6E4}">
+                  <adec:decorative xmlns:adec="http://schemas.microsoft.com/office/drawing/2017/decorative" val="1"/>
+                </a:ext>
+              </a:extLst>
+            </p:cNvPr>
+            <p:cNvCxnSpPr/>
+            <p:nvPr>
+              <p:extLst>
+                <p:ext uri="{386F3935-93C4-4BCD-93E2-E3B085C9AB24}">
+                  <p16:designElem xmlns:p16="http://schemas.microsoft.com/office/powerpoint/2015/main" val="1"/>
+                </p:ext>
+              </p:extLst>
+            </p:nvPr>
+          </p:nvCxnSpPr>
+          <p:spPr>
+            <a:xfrm>
+              <a:off x="0" y="-25"/>
+              <a:ext cx="0" cy="6843985"/>
+            </a:xfrm>
+            <a:prstGeom prst="line">
+              <a:avLst/>
+            </a:prstGeom>
+            <a:ln w="19050">
+              <a:solidFill>
+                <a:schemeClr val="bg1"/>
+              </a:solidFill>
+            </a:ln>
+          </p:spPr>
+          <p:style>
+            <a:lnRef idx="1">
+              <a:schemeClr val="accent2"/>
+            </a:lnRef>
+            <a:fillRef idx="0">
+              <a:schemeClr val="accent2"/>
+            </a:fillRef>
+            <a:effectRef idx="0">
+              <a:schemeClr val="accent2"/>
+            </a:effectRef>
+            <a:fontRef idx="minor">
+              <a:schemeClr val="tx1"/>
+            </a:fontRef>
+          </p:style>
+        </p:cxnSp>
+        <p:cxnSp>
+          <p:nvCxnSpPr>
+            <p:cNvPr id="16" name="Straight Connector 15">
+              <a:extLst>
+                <a:ext uri="{FF2B5EF4-FFF2-40B4-BE49-F238E27FC236}">
+                  <a16:creationId xmlns:a16="http://schemas.microsoft.com/office/drawing/2014/main" id="{7D732480-09E4-401A-B2D9-E6C662FBCA29}"/>
+                </a:ext>
+                <a:ext uri="{C183D7F6-B498-43B3-948B-1728B52AA6E4}">
+                  <adec:decorative xmlns:adec="http://schemas.microsoft.com/office/drawing/2017/decorative" val="1"/>
+                </a:ext>
+              </a:extLst>
+            </p:cNvPr>
+            <p:cNvCxnSpPr>
+              <a:cxnSpLocks/>
+            </p:cNvCxnSpPr>
+            <p:nvPr>
+              <p:extLst>
+                <p:ext uri="{386F3935-93C4-4BCD-93E2-E3B085C9AB24}">
+                  <p16:designElem xmlns:p16="http://schemas.microsoft.com/office/powerpoint/2015/main" val="1"/>
+                </p:ext>
+              </p:extLst>
+            </p:nvPr>
+          </p:nvCxnSpPr>
+          <p:spPr>
+            <a:xfrm>
+              <a:off x="1719781" y="-5330"/>
+              <a:ext cx="0" cy="6843985"/>
+            </a:xfrm>
+            <a:prstGeom prst="line">
+              <a:avLst/>
+            </a:prstGeom>
+            <a:ln w="19050">
+              <a:solidFill>
+                <a:schemeClr val="bg1"/>
+              </a:solidFill>
+            </a:ln>
+          </p:spPr>
+          <p:style>
+            <a:lnRef idx="1">
+              <a:schemeClr val="accent2"/>
+            </a:lnRef>
+            <a:fillRef idx="0">
+              <a:schemeClr val="accent2"/>
+            </a:fillRef>
+            <a:effectRef idx="0">
+              <a:schemeClr val="accent2"/>
+            </a:effectRef>
+            <a:fontRef idx="minor">
+              <a:schemeClr val="tx1"/>
+            </a:fontRef>
+          </p:style>
+        </p:cxnSp>
+        <p:cxnSp>
+          <p:nvCxnSpPr>
+            <p:cNvPr id="17" name="Straight Connector 16">
+              <a:extLst>
+                <a:ext uri="{FF2B5EF4-FFF2-40B4-BE49-F238E27FC236}">
+                  <a16:creationId xmlns:a16="http://schemas.microsoft.com/office/drawing/2014/main" id="{87D8355C-E417-4D36-91FF-2CC1E1FE9FF3}"/>
+                </a:ext>
+                <a:ext uri="{C183D7F6-B498-43B3-948B-1728B52AA6E4}">
+                  <adec:decorative xmlns:adec="http://schemas.microsoft.com/office/drawing/2017/decorative" val="1"/>
+                </a:ext>
+              </a:extLst>
+            </p:cNvPr>
+            <p:cNvCxnSpPr>
+              <a:cxnSpLocks/>
+            </p:cNvCxnSpPr>
+            <p:nvPr>
+              <p:extLst>
+                <p:ext uri="{386F3935-93C4-4BCD-93E2-E3B085C9AB24}">
+                  <p16:designElem xmlns:p16="http://schemas.microsoft.com/office/powerpoint/2015/main" val="1"/>
+                </p:ext>
+              </p:extLst>
+            </p:nvPr>
+          </p:nvCxnSpPr>
+          <p:spPr>
+            <a:xfrm flipH="1">
+              <a:off x="0" y="6726839"/>
+              <a:ext cx="12038471" cy="0"/>
+            </a:xfrm>
+            <a:prstGeom prst="line">
+              <a:avLst/>
+            </a:prstGeom>
+            <a:ln w="19050">
+              <a:solidFill>
+                <a:schemeClr val="bg1"/>
+              </a:solidFill>
+            </a:ln>
+          </p:spPr>
+          <p:style>
+            <a:lnRef idx="1">
+              <a:schemeClr val="accent2"/>
+            </a:lnRef>
+            <a:fillRef idx="0">
+              <a:schemeClr val="accent2"/>
+            </a:fillRef>
+            <a:effectRef idx="0">
+              <a:schemeClr val="accent2"/>
+            </a:effectRef>
+            <a:fontRef idx="minor">
+              <a:schemeClr val="tx1"/>
+            </a:fontRef>
+          </p:style>
+        </p:cxnSp>
+        <p:cxnSp>
+          <p:nvCxnSpPr>
+            <p:cNvPr id="18" name="Straight Connector 17">
+              <a:extLst>
+                <a:ext uri="{FF2B5EF4-FFF2-40B4-BE49-F238E27FC236}">
+                  <a16:creationId xmlns:a16="http://schemas.microsoft.com/office/drawing/2014/main" id="{6ADF7267-EAAE-43CE-ACEF-608328FB1787}"/>
+                </a:ext>
+                <a:ext uri="{C183D7F6-B498-43B3-948B-1728B52AA6E4}">
+                  <adec:decorative xmlns:adec="http://schemas.microsoft.com/office/drawing/2017/decorative" val="1"/>
+                </a:ext>
+              </a:extLst>
+            </p:cNvPr>
+            <p:cNvCxnSpPr>
+              <a:cxnSpLocks/>
+            </p:cNvCxnSpPr>
+            <p:nvPr>
+              <p:extLst>
+                <p:ext uri="{386F3935-93C4-4BCD-93E2-E3B085C9AB24}">
+                  <p16:designElem xmlns:p16="http://schemas.microsoft.com/office/powerpoint/2015/main" val="1"/>
+                </p:ext>
+              </p:extLst>
+            </p:nvPr>
+          </p:nvCxnSpPr>
+          <p:spPr>
+            <a:xfrm flipH="1">
+              <a:off x="0" y="-25"/>
+              <a:ext cx="12038471" cy="0"/>
+            </a:xfrm>
+            <a:prstGeom prst="line">
+              <a:avLst/>
+            </a:prstGeom>
+            <a:ln w="19050">
+              <a:solidFill>
+                <a:schemeClr val="bg1"/>
+              </a:solidFill>
+            </a:ln>
+          </p:spPr>
+          <p:style>
+            <a:lnRef idx="1">
+              <a:schemeClr val="accent2"/>
+            </a:lnRef>
+            <a:fillRef idx="0">
+              <a:schemeClr val="accent2"/>
+            </a:fillRef>
+            <a:effectRef idx="0">
+              <a:schemeClr val="accent2"/>
+            </a:effectRef>
+            <a:fontRef idx="minor">
+              <a:schemeClr val="tx1"/>
+            </a:fontRef>
+          </p:style>
+        </p:cxnSp>
+        <p:cxnSp>
+          <p:nvCxnSpPr>
+            <p:cNvPr id="19" name="Straight Connector 18">
+              <a:extLst>
+                <a:ext uri="{FF2B5EF4-FFF2-40B4-BE49-F238E27FC236}">
+                  <a16:creationId xmlns:a16="http://schemas.microsoft.com/office/drawing/2014/main" id="{54C901E2-0CDB-4316-B262-3B9E68F33502}"/>
+                </a:ext>
+                <a:ext uri="{C183D7F6-B498-43B3-948B-1728B52AA6E4}">
+                  <adec:decorative xmlns:adec="http://schemas.microsoft.com/office/drawing/2017/decorative" val="1"/>
+                </a:ext>
+              </a:extLst>
+            </p:cNvPr>
+            <p:cNvCxnSpPr>
+              <a:cxnSpLocks/>
+            </p:cNvCxnSpPr>
+            <p:nvPr>
+              <p:extLst>
+                <p:ext uri="{386F3935-93C4-4BCD-93E2-E3B085C9AB24}">
+                  <p16:designElem xmlns:p16="http://schemas.microsoft.com/office/powerpoint/2015/main" val="1"/>
+                </p:ext>
+              </p:extLst>
+            </p:nvPr>
+          </p:nvCxnSpPr>
+          <p:spPr>
+            <a:xfrm flipH="1">
+              <a:off x="0" y="1729498"/>
+              <a:ext cx="12038471" cy="0"/>
+            </a:xfrm>
+            <a:prstGeom prst="line">
+              <a:avLst/>
+            </a:prstGeom>
+            <a:ln w="19050">
+              <a:solidFill>
+                <a:schemeClr val="bg1"/>
+              </a:solidFill>
+            </a:ln>
+          </p:spPr>
+          <p:style>
+            <a:lnRef idx="1">
+              <a:schemeClr val="accent2"/>
+            </a:lnRef>
+            <a:fillRef idx="0">
+              <a:schemeClr val="accent2"/>
+            </a:fillRef>
+            <a:effectRef idx="0">
+              <a:schemeClr val="accent2"/>
+            </a:effectRef>
+            <a:fontRef idx="minor">
+              <a:schemeClr val="tx1"/>
+            </a:fontRef>
+          </p:style>
+        </p:cxnSp>
+        <p:cxnSp>
+          <p:nvCxnSpPr>
+            <p:cNvPr id="20" name="Straight Connector 19">
+              <a:extLst>
+                <a:ext uri="{FF2B5EF4-FFF2-40B4-BE49-F238E27FC236}">
+                  <a16:creationId xmlns:a16="http://schemas.microsoft.com/office/drawing/2014/main" id="{D8F6D31A-084C-4F10-9A8F-A9645DFB7150}"/>
+                </a:ext>
+                <a:ext uri="{C183D7F6-B498-43B3-948B-1728B52AA6E4}">
+                  <adec:decorative xmlns:adec="http://schemas.microsoft.com/office/drawing/2017/decorative" val="1"/>
+                </a:ext>
+              </a:extLst>
+            </p:cNvPr>
+            <p:cNvCxnSpPr>
+              <a:cxnSpLocks/>
+            </p:cNvCxnSpPr>
+            <p:nvPr>
+              <p:extLst>
+                <p:ext uri="{386F3935-93C4-4BCD-93E2-E3B085C9AB24}">
+                  <p16:designElem xmlns:p16="http://schemas.microsoft.com/office/powerpoint/2015/main" val="1"/>
+                </p:ext>
+              </p:extLst>
+            </p:nvPr>
+          </p:nvCxnSpPr>
+          <p:spPr>
+            <a:xfrm flipH="1">
+              <a:off x="0" y="1609"/>
+              <a:ext cx="12038471" cy="0"/>
+            </a:xfrm>
+            <a:prstGeom prst="line">
+              <a:avLst/>
+            </a:prstGeom>
+            <a:ln w="19050">
+              <a:solidFill>
+                <a:schemeClr val="bg1"/>
+              </a:solidFill>
+            </a:ln>
+          </p:spPr>
+          <p:style>
+            <a:lnRef idx="1">
+              <a:schemeClr val="accent2"/>
+            </a:lnRef>
+            <a:fillRef idx="0">
+              <a:schemeClr val="accent2"/>
+            </a:fillRef>
+            <a:effectRef idx="0">
+              <a:schemeClr val="accent2"/>
+            </a:effectRef>
+            <a:fontRef idx="minor">
+              <a:schemeClr val="tx1"/>
+            </a:fontRef>
+          </p:style>
+        </p:cxnSp>
+        <p:cxnSp>
+          <p:nvCxnSpPr>
+            <p:cNvPr id="21" name="Straight Connector 20">
+              <a:extLst>
+                <a:ext uri="{FF2B5EF4-FFF2-40B4-BE49-F238E27FC236}">
+                  <a16:creationId xmlns:a16="http://schemas.microsoft.com/office/drawing/2014/main" id="{E38E09F0-F130-45B5-B0AF-7EF3F0172AD5}"/>
+                </a:ext>
+                <a:ext uri="{C183D7F6-B498-43B3-948B-1728B52AA6E4}">
+                  <adec:decorative xmlns:adec="http://schemas.microsoft.com/office/drawing/2017/decorative" val="1"/>
+                </a:ext>
+              </a:extLst>
+            </p:cNvPr>
+            <p:cNvCxnSpPr>
+              <a:cxnSpLocks/>
+            </p:cNvCxnSpPr>
+            <p:nvPr>
+              <p:extLst>
+                <p:ext uri="{386F3935-93C4-4BCD-93E2-E3B085C9AB24}">
+                  <p16:designElem xmlns:p16="http://schemas.microsoft.com/office/powerpoint/2015/main" val="1"/>
+                </p:ext>
+              </p:extLst>
+            </p:nvPr>
+          </p:nvCxnSpPr>
+          <p:spPr>
+            <a:xfrm flipH="1">
+              <a:off x="0" y="6843959"/>
+              <a:ext cx="12038471" cy="0"/>
+            </a:xfrm>
+            <a:prstGeom prst="line">
+              <a:avLst/>
+            </a:prstGeom>
+            <a:ln w="19050">
+              <a:solidFill>
+                <a:schemeClr val="bg1"/>
+              </a:solidFill>
+            </a:ln>
+          </p:spPr>
+          <p:style>
+            <a:lnRef idx="1">
+              <a:schemeClr val="accent2"/>
+            </a:lnRef>
+            <a:fillRef idx="0">
+              <a:schemeClr val="accent2"/>
+            </a:fillRef>
+            <a:effectRef idx="0">
+              <a:schemeClr val="accent2"/>
+            </a:effectRef>
+            <a:fontRef idx="minor">
+              <a:schemeClr val="tx1"/>
+            </a:fontRef>
+          </p:style>
+        </p:cxnSp>
+        <p:cxnSp>
+          <p:nvCxnSpPr>
+            <p:cNvPr id="22" name="Straight Connector 21">
+              <a:extLst>
+                <a:ext uri="{FF2B5EF4-FFF2-40B4-BE49-F238E27FC236}">
+                  <a16:creationId xmlns:a16="http://schemas.microsoft.com/office/drawing/2014/main" id="{569330E2-17DA-4F0D-B377-6E4499C79A15}"/>
+                </a:ext>
+                <a:ext uri="{C183D7F6-B498-43B3-948B-1728B52AA6E4}">
+                  <adec:decorative xmlns:adec="http://schemas.microsoft.com/office/drawing/2017/decorative" val="1"/>
+                </a:ext>
+              </a:extLst>
+            </p:cNvPr>
+            <p:cNvCxnSpPr>
+              <a:cxnSpLocks/>
+            </p:cNvCxnSpPr>
+            <p:nvPr>
+              <p:extLst>
+                <p:ext uri="{386F3935-93C4-4BCD-93E2-E3B085C9AB24}">
+                  <p16:designElem xmlns:p16="http://schemas.microsoft.com/office/powerpoint/2015/main" val="1"/>
+                </p:ext>
+              </p:extLst>
+            </p:nvPr>
+          </p:nvCxnSpPr>
+          <p:spPr>
+            <a:xfrm flipH="1">
+              <a:off x="0" y="5131209"/>
+              <a:ext cx="12038471" cy="0"/>
+            </a:xfrm>
+            <a:prstGeom prst="line">
+              <a:avLst/>
+            </a:prstGeom>
+            <a:ln w="19050">
+              <a:solidFill>
+                <a:schemeClr val="bg1"/>
+              </a:solidFill>
+            </a:ln>
+          </p:spPr>
+          <p:style>
+            <a:lnRef idx="1">
+              <a:schemeClr val="accent2"/>
+            </a:lnRef>
+            <a:fillRef idx="0">
+              <a:schemeClr val="accent2"/>
+            </a:fillRef>
+            <a:effectRef idx="0">
+              <a:schemeClr val="accent2"/>
+            </a:effectRef>
+            <a:fontRef idx="minor">
+              <a:schemeClr val="tx1"/>
+            </a:fontRef>
+          </p:style>
+        </p:cxnSp>
+        <p:cxnSp>
+          <p:nvCxnSpPr>
+            <p:cNvPr id="23" name="Straight Connector 22">
+              <a:extLst>
+                <a:ext uri="{FF2B5EF4-FFF2-40B4-BE49-F238E27FC236}">
+                  <a16:creationId xmlns:a16="http://schemas.microsoft.com/office/drawing/2014/main" id="{A3192707-5744-4C77-8CD6-D682F908009A}"/>
+                </a:ext>
+                <a:ext uri="{C183D7F6-B498-43B3-948B-1728B52AA6E4}">
+                  <adec:decorative xmlns:adec="http://schemas.microsoft.com/office/drawing/2017/decorative" val="1"/>
+                </a:ext>
+              </a:extLst>
+            </p:cNvPr>
+            <p:cNvCxnSpPr>
+              <a:cxnSpLocks/>
+            </p:cNvCxnSpPr>
+            <p:nvPr>
+              <p:extLst>
+                <p:ext uri="{386F3935-93C4-4BCD-93E2-E3B085C9AB24}">
+                  <p16:designElem xmlns:p16="http://schemas.microsoft.com/office/powerpoint/2015/main" val="1"/>
+                </p:ext>
+              </p:extLst>
+            </p:nvPr>
+          </p:nvCxnSpPr>
+          <p:spPr>
+            <a:xfrm flipH="1">
+              <a:off x="0" y="120892"/>
+              <a:ext cx="12038471" cy="0"/>
+            </a:xfrm>
+            <a:prstGeom prst="line">
+              <a:avLst/>
+            </a:prstGeom>
+            <a:ln w="19050">
+              <a:solidFill>
+                <a:schemeClr val="bg1"/>
+              </a:solidFill>
+            </a:ln>
+          </p:spPr>
+          <p:style>
+            <a:lnRef idx="1">
+              <a:schemeClr val="accent2"/>
+            </a:lnRef>
+            <a:fillRef idx="0">
+              <a:schemeClr val="accent2"/>
+            </a:fillRef>
+            <a:effectRef idx="0">
+              <a:schemeClr val="accent2"/>
+            </a:effectRef>
+            <a:fontRef idx="minor">
+              <a:schemeClr val="tx1"/>
+            </a:fontRef>
+          </p:style>
+        </p:cxnSp>
+        <p:cxnSp>
+          <p:nvCxnSpPr>
+            <p:cNvPr id="24" name="Straight Connector 23">
+              <a:extLst>
+                <a:ext uri="{FF2B5EF4-FFF2-40B4-BE49-F238E27FC236}">
+                  <a16:creationId xmlns:a16="http://schemas.microsoft.com/office/drawing/2014/main" id="{E367A44A-5DD0-43B5-B6DB-1CA3BC5AF0B2}"/>
+                </a:ext>
+                <a:ext uri="{C183D7F6-B498-43B3-948B-1728B52AA6E4}">
+                  <adec:decorative xmlns:adec="http://schemas.microsoft.com/office/drawing/2017/decorative" val="1"/>
+                </a:ext>
+              </a:extLst>
+            </p:cNvPr>
+            <p:cNvCxnSpPr>
+              <a:cxnSpLocks/>
+            </p:cNvCxnSpPr>
+            <p:nvPr>
+              <p:extLst>
+                <p:ext uri="{386F3935-93C4-4BCD-93E2-E3B085C9AB24}">
+                  <p16:designElem xmlns:p16="http://schemas.microsoft.com/office/powerpoint/2015/main" val="1"/>
+                </p:ext>
+              </p:extLst>
+            </p:nvPr>
+          </p:nvCxnSpPr>
+          <p:spPr>
+            <a:xfrm flipH="1">
+              <a:off x="0" y="3422784"/>
+              <a:ext cx="12038471" cy="0"/>
+            </a:xfrm>
+            <a:prstGeom prst="line">
+              <a:avLst/>
+            </a:prstGeom>
+            <a:ln w="19050">
+              <a:solidFill>
+                <a:schemeClr val="bg1"/>
+              </a:solidFill>
+            </a:ln>
+          </p:spPr>
+          <p:style>
+            <a:lnRef idx="1">
+              <a:schemeClr val="accent2"/>
+            </a:lnRef>
+            <a:fillRef idx="0">
+              <a:schemeClr val="accent2"/>
+            </a:fillRef>
+            <a:effectRef idx="0">
+              <a:schemeClr val="accent2"/>
+            </a:effectRef>
+            <a:fontRef idx="minor">
+              <a:schemeClr val="tx1"/>
+            </a:fontRef>
+          </p:style>
+        </p:cxnSp>
+        <p:cxnSp>
+          <p:nvCxnSpPr>
+            <p:cNvPr id="25" name="Straight Connector 24">
+              <a:extLst>
+                <a:ext uri="{FF2B5EF4-FFF2-40B4-BE49-F238E27FC236}">
+                  <a16:creationId xmlns:a16="http://schemas.microsoft.com/office/drawing/2014/main" id="{280809D1-164B-4A0C-84BB-2AC46F3BDE52}"/>
+                </a:ext>
+                <a:ext uri="{C183D7F6-B498-43B3-948B-1728B52AA6E4}">
+                  <adec:decorative xmlns:adec="http://schemas.microsoft.com/office/drawing/2017/decorative" val="1"/>
+                </a:ext>
+              </a:extLst>
+            </p:cNvPr>
+            <p:cNvCxnSpPr>
+              <a:cxnSpLocks/>
+            </p:cNvCxnSpPr>
+            <p:nvPr>
+              <p:extLst>
+                <p:ext uri="{386F3935-93C4-4BCD-93E2-E3B085C9AB24}">
+                  <p16:designElem xmlns:p16="http://schemas.microsoft.com/office/powerpoint/2015/main" val="1"/>
+                </p:ext>
+              </p:extLst>
+            </p:nvPr>
+          </p:nvCxnSpPr>
+          <p:spPr>
+            <a:xfrm flipH="1">
+              <a:off x="0" y="1832198"/>
+              <a:ext cx="12038471" cy="0"/>
+            </a:xfrm>
+            <a:prstGeom prst="line">
+              <a:avLst/>
+            </a:prstGeom>
+            <a:ln w="19050">
+              <a:solidFill>
+                <a:schemeClr val="bg1"/>
+              </a:solidFill>
+            </a:ln>
+          </p:spPr>
+          <p:style>
+            <a:lnRef idx="1">
+              <a:schemeClr val="accent2"/>
+            </a:lnRef>
+            <a:fillRef idx="0">
+              <a:schemeClr val="accent2"/>
+            </a:fillRef>
+            <a:effectRef idx="0">
+              <a:schemeClr val="accent2"/>
+            </a:effectRef>
+            <a:fontRef idx="minor">
+              <a:schemeClr val="tx1"/>
+            </a:fontRef>
+          </p:style>
+        </p:cxnSp>
+        <p:cxnSp>
+          <p:nvCxnSpPr>
+            <p:cNvPr id="26" name="Straight Connector 25">
+              <a:extLst>
+                <a:ext uri="{FF2B5EF4-FFF2-40B4-BE49-F238E27FC236}">
+                  <a16:creationId xmlns:a16="http://schemas.microsoft.com/office/drawing/2014/main" id="{E379EC94-3698-4695-8CE7-61DBDF5EE654}"/>
+                </a:ext>
+                <a:ext uri="{C183D7F6-B498-43B3-948B-1728B52AA6E4}">
+                  <adec:decorative xmlns:adec="http://schemas.microsoft.com/office/drawing/2017/decorative" val="1"/>
+                </a:ext>
+              </a:extLst>
+            </p:cNvPr>
+            <p:cNvCxnSpPr>
+              <a:cxnSpLocks/>
+            </p:cNvCxnSpPr>
+            <p:nvPr>
+              <p:extLst>
+                <p:ext uri="{386F3935-93C4-4BCD-93E2-E3B085C9AB24}">
+                  <p16:designElem xmlns:p16="http://schemas.microsoft.com/office/powerpoint/2015/main" val="1"/>
+                </p:ext>
+              </p:extLst>
+            </p:nvPr>
+          </p:nvCxnSpPr>
+          <p:spPr>
+            <a:xfrm flipH="1">
+              <a:off x="0" y="3538773"/>
+              <a:ext cx="12038471" cy="0"/>
+            </a:xfrm>
+            <a:prstGeom prst="line">
+              <a:avLst/>
+            </a:prstGeom>
+            <a:ln w="19050">
+              <a:solidFill>
+                <a:schemeClr val="bg1"/>
+              </a:solidFill>
+            </a:ln>
+          </p:spPr>
+          <p:style>
+            <a:lnRef idx="1">
+              <a:schemeClr val="accent2"/>
+            </a:lnRef>
+            <a:fillRef idx="0">
+              <a:schemeClr val="accent2"/>
+            </a:fillRef>
+            <a:effectRef idx="0">
+              <a:schemeClr val="accent2"/>
+            </a:effectRef>
+            <a:fontRef idx="minor">
+              <a:schemeClr val="tx1"/>
+            </a:fontRef>
+          </p:style>
+        </p:cxnSp>
+        <p:cxnSp>
+          <p:nvCxnSpPr>
+            <p:cNvPr id="27" name="Straight Connector 26">
+              <a:extLst>
+                <a:ext uri="{FF2B5EF4-FFF2-40B4-BE49-F238E27FC236}">
+                  <a16:creationId xmlns:a16="http://schemas.microsoft.com/office/drawing/2014/main" id="{8755B95C-6A71-4D4F-8F48-B21F893E6FB1}"/>
+                </a:ext>
+                <a:ext uri="{C183D7F6-B498-43B3-948B-1728B52AA6E4}">
+                  <adec:decorative xmlns:adec="http://schemas.microsoft.com/office/drawing/2017/decorative" val="1"/>
+                </a:ext>
+              </a:extLst>
+            </p:cNvPr>
+            <p:cNvCxnSpPr>
+              <a:cxnSpLocks/>
+            </p:cNvCxnSpPr>
+            <p:nvPr>
+              <p:extLst>
+                <p:ext uri="{386F3935-93C4-4BCD-93E2-E3B085C9AB24}">
+                  <p16:designElem xmlns:p16="http://schemas.microsoft.com/office/powerpoint/2015/main" val="1"/>
+                </p:ext>
+              </p:extLst>
+            </p:nvPr>
+          </p:nvCxnSpPr>
+          <p:spPr>
+            <a:xfrm flipH="1">
+              <a:off x="0" y="5240042"/>
+              <a:ext cx="12038471" cy="0"/>
+            </a:xfrm>
+            <a:prstGeom prst="line">
+              <a:avLst/>
+            </a:prstGeom>
+            <a:ln w="19050">
+              <a:solidFill>
+                <a:schemeClr val="bg1"/>
+              </a:solidFill>
+            </a:ln>
+          </p:spPr>
+          <p:style>
+            <a:lnRef idx="1">
+              <a:schemeClr val="accent2"/>
+            </a:lnRef>
+            <a:fillRef idx="0">
+              <a:schemeClr val="accent2"/>
+            </a:fillRef>
+            <a:effectRef idx="0">
+              <a:schemeClr val="accent2"/>
+            </a:effectRef>
+            <a:fontRef idx="minor">
+              <a:schemeClr val="tx1"/>
+            </a:fontRef>
+          </p:style>
+        </p:cxnSp>
+        <p:cxnSp>
+          <p:nvCxnSpPr>
+            <p:cNvPr id="28" name="Straight Connector 27">
+              <a:extLst>
+                <a:ext uri="{FF2B5EF4-FFF2-40B4-BE49-F238E27FC236}">
+                  <a16:creationId xmlns:a16="http://schemas.microsoft.com/office/drawing/2014/main" id="{6099C53A-E394-462E-BF63-1639A8E28318}"/>
+                </a:ext>
+                <a:ext uri="{C183D7F6-B498-43B3-948B-1728B52AA6E4}">
+                  <adec:decorative xmlns:adec="http://schemas.microsoft.com/office/drawing/2017/decorative" val="1"/>
+                </a:ext>
+              </a:extLst>
+            </p:cNvPr>
+            <p:cNvCxnSpPr>
+              <a:cxnSpLocks/>
+            </p:cNvCxnSpPr>
+            <p:nvPr>
+              <p:extLst>
+                <p:ext uri="{386F3935-93C4-4BCD-93E2-E3B085C9AB24}">
+                  <p16:designElem xmlns:p16="http://schemas.microsoft.com/office/powerpoint/2015/main" val="1"/>
+                </p:ext>
+              </p:extLst>
+            </p:nvPr>
+          </p:nvCxnSpPr>
+          <p:spPr>
+            <a:xfrm>
+              <a:off x="1828837" y="-5330"/>
+              <a:ext cx="0" cy="6843985"/>
+            </a:xfrm>
+            <a:prstGeom prst="line">
+              <a:avLst/>
+            </a:prstGeom>
+            <a:ln w="19050">
+              <a:solidFill>
+                <a:schemeClr val="bg1"/>
+              </a:solidFill>
+            </a:ln>
+          </p:spPr>
+          <p:style>
+            <a:lnRef idx="1">
+              <a:schemeClr val="accent2"/>
+            </a:lnRef>
+            <a:fillRef idx="0">
+              <a:schemeClr val="accent2"/>
+            </a:fillRef>
+            <a:effectRef idx="0">
+              <a:schemeClr val="accent2"/>
+            </a:effectRef>
+            <a:fontRef idx="minor">
+              <a:schemeClr val="tx1"/>
+            </a:fontRef>
+          </p:style>
+        </p:cxnSp>
+        <p:cxnSp>
+          <p:nvCxnSpPr>
+            <p:cNvPr id="29" name="Straight Connector 28">
+              <a:extLst>
+                <a:ext uri="{FF2B5EF4-FFF2-40B4-BE49-F238E27FC236}">
+                  <a16:creationId xmlns:a16="http://schemas.microsoft.com/office/drawing/2014/main" id="{9AC427FF-C3BE-45A0-9FB1-A6A4C8C4CD85}"/>
+                </a:ext>
+                <a:ext uri="{C183D7F6-B498-43B3-948B-1728B52AA6E4}">
+                  <adec:decorative xmlns:adec="http://schemas.microsoft.com/office/drawing/2017/decorative" val="1"/>
+                </a:ext>
+              </a:extLst>
+            </p:cNvPr>
+            <p:cNvCxnSpPr>
+              <a:cxnSpLocks/>
+            </p:cNvCxnSpPr>
+            <p:nvPr>
+              <p:extLst>
+                <p:ext uri="{386F3935-93C4-4BCD-93E2-E3B085C9AB24}">
+                  <p16:designElem xmlns:p16="http://schemas.microsoft.com/office/powerpoint/2015/main" val="1"/>
+                </p:ext>
+              </p:extLst>
+            </p:nvPr>
+          </p:nvCxnSpPr>
+          <p:spPr>
+            <a:xfrm>
+              <a:off x="3439563" y="-25"/>
+              <a:ext cx="0" cy="6843985"/>
+            </a:xfrm>
+            <a:prstGeom prst="line">
+              <a:avLst/>
+            </a:prstGeom>
+            <a:ln w="19050">
+              <a:solidFill>
+                <a:schemeClr val="bg1"/>
+              </a:solidFill>
+            </a:ln>
+          </p:spPr>
+          <p:style>
+            <a:lnRef idx="1">
+              <a:schemeClr val="accent2"/>
+            </a:lnRef>
+            <a:fillRef idx="0">
+              <a:schemeClr val="accent2"/>
+            </a:fillRef>
+            <a:effectRef idx="0">
+              <a:schemeClr val="accent2"/>
+            </a:effectRef>
+            <a:fontRef idx="minor">
+              <a:schemeClr val="tx1"/>
+            </a:fontRef>
+          </p:style>
+        </p:cxnSp>
+        <p:cxnSp>
+          <p:nvCxnSpPr>
+            <p:cNvPr id="30" name="Straight Connector 29">
+              <a:extLst>
+                <a:ext uri="{FF2B5EF4-FFF2-40B4-BE49-F238E27FC236}">
+                  <a16:creationId xmlns:a16="http://schemas.microsoft.com/office/drawing/2014/main" id="{2B15D91A-BF52-4704-8F6B-A7C474618191}"/>
+                </a:ext>
+                <a:ext uri="{C183D7F6-B498-43B3-948B-1728B52AA6E4}">
+                  <adec:decorative xmlns:adec="http://schemas.microsoft.com/office/drawing/2017/decorative" val="1"/>
+                </a:ext>
+              </a:extLst>
+            </p:cNvPr>
+            <p:cNvCxnSpPr>
+              <a:cxnSpLocks/>
+            </p:cNvCxnSpPr>
+            <p:nvPr>
+              <p:extLst>
+                <p:ext uri="{386F3935-93C4-4BCD-93E2-E3B085C9AB24}">
+                  <p16:designElem xmlns:p16="http://schemas.microsoft.com/office/powerpoint/2015/main" val="1"/>
+                </p:ext>
+              </p:extLst>
+            </p:nvPr>
+          </p:nvCxnSpPr>
+          <p:spPr>
+            <a:xfrm>
+              <a:off x="5159344" y="-25"/>
+              <a:ext cx="0" cy="6843985"/>
+            </a:xfrm>
+            <a:prstGeom prst="line">
+              <a:avLst/>
+            </a:prstGeom>
+            <a:ln w="19050">
+              <a:solidFill>
+                <a:schemeClr val="bg1"/>
+              </a:solidFill>
+            </a:ln>
+          </p:spPr>
+          <p:style>
+            <a:lnRef idx="1">
+              <a:schemeClr val="accent2"/>
+            </a:lnRef>
+            <a:fillRef idx="0">
+              <a:schemeClr val="accent2"/>
+            </a:fillRef>
+            <a:effectRef idx="0">
+              <a:schemeClr val="accent2"/>
+            </a:effectRef>
+            <a:fontRef idx="minor">
+              <a:schemeClr val="tx1"/>
+            </a:fontRef>
+          </p:style>
+        </p:cxnSp>
+        <p:cxnSp>
+          <p:nvCxnSpPr>
+            <p:cNvPr id="31" name="Straight Connector 30">
+              <a:extLst>
+                <a:ext uri="{FF2B5EF4-FFF2-40B4-BE49-F238E27FC236}">
+                  <a16:creationId xmlns:a16="http://schemas.microsoft.com/office/drawing/2014/main" id="{1D9241FD-0E0D-409B-A2AF-8F06ACB75778}"/>
+                </a:ext>
+                <a:ext uri="{C183D7F6-B498-43B3-948B-1728B52AA6E4}">
+                  <adec:decorative xmlns:adec="http://schemas.microsoft.com/office/drawing/2017/decorative" val="1"/>
+                </a:ext>
+              </a:extLst>
+            </p:cNvPr>
+            <p:cNvCxnSpPr>
+              <a:cxnSpLocks/>
+            </p:cNvCxnSpPr>
+            <p:nvPr>
+              <p:extLst>
+                <p:ext uri="{386F3935-93C4-4BCD-93E2-E3B085C9AB24}">
+                  <p16:designElem xmlns:p16="http://schemas.microsoft.com/office/powerpoint/2015/main" val="1"/>
+                </p:ext>
+              </p:extLst>
+            </p:nvPr>
+          </p:nvCxnSpPr>
+          <p:spPr>
+            <a:xfrm>
+              <a:off x="6879125" y="-12406"/>
+              <a:ext cx="0" cy="6843985"/>
+            </a:xfrm>
+            <a:prstGeom prst="line">
+              <a:avLst/>
+            </a:prstGeom>
+            <a:ln w="19050">
+              <a:solidFill>
+                <a:schemeClr val="bg1"/>
+              </a:solidFill>
+            </a:ln>
+          </p:spPr>
+          <p:style>
+            <a:lnRef idx="1">
+              <a:schemeClr val="accent2"/>
+            </a:lnRef>
+            <a:fillRef idx="0">
+              <a:schemeClr val="accent2"/>
+            </a:fillRef>
+            <a:effectRef idx="0">
+              <a:schemeClr val="accent2"/>
+            </a:effectRef>
+            <a:fontRef idx="minor">
+              <a:schemeClr val="tx1"/>
+            </a:fontRef>
+          </p:style>
+        </p:cxnSp>
+        <p:cxnSp>
+          <p:nvCxnSpPr>
+            <p:cNvPr id="32" name="Straight Connector 31">
+              <a:extLst>
+                <a:ext uri="{FF2B5EF4-FFF2-40B4-BE49-F238E27FC236}">
+                  <a16:creationId xmlns:a16="http://schemas.microsoft.com/office/drawing/2014/main" id="{F8B3D884-11F6-4FF3-82C2-1C2311451C61}"/>
+                </a:ext>
+                <a:ext uri="{C183D7F6-B498-43B3-948B-1728B52AA6E4}">
+                  <adec:decorative xmlns:adec="http://schemas.microsoft.com/office/drawing/2017/decorative" val="1"/>
+                </a:ext>
+              </a:extLst>
+            </p:cNvPr>
+            <p:cNvCxnSpPr>
+              <a:cxnSpLocks/>
+            </p:cNvCxnSpPr>
+            <p:nvPr>
+              <p:extLst>
+                <p:ext uri="{386F3935-93C4-4BCD-93E2-E3B085C9AB24}">
+                  <p16:designElem xmlns:p16="http://schemas.microsoft.com/office/powerpoint/2015/main" val="1"/>
+                </p:ext>
+              </p:extLst>
+            </p:nvPr>
+          </p:nvCxnSpPr>
+          <p:spPr>
+            <a:xfrm>
+              <a:off x="8598907" y="-12406"/>
+              <a:ext cx="0" cy="6843985"/>
+            </a:xfrm>
+            <a:prstGeom prst="line">
+              <a:avLst/>
+            </a:prstGeom>
+            <a:ln w="19050">
+              <a:solidFill>
+                <a:schemeClr val="bg1"/>
+              </a:solidFill>
+            </a:ln>
+          </p:spPr>
+          <p:style>
+            <a:lnRef idx="1">
+              <a:schemeClr val="accent2"/>
+            </a:lnRef>
+            <a:fillRef idx="0">
+              <a:schemeClr val="accent2"/>
+            </a:fillRef>
+            <a:effectRef idx="0">
+              <a:schemeClr val="accent2"/>
+            </a:effectRef>
+            <a:fontRef idx="minor">
+              <a:schemeClr val="tx1"/>
+            </a:fontRef>
+          </p:style>
+        </p:cxnSp>
+        <p:cxnSp>
+          <p:nvCxnSpPr>
+            <p:cNvPr id="33" name="Straight Connector 32">
+              <a:extLst>
+                <a:ext uri="{FF2B5EF4-FFF2-40B4-BE49-F238E27FC236}">
+                  <a16:creationId xmlns:a16="http://schemas.microsoft.com/office/drawing/2014/main" id="{A15AB342-981A-44B4-846D-B0B2394ACF01}"/>
+                </a:ext>
+                <a:ext uri="{C183D7F6-B498-43B3-948B-1728B52AA6E4}">
+                  <adec:decorative xmlns:adec="http://schemas.microsoft.com/office/drawing/2017/decorative" val="1"/>
+                </a:ext>
+              </a:extLst>
+            </p:cNvPr>
+            <p:cNvCxnSpPr>
+              <a:cxnSpLocks/>
+            </p:cNvCxnSpPr>
+            <p:nvPr>
+              <p:extLst>
+                <p:ext uri="{386F3935-93C4-4BCD-93E2-E3B085C9AB24}">
+                  <p16:designElem xmlns:p16="http://schemas.microsoft.com/office/powerpoint/2015/main" val="1"/>
+                </p:ext>
+              </p:extLst>
+            </p:nvPr>
+          </p:nvCxnSpPr>
+          <p:spPr>
+            <a:xfrm>
+              <a:off x="12038471" y="-25"/>
+              <a:ext cx="0" cy="6843985"/>
+            </a:xfrm>
+            <a:prstGeom prst="line">
+              <a:avLst/>
+            </a:prstGeom>
+            <a:ln w="19050">
+              <a:solidFill>
+                <a:schemeClr val="bg1"/>
+              </a:solidFill>
+            </a:ln>
+          </p:spPr>
+          <p:style>
+            <a:lnRef idx="1">
+              <a:schemeClr val="accent2"/>
+            </a:lnRef>
+            <a:fillRef idx="0">
+              <a:schemeClr val="accent2"/>
+            </a:fillRef>
+            <a:effectRef idx="0">
+              <a:schemeClr val="accent2"/>
+            </a:effectRef>
+            <a:fontRef idx="minor">
+              <a:schemeClr val="tx1"/>
+            </a:fontRef>
+          </p:style>
+        </p:cxnSp>
+        <p:cxnSp>
+          <p:nvCxnSpPr>
+            <p:cNvPr id="34" name="Straight Connector 33">
+              <a:extLst>
+                <a:ext uri="{FF2B5EF4-FFF2-40B4-BE49-F238E27FC236}">
+                  <a16:creationId xmlns:a16="http://schemas.microsoft.com/office/drawing/2014/main" id="{872C80E7-0A00-4063-BEE2-6B6B446A4A72}"/>
+                </a:ext>
+                <a:ext uri="{C183D7F6-B498-43B3-948B-1728B52AA6E4}">
+                  <adec:decorative xmlns:adec="http://schemas.microsoft.com/office/drawing/2017/decorative" val="1"/>
+                </a:ext>
+              </a:extLst>
+            </p:cNvPr>
+            <p:cNvCxnSpPr>
+              <a:cxnSpLocks/>
+            </p:cNvCxnSpPr>
+            <p:nvPr>
+              <p:extLst>
+                <p:ext uri="{386F3935-93C4-4BCD-93E2-E3B085C9AB24}">
+                  <p16:designElem xmlns:p16="http://schemas.microsoft.com/office/powerpoint/2015/main" val="1"/>
+                </p:ext>
+              </p:extLst>
+            </p:nvPr>
+          </p:nvCxnSpPr>
+          <p:spPr>
+            <a:xfrm>
+              <a:off x="10318688" y="-25"/>
+              <a:ext cx="0" cy="6843985"/>
+            </a:xfrm>
+            <a:prstGeom prst="line">
+              <a:avLst/>
+            </a:prstGeom>
+            <a:ln w="19050">
+              <a:solidFill>
+                <a:schemeClr val="bg1"/>
+              </a:solidFill>
+            </a:ln>
+          </p:spPr>
+          <p:style>
+            <a:lnRef idx="1">
+              <a:schemeClr val="accent2"/>
+            </a:lnRef>
+            <a:fillRef idx="0">
+              <a:schemeClr val="accent2"/>
+            </a:fillRef>
+            <a:effectRef idx="0">
+              <a:schemeClr val="accent2"/>
+            </a:effectRef>
+            <a:fontRef idx="minor">
+              <a:schemeClr val="tx1"/>
+            </a:fontRef>
+          </p:style>
+        </p:cxnSp>
+        <p:cxnSp>
+          <p:nvCxnSpPr>
+            <p:cNvPr id="35" name="Straight Connector 34">
+              <a:extLst>
+                <a:ext uri="{FF2B5EF4-FFF2-40B4-BE49-F238E27FC236}">
+                  <a16:creationId xmlns:a16="http://schemas.microsoft.com/office/drawing/2014/main" id="{CDDFAF9B-F940-4E8C-905E-31851E6E716D}"/>
+                </a:ext>
+                <a:ext uri="{C183D7F6-B498-43B3-948B-1728B52AA6E4}">
+                  <adec:decorative xmlns:adec="http://schemas.microsoft.com/office/drawing/2017/decorative" val="1"/>
+                </a:ext>
+              </a:extLst>
+            </p:cNvPr>
+            <p:cNvCxnSpPr>
+              <a:cxnSpLocks/>
+            </p:cNvCxnSpPr>
+            <p:nvPr>
+              <p:extLst>
+                <p:ext uri="{386F3935-93C4-4BCD-93E2-E3B085C9AB24}">
+                  <p16:designElem xmlns:p16="http://schemas.microsoft.com/office/powerpoint/2015/main" val="1"/>
+                </p:ext>
+              </p:extLst>
+            </p:nvPr>
+          </p:nvCxnSpPr>
+          <p:spPr>
+            <a:xfrm>
+              <a:off x="3549263" y="-5330"/>
+              <a:ext cx="0" cy="6843985"/>
+            </a:xfrm>
+            <a:prstGeom prst="line">
+              <a:avLst/>
+            </a:prstGeom>
+            <a:ln w="19050">
+              <a:solidFill>
+                <a:schemeClr val="bg1"/>
+              </a:solidFill>
+            </a:ln>
+          </p:spPr>
+          <p:style>
+            <a:lnRef idx="1">
+              <a:schemeClr val="accent2"/>
+            </a:lnRef>
+            <a:fillRef idx="0">
+              <a:schemeClr val="accent2"/>
+            </a:fillRef>
+            <a:effectRef idx="0">
+              <a:schemeClr val="accent2"/>
+            </a:effectRef>
+            <a:fontRef idx="minor">
+              <a:schemeClr val="tx1"/>
+            </a:fontRef>
+          </p:style>
+        </p:cxnSp>
+        <p:cxnSp>
+          <p:nvCxnSpPr>
+            <p:cNvPr id="36" name="Straight Connector 35">
+              <a:extLst>
+                <a:ext uri="{FF2B5EF4-FFF2-40B4-BE49-F238E27FC236}">
+                  <a16:creationId xmlns:a16="http://schemas.microsoft.com/office/drawing/2014/main" id="{DE75405B-4987-4ED0-838B-B550E11C50A7}"/>
+                </a:ext>
+                <a:ext uri="{C183D7F6-B498-43B3-948B-1728B52AA6E4}">
+                  <adec:decorative xmlns:adec="http://schemas.microsoft.com/office/drawing/2017/decorative" val="1"/>
+                </a:ext>
+              </a:extLst>
+            </p:cNvPr>
+            <p:cNvCxnSpPr>
+              <a:cxnSpLocks/>
+            </p:cNvCxnSpPr>
+            <p:nvPr>
+              <p:extLst>
+                <p:ext uri="{386F3935-93C4-4BCD-93E2-E3B085C9AB24}">
+                  <p16:designElem xmlns:p16="http://schemas.microsoft.com/office/powerpoint/2015/main" val="1"/>
+                </p:ext>
+              </p:extLst>
+            </p:nvPr>
+          </p:nvCxnSpPr>
+          <p:spPr>
+            <a:xfrm>
+              <a:off x="5272269" y="1609"/>
+              <a:ext cx="0" cy="6843985"/>
+            </a:xfrm>
+            <a:prstGeom prst="line">
+              <a:avLst/>
+            </a:prstGeom>
+            <a:ln w="19050">
+              <a:solidFill>
+                <a:schemeClr val="bg1"/>
+              </a:solidFill>
+            </a:ln>
+          </p:spPr>
+          <p:style>
+            <a:lnRef idx="1">
+              <a:schemeClr val="accent2"/>
+            </a:lnRef>
+            <a:fillRef idx="0">
+              <a:schemeClr val="accent2"/>
+            </a:fillRef>
+            <a:effectRef idx="0">
+              <a:schemeClr val="accent2"/>
+            </a:effectRef>
+            <a:fontRef idx="minor">
+              <a:schemeClr val="tx1"/>
+            </a:fontRef>
+          </p:style>
+        </p:cxnSp>
+        <p:cxnSp>
+          <p:nvCxnSpPr>
+            <p:cNvPr id="37" name="Straight Connector 36">
+              <a:extLst>
+                <a:ext uri="{FF2B5EF4-FFF2-40B4-BE49-F238E27FC236}">
+                  <a16:creationId xmlns:a16="http://schemas.microsoft.com/office/drawing/2014/main" id="{2D23C412-06C7-4364-B5C1-6492A9D36BCD}"/>
+                </a:ext>
+                <a:ext uri="{C183D7F6-B498-43B3-948B-1728B52AA6E4}">
+                  <adec:decorative xmlns:adec="http://schemas.microsoft.com/office/drawing/2017/decorative" val="1"/>
+                </a:ext>
+              </a:extLst>
+            </p:cNvPr>
+            <p:cNvCxnSpPr>
+              <a:cxnSpLocks/>
+            </p:cNvCxnSpPr>
+            <p:nvPr>
+              <p:extLst>
+                <p:ext uri="{386F3935-93C4-4BCD-93E2-E3B085C9AB24}">
+                  <p16:designElem xmlns:p16="http://schemas.microsoft.com/office/powerpoint/2015/main" val="1"/>
+                </p:ext>
+              </p:extLst>
+            </p:nvPr>
+          </p:nvCxnSpPr>
+          <p:spPr>
+            <a:xfrm>
+              <a:off x="6990113" y="-12406"/>
+              <a:ext cx="0" cy="6843985"/>
+            </a:xfrm>
+            <a:prstGeom prst="line">
+              <a:avLst/>
+            </a:prstGeom>
+            <a:ln w="19050">
+              <a:solidFill>
+                <a:schemeClr val="bg1"/>
+              </a:solidFill>
+            </a:ln>
+          </p:spPr>
+          <p:style>
+            <a:lnRef idx="1">
+              <a:schemeClr val="accent2"/>
+            </a:lnRef>
+            <a:fillRef idx="0">
+              <a:schemeClr val="accent2"/>
+            </a:fillRef>
+            <a:effectRef idx="0">
+              <a:schemeClr val="accent2"/>
+            </a:effectRef>
+            <a:fontRef idx="minor">
+              <a:schemeClr val="tx1"/>
+            </a:fontRef>
+          </p:style>
+        </p:cxnSp>
+        <p:cxnSp>
+          <p:nvCxnSpPr>
+            <p:cNvPr id="38" name="Straight Connector 37">
+              <a:extLst>
+                <a:ext uri="{FF2B5EF4-FFF2-40B4-BE49-F238E27FC236}">
+                  <a16:creationId xmlns:a16="http://schemas.microsoft.com/office/drawing/2014/main" id="{3E558B2C-BA31-4EF6-AA51-34C38C4FAC19}"/>
+                </a:ext>
+                <a:ext uri="{C183D7F6-B498-43B3-948B-1728B52AA6E4}">
+                  <adec:decorative xmlns:adec="http://schemas.microsoft.com/office/drawing/2017/decorative" val="1"/>
+                </a:ext>
+              </a:extLst>
+            </p:cNvPr>
+            <p:cNvCxnSpPr>
+              <a:cxnSpLocks/>
+            </p:cNvCxnSpPr>
+            <p:nvPr>
+              <p:extLst>
+                <p:ext uri="{386F3935-93C4-4BCD-93E2-E3B085C9AB24}">
+                  <p16:designElem xmlns:p16="http://schemas.microsoft.com/office/powerpoint/2015/main" val="1"/>
+                </p:ext>
+              </p:extLst>
+            </p:nvPr>
+          </p:nvCxnSpPr>
+          <p:spPr>
+            <a:xfrm>
+              <a:off x="8715787" y="-12406"/>
+              <a:ext cx="0" cy="6843985"/>
+            </a:xfrm>
+            <a:prstGeom prst="line">
+              <a:avLst/>
+            </a:prstGeom>
+            <a:ln w="19050">
+              <a:solidFill>
+                <a:schemeClr val="bg1"/>
+              </a:solidFill>
+            </a:ln>
+          </p:spPr>
+          <p:style>
+            <a:lnRef idx="1">
+              <a:schemeClr val="accent2"/>
+            </a:lnRef>
+            <a:fillRef idx="0">
+              <a:schemeClr val="accent2"/>
+            </a:fillRef>
+            <a:effectRef idx="0">
+              <a:schemeClr val="accent2"/>
+            </a:effectRef>
+            <a:fontRef idx="minor">
+              <a:schemeClr val="tx1"/>
+            </a:fontRef>
+          </p:style>
+        </p:cxnSp>
+        <p:cxnSp>
+          <p:nvCxnSpPr>
+            <p:cNvPr id="39" name="Straight Connector 38">
+              <a:extLst>
+                <a:ext uri="{FF2B5EF4-FFF2-40B4-BE49-F238E27FC236}">
+                  <a16:creationId xmlns:a16="http://schemas.microsoft.com/office/drawing/2014/main" id="{49BF6B7B-33CA-48B1-A1DC-E4917FB89D99}"/>
+                </a:ext>
+                <a:ext uri="{C183D7F6-B498-43B3-948B-1728B52AA6E4}">
+                  <adec:decorative xmlns:adec="http://schemas.microsoft.com/office/drawing/2017/decorative" val="1"/>
+                </a:ext>
+              </a:extLst>
+            </p:cNvPr>
+            <p:cNvCxnSpPr>
+              <a:cxnSpLocks/>
+            </p:cNvCxnSpPr>
+            <p:nvPr>
+              <p:extLst>
+                <p:ext uri="{386F3935-93C4-4BCD-93E2-E3B085C9AB24}">
+                  <p16:designElem xmlns:p16="http://schemas.microsoft.com/office/powerpoint/2015/main" val="1"/>
+                </p:ext>
+              </p:extLst>
+            </p:nvPr>
+          </p:nvCxnSpPr>
+          <p:spPr>
+            <a:xfrm>
+              <a:off x="10435730" y="-12406"/>
+              <a:ext cx="0" cy="6843985"/>
+            </a:xfrm>
+            <a:prstGeom prst="line">
+              <a:avLst/>
+            </a:prstGeom>
+            <a:ln w="19050">
+              <a:solidFill>
+                <a:schemeClr val="bg1"/>
+              </a:solidFill>
+            </a:ln>
+          </p:spPr>
+          <p:style>
+            <a:lnRef idx="1">
+              <a:schemeClr val="accent2"/>
+            </a:lnRef>
+            <a:fillRef idx="0">
+              <a:schemeClr val="accent2"/>
+            </a:fillRef>
+            <a:effectRef idx="0">
+              <a:schemeClr val="accent2"/>
+            </a:effectRef>
+            <a:fontRef idx="minor">
+              <a:schemeClr val="tx1"/>
+            </a:fontRef>
+          </p:style>
+        </p:cxnSp>
+        <p:cxnSp>
+          <p:nvCxnSpPr>
+            <p:cNvPr id="40" name="Straight Connector 39">
+              <a:extLst>
+                <a:ext uri="{FF2B5EF4-FFF2-40B4-BE49-F238E27FC236}">
+                  <a16:creationId xmlns:a16="http://schemas.microsoft.com/office/drawing/2014/main" id="{B91E8E40-9C42-4E16-980F-D9B38872F361}"/>
+                </a:ext>
+                <a:ext uri="{C183D7F6-B498-43B3-948B-1728B52AA6E4}">
+                  <adec:decorative xmlns:adec="http://schemas.microsoft.com/office/drawing/2017/decorative" val="1"/>
+                </a:ext>
+              </a:extLst>
+            </p:cNvPr>
+            <p:cNvCxnSpPr>
+              <a:cxnSpLocks/>
+            </p:cNvCxnSpPr>
+            <p:nvPr>
+              <p:extLst>
+                <p:ext uri="{386F3935-93C4-4BCD-93E2-E3B085C9AB24}">
+                  <p16:designElem xmlns:p16="http://schemas.microsoft.com/office/powerpoint/2015/main" val="1"/>
+                </p:ext>
+              </p:extLst>
+            </p:nvPr>
+          </p:nvCxnSpPr>
+          <p:spPr>
+            <a:xfrm>
+              <a:off x="11914293" y="-5330"/>
+              <a:ext cx="0" cy="6843985"/>
+            </a:xfrm>
+            <a:prstGeom prst="line">
+              <a:avLst/>
+            </a:prstGeom>
+            <a:ln w="19050">
+              <a:solidFill>
+                <a:schemeClr val="bg1"/>
+              </a:solidFill>
+            </a:ln>
+          </p:spPr>
+          <p:style>
+            <a:lnRef idx="1">
+              <a:schemeClr val="accent2"/>
+            </a:lnRef>
+            <a:fillRef idx="0">
+              <a:schemeClr val="accent2"/>
+            </a:fillRef>
+            <a:effectRef idx="0">
+              <a:schemeClr val="accent2"/>
+            </a:effectRef>
+            <a:fontRef idx="minor">
+              <a:schemeClr val="tx1"/>
+            </a:fontRef>
+          </p:style>
+        </p:cxnSp>
+        <p:cxnSp>
+          <p:nvCxnSpPr>
+            <p:cNvPr id="41" name="Straight Connector 40">
+              <a:extLst>
+                <a:ext uri="{FF2B5EF4-FFF2-40B4-BE49-F238E27FC236}">
+                  <a16:creationId xmlns:a16="http://schemas.microsoft.com/office/drawing/2014/main" id="{6B7E3690-D803-4CC7-BA93-B51ACF040FBF}"/>
+                </a:ext>
+                <a:ext uri="{C183D7F6-B498-43B3-948B-1728B52AA6E4}">
+                  <adec:decorative xmlns:adec="http://schemas.microsoft.com/office/drawing/2017/decorative" val="1"/>
+                </a:ext>
+              </a:extLst>
+            </p:cNvPr>
+            <p:cNvCxnSpPr>
+              <a:cxnSpLocks/>
+            </p:cNvCxnSpPr>
+            <p:nvPr>
+              <p:extLst>
+                <p:ext uri="{386F3935-93C4-4BCD-93E2-E3B085C9AB24}">
+                  <p16:designElem xmlns:p16="http://schemas.microsoft.com/office/powerpoint/2015/main" val="1"/>
+                </p:ext>
+              </p:extLst>
+            </p:nvPr>
+          </p:nvCxnSpPr>
+          <p:spPr>
+            <a:xfrm>
+              <a:off x="124177" y="-12406"/>
+              <a:ext cx="0" cy="6843985"/>
+            </a:xfrm>
+            <a:prstGeom prst="line">
+              <a:avLst/>
+            </a:prstGeom>
+            <a:ln w="19050">
+              <a:solidFill>
+                <a:schemeClr val="bg1"/>
+              </a:solidFill>
+            </a:ln>
+          </p:spPr>
+          <p:style>
+            <a:lnRef idx="1">
+              <a:schemeClr val="accent2"/>
+            </a:lnRef>
+            <a:fillRef idx="0">
+              <a:schemeClr val="accent2"/>
+            </a:fillRef>
+            <a:effectRef idx="0">
+              <a:schemeClr val="accent2"/>
+            </a:effectRef>
+            <a:fontRef idx="minor">
+              <a:schemeClr val="tx1"/>
+            </a:fontRef>
+          </p:style>
+        </p:cxnSp>
+      </p:grpSp>
+      <p:sp>
+        <p:nvSpPr>
+          <p:cNvPr id="2" name="Titel 1">
+            <a:extLst>
+              <a:ext uri="{FF2B5EF4-FFF2-40B4-BE49-F238E27FC236}">
+                <a16:creationId xmlns:a16="http://schemas.microsoft.com/office/drawing/2014/main" id="{C7E3F825-1918-451E-B3AB-EE354B6B60AF}"/>
+              </a:ext>
+            </a:extLst>
+          </p:cNvPr>
+          <p:cNvSpPr>
+            <a:spLocks noGrp="1"/>
+          </p:cNvSpPr>
+          <p:nvPr>
+            <p:ph type="title"/>
+          </p:nvPr>
+        </p:nvSpPr>
+        <p:spPr>
+          <a:xfrm>
+            <a:off x="630935" y="1362456"/>
+            <a:ext cx="4576401" cy="2079889"/>
+          </a:xfrm>
+        </p:spPr>
+        <p:txBody>
+          <a:bodyPr vert="horz" lIns="91440" tIns="45720" rIns="91440" bIns="45720" rtlCol="0" anchor="t">
+            <a:normAutofit/>
+          </a:bodyPr>
+          <a:lstStyle/>
+          <a:p>
+            <a:r>
+              <a:rPr lang="en-US" kern="1200">
+                <a:solidFill>
+                  <a:schemeClr val="tx1"/>
+                </a:solidFill>
+                <a:latin typeface="+mj-lt"/>
+                <a:ea typeface="+mj-ea"/>
+                <a:cs typeface="+mj-cs"/>
+              </a:rPr>
+              <a:t>Übung 3 Quicksort Parallelisierung Sections</a:t>
+            </a:r>
+          </a:p>
+        </p:txBody>
+      </p:sp>
+      <p:cxnSp>
+        <p:nvCxnSpPr>
+          <p:cNvPr id="43" name="Straight Connector 42">
+            <a:extLst>
+              <a:ext uri="{FF2B5EF4-FFF2-40B4-BE49-F238E27FC236}">
+                <a16:creationId xmlns:a16="http://schemas.microsoft.com/office/drawing/2014/main" id="{473E2575-93BA-49BD-A0BB-EBD45F7382A2}"/>
+              </a:ext>
+              <a:ext uri="{C183D7F6-B498-43B3-948B-1728B52AA6E4}">
+                <adec:decorative xmlns:adec="http://schemas.microsoft.com/office/drawing/2017/decorative" val="1"/>
+              </a:ext>
+            </a:extLst>
+          </p:cNvPr>
+          <p:cNvCxnSpPr>
+            <a:cxnSpLocks noGrp="1" noRot="1" noChangeAspect="1" noMove="1" noResize="1" noEditPoints="1" noAdjustHandles="1" noChangeArrowheads="1" noChangeShapeType="1"/>
+          </p:cNvCxnSpPr>
+          <p:nvPr>
+            <p:extLst>
+              <p:ext uri="{386F3935-93C4-4BCD-93E2-E3B085C9AB24}">
+                <p16:designElem xmlns:p16="http://schemas.microsoft.com/office/powerpoint/2015/main" val="1"/>
+              </p:ext>
+            </p:extLst>
+          </p:nvPr>
+        </p:nvCxnSpPr>
+        <p:spPr>
+          <a:xfrm flipH="1">
+            <a:off x="780800" y="1141470"/>
+            <a:ext cx="4413319" cy="0"/>
+          </a:xfrm>
+          <a:prstGeom prst="line">
+            <a:avLst/>
+          </a:prstGeom>
+          <a:ln w="50800" cap="sq">
+            <a:solidFill>
+              <a:schemeClr val="accent5"/>
+            </a:solidFill>
+            <a:headEnd type="none"/>
+            <a:tailEnd type="none"/>
+          </a:ln>
+        </p:spPr>
+        <p:style>
+          <a:lnRef idx="1">
+            <a:schemeClr val="accent1"/>
+          </a:lnRef>
+          <a:fillRef idx="0">
+            <a:schemeClr val="accent1"/>
+          </a:fillRef>
+          <a:effectRef idx="0">
+            <a:schemeClr val="accent1"/>
+          </a:effectRef>
+          <a:fontRef idx="minor">
+            <a:schemeClr val="tx1"/>
+          </a:fontRef>
+        </p:style>
+      </p:cxnSp>
+      <p:sp>
+        <p:nvSpPr>
+          <p:cNvPr id="45" name="Rectangle 44">
+            <a:extLst>
+              <a:ext uri="{FF2B5EF4-FFF2-40B4-BE49-F238E27FC236}">
+                <a16:creationId xmlns:a16="http://schemas.microsoft.com/office/drawing/2014/main" id="{F6F39701-6C43-48B2-9ABD-069AE5A955A1}"/>
+              </a:ext>
+              <a:ext uri="{C183D7F6-B498-43B3-948B-1728B52AA6E4}">
+                <adec:decorative xmlns:adec="http://schemas.microsoft.com/office/drawing/2017/decorative" val="1"/>
+              </a:ext>
+            </a:extLst>
+          </p:cNvPr>
+          <p:cNvSpPr>
+            <a:spLocks noGrp="1" noRot="1" noChangeAspect="1" noMove="1" noResize="1" noEditPoints="1" noAdjustHandles="1" noChangeArrowheads="1" noChangeShapeType="1" noTextEdit="1"/>
+          </p:cNvSpPr>
+          <p:nvPr>
+            <p:extLst>
+              <p:ext uri="{386F3935-93C4-4BCD-93E2-E3B085C9AB24}">
+                <p16:designElem xmlns:p16="http://schemas.microsoft.com/office/powerpoint/2015/main" val="1"/>
+              </p:ext>
+            </p:extLst>
+          </p:nvPr>
+        </p:nvSpPr>
+        <p:spPr>
+          <a:xfrm>
+            <a:off x="5376201" y="1161288"/>
+            <a:ext cx="5054975" cy="5563411"/>
+          </a:xfrm>
+          <a:prstGeom prst="rect">
+            <a:avLst/>
+          </a:prstGeom>
+          <a:solidFill>
+            <a:schemeClr val="bg2">
+              <a:alpha val="70000"/>
+            </a:schemeClr>
+          </a:solidFill>
+          <a:ln>
+            <a:noFill/>
+          </a:ln>
+        </p:spPr>
+        <p:style>
+          <a:lnRef idx="2">
+            <a:schemeClr val="accent1">
+              <a:shade val="50000"/>
+            </a:schemeClr>
+          </a:lnRef>
+          <a:fillRef idx="1">
+            <a:schemeClr val="accent1"/>
+          </a:fillRef>
+          <a:effectRef idx="0">
+            <a:schemeClr val="accent1"/>
+          </a:effectRef>
+          <a:fontRef idx="minor">
+            <a:schemeClr val="lt1"/>
+          </a:fontRef>
+        </p:style>
+        <p:txBody>
+          <a:bodyPr rtlCol="0" anchor="ctr"/>
+          <a:lstStyle/>
+          <a:p>
+            <a:pPr algn="ctr"/>
+            <a:endParaRPr lang="en-US"/>
+          </a:p>
+        </p:txBody>
+      </p:sp>
+      <p:cxnSp>
+        <p:nvCxnSpPr>
+          <p:cNvPr id="47" name="Straight Connector 46">
+            <a:extLst>
+              <a:ext uri="{FF2B5EF4-FFF2-40B4-BE49-F238E27FC236}">
+                <a16:creationId xmlns:a16="http://schemas.microsoft.com/office/drawing/2014/main" id="{FE32AE2A-5F1E-4AB5-96CD-95BBC7E8CBB1}"/>
+              </a:ext>
+              <a:ext uri="{C183D7F6-B498-43B3-948B-1728B52AA6E4}">
+                <adec:decorative xmlns:adec="http://schemas.microsoft.com/office/drawing/2017/decorative" val="1"/>
+              </a:ext>
+            </a:extLst>
+          </p:cNvPr>
+          <p:cNvCxnSpPr>
+            <a:cxnSpLocks noGrp="1" noRot="1" noChangeAspect="1" noMove="1" noResize="1" noEditPoints="1" noAdjustHandles="1" noChangeArrowheads="1" noChangeShapeType="1"/>
+          </p:cNvCxnSpPr>
+          <p:nvPr>
+            <p:extLst>
+              <p:ext uri="{386F3935-93C4-4BCD-93E2-E3B085C9AB24}">
+                <p16:designElem xmlns:p16="http://schemas.microsoft.com/office/powerpoint/2015/main" val="1"/>
+              </p:ext>
+            </p:extLst>
+          </p:nvPr>
+        </p:nvCxnSpPr>
+        <p:spPr>
+          <a:xfrm flipH="1">
+            <a:off x="5389638" y="1155984"/>
+            <a:ext cx="5007429" cy="0"/>
+          </a:xfrm>
+          <a:prstGeom prst="line">
+            <a:avLst/>
+          </a:prstGeom>
+          <a:ln w="25400" cap="sq">
+            <a:solidFill>
+              <a:schemeClr val="accent5"/>
+            </a:solidFill>
+            <a:headEnd type="none"/>
+            <a:tailEnd type="none"/>
+          </a:ln>
+        </p:spPr>
+        <p:style>
+          <a:lnRef idx="1">
+            <a:schemeClr val="accent1"/>
+          </a:lnRef>
+          <a:fillRef idx="0">
+            <a:schemeClr val="accent1"/>
+          </a:fillRef>
+          <a:effectRef idx="0">
+            <a:schemeClr val="accent1"/>
+          </a:effectRef>
+          <a:fontRef idx="minor">
+            <a:schemeClr val="tx1"/>
+          </a:fontRef>
+        </p:style>
+      </p:cxnSp>
+      <p:sp>
+        <p:nvSpPr>
+          <p:cNvPr id="7" name="Textfeld 6">
+            <a:extLst>
+              <a:ext uri="{FF2B5EF4-FFF2-40B4-BE49-F238E27FC236}">
+                <a16:creationId xmlns:a16="http://schemas.microsoft.com/office/drawing/2014/main" id="{F7CB4E5E-F9B9-4726-B396-8BE0571DEC4F}"/>
+              </a:ext>
+            </a:extLst>
+          </p:cNvPr>
+          <p:cNvSpPr txBox="1"/>
+          <p:nvPr/>
+        </p:nvSpPr>
+        <p:spPr>
+          <a:xfrm>
+            <a:off x="5516281" y="1362456"/>
+            <a:ext cx="4715437" cy="5217638"/>
+          </a:xfrm>
+          <a:prstGeom prst="rect">
+            <a:avLst/>
+          </a:prstGeom>
+        </p:spPr>
+        <p:txBody>
+          <a:bodyPr vert="horz" lIns="91440" tIns="45720" rIns="91440" bIns="45720" rtlCol="0" anchor="ctr">
+            <a:normAutofit/>
+          </a:bodyPr>
+          <a:lstStyle/>
+          <a:p>
+            <a:pPr marL="457200" indent="-228600">
+              <a:lnSpc>
+                <a:spcPct val="90000"/>
+              </a:lnSpc>
+              <a:spcAft>
+                <a:spcPts val="600"/>
+              </a:spcAft>
+              <a:buFont typeface="Arial" panose="020B0604020202020204" pitchFamily="34" charset="0"/>
+              <a:buChar char="•"/>
+            </a:pPr>
+            <a:r>
+              <a:rPr lang="en-US" sz="2400" dirty="0" err="1"/>
+              <a:t>Warum</a:t>
+            </a:r>
+            <a:r>
+              <a:rPr lang="en-US" sz="2400" dirty="0"/>
+              <a:t> </a:t>
+            </a:r>
+            <a:r>
+              <a:rPr lang="en-US" sz="2400" dirty="0" err="1"/>
+              <a:t>ist</a:t>
+            </a:r>
+            <a:r>
+              <a:rPr lang="en-US" sz="2400" dirty="0"/>
+              <a:t> die </a:t>
+            </a:r>
+            <a:r>
+              <a:rPr lang="en-US" sz="2400" dirty="0" err="1"/>
+              <a:t>Parallelisierung</a:t>
+            </a:r>
+            <a:r>
+              <a:rPr lang="en-US" sz="2400" dirty="0"/>
+              <a:t> </a:t>
+            </a:r>
+            <a:r>
+              <a:rPr lang="en-US" sz="2400" dirty="0" err="1"/>
+              <a:t>gleich</a:t>
+            </a:r>
+            <a:r>
+              <a:rPr lang="en-US" sz="2400" dirty="0"/>
+              <a:t> schnell, </a:t>
+            </a:r>
+            <a:r>
+              <a:rPr lang="en-US" sz="2400" dirty="0" err="1"/>
+              <a:t>wenn</a:t>
+            </a:r>
+            <a:r>
+              <a:rPr lang="en-US" sz="2400" dirty="0"/>
+              <a:t> die Quicksort </a:t>
+            </a:r>
+            <a:r>
+              <a:rPr lang="en-US" sz="2400" dirty="0" err="1"/>
+              <a:t>Methode</a:t>
+            </a:r>
+            <a:r>
+              <a:rPr lang="en-US" sz="2400" dirty="0"/>
+              <a:t> </a:t>
+            </a:r>
+            <a:r>
+              <a:rPr lang="en-US" sz="2400" dirty="0" err="1"/>
+              <a:t>Parallelisiert</a:t>
+            </a:r>
+            <a:r>
+              <a:rPr lang="en-US" sz="2400" dirty="0"/>
+              <a:t> </a:t>
+            </a:r>
+            <a:r>
+              <a:rPr lang="en-US" sz="2400" dirty="0" err="1"/>
+              <a:t>wird</a:t>
+            </a:r>
+            <a:r>
+              <a:rPr lang="en-US" sz="2400" dirty="0"/>
+              <a:t>?</a:t>
+            </a:r>
+          </a:p>
+        </p:txBody>
+      </p:sp>
+      <p:sp>
+        <p:nvSpPr>
+          <p:cNvPr id="49" name="Color">
+            <a:extLst>
+              <a:ext uri="{FF2B5EF4-FFF2-40B4-BE49-F238E27FC236}">
+                <a16:creationId xmlns:a16="http://schemas.microsoft.com/office/drawing/2014/main" id="{D665D759-2DF8-4D47-8386-4BA28901A79D}"/>
+              </a:ext>
+              <a:ext uri="{C183D7F6-B498-43B3-948B-1728B52AA6E4}">
+                <adec:decorative xmlns:adec="http://schemas.microsoft.com/office/drawing/2017/decorative" val="1"/>
+              </a:ext>
+            </a:extLst>
+          </p:cNvPr>
+          <p:cNvSpPr>
+            <a:spLocks noGrp="1" noRot="1" noChangeAspect="1" noMove="1" noResize="1" noEditPoints="1" noAdjustHandles="1" noChangeArrowheads="1" noChangeShapeType="1" noTextEdit="1"/>
+          </p:cNvSpPr>
+          <p:nvPr>
+            <p:extLst>
+              <p:ext uri="{386F3935-93C4-4BCD-93E2-E3B085C9AB24}">
+                <p16:designElem xmlns:p16="http://schemas.microsoft.com/office/powerpoint/2015/main" val="1"/>
+              </p:ext>
+            </p:extLst>
+          </p:nvPr>
+        </p:nvSpPr>
+        <p:spPr>
+          <a:xfrm>
+            <a:off x="11347704" y="147451"/>
+            <a:ext cx="685800" cy="6586489"/>
+          </a:xfrm>
+          <a:prstGeom prst="rect">
+            <a:avLst/>
+          </a:prstGeom>
+          <a:noFill/>
+          <a:ln w="25400">
+            <a:solidFill>
+              <a:schemeClr val="accent5"/>
+            </a:solidFill>
+          </a:ln>
+        </p:spPr>
+        <p:style>
+          <a:lnRef idx="2">
+            <a:schemeClr val="accent1">
+              <a:shade val="50000"/>
+            </a:schemeClr>
+          </a:lnRef>
+          <a:fillRef idx="1">
+            <a:schemeClr val="accent1"/>
+          </a:fillRef>
+          <a:effectRef idx="0">
+            <a:schemeClr val="accent1"/>
+          </a:effectRef>
+          <a:fontRef idx="minor">
+            <a:schemeClr val="lt1"/>
+          </a:fontRef>
+        </p:style>
+        <p:txBody>
+          <a:bodyPr rtlCol="0" anchor="ctr"/>
+          <a:lstStyle/>
+          <a:p>
+            <a:pPr algn="ctr"/>
+            <a:endParaRPr lang="en-US">
+              <a:solidFill>
+                <a:schemeClr val="accent5"/>
+              </a:solidFill>
+            </a:endParaRPr>
+          </a:p>
+        </p:txBody>
+      </p:sp>
+      <p:graphicFrame>
+        <p:nvGraphicFramePr>
+          <p:cNvPr id="5" name="Tabelle 5">
+            <a:extLst>
+              <a:ext uri="{FF2B5EF4-FFF2-40B4-BE49-F238E27FC236}">
+                <a16:creationId xmlns:a16="http://schemas.microsoft.com/office/drawing/2014/main" id="{BF4B5319-A78F-476F-BDC1-E5551D330D1A}"/>
+              </a:ext>
+            </a:extLst>
+          </p:cNvPr>
+          <p:cNvGraphicFramePr>
+            <a:graphicFrameLocks noGrp="1"/>
+          </p:cNvGraphicFramePr>
+          <p:nvPr>
+            <p:ph idx="1"/>
+            <p:extLst>
+              <p:ext uri="{D42A27DB-BD31-4B8C-83A1-F6EECF244321}">
+                <p14:modId xmlns:p14="http://schemas.microsoft.com/office/powerpoint/2010/main" val="270246494"/>
+              </p:ext>
+            </p:extLst>
+          </p:nvPr>
+        </p:nvGraphicFramePr>
+        <p:xfrm>
+          <a:off x="706584" y="4588936"/>
+          <a:ext cx="4500896" cy="1121127"/>
+        </p:xfrm>
+        <a:graphic>
+          <a:graphicData uri="http://schemas.openxmlformats.org/drawingml/2006/table">
+            <a:tbl>
+              <a:tblPr firstRow="1" bandRow="1">
+                <a:noFill/>
+                <a:tableStyleId>{5C22544A-7EE6-4342-B048-85BDC9FD1C3A}</a:tableStyleId>
+              </a:tblPr>
+              <a:tblGrid>
+                <a:gridCol w="871175">
+                  <a:extLst>
+                    <a:ext uri="{9D8B030D-6E8A-4147-A177-3AD203B41FA5}">
+                      <a16:colId xmlns:a16="http://schemas.microsoft.com/office/drawing/2014/main" val="3706614358"/>
+                    </a:ext>
+                  </a:extLst>
+                </a:gridCol>
+                <a:gridCol w="634827">
+                  <a:extLst>
+                    <a:ext uri="{9D8B030D-6E8A-4147-A177-3AD203B41FA5}">
+                      <a16:colId xmlns:a16="http://schemas.microsoft.com/office/drawing/2014/main" val="1804461210"/>
+                    </a:ext>
+                  </a:extLst>
+                </a:gridCol>
+                <a:gridCol w="710758">
+                  <a:extLst>
+                    <a:ext uri="{9D8B030D-6E8A-4147-A177-3AD203B41FA5}">
+                      <a16:colId xmlns:a16="http://schemas.microsoft.com/office/drawing/2014/main" val="4173243819"/>
+                    </a:ext>
+                  </a:extLst>
+                </a:gridCol>
+                <a:gridCol w="710758">
+                  <a:extLst>
+                    <a:ext uri="{9D8B030D-6E8A-4147-A177-3AD203B41FA5}">
+                      <a16:colId xmlns:a16="http://schemas.microsoft.com/office/drawing/2014/main" val="4134306666"/>
+                    </a:ext>
+                  </a:extLst>
+                </a:gridCol>
+                <a:gridCol w="786689">
+                  <a:extLst>
+                    <a:ext uri="{9D8B030D-6E8A-4147-A177-3AD203B41FA5}">
+                      <a16:colId xmlns:a16="http://schemas.microsoft.com/office/drawing/2014/main" val="3835685042"/>
+                    </a:ext>
+                  </a:extLst>
+                </a:gridCol>
+                <a:gridCol w="786689">
+                  <a:extLst>
+                    <a:ext uri="{9D8B030D-6E8A-4147-A177-3AD203B41FA5}">
+                      <a16:colId xmlns:a16="http://schemas.microsoft.com/office/drawing/2014/main" val="1373760785"/>
+                    </a:ext>
+                  </a:extLst>
+                </a:gridCol>
+              </a:tblGrid>
+              <a:tr h="373709">
+                <a:tc>
+                  <a:txBody>
+                    <a:bodyPr/>
+                    <a:lstStyle/>
+                    <a:p>
+                      <a:endParaRPr lang="de-DE" sz="1100" b="1">
+                        <a:solidFill>
+                          <a:srgbClr val="FFFFFF"/>
+                        </a:solidFill>
+                      </a:endParaRPr>
+                    </a:p>
+                  </a:txBody>
+                  <a:tcPr marL="154001" marR="92401" marT="92401" marB="92401">
+                    <a:lnL w="38100" cap="flat" cmpd="sng" algn="ctr">
+                      <a:noFill/>
+                      <a:prstDash val="solid"/>
+                    </a:lnL>
+                    <a:lnR w="38100" cap="flat" cmpd="sng" algn="ctr">
+                      <a:solidFill>
+                        <a:srgbClr val="FFFFFF"/>
+                      </a:solidFill>
+                      <a:prstDash val="solid"/>
+                    </a:lnR>
+                    <a:lnT w="38100" cap="flat" cmpd="sng" algn="ctr">
+                      <a:noFill/>
+                      <a:prstDash val="solid"/>
+                    </a:lnT>
+                    <a:lnB w="38100" cap="flat" cmpd="sng" algn="ctr">
+                      <a:solidFill>
+                        <a:srgbClr val="FFFFFF"/>
+                      </a:solidFill>
+                      <a:prstDash val="solid"/>
+                    </a:lnB>
+                    <a:solidFill>
+                      <a:srgbClr val="636B68">
+                        <a:alpha val="69804"/>
+                      </a:srgbClr>
+                    </a:solidFill>
+                  </a:tcPr>
+                </a:tc>
+                <a:tc>
+                  <a:txBody>
+                    <a:bodyPr/>
+                    <a:lstStyle/>
+                    <a:p>
+                      <a:r>
+                        <a:rPr lang="en-US" sz="1100" b="1">
+                          <a:solidFill>
+                            <a:srgbClr val="FFFFFF"/>
+                          </a:solidFill>
+                        </a:rPr>
+                        <a:t>1000</a:t>
+                      </a:r>
+                      <a:endParaRPr lang="de-DE" sz="1100" b="1">
+                        <a:solidFill>
+                          <a:srgbClr val="FFFFFF"/>
+                        </a:solidFill>
+                      </a:endParaRPr>
+                    </a:p>
+                  </a:txBody>
+                  <a:tcPr marL="154001" marR="92401" marT="92401" marB="92401">
+                    <a:lnL w="38100" cap="flat" cmpd="sng" algn="ctr">
+                      <a:solidFill>
+                        <a:srgbClr val="FFFFFF"/>
+                      </a:solidFill>
+                      <a:prstDash val="solid"/>
+                    </a:lnL>
+                    <a:lnR w="38100" cap="flat" cmpd="sng" algn="ctr">
+                      <a:solidFill>
+                        <a:srgbClr val="FFFFFF"/>
+                      </a:solidFill>
+                      <a:prstDash val="solid"/>
+                    </a:lnR>
+                    <a:lnT w="38100" cap="flat" cmpd="sng" algn="ctr">
+                      <a:noFill/>
+                      <a:prstDash val="solid"/>
+                    </a:lnT>
+                    <a:lnB w="38100" cap="flat" cmpd="sng" algn="ctr">
+                      <a:solidFill>
+                        <a:srgbClr val="FFFFFF"/>
+                      </a:solidFill>
+                      <a:prstDash val="solid"/>
+                    </a:lnB>
+                    <a:solidFill>
+                      <a:srgbClr val="636B68">
+                        <a:alpha val="69804"/>
+                      </a:srgbClr>
+                    </a:solidFill>
+                  </a:tcPr>
+                </a:tc>
+                <a:tc>
+                  <a:txBody>
+                    <a:bodyPr/>
+                    <a:lstStyle/>
+                    <a:p>
+                      <a:r>
+                        <a:rPr lang="en-US" sz="1100" b="1">
+                          <a:solidFill>
+                            <a:srgbClr val="FFFFFF"/>
+                          </a:solidFill>
+                        </a:rPr>
+                        <a:t>10000</a:t>
+                      </a:r>
+                      <a:endParaRPr lang="de-DE" sz="1100" b="1">
+                        <a:solidFill>
+                          <a:srgbClr val="FFFFFF"/>
+                        </a:solidFill>
+                      </a:endParaRPr>
+                    </a:p>
+                  </a:txBody>
+                  <a:tcPr marL="154001" marR="92401" marT="92401" marB="92401">
+                    <a:lnL w="38100" cap="flat" cmpd="sng" algn="ctr">
+                      <a:solidFill>
+                        <a:srgbClr val="FFFFFF"/>
+                      </a:solidFill>
+                      <a:prstDash val="solid"/>
+                    </a:lnL>
+                    <a:lnR w="38100" cap="flat" cmpd="sng" algn="ctr">
+                      <a:solidFill>
+                        <a:srgbClr val="FFFFFF"/>
+                      </a:solidFill>
+                      <a:prstDash val="solid"/>
+                    </a:lnR>
+                    <a:lnT w="38100" cap="flat" cmpd="sng" algn="ctr">
+                      <a:noFill/>
+                      <a:prstDash val="solid"/>
+                    </a:lnT>
+                    <a:lnB w="38100" cap="flat" cmpd="sng" algn="ctr">
+                      <a:solidFill>
+                        <a:srgbClr val="FFFFFF"/>
+                      </a:solidFill>
+                      <a:prstDash val="solid"/>
+                    </a:lnB>
+                    <a:solidFill>
+                      <a:srgbClr val="636B68">
+                        <a:alpha val="69804"/>
+                      </a:srgbClr>
+                    </a:solidFill>
+                  </a:tcPr>
+                </a:tc>
+                <a:tc>
+                  <a:txBody>
+                    <a:bodyPr/>
+                    <a:lstStyle/>
+                    <a:p>
+                      <a:r>
+                        <a:rPr lang="en-US" sz="1100" b="1">
+                          <a:solidFill>
+                            <a:srgbClr val="FFFFFF"/>
+                          </a:solidFill>
+                        </a:rPr>
+                        <a:t>50000</a:t>
+                      </a:r>
+                      <a:endParaRPr lang="de-DE" sz="1100" b="1">
+                        <a:solidFill>
+                          <a:srgbClr val="FFFFFF"/>
+                        </a:solidFill>
+                      </a:endParaRPr>
+                    </a:p>
+                  </a:txBody>
+                  <a:tcPr marL="154001" marR="92401" marT="92401" marB="92401">
+                    <a:lnL w="38100" cap="flat" cmpd="sng" algn="ctr">
+                      <a:solidFill>
+                        <a:srgbClr val="FFFFFF"/>
+                      </a:solidFill>
+                      <a:prstDash val="solid"/>
+                    </a:lnL>
+                    <a:lnR w="38100" cap="flat" cmpd="sng" algn="ctr">
+                      <a:solidFill>
+                        <a:srgbClr val="FFFFFF"/>
+                      </a:solidFill>
+                      <a:prstDash val="solid"/>
+                    </a:lnR>
+                    <a:lnT w="38100" cap="flat" cmpd="sng" algn="ctr">
+                      <a:noFill/>
+                      <a:prstDash val="solid"/>
+                    </a:lnT>
+                    <a:lnB w="38100" cap="flat" cmpd="sng" algn="ctr">
+                      <a:solidFill>
+                        <a:srgbClr val="FFFFFF"/>
+                      </a:solidFill>
+                      <a:prstDash val="solid"/>
+                    </a:lnB>
+                    <a:solidFill>
+                      <a:srgbClr val="636B68">
+                        <a:alpha val="69804"/>
+                      </a:srgbClr>
+                    </a:solidFill>
+                  </a:tcPr>
+                </a:tc>
+                <a:tc>
+                  <a:txBody>
+                    <a:bodyPr/>
+                    <a:lstStyle/>
+                    <a:p>
+                      <a:r>
+                        <a:rPr lang="en-US" sz="1100" b="1">
+                          <a:solidFill>
+                            <a:srgbClr val="FFFFFF"/>
+                          </a:solidFill>
+                        </a:rPr>
+                        <a:t>100000</a:t>
+                      </a:r>
+                      <a:endParaRPr lang="de-DE" sz="1100" b="1">
+                        <a:solidFill>
+                          <a:srgbClr val="FFFFFF"/>
+                        </a:solidFill>
+                      </a:endParaRPr>
+                    </a:p>
+                  </a:txBody>
+                  <a:tcPr marL="154001" marR="92401" marT="92401" marB="92401">
+                    <a:lnL w="38100" cap="flat" cmpd="sng" algn="ctr">
+                      <a:solidFill>
+                        <a:srgbClr val="FFFFFF"/>
+                      </a:solidFill>
+                      <a:prstDash val="solid"/>
+                    </a:lnL>
+                    <a:lnR w="38100" cap="flat" cmpd="sng" algn="ctr">
+                      <a:solidFill>
+                        <a:srgbClr val="FFFFFF"/>
+                      </a:solidFill>
+                      <a:prstDash val="solid"/>
+                    </a:lnR>
+                    <a:lnT w="38100" cap="flat" cmpd="sng" algn="ctr">
+                      <a:noFill/>
+                      <a:prstDash val="solid"/>
+                    </a:lnT>
+                    <a:lnB w="38100" cap="flat" cmpd="sng" algn="ctr">
+                      <a:solidFill>
+                        <a:srgbClr val="FFFFFF"/>
+                      </a:solidFill>
+                      <a:prstDash val="solid"/>
+                    </a:lnB>
+                    <a:solidFill>
+                      <a:srgbClr val="636B68">
+                        <a:alpha val="69804"/>
+                      </a:srgbClr>
+                    </a:solidFill>
+                  </a:tcPr>
+                </a:tc>
+                <a:tc>
+                  <a:txBody>
+                    <a:bodyPr/>
+                    <a:lstStyle/>
+                    <a:p>
+                      <a:r>
+                        <a:rPr lang="en-US" sz="1100" b="1">
+                          <a:solidFill>
+                            <a:srgbClr val="FFFFFF"/>
+                          </a:solidFill>
+                        </a:rPr>
+                        <a:t>500000</a:t>
+                      </a:r>
+                      <a:endParaRPr lang="de-DE" sz="1100" b="1">
+                        <a:solidFill>
+                          <a:srgbClr val="FFFFFF"/>
+                        </a:solidFill>
+                      </a:endParaRPr>
+                    </a:p>
+                  </a:txBody>
+                  <a:tcPr marL="154001" marR="92401" marT="92401" marB="92401">
+                    <a:lnL w="38100" cap="flat" cmpd="sng" algn="ctr">
+                      <a:solidFill>
+                        <a:srgbClr val="FFFFFF"/>
+                      </a:solidFill>
+                      <a:prstDash val="solid"/>
+                    </a:lnL>
+                    <a:lnR w="38100" cap="flat" cmpd="sng" algn="ctr">
+                      <a:noFill/>
+                      <a:prstDash val="solid"/>
+                    </a:lnR>
+                    <a:lnT w="38100" cap="flat" cmpd="sng" algn="ctr">
+                      <a:noFill/>
+                      <a:prstDash val="solid"/>
+                    </a:lnT>
+                    <a:lnB w="38100" cap="flat" cmpd="sng" algn="ctr">
+                      <a:solidFill>
+                        <a:srgbClr val="FFFFFF"/>
+                      </a:solidFill>
+                      <a:prstDash val="solid"/>
+                    </a:lnB>
+                    <a:solidFill>
+                      <a:srgbClr val="636B68">
+                        <a:alpha val="69804"/>
+                      </a:srgbClr>
+                    </a:solidFill>
+                  </a:tcPr>
+                </a:tc>
+                <a:extLst>
+                  <a:ext uri="{0D108BD9-81ED-4DB2-BD59-A6C34878D82A}">
+                    <a16:rowId xmlns:a16="http://schemas.microsoft.com/office/drawing/2014/main" val="2114500752"/>
+                  </a:ext>
+                </a:extLst>
+              </a:tr>
+              <a:tr h="373709">
+                <a:tc>
+                  <a:txBody>
+                    <a:bodyPr/>
+                    <a:lstStyle/>
+                    <a:p>
+                      <a:r>
+                        <a:rPr lang="en-US" sz="1100">
+                          <a:solidFill>
+                            <a:schemeClr val="tx1">
+                              <a:lumMod val="85000"/>
+                              <a:lumOff val="15000"/>
+                            </a:schemeClr>
+                          </a:solidFill>
+                        </a:rPr>
+                        <a:t>Normal</a:t>
+                      </a:r>
+                      <a:endParaRPr lang="de-DE" sz="1100">
+                        <a:solidFill>
+                          <a:schemeClr val="tx1">
+                            <a:lumMod val="85000"/>
+                            <a:lumOff val="15000"/>
+                          </a:schemeClr>
+                        </a:solidFill>
+                      </a:endParaRPr>
+                    </a:p>
+                  </a:txBody>
+                  <a:tcPr marL="154001" marR="92401" marT="92401" marB="92401">
+                    <a:lnL w="38100" cap="flat" cmpd="sng" algn="ctr">
+                      <a:noFill/>
+                      <a:prstDash val="solid"/>
+                    </a:lnL>
+                    <a:lnR w="38100" cap="flat" cmpd="sng" algn="ctr">
+                      <a:solidFill>
+                        <a:srgbClr val="FFFFFF"/>
+                      </a:solidFill>
+                      <a:prstDash val="solid"/>
+                    </a:lnR>
+                    <a:lnT w="38100" cap="flat" cmpd="sng" algn="ctr">
+                      <a:solidFill>
+                        <a:srgbClr val="FFFFFF"/>
+                      </a:solidFill>
+                      <a:prstDash val="solid"/>
+                    </a:lnT>
+                    <a:lnB w="38100" cap="flat" cmpd="sng" algn="ctr">
+                      <a:solidFill>
+                        <a:srgbClr val="FFFFFF"/>
+                      </a:solidFill>
+                      <a:prstDash val="solid"/>
+                    </a:lnB>
+                    <a:solidFill>
+                      <a:srgbClr val="878E8B">
+                        <a:alpha val="14902"/>
+                      </a:srgbClr>
+                    </a:solidFill>
+                  </a:tcPr>
+                </a:tc>
+                <a:tc>
+                  <a:txBody>
+                    <a:bodyPr/>
+                    <a:lstStyle/>
+                    <a:p>
+                      <a:r>
+                        <a:rPr lang="en-US" sz="1100">
+                          <a:solidFill>
+                            <a:schemeClr val="tx1">
+                              <a:lumMod val="85000"/>
+                              <a:lumOff val="15000"/>
+                            </a:schemeClr>
+                          </a:solidFill>
+                        </a:rPr>
+                        <a:t>217</a:t>
+                      </a:r>
+                      <a:endParaRPr lang="de-DE" sz="1100">
+                        <a:solidFill>
+                          <a:schemeClr val="tx1">
+                            <a:lumMod val="85000"/>
+                            <a:lumOff val="15000"/>
+                          </a:schemeClr>
+                        </a:solidFill>
+                      </a:endParaRPr>
+                    </a:p>
+                  </a:txBody>
+                  <a:tcPr marL="154001" marR="92401" marT="92401" marB="92401">
+                    <a:lnL w="38100" cap="flat" cmpd="sng" algn="ctr">
+                      <a:solidFill>
+                        <a:srgbClr val="FFFFFF"/>
+                      </a:solidFill>
+                      <a:prstDash val="solid"/>
+                    </a:lnL>
+                    <a:lnR w="38100" cap="flat" cmpd="sng" algn="ctr">
+                      <a:solidFill>
+                        <a:srgbClr val="FFFFFF"/>
+                      </a:solidFill>
+                      <a:prstDash val="solid"/>
+                    </a:lnR>
+                    <a:lnT w="38100" cap="flat" cmpd="sng" algn="ctr">
+                      <a:solidFill>
+                        <a:srgbClr val="FFFFFF"/>
+                      </a:solidFill>
+                      <a:prstDash val="solid"/>
+                    </a:lnT>
+                    <a:lnB w="38100" cap="flat" cmpd="sng" algn="ctr">
+                      <a:solidFill>
+                        <a:srgbClr val="FFFFFF"/>
+                      </a:solidFill>
+                      <a:prstDash val="solid"/>
+                    </a:lnB>
+                    <a:solidFill>
+                      <a:srgbClr val="878E8B">
+                        <a:alpha val="14902"/>
+                      </a:srgbClr>
+                    </a:solidFill>
+                  </a:tcPr>
+                </a:tc>
+                <a:tc>
+                  <a:txBody>
+                    <a:bodyPr/>
+                    <a:lstStyle/>
+                    <a:p>
+                      <a:r>
+                        <a:rPr lang="en-US" sz="1100">
+                          <a:solidFill>
+                            <a:schemeClr val="tx1">
+                              <a:lumMod val="85000"/>
+                              <a:lumOff val="15000"/>
+                            </a:schemeClr>
+                          </a:solidFill>
+                        </a:rPr>
+                        <a:t>2692</a:t>
+                      </a:r>
+                      <a:endParaRPr lang="de-DE" sz="1100">
+                        <a:solidFill>
+                          <a:schemeClr val="tx1">
+                            <a:lumMod val="85000"/>
+                            <a:lumOff val="15000"/>
+                          </a:schemeClr>
+                        </a:solidFill>
+                      </a:endParaRPr>
+                    </a:p>
+                  </a:txBody>
+                  <a:tcPr marL="154001" marR="92401" marT="92401" marB="92401">
+                    <a:lnL w="38100" cap="flat" cmpd="sng" algn="ctr">
+                      <a:solidFill>
+                        <a:srgbClr val="FFFFFF"/>
+                      </a:solidFill>
+                      <a:prstDash val="solid"/>
+                    </a:lnL>
+                    <a:lnR w="38100" cap="flat" cmpd="sng" algn="ctr">
+                      <a:solidFill>
+                        <a:srgbClr val="FFFFFF"/>
+                      </a:solidFill>
+                      <a:prstDash val="solid"/>
+                    </a:lnR>
+                    <a:lnT w="38100" cap="flat" cmpd="sng" algn="ctr">
+                      <a:solidFill>
+                        <a:srgbClr val="FFFFFF"/>
+                      </a:solidFill>
+                      <a:prstDash val="solid"/>
+                    </a:lnT>
+                    <a:lnB w="38100" cap="flat" cmpd="sng" algn="ctr">
+                      <a:solidFill>
+                        <a:srgbClr val="FFFFFF"/>
+                      </a:solidFill>
+                      <a:prstDash val="solid"/>
+                    </a:lnB>
+                    <a:solidFill>
+                      <a:srgbClr val="878E8B">
+                        <a:alpha val="14902"/>
+                      </a:srgbClr>
+                    </a:solidFill>
+                  </a:tcPr>
+                </a:tc>
+                <a:tc>
+                  <a:txBody>
+                    <a:bodyPr/>
+                    <a:lstStyle/>
+                    <a:p>
+                      <a:r>
+                        <a:rPr lang="en-US" sz="1100">
+                          <a:solidFill>
+                            <a:schemeClr val="tx1">
+                              <a:lumMod val="85000"/>
+                              <a:lumOff val="15000"/>
+                            </a:schemeClr>
+                          </a:solidFill>
+                        </a:rPr>
+                        <a:t>15487</a:t>
+                      </a:r>
+                      <a:endParaRPr lang="de-DE" sz="1100">
+                        <a:solidFill>
+                          <a:schemeClr val="tx1">
+                            <a:lumMod val="85000"/>
+                            <a:lumOff val="15000"/>
+                          </a:schemeClr>
+                        </a:solidFill>
+                      </a:endParaRPr>
+                    </a:p>
+                  </a:txBody>
+                  <a:tcPr marL="154001" marR="92401" marT="92401" marB="92401">
+                    <a:lnL w="38100" cap="flat" cmpd="sng" algn="ctr">
+                      <a:solidFill>
+                        <a:srgbClr val="FFFFFF"/>
+                      </a:solidFill>
+                      <a:prstDash val="solid"/>
+                    </a:lnL>
+                    <a:lnR w="38100" cap="flat" cmpd="sng" algn="ctr">
+                      <a:solidFill>
+                        <a:srgbClr val="FFFFFF"/>
+                      </a:solidFill>
+                      <a:prstDash val="solid"/>
+                    </a:lnR>
+                    <a:lnT w="38100" cap="flat" cmpd="sng" algn="ctr">
+                      <a:solidFill>
+                        <a:srgbClr val="FFFFFF"/>
+                      </a:solidFill>
+                      <a:prstDash val="solid"/>
+                    </a:lnT>
+                    <a:lnB w="38100" cap="flat" cmpd="sng" algn="ctr">
+                      <a:solidFill>
+                        <a:srgbClr val="FFFFFF"/>
+                      </a:solidFill>
+                      <a:prstDash val="solid"/>
+                    </a:lnB>
+                    <a:solidFill>
+                      <a:srgbClr val="878E8B">
+                        <a:alpha val="14902"/>
+                      </a:srgbClr>
+                    </a:solidFill>
+                  </a:tcPr>
+                </a:tc>
+                <a:tc>
+                  <a:txBody>
+                    <a:bodyPr/>
+                    <a:lstStyle/>
+                    <a:p>
+                      <a:r>
+                        <a:rPr lang="en-US" sz="1100">
+                          <a:solidFill>
+                            <a:schemeClr val="tx1">
+                              <a:lumMod val="85000"/>
+                              <a:lumOff val="15000"/>
+                            </a:schemeClr>
+                          </a:solidFill>
+                        </a:rPr>
+                        <a:t>33254</a:t>
+                      </a:r>
+                      <a:endParaRPr lang="de-DE" sz="1100">
+                        <a:solidFill>
+                          <a:schemeClr val="tx1">
+                            <a:lumMod val="85000"/>
+                            <a:lumOff val="15000"/>
+                          </a:schemeClr>
+                        </a:solidFill>
+                      </a:endParaRPr>
+                    </a:p>
+                  </a:txBody>
+                  <a:tcPr marL="154001" marR="92401" marT="92401" marB="92401">
+                    <a:lnL w="38100" cap="flat" cmpd="sng" algn="ctr">
+                      <a:solidFill>
+                        <a:srgbClr val="FFFFFF"/>
+                      </a:solidFill>
+                      <a:prstDash val="solid"/>
+                    </a:lnL>
+                    <a:lnR w="38100" cap="flat" cmpd="sng" algn="ctr">
+                      <a:solidFill>
+                        <a:srgbClr val="FFFFFF"/>
+                      </a:solidFill>
+                      <a:prstDash val="solid"/>
+                    </a:lnR>
+                    <a:lnT w="38100" cap="flat" cmpd="sng" algn="ctr">
+                      <a:solidFill>
+                        <a:srgbClr val="FFFFFF"/>
+                      </a:solidFill>
+                      <a:prstDash val="solid"/>
+                    </a:lnT>
+                    <a:lnB w="38100" cap="flat" cmpd="sng" algn="ctr">
+                      <a:solidFill>
+                        <a:srgbClr val="FFFFFF"/>
+                      </a:solidFill>
+                      <a:prstDash val="solid"/>
+                    </a:lnB>
+                    <a:solidFill>
+                      <a:srgbClr val="878E8B">
+                        <a:alpha val="14902"/>
+                      </a:srgbClr>
+                    </a:solidFill>
+                  </a:tcPr>
+                </a:tc>
+                <a:tc>
+                  <a:txBody>
+                    <a:bodyPr/>
+                    <a:lstStyle/>
+                    <a:p>
+                      <a:r>
+                        <a:rPr lang="en-US" sz="1100">
+                          <a:solidFill>
+                            <a:schemeClr val="tx1">
+                              <a:lumMod val="85000"/>
+                              <a:lumOff val="15000"/>
+                            </a:schemeClr>
+                          </a:solidFill>
+                        </a:rPr>
+                        <a:t>191251</a:t>
+                      </a:r>
+                      <a:endParaRPr lang="de-DE" sz="1100">
+                        <a:solidFill>
+                          <a:schemeClr val="tx1">
+                            <a:lumMod val="85000"/>
+                            <a:lumOff val="15000"/>
+                          </a:schemeClr>
+                        </a:solidFill>
+                      </a:endParaRPr>
+                    </a:p>
+                  </a:txBody>
+                  <a:tcPr marL="154001" marR="92401" marT="92401" marB="92401">
+                    <a:lnL w="38100" cap="flat" cmpd="sng" algn="ctr">
+                      <a:solidFill>
+                        <a:srgbClr val="FFFFFF"/>
+                      </a:solidFill>
+                      <a:prstDash val="solid"/>
+                    </a:lnL>
+                    <a:lnR w="38100" cap="flat" cmpd="sng" algn="ctr">
+                      <a:noFill/>
+                      <a:prstDash val="solid"/>
+                    </a:lnR>
+                    <a:lnT w="38100" cap="flat" cmpd="sng" algn="ctr">
+                      <a:solidFill>
+                        <a:srgbClr val="FFFFFF"/>
+                      </a:solidFill>
+                      <a:prstDash val="solid"/>
+                    </a:lnT>
+                    <a:lnB w="38100" cap="flat" cmpd="sng" algn="ctr">
+                      <a:solidFill>
+                        <a:srgbClr val="FFFFFF"/>
+                      </a:solidFill>
+                      <a:prstDash val="solid"/>
+                    </a:lnB>
+                    <a:solidFill>
+                      <a:srgbClr val="878E8B">
+                        <a:alpha val="14902"/>
+                      </a:srgbClr>
+                    </a:solidFill>
+                  </a:tcPr>
+                </a:tc>
+                <a:extLst>
+                  <a:ext uri="{0D108BD9-81ED-4DB2-BD59-A6C34878D82A}">
+                    <a16:rowId xmlns:a16="http://schemas.microsoft.com/office/drawing/2014/main" val="4031426376"/>
+                  </a:ext>
+                </a:extLst>
+              </a:tr>
+              <a:tr h="373709">
+                <a:tc>
+                  <a:txBody>
+                    <a:bodyPr/>
+                    <a:lstStyle/>
+                    <a:p>
+                      <a:r>
+                        <a:rPr lang="en-US" sz="1100">
+                          <a:solidFill>
+                            <a:schemeClr val="tx1">
+                              <a:lumMod val="85000"/>
+                              <a:lumOff val="15000"/>
+                            </a:schemeClr>
+                          </a:solidFill>
+                        </a:rPr>
+                        <a:t>OpenMP</a:t>
+                      </a:r>
+                      <a:endParaRPr lang="de-DE" sz="1100">
+                        <a:solidFill>
+                          <a:schemeClr val="tx1">
+                            <a:lumMod val="85000"/>
+                            <a:lumOff val="15000"/>
+                          </a:schemeClr>
+                        </a:solidFill>
+                      </a:endParaRPr>
+                    </a:p>
+                  </a:txBody>
+                  <a:tcPr marL="154001" marR="92401" marT="92401" marB="92401">
+                    <a:lnL w="12700" cmpd="sng">
+                      <a:noFill/>
+                      <a:prstDash val="solid"/>
+                    </a:lnL>
+                    <a:lnR w="38100" cap="flat" cmpd="sng" algn="ctr">
+                      <a:solidFill>
+                        <a:srgbClr val="FFFFFF"/>
+                      </a:solidFill>
+                      <a:prstDash val="solid"/>
+                    </a:lnR>
+                    <a:lnT w="38100" cap="flat" cmpd="sng" algn="ctr">
+                      <a:solidFill>
+                        <a:srgbClr val="FFFFFF"/>
+                      </a:solidFill>
+                      <a:prstDash val="solid"/>
+                    </a:lnT>
+                    <a:lnB w="12700" cmpd="sng">
+                      <a:noFill/>
+                      <a:prstDash val="solid"/>
+                    </a:lnB>
+                    <a:solidFill>
+                      <a:srgbClr val="878E8B">
+                        <a:alpha val="30196"/>
+                      </a:srgbClr>
+                    </a:solidFill>
+                  </a:tcPr>
+                </a:tc>
+                <a:tc>
+                  <a:txBody>
+                    <a:bodyPr/>
+                    <a:lstStyle/>
+                    <a:p>
+                      <a:r>
+                        <a:rPr lang="en-US" sz="1100">
+                          <a:solidFill>
+                            <a:schemeClr val="tx1">
+                              <a:lumMod val="85000"/>
+                              <a:lumOff val="15000"/>
+                            </a:schemeClr>
+                          </a:solidFill>
+                        </a:rPr>
+                        <a:t>435</a:t>
+                      </a:r>
+                      <a:endParaRPr lang="de-DE" sz="1100">
+                        <a:solidFill>
+                          <a:schemeClr val="tx1">
+                            <a:lumMod val="85000"/>
+                            <a:lumOff val="15000"/>
+                          </a:schemeClr>
+                        </a:solidFill>
+                      </a:endParaRPr>
+                    </a:p>
+                  </a:txBody>
+                  <a:tcPr marL="154001" marR="92401" marT="92401" marB="92401">
+                    <a:lnL w="38100" cap="flat" cmpd="sng" algn="ctr">
+                      <a:solidFill>
+                        <a:srgbClr val="FFFFFF"/>
+                      </a:solidFill>
+                      <a:prstDash val="solid"/>
+                    </a:lnL>
+                    <a:lnR w="38100" cap="flat" cmpd="sng" algn="ctr">
+                      <a:solidFill>
+                        <a:srgbClr val="FFFFFF"/>
+                      </a:solidFill>
+                      <a:prstDash val="solid"/>
+                    </a:lnR>
+                    <a:lnT w="38100" cap="flat" cmpd="sng" algn="ctr">
+                      <a:solidFill>
+                        <a:srgbClr val="FFFFFF"/>
+                      </a:solidFill>
+                      <a:prstDash val="solid"/>
+                    </a:lnT>
+                    <a:lnB w="12700" cmpd="sng">
+                      <a:noFill/>
+                      <a:prstDash val="solid"/>
+                    </a:lnB>
+                    <a:solidFill>
+                      <a:srgbClr val="878E8B">
+                        <a:alpha val="30196"/>
+                      </a:srgbClr>
+                    </a:solidFill>
+                  </a:tcPr>
+                </a:tc>
+                <a:tc>
+                  <a:txBody>
+                    <a:bodyPr/>
+                    <a:lstStyle/>
+                    <a:p>
+                      <a:r>
+                        <a:rPr lang="en-US" sz="1100">
+                          <a:solidFill>
+                            <a:schemeClr val="tx1">
+                              <a:lumMod val="85000"/>
+                              <a:lumOff val="15000"/>
+                            </a:schemeClr>
+                          </a:solidFill>
+                        </a:rPr>
+                        <a:t>2495</a:t>
+                      </a:r>
+                      <a:endParaRPr lang="de-DE" sz="1100">
+                        <a:solidFill>
+                          <a:schemeClr val="tx1">
+                            <a:lumMod val="85000"/>
+                            <a:lumOff val="15000"/>
+                          </a:schemeClr>
+                        </a:solidFill>
+                      </a:endParaRPr>
+                    </a:p>
+                  </a:txBody>
+                  <a:tcPr marL="154001" marR="92401" marT="92401" marB="92401">
+                    <a:lnL w="38100" cap="flat" cmpd="sng" algn="ctr">
+                      <a:solidFill>
+                        <a:srgbClr val="FFFFFF"/>
+                      </a:solidFill>
+                      <a:prstDash val="solid"/>
+                    </a:lnL>
+                    <a:lnR w="38100" cap="flat" cmpd="sng" algn="ctr">
+                      <a:solidFill>
+                        <a:srgbClr val="FFFFFF"/>
+                      </a:solidFill>
+                      <a:prstDash val="solid"/>
+                    </a:lnR>
+                    <a:lnT w="38100" cap="flat" cmpd="sng" algn="ctr">
+                      <a:solidFill>
+                        <a:srgbClr val="FFFFFF"/>
+                      </a:solidFill>
+                      <a:prstDash val="solid"/>
+                    </a:lnT>
+                    <a:lnB w="12700" cmpd="sng">
+                      <a:noFill/>
+                      <a:prstDash val="solid"/>
+                    </a:lnB>
+                    <a:solidFill>
+                      <a:srgbClr val="878E8B">
+                        <a:alpha val="30196"/>
+                      </a:srgbClr>
+                    </a:solidFill>
+                  </a:tcPr>
+                </a:tc>
+                <a:tc>
+                  <a:txBody>
+                    <a:bodyPr/>
+                    <a:lstStyle/>
+                    <a:p>
+                      <a:r>
+                        <a:rPr lang="en-US" sz="1100">
+                          <a:solidFill>
+                            <a:schemeClr val="tx1">
+                              <a:lumMod val="85000"/>
+                              <a:lumOff val="15000"/>
+                            </a:schemeClr>
+                          </a:solidFill>
+                        </a:rPr>
+                        <a:t>13362</a:t>
+                      </a:r>
+                      <a:endParaRPr lang="de-DE" sz="1100">
+                        <a:solidFill>
+                          <a:schemeClr val="tx1">
+                            <a:lumMod val="85000"/>
+                            <a:lumOff val="15000"/>
+                          </a:schemeClr>
+                        </a:solidFill>
+                      </a:endParaRPr>
+                    </a:p>
+                  </a:txBody>
+                  <a:tcPr marL="154001" marR="92401" marT="92401" marB="92401">
+                    <a:lnL w="38100" cap="flat" cmpd="sng" algn="ctr">
+                      <a:solidFill>
+                        <a:srgbClr val="FFFFFF"/>
+                      </a:solidFill>
+                      <a:prstDash val="solid"/>
+                    </a:lnL>
+                    <a:lnR w="38100" cap="flat" cmpd="sng" algn="ctr">
+                      <a:solidFill>
+                        <a:srgbClr val="FFFFFF"/>
+                      </a:solidFill>
+                      <a:prstDash val="solid"/>
+                    </a:lnR>
+                    <a:lnT w="38100" cap="flat" cmpd="sng" algn="ctr">
+                      <a:solidFill>
+                        <a:srgbClr val="FFFFFF"/>
+                      </a:solidFill>
+                      <a:prstDash val="solid"/>
+                    </a:lnT>
+                    <a:lnB w="12700" cmpd="sng">
+                      <a:noFill/>
+                      <a:prstDash val="solid"/>
+                    </a:lnB>
+                    <a:solidFill>
+                      <a:srgbClr val="878E8B">
+                        <a:alpha val="30196"/>
+                      </a:srgbClr>
+                    </a:solidFill>
+                  </a:tcPr>
+                </a:tc>
+                <a:tc>
+                  <a:txBody>
+                    <a:bodyPr/>
+                    <a:lstStyle/>
+                    <a:p>
+                      <a:r>
+                        <a:rPr lang="en-US" sz="1100">
+                          <a:solidFill>
+                            <a:schemeClr val="tx1">
+                              <a:lumMod val="85000"/>
+                              <a:lumOff val="15000"/>
+                            </a:schemeClr>
+                          </a:solidFill>
+                        </a:rPr>
+                        <a:t>28526</a:t>
+                      </a:r>
+                      <a:endParaRPr lang="de-DE" sz="1100">
+                        <a:solidFill>
+                          <a:schemeClr val="tx1">
+                            <a:lumMod val="85000"/>
+                            <a:lumOff val="15000"/>
+                          </a:schemeClr>
+                        </a:solidFill>
+                      </a:endParaRPr>
+                    </a:p>
+                  </a:txBody>
+                  <a:tcPr marL="154001" marR="92401" marT="92401" marB="92401">
+                    <a:lnL w="38100" cap="flat" cmpd="sng" algn="ctr">
+                      <a:solidFill>
+                        <a:srgbClr val="FFFFFF"/>
+                      </a:solidFill>
+                      <a:prstDash val="solid"/>
+                    </a:lnL>
+                    <a:lnR w="38100" cap="flat" cmpd="sng" algn="ctr">
+                      <a:solidFill>
+                        <a:srgbClr val="FFFFFF"/>
+                      </a:solidFill>
+                      <a:prstDash val="solid"/>
+                    </a:lnR>
+                    <a:lnT w="38100" cap="flat" cmpd="sng" algn="ctr">
+                      <a:solidFill>
+                        <a:srgbClr val="FFFFFF"/>
+                      </a:solidFill>
+                      <a:prstDash val="solid"/>
+                    </a:lnT>
+                    <a:lnB w="12700" cmpd="sng">
+                      <a:noFill/>
+                      <a:prstDash val="solid"/>
+                    </a:lnB>
+                    <a:solidFill>
+                      <a:srgbClr val="878E8B">
+                        <a:alpha val="30196"/>
+                      </a:srgbClr>
+                    </a:solidFill>
+                  </a:tcPr>
+                </a:tc>
+                <a:tc>
+                  <a:txBody>
+                    <a:bodyPr/>
+                    <a:lstStyle/>
+                    <a:p>
+                      <a:r>
+                        <a:rPr lang="en-US" sz="1100">
+                          <a:solidFill>
+                            <a:schemeClr val="tx1">
+                              <a:lumMod val="85000"/>
+                              <a:lumOff val="15000"/>
+                            </a:schemeClr>
+                          </a:solidFill>
+                        </a:rPr>
+                        <a:t>155192</a:t>
+                      </a:r>
+                      <a:endParaRPr lang="de-DE" sz="1100">
+                        <a:solidFill>
+                          <a:schemeClr val="tx1">
+                            <a:lumMod val="85000"/>
+                            <a:lumOff val="15000"/>
+                          </a:schemeClr>
+                        </a:solidFill>
+                      </a:endParaRPr>
+                    </a:p>
+                  </a:txBody>
+                  <a:tcPr marL="154001" marR="92401" marT="92401" marB="92401">
+                    <a:lnL w="38100" cap="flat" cmpd="sng" algn="ctr">
+                      <a:solidFill>
+                        <a:srgbClr val="FFFFFF"/>
+                      </a:solidFill>
+                      <a:prstDash val="solid"/>
+                    </a:lnL>
+                    <a:lnR w="12700" cmpd="sng">
+                      <a:noFill/>
+                      <a:prstDash val="solid"/>
+                    </a:lnR>
+                    <a:lnT w="38100" cap="flat" cmpd="sng" algn="ctr">
+                      <a:solidFill>
+                        <a:srgbClr val="FFFFFF"/>
+                      </a:solidFill>
+                      <a:prstDash val="solid"/>
+                    </a:lnT>
+                    <a:lnB w="12700" cmpd="sng">
+                      <a:noFill/>
+                      <a:prstDash val="solid"/>
+                    </a:lnB>
+                    <a:solidFill>
+                      <a:srgbClr val="878E8B">
+                        <a:alpha val="30196"/>
+                      </a:srgbClr>
+                    </a:solidFill>
+                  </a:tcPr>
+                </a:tc>
+                <a:extLst>
+                  <a:ext uri="{0D108BD9-81ED-4DB2-BD59-A6C34878D82A}">
+                    <a16:rowId xmlns:a16="http://schemas.microsoft.com/office/drawing/2014/main" val="4186416659"/>
+                  </a:ext>
+                </a:extLst>
+              </a:tr>
+            </a:tbl>
+          </a:graphicData>
+        </a:graphic>
+      </p:graphicFrame>
+    </p:spTree>
+    <p:extLst>
+      <p:ext uri="{BB962C8B-B14F-4D97-AF65-F5344CB8AC3E}">
+        <p14:creationId xmlns:p14="http://schemas.microsoft.com/office/powerpoint/2010/main" val="1950806513"/>
+      </p:ext>
+    </p:extLst>
+  </p:cSld>
+  <p:clrMapOvr>
+    <a:masterClrMapping/>
+  </p:clrMapOvr>
+</p:sld>
+</file>
+
+<file path=ppt/slides/slide15.xml><?xml version="1.0" encoding="utf-8"?>
+<p:sld xmlns:a="http://schemas.openxmlformats.org/drawingml/2006/main" xmlns:r="http://schemas.openxmlformats.org/officeDocument/2006/relationships" xmlns:p="http://schemas.openxmlformats.org/presentationml/2006/main">
+  <p:cSld>
+    <p:bg>
+      <p:bgPr>
+        <a:solidFill>
+          <a:schemeClr val="bg1"/>
+        </a:solidFill>
+        <a:effectLst/>
+      </p:bgPr>
+    </p:bg>
+    <p:spTree>
+      <p:nvGrpSpPr>
+        <p:cNvPr id="1" name=""/>
+        <p:cNvGrpSpPr/>
+        <p:nvPr/>
+      </p:nvGrpSpPr>
+      <p:grpSpPr>
+        <a:xfrm>
+          <a:off x="0" y="0"/>
+          <a:ext cx="0" cy="0"/>
+          <a:chOff x="0" y="0"/>
+          <a:chExt cx="0" cy="0"/>
+        </a:xfrm>
+      </p:grpSpPr>
+      <p:sp>
+        <p:nvSpPr>
+          <p:cNvPr id="9" name="Rectangle 8">
+            <a:extLst>
+              <a:ext uri="{FF2B5EF4-FFF2-40B4-BE49-F238E27FC236}">
+                <a16:creationId xmlns:a16="http://schemas.microsoft.com/office/drawing/2014/main" id="{EB270761-CC40-4F3F-A916-7E3BC3989348}"/>
+              </a:ext>
+              <a:ext uri="{C183D7F6-B498-43B3-948B-1728B52AA6E4}">
+                <adec:decorative xmlns:adec="http://schemas.microsoft.com/office/drawing/2017/decorative" val="1"/>
+              </a:ext>
+            </a:extLst>
+          </p:cNvPr>
+          <p:cNvSpPr>
+            <a:spLocks noGrp="1" noRot="1" noChangeAspect="1" noMove="1" noResize="1" noEditPoints="1" noAdjustHandles="1" noChangeArrowheads="1" noChangeShapeType="1" noTextEdit="1"/>
+          </p:cNvSpPr>
+          <p:nvPr>
+            <p:extLst>
+              <p:ext uri="{386F3935-93C4-4BCD-93E2-E3B085C9AB24}">
+                <p16:designElem xmlns:p16="http://schemas.microsoft.com/office/powerpoint/2015/main" val="1"/>
+              </p:ext>
+            </p:extLst>
+          </p:nvPr>
+        </p:nvSpPr>
+        <p:spPr>
+          <a:xfrm>
+            <a:off x="-1" y="0"/>
+            <a:ext cx="12191695" cy="6858000"/>
+          </a:xfrm>
+          <a:prstGeom prst="rect">
+            <a:avLst/>
+          </a:prstGeom>
+          <a:gradFill>
+            <a:gsLst>
+              <a:gs pos="0">
+                <a:schemeClr val="accent1">
+                  <a:lumMod val="5000"/>
+                  <a:lumOff val="95000"/>
+                </a:schemeClr>
+              </a:gs>
+              <a:gs pos="74000">
+                <a:schemeClr val="accent1">
+                  <a:lumMod val="45000"/>
+                  <a:lumOff val="55000"/>
+                </a:schemeClr>
+              </a:gs>
+              <a:gs pos="83000">
+                <a:schemeClr val="accent1">
+                  <a:lumMod val="45000"/>
+                  <a:lumOff val="55000"/>
+                </a:schemeClr>
+              </a:gs>
+              <a:gs pos="100000">
+                <a:schemeClr val="accent1">
+                  <a:lumMod val="30000"/>
+                  <a:lumOff val="70000"/>
+                </a:schemeClr>
+              </a:gs>
+            </a:gsLst>
+            <a:lin ang="5400000" scaled="1"/>
+          </a:gradFill>
+          <a:ln>
+            <a:noFill/>
+          </a:ln>
+        </p:spPr>
+        <p:style>
+          <a:lnRef idx="2">
+            <a:schemeClr val="accent1">
+              <a:shade val="50000"/>
+            </a:schemeClr>
+          </a:lnRef>
+          <a:fillRef idx="1">
+            <a:schemeClr val="accent1"/>
+          </a:fillRef>
+          <a:effectRef idx="0">
+            <a:schemeClr val="accent1"/>
+          </a:effectRef>
+          <a:fontRef idx="minor">
+            <a:schemeClr val="lt1"/>
+          </a:fontRef>
+        </p:style>
+        <p:txBody>
+          <a:bodyPr rtlCol="0" anchor="ctr"/>
+          <a:lstStyle/>
+          <a:p>
+            <a:pPr algn="ctr"/>
+            <a:endParaRPr lang="en-US"/>
+          </a:p>
+        </p:txBody>
+      </p:sp>
+      <p:sp>
+        <p:nvSpPr>
+          <p:cNvPr id="11" name="Rectangle 10">
+            <a:extLst>
+              <a:ext uri="{FF2B5EF4-FFF2-40B4-BE49-F238E27FC236}">
+                <a16:creationId xmlns:a16="http://schemas.microsoft.com/office/drawing/2014/main" id="{2820855C-9FA4-417A-BE67-63C022F81980}"/>
+              </a:ext>
+              <a:ext uri="{C183D7F6-B498-43B3-948B-1728B52AA6E4}">
+                <adec:decorative xmlns:adec="http://schemas.microsoft.com/office/drawing/2017/decorative" val="1"/>
+              </a:ext>
+            </a:extLst>
+          </p:cNvPr>
+          <p:cNvSpPr>
+            <a:spLocks noGrp="1" noRot="1" noChangeAspect="1" noMove="1" noResize="1" noEditPoints="1" noAdjustHandles="1" noChangeArrowheads="1" noChangeShapeType="1" noTextEdit="1"/>
+          </p:cNvSpPr>
+          <p:nvPr>
+            <p:extLst>
+              <p:ext uri="{386F3935-93C4-4BCD-93E2-E3B085C9AB24}">
+                <p16:designElem xmlns:p16="http://schemas.microsoft.com/office/powerpoint/2015/main" val="1"/>
+              </p:ext>
+            </p:extLst>
+          </p:nvPr>
+        </p:nvSpPr>
+        <p:spPr>
+          <a:xfrm>
+            <a:off x="0" y="891540"/>
+            <a:ext cx="722376" cy="5071110"/>
+          </a:xfrm>
+          <a:prstGeom prst="rect">
+            <a:avLst/>
+          </a:prstGeom>
+          <a:solidFill>
+            <a:srgbClr val="4C5254"/>
+          </a:solidFill>
+          <a:ln>
+            <a:noFill/>
+          </a:ln>
+        </p:spPr>
+        <p:style>
+          <a:lnRef idx="2">
+            <a:schemeClr val="accent1">
+              <a:shade val="50000"/>
+            </a:schemeClr>
+          </a:lnRef>
+          <a:fillRef idx="1">
+            <a:schemeClr val="accent1"/>
+          </a:fillRef>
+          <a:effectRef idx="0">
+            <a:schemeClr val="accent1"/>
+          </a:effectRef>
+          <a:fontRef idx="minor">
+            <a:schemeClr val="lt1"/>
+          </a:fontRef>
+        </p:style>
+        <p:txBody>
+          <a:bodyPr rtlCol="0" anchor="ctr"/>
+          <a:lstStyle/>
+          <a:p>
+            <a:pPr algn="ctr"/>
+            <a:endParaRPr lang="en-US"/>
+          </a:p>
+        </p:txBody>
+      </p:sp>
+      <p:sp>
+        <p:nvSpPr>
+          <p:cNvPr id="13" name="Rectangle 12">
+            <a:extLst>
+              <a:ext uri="{FF2B5EF4-FFF2-40B4-BE49-F238E27FC236}">
+                <a16:creationId xmlns:a16="http://schemas.microsoft.com/office/drawing/2014/main" id="{D7E6A49B-1B06-403E-8CC5-ACB38A6BDEEB}"/>
+              </a:ext>
+              <a:ext uri="{C183D7F6-B498-43B3-948B-1728B52AA6E4}">
+                <adec:decorative xmlns:adec="http://schemas.microsoft.com/office/drawing/2017/decorative" val="1"/>
+              </a:ext>
+            </a:extLst>
+          </p:cNvPr>
+          <p:cNvSpPr>
+            <a:spLocks noGrp="1" noRot="1" noChangeAspect="1" noMove="1" noResize="1" noEditPoints="1" noAdjustHandles="1" noChangeArrowheads="1" noChangeShapeType="1" noTextEdit="1"/>
+          </p:cNvSpPr>
+          <p:nvPr>
+            <p:extLst>
+              <p:ext uri="{386F3935-93C4-4BCD-93E2-E3B085C9AB24}">
+                <p16:designElem xmlns:p16="http://schemas.microsoft.com/office/powerpoint/2015/main" val="1"/>
+              </p:ext>
+            </p:extLst>
+          </p:nvPr>
+        </p:nvSpPr>
+        <p:spPr>
+          <a:xfrm>
+            <a:off x="1202435" y="891540"/>
+            <a:ext cx="10989565" cy="5071110"/>
+          </a:xfrm>
+          <a:prstGeom prst="rect">
+            <a:avLst/>
+          </a:prstGeom>
+          <a:solidFill>
+            <a:schemeClr val="bg1">
+              <a:alpha val="80000"/>
+            </a:schemeClr>
+          </a:solidFill>
+          <a:ln>
+            <a:noFill/>
+          </a:ln>
+        </p:spPr>
+        <p:style>
+          <a:lnRef idx="2">
+            <a:schemeClr val="accent1">
+              <a:shade val="50000"/>
+            </a:schemeClr>
+          </a:lnRef>
+          <a:fillRef idx="1">
+            <a:schemeClr val="accent1"/>
+          </a:fillRef>
+          <a:effectRef idx="0">
+            <a:schemeClr val="accent1"/>
+          </a:effectRef>
+          <a:fontRef idx="minor">
+            <a:schemeClr val="lt1"/>
+          </a:fontRef>
+        </p:style>
+        <p:txBody>
+          <a:bodyPr rtlCol="0" anchor="ctr"/>
+          <a:lstStyle/>
+          <a:p>
+            <a:pPr algn="ctr"/>
+            <a:endParaRPr lang="en-US"/>
+          </a:p>
+        </p:txBody>
+      </p:sp>
+      <p:sp>
+        <p:nvSpPr>
+          <p:cNvPr id="4" name="Titel 3">
+            <a:extLst>
+              <a:ext uri="{FF2B5EF4-FFF2-40B4-BE49-F238E27FC236}">
+                <a16:creationId xmlns:a16="http://schemas.microsoft.com/office/drawing/2014/main" id="{3709E203-8064-C84B-BDBA-DBB17F02CCF1}"/>
+              </a:ext>
+            </a:extLst>
+          </p:cNvPr>
+          <p:cNvSpPr>
+            <a:spLocks noGrp="1"/>
+          </p:cNvSpPr>
+          <p:nvPr>
+            <p:ph type="ctrTitle"/>
+          </p:nvPr>
+        </p:nvSpPr>
+        <p:spPr>
+          <a:xfrm>
+            <a:off x="1366160" y="1660121"/>
+            <a:ext cx="9623404" cy="3305493"/>
+          </a:xfrm>
+        </p:spPr>
+        <p:txBody>
+          <a:bodyPr>
+            <a:normAutofit/>
+          </a:bodyPr>
+          <a:lstStyle/>
+          <a:p>
+            <a:pPr algn="l"/>
+            <a:r>
+              <a:rPr lang="de-DE" sz="8800"/>
+              <a:t>Vergleiche und andere Benchmarks</a:t>
+            </a:r>
+          </a:p>
+        </p:txBody>
+      </p:sp>
+    </p:spTree>
+    <p:extLst>
+      <p:ext uri="{BB962C8B-B14F-4D97-AF65-F5344CB8AC3E}">
+        <p14:creationId xmlns:p14="http://schemas.microsoft.com/office/powerpoint/2010/main" val="1807813978"/>
+      </p:ext>
+    </p:extLst>
+  </p:cSld>
+  <p:clrMapOvr>
+    <a:masterClrMapping/>
+  </p:clrMapOvr>
+</p:sld>
+</file>
+
+<file path=ppt/slides/slide16.xml><?xml version="1.0" encoding="utf-8"?>
 <p:sld xmlns:a="http://schemas.openxmlformats.org/drawingml/2006/main" xmlns:r="http://schemas.openxmlformats.org/officeDocument/2006/relationships" xmlns:p="http://schemas.openxmlformats.org/presentationml/2006/main">
   <p:cSld>
     <p:spTree>
@@ -4181,7 +8768,7 @@
           <p:cNvPr id="2" name="Titel 1">
             <a:extLst>
               <a:ext uri="{FF2B5EF4-FFF2-40B4-BE49-F238E27FC236}">
-                <a16:creationId xmlns:a16="http://schemas.microsoft.com/office/drawing/2014/main" id="{C7E3F825-1918-451E-B3AB-EE354B6B60AF}"/>
+                <a16:creationId xmlns:a16="http://schemas.microsoft.com/office/drawing/2014/main" id="{E8F50CB3-DE4E-DD44-87D0-27341ED22003}"/>
               </a:ext>
             </a:extLst>
           </p:cNvPr>
@@ -4192,392 +8779,102 @@
             <p:ph type="title"/>
           </p:nvPr>
         </p:nvSpPr>
+        <p:spPr/>
+        <p:txBody>
+          <a:bodyPr/>
+          <a:lstStyle/>
+          <a:p>
+            <a:r>
+              <a:rPr lang="de-DE" dirty="0"/>
+              <a:t>Wie schlägt sich C++17 im Vgl. zu </a:t>
+            </a:r>
+            <a:r>
+              <a:rPr lang="de-DE" dirty="0" err="1"/>
+              <a:t>OpenMP</a:t>
+            </a:r>
+            <a:r>
+              <a:rPr lang="de-DE" dirty="0"/>
+              <a:t>?</a:t>
+            </a:r>
+          </a:p>
+        </p:txBody>
+      </p:sp>
+      <p:pic>
+        <p:nvPicPr>
+          <p:cNvPr id="8" name="Inhaltsplatzhalter 7" descr="Ein Bild, das Screenshot enthält.&#10;&#10;Automatisch generierte Beschreibung">
+            <a:extLst>
+              <a:ext uri="{FF2B5EF4-FFF2-40B4-BE49-F238E27FC236}">
+                <a16:creationId xmlns:a16="http://schemas.microsoft.com/office/drawing/2014/main" id="{04570A64-F6EA-114F-A9FA-608767CA41E1}"/>
+              </a:ext>
+            </a:extLst>
+          </p:cNvPr>
+          <p:cNvPicPr>
+            <a:picLocks noGrp="1" noChangeAspect="1"/>
+          </p:cNvPicPr>
+          <p:nvPr>
+            <p:ph sz="half" idx="1"/>
+          </p:nvPr>
+        </p:nvPicPr>
+        <p:blipFill>
+          <a:blip r:embed="rId3">
+            <a:extLst>
+              <a:ext uri="{28A0092B-C50C-407E-A947-70E740481C1C}">
+                <a14:useLocalDpi xmlns:a14="http://schemas.microsoft.com/office/drawing/2010/main" val="0"/>
+              </a:ext>
+            </a:extLst>
+          </a:blip>
+          <a:stretch>
+            <a:fillRect/>
+          </a:stretch>
+        </p:blipFill>
         <p:spPr>
           <a:xfrm>
-            <a:off x="838200" y="365125"/>
-            <a:ext cx="10515600" cy="1325563"/>
+            <a:off x="838200" y="3589203"/>
+            <a:ext cx="5181600" cy="824182"/>
           </a:xfrm>
         </p:spPr>
-        <p:txBody>
-          <a:bodyPr>
-            <a:normAutofit/>
-          </a:bodyPr>
-          <a:lstStyle/>
-          <a:p>
-            <a:r>
-              <a:rPr lang="de-DE" dirty="0"/>
-              <a:t>Übung 3 </a:t>
-            </a:r>
-            <a:r>
-              <a:rPr lang="de-DE" dirty="0" err="1"/>
-              <a:t>Quicksort</a:t>
-            </a:r>
-            <a:r>
-              <a:rPr lang="de-DE" dirty="0"/>
-              <a:t> Parallelisierung </a:t>
-            </a:r>
-            <a:r>
-              <a:rPr lang="de-DE" dirty="0" err="1"/>
-              <a:t>Sections</a:t>
-            </a:r>
-            <a:endParaRPr lang="de-DE" dirty="0"/>
-          </a:p>
-        </p:txBody>
-      </p:sp>
-      <p:graphicFrame>
-        <p:nvGraphicFramePr>
-          <p:cNvPr id="5" name="Tabelle 5">
-            <a:extLst>
-              <a:ext uri="{FF2B5EF4-FFF2-40B4-BE49-F238E27FC236}">
-                <a16:creationId xmlns:a16="http://schemas.microsoft.com/office/drawing/2014/main" id="{BF4B5319-A78F-476F-BDC1-E5551D330D1A}"/>
-              </a:ext>
-            </a:extLst>
-          </p:cNvPr>
-          <p:cNvGraphicFramePr>
-            <a:graphicFrameLocks noGrp="1"/>
-          </p:cNvGraphicFramePr>
-          <p:nvPr>
-            <p:ph idx="1"/>
-            <p:extLst>
-              <p:ext uri="{D42A27DB-BD31-4B8C-83A1-F6EECF244321}">
-                <p14:modId xmlns:p14="http://schemas.microsoft.com/office/powerpoint/2010/main" val="1898193681"/>
-              </p:ext>
-            </p:extLst>
-          </p:nvPr>
-        </p:nvGraphicFramePr>
-        <p:xfrm>
-          <a:off x="838200" y="3429000"/>
-          <a:ext cx="10515600" cy="1112520"/>
-        </p:xfrm>
-        <a:graphic>
-          <a:graphicData uri="http://schemas.openxmlformats.org/drawingml/2006/table">
-            <a:tbl>
-              <a:tblPr firstRow="1" bandRow="1">
-                <a:tableStyleId>{5C22544A-7EE6-4342-B048-85BDC9FD1C3A}</a:tableStyleId>
-              </a:tblPr>
-              <a:tblGrid>
-                <a:gridCol w="1752600">
-                  <a:extLst>
-                    <a:ext uri="{9D8B030D-6E8A-4147-A177-3AD203B41FA5}">
-                      <a16:colId xmlns:a16="http://schemas.microsoft.com/office/drawing/2014/main" val="3706614358"/>
-                    </a:ext>
-                  </a:extLst>
-                </a:gridCol>
-                <a:gridCol w="1752600">
-                  <a:extLst>
-                    <a:ext uri="{9D8B030D-6E8A-4147-A177-3AD203B41FA5}">
-                      <a16:colId xmlns:a16="http://schemas.microsoft.com/office/drawing/2014/main" val="1804461210"/>
-                    </a:ext>
-                  </a:extLst>
-                </a:gridCol>
-                <a:gridCol w="1752600">
-                  <a:extLst>
-                    <a:ext uri="{9D8B030D-6E8A-4147-A177-3AD203B41FA5}">
-                      <a16:colId xmlns:a16="http://schemas.microsoft.com/office/drawing/2014/main" val="4173243819"/>
-                    </a:ext>
-                  </a:extLst>
-                </a:gridCol>
-                <a:gridCol w="1752600">
-                  <a:extLst>
-                    <a:ext uri="{9D8B030D-6E8A-4147-A177-3AD203B41FA5}">
-                      <a16:colId xmlns:a16="http://schemas.microsoft.com/office/drawing/2014/main" val="4134306666"/>
-                    </a:ext>
-                  </a:extLst>
-                </a:gridCol>
-                <a:gridCol w="1752600">
-                  <a:extLst>
-                    <a:ext uri="{9D8B030D-6E8A-4147-A177-3AD203B41FA5}">
-                      <a16:colId xmlns:a16="http://schemas.microsoft.com/office/drawing/2014/main" val="3835685042"/>
-                    </a:ext>
-                  </a:extLst>
-                </a:gridCol>
-                <a:gridCol w="1752600">
-                  <a:extLst>
-                    <a:ext uri="{9D8B030D-6E8A-4147-A177-3AD203B41FA5}">
-                      <a16:colId xmlns:a16="http://schemas.microsoft.com/office/drawing/2014/main" val="1373760785"/>
-                    </a:ext>
-                  </a:extLst>
-                </a:gridCol>
-              </a:tblGrid>
-              <a:tr h="370840">
-                <a:tc>
-                  <a:txBody>
-                    <a:bodyPr/>
-                    <a:lstStyle/>
-                    <a:p>
-                      <a:endParaRPr lang="de-DE"/>
-                    </a:p>
-                  </a:txBody>
-                  <a:tcPr/>
-                </a:tc>
-                <a:tc>
-                  <a:txBody>
-                    <a:bodyPr/>
-                    <a:lstStyle/>
-                    <a:p>
-                      <a:r>
-                        <a:rPr lang="en-US" dirty="0"/>
-                        <a:t>1000</a:t>
-                      </a:r>
-                      <a:endParaRPr lang="de-DE" dirty="0"/>
-                    </a:p>
-                  </a:txBody>
-                  <a:tcPr/>
-                </a:tc>
-                <a:tc>
-                  <a:txBody>
-                    <a:bodyPr/>
-                    <a:lstStyle/>
-                    <a:p>
-                      <a:r>
-                        <a:rPr lang="en-US" dirty="0"/>
-                        <a:t>10000</a:t>
-                      </a:r>
-                      <a:endParaRPr lang="de-DE" dirty="0"/>
-                    </a:p>
-                  </a:txBody>
-                  <a:tcPr/>
-                </a:tc>
-                <a:tc>
-                  <a:txBody>
-                    <a:bodyPr/>
-                    <a:lstStyle/>
-                    <a:p>
-                      <a:r>
-                        <a:rPr lang="en-US" dirty="0"/>
-                        <a:t>50000</a:t>
-                      </a:r>
-                      <a:endParaRPr lang="de-DE" dirty="0"/>
-                    </a:p>
-                  </a:txBody>
-                  <a:tcPr/>
-                </a:tc>
-                <a:tc>
-                  <a:txBody>
-                    <a:bodyPr/>
-                    <a:lstStyle/>
-                    <a:p>
-                      <a:r>
-                        <a:rPr lang="en-US" dirty="0"/>
-                        <a:t>100000</a:t>
-                      </a:r>
-                      <a:endParaRPr lang="de-DE" dirty="0"/>
-                    </a:p>
-                  </a:txBody>
-                  <a:tcPr/>
-                </a:tc>
-                <a:tc>
-                  <a:txBody>
-                    <a:bodyPr/>
-                    <a:lstStyle/>
-                    <a:p>
-                      <a:r>
-                        <a:rPr lang="en-US" dirty="0"/>
-                        <a:t>500000</a:t>
-                      </a:r>
-                      <a:endParaRPr lang="de-DE" dirty="0"/>
-                    </a:p>
-                  </a:txBody>
-                  <a:tcPr/>
-                </a:tc>
-                <a:extLst>
-                  <a:ext uri="{0D108BD9-81ED-4DB2-BD59-A6C34878D82A}">
-                    <a16:rowId xmlns:a16="http://schemas.microsoft.com/office/drawing/2014/main" val="2114500752"/>
-                  </a:ext>
-                </a:extLst>
-              </a:tr>
-              <a:tr h="370840">
-                <a:tc>
-                  <a:txBody>
-                    <a:bodyPr/>
-                    <a:lstStyle/>
-                    <a:p>
-                      <a:r>
-                        <a:rPr lang="en-US" dirty="0"/>
-                        <a:t>Normal</a:t>
-                      </a:r>
-                      <a:endParaRPr lang="de-DE" dirty="0"/>
-                    </a:p>
-                  </a:txBody>
-                  <a:tcPr/>
-                </a:tc>
-                <a:tc>
-                  <a:txBody>
-                    <a:bodyPr/>
-                    <a:lstStyle/>
-                    <a:p>
-                      <a:r>
-                        <a:rPr lang="en-US" dirty="0"/>
-                        <a:t>217</a:t>
-                      </a:r>
-                      <a:endParaRPr lang="de-DE" dirty="0"/>
-                    </a:p>
-                  </a:txBody>
-                  <a:tcPr/>
-                </a:tc>
-                <a:tc>
-                  <a:txBody>
-                    <a:bodyPr/>
-                    <a:lstStyle/>
-                    <a:p>
-                      <a:r>
-                        <a:rPr lang="en-US" dirty="0"/>
-                        <a:t>2692</a:t>
-                      </a:r>
-                      <a:endParaRPr lang="de-DE" dirty="0"/>
-                    </a:p>
-                  </a:txBody>
-                  <a:tcPr/>
-                </a:tc>
-                <a:tc>
-                  <a:txBody>
-                    <a:bodyPr/>
-                    <a:lstStyle/>
-                    <a:p>
-                      <a:r>
-                        <a:rPr lang="en-US" dirty="0"/>
-                        <a:t>15487</a:t>
-                      </a:r>
-                      <a:endParaRPr lang="de-DE" dirty="0"/>
-                    </a:p>
-                  </a:txBody>
-                  <a:tcPr/>
-                </a:tc>
-                <a:tc>
-                  <a:txBody>
-                    <a:bodyPr/>
-                    <a:lstStyle/>
-                    <a:p>
-                      <a:r>
-                        <a:rPr lang="en-US" dirty="0"/>
-                        <a:t>33254</a:t>
-                      </a:r>
-                      <a:endParaRPr lang="de-DE" dirty="0"/>
-                    </a:p>
-                  </a:txBody>
-                  <a:tcPr/>
-                </a:tc>
-                <a:tc>
-                  <a:txBody>
-                    <a:bodyPr/>
-                    <a:lstStyle/>
-                    <a:p>
-                      <a:r>
-                        <a:rPr lang="en-US" dirty="0"/>
-                        <a:t>191251</a:t>
-                      </a:r>
-                      <a:endParaRPr lang="de-DE" dirty="0"/>
-                    </a:p>
-                  </a:txBody>
-                  <a:tcPr/>
-                </a:tc>
-                <a:extLst>
-                  <a:ext uri="{0D108BD9-81ED-4DB2-BD59-A6C34878D82A}">
-                    <a16:rowId xmlns:a16="http://schemas.microsoft.com/office/drawing/2014/main" val="4031426376"/>
-                  </a:ext>
-                </a:extLst>
-              </a:tr>
-              <a:tr h="370840">
-                <a:tc>
-                  <a:txBody>
-                    <a:bodyPr/>
-                    <a:lstStyle/>
-                    <a:p>
-                      <a:r>
-                        <a:rPr lang="en-US" dirty="0"/>
-                        <a:t>OpenMP</a:t>
-                      </a:r>
-                      <a:endParaRPr lang="de-DE" dirty="0"/>
-                    </a:p>
-                  </a:txBody>
-                  <a:tcPr/>
-                </a:tc>
-                <a:tc>
-                  <a:txBody>
-                    <a:bodyPr/>
-                    <a:lstStyle/>
-                    <a:p>
-                      <a:r>
-                        <a:rPr lang="en-US" dirty="0"/>
-                        <a:t>435</a:t>
-                      </a:r>
-                      <a:endParaRPr lang="de-DE" dirty="0"/>
-                    </a:p>
-                  </a:txBody>
-                  <a:tcPr/>
-                </a:tc>
-                <a:tc>
-                  <a:txBody>
-                    <a:bodyPr/>
-                    <a:lstStyle/>
-                    <a:p>
-                      <a:r>
-                        <a:rPr lang="en-US" dirty="0"/>
-                        <a:t>2495</a:t>
-                      </a:r>
-                      <a:endParaRPr lang="de-DE" dirty="0"/>
-                    </a:p>
-                  </a:txBody>
-                  <a:tcPr/>
-                </a:tc>
-                <a:tc>
-                  <a:txBody>
-                    <a:bodyPr/>
-                    <a:lstStyle/>
-                    <a:p>
-                      <a:r>
-                        <a:rPr lang="en-US" dirty="0"/>
-                        <a:t>13362</a:t>
-                      </a:r>
-                      <a:endParaRPr lang="de-DE" dirty="0"/>
-                    </a:p>
-                  </a:txBody>
-                  <a:tcPr/>
-                </a:tc>
-                <a:tc>
-                  <a:txBody>
-                    <a:bodyPr/>
-                    <a:lstStyle/>
-                    <a:p>
-                      <a:r>
-                        <a:rPr lang="en-US" dirty="0"/>
-                        <a:t>28526</a:t>
-                      </a:r>
-                      <a:endParaRPr lang="de-DE" dirty="0"/>
-                    </a:p>
-                  </a:txBody>
-                  <a:tcPr/>
-                </a:tc>
-                <a:tc>
-                  <a:txBody>
-                    <a:bodyPr/>
-                    <a:lstStyle/>
-                    <a:p>
-                      <a:r>
-                        <a:rPr lang="en-US" dirty="0"/>
-                        <a:t>155192</a:t>
-                      </a:r>
-                      <a:endParaRPr lang="de-DE" dirty="0"/>
-                    </a:p>
-                  </a:txBody>
-                  <a:tcPr/>
-                </a:tc>
-                <a:extLst>
-                  <a:ext uri="{0D108BD9-81ED-4DB2-BD59-A6C34878D82A}">
-                    <a16:rowId xmlns:a16="http://schemas.microsoft.com/office/drawing/2014/main" val="4186416659"/>
-                  </a:ext>
-                </a:extLst>
-              </a:tr>
-            </a:tbl>
-          </a:graphicData>
-        </a:graphic>
-      </p:graphicFrame>
-      <p:sp>
-        <p:nvSpPr>
-          <p:cNvPr id="7" name="Textfeld 6">
-            <a:extLst>
-              <a:ext uri="{FF2B5EF4-FFF2-40B4-BE49-F238E27FC236}">
-                <a16:creationId xmlns:a16="http://schemas.microsoft.com/office/drawing/2014/main" id="{F7CB4E5E-F9B9-4726-B396-8BE0571DEC4F}"/>
+      </p:pic>
+      <p:pic>
+        <p:nvPicPr>
+          <p:cNvPr id="10" name="Inhaltsplatzhalter 9">
+            <a:extLst>
+              <a:ext uri="{FF2B5EF4-FFF2-40B4-BE49-F238E27FC236}">
+                <a16:creationId xmlns:a16="http://schemas.microsoft.com/office/drawing/2014/main" id="{9AA48670-7776-3B4F-AD7E-397937C59BDD}"/>
+              </a:ext>
+            </a:extLst>
+          </p:cNvPr>
+          <p:cNvPicPr>
+            <a:picLocks noGrp="1" noChangeAspect="1"/>
+          </p:cNvPicPr>
+          <p:nvPr>
+            <p:ph sz="half" idx="2"/>
+          </p:nvPr>
+        </p:nvPicPr>
+        <p:blipFill>
+          <a:blip r:embed="rId4">
+            <a:extLst>
+              <a:ext uri="{28A0092B-C50C-407E-A947-70E740481C1C}">
+                <a14:useLocalDpi xmlns:a14="http://schemas.microsoft.com/office/drawing/2010/main" val="0"/>
+              </a:ext>
+            </a:extLst>
+          </a:blip>
+          <a:stretch>
+            <a:fillRect/>
+          </a:stretch>
+        </p:blipFill>
+        <p:spPr>
+          <a:xfrm>
+            <a:off x="6172200" y="2671745"/>
+            <a:ext cx="5181600" cy="2659098"/>
+          </a:xfrm>
+        </p:spPr>
+      </p:pic>
+      <p:sp>
+        <p:nvSpPr>
+          <p:cNvPr id="11" name="Textfeld 10">
+            <a:extLst>
+              <a:ext uri="{FF2B5EF4-FFF2-40B4-BE49-F238E27FC236}">
+                <a16:creationId xmlns:a16="http://schemas.microsoft.com/office/drawing/2014/main" id="{704286F7-C5AE-B443-AFAC-94DCC4A2C54D}"/>
               </a:ext>
             </a:extLst>
           </p:cNvPr>
@@ -4586,8 +8883,8 @@
         </p:nvSpPr>
         <p:spPr>
           <a:xfrm>
-            <a:off x="838200" y="1690688"/>
-            <a:ext cx="10515600" cy="954107"/>
+            <a:off x="838200" y="6311900"/>
+            <a:ext cx="5539658" cy="369332"/>
           </a:xfrm>
           <a:prstGeom prst="rect">
             <a:avLst/>
@@ -4595,34 +8892,235 @@
           <a:noFill/>
         </p:spPr>
         <p:txBody>
-          <a:bodyPr wrap="square" rtlCol="0">
+          <a:bodyPr wrap="none" rtlCol="0">
             <a:spAutoFit/>
           </a:bodyPr>
           <a:lstStyle/>
           <a:p>
-            <a:pPr marL="457200" indent="-457200">
-              <a:buFont typeface="Arial" panose="020B0604020202020204" pitchFamily="34" charset="0"/>
-              <a:buChar char="•"/>
-            </a:pPr>
-            <a:r>
-              <a:rPr lang="de-DE" sz="2800" dirty="0"/>
-              <a:t>Warum ist die Parallelisierung im gleich schnell, wenn die </a:t>
-            </a:r>
-            <a:r>
-              <a:rPr lang="de-DE" sz="2800" dirty="0" err="1"/>
-              <a:t>Quicksort</a:t>
-            </a:r>
-            <a:r>
-              <a:rPr lang="de-DE" sz="2800" dirty="0"/>
-              <a:t> Methode Parallelisiert wird?</a:t>
-            </a:r>
+            <a:r>
+              <a:rPr lang="de-DE" dirty="0"/>
+              <a:t>https://</a:t>
+            </a:r>
+            <a:r>
+              <a:rPr lang="de-DE" dirty="0" err="1"/>
+              <a:t>www.bfilipek.com</a:t>
+            </a:r>
+            <a:r>
+              <a:rPr lang="de-DE" dirty="0"/>
+              <a:t>/2018/11/parallel-</a:t>
+            </a:r>
+            <a:r>
+              <a:rPr lang="de-DE" dirty="0" err="1"/>
+              <a:t>alg</a:t>
+            </a:r>
+            <a:r>
+              <a:rPr lang="de-DE" dirty="0"/>
+              <a:t>-</a:t>
+            </a:r>
+            <a:r>
+              <a:rPr lang="de-DE" dirty="0" err="1"/>
+              <a:t>perf.html</a:t>
+            </a:r>
+            <a:endParaRPr lang="de-DE" dirty="0"/>
           </a:p>
         </p:txBody>
       </p:sp>
     </p:spTree>
     <p:extLst>
       <p:ext uri="{BB962C8B-B14F-4D97-AF65-F5344CB8AC3E}">
-        <p14:creationId xmlns:p14="http://schemas.microsoft.com/office/powerpoint/2010/main" val="1950806513"/>
+        <p14:creationId xmlns:p14="http://schemas.microsoft.com/office/powerpoint/2010/main" val="1516640972"/>
+      </p:ext>
+    </p:extLst>
+  </p:cSld>
+  <p:clrMapOvr>
+    <a:masterClrMapping/>
+  </p:clrMapOvr>
+</p:sld>
+</file>
+
+<file path=ppt/slides/slide17.xml><?xml version="1.0" encoding="utf-8"?>
+<p:sld xmlns:a="http://schemas.openxmlformats.org/drawingml/2006/main" xmlns:r="http://schemas.openxmlformats.org/officeDocument/2006/relationships" xmlns:p="http://schemas.openxmlformats.org/presentationml/2006/main">
+  <p:cSld>
+    <p:spTree>
+      <p:nvGrpSpPr>
+        <p:cNvPr id="1" name=""/>
+        <p:cNvGrpSpPr/>
+        <p:nvPr/>
+      </p:nvGrpSpPr>
+      <p:grpSpPr>
+        <a:xfrm>
+          <a:off x="0" y="0"/>
+          <a:ext cx="0" cy="0"/>
+          <a:chOff x="0" y="0"/>
+          <a:chExt cx="0" cy="0"/>
+        </a:xfrm>
+      </p:grpSpPr>
+      <p:sp>
+        <p:nvSpPr>
+          <p:cNvPr id="2" name="Titel 1">
+            <a:extLst>
+              <a:ext uri="{FF2B5EF4-FFF2-40B4-BE49-F238E27FC236}">
+                <a16:creationId xmlns:a16="http://schemas.microsoft.com/office/drawing/2014/main" id="{097F2D09-9FD7-0A4F-9044-3FFFE9FBDCC4}"/>
+              </a:ext>
+            </a:extLst>
+          </p:cNvPr>
+          <p:cNvSpPr>
+            <a:spLocks noGrp="1"/>
+          </p:cNvSpPr>
+          <p:nvPr>
+            <p:ph type="title"/>
+          </p:nvPr>
+        </p:nvSpPr>
+        <p:spPr/>
+        <p:txBody>
+          <a:bodyPr/>
+          <a:lstStyle/>
+          <a:p>
+            <a:r>
+              <a:rPr lang="de-DE" dirty="0"/>
+              <a:t>Wie schlägt sich C++17 im Vgl. zu </a:t>
+            </a:r>
+            <a:r>
+              <a:rPr lang="de-DE" dirty="0" err="1"/>
+              <a:t>OpenMP</a:t>
+            </a:r>
+            <a:r>
+              <a:rPr lang="de-DE" dirty="0"/>
+              <a:t>?</a:t>
+            </a:r>
+          </a:p>
+        </p:txBody>
+      </p:sp>
+      <p:pic>
+        <p:nvPicPr>
+          <p:cNvPr id="6" name="Inhaltsplatzhalter 5">
+            <a:extLst>
+              <a:ext uri="{FF2B5EF4-FFF2-40B4-BE49-F238E27FC236}">
+                <a16:creationId xmlns:a16="http://schemas.microsoft.com/office/drawing/2014/main" id="{99292977-B7C5-864A-A7FE-CA213B5BBB11}"/>
+              </a:ext>
+            </a:extLst>
+          </p:cNvPr>
+          <p:cNvPicPr>
+            <a:picLocks noGrp="1" noChangeAspect="1"/>
+          </p:cNvPicPr>
+          <p:nvPr>
+            <p:ph sz="half" idx="1"/>
+          </p:nvPr>
+        </p:nvPicPr>
+        <p:blipFill>
+          <a:blip r:embed="rId2">
+            <a:extLst>
+              <a:ext uri="{28A0092B-C50C-407E-A947-70E740481C1C}">
+                <a14:useLocalDpi xmlns:a14="http://schemas.microsoft.com/office/drawing/2010/main" val="0"/>
+              </a:ext>
+            </a:extLst>
+          </a:blip>
+          <a:stretch>
+            <a:fillRect/>
+          </a:stretch>
+        </p:blipFill>
+        <p:spPr>
+          <a:xfrm>
+            <a:off x="838200" y="3444593"/>
+            <a:ext cx="5181600" cy="1113401"/>
+          </a:xfrm>
+        </p:spPr>
+      </p:pic>
+      <p:pic>
+        <p:nvPicPr>
+          <p:cNvPr id="8" name="Inhaltsplatzhalter 7">
+            <a:extLst>
+              <a:ext uri="{FF2B5EF4-FFF2-40B4-BE49-F238E27FC236}">
+                <a16:creationId xmlns:a16="http://schemas.microsoft.com/office/drawing/2014/main" id="{1A00FB50-6BE7-464D-8AE3-18CC3444B46A}"/>
+              </a:ext>
+            </a:extLst>
+          </p:cNvPr>
+          <p:cNvPicPr>
+            <a:picLocks noGrp="1" noChangeAspect="1"/>
+          </p:cNvPicPr>
+          <p:nvPr>
+            <p:ph sz="half" idx="2"/>
+          </p:nvPr>
+        </p:nvPicPr>
+        <p:blipFill>
+          <a:blip r:embed="rId3">
+            <a:extLst>
+              <a:ext uri="{28A0092B-C50C-407E-A947-70E740481C1C}">
+                <a14:useLocalDpi xmlns:a14="http://schemas.microsoft.com/office/drawing/2010/main" val="0"/>
+              </a:ext>
+            </a:extLst>
+          </a:blip>
+          <a:stretch>
+            <a:fillRect/>
+          </a:stretch>
+        </p:blipFill>
+        <p:spPr>
+          <a:xfrm>
+            <a:off x="6172200" y="2277135"/>
+            <a:ext cx="5181600" cy="3448318"/>
+          </a:xfrm>
+        </p:spPr>
+      </p:pic>
+      <p:sp>
+        <p:nvSpPr>
+          <p:cNvPr id="9" name="Textfeld 8">
+            <a:extLst>
+              <a:ext uri="{FF2B5EF4-FFF2-40B4-BE49-F238E27FC236}">
+                <a16:creationId xmlns:a16="http://schemas.microsoft.com/office/drawing/2014/main" id="{4CEA9708-A73E-E44A-A993-4BEE29CEAD89}"/>
+              </a:ext>
+            </a:extLst>
+          </p:cNvPr>
+          <p:cNvSpPr txBox="1"/>
+          <p:nvPr/>
+        </p:nvSpPr>
+        <p:spPr>
+          <a:xfrm>
+            <a:off x="838200" y="6311900"/>
+            <a:ext cx="5539658" cy="369332"/>
+          </a:xfrm>
+          <a:prstGeom prst="rect">
+            <a:avLst/>
+          </a:prstGeom>
+          <a:noFill/>
+        </p:spPr>
+        <p:txBody>
+          <a:bodyPr wrap="none" rtlCol="0">
+            <a:spAutoFit/>
+          </a:bodyPr>
+          <a:lstStyle/>
+          <a:p>
+            <a:r>
+              <a:rPr lang="de-DE" dirty="0"/>
+              <a:t>https://</a:t>
+            </a:r>
+            <a:r>
+              <a:rPr lang="de-DE" dirty="0" err="1"/>
+              <a:t>www.bfilipek.com</a:t>
+            </a:r>
+            <a:r>
+              <a:rPr lang="de-DE" dirty="0"/>
+              <a:t>/2018/11/parallel-</a:t>
+            </a:r>
+            <a:r>
+              <a:rPr lang="de-DE" dirty="0" err="1"/>
+              <a:t>alg</a:t>
+            </a:r>
+            <a:r>
+              <a:rPr lang="de-DE" dirty="0"/>
+              <a:t>-</a:t>
+            </a:r>
+            <a:r>
+              <a:rPr lang="de-DE" dirty="0" err="1"/>
+              <a:t>perf.html</a:t>
+            </a:r>
+            <a:endParaRPr lang="de-DE" dirty="0"/>
+          </a:p>
+        </p:txBody>
+      </p:sp>
+    </p:spTree>
+    <p:extLst>
+      <p:ext uri="{BB962C8B-B14F-4D97-AF65-F5344CB8AC3E}">
+        <p14:creationId xmlns:p14="http://schemas.microsoft.com/office/powerpoint/2010/main" val="1493141926"/>
       </p:ext>
     </p:extLst>
   </p:cSld>
@@ -4654,7 +9152,7 @@
           <p:cNvPr id="2" name="Titel 1">
             <a:extLst>
               <a:ext uri="{FF2B5EF4-FFF2-40B4-BE49-F238E27FC236}">
-                <a16:creationId xmlns:a16="http://schemas.microsoft.com/office/drawing/2014/main" id="{3A63FC80-B64A-4B65-8A8E-0C2C81223CFB}"/>
+                <a16:creationId xmlns:a16="http://schemas.microsoft.com/office/drawing/2014/main" id="{CB83ABEE-60E2-E743-A0C5-E2EE437604EF}"/>
               </a:ext>
             </a:extLst>
           </p:cNvPr>
@@ -4671,18 +9169,9 @@
           <a:lstStyle/>
           <a:p>
             <a:r>
-              <a:rPr lang="en-US" dirty="0"/>
-              <a:t>Was </a:t>
-            </a:r>
-            <a:r>
-              <a:rPr lang="en-US" dirty="0" err="1"/>
-              <a:t>ist</a:t>
-            </a:r>
-            <a:r>
-              <a:rPr lang="en-US" dirty="0"/>
-              <a:t> OpenMP</a:t>
-            </a:r>
-            <a:endParaRPr lang="de-DE" dirty="0"/>
+              <a:rPr lang="de-DE" dirty="0"/>
+              <a:t>Warum Parallelisieren?</a:t>
+            </a:r>
           </a:p>
         </p:txBody>
       </p:sp>
@@ -4691,7 +9180,7 @@
           <p:cNvPr id="3" name="Inhaltsplatzhalter 2">
             <a:extLst>
               <a:ext uri="{FF2B5EF4-FFF2-40B4-BE49-F238E27FC236}">
-                <a16:creationId xmlns:a16="http://schemas.microsoft.com/office/drawing/2014/main" id="{999D7380-16EA-459C-A03C-E9EB3CDC7209}"/>
+                <a16:creationId xmlns:a16="http://schemas.microsoft.com/office/drawing/2014/main" id="{A17B0A23-234F-F84F-961D-07333D62CC8E}"/>
               </a:ext>
             </a:extLst>
           </p:cNvPr>
@@ -4707,65 +9196,14 @@
           <a:bodyPr/>
           <a:lstStyle/>
           <a:p>
-            <a:r>
-              <a:rPr lang="de-DE" dirty="0"/>
-              <a:t>Open </a:t>
-            </a:r>
-            <a:r>
-              <a:rPr lang="de-DE" dirty="0" err="1"/>
-              <a:t>Specifications</a:t>
-            </a:r>
-            <a:r>
-              <a:rPr lang="de-DE" dirty="0"/>
-              <a:t> </a:t>
-            </a:r>
-            <a:r>
-              <a:rPr lang="de-DE" dirty="0" err="1"/>
-              <a:t>for</a:t>
-            </a:r>
-            <a:r>
-              <a:rPr lang="de-DE" dirty="0"/>
-              <a:t> Multi Processing seit 1997</a:t>
-            </a:r>
-          </a:p>
-          <a:p>
-            <a:r>
-              <a:rPr lang="de-DE" dirty="0"/>
-              <a:t>API für </a:t>
-            </a:r>
-            <a:r>
-              <a:rPr lang="de-DE" dirty="0" err="1"/>
-              <a:t>Shared</a:t>
-            </a:r>
-            <a:r>
-              <a:rPr lang="de-DE" dirty="0"/>
-              <a:t>-Memory-Programmierung in C ++, C und Fortran</a:t>
-            </a:r>
-          </a:p>
-          <a:p>
-            <a:r>
-              <a:rPr lang="de-DE" dirty="0"/>
-              <a:t>breite Unterstützung von Herstellern</a:t>
-            </a:r>
-          </a:p>
-          <a:p>
-            <a:r>
-              <a:rPr lang="de-DE" dirty="0"/>
-              <a:t>nicht anwendbar auf Systemen mit verteiltem Speicher</a:t>
-            </a:r>
-          </a:p>
-          <a:p>
-            <a:r>
-              <a:rPr lang="de-DE" dirty="0"/>
-              <a:t>keine Laufzeitüberprüfung hinsichtlich Korrektheit der Direktiven </a:t>
-            </a:r>
+            <a:endParaRPr lang="de-DE"/>
           </a:p>
         </p:txBody>
       </p:sp>
     </p:spTree>
     <p:extLst>
       <p:ext uri="{BB962C8B-B14F-4D97-AF65-F5344CB8AC3E}">
-        <p14:creationId xmlns:p14="http://schemas.microsoft.com/office/powerpoint/2010/main" val="351670245"/>
+        <p14:creationId xmlns:p14="http://schemas.microsoft.com/office/powerpoint/2010/main" val="400010253"/>
       </p:ext>
     </p:extLst>
   </p:cSld>
@@ -4797,7 +9235,7 @@
           <p:cNvPr id="2" name="Titel 1">
             <a:extLst>
               <a:ext uri="{FF2B5EF4-FFF2-40B4-BE49-F238E27FC236}">
-                <a16:creationId xmlns:a16="http://schemas.microsoft.com/office/drawing/2014/main" id="{2096F096-A894-45E2-A4D7-538ED2B0278F}"/>
+                <a16:creationId xmlns:a16="http://schemas.microsoft.com/office/drawing/2014/main" id="{F5B0C704-E40E-CA4D-951F-C2C4E1529125}"/>
               </a:ext>
             </a:extLst>
           </p:cNvPr>
@@ -4814,7 +9252,432 @@
           <a:lstStyle/>
           <a:p>
             <a:r>
-              <a:rPr lang="en-US" dirty="0" err="1"/>
+              <a:rPr lang="de-DE" dirty="0"/>
+              <a:t>Mehr Steuergeräte</a:t>
+            </a:r>
+          </a:p>
+        </p:txBody>
+      </p:sp>
+      <p:sp>
+        <p:nvSpPr>
+          <p:cNvPr id="3" name="Inhaltsplatzhalter 2">
+            <a:extLst>
+              <a:ext uri="{FF2B5EF4-FFF2-40B4-BE49-F238E27FC236}">
+                <a16:creationId xmlns:a16="http://schemas.microsoft.com/office/drawing/2014/main" id="{89236DE0-E6C7-9841-98C9-533DCFA9FC50}"/>
+              </a:ext>
+            </a:extLst>
+          </p:cNvPr>
+          <p:cNvSpPr>
+            <a:spLocks noGrp="1"/>
+          </p:cNvSpPr>
+          <p:nvPr>
+            <p:ph idx="1"/>
+          </p:nvPr>
+        </p:nvSpPr>
+        <p:spPr/>
+        <p:txBody>
+          <a:bodyPr/>
+          <a:lstStyle/>
+          <a:p>
+            <a:endParaRPr lang="de-DE"/>
+          </a:p>
+        </p:txBody>
+      </p:sp>
+    </p:spTree>
+    <p:extLst>
+      <p:ext uri="{BB962C8B-B14F-4D97-AF65-F5344CB8AC3E}">
+        <p14:creationId xmlns:p14="http://schemas.microsoft.com/office/powerpoint/2010/main" val="1565191994"/>
+      </p:ext>
+    </p:extLst>
+  </p:cSld>
+  <p:clrMapOvr>
+    <a:masterClrMapping/>
+  </p:clrMapOvr>
+</p:sld>
+</file>
+
+<file path=ppt/slides/slide4.xml><?xml version="1.0" encoding="utf-8"?>
+<p:sld xmlns:a="http://schemas.openxmlformats.org/drawingml/2006/main" xmlns:r="http://schemas.openxmlformats.org/officeDocument/2006/relationships" xmlns:p="http://schemas.openxmlformats.org/presentationml/2006/main">
+  <p:cSld>
+    <p:spTree>
+      <p:nvGrpSpPr>
+        <p:cNvPr id="1" name=""/>
+        <p:cNvGrpSpPr/>
+        <p:nvPr/>
+      </p:nvGrpSpPr>
+      <p:grpSpPr>
+        <a:xfrm>
+          <a:off x="0" y="0"/>
+          <a:ext cx="0" cy="0"/>
+          <a:chOff x="0" y="0"/>
+          <a:chExt cx="0" cy="0"/>
+        </a:xfrm>
+      </p:grpSpPr>
+      <p:sp>
+        <p:nvSpPr>
+          <p:cNvPr id="2" name="Titel 1">
+            <a:extLst>
+              <a:ext uri="{FF2B5EF4-FFF2-40B4-BE49-F238E27FC236}">
+                <a16:creationId xmlns:a16="http://schemas.microsoft.com/office/drawing/2014/main" id="{6F00B53D-AE97-C44B-836F-030DF94AAB58}"/>
+              </a:ext>
+            </a:extLst>
+          </p:cNvPr>
+          <p:cNvSpPr>
+            <a:spLocks noGrp="1"/>
+          </p:cNvSpPr>
+          <p:nvPr>
+            <p:ph type="title"/>
+          </p:nvPr>
+        </p:nvSpPr>
+        <p:spPr/>
+        <p:txBody>
+          <a:bodyPr/>
+          <a:lstStyle/>
+          <a:p>
+            <a:endParaRPr lang="de-DE" dirty="0"/>
+          </a:p>
+        </p:txBody>
+      </p:sp>
+      <p:sp>
+        <p:nvSpPr>
+          <p:cNvPr id="3" name="Inhaltsplatzhalter 2">
+            <a:extLst>
+              <a:ext uri="{FF2B5EF4-FFF2-40B4-BE49-F238E27FC236}">
+                <a16:creationId xmlns:a16="http://schemas.microsoft.com/office/drawing/2014/main" id="{359E6519-534A-8F45-A394-2E7799B56A18}"/>
+              </a:ext>
+            </a:extLst>
+          </p:cNvPr>
+          <p:cNvSpPr>
+            <a:spLocks noGrp="1"/>
+          </p:cNvSpPr>
+          <p:nvPr>
+            <p:ph idx="1"/>
+          </p:nvPr>
+        </p:nvSpPr>
+        <p:spPr/>
+        <p:txBody>
+          <a:bodyPr/>
+          <a:lstStyle/>
+          <a:p>
+            <a:endParaRPr lang="de-DE"/>
+          </a:p>
+        </p:txBody>
+      </p:sp>
+    </p:spTree>
+    <p:extLst>
+      <p:ext uri="{BB962C8B-B14F-4D97-AF65-F5344CB8AC3E}">
+        <p14:creationId xmlns:p14="http://schemas.microsoft.com/office/powerpoint/2010/main" val="1284373045"/>
+      </p:ext>
+    </p:extLst>
+  </p:cSld>
+  <p:clrMapOvr>
+    <a:masterClrMapping/>
+  </p:clrMapOvr>
+</p:sld>
+</file>
+
+<file path=ppt/slides/slide5.xml><?xml version="1.0" encoding="utf-8"?>
+<p:sld xmlns:a="http://schemas.openxmlformats.org/drawingml/2006/main" xmlns:r="http://schemas.openxmlformats.org/officeDocument/2006/relationships" xmlns:p="http://schemas.openxmlformats.org/presentationml/2006/main">
+  <p:cSld>
+    <p:bg>
+      <p:bgPr>
+        <a:solidFill>
+          <a:schemeClr val="bg1"/>
+        </a:solidFill>
+        <a:effectLst/>
+      </p:bgPr>
+    </p:bg>
+    <p:spTree>
+      <p:nvGrpSpPr>
+        <p:cNvPr id="1" name=""/>
+        <p:cNvGrpSpPr/>
+        <p:nvPr/>
+      </p:nvGrpSpPr>
+      <p:grpSpPr>
+        <a:xfrm>
+          <a:off x="0" y="0"/>
+          <a:ext cx="0" cy="0"/>
+          <a:chOff x="0" y="0"/>
+          <a:chExt cx="0" cy="0"/>
+        </a:xfrm>
+      </p:grpSpPr>
+      <p:sp>
+        <p:nvSpPr>
+          <p:cNvPr id="23" name="Rectangle 7">
+            <a:extLst>
+              <a:ext uri="{FF2B5EF4-FFF2-40B4-BE49-F238E27FC236}">
+                <a16:creationId xmlns:a16="http://schemas.microsoft.com/office/drawing/2014/main" id="{8D70B121-56F4-4848-B38B-182089D909FA}"/>
+              </a:ext>
+              <a:ext uri="{C183D7F6-B498-43B3-948B-1728B52AA6E4}">
+                <adec:decorative xmlns:adec="http://schemas.microsoft.com/office/drawing/2017/decorative" val="1"/>
+              </a:ext>
+            </a:extLst>
+          </p:cNvPr>
+          <p:cNvSpPr>
+            <a:spLocks noGrp="1" noRot="1" noChangeAspect="1" noMove="1" noResize="1" noEditPoints="1" noAdjustHandles="1" noChangeArrowheads="1" noChangeShapeType="1" noTextEdit="1"/>
+          </p:cNvSpPr>
+          <p:nvPr>
+            <p:extLst>
+              <p:ext uri="{386F3935-93C4-4BCD-93E2-E3B085C9AB24}">
+                <p16:designElem xmlns:p16="http://schemas.microsoft.com/office/powerpoint/2015/main" val="1"/>
+              </p:ext>
+            </p:extLst>
+          </p:nvPr>
+        </p:nvSpPr>
+        <p:spPr bwMode="ltGray">
+          <a:xfrm>
+            <a:off x="321564" y="320040"/>
+            <a:ext cx="11548872" cy="6217920"/>
+          </a:xfrm>
+          <a:prstGeom prst="rect">
+            <a:avLst/>
+          </a:prstGeom>
+          <a:solidFill>
+            <a:schemeClr val="tx1">
+              <a:alpha val="8000"/>
+            </a:schemeClr>
+          </a:solidFill>
+          <a:ln w="127000" cap="sq" cmpd="thinThick">
+            <a:noFill/>
+          </a:ln>
+        </p:spPr>
+        <p:style>
+          <a:lnRef idx="2">
+            <a:schemeClr val="accent1">
+              <a:shade val="50000"/>
+            </a:schemeClr>
+          </a:lnRef>
+          <a:fillRef idx="1">
+            <a:schemeClr val="accent1"/>
+          </a:fillRef>
+          <a:effectRef idx="0">
+            <a:schemeClr val="accent1"/>
+          </a:effectRef>
+          <a:fontRef idx="minor">
+            <a:schemeClr val="lt1"/>
+          </a:fontRef>
+        </p:style>
+        <p:txBody>
+          <a:bodyPr rtlCol="0" anchor="ctr"/>
+          <a:lstStyle/>
+          <a:p>
+            <a:pPr algn="ctr"/>
+            <a:endParaRPr lang="en-US"/>
+          </a:p>
+        </p:txBody>
+      </p:sp>
+      <p:sp>
+        <p:nvSpPr>
+          <p:cNvPr id="2" name="Titel 1">
+            <a:extLst>
+              <a:ext uri="{FF2B5EF4-FFF2-40B4-BE49-F238E27FC236}">
+                <a16:creationId xmlns:a16="http://schemas.microsoft.com/office/drawing/2014/main" id="{3A63FC80-B64A-4B65-8A8E-0C2C81223CFB}"/>
+              </a:ext>
+            </a:extLst>
+          </p:cNvPr>
+          <p:cNvSpPr>
+            <a:spLocks noGrp="1"/>
+          </p:cNvSpPr>
+          <p:nvPr>
+            <p:ph type="title"/>
+          </p:nvPr>
+        </p:nvSpPr>
+        <p:spPr>
+          <a:xfrm>
+            <a:off x="838200" y="963877"/>
+            <a:ext cx="3494362" cy="4930246"/>
+          </a:xfrm>
+        </p:spPr>
+        <p:txBody>
+          <a:bodyPr>
+            <a:normAutofit/>
+          </a:bodyPr>
+          <a:lstStyle/>
+          <a:p>
+            <a:pPr algn="r"/>
+            <a:r>
+              <a:rPr lang="en-US">
+                <a:solidFill>
+                  <a:schemeClr val="accent1"/>
+                </a:solidFill>
+              </a:rPr>
+              <a:t>Was ist OpenMP</a:t>
+            </a:r>
+            <a:endParaRPr lang="de-DE">
+              <a:solidFill>
+                <a:schemeClr val="accent1"/>
+              </a:solidFill>
+            </a:endParaRPr>
+          </a:p>
+        </p:txBody>
+      </p:sp>
+      <p:cxnSp>
+        <p:nvCxnSpPr>
+          <p:cNvPr id="10" name="Straight Connector 9">
+            <a:extLst>
+              <a:ext uri="{FF2B5EF4-FFF2-40B4-BE49-F238E27FC236}">
+                <a16:creationId xmlns:a16="http://schemas.microsoft.com/office/drawing/2014/main" id="{2D72A2C9-F3CA-4216-8BAD-FA4C970C3C4E}"/>
+              </a:ext>
+              <a:ext uri="{C183D7F6-B498-43B3-948B-1728B52AA6E4}">
+                <adec:decorative xmlns:adec="http://schemas.microsoft.com/office/drawing/2017/decorative" val="1"/>
+              </a:ext>
+            </a:extLst>
+          </p:cNvPr>
+          <p:cNvCxnSpPr>
+            <a:cxnSpLocks noGrp="1" noRot="1" noChangeAspect="1" noMove="1" noResize="1" noEditPoints="1" noAdjustHandles="1" noChangeArrowheads="1" noChangeShapeType="1"/>
+          </p:cNvCxnSpPr>
+          <p:nvPr>
+            <p:extLst>
+              <p:ext uri="{386F3935-93C4-4BCD-93E2-E3B085C9AB24}">
+                <p16:designElem xmlns:p16="http://schemas.microsoft.com/office/powerpoint/2015/main" val="1"/>
+              </p:ext>
+            </p:extLst>
+          </p:nvPr>
+        </p:nvCxnSpPr>
+        <p:spPr>
+          <a:xfrm>
+            <a:off x="4654296" y="2057400"/>
+            <a:ext cx="0" cy="2743200"/>
+          </a:xfrm>
+          <a:prstGeom prst="line">
+            <a:avLst/>
+          </a:prstGeom>
+          <a:ln w="19050">
+            <a:solidFill>
+              <a:schemeClr val="tx1">
+                <a:lumMod val="85000"/>
+                <a:lumOff val="15000"/>
+              </a:schemeClr>
+            </a:solidFill>
+          </a:ln>
+        </p:spPr>
+        <p:style>
+          <a:lnRef idx="1">
+            <a:schemeClr val="accent1"/>
+          </a:lnRef>
+          <a:fillRef idx="0">
+            <a:schemeClr val="accent1"/>
+          </a:fillRef>
+          <a:effectRef idx="0">
+            <a:schemeClr val="accent1"/>
+          </a:effectRef>
+          <a:fontRef idx="minor">
+            <a:schemeClr val="tx1"/>
+          </a:fontRef>
+        </p:style>
+      </p:cxnSp>
+      <p:sp>
+        <p:nvSpPr>
+          <p:cNvPr id="3" name="Inhaltsplatzhalter 2">
+            <a:extLst>
+              <a:ext uri="{FF2B5EF4-FFF2-40B4-BE49-F238E27FC236}">
+                <a16:creationId xmlns:a16="http://schemas.microsoft.com/office/drawing/2014/main" id="{999D7380-16EA-459C-A03C-E9EB3CDC7209}"/>
+              </a:ext>
+            </a:extLst>
+          </p:cNvPr>
+          <p:cNvSpPr>
+            <a:spLocks noGrp="1"/>
+          </p:cNvSpPr>
+          <p:nvPr>
+            <p:ph idx="1"/>
+          </p:nvPr>
+        </p:nvSpPr>
+        <p:spPr>
+          <a:xfrm>
+            <a:off x="4976031" y="963877"/>
+            <a:ext cx="6377769" cy="4930246"/>
+          </a:xfrm>
+        </p:spPr>
+        <p:txBody>
+          <a:bodyPr anchor="ctr">
+            <a:normAutofit/>
+          </a:bodyPr>
+          <a:lstStyle/>
+          <a:p>
+            <a:r>
+              <a:rPr lang="de-DE" sz="2400"/>
+              <a:t>Open Specifications for Multi Processing seit 1997</a:t>
+            </a:r>
+          </a:p>
+          <a:p>
+            <a:r>
+              <a:rPr lang="de-DE" sz="2400"/>
+              <a:t>API für Shared-Memory-Programmierung in C ++, C und Fortran</a:t>
+            </a:r>
+          </a:p>
+          <a:p>
+            <a:r>
+              <a:rPr lang="de-DE" sz="2400"/>
+              <a:t>breite Unterstützung von Herstellern</a:t>
+            </a:r>
+          </a:p>
+          <a:p>
+            <a:r>
+              <a:rPr lang="de-DE" sz="2400"/>
+              <a:t>nicht anwendbar auf Systemen mit verteiltem Speicher</a:t>
+            </a:r>
+          </a:p>
+          <a:p>
+            <a:r>
+              <a:rPr lang="de-DE" sz="2400"/>
+              <a:t>keine Laufzeitüberprüfung hinsichtlich Korrektheit der Direktiven </a:t>
+            </a:r>
+          </a:p>
+        </p:txBody>
+      </p:sp>
+    </p:spTree>
+    <p:extLst>
+      <p:ext uri="{BB962C8B-B14F-4D97-AF65-F5344CB8AC3E}">
+        <p14:creationId xmlns:p14="http://schemas.microsoft.com/office/powerpoint/2010/main" val="351670245"/>
+      </p:ext>
+    </p:extLst>
+  </p:cSld>
+  <p:clrMapOvr>
+    <a:masterClrMapping/>
+  </p:clrMapOvr>
+</p:sld>
+</file>
+
+<file path=ppt/slides/slide6.xml><?xml version="1.0" encoding="utf-8"?>
+<p:sld xmlns:a="http://schemas.openxmlformats.org/drawingml/2006/main" xmlns:r="http://schemas.openxmlformats.org/officeDocument/2006/relationships" xmlns:p="http://schemas.openxmlformats.org/presentationml/2006/main">
+  <p:cSld>
+    <p:spTree>
+      <p:nvGrpSpPr>
+        <p:cNvPr id="1" name=""/>
+        <p:cNvGrpSpPr/>
+        <p:nvPr/>
+      </p:nvGrpSpPr>
+      <p:grpSpPr>
+        <a:xfrm>
+          <a:off x="0" y="0"/>
+          <a:ext cx="0" cy="0"/>
+          <a:chOff x="0" y="0"/>
+          <a:chExt cx="0" cy="0"/>
+        </a:xfrm>
+      </p:grpSpPr>
+      <p:sp>
+        <p:nvSpPr>
+          <p:cNvPr id="2" name="Titel 1">
+            <a:extLst>
+              <a:ext uri="{FF2B5EF4-FFF2-40B4-BE49-F238E27FC236}">
+                <a16:creationId xmlns:a16="http://schemas.microsoft.com/office/drawing/2014/main" id="{2096F096-A894-45E2-A4D7-538ED2B0278F}"/>
+              </a:ext>
+            </a:extLst>
+          </p:cNvPr>
+          <p:cNvSpPr>
+            <a:spLocks noGrp="1"/>
+          </p:cNvSpPr>
+          <p:nvPr>
+            <p:ph type="title"/>
+          </p:nvPr>
+        </p:nvSpPr>
+        <p:spPr/>
+        <p:txBody>
+          <a:bodyPr/>
+          <a:lstStyle/>
+          <a:p>
+            <a:r>
+              <a:rPr lang="en-US"/>
               <a:t>Anwendung</a:t>
             </a:r>
             <a:endParaRPr lang="de-DE" dirty="0"/>
@@ -4848,49 +9711,20 @@
           <a:lstStyle/>
           <a:p>
             <a:r>
-              <a:rPr lang="de-DE" dirty="0" err="1"/>
-              <a:t>OpenMP</a:t>
-            </a:r>
-            <a:r>
-              <a:rPr lang="de-DE" dirty="0"/>
-              <a:t> relevanten Pragmas: #</a:t>
-            </a:r>
-            <a:r>
-              <a:rPr lang="de-DE" dirty="0" err="1"/>
-              <a:t>pragma</a:t>
-            </a:r>
-            <a:r>
-              <a:rPr lang="de-DE" dirty="0"/>
-              <a:t> </a:t>
-            </a:r>
-            <a:r>
-              <a:rPr lang="de-DE" dirty="0" err="1"/>
-              <a:t>omp</a:t>
-            </a:r>
-            <a:endParaRPr lang="de-DE" dirty="0"/>
-          </a:p>
-          <a:p>
-            <a:r>
-              <a:rPr lang="de-DE" dirty="0"/>
-              <a:t>Pragmas werden von Compilern ohne </a:t>
-            </a:r>
-            <a:r>
-              <a:rPr lang="de-DE" dirty="0" err="1"/>
-              <a:t>OpenMP</a:t>
-            </a:r>
-            <a:r>
-              <a:rPr lang="de-DE" dirty="0"/>
-              <a:t>-Unterstützung ignoriert</a:t>
-            </a:r>
-          </a:p>
-          <a:p>
-            <a:r>
-              <a:rPr lang="de-DE" dirty="0" err="1"/>
-              <a:t>OpenMP</a:t>
-            </a:r>
-            <a:r>
-              <a:rPr lang="de-DE" dirty="0"/>
-              <a:t>-Direktive bezieht sich immer auf den nachfolgenden strukturierten Block</a:t>
+              <a:rPr lang="de-DE"/>
+              <a:t>OpenMP relevanten Pragmas: #pragma omp</a:t>
+            </a:r>
+          </a:p>
+          <a:p>
+            <a:r>
+              <a:rPr lang="de-DE"/>
+              <a:t>Pragmas werden von Compilern ohne OpenMP-Unterstützung ignoriert</a:t>
+            </a:r>
+          </a:p>
+          <a:p>
+            <a:r>
+              <a:rPr lang="de-DE"/>
+              <a:t>OpenMP-Direktive bezieht sich immer auf den nachfolgenden strukturierten Block</a:t>
             </a:r>
           </a:p>
           <a:p>
@@ -4952,7 +9786,7 @@
 </p:sld>
 </file>
 
-<file path=ppt/slides/slide4.xml><?xml version="1.0" encoding="utf-8"?>
+<file path=ppt/slides/slide7.xml><?xml version="1.0" encoding="utf-8"?>
 <p:sld xmlns:a="http://schemas.openxmlformats.org/drawingml/2006/main" xmlns:r="http://schemas.openxmlformats.org/officeDocument/2006/relationships" xmlns:p="http://schemas.openxmlformats.org/presentationml/2006/main">
   <p:cSld>
     <p:bg>
@@ -5291,7 +10125,7 @@
 </p:sld>
 </file>
 
-<file path=ppt/slides/slide5.xml><?xml version="1.0" encoding="utf-8"?>
+<file path=ppt/slides/slide8.xml><?xml version="1.0" encoding="utf-8"?>
 <p:sld xmlns:a="http://schemas.openxmlformats.org/drawingml/2006/main" xmlns:r="http://schemas.openxmlformats.org/officeDocument/2006/relationships" xmlns:p="http://schemas.openxmlformats.org/presentationml/2006/main">
   <p:cSld>
     <p:bg>
@@ -5591,9 +10425,17 @@
 </p:sld>
 </file>
 
-<file path=ppt/slides/slide6.xml><?xml version="1.0" encoding="utf-8"?>
+<file path=ppt/slides/slide9.xml><?xml version="1.0" encoding="utf-8"?>
 <p:sld xmlns:a="http://schemas.openxmlformats.org/drawingml/2006/main" xmlns:r="http://schemas.openxmlformats.org/officeDocument/2006/relationships" xmlns:p="http://schemas.openxmlformats.org/presentationml/2006/main">
   <p:cSld>
+    <p:bg>
+      <p:bgPr>
+        <a:solidFill>
+          <a:schemeClr val="bg1"/>
+        </a:solidFill>
+        <a:effectLst/>
+      </p:bgPr>
+    </p:bg>
     <p:spTree>
       <p:nvGrpSpPr>
         <p:cNvPr id="1" name=""/>
@@ -5610,6 +10452,71 @@
       </p:grpSpPr>
       <p:sp>
         <p:nvSpPr>
+          <p:cNvPr id="8" name="Rectangle 7">
+            <a:extLst>
+              <a:ext uri="{FF2B5EF4-FFF2-40B4-BE49-F238E27FC236}">
+                <a16:creationId xmlns:a16="http://schemas.microsoft.com/office/drawing/2014/main" id="{8D70B121-56F4-4848-B38B-182089D909FA}"/>
+              </a:ext>
+              <a:ext uri="{C183D7F6-B498-43B3-948B-1728B52AA6E4}">
+                <adec:decorative xmlns:adec="http://schemas.microsoft.com/office/drawing/2017/decorative" val="1"/>
+              </a:ext>
+            </a:extLst>
+          </p:cNvPr>
+          <p:cNvSpPr>
+            <a:spLocks noGrp="1" noRot="1" noChangeAspect="1" noMove="1" noResize="1" noEditPoints="1" noAdjustHandles="1" noChangeArrowheads="1" noChangeShapeType="1" noTextEdit="1"/>
+          </p:cNvSpPr>
+          <p:nvPr>
+            <p:extLst>
+              <p:ext uri="{386F3935-93C4-4BCD-93E2-E3B085C9AB24}">
+                <p16:designElem xmlns:p16="http://schemas.microsoft.com/office/powerpoint/2015/main" val="1"/>
+              </p:ext>
+            </p:extLst>
+          </p:nvPr>
+        </p:nvSpPr>
+        <p:spPr bwMode="ltGray">
+          <a:xfrm>
+            <a:off x="321564" y="320040"/>
+            <a:ext cx="11548872" cy="6217920"/>
+          </a:xfrm>
+          <a:prstGeom prst="rect">
+            <a:avLst/>
+          </a:prstGeom>
+          <a:solidFill>
+            <a:schemeClr val="tx1">
+              <a:alpha val="8000"/>
+            </a:schemeClr>
+          </a:solidFill>
+          <a:ln w="127000" cap="sq" cmpd="thinThick">
+            <a:noFill/>
+          </a:ln>
+        </p:spPr>
+        <p:style>
+          <a:lnRef idx="2">
+            <a:schemeClr val="accent1">
+              <a:shade val="50000"/>
+            </a:schemeClr>
+          </a:lnRef>
+          <a:fillRef idx="1">
+            <a:schemeClr val="accent1"/>
+          </a:fillRef>
+          <a:effectRef idx="0">
+            <a:schemeClr val="accent1"/>
+          </a:effectRef>
+          <a:fontRef idx="minor">
+            <a:schemeClr val="lt1"/>
+          </a:fontRef>
+        </p:style>
+        <p:txBody>
+          <a:bodyPr rtlCol="0" anchor="ctr"/>
+          <a:lstStyle/>
+          <a:p>
+            <a:pPr algn="ctr"/>
+            <a:endParaRPr lang="en-US"/>
+          </a:p>
+        </p:txBody>
+      </p:sp>
+      <p:sp>
+        <p:nvSpPr>
           <p:cNvPr id="2" name="Titel 1">
             <a:extLst>
               <a:ext uri="{FF2B5EF4-FFF2-40B4-BE49-F238E27FC236}">
@@ -5624,19 +10531,90 @@
             <p:ph type="title"/>
           </p:nvPr>
         </p:nvSpPr>
-        <p:spPr/>
-        <p:txBody>
-          <a:bodyPr/>
+        <p:spPr>
+          <a:xfrm>
+            <a:off x="838200" y="963877"/>
+            <a:ext cx="3494362" cy="4930246"/>
+          </a:xfrm>
+        </p:spPr>
+        <p:txBody>
+          <a:bodyPr>
+            <a:normAutofit/>
+          </a:bodyPr>
           <a:lstStyle/>
           <a:p>
-            <a:r>
-              <a:rPr lang="en-US" dirty="0"/>
+            <a:pPr algn="r"/>
+            <a:r>
+              <a:rPr lang="en-US">
+                <a:solidFill>
+                  <a:schemeClr val="accent1"/>
+                </a:solidFill>
+              </a:rPr>
               <a:t>OpenMP - Sections</a:t>
             </a:r>
-            <a:endParaRPr lang="de-DE" dirty="0"/>
-          </a:p>
-        </p:txBody>
-      </p:sp>
+            <a:endParaRPr lang="de-DE">
+              <a:solidFill>
+                <a:schemeClr val="accent1"/>
+              </a:solidFill>
+            </a:endParaRPr>
+          </a:p>
+        </p:txBody>
+      </p:sp>
+      <p:cxnSp>
+        <p:nvCxnSpPr>
+          <p:cNvPr id="10" name="Straight Connector 9">
+            <a:extLst>
+              <a:ext uri="{FF2B5EF4-FFF2-40B4-BE49-F238E27FC236}">
+                <a16:creationId xmlns:a16="http://schemas.microsoft.com/office/drawing/2014/main" id="{2D72A2C9-F3CA-4216-8BAD-FA4C970C3C4E}"/>
+              </a:ext>
+              <a:ext uri="{C183D7F6-B498-43B3-948B-1728B52AA6E4}">
+                <adec:decorative xmlns:adec="http://schemas.microsoft.com/office/drawing/2017/decorative" val="1"/>
+              </a:ext>
+            </a:extLst>
+          </p:cNvPr>
+          <p:cNvCxnSpPr>
+            <a:cxnSpLocks noGrp="1" noRot="1" noChangeAspect="1" noMove="1" noResize="1" noEditPoints="1" noAdjustHandles="1" noChangeArrowheads="1" noChangeShapeType="1"/>
+          </p:cNvCxnSpPr>
+          <p:nvPr>
+            <p:extLst>
+              <p:ext uri="{386F3935-93C4-4BCD-93E2-E3B085C9AB24}">
+                <p16:designElem xmlns:p16="http://schemas.microsoft.com/office/powerpoint/2015/main" val="1"/>
+              </p:ext>
+            </p:extLst>
+          </p:nvPr>
+        </p:nvCxnSpPr>
+        <p:spPr>
+          <a:xfrm>
+            <a:off x="4654296" y="2057400"/>
+            <a:ext cx="0" cy="2743200"/>
+          </a:xfrm>
+          <a:prstGeom prst="line">
+            <a:avLst/>
+          </a:prstGeom>
+          <a:ln w="19050">
+            <a:solidFill>
+              <a:schemeClr val="tx1">
+                <a:lumMod val="85000"/>
+                <a:lumOff val="15000"/>
+              </a:schemeClr>
+            </a:solidFill>
+          </a:ln>
+        </p:spPr>
+        <p:style>
+          <a:lnRef idx="1">
+            <a:schemeClr val="accent1"/>
+          </a:lnRef>
+          <a:fillRef idx="0">
+            <a:schemeClr val="accent1"/>
+          </a:fillRef>
+          <a:effectRef idx="0">
+            <a:schemeClr val="accent1"/>
+          </a:effectRef>
+          <a:fontRef idx="minor">
+            <a:schemeClr val="tx1"/>
+          </a:fontRef>
+        </p:style>
+      </p:cxnSp>
       <p:sp>
         <p:nvSpPr>
           <p:cNvPr id="3" name="Inhaltsplatzhalter 2">
@@ -5653,12 +10631,19 @@
             <p:ph idx="1"/>
           </p:nvPr>
         </p:nvSpPr>
-        <p:spPr/>
-        <p:txBody>
-          <a:bodyPr/>
+        <p:spPr>
+          <a:xfrm>
+            <a:off x="4976031" y="963877"/>
+            <a:ext cx="6377769" cy="4930246"/>
+          </a:xfrm>
+        </p:spPr>
+        <p:txBody>
+          <a:bodyPr anchor="ctr">
+            <a:normAutofit/>
+          </a:bodyPr>
           <a:lstStyle/>
           <a:p>
-            <a:endParaRPr lang="de-DE" dirty="0"/>
+            <a:endParaRPr lang="de-DE" sz="2400"/>
           </a:p>
         </p:txBody>
       </p:sp>
@@ -5666,391 +10651,6 @@
     <p:extLst>
       <p:ext uri="{BB962C8B-B14F-4D97-AF65-F5344CB8AC3E}">
         <p14:creationId xmlns:p14="http://schemas.microsoft.com/office/powerpoint/2010/main" val="1129215958"/>
-      </p:ext>
-    </p:extLst>
-  </p:cSld>
-  <p:clrMapOvr>
-    <a:masterClrMapping/>
-  </p:clrMapOvr>
-</p:sld>
-</file>
-
-<file path=ppt/slides/slide7.xml><?xml version="1.0" encoding="utf-8"?>
-<p:sld xmlns:a="http://schemas.openxmlformats.org/drawingml/2006/main" xmlns:r="http://schemas.openxmlformats.org/officeDocument/2006/relationships" xmlns:p="http://schemas.openxmlformats.org/presentationml/2006/main">
-  <p:cSld>
-    <p:spTree>
-      <p:nvGrpSpPr>
-        <p:cNvPr id="1" name=""/>
-        <p:cNvGrpSpPr/>
-        <p:nvPr/>
-      </p:nvGrpSpPr>
-      <p:grpSpPr>
-        <a:xfrm>
-          <a:off x="0" y="0"/>
-          <a:ext cx="0" cy="0"/>
-          <a:chOff x="0" y="0"/>
-          <a:chExt cx="0" cy="0"/>
-        </a:xfrm>
-      </p:grpSpPr>
-      <p:sp>
-        <p:nvSpPr>
-          <p:cNvPr id="2" name="Titel 1">
-            <a:extLst>
-              <a:ext uri="{FF2B5EF4-FFF2-40B4-BE49-F238E27FC236}">
-                <a16:creationId xmlns:a16="http://schemas.microsoft.com/office/drawing/2014/main" id="{59A524BF-F199-4B48-8E12-568949F6E88F}"/>
-              </a:ext>
-            </a:extLst>
-          </p:cNvPr>
-          <p:cNvSpPr>
-            <a:spLocks noGrp="1"/>
-          </p:cNvSpPr>
-          <p:nvPr>
-            <p:ph type="title"/>
-          </p:nvPr>
-        </p:nvSpPr>
-        <p:spPr/>
-        <p:txBody>
-          <a:bodyPr/>
-          <a:lstStyle/>
-          <a:p>
-            <a:r>
-              <a:rPr lang="en-US" dirty="0"/>
-              <a:t>OpenMP</a:t>
-            </a:r>
-            <a:endParaRPr lang="de-DE" dirty="0"/>
-          </a:p>
-        </p:txBody>
-      </p:sp>
-      <p:sp>
-        <p:nvSpPr>
-          <p:cNvPr id="4" name="Textplatzhalter 3">
-            <a:extLst>
-              <a:ext uri="{FF2B5EF4-FFF2-40B4-BE49-F238E27FC236}">
-                <a16:creationId xmlns:a16="http://schemas.microsoft.com/office/drawing/2014/main" id="{1BE5769B-2C6A-4DEC-B4CE-7A8B725E89C8}"/>
-              </a:ext>
-            </a:extLst>
-          </p:cNvPr>
-          <p:cNvSpPr>
-            <a:spLocks noGrp="1"/>
-          </p:cNvSpPr>
-          <p:nvPr>
-            <p:ph type="body" idx="1"/>
-          </p:nvPr>
-        </p:nvSpPr>
-        <p:spPr/>
-        <p:txBody>
-          <a:bodyPr/>
-          <a:lstStyle/>
-          <a:p>
-            <a:r>
-              <a:rPr lang="en-US" dirty="0" err="1"/>
-              <a:t>Vorteile</a:t>
-            </a:r>
-            <a:endParaRPr lang="de-DE" dirty="0"/>
-          </a:p>
-        </p:txBody>
-      </p:sp>
-      <p:sp>
-        <p:nvSpPr>
-          <p:cNvPr id="3" name="Inhaltsplatzhalter 2">
-            <a:extLst>
-              <a:ext uri="{FF2B5EF4-FFF2-40B4-BE49-F238E27FC236}">
-                <a16:creationId xmlns:a16="http://schemas.microsoft.com/office/drawing/2014/main" id="{8E71139A-310F-44D6-859A-E656BE8B871B}"/>
-              </a:ext>
-            </a:extLst>
-          </p:cNvPr>
-          <p:cNvSpPr>
-            <a:spLocks noGrp="1"/>
-          </p:cNvSpPr>
-          <p:nvPr>
-            <p:ph sz="half" idx="2"/>
-          </p:nvPr>
-        </p:nvSpPr>
-        <p:spPr/>
-        <p:txBody>
-          <a:bodyPr/>
-          <a:lstStyle/>
-          <a:p>
-            <a:r>
-              <a:rPr lang="de-DE" dirty="0"/>
-              <a:t>Parallelisierung seriellen Codes durch Direktiven</a:t>
-            </a:r>
-          </a:p>
-          <a:p>
-            <a:r>
-              <a:rPr lang="de-DE" dirty="0"/>
-              <a:t>Einfach und schnell zu implementieren</a:t>
-            </a:r>
-          </a:p>
-          <a:p>
-            <a:r>
-              <a:rPr lang="de-DE" dirty="0"/>
-              <a:t>Code bleibt übersichtlich</a:t>
-            </a:r>
-          </a:p>
-          <a:p>
-            <a:endParaRPr lang="de-DE" dirty="0"/>
-          </a:p>
-        </p:txBody>
-      </p:sp>
-      <p:sp>
-        <p:nvSpPr>
-          <p:cNvPr id="5" name="Textplatzhalter 4">
-            <a:extLst>
-              <a:ext uri="{FF2B5EF4-FFF2-40B4-BE49-F238E27FC236}">
-                <a16:creationId xmlns:a16="http://schemas.microsoft.com/office/drawing/2014/main" id="{75D614F6-E68E-4420-8137-EC07E0C0E2FA}"/>
-              </a:ext>
-            </a:extLst>
-          </p:cNvPr>
-          <p:cNvSpPr>
-            <a:spLocks noGrp="1"/>
-          </p:cNvSpPr>
-          <p:nvPr>
-            <p:ph type="body" sz="quarter" idx="3"/>
-          </p:nvPr>
-        </p:nvSpPr>
-        <p:spPr/>
-        <p:txBody>
-          <a:bodyPr/>
-          <a:lstStyle/>
-          <a:p>
-            <a:r>
-              <a:rPr lang="en-US" dirty="0" err="1"/>
-              <a:t>Nachteile</a:t>
-            </a:r>
-            <a:endParaRPr lang="de-DE" dirty="0"/>
-          </a:p>
-        </p:txBody>
-      </p:sp>
-      <p:sp>
-        <p:nvSpPr>
-          <p:cNvPr id="6" name="Inhaltsplatzhalter 5">
-            <a:extLst>
-              <a:ext uri="{FF2B5EF4-FFF2-40B4-BE49-F238E27FC236}">
-                <a16:creationId xmlns:a16="http://schemas.microsoft.com/office/drawing/2014/main" id="{AACDD7B1-CEDE-44D9-8B47-98BE114AAB3F}"/>
-              </a:ext>
-            </a:extLst>
-          </p:cNvPr>
-          <p:cNvSpPr>
-            <a:spLocks noGrp="1"/>
-          </p:cNvSpPr>
-          <p:nvPr>
-            <p:ph sz="quarter" idx="4"/>
-          </p:nvPr>
-        </p:nvSpPr>
-        <p:spPr/>
-        <p:txBody>
-          <a:bodyPr/>
-          <a:lstStyle/>
-          <a:p>
-            <a:r>
-              <a:rPr lang="de-DE" dirty="0"/>
-              <a:t>Spezieller Compiler</a:t>
-            </a:r>
-          </a:p>
-          <a:p>
-            <a:r>
-              <a:rPr lang="de-DE" dirty="0"/>
-              <a:t>Nur mit gemeinsamem Speicher </a:t>
-            </a:r>
-          </a:p>
-          <a:p>
-            <a:r>
-              <a:rPr lang="de-DE" dirty="0"/>
-              <a:t>Kommunikation zwischen Threads sind implizit </a:t>
-            </a:r>
-          </a:p>
-          <a:p>
-            <a:pPr lvl="1"/>
-            <a:r>
-              <a:rPr lang="de-DE" dirty="0"/>
-              <a:t>Schwer nachvollziehbar</a:t>
-            </a:r>
-          </a:p>
-        </p:txBody>
-      </p:sp>
-    </p:spTree>
-    <p:extLst>
-      <p:ext uri="{BB962C8B-B14F-4D97-AF65-F5344CB8AC3E}">
-        <p14:creationId xmlns:p14="http://schemas.microsoft.com/office/powerpoint/2010/main" val="593835966"/>
-      </p:ext>
-    </p:extLst>
-  </p:cSld>
-  <p:clrMapOvr>
-    <a:masterClrMapping/>
-  </p:clrMapOvr>
-</p:sld>
-</file>
-
-<file path=ppt/slides/slide8.xml><?xml version="1.0" encoding="utf-8"?>
-<p:sld xmlns:a="http://schemas.openxmlformats.org/drawingml/2006/main" xmlns:r="http://schemas.openxmlformats.org/officeDocument/2006/relationships" xmlns:p="http://schemas.openxmlformats.org/presentationml/2006/main">
-  <p:cSld>
-    <p:spTree>
-      <p:nvGrpSpPr>
-        <p:cNvPr id="1" name=""/>
-        <p:cNvGrpSpPr/>
-        <p:nvPr/>
-      </p:nvGrpSpPr>
-      <p:grpSpPr>
-        <a:xfrm>
-          <a:off x="0" y="0"/>
-          <a:ext cx="0" cy="0"/>
-          <a:chOff x="0" y="0"/>
-          <a:chExt cx="0" cy="0"/>
-        </a:xfrm>
-      </p:grpSpPr>
-      <p:sp>
-        <p:nvSpPr>
-          <p:cNvPr id="2" name="Titel 1">
-            <a:extLst>
-              <a:ext uri="{FF2B5EF4-FFF2-40B4-BE49-F238E27FC236}">
-                <a16:creationId xmlns:a16="http://schemas.microsoft.com/office/drawing/2014/main" id="{37C29E86-CE3A-4BC8-9116-2D6039E202C9}"/>
-              </a:ext>
-            </a:extLst>
-          </p:cNvPr>
-          <p:cNvSpPr>
-            <a:spLocks noGrp="1"/>
-          </p:cNvSpPr>
-          <p:nvPr>
-            <p:ph type="ctrTitle"/>
-          </p:nvPr>
-        </p:nvSpPr>
-        <p:spPr/>
-        <p:txBody>
-          <a:bodyPr/>
-          <a:lstStyle/>
-          <a:p>
-            <a:r>
-              <a:rPr lang="en-US" dirty="0" err="1"/>
-              <a:t>Übung</a:t>
-            </a:r>
-            <a:endParaRPr lang="de-DE" dirty="0"/>
-          </a:p>
-        </p:txBody>
-      </p:sp>
-      <p:sp>
-        <p:nvSpPr>
-          <p:cNvPr id="3" name="Untertitel 2">
-            <a:extLst>
-              <a:ext uri="{FF2B5EF4-FFF2-40B4-BE49-F238E27FC236}">
-                <a16:creationId xmlns:a16="http://schemas.microsoft.com/office/drawing/2014/main" id="{A639AB8C-024A-4705-8C52-E903B3469BD3}"/>
-              </a:ext>
-            </a:extLst>
-          </p:cNvPr>
-          <p:cNvSpPr>
-            <a:spLocks noGrp="1"/>
-          </p:cNvSpPr>
-          <p:nvPr>
-            <p:ph type="subTitle" idx="1"/>
-          </p:nvPr>
-        </p:nvSpPr>
-        <p:spPr/>
-        <p:txBody>
-          <a:bodyPr/>
-          <a:lstStyle/>
-          <a:p>
-            <a:endParaRPr lang="de-DE"/>
-          </a:p>
-        </p:txBody>
-      </p:sp>
-    </p:spTree>
-    <p:extLst>
-      <p:ext uri="{BB962C8B-B14F-4D97-AF65-F5344CB8AC3E}">
-        <p14:creationId xmlns:p14="http://schemas.microsoft.com/office/powerpoint/2010/main" val="3103430782"/>
-      </p:ext>
-    </p:extLst>
-  </p:cSld>
-  <p:clrMapOvr>
-    <a:masterClrMapping/>
-  </p:clrMapOvr>
-</p:sld>
-</file>
-
-<file path=ppt/slides/slide9.xml><?xml version="1.0" encoding="utf-8"?>
-<p:sld xmlns:a="http://schemas.openxmlformats.org/drawingml/2006/main" xmlns:r="http://schemas.openxmlformats.org/officeDocument/2006/relationships" xmlns:p="http://schemas.openxmlformats.org/presentationml/2006/main">
-  <p:cSld>
-    <p:spTree>
-      <p:nvGrpSpPr>
-        <p:cNvPr id="1" name=""/>
-        <p:cNvGrpSpPr/>
-        <p:nvPr/>
-      </p:nvGrpSpPr>
-      <p:grpSpPr>
-        <a:xfrm>
-          <a:off x="0" y="0"/>
-          <a:ext cx="0" cy="0"/>
-          <a:chOff x="0" y="0"/>
-          <a:chExt cx="0" cy="0"/>
-        </a:xfrm>
-      </p:grpSpPr>
-      <p:sp>
-        <p:nvSpPr>
-          <p:cNvPr id="2" name="Titel 1">
-            <a:extLst>
-              <a:ext uri="{FF2B5EF4-FFF2-40B4-BE49-F238E27FC236}">
-                <a16:creationId xmlns:a16="http://schemas.microsoft.com/office/drawing/2014/main" id="{C7E3F825-1918-451E-B3AB-EE354B6B60AF}"/>
-              </a:ext>
-            </a:extLst>
-          </p:cNvPr>
-          <p:cNvSpPr>
-            <a:spLocks noGrp="1"/>
-          </p:cNvSpPr>
-          <p:nvPr>
-            <p:ph type="title"/>
-          </p:nvPr>
-        </p:nvSpPr>
-        <p:spPr/>
-        <p:txBody>
-          <a:bodyPr/>
-          <a:lstStyle/>
-          <a:p>
-            <a:r>
-              <a:rPr lang="de-DE"/>
-              <a:t>Übung 1 Parallelisierung von Addition</a:t>
-            </a:r>
-          </a:p>
-        </p:txBody>
-      </p:sp>
-      <p:sp>
-        <p:nvSpPr>
-          <p:cNvPr id="3" name="Inhaltsplatzhalter 2">
-            <a:extLst>
-              <a:ext uri="{FF2B5EF4-FFF2-40B4-BE49-F238E27FC236}">
-                <a16:creationId xmlns:a16="http://schemas.microsoft.com/office/drawing/2014/main" id="{6EFFB83E-507E-4C9F-B3D5-EF05AE455650}"/>
-              </a:ext>
-            </a:extLst>
-          </p:cNvPr>
-          <p:cNvSpPr>
-            <a:spLocks noGrp="1"/>
-          </p:cNvSpPr>
-          <p:nvPr>
-            <p:ph idx="1"/>
-          </p:nvPr>
-        </p:nvSpPr>
-        <p:spPr/>
-        <p:txBody>
-          <a:bodyPr/>
-          <a:lstStyle/>
-          <a:p>
-            <a:r>
-              <a:rPr lang="de-DE" dirty="0"/>
-              <a:t>Warum gleiche Performance bei Release-</a:t>
-            </a:r>
-            <a:r>
-              <a:rPr lang="de-DE" dirty="0" err="1"/>
-              <a:t>Build</a:t>
-            </a:r>
-            <a:r>
-              <a:rPr lang="de-DE" dirty="0"/>
-              <a:t>?</a:t>
-            </a:r>
-          </a:p>
-        </p:txBody>
-      </p:sp>
-    </p:spTree>
-    <p:extLst>
-      <p:ext uri="{BB962C8B-B14F-4D97-AF65-F5344CB8AC3E}">
-        <p14:creationId xmlns:p14="http://schemas.microsoft.com/office/powerpoint/2010/main" val="2737949822"/>
       </p:ext>
     </p:extLst>
   </p:cSld>

--- a/OpenMP_Folien.pptx
+++ b/OpenMP_Folien.pptx
@@ -5,26 +5,27 @@
     <p:sldMasterId id="2147483648" r:id="rId1"/>
   </p:sldMasterIdLst>
   <p:notesMasterIdLst>
-    <p:notesMasterId r:id="rId19"/>
+    <p:notesMasterId r:id="rId20"/>
   </p:notesMasterIdLst>
   <p:sldIdLst>
     <p:sldId id="256" r:id="rId2"/>
     <p:sldId id="270" r:id="rId3"/>
     <p:sldId id="271" r:id="rId4"/>
-    <p:sldId id="272" r:id="rId5"/>
-    <p:sldId id="257" r:id="rId6"/>
-    <p:sldId id="260" r:id="rId7"/>
-    <p:sldId id="258" r:id="rId8"/>
-    <p:sldId id="259" r:id="rId9"/>
-    <p:sldId id="266" r:id="rId10"/>
-    <p:sldId id="261" r:id="rId11"/>
-    <p:sldId id="262" r:id="rId12"/>
-    <p:sldId id="263" r:id="rId13"/>
-    <p:sldId id="264" r:id="rId14"/>
-    <p:sldId id="265" r:id="rId15"/>
-    <p:sldId id="267" r:id="rId16"/>
-    <p:sldId id="268" r:id="rId17"/>
-    <p:sldId id="269" r:id="rId18"/>
+    <p:sldId id="274" r:id="rId5"/>
+    <p:sldId id="272" r:id="rId6"/>
+    <p:sldId id="257" r:id="rId7"/>
+    <p:sldId id="260" r:id="rId8"/>
+    <p:sldId id="258" r:id="rId9"/>
+    <p:sldId id="259" r:id="rId10"/>
+    <p:sldId id="266" r:id="rId11"/>
+    <p:sldId id="261" r:id="rId12"/>
+    <p:sldId id="262" r:id="rId13"/>
+    <p:sldId id="263" r:id="rId14"/>
+    <p:sldId id="264" r:id="rId15"/>
+    <p:sldId id="265" r:id="rId16"/>
+    <p:sldId id="267" r:id="rId17"/>
+    <p:sldId id="268" r:id="rId18"/>
+    <p:sldId id="269" r:id="rId19"/>
   </p:sldIdLst>
   <p:sldSz cx="12192000" cy="6858000"/>
   <p:notesSz cx="6858000" cy="9144000"/>
@@ -213,7 +214,7 @@
           <a:p>
             <a:fld id="{AD5FCB38-51A2-4D62-8717-5BE0EDC2993F}" type="datetimeFigureOut">
               <a:rPr lang="de-DE" smtClean="0"/>
-              <a:t>09.02.20</a:t>
+              <a:t>10.02.20</a:t>
             </a:fld>
             <a:endParaRPr lang="de-DE"/>
           </a:p>
@@ -545,7 +546,7 @@
           <a:p>
             <a:fld id="{67F32239-C198-46BF-8243-3DEE8544CFAA}" type="slidenum">
               <a:rPr lang="de-DE" smtClean="0"/>
-              <a:t>5</a:t>
+              <a:t>4</a:t>
             </a:fld>
             <a:endParaRPr lang="de-DE"/>
           </a:p>
@@ -554,7 +555,7 @@
     </p:spTree>
     <p:extLst>
       <p:ext uri="{BB962C8B-B14F-4D97-AF65-F5344CB8AC3E}">
-        <p14:creationId xmlns:p14="http://schemas.microsoft.com/office/powerpoint/2010/main" val="810675153"/>
+        <p14:creationId xmlns:p14="http://schemas.microsoft.com/office/powerpoint/2010/main" val="1980002554"/>
       </p:ext>
     </p:extLst>
   </p:cSld>
@@ -608,155 +609,6 @@
           <a:bodyPr/>
           <a:lstStyle/>
           <a:p>
-            <a:r>
-              <a:rPr lang="de-DE" sz="1200" kern="1200" dirty="0">
-                <a:solidFill>
-                  <a:schemeClr val="tx1"/>
-                </a:solidFill>
-                <a:effectLst/>
-                <a:latin typeface="+mn-lt"/>
-                <a:ea typeface="+mn-ea"/>
-                <a:cs typeface="+mn-cs"/>
-              </a:rPr>
-              <a:t>Gemeinsame Daten:</a:t>
-            </a:r>
-          </a:p>
-          <a:p>
-            <a:r>
-              <a:rPr lang="de-DE" sz="1200" kern="1200" dirty="0">
-                <a:solidFill>
-                  <a:schemeClr val="tx1"/>
-                </a:solidFill>
-                <a:effectLst/>
-                <a:latin typeface="+mn-lt"/>
-                <a:ea typeface="+mn-ea"/>
-                <a:cs typeface="+mn-cs"/>
-              </a:rPr>
-              <a:t>sind allen Threads bekannt und von diesen zugreifbar</a:t>
-            </a:r>
-          </a:p>
-          <a:p>
-            <a:r>
-              <a:rPr lang="de-DE" sz="1200" kern="1200" dirty="0">
-                <a:solidFill>
-                  <a:schemeClr val="tx1"/>
-                </a:solidFill>
-                <a:effectLst/>
-                <a:latin typeface="+mn-lt"/>
-                <a:ea typeface="+mn-ea"/>
-                <a:cs typeface="+mn-cs"/>
-              </a:rPr>
-              <a:t>alle Threads, die auf diese Daten zugreifen, greifen auf die selbe Speicherstelle zu</a:t>
-            </a:r>
-          </a:p>
-          <a:p>
-            <a:r>
-              <a:rPr lang="de-DE" sz="1200" kern="1200" dirty="0">
-                <a:solidFill>
-                  <a:schemeClr val="tx1"/>
-                </a:solidFill>
-                <a:effectLst/>
-                <a:latin typeface="+mn-lt"/>
-                <a:ea typeface="+mn-ea"/>
-                <a:cs typeface="+mn-cs"/>
-              </a:rPr>
-              <a:t>Threads kommunizieren miteinander oder synchronisieren sich über gemeinsame Daten</a:t>
-            </a:r>
-          </a:p>
-          <a:p>
-            <a:endParaRPr lang="de-DE" sz="1200" kern="1200" dirty="0">
-              <a:solidFill>
-                <a:schemeClr val="tx1"/>
-              </a:solidFill>
-              <a:effectLst/>
-              <a:latin typeface="+mn-lt"/>
-              <a:ea typeface="+mn-ea"/>
-              <a:cs typeface="+mn-cs"/>
-            </a:endParaRPr>
-          </a:p>
-          <a:p>
-            <a:r>
-              <a:rPr lang="de-DE" sz="1200" kern="1200" dirty="0">
-                <a:solidFill>
-                  <a:schemeClr val="tx1"/>
-                </a:solidFill>
-                <a:effectLst/>
-                <a:latin typeface="+mn-lt"/>
-                <a:ea typeface="+mn-ea"/>
-                <a:cs typeface="+mn-cs"/>
-              </a:rPr>
-              <a:t>Private Daten:</a:t>
-            </a:r>
-          </a:p>
-          <a:p>
-            <a:r>
-              <a:rPr lang="de-DE" sz="1200" kern="1200" dirty="0">
-                <a:solidFill>
-                  <a:schemeClr val="tx1"/>
-                </a:solidFill>
-                <a:effectLst/>
-                <a:latin typeface="+mn-lt"/>
-                <a:ea typeface="+mn-ea"/>
-                <a:cs typeface="+mn-cs"/>
-              </a:rPr>
-              <a:t>jeder Thread legt seine eigene private Kopie an</a:t>
-            </a:r>
-          </a:p>
-          <a:p>
-            <a:r>
-              <a:rPr lang="de-DE" sz="1200" kern="1200" dirty="0">
-                <a:solidFill>
-                  <a:schemeClr val="tx1"/>
-                </a:solidFill>
-                <a:effectLst/>
-                <a:latin typeface="+mn-lt"/>
-                <a:ea typeface="+mn-ea"/>
-                <a:cs typeface="+mn-cs"/>
-              </a:rPr>
-              <a:t>jeder Thread greift nur auf seine eigene Speicherstelle in seinem Ausführungskontext zu</a:t>
-            </a:r>
-          </a:p>
-          <a:p>
-            <a:r>
-              <a:rPr lang="de-DE" sz="1200" kern="1200" dirty="0">
-                <a:solidFill>
-                  <a:schemeClr val="tx1"/>
-                </a:solidFill>
-                <a:effectLst/>
-                <a:latin typeface="+mn-lt"/>
-                <a:ea typeface="+mn-ea"/>
-                <a:cs typeface="+mn-cs"/>
-              </a:rPr>
-              <a:t>nicht zugreifbar für andere Threads</a:t>
-            </a:r>
-          </a:p>
-          <a:p>
-            <a:r>
-              <a:rPr lang="de-DE" sz="1200" kern="1200" dirty="0">
-                <a:solidFill>
-                  <a:schemeClr val="tx1"/>
-                </a:solidFill>
-                <a:effectLst/>
-                <a:latin typeface="+mn-lt"/>
-                <a:ea typeface="+mn-ea"/>
-                <a:cs typeface="+mn-cs"/>
-              </a:rPr>
-              <a:t>existiert nur während der Ausführung einer parallelen Region</a:t>
-            </a:r>
-          </a:p>
-          <a:p>
-            <a:r>
-              <a:rPr lang="de-DE" sz="1200" kern="1200" dirty="0">
-                <a:solidFill>
-                  <a:schemeClr val="tx1"/>
-                </a:solidFill>
-                <a:effectLst/>
-                <a:latin typeface="+mn-lt"/>
-                <a:ea typeface="+mn-ea"/>
-                <a:cs typeface="+mn-cs"/>
-              </a:rPr>
-              <a:t>Wert beim Eintritt und Austritt in die parallele Region undefiniert</a:t>
-            </a:r>
             <a:endParaRPr lang="de-DE" dirty="0"/>
           </a:p>
         </p:txBody>
@@ -778,7 +630,7 @@
           <a:p>
             <a:fld id="{67F32239-C198-46BF-8243-3DEE8544CFAA}" type="slidenum">
               <a:rPr lang="de-DE" smtClean="0"/>
-              <a:t>8</a:t>
+              <a:t>6</a:t>
             </a:fld>
             <a:endParaRPr lang="de-DE"/>
           </a:p>
@@ -787,7 +639,7 @@
     </p:spTree>
     <p:extLst>
       <p:ext uri="{BB962C8B-B14F-4D97-AF65-F5344CB8AC3E}">
-        <p14:creationId xmlns:p14="http://schemas.microsoft.com/office/powerpoint/2010/main" val="1659285144"/>
+        <p14:creationId xmlns:p14="http://schemas.microsoft.com/office/powerpoint/2010/main" val="810675153"/>
       </p:ext>
     </p:extLst>
   </p:cSld>
@@ -841,6 +693,155 @@
           <a:bodyPr/>
           <a:lstStyle/>
           <a:p>
+            <a:r>
+              <a:rPr lang="de-DE" sz="1200" kern="1200" dirty="0">
+                <a:solidFill>
+                  <a:schemeClr val="tx1"/>
+                </a:solidFill>
+                <a:effectLst/>
+                <a:latin typeface="+mn-lt"/>
+                <a:ea typeface="+mn-ea"/>
+                <a:cs typeface="+mn-cs"/>
+              </a:rPr>
+              <a:t>Gemeinsame Daten:</a:t>
+            </a:r>
+          </a:p>
+          <a:p>
+            <a:r>
+              <a:rPr lang="de-DE" sz="1200" kern="1200" dirty="0">
+                <a:solidFill>
+                  <a:schemeClr val="tx1"/>
+                </a:solidFill>
+                <a:effectLst/>
+                <a:latin typeface="+mn-lt"/>
+                <a:ea typeface="+mn-ea"/>
+                <a:cs typeface="+mn-cs"/>
+              </a:rPr>
+              <a:t>sind allen Threads bekannt und von diesen zugreifbar</a:t>
+            </a:r>
+          </a:p>
+          <a:p>
+            <a:r>
+              <a:rPr lang="de-DE" sz="1200" kern="1200" dirty="0">
+                <a:solidFill>
+                  <a:schemeClr val="tx1"/>
+                </a:solidFill>
+                <a:effectLst/>
+                <a:latin typeface="+mn-lt"/>
+                <a:ea typeface="+mn-ea"/>
+                <a:cs typeface="+mn-cs"/>
+              </a:rPr>
+              <a:t>alle Threads, die auf diese Daten zugreifen, greifen auf die selbe Speicherstelle zu</a:t>
+            </a:r>
+          </a:p>
+          <a:p>
+            <a:r>
+              <a:rPr lang="de-DE" sz="1200" kern="1200" dirty="0">
+                <a:solidFill>
+                  <a:schemeClr val="tx1"/>
+                </a:solidFill>
+                <a:effectLst/>
+                <a:latin typeface="+mn-lt"/>
+                <a:ea typeface="+mn-ea"/>
+                <a:cs typeface="+mn-cs"/>
+              </a:rPr>
+              <a:t>Threads kommunizieren miteinander oder synchronisieren sich über gemeinsame Daten</a:t>
+            </a:r>
+          </a:p>
+          <a:p>
+            <a:endParaRPr lang="de-DE" sz="1200" kern="1200" dirty="0">
+              <a:solidFill>
+                <a:schemeClr val="tx1"/>
+              </a:solidFill>
+              <a:effectLst/>
+              <a:latin typeface="+mn-lt"/>
+              <a:ea typeface="+mn-ea"/>
+              <a:cs typeface="+mn-cs"/>
+            </a:endParaRPr>
+          </a:p>
+          <a:p>
+            <a:r>
+              <a:rPr lang="de-DE" sz="1200" kern="1200" dirty="0">
+                <a:solidFill>
+                  <a:schemeClr val="tx1"/>
+                </a:solidFill>
+                <a:effectLst/>
+                <a:latin typeface="+mn-lt"/>
+                <a:ea typeface="+mn-ea"/>
+                <a:cs typeface="+mn-cs"/>
+              </a:rPr>
+              <a:t>Private Daten:</a:t>
+            </a:r>
+          </a:p>
+          <a:p>
+            <a:r>
+              <a:rPr lang="de-DE" sz="1200" kern="1200" dirty="0">
+                <a:solidFill>
+                  <a:schemeClr val="tx1"/>
+                </a:solidFill>
+                <a:effectLst/>
+                <a:latin typeface="+mn-lt"/>
+                <a:ea typeface="+mn-ea"/>
+                <a:cs typeface="+mn-cs"/>
+              </a:rPr>
+              <a:t>jeder Thread legt seine eigene private Kopie an</a:t>
+            </a:r>
+          </a:p>
+          <a:p>
+            <a:r>
+              <a:rPr lang="de-DE" sz="1200" kern="1200" dirty="0">
+                <a:solidFill>
+                  <a:schemeClr val="tx1"/>
+                </a:solidFill>
+                <a:effectLst/>
+                <a:latin typeface="+mn-lt"/>
+                <a:ea typeface="+mn-ea"/>
+                <a:cs typeface="+mn-cs"/>
+              </a:rPr>
+              <a:t>jeder Thread greift nur auf seine eigene Speicherstelle in seinem Ausführungskontext zu</a:t>
+            </a:r>
+          </a:p>
+          <a:p>
+            <a:r>
+              <a:rPr lang="de-DE" sz="1200" kern="1200" dirty="0">
+                <a:solidFill>
+                  <a:schemeClr val="tx1"/>
+                </a:solidFill>
+                <a:effectLst/>
+                <a:latin typeface="+mn-lt"/>
+                <a:ea typeface="+mn-ea"/>
+                <a:cs typeface="+mn-cs"/>
+              </a:rPr>
+              <a:t>nicht zugreifbar für andere Threads</a:t>
+            </a:r>
+          </a:p>
+          <a:p>
+            <a:r>
+              <a:rPr lang="de-DE" sz="1200" kern="1200" dirty="0">
+                <a:solidFill>
+                  <a:schemeClr val="tx1"/>
+                </a:solidFill>
+                <a:effectLst/>
+                <a:latin typeface="+mn-lt"/>
+                <a:ea typeface="+mn-ea"/>
+                <a:cs typeface="+mn-cs"/>
+              </a:rPr>
+              <a:t>existiert nur während der Ausführung einer parallelen Region</a:t>
+            </a:r>
+          </a:p>
+          <a:p>
+            <a:r>
+              <a:rPr lang="de-DE" sz="1200" kern="1200" dirty="0">
+                <a:solidFill>
+                  <a:schemeClr val="tx1"/>
+                </a:solidFill>
+                <a:effectLst/>
+                <a:latin typeface="+mn-lt"/>
+                <a:ea typeface="+mn-ea"/>
+                <a:cs typeface="+mn-cs"/>
+              </a:rPr>
+              <a:t>Wert beim Eintritt und Austritt in die parallele Region undefiniert</a:t>
+            </a:r>
             <a:endParaRPr lang="de-DE" dirty="0"/>
           </a:p>
         </p:txBody>
@@ -862,7 +863,7 @@
           <a:p>
             <a:fld id="{67F32239-C198-46BF-8243-3DEE8544CFAA}" type="slidenum">
               <a:rPr lang="de-DE" smtClean="0"/>
-              <a:t>14</a:t>
+              <a:t>9</a:t>
             </a:fld>
             <a:endParaRPr lang="de-DE"/>
           </a:p>
@@ -871,7 +872,7 @@
     </p:spTree>
     <p:extLst>
       <p:ext uri="{BB962C8B-B14F-4D97-AF65-F5344CB8AC3E}">
-        <p14:creationId xmlns:p14="http://schemas.microsoft.com/office/powerpoint/2010/main" val="1955124107"/>
+        <p14:creationId xmlns:p14="http://schemas.microsoft.com/office/powerpoint/2010/main" val="1659285144"/>
       </p:ext>
     </p:extLst>
   </p:cSld>
@@ -946,7 +947,91 @@
           <a:p>
             <a:fld id="{67F32239-C198-46BF-8243-3DEE8544CFAA}" type="slidenum">
               <a:rPr lang="de-DE" smtClean="0"/>
-              <a:t>16</a:t>
+              <a:t>15</a:t>
+            </a:fld>
+            <a:endParaRPr lang="de-DE"/>
+          </a:p>
+        </p:txBody>
+      </p:sp>
+    </p:spTree>
+    <p:extLst>
+      <p:ext uri="{BB962C8B-B14F-4D97-AF65-F5344CB8AC3E}">
+        <p14:creationId xmlns:p14="http://schemas.microsoft.com/office/powerpoint/2010/main" val="1955124107"/>
+      </p:ext>
+    </p:extLst>
+  </p:cSld>
+  <p:clrMapOvr>
+    <a:masterClrMapping/>
+  </p:clrMapOvr>
+</p:notes>
+</file>
+
+<file path=ppt/notesSlides/notesSlide5.xml><?xml version="1.0" encoding="utf-8"?>
+<p:notes xmlns:a="http://schemas.openxmlformats.org/drawingml/2006/main" xmlns:r="http://schemas.openxmlformats.org/officeDocument/2006/relationships" xmlns:p="http://schemas.openxmlformats.org/presentationml/2006/main">
+  <p:cSld>
+    <p:spTree>
+      <p:nvGrpSpPr>
+        <p:cNvPr id="1" name=""/>
+        <p:cNvGrpSpPr/>
+        <p:nvPr/>
+      </p:nvGrpSpPr>
+      <p:grpSpPr>
+        <a:xfrm>
+          <a:off x="0" y="0"/>
+          <a:ext cx="0" cy="0"/>
+          <a:chOff x="0" y="0"/>
+          <a:chExt cx="0" cy="0"/>
+        </a:xfrm>
+      </p:grpSpPr>
+      <p:sp>
+        <p:nvSpPr>
+          <p:cNvPr id="2" name="Folienbildplatzhalter 1"/>
+          <p:cNvSpPr>
+            <a:spLocks noGrp="1" noRot="1" noChangeAspect="1"/>
+          </p:cNvSpPr>
+          <p:nvPr>
+            <p:ph type="sldImg"/>
+          </p:nvPr>
+        </p:nvSpPr>
+        <p:spPr/>
+      </p:sp>
+      <p:sp>
+        <p:nvSpPr>
+          <p:cNvPr id="3" name="Notizenplatzhalter 2"/>
+          <p:cNvSpPr>
+            <a:spLocks noGrp="1"/>
+          </p:cNvSpPr>
+          <p:nvPr>
+            <p:ph type="body" idx="1"/>
+          </p:nvPr>
+        </p:nvSpPr>
+        <p:spPr/>
+        <p:txBody>
+          <a:bodyPr/>
+          <a:lstStyle/>
+          <a:p>
+            <a:endParaRPr lang="de-DE" dirty="0"/>
+          </a:p>
+        </p:txBody>
+      </p:sp>
+      <p:sp>
+        <p:nvSpPr>
+          <p:cNvPr id="4" name="Foliennummernplatzhalter 3"/>
+          <p:cNvSpPr>
+            <a:spLocks noGrp="1"/>
+          </p:cNvSpPr>
+          <p:nvPr>
+            <p:ph type="sldNum" sz="quarter" idx="5"/>
+          </p:nvPr>
+        </p:nvSpPr>
+        <p:spPr/>
+        <p:txBody>
+          <a:bodyPr/>
+          <a:lstStyle/>
+          <a:p>
+            <a:fld id="{67F32239-C198-46BF-8243-3DEE8544CFAA}" type="slidenum">
+              <a:rPr lang="de-DE" smtClean="0"/>
+              <a:t>17</a:t>
             </a:fld>
             <a:endParaRPr lang="de-DE"/>
           </a:p>
@@ -1112,7 +1197,7 @@
           <a:p>
             <a:fld id="{B5E8A55B-A329-4846-8D76-CA2F32F53923}" type="datetimeFigureOut">
               <a:rPr lang="de-DE" smtClean="0"/>
-              <a:t>09.02.20</a:t>
+              <a:t>10.02.20</a:t>
             </a:fld>
             <a:endParaRPr lang="de-DE"/>
           </a:p>
@@ -1310,7 +1395,7 @@
           <a:p>
             <a:fld id="{B5E8A55B-A329-4846-8D76-CA2F32F53923}" type="datetimeFigureOut">
               <a:rPr lang="de-DE" smtClean="0"/>
-              <a:t>09.02.20</a:t>
+              <a:t>10.02.20</a:t>
             </a:fld>
             <a:endParaRPr lang="de-DE"/>
           </a:p>
@@ -1518,7 +1603,7 @@
           <a:p>
             <a:fld id="{B5E8A55B-A329-4846-8D76-CA2F32F53923}" type="datetimeFigureOut">
               <a:rPr lang="de-DE" smtClean="0"/>
-              <a:t>09.02.20</a:t>
+              <a:t>10.02.20</a:t>
             </a:fld>
             <a:endParaRPr lang="de-DE"/>
           </a:p>
@@ -1716,7 +1801,7 @@
           <a:p>
             <a:fld id="{B5E8A55B-A329-4846-8D76-CA2F32F53923}" type="datetimeFigureOut">
               <a:rPr lang="de-DE" smtClean="0"/>
-              <a:t>09.02.20</a:t>
+              <a:t>10.02.20</a:t>
             </a:fld>
             <a:endParaRPr lang="de-DE"/>
           </a:p>
@@ -1991,7 +2076,7 @@
           <a:p>
             <a:fld id="{B5E8A55B-A329-4846-8D76-CA2F32F53923}" type="datetimeFigureOut">
               <a:rPr lang="de-DE" smtClean="0"/>
-              <a:t>09.02.20</a:t>
+              <a:t>10.02.20</a:t>
             </a:fld>
             <a:endParaRPr lang="de-DE"/>
           </a:p>
@@ -2256,7 +2341,7 @@
           <a:p>
             <a:fld id="{B5E8A55B-A329-4846-8D76-CA2F32F53923}" type="datetimeFigureOut">
               <a:rPr lang="de-DE" smtClean="0"/>
-              <a:t>09.02.20</a:t>
+              <a:t>10.02.20</a:t>
             </a:fld>
             <a:endParaRPr lang="de-DE"/>
           </a:p>
@@ -2668,7 +2753,7 @@
           <a:p>
             <a:fld id="{B5E8A55B-A329-4846-8D76-CA2F32F53923}" type="datetimeFigureOut">
               <a:rPr lang="de-DE" smtClean="0"/>
-              <a:t>09.02.20</a:t>
+              <a:t>10.02.20</a:t>
             </a:fld>
             <a:endParaRPr lang="de-DE"/>
           </a:p>
@@ -2809,7 +2894,7 @@
           <a:p>
             <a:fld id="{B5E8A55B-A329-4846-8D76-CA2F32F53923}" type="datetimeFigureOut">
               <a:rPr lang="de-DE" smtClean="0"/>
-              <a:t>09.02.20</a:t>
+              <a:t>10.02.20</a:t>
             </a:fld>
             <a:endParaRPr lang="de-DE"/>
           </a:p>
@@ -2922,7 +3007,7 @@
           <a:p>
             <a:fld id="{B5E8A55B-A329-4846-8D76-CA2F32F53923}" type="datetimeFigureOut">
               <a:rPr lang="de-DE" smtClean="0"/>
-              <a:t>09.02.20</a:t>
+              <a:t>10.02.20</a:t>
             </a:fld>
             <a:endParaRPr lang="de-DE"/>
           </a:p>
@@ -3233,7 +3318,7 @@
           <a:p>
             <a:fld id="{B5E8A55B-A329-4846-8D76-CA2F32F53923}" type="datetimeFigureOut">
               <a:rPr lang="de-DE" smtClean="0"/>
-              <a:t>09.02.20</a:t>
+              <a:t>10.02.20</a:t>
             </a:fld>
             <a:endParaRPr lang="de-DE"/>
           </a:p>
@@ -3521,7 +3606,7 @@
           <a:p>
             <a:fld id="{B5E8A55B-A329-4846-8D76-CA2F32F53923}" type="datetimeFigureOut">
               <a:rPr lang="de-DE" smtClean="0"/>
-              <a:t>09.02.20</a:t>
+              <a:t>10.02.20</a:t>
             </a:fld>
             <a:endParaRPr lang="de-DE"/>
           </a:p>
@@ -3762,7 +3847,7 @@
           <a:p>
             <a:fld id="{B5E8A55B-A329-4846-8D76-CA2F32F53923}" type="datetimeFigureOut">
               <a:rPr lang="de-DE" smtClean="0"/>
-              <a:t>09.02.20</a:t>
+              <a:t>10.02.20</a:t>
             </a:fld>
             <a:endParaRPr lang="de-DE"/>
           </a:p>
@@ -4457,6 +4542,14 @@
 <file path=ppt/slides/slide10.xml><?xml version="1.0" encoding="utf-8"?>
 <p:sld xmlns:a="http://schemas.openxmlformats.org/drawingml/2006/main" xmlns:r="http://schemas.openxmlformats.org/officeDocument/2006/relationships" xmlns:p="http://schemas.openxmlformats.org/presentationml/2006/main">
   <p:cSld>
+    <p:bg>
+      <p:bgPr>
+        <a:solidFill>
+          <a:schemeClr val="bg1"/>
+        </a:solidFill>
+        <a:effectLst/>
+      </p:bgPr>
+    </p:bg>
     <p:spTree>
       <p:nvGrpSpPr>
         <p:cNvPr id="1" name=""/>
@@ -4473,6 +4566,233 @@
       </p:grpSpPr>
       <p:sp>
         <p:nvSpPr>
+          <p:cNvPr id="8" name="Rectangle 7">
+            <a:extLst>
+              <a:ext uri="{FF2B5EF4-FFF2-40B4-BE49-F238E27FC236}">
+                <a16:creationId xmlns:a16="http://schemas.microsoft.com/office/drawing/2014/main" id="{8D70B121-56F4-4848-B38B-182089D909FA}"/>
+              </a:ext>
+              <a:ext uri="{C183D7F6-B498-43B3-948B-1728B52AA6E4}">
+                <adec:decorative xmlns:adec="http://schemas.microsoft.com/office/drawing/2017/decorative" val="1"/>
+              </a:ext>
+            </a:extLst>
+          </p:cNvPr>
+          <p:cNvSpPr>
+            <a:spLocks noGrp="1" noRot="1" noChangeAspect="1" noMove="1" noResize="1" noEditPoints="1" noAdjustHandles="1" noChangeArrowheads="1" noChangeShapeType="1" noTextEdit="1"/>
+          </p:cNvSpPr>
+          <p:nvPr>
+            <p:extLst>
+              <p:ext uri="{386F3935-93C4-4BCD-93E2-E3B085C9AB24}">
+                <p16:designElem xmlns:p16="http://schemas.microsoft.com/office/powerpoint/2015/main" val="1"/>
+              </p:ext>
+            </p:extLst>
+          </p:nvPr>
+        </p:nvSpPr>
+        <p:spPr bwMode="ltGray">
+          <a:xfrm>
+            <a:off x="321564" y="320040"/>
+            <a:ext cx="11548872" cy="6217920"/>
+          </a:xfrm>
+          <a:prstGeom prst="rect">
+            <a:avLst/>
+          </a:prstGeom>
+          <a:solidFill>
+            <a:schemeClr val="tx1">
+              <a:alpha val="8000"/>
+            </a:schemeClr>
+          </a:solidFill>
+          <a:ln w="127000" cap="sq" cmpd="thinThick">
+            <a:noFill/>
+          </a:ln>
+        </p:spPr>
+        <p:style>
+          <a:lnRef idx="2">
+            <a:schemeClr val="accent1">
+              <a:shade val="50000"/>
+            </a:schemeClr>
+          </a:lnRef>
+          <a:fillRef idx="1">
+            <a:schemeClr val="accent1"/>
+          </a:fillRef>
+          <a:effectRef idx="0">
+            <a:schemeClr val="accent1"/>
+          </a:effectRef>
+          <a:fontRef idx="minor">
+            <a:schemeClr val="lt1"/>
+          </a:fontRef>
+        </p:style>
+        <p:txBody>
+          <a:bodyPr rtlCol="0" anchor="ctr"/>
+          <a:lstStyle/>
+          <a:p>
+            <a:pPr algn="ctr"/>
+            <a:endParaRPr lang="en-US"/>
+          </a:p>
+        </p:txBody>
+      </p:sp>
+      <p:sp>
+        <p:nvSpPr>
+          <p:cNvPr id="2" name="Titel 1">
+            <a:extLst>
+              <a:ext uri="{FF2B5EF4-FFF2-40B4-BE49-F238E27FC236}">
+                <a16:creationId xmlns:a16="http://schemas.microsoft.com/office/drawing/2014/main" id="{F64D71EF-2811-4B48-99D6-C2EB90DA3653}"/>
+              </a:ext>
+            </a:extLst>
+          </p:cNvPr>
+          <p:cNvSpPr>
+            <a:spLocks noGrp="1"/>
+          </p:cNvSpPr>
+          <p:nvPr>
+            <p:ph type="title"/>
+          </p:nvPr>
+        </p:nvSpPr>
+        <p:spPr>
+          <a:xfrm>
+            <a:off x="838200" y="963877"/>
+            <a:ext cx="3494362" cy="4930246"/>
+          </a:xfrm>
+        </p:spPr>
+        <p:txBody>
+          <a:bodyPr>
+            <a:normAutofit/>
+          </a:bodyPr>
+          <a:lstStyle/>
+          <a:p>
+            <a:pPr algn="r"/>
+            <a:r>
+              <a:rPr lang="en-US">
+                <a:solidFill>
+                  <a:schemeClr val="accent1"/>
+                </a:solidFill>
+              </a:rPr>
+              <a:t>OpenMP - Sections</a:t>
+            </a:r>
+            <a:endParaRPr lang="de-DE">
+              <a:solidFill>
+                <a:schemeClr val="accent1"/>
+              </a:solidFill>
+            </a:endParaRPr>
+          </a:p>
+        </p:txBody>
+      </p:sp>
+      <p:cxnSp>
+        <p:nvCxnSpPr>
+          <p:cNvPr id="10" name="Straight Connector 9">
+            <a:extLst>
+              <a:ext uri="{FF2B5EF4-FFF2-40B4-BE49-F238E27FC236}">
+                <a16:creationId xmlns:a16="http://schemas.microsoft.com/office/drawing/2014/main" id="{2D72A2C9-F3CA-4216-8BAD-FA4C970C3C4E}"/>
+              </a:ext>
+              <a:ext uri="{C183D7F6-B498-43B3-948B-1728B52AA6E4}">
+                <adec:decorative xmlns:adec="http://schemas.microsoft.com/office/drawing/2017/decorative" val="1"/>
+              </a:ext>
+            </a:extLst>
+          </p:cNvPr>
+          <p:cNvCxnSpPr>
+            <a:cxnSpLocks noGrp="1" noRot="1" noChangeAspect="1" noMove="1" noResize="1" noEditPoints="1" noAdjustHandles="1" noChangeArrowheads="1" noChangeShapeType="1"/>
+          </p:cNvCxnSpPr>
+          <p:nvPr>
+            <p:extLst>
+              <p:ext uri="{386F3935-93C4-4BCD-93E2-E3B085C9AB24}">
+                <p16:designElem xmlns:p16="http://schemas.microsoft.com/office/powerpoint/2015/main" val="1"/>
+              </p:ext>
+            </p:extLst>
+          </p:nvPr>
+        </p:nvCxnSpPr>
+        <p:spPr>
+          <a:xfrm>
+            <a:off x="4654296" y="2057400"/>
+            <a:ext cx="0" cy="2743200"/>
+          </a:xfrm>
+          <a:prstGeom prst="line">
+            <a:avLst/>
+          </a:prstGeom>
+          <a:ln w="19050">
+            <a:solidFill>
+              <a:schemeClr val="tx1">
+                <a:lumMod val="85000"/>
+                <a:lumOff val="15000"/>
+              </a:schemeClr>
+            </a:solidFill>
+          </a:ln>
+        </p:spPr>
+        <p:style>
+          <a:lnRef idx="1">
+            <a:schemeClr val="accent1"/>
+          </a:lnRef>
+          <a:fillRef idx="0">
+            <a:schemeClr val="accent1"/>
+          </a:fillRef>
+          <a:effectRef idx="0">
+            <a:schemeClr val="accent1"/>
+          </a:effectRef>
+          <a:fontRef idx="minor">
+            <a:schemeClr val="tx1"/>
+          </a:fontRef>
+        </p:style>
+      </p:cxnSp>
+      <p:sp>
+        <p:nvSpPr>
+          <p:cNvPr id="3" name="Inhaltsplatzhalter 2">
+            <a:extLst>
+              <a:ext uri="{FF2B5EF4-FFF2-40B4-BE49-F238E27FC236}">
+                <a16:creationId xmlns:a16="http://schemas.microsoft.com/office/drawing/2014/main" id="{8A90385B-4556-43EB-8171-A773E7ED7A35}"/>
+              </a:ext>
+            </a:extLst>
+          </p:cNvPr>
+          <p:cNvSpPr>
+            <a:spLocks noGrp="1"/>
+          </p:cNvSpPr>
+          <p:nvPr>
+            <p:ph idx="1"/>
+          </p:nvPr>
+        </p:nvSpPr>
+        <p:spPr>
+          <a:xfrm>
+            <a:off x="4976031" y="963877"/>
+            <a:ext cx="6377769" cy="4930246"/>
+          </a:xfrm>
+        </p:spPr>
+        <p:txBody>
+          <a:bodyPr anchor="ctr">
+            <a:normAutofit/>
+          </a:bodyPr>
+          <a:lstStyle/>
+          <a:p>
+            <a:endParaRPr lang="de-DE" sz="2400"/>
+          </a:p>
+        </p:txBody>
+      </p:sp>
+    </p:spTree>
+    <p:extLst>
+      <p:ext uri="{BB962C8B-B14F-4D97-AF65-F5344CB8AC3E}">
+        <p14:creationId xmlns:p14="http://schemas.microsoft.com/office/powerpoint/2010/main" val="1129215958"/>
+      </p:ext>
+    </p:extLst>
+  </p:cSld>
+  <p:clrMapOvr>
+    <a:masterClrMapping/>
+  </p:clrMapOvr>
+</p:sld>
+</file>
+
+<file path=ppt/slides/slide11.xml><?xml version="1.0" encoding="utf-8"?>
+<p:sld xmlns:a="http://schemas.openxmlformats.org/drawingml/2006/main" xmlns:r="http://schemas.openxmlformats.org/officeDocument/2006/relationships" xmlns:p="http://schemas.openxmlformats.org/presentationml/2006/main">
+  <p:cSld>
+    <p:spTree>
+      <p:nvGrpSpPr>
+        <p:cNvPr id="1" name=""/>
+        <p:cNvGrpSpPr/>
+        <p:nvPr/>
+      </p:nvGrpSpPr>
+      <p:grpSpPr>
+        <a:xfrm>
+          <a:off x="0" y="0"/>
+          <a:ext cx="0" cy="0"/>
+          <a:chOff x="0" y="0"/>
+          <a:chExt cx="0" cy="0"/>
+        </a:xfrm>
+      </p:grpSpPr>
+      <p:sp>
+        <p:nvSpPr>
           <p:cNvPr id="2" name="Titel 1">
             <a:extLst>
               <a:ext uri="{FF2B5EF4-FFF2-40B4-BE49-F238E27FC236}">
@@ -4502,10 +4822,10 @@
       </p:sp>
       <p:sp>
         <p:nvSpPr>
-          <p:cNvPr id="4" name="Textplatzhalter 3">
-            <a:extLst>
-              <a:ext uri="{FF2B5EF4-FFF2-40B4-BE49-F238E27FC236}">
-                <a16:creationId xmlns:a16="http://schemas.microsoft.com/office/drawing/2014/main" id="{1BE5769B-2C6A-4DEC-B4CE-7A8B725E89C8}"/>
+          <p:cNvPr id="3" name="Inhaltsplatzhalter 2">
+            <a:extLst>
+              <a:ext uri="{FF2B5EF4-FFF2-40B4-BE49-F238E27FC236}">
+                <a16:creationId xmlns:a16="http://schemas.microsoft.com/office/drawing/2014/main" id="{8E71139A-310F-44D6-859A-E656BE8B871B}"/>
               </a:ext>
             </a:extLst>
           </p:cNvPr>
@@ -4513,7 +4833,7 @@
             <a:spLocks noGrp="1"/>
           </p:cNvSpPr>
           <p:nvPr>
-            <p:ph type="body" idx="1"/>
+            <p:ph sz="half" idx="2"/>
           </p:nvPr>
         </p:nvSpPr>
         <p:spPr/>
@@ -4521,34 +4841,14 @@
           <a:bodyPr/>
           <a:lstStyle/>
           <a:p>
-            <a:r>
-              <a:rPr lang="en-US" dirty="0" err="1"/>
-              <a:t>Vorteile</a:t>
-            </a:r>
-            <a:endParaRPr lang="de-DE" dirty="0"/>
-          </a:p>
-        </p:txBody>
-      </p:sp>
-      <p:sp>
-        <p:nvSpPr>
-          <p:cNvPr id="3" name="Inhaltsplatzhalter 2">
-            <a:extLst>
-              <a:ext uri="{FF2B5EF4-FFF2-40B4-BE49-F238E27FC236}">
-                <a16:creationId xmlns:a16="http://schemas.microsoft.com/office/drawing/2014/main" id="{8E71139A-310F-44D6-859A-E656BE8B871B}"/>
-              </a:ext>
-            </a:extLst>
-          </p:cNvPr>
-          <p:cNvSpPr>
-            <a:spLocks noGrp="1"/>
-          </p:cNvSpPr>
-          <p:nvPr>
-            <p:ph sz="half" idx="2"/>
-          </p:nvPr>
-        </p:nvSpPr>
-        <p:spPr/>
-        <p:txBody>
-          <a:bodyPr/>
-          <a:lstStyle/>
+            <a:pPr marL="0" indent="0">
+              <a:buNone/>
+            </a:pPr>
+            <a:r>
+              <a:rPr lang="de-DE" b="1" dirty="0"/>
+              <a:t>Vorteile:</a:t>
+            </a:r>
+          </a:p>
           <a:p>
             <a:r>
               <a:rPr lang="de-DE" dirty="0"/>
@@ -4574,10 +4874,10 @@
       </p:sp>
       <p:sp>
         <p:nvSpPr>
-          <p:cNvPr id="5" name="Textplatzhalter 4">
-            <a:extLst>
-              <a:ext uri="{FF2B5EF4-FFF2-40B4-BE49-F238E27FC236}">
-                <a16:creationId xmlns:a16="http://schemas.microsoft.com/office/drawing/2014/main" id="{75D614F6-E68E-4420-8137-EC07E0C0E2FA}"/>
+          <p:cNvPr id="6" name="Inhaltsplatzhalter 5">
+            <a:extLst>
+              <a:ext uri="{FF2B5EF4-FFF2-40B4-BE49-F238E27FC236}">
+                <a16:creationId xmlns:a16="http://schemas.microsoft.com/office/drawing/2014/main" id="{AACDD7B1-CEDE-44D9-8B47-98BE114AAB3F}"/>
               </a:ext>
             </a:extLst>
           </p:cNvPr>
@@ -4585,7 +4885,7 @@
             <a:spLocks noGrp="1"/>
           </p:cNvSpPr>
           <p:nvPr>
-            <p:ph type="body" sz="quarter" idx="3"/>
+            <p:ph sz="quarter" idx="4"/>
           </p:nvPr>
         </p:nvSpPr>
         <p:spPr/>
@@ -4593,34 +4893,19 @@
           <a:bodyPr/>
           <a:lstStyle/>
           <a:p>
-            <a:r>
-              <a:rPr lang="en-US" dirty="0" err="1"/>
+            <a:pPr marL="0" indent="0">
+              <a:buNone/>
+            </a:pPr>
+            <a:r>
+              <a:rPr lang="de-DE" b="1" dirty="0"/>
               <a:t>Nachteile</a:t>
             </a:r>
-            <a:endParaRPr lang="de-DE" dirty="0"/>
-          </a:p>
-        </p:txBody>
-      </p:sp>
-      <p:sp>
-        <p:nvSpPr>
-          <p:cNvPr id="6" name="Inhaltsplatzhalter 5">
-            <a:extLst>
-              <a:ext uri="{FF2B5EF4-FFF2-40B4-BE49-F238E27FC236}">
-                <a16:creationId xmlns:a16="http://schemas.microsoft.com/office/drawing/2014/main" id="{AACDD7B1-CEDE-44D9-8B47-98BE114AAB3F}"/>
-              </a:ext>
-            </a:extLst>
-          </p:cNvPr>
-          <p:cNvSpPr>
-            <a:spLocks noGrp="1"/>
-          </p:cNvSpPr>
-          <p:nvPr>
-            <p:ph sz="quarter" idx="4"/>
-          </p:nvPr>
-        </p:nvSpPr>
-        <p:spPr/>
-        <p:txBody>
-          <a:bodyPr/>
-          <a:lstStyle/>
+            <a:r>
+              <a:rPr lang="en-US" b="1" dirty="0"/>
+              <a:t>:</a:t>
+            </a:r>
+            <a:endParaRPr lang="de-DE" b="1" dirty="0"/>
+          </a:p>
           <a:p>
             <a:r>
               <a:rPr lang="de-DE" dirty="0"/>
@@ -4661,7 +4946,7 @@
 </p:sld>
 </file>
 
-<file path=ppt/slides/slide11.xml><?xml version="1.0" encoding="utf-8"?>
+<file path=ppt/slides/slide12.xml><?xml version="1.0" encoding="utf-8"?>
 <p:sld xmlns:a="http://schemas.openxmlformats.org/drawingml/2006/main" xmlns:r="http://schemas.openxmlformats.org/officeDocument/2006/relationships" xmlns:p="http://schemas.openxmlformats.org/presentationml/2006/main">
   <p:cSld>
     <p:bg>
@@ -4953,7 +5238,7 @@
 </p:sld>
 </file>
 
-<file path=ppt/slides/slide12.xml><?xml version="1.0" encoding="utf-8"?>
+<file path=ppt/slides/slide13.xml><?xml version="1.0" encoding="utf-8"?>
 <p:sld xmlns:a="http://schemas.openxmlformats.org/drawingml/2006/main" xmlns:r="http://schemas.openxmlformats.org/officeDocument/2006/relationships" xmlns:p="http://schemas.openxmlformats.org/presentationml/2006/main">
   <p:cSld>
     <p:bg>
@@ -5201,263 +5486,6 @@
     <p:extLst>
       <p:ext uri="{BB962C8B-B14F-4D97-AF65-F5344CB8AC3E}">
         <p14:creationId xmlns:p14="http://schemas.microsoft.com/office/powerpoint/2010/main" val="2737949822"/>
-      </p:ext>
-    </p:extLst>
-  </p:cSld>
-  <p:clrMapOvr>
-    <a:masterClrMapping/>
-  </p:clrMapOvr>
-</p:sld>
-</file>
-
-<file path=ppt/slides/slide13.xml><?xml version="1.0" encoding="utf-8"?>
-<p:sld xmlns:a="http://schemas.openxmlformats.org/drawingml/2006/main" xmlns:r="http://schemas.openxmlformats.org/officeDocument/2006/relationships" xmlns:p="http://schemas.openxmlformats.org/presentationml/2006/main">
-  <p:cSld>
-    <p:bg>
-      <p:bgPr>
-        <a:solidFill>
-          <a:schemeClr val="bg1"/>
-        </a:solidFill>
-        <a:effectLst/>
-      </p:bgPr>
-    </p:bg>
-    <p:spTree>
-      <p:nvGrpSpPr>
-        <p:cNvPr id="1" name=""/>
-        <p:cNvGrpSpPr/>
-        <p:nvPr/>
-      </p:nvGrpSpPr>
-      <p:grpSpPr>
-        <a:xfrm>
-          <a:off x="0" y="0"/>
-          <a:ext cx="0" cy="0"/>
-          <a:chOff x="0" y="0"/>
-          <a:chExt cx="0" cy="0"/>
-        </a:xfrm>
-      </p:grpSpPr>
-      <p:sp>
-        <p:nvSpPr>
-          <p:cNvPr id="8" name="Rectangle 7">
-            <a:extLst>
-              <a:ext uri="{FF2B5EF4-FFF2-40B4-BE49-F238E27FC236}">
-                <a16:creationId xmlns:a16="http://schemas.microsoft.com/office/drawing/2014/main" id="{8D70B121-56F4-4848-B38B-182089D909FA}"/>
-              </a:ext>
-              <a:ext uri="{C183D7F6-B498-43B3-948B-1728B52AA6E4}">
-                <adec:decorative xmlns:adec="http://schemas.microsoft.com/office/drawing/2017/decorative" val="1"/>
-              </a:ext>
-            </a:extLst>
-          </p:cNvPr>
-          <p:cNvSpPr>
-            <a:spLocks noGrp="1" noRot="1" noChangeAspect="1" noMove="1" noResize="1" noEditPoints="1" noAdjustHandles="1" noChangeArrowheads="1" noChangeShapeType="1" noTextEdit="1"/>
-          </p:cNvSpPr>
-          <p:nvPr>
-            <p:extLst>
-              <p:ext uri="{386F3935-93C4-4BCD-93E2-E3B085C9AB24}">
-                <p16:designElem xmlns:p16="http://schemas.microsoft.com/office/powerpoint/2015/main" val="1"/>
-              </p:ext>
-            </p:extLst>
-          </p:nvPr>
-        </p:nvSpPr>
-        <p:spPr bwMode="ltGray">
-          <a:xfrm>
-            <a:off x="321564" y="320040"/>
-            <a:ext cx="11548872" cy="6217920"/>
-          </a:xfrm>
-          <a:prstGeom prst="rect">
-            <a:avLst/>
-          </a:prstGeom>
-          <a:solidFill>
-            <a:schemeClr val="tx1">
-              <a:alpha val="8000"/>
-            </a:schemeClr>
-          </a:solidFill>
-          <a:ln w="127000" cap="sq" cmpd="thinThick">
-            <a:noFill/>
-          </a:ln>
-        </p:spPr>
-        <p:style>
-          <a:lnRef idx="2">
-            <a:schemeClr val="accent1">
-              <a:shade val="50000"/>
-            </a:schemeClr>
-          </a:lnRef>
-          <a:fillRef idx="1">
-            <a:schemeClr val="accent1"/>
-          </a:fillRef>
-          <a:effectRef idx="0">
-            <a:schemeClr val="accent1"/>
-          </a:effectRef>
-          <a:fontRef idx="minor">
-            <a:schemeClr val="lt1"/>
-          </a:fontRef>
-        </p:style>
-        <p:txBody>
-          <a:bodyPr rtlCol="0" anchor="ctr"/>
-          <a:lstStyle/>
-          <a:p>
-            <a:pPr algn="ctr"/>
-            <a:endParaRPr lang="en-US"/>
-          </a:p>
-        </p:txBody>
-      </p:sp>
-      <p:sp>
-        <p:nvSpPr>
-          <p:cNvPr id="2" name="Titel 1">
-            <a:extLst>
-              <a:ext uri="{FF2B5EF4-FFF2-40B4-BE49-F238E27FC236}">
-                <a16:creationId xmlns:a16="http://schemas.microsoft.com/office/drawing/2014/main" id="{C7E3F825-1918-451E-B3AB-EE354B6B60AF}"/>
-              </a:ext>
-            </a:extLst>
-          </p:cNvPr>
-          <p:cNvSpPr>
-            <a:spLocks noGrp="1"/>
-          </p:cNvSpPr>
-          <p:nvPr>
-            <p:ph type="title"/>
-          </p:nvPr>
-        </p:nvSpPr>
-        <p:spPr>
-          <a:xfrm>
-            <a:off x="838200" y="963877"/>
-            <a:ext cx="3494362" cy="4930246"/>
-          </a:xfrm>
-        </p:spPr>
-        <p:txBody>
-          <a:bodyPr>
-            <a:normAutofit/>
-          </a:bodyPr>
-          <a:lstStyle/>
-          <a:p>
-            <a:pPr algn="r"/>
-            <a:r>
-              <a:rPr lang="de-DE">
-                <a:solidFill>
-                  <a:schemeClr val="accent1"/>
-                </a:solidFill>
-              </a:rPr>
-              <a:t>Übung 2 Game of Life</a:t>
-            </a:r>
-          </a:p>
-        </p:txBody>
-      </p:sp>
-      <p:cxnSp>
-        <p:nvCxnSpPr>
-          <p:cNvPr id="10" name="Straight Connector 9">
-            <a:extLst>
-              <a:ext uri="{FF2B5EF4-FFF2-40B4-BE49-F238E27FC236}">
-                <a16:creationId xmlns:a16="http://schemas.microsoft.com/office/drawing/2014/main" id="{2D72A2C9-F3CA-4216-8BAD-FA4C970C3C4E}"/>
-              </a:ext>
-              <a:ext uri="{C183D7F6-B498-43B3-948B-1728B52AA6E4}">
-                <adec:decorative xmlns:adec="http://schemas.microsoft.com/office/drawing/2017/decorative" val="1"/>
-              </a:ext>
-            </a:extLst>
-          </p:cNvPr>
-          <p:cNvCxnSpPr>
-            <a:cxnSpLocks noGrp="1" noRot="1" noChangeAspect="1" noMove="1" noResize="1" noEditPoints="1" noAdjustHandles="1" noChangeArrowheads="1" noChangeShapeType="1"/>
-          </p:cNvCxnSpPr>
-          <p:nvPr>
-            <p:extLst>
-              <p:ext uri="{386F3935-93C4-4BCD-93E2-E3B085C9AB24}">
-                <p16:designElem xmlns:p16="http://schemas.microsoft.com/office/powerpoint/2015/main" val="1"/>
-              </p:ext>
-            </p:extLst>
-          </p:nvPr>
-        </p:nvCxnSpPr>
-        <p:spPr>
-          <a:xfrm>
-            <a:off x="4654296" y="2057400"/>
-            <a:ext cx="0" cy="2743200"/>
-          </a:xfrm>
-          <a:prstGeom prst="line">
-            <a:avLst/>
-          </a:prstGeom>
-          <a:ln w="19050">
-            <a:solidFill>
-              <a:schemeClr val="tx1">
-                <a:lumMod val="85000"/>
-                <a:lumOff val="15000"/>
-              </a:schemeClr>
-            </a:solidFill>
-          </a:ln>
-        </p:spPr>
-        <p:style>
-          <a:lnRef idx="1">
-            <a:schemeClr val="accent1"/>
-          </a:lnRef>
-          <a:fillRef idx="0">
-            <a:schemeClr val="accent1"/>
-          </a:fillRef>
-          <a:effectRef idx="0">
-            <a:schemeClr val="accent1"/>
-          </a:effectRef>
-          <a:fontRef idx="minor">
-            <a:schemeClr val="tx1"/>
-          </a:fontRef>
-        </p:style>
-      </p:cxnSp>
-      <p:sp>
-        <p:nvSpPr>
-          <p:cNvPr id="3" name="Inhaltsplatzhalter 2">
-            <a:extLst>
-              <a:ext uri="{FF2B5EF4-FFF2-40B4-BE49-F238E27FC236}">
-                <a16:creationId xmlns:a16="http://schemas.microsoft.com/office/drawing/2014/main" id="{6EFFB83E-507E-4C9F-B3D5-EF05AE455650}"/>
-              </a:ext>
-            </a:extLst>
-          </p:cNvPr>
-          <p:cNvSpPr>
-            <a:spLocks noGrp="1"/>
-          </p:cNvSpPr>
-          <p:nvPr>
-            <p:ph idx="1"/>
-          </p:nvPr>
-        </p:nvSpPr>
-        <p:spPr>
-          <a:xfrm>
-            <a:off x="4976031" y="963877"/>
-            <a:ext cx="6377769" cy="4930246"/>
-          </a:xfrm>
-        </p:spPr>
-        <p:txBody>
-          <a:bodyPr anchor="ctr">
-            <a:normAutofit/>
-          </a:bodyPr>
-          <a:lstStyle/>
-          <a:p>
-            <a:r>
-              <a:rPr lang="en-US" sz="2400"/>
-              <a:t>Welcher Ansatz hat sich als bester zur Optimierung herausgestellt?</a:t>
-            </a:r>
-          </a:p>
-          <a:p>
-            <a:endParaRPr lang="en-US" sz="2400"/>
-          </a:p>
-          <a:p>
-            <a:endParaRPr lang="en-US" sz="2400"/>
-          </a:p>
-          <a:p>
-            <a:r>
-              <a:rPr lang="de-DE" sz="2400"/>
-              <a:t>Was könnten Probleme bei einer guten Optimierung sein?</a:t>
-            </a:r>
-          </a:p>
-          <a:p>
-            <a:endParaRPr lang="de-DE" sz="2400"/>
-          </a:p>
-          <a:p>
-            <a:endParaRPr lang="de-DE" sz="2400"/>
-          </a:p>
-          <a:p>
-            <a:r>
-              <a:rPr lang="de-DE" sz="2400"/>
-              <a:t>Ist das Beispiel anschaulich genug?</a:t>
-            </a:r>
-          </a:p>
-        </p:txBody>
-      </p:sp>
-    </p:spTree>
-    <p:extLst>
-      <p:ext uri="{BB962C8B-B14F-4D97-AF65-F5344CB8AC3E}">
-        <p14:creationId xmlns:p14="http://schemas.microsoft.com/office/powerpoint/2010/main" val="697228799"/>
       </p:ext>
     </p:extLst>
   </p:cSld>
@@ -5494,10 +5522,10 @@
       </p:grpSpPr>
       <p:sp>
         <p:nvSpPr>
-          <p:cNvPr id="12" name="Background Fill">
-            <a:extLst>
-              <a:ext uri="{FF2B5EF4-FFF2-40B4-BE49-F238E27FC236}">
-                <a16:creationId xmlns:a16="http://schemas.microsoft.com/office/drawing/2014/main" id="{3C915414-2809-4735-A560-0D5FE66700D8}"/>
+          <p:cNvPr id="8" name="Rectangle 7">
+            <a:extLst>
+              <a:ext uri="{FF2B5EF4-FFF2-40B4-BE49-F238E27FC236}">
+                <a16:creationId xmlns:a16="http://schemas.microsoft.com/office/drawing/2014/main" id="{8D70B121-56F4-4848-B38B-182089D909FA}"/>
               </a:ext>
               <a:ext uri="{C183D7F6-B498-43B3-948B-1728B52AA6E4}">
                 <adec:decorative xmlns:adec="http://schemas.microsoft.com/office/drawing/2017/decorative" val="1"/>
@@ -5515,20 +5543,20 @@
             </p:extLst>
           </p:nvPr>
         </p:nvSpPr>
-        <p:spPr>
+        <p:spPr bwMode="ltGray">
           <a:xfrm>
-            <a:off x="-1" y="-3382"/>
-            <a:ext cx="12188952" cy="6858000"/>
+            <a:off x="321564" y="320040"/>
+            <a:ext cx="11548872" cy="6217920"/>
           </a:xfrm>
           <a:prstGeom prst="rect">
             <a:avLst/>
           </a:prstGeom>
           <a:solidFill>
-            <a:schemeClr val="bg1">
-              <a:lumMod val="95000"/>
+            <a:schemeClr val="tx1">
+              <a:alpha val="8000"/>
             </a:schemeClr>
           </a:solidFill>
-          <a:ln w="50800">
+          <a:ln w="127000" cap="sq" cmpd="thinThick">
             <a:noFill/>
           </a:ln>
         </p:spPr>
@@ -5553,25 +5581,65 @@
           <a:lstStyle/>
           <a:p>
             <a:pPr algn="ctr"/>
-            <a:endParaRPr lang="en-US" dirty="0"/>
-          </a:p>
-        </p:txBody>
-      </p:sp>
-      <p:grpSp>
-        <p:nvGrpSpPr>
-          <p:cNvPr id="14" name="Grid">
-            <a:extLst>
-              <a:ext uri="{FF2B5EF4-FFF2-40B4-BE49-F238E27FC236}">
-                <a16:creationId xmlns:a16="http://schemas.microsoft.com/office/drawing/2014/main" id="{24413201-85BF-4680-A7D4-10CDBD03569C}"/>
+            <a:endParaRPr lang="en-US"/>
+          </a:p>
+        </p:txBody>
+      </p:sp>
+      <p:sp>
+        <p:nvSpPr>
+          <p:cNvPr id="2" name="Titel 1">
+            <a:extLst>
+              <a:ext uri="{FF2B5EF4-FFF2-40B4-BE49-F238E27FC236}">
+                <a16:creationId xmlns:a16="http://schemas.microsoft.com/office/drawing/2014/main" id="{C7E3F825-1918-451E-B3AB-EE354B6B60AF}"/>
+              </a:ext>
+            </a:extLst>
+          </p:cNvPr>
+          <p:cNvSpPr>
+            <a:spLocks noGrp="1"/>
+          </p:cNvSpPr>
+          <p:nvPr>
+            <p:ph type="title"/>
+          </p:nvPr>
+        </p:nvSpPr>
+        <p:spPr>
+          <a:xfrm>
+            <a:off x="838200" y="963877"/>
+            <a:ext cx="3494362" cy="4930246"/>
+          </a:xfrm>
+        </p:spPr>
+        <p:txBody>
+          <a:bodyPr>
+            <a:normAutofit/>
+          </a:bodyPr>
+          <a:lstStyle/>
+          <a:p>
+            <a:pPr algn="r"/>
+            <a:r>
+              <a:rPr lang="de-DE">
+                <a:solidFill>
+                  <a:schemeClr val="accent1"/>
+                </a:solidFill>
+              </a:rPr>
+              <a:t>Übung 2 Game of Life</a:t>
+            </a:r>
+          </a:p>
+        </p:txBody>
+      </p:sp>
+      <p:cxnSp>
+        <p:nvCxnSpPr>
+          <p:cNvPr id="10" name="Straight Connector 9">
+            <a:extLst>
+              <a:ext uri="{FF2B5EF4-FFF2-40B4-BE49-F238E27FC236}">
+                <a16:creationId xmlns:a16="http://schemas.microsoft.com/office/drawing/2014/main" id="{2D72A2C9-F3CA-4216-8BAD-FA4C970C3C4E}"/>
               </a:ext>
               <a:ext uri="{C183D7F6-B498-43B3-948B-1728B52AA6E4}">
                 <adec:decorative xmlns:adec="http://schemas.microsoft.com/office/drawing/2017/decorative" val="1"/>
               </a:ext>
             </a:extLst>
           </p:cNvPr>
-          <p:cNvGrpSpPr>
-            <a:grpSpLocks noGrp="1" noUngrp="1" noRot="1" noChangeAspect="1" noMove="1" noResize="1"/>
-          </p:cNvGrpSpPr>
+          <p:cNvCxnSpPr>
+            <a:cxnSpLocks noGrp="1" noRot="1" noChangeAspect="1" noMove="1" noResize="1" noEditPoints="1" noAdjustHandles="1" noChangeArrowheads="1" noChangeShapeType="1"/>
+          </p:cNvCxnSpPr>
           <p:nvPr>
             <p:extLst>
               <p:ext uri="{386F3935-93C4-4BCD-93E2-E3B085C9AB24}">
@@ -5579,1497 +5647,22 @@
               </p:ext>
             </p:extLst>
           </p:nvPr>
-        </p:nvGrpSpPr>
-        <p:grpSpPr>
-          <a:xfrm>
-            <a:off x="0" y="0"/>
-            <a:ext cx="12038471" cy="6858000"/>
-            <a:chOff x="0" y="-12406"/>
-            <a:chExt cx="12038471" cy="6858000"/>
-          </a:xfrm>
-        </p:grpSpPr>
-        <p:cxnSp>
-          <p:nvCxnSpPr>
-            <p:cNvPr id="15" name="Straight Connector 14">
-              <a:extLst>
-                <a:ext uri="{FF2B5EF4-FFF2-40B4-BE49-F238E27FC236}">
-                  <a16:creationId xmlns:a16="http://schemas.microsoft.com/office/drawing/2014/main" id="{1F819D8C-C8E5-4336-9882-79FBF6555189}"/>
-                </a:ext>
-                <a:ext uri="{C183D7F6-B498-43B3-948B-1728B52AA6E4}">
-                  <adec:decorative xmlns:adec="http://schemas.microsoft.com/office/drawing/2017/decorative" val="1"/>
-                </a:ext>
-              </a:extLst>
-            </p:cNvPr>
-            <p:cNvCxnSpPr/>
-            <p:nvPr>
-              <p:extLst>
-                <p:ext uri="{386F3935-93C4-4BCD-93E2-E3B085C9AB24}">
-                  <p16:designElem xmlns:p16="http://schemas.microsoft.com/office/powerpoint/2015/main" val="1"/>
-                </p:ext>
-              </p:extLst>
-            </p:nvPr>
-          </p:nvCxnSpPr>
-          <p:spPr>
-            <a:xfrm>
-              <a:off x="0" y="-25"/>
-              <a:ext cx="0" cy="6843985"/>
-            </a:xfrm>
-            <a:prstGeom prst="line">
-              <a:avLst/>
-            </a:prstGeom>
-            <a:ln w="19050">
-              <a:solidFill>
-                <a:schemeClr val="bg1"/>
-              </a:solidFill>
-            </a:ln>
-          </p:spPr>
-          <p:style>
-            <a:lnRef idx="1">
-              <a:schemeClr val="accent2"/>
-            </a:lnRef>
-            <a:fillRef idx="0">
-              <a:schemeClr val="accent2"/>
-            </a:fillRef>
-            <a:effectRef idx="0">
-              <a:schemeClr val="accent2"/>
-            </a:effectRef>
-            <a:fontRef idx="minor">
-              <a:schemeClr val="tx1"/>
-            </a:fontRef>
-          </p:style>
-        </p:cxnSp>
-        <p:cxnSp>
-          <p:nvCxnSpPr>
-            <p:cNvPr id="16" name="Straight Connector 15">
-              <a:extLst>
-                <a:ext uri="{FF2B5EF4-FFF2-40B4-BE49-F238E27FC236}">
-                  <a16:creationId xmlns:a16="http://schemas.microsoft.com/office/drawing/2014/main" id="{7D732480-09E4-401A-B2D9-E6C662FBCA29}"/>
-                </a:ext>
-                <a:ext uri="{C183D7F6-B498-43B3-948B-1728B52AA6E4}">
-                  <adec:decorative xmlns:adec="http://schemas.microsoft.com/office/drawing/2017/decorative" val="1"/>
-                </a:ext>
-              </a:extLst>
-            </p:cNvPr>
-            <p:cNvCxnSpPr>
-              <a:cxnSpLocks/>
-            </p:cNvCxnSpPr>
-            <p:nvPr>
-              <p:extLst>
-                <p:ext uri="{386F3935-93C4-4BCD-93E2-E3B085C9AB24}">
-                  <p16:designElem xmlns:p16="http://schemas.microsoft.com/office/powerpoint/2015/main" val="1"/>
-                </p:ext>
-              </p:extLst>
-            </p:nvPr>
-          </p:nvCxnSpPr>
-          <p:spPr>
-            <a:xfrm>
-              <a:off x="1719781" y="-5330"/>
-              <a:ext cx="0" cy="6843985"/>
-            </a:xfrm>
-            <a:prstGeom prst="line">
-              <a:avLst/>
-            </a:prstGeom>
-            <a:ln w="19050">
-              <a:solidFill>
-                <a:schemeClr val="bg1"/>
-              </a:solidFill>
-            </a:ln>
-          </p:spPr>
-          <p:style>
-            <a:lnRef idx="1">
-              <a:schemeClr val="accent2"/>
-            </a:lnRef>
-            <a:fillRef idx="0">
-              <a:schemeClr val="accent2"/>
-            </a:fillRef>
-            <a:effectRef idx="0">
-              <a:schemeClr val="accent2"/>
-            </a:effectRef>
-            <a:fontRef idx="minor">
-              <a:schemeClr val="tx1"/>
-            </a:fontRef>
-          </p:style>
-        </p:cxnSp>
-        <p:cxnSp>
-          <p:nvCxnSpPr>
-            <p:cNvPr id="17" name="Straight Connector 16">
-              <a:extLst>
-                <a:ext uri="{FF2B5EF4-FFF2-40B4-BE49-F238E27FC236}">
-                  <a16:creationId xmlns:a16="http://schemas.microsoft.com/office/drawing/2014/main" id="{87D8355C-E417-4D36-91FF-2CC1E1FE9FF3}"/>
-                </a:ext>
-                <a:ext uri="{C183D7F6-B498-43B3-948B-1728B52AA6E4}">
-                  <adec:decorative xmlns:adec="http://schemas.microsoft.com/office/drawing/2017/decorative" val="1"/>
-                </a:ext>
-              </a:extLst>
-            </p:cNvPr>
-            <p:cNvCxnSpPr>
-              <a:cxnSpLocks/>
-            </p:cNvCxnSpPr>
-            <p:nvPr>
-              <p:extLst>
-                <p:ext uri="{386F3935-93C4-4BCD-93E2-E3B085C9AB24}">
-                  <p16:designElem xmlns:p16="http://schemas.microsoft.com/office/powerpoint/2015/main" val="1"/>
-                </p:ext>
-              </p:extLst>
-            </p:nvPr>
-          </p:nvCxnSpPr>
-          <p:spPr>
-            <a:xfrm flipH="1">
-              <a:off x="0" y="6726839"/>
-              <a:ext cx="12038471" cy="0"/>
-            </a:xfrm>
-            <a:prstGeom prst="line">
-              <a:avLst/>
-            </a:prstGeom>
-            <a:ln w="19050">
-              <a:solidFill>
-                <a:schemeClr val="bg1"/>
-              </a:solidFill>
-            </a:ln>
-          </p:spPr>
-          <p:style>
-            <a:lnRef idx="1">
-              <a:schemeClr val="accent2"/>
-            </a:lnRef>
-            <a:fillRef idx="0">
-              <a:schemeClr val="accent2"/>
-            </a:fillRef>
-            <a:effectRef idx="0">
-              <a:schemeClr val="accent2"/>
-            </a:effectRef>
-            <a:fontRef idx="minor">
-              <a:schemeClr val="tx1"/>
-            </a:fontRef>
-          </p:style>
-        </p:cxnSp>
-        <p:cxnSp>
-          <p:nvCxnSpPr>
-            <p:cNvPr id="18" name="Straight Connector 17">
-              <a:extLst>
-                <a:ext uri="{FF2B5EF4-FFF2-40B4-BE49-F238E27FC236}">
-                  <a16:creationId xmlns:a16="http://schemas.microsoft.com/office/drawing/2014/main" id="{6ADF7267-EAAE-43CE-ACEF-608328FB1787}"/>
-                </a:ext>
-                <a:ext uri="{C183D7F6-B498-43B3-948B-1728B52AA6E4}">
-                  <adec:decorative xmlns:adec="http://schemas.microsoft.com/office/drawing/2017/decorative" val="1"/>
-                </a:ext>
-              </a:extLst>
-            </p:cNvPr>
-            <p:cNvCxnSpPr>
-              <a:cxnSpLocks/>
-            </p:cNvCxnSpPr>
-            <p:nvPr>
-              <p:extLst>
-                <p:ext uri="{386F3935-93C4-4BCD-93E2-E3B085C9AB24}">
-                  <p16:designElem xmlns:p16="http://schemas.microsoft.com/office/powerpoint/2015/main" val="1"/>
-                </p:ext>
-              </p:extLst>
-            </p:nvPr>
-          </p:nvCxnSpPr>
-          <p:spPr>
-            <a:xfrm flipH="1">
-              <a:off x="0" y="-25"/>
-              <a:ext cx="12038471" cy="0"/>
-            </a:xfrm>
-            <a:prstGeom prst="line">
-              <a:avLst/>
-            </a:prstGeom>
-            <a:ln w="19050">
-              <a:solidFill>
-                <a:schemeClr val="bg1"/>
-              </a:solidFill>
-            </a:ln>
-          </p:spPr>
-          <p:style>
-            <a:lnRef idx="1">
-              <a:schemeClr val="accent2"/>
-            </a:lnRef>
-            <a:fillRef idx="0">
-              <a:schemeClr val="accent2"/>
-            </a:fillRef>
-            <a:effectRef idx="0">
-              <a:schemeClr val="accent2"/>
-            </a:effectRef>
-            <a:fontRef idx="minor">
-              <a:schemeClr val="tx1"/>
-            </a:fontRef>
-          </p:style>
-        </p:cxnSp>
-        <p:cxnSp>
-          <p:nvCxnSpPr>
-            <p:cNvPr id="19" name="Straight Connector 18">
-              <a:extLst>
-                <a:ext uri="{FF2B5EF4-FFF2-40B4-BE49-F238E27FC236}">
-                  <a16:creationId xmlns:a16="http://schemas.microsoft.com/office/drawing/2014/main" id="{54C901E2-0CDB-4316-B262-3B9E68F33502}"/>
-                </a:ext>
-                <a:ext uri="{C183D7F6-B498-43B3-948B-1728B52AA6E4}">
-                  <adec:decorative xmlns:adec="http://schemas.microsoft.com/office/drawing/2017/decorative" val="1"/>
-                </a:ext>
-              </a:extLst>
-            </p:cNvPr>
-            <p:cNvCxnSpPr>
-              <a:cxnSpLocks/>
-            </p:cNvCxnSpPr>
-            <p:nvPr>
-              <p:extLst>
-                <p:ext uri="{386F3935-93C4-4BCD-93E2-E3B085C9AB24}">
-                  <p16:designElem xmlns:p16="http://schemas.microsoft.com/office/powerpoint/2015/main" val="1"/>
-                </p:ext>
-              </p:extLst>
-            </p:nvPr>
-          </p:nvCxnSpPr>
-          <p:spPr>
-            <a:xfrm flipH="1">
-              <a:off x="0" y="1729498"/>
-              <a:ext cx="12038471" cy="0"/>
-            </a:xfrm>
-            <a:prstGeom prst="line">
-              <a:avLst/>
-            </a:prstGeom>
-            <a:ln w="19050">
-              <a:solidFill>
-                <a:schemeClr val="bg1"/>
-              </a:solidFill>
-            </a:ln>
-          </p:spPr>
-          <p:style>
-            <a:lnRef idx="1">
-              <a:schemeClr val="accent2"/>
-            </a:lnRef>
-            <a:fillRef idx="0">
-              <a:schemeClr val="accent2"/>
-            </a:fillRef>
-            <a:effectRef idx="0">
-              <a:schemeClr val="accent2"/>
-            </a:effectRef>
-            <a:fontRef idx="minor">
-              <a:schemeClr val="tx1"/>
-            </a:fontRef>
-          </p:style>
-        </p:cxnSp>
-        <p:cxnSp>
-          <p:nvCxnSpPr>
-            <p:cNvPr id="20" name="Straight Connector 19">
-              <a:extLst>
-                <a:ext uri="{FF2B5EF4-FFF2-40B4-BE49-F238E27FC236}">
-                  <a16:creationId xmlns:a16="http://schemas.microsoft.com/office/drawing/2014/main" id="{D8F6D31A-084C-4F10-9A8F-A9645DFB7150}"/>
-                </a:ext>
-                <a:ext uri="{C183D7F6-B498-43B3-948B-1728B52AA6E4}">
-                  <adec:decorative xmlns:adec="http://schemas.microsoft.com/office/drawing/2017/decorative" val="1"/>
-                </a:ext>
-              </a:extLst>
-            </p:cNvPr>
-            <p:cNvCxnSpPr>
-              <a:cxnSpLocks/>
-            </p:cNvCxnSpPr>
-            <p:nvPr>
-              <p:extLst>
-                <p:ext uri="{386F3935-93C4-4BCD-93E2-E3B085C9AB24}">
-                  <p16:designElem xmlns:p16="http://schemas.microsoft.com/office/powerpoint/2015/main" val="1"/>
-                </p:ext>
-              </p:extLst>
-            </p:nvPr>
-          </p:nvCxnSpPr>
-          <p:spPr>
-            <a:xfrm flipH="1">
-              <a:off x="0" y="1609"/>
-              <a:ext cx="12038471" cy="0"/>
-            </a:xfrm>
-            <a:prstGeom prst="line">
-              <a:avLst/>
-            </a:prstGeom>
-            <a:ln w="19050">
-              <a:solidFill>
-                <a:schemeClr val="bg1"/>
-              </a:solidFill>
-            </a:ln>
-          </p:spPr>
-          <p:style>
-            <a:lnRef idx="1">
-              <a:schemeClr val="accent2"/>
-            </a:lnRef>
-            <a:fillRef idx="0">
-              <a:schemeClr val="accent2"/>
-            </a:fillRef>
-            <a:effectRef idx="0">
-              <a:schemeClr val="accent2"/>
-            </a:effectRef>
-            <a:fontRef idx="minor">
-              <a:schemeClr val="tx1"/>
-            </a:fontRef>
-          </p:style>
-        </p:cxnSp>
-        <p:cxnSp>
-          <p:nvCxnSpPr>
-            <p:cNvPr id="21" name="Straight Connector 20">
-              <a:extLst>
-                <a:ext uri="{FF2B5EF4-FFF2-40B4-BE49-F238E27FC236}">
-                  <a16:creationId xmlns:a16="http://schemas.microsoft.com/office/drawing/2014/main" id="{E38E09F0-F130-45B5-B0AF-7EF3F0172AD5}"/>
-                </a:ext>
-                <a:ext uri="{C183D7F6-B498-43B3-948B-1728B52AA6E4}">
-                  <adec:decorative xmlns:adec="http://schemas.microsoft.com/office/drawing/2017/decorative" val="1"/>
-                </a:ext>
-              </a:extLst>
-            </p:cNvPr>
-            <p:cNvCxnSpPr>
-              <a:cxnSpLocks/>
-            </p:cNvCxnSpPr>
-            <p:nvPr>
-              <p:extLst>
-                <p:ext uri="{386F3935-93C4-4BCD-93E2-E3B085C9AB24}">
-                  <p16:designElem xmlns:p16="http://schemas.microsoft.com/office/powerpoint/2015/main" val="1"/>
-                </p:ext>
-              </p:extLst>
-            </p:nvPr>
-          </p:nvCxnSpPr>
-          <p:spPr>
-            <a:xfrm flipH="1">
-              <a:off x="0" y="6843959"/>
-              <a:ext cx="12038471" cy="0"/>
-            </a:xfrm>
-            <a:prstGeom prst="line">
-              <a:avLst/>
-            </a:prstGeom>
-            <a:ln w="19050">
-              <a:solidFill>
-                <a:schemeClr val="bg1"/>
-              </a:solidFill>
-            </a:ln>
-          </p:spPr>
-          <p:style>
-            <a:lnRef idx="1">
-              <a:schemeClr val="accent2"/>
-            </a:lnRef>
-            <a:fillRef idx="0">
-              <a:schemeClr val="accent2"/>
-            </a:fillRef>
-            <a:effectRef idx="0">
-              <a:schemeClr val="accent2"/>
-            </a:effectRef>
-            <a:fontRef idx="minor">
-              <a:schemeClr val="tx1"/>
-            </a:fontRef>
-          </p:style>
-        </p:cxnSp>
-        <p:cxnSp>
-          <p:nvCxnSpPr>
-            <p:cNvPr id="22" name="Straight Connector 21">
-              <a:extLst>
-                <a:ext uri="{FF2B5EF4-FFF2-40B4-BE49-F238E27FC236}">
-                  <a16:creationId xmlns:a16="http://schemas.microsoft.com/office/drawing/2014/main" id="{569330E2-17DA-4F0D-B377-6E4499C79A15}"/>
-                </a:ext>
-                <a:ext uri="{C183D7F6-B498-43B3-948B-1728B52AA6E4}">
-                  <adec:decorative xmlns:adec="http://schemas.microsoft.com/office/drawing/2017/decorative" val="1"/>
-                </a:ext>
-              </a:extLst>
-            </p:cNvPr>
-            <p:cNvCxnSpPr>
-              <a:cxnSpLocks/>
-            </p:cNvCxnSpPr>
-            <p:nvPr>
-              <p:extLst>
-                <p:ext uri="{386F3935-93C4-4BCD-93E2-E3B085C9AB24}">
-                  <p16:designElem xmlns:p16="http://schemas.microsoft.com/office/powerpoint/2015/main" val="1"/>
-                </p:ext>
-              </p:extLst>
-            </p:nvPr>
-          </p:nvCxnSpPr>
-          <p:spPr>
-            <a:xfrm flipH="1">
-              <a:off x="0" y="5131209"/>
-              <a:ext cx="12038471" cy="0"/>
-            </a:xfrm>
-            <a:prstGeom prst="line">
-              <a:avLst/>
-            </a:prstGeom>
-            <a:ln w="19050">
-              <a:solidFill>
-                <a:schemeClr val="bg1"/>
-              </a:solidFill>
-            </a:ln>
-          </p:spPr>
-          <p:style>
-            <a:lnRef idx="1">
-              <a:schemeClr val="accent2"/>
-            </a:lnRef>
-            <a:fillRef idx="0">
-              <a:schemeClr val="accent2"/>
-            </a:fillRef>
-            <a:effectRef idx="0">
-              <a:schemeClr val="accent2"/>
-            </a:effectRef>
-            <a:fontRef idx="minor">
-              <a:schemeClr val="tx1"/>
-            </a:fontRef>
-          </p:style>
-        </p:cxnSp>
-        <p:cxnSp>
-          <p:nvCxnSpPr>
-            <p:cNvPr id="23" name="Straight Connector 22">
-              <a:extLst>
-                <a:ext uri="{FF2B5EF4-FFF2-40B4-BE49-F238E27FC236}">
-                  <a16:creationId xmlns:a16="http://schemas.microsoft.com/office/drawing/2014/main" id="{A3192707-5744-4C77-8CD6-D682F908009A}"/>
-                </a:ext>
-                <a:ext uri="{C183D7F6-B498-43B3-948B-1728B52AA6E4}">
-                  <adec:decorative xmlns:adec="http://schemas.microsoft.com/office/drawing/2017/decorative" val="1"/>
-                </a:ext>
-              </a:extLst>
-            </p:cNvPr>
-            <p:cNvCxnSpPr>
-              <a:cxnSpLocks/>
-            </p:cNvCxnSpPr>
-            <p:nvPr>
-              <p:extLst>
-                <p:ext uri="{386F3935-93C4-4BCD-93E2-E3B085C9AB24}">
-                  <p16:designElem xmlns:p16="http://schemas.microsoft.com/office/powerpoint/2015/main" val="1"/>
-                </p:ext>
-              </p:extLst>
-            </p:nvPr>
-          </p:nvCxnSpPr>
-          <p:spPr>
-            <a:xfrm flipH="1">
-              <a:off x="0" y="120892"/>
-              <a:ext cx="12038471" cy="0"/>
-            </a:xfrm>
-            <a:prstGeom prst="line">
-              <a:avLst/>
-            </a:prstGeom>
-            <a:ln w="19050">
-              <a:solidFill>
-                <a:schemeClr val="bg1"/>
-              </a:solidFill>
-            </a:ln>
-          </p:spPr>
-          <p:style>
-            <a:lnRef idx="1">
-              <a:schemeClr val="accent2"/>
-            </a:lnRef>
-            <a:fillRef idx="0">
-              <a:schemeClr val="accent2"/>
-            </a:fillRef>
-            <a:effectRef idx="0">
-              <a:schemeClr val="accent2"/>
-            </a:effectRef>
-            <a:fontRef idx="minor">
-              <a:schemeClr val="tx1"/>
-            </a:fontRef>
-          </p:style>
-        </p:cxnSp>
-        <p:cxnSp>
-          <p:nvCxnSpPr>
-            <p:cNvPr id="24" name="Straight Connector 23">
-              <a:extLst>
-                <a:ext uri="{FF2B5EF4-FFF2-40B4-BE49-F238E27FC236}">
-                  <a16:creationId xmlns:a16="http://schemas.microsoft.com/office/drawing/2014/main" id="{E367A44A-5DD0-43B5-B6DB-1CA3BC5AF0B2}"/>
-                </a:ext>
-                <a:ext uri="{C183D7F6-B498-43B3-948B-1728B52AA6E4}">
-                  <adec:decorative xmlns:adec="http://schemas.microsoft.com/office/drawing/2017/decorative" val="1"/>
-                </a:ext>
-              </a:extLst>
-            </p:cNvPr>
-            <p:cNvCxnSpPr>
-              <a:cxnSpLocks/>
-            </p:cNvCxnSpPr>
-            <p:nvPr>
-              <p:extLst>
-                <p:ext uri="{386F3935-93C4-4BCD-93E2-E3B085C9AB24}">
-                  <p16:designElem xmlns:p16="http://schemas.microsoft.com/office/powerpoint/2015/main" val="1"/>
-                </p:ext>
-              </p:extLst>
-            </p:nvPr>
-          </p:nvCxnSpPr>
-          <p:spPr>
-            <a:xfrm flipH="1">
-              <a:off x="0" y="3422784"/>
-              <a:ext cx="12038471" cy="0"/>
-            </a:xfrm>
-            <a:prstGeom prst="line">
-              <a:avLst/>
-            </a:prstGeom>
-            <a:ln w="19050">
-              <a:solidFill>
-                <a:schemeClr val="bg1"/>
-              </a:solidFill>
-            </a:ln>
-          </p:spPr>
-          <p:style>
-            <a:lnRef idx="1">
-              <a:schemeClr val="accent2"/>
-            </a:lnRef>
-            <a:fillRef idx="0">
-              <a:schemeClr val="accent2"/>
-            </a:fillRef>
-            <a:effectRef idx="0">
-              <a:schemeClr val="accent2"/>
-            </a:effectRef>
-            <a:fontRef idx="minor">
-              <a:schemeClr val="tx1"/>
-            </a:fontRef>
-          </p:style>
-        </p:cxnSp>
-        <p:cxnSp>
-          <p:nvCxnSpPr>
-            <p:cNvPr id="25" name="Straight Connector 24">
-              <a:extLst>
-                <a:ext uri="{FF2B5EF4-FFF2-40B4-BE49-F238E27FC236}">
-                  <a16:creationId xmlns:a16="http://schemas.microsoft.com/office/drawing/2014/main" id="{280809D1-164B-4A0C-84BB-2AC46F3BDE52}"/>
-                </a:ext>
-                <a:ext uri="{C183D7F6-B498-43B3-948B-1728B52AA6E4}">
-                  <adec:decorative xmlns:adec="http://schemas.microsoft.com/office/drawing/2017/decorative" val="1"/>
-                </a:ext>
-              </a:extLst>
-            </p:cNvPr>
-            <p:cNvCxnSpPr>
-              <a:cxnSpLocks/>
-            </p:cNvCxnSpPr>
-            <p:nvPr>
-              <p:extLst>
-                <p:ext uri="{386F3935-93C4-4BCD-93E2-E3B085C9AB24}">
-                  <p16:designElem xmlns:p16="http://schemas.microsoft.com/office/powerpoint/2015/main" val="1"/>
-                </p:ext>
-              </p:extLst>
-            </p:nvPr>
-          </p:nvCxnSpPr>
-          <p:spPr>
-            <a:xfrm flipH="1">
-              <a:off x="0" y="1832198"/>
-              <a:ext cx="12038471" cy="0"/>
-            </a:xfrm>
-            <a:prstGeom prst="line">
-              <a:avLst/>
-            </a:prstGeom>
-            <a:ln w="19050">
-              <a:solidFill>
-                <a:schemeClr val="bg1"/>
-              </a:solidFill>
-            </a:ln>
-          </p:spPr>
-          <p:style>
-            <a:lnRef idx="1">
-              <a:schemeClr val="accent2"/>
-            </a:lnRef>
-            <a:fillRef idx="0">
-              <a:schemeClr val="accent2"/>
-            </a:fillRef>
-            <a:effectRef idx="0">
-              <a:schemeClr val="accent2"/>
-            </a:effectRef>
-            <a:fontRef idx="minor">
-              <a:schemeClr val="tx1"/>
-            </a:fontRef>
-          </p:style>
-        </p:cxnSp>
-        <p:cxnSp>
-          <p:nvCxnSpPr>
-            <p:cNvPr id="26" name="Straight Connector 25">
-              <a:extLst>
-                <a:ext uri="{FF2B5EF4-FFF2-40B4-BE49-F238E27FC236}">
-                  <a16:creationId xmlns:a16="http://schemas.microsoft.com/office/drawing/2014/main" id="{E379EC94-3698-4695-8CE7-61DBDF5EE654}"/>
-                </a:ext>
-                <a:ext uri="{C183D7F6-B498-43B3-948B-1728B52AA6E4}">
-                  <adec:decorative xmlns:adec="http://schemas.microsoft.com/office/drawing/2017/decorative" val="1"/>
-                </a:ext>
-              </a:extLst>
-            </p:cNvPr>
-            <p:cNvCxnSpPr>
-              <a:cxnSpLocks/>
-            </p:cNvCxnSpPr>
-            <p:nvPr>
-              <p:extLst>
-                <p:ext uri="{386F3935-93C4-4BCD-93E2-E3B085C9AB24}">
-                  <p16:designElem xmlns:p16="http://schemas.microsoft.com/office/powerpoint/2015/main" val="1"/>
-                </p:ext>
-              </p:extLst>
-            </p:nvPr>
-          </p:nvCxnSpPr>
-          <p:spPr>
-            <a:xfrm flipH="1">
-              <a:off x="0" y="3538773"/>
-              <a:ext cx="12038471" cy="0"/>
-            </a:xfrm>
-            <a:prstGeom prst="line">
-              <a:avLst/>
-            </a:prstGeom>
-            <a:ln w="19050">
-              <a:solidFill>
-                <a:schemeClr val="bg1"/>
-              </a:solidFill>
-            </a:ln>
-          </p:spPr>
-          <p:style>
-            <a:lnRef idx="1">
-              <a:schemeClr val="accent2"/>
-            </a:lnRef>
-            <a:fillRef idx="0">
-              <a:schemeClr val="accent2"/>
-            </a:fillRef>
-            <a:effectRef idx="0">
-              <a:schemeClr val="accent2"/>
-            </a:effectRef>
-            <a:fontRef idx="minor">
-              <a:schemeClr val="tx1"/>
-            </a:fontRef>
-          </p:style>
-        </p:cxnSp>
-        <p:cxnSp>
-          <p:nvCxnSpPr>
-            <p:cNvPr id="27" name="Straight Connector 26">
-              <a:extLst>
-                <a:ext uri="{FF2B5EF4-FFF2-40B4-BE49-F238E27FC236}">
-                  <a16:creationId xmlns:a16="http://schemas.microsoft.com/office/drawing/2014/main" id="{8755B95C-6A71-4D4F-8F48-B21F893E6FB1}"/>
-                </a:ext>
-                <a:ext uri="{C183D7F6-B498-43B3-948B-1728B52AA6E4}">
-                  <adec:decorative xmlns:adec="http://schemas.microsoft.com/office/drawing/2017/decorative" val="1"/>
-                </a:ext>
-              </a:extLst>
-            </p:cNvPr>
-            <p:cNvCxnSpPr>
-              <a:cxnSpLocks/>
-            </p:cNvCxnSpPr>
-            <p:nvPr>
-              <p:extLst>
-                <p:ext uri="{386F3935-93C4-4BCD-93E2-E3B085C9AB24}">
-                  <p16:designElem xmlns:p16="http://schemas.microsoft.com/office/powerpoint/2015/main" val="1"/>
-                </p:ext>
-              </p:extLst>
-            </p:nvPr>
-          </p:nvCxnSpPr>
-          <p:spPr>
-            <a:xfrm flipH="1">
-              <a:off x="0" y="5240042"/>
-              <a:ext cx="12038471" cy="0"/>
-            </a:xfrm>
-            <a:prstGeom prst="line">
-              <a:avLst/>
-            </a:prstGeom>
-            <a:ln w="19050">
-              <a:solidFill>
-                <a:schemeClr val="bg1"/>
-              </a:solidFill>
-            </a:ln>
-          </p:spPr>
-          <p:style>
-            <a:lnRef idx="1">
-              <a:schemeClr val="accent2"/>
-            </a:lnRef>
-            <a:fillRef idx="0">
-              <a:schemeClr val="accent2"/>
-            </a:fillRef>
-            <a:effectRef idx="0">
-              <a:schemeClr val="accent2"/>
-            </a:effectRef>
-            <a:fontRef idx="minor">
-              <a:schemeClr val="tx1"/>
-            </a:fontRef>
-          </p:style>
-        </p:cxnSp>
-        <p:cxnSp>
-          <p:nvCxnSpPr>
-            <p:cNvPr id="28" name="Straight Connector 27">
-              <a:extLst>
-                <a:ext uri="{FF2B5EF4-FFF2-40B4-BE49-F238E27FC236}">
-                  <a16:creationId xmlns:a16="http://schemas.microsoft.com/office/drawing/2014/main" id="{6099C53A-E394-462E-BF63-1639A8E28318}"/>
-                </a:ext>
-                <a:ext uri="{C183D7F6-B498-43B3-948B-1728B52AA6E4}">
-                  <adec:decorative xmlns:adec="http://schemas.microsoft.com/office/drawing/2017/decorative" val="1"/>
-                </a:ext>
-              </a:extLst>
-            </p:cNvPr>
-            <p:cNvCxnSpPr>
-              <a:cxnSpLocks/>
-            </p:cNvCxnSpPr>
-            <p:nvPr>
-              <p:extLst>
-                <p:ext uri="{386F3935-93C4-4BCD-93E2-E3B085C9AB24}">
-                  <p16:designElem xmlns:p16="http://schemas.microsoft.com/office/powerpoint/2015/main" val="1"/>
-                </p:ext>
-              </p:extLst>
-            </p:nvPr>
-          </p:nvCxnSpPr>
-          <p:spPr>
-            <a:xfrm>
-              <a:off x="1828837" y="-5330"/>
-              <a:ext cx="0" cy="6843985"/>
-            </a:xfrm>
-            <a:prstGeom prst="line">
-              <a:avLst/>
-            </a:prstGeom>
-            <a:ln w="19050">
-              <a:solidFill>
-                <a:schemeClr val="bg1"/>
-              </a:solidFill>
-            </a:ln>
-          </p:spPr>
-          <p:style>
-            <a:lnRef idx="1">
-              <a:schemeClr val="accent2"/>
-            </a:lnRef>
-            <a:fillRef idx="0">
-              <a:schemeClr val="accent2"/>
-            </a:fillRef>
-            <a:effectRef idx="0">
-              <a:schemeClr val="accent2"/>
-            </a:effectRef>
-            <a:fontRef idx="minor">
-              <a:schemeClr val="tx1"/>
-            </a:fontRef>
-          </p:style>
-        </p:cxnSp>
-        <p:cxnSp>
-          <p:nvCxnSpPr>
-            <p:cNvPr id="29" name="Straight Connector 28">
-              <a:extLst>
-                <a:ext uri="{FF2B5EF4-FFF2-40B4-BE49-F238E27FC236}">
-                  <a16:creationId xmlns:a16="http://schemas.microsoft.com/office/drawing/2014/main" id="{9AC427FF-C3BE-45A0-9FB1-A6A4C8C4CD85}"/>
-                </a:ext>
-                <a:ext uri="{C183D7F6-B498-43B3-948B-1728B52AA6E4}">
-                  <adec:decorative xmlns:adec="http://schemas.microsoft.com/office/drawing/2017/decorative" val="1"/>
-                </a:ext>
-              </a:extLst>
-            </p:cNvPr>
-            <p:cNvCxnSpPr>
-              <a:cxnSpLocks/>
-            </p:cNvCxnSpPr>
-            <p:nvPr>
-              <p:extLst>
-                <p:ext uri="{386F3935-93C4-4BCD-93E2-E3B085C9AB24}">
-                  <p16:designElem xmlns:p16="http://schemas.microsoft.com/office/powerpoint/2015/main" val="1"/>
-                </p:ext>
-              </p:extLst>
-            </p:nvPr>
-          </p:nvCxnSpPr>
-          <p:spPr>
-            <a:xfrm>
-              <a:off x="3439563" y="-25"/>
-              <a:ext cx="0" cy="6843985"/>
-            </a:xfrm>
-            <a:prstGeom prst="line">
-              <a:avLst/>
-            </a:prstGeom>
-            <a:ln w="19050">
-              <a:solidFill>
-                <a:schemeClr val="bg1"/>
-              </a:solidFill>
-            </a:ln>
-          </p:spPr>
-          <p:style>
-            <a:lnRef idx="1">
-              <a:schemeClr val="accent2"/>
-            </a:lnRef>
-            <a:fillRef idx="0">
-              <a:schemeClr val="accent2"/>
-            </a:fillRef>
-            <a:effectRef idx="0">
-              <a:schemeClr val="accent2"/>
-            </a:effectRef>
-            <a:fontRef idx="minor">
-              <a:schemeClr val="tx1"/>
-            </a:fontRef>
-          </p:style>
-        </p:cxnSp>
-        <p:cxnSp>
-          <p:nvCxnSpPr>
-            <p:cNvPr id="30" name="Straight Connector 29">
-              <a:extLst>
-                <a:ext uri="{FF2B5EF4-FFF2-40B4-BE49-F238E27FC236}">
-                  <a16:creationId xmlns:a16="http://schemas.microsoft.com/office/drawing/2014/main" id="{2B15D91A-BF52-4704-8F6B-A7C474618191}"/>
-                </a:ext>
-                <a:ext uri="{C183D7F6-B498-43B3-948B-1728B52AA6E4}">
-                  <adec:decorative xmlns:adec="http://schemas.microsoft.com/office/drawing/2017/decorative" val="1"/>
-                </a:ext>
-              </a:extLst>
-            </p:cNvPr>
-            <p:cNvCxnSpPr>
-              <a:cxnSpLocks/>
-            </p:cNvCxnSpPr>
-            <p:nvPr>
-              <p:extLst>
-                <p:ext uri="{386F3935-93C4-4BCD-93E2-E3B085C9AB24}">
-                  <p16:designElem xmlns:p16="http://schemas.microsoft.com/office/powerpoint/2015/main" val="1"/>
-                </p:ext>
-              </p:extLst>
-            </p:nvPr>
-          </p:nvCxnSpPr>
-          <p:spPr>
-            <a:xfrm>
-              <a:off x="5159344" y="-25"/>
-              <a:ext cx="0" cy="6843985"/>
-            </a:xfrm>
-            <a:prstGeom prst="line">
-              <a:avLst/>
-            </a:prstGeom>
-            <a:ln w="19050">
-              <a:solidFill>
-                <a:schemeClr val="bg1"/>
-              </a:solidFill>
-            </a:ln>
-          </p:spPr>
-          <p:style>
-            <a:lnRef idx="1">
-              <a:schemeClr val="accent2"/>
-            </a:lnRef>
-            <a:fillRef idx="0">
-              <a:schemeClr val="accent2"/>
-            </a:fillRef>
-            <a:effectRef idx="0">
-              <a:schemeClr val="accent2"/>
-            </a:effectRef>
-            <a:fontRef idx="minor">
-              <a:schemeClr val="tx1"/>
-            </a:fontRef>
-          </p:style>
-        </p:cxnSp>
-        <p:cxnSp>
-          <p:nvCxnSpPr>
-            <p:cNvPr id="31" name="Straight Connector 30">
-              <a:extLst>
-                <a:ext uri="{FF2B5EF4-FFF2-40B4-BE49-F238E27FC236}">
-                  <a16:creationId xmlns:a16="http://schemas.microsoft.com/office/drawing/2014/main" id="{1D9241FD-0E0D-409B-A2AF-8F06ACB75778}"/>
-                </a:ext>
-                <a:ext uri="{C183D7F6-B498-43B3-948B-1728B52AA6E4}">
-                  <adec:decorative xmlns:adec="http://schemas.microsoft.com/office/drawing/2017/decorative" val="1"/>
-                </a:ext>
-              </a:extLst>
-            </p:cNvPr>
-            <p:cNvCxnSpPr>
-              <a:cxnSpLocks/>
-            </p:cNvCxnSpPr>
-            <p:nvPr>
-              <p:extLst>
-                <p:ext uri="{386F3935-93C4-4BCD-93E2-E3B085C9AB24}">
-                  <p16:designElem xmlns:p16="http://schemas.microsoft.com/office/powerpoint/2015/main" val="1"/>
-                </p:ext>
-              </p:extLst>
-            </p:nvPr>
-          </p:nvCxnSpPr>
-          <p:spPr>
-            <a:xfrm>
-              <a:off x="6879125" y="-12406"/>
-              <a:ext cx="0" cy="6843985"/>
-            </a:xfrm>
-            <a:prstGeom prst="line">
-              <a:avLst/>
-            </a:prstGeom>
-            <a:ln w="19050">
-              <a:solidFill>
-                <a:schemeClr val="bg1"/>
-              </a:solidFill>
-            </a:ln>
-          </p:spPr>
-          <p:style>
-            <a:lnRef idx="1">
-              <a:schemeClr val="accent2"/>
-            </a:lnRef>
-            <a:fillRef idx="0">
-              <a:schemeClr val="accent2"/>
-            </a:fillRef>
-            <a:effectRef idx="0">
-              <a:schemeClr val="accent2"/>
-            </a:effectRef>
-            <a:fontRef idx="minor">
-              <a:schemeClr val="tx1"/>
-            </a:fontRef>
-          </p:style>
-        </p:cxnSp>
-        <p:cxnSp>
-          <p:nvCxnSpPr>
-            <p:cNvPr id="32" name="Straight Connector 31">
-              <a:extLst>
-                <a:ext uri="{FF2B5EF4-FFF2-40B4-BE49-F238E27FC236}">
-                  <a16:creationId xmlns:a16="http://schemas.microsoft.com/office/drawing/2014/main" id="{F8B3D884-11F6-4FF3-82C2-1C2311451C61}"/>
-                </a:ext>
-                <a:ext uri="{C183D7F6-B498-43B3-948B-1728B52AA6E4}">
-                  <adec:decorative xmlns:adec="http://schemas.microsoft.com/office/drawing/2017/decorative" val="1"/>
-                </a:ext>
-              </a:extLst>
-            </p:cNvPr>
-            <p:cNvCxnSpPr>
-              <a:cxnSpLocks/>
-            </p:cNvCxnSpPr>
-            <p:nvPr>
-              <p:extLst>
-                <p:ext uri="{386F3935-93C4-4BCD-93E2-E3B085C9AB24}">
-                  <p16:designElem xmlns:p16="http://schemas.microsoft.com/office/powerpoint/2015/main" val="1"/>
-                </p:ext>
-              </p:extLst>
-            </p:nvPr>
-          </p:nvCxnSpPr>
-          <p:spPr>
-            <a:xfrm>
-              <a:off x="8598907" y="-12406"/>
-              <a:ext cx="0" cy="6843985"/>
-            </a:xfrm>
-            <a:prstGeom prst="line">
-              <a:avLst/>
-            </a:prstGeom>
-            <a:ln w="19050">
-              <a:solidFill>
-                <a:schemeClr val="bg1"/>
-              </a:solidFill>
-            </a:ln>
-          </p:spPr>
-          <p:style>
-            <a:lnRef idx="1">
-              <a:schemeClr val="accent2"/>
-            </a:lnRef>
-            <a:fillRef idx="0">
-              <a:schemeClr val="accent2"/>
-            </a:fillRef>
-            <a:effectRef idx="0">
-              <a:schemeClr val="accent2"/>
-            </a:effectRef>
-            <a:fontRef idx="minor">
-              <a:schemeClr val="tx1"/>
-            </a:fontRef>
-          </p:style>
-        </p:cxnSp>
-        <p:cxnSp>
-          <p:nvCxnSpPr>
-            <p:cNvPr id="33" name="Straight Connector 32">
-              <a:extLst>
-                <a:ext uri="{FF2B5EF4-FFF2-40B4-BE49-F238E27FC236}">
-                  <a16:creationId xmlns:a16="http://schemas.microsoft.com/office/drawing/2014/main" id="{A15AB342-981A-44B4-846D-B0B2394ACF01}"/>
-                </a:ext>
-                <a:ext uri="{C183D7F6-B498-43B3-948B-1728B52AA6E4}">
-                  <adec:decorative xmlns:adec="http://schemas.microsoft.com/office/drawing/2017/decorative" val="1"/>
-                </a:ext>
-              </a:extLst>
-            </p:cNvPr>
-            <p:cNvCxnSpPr>
-              <a:cxnSpLocks/>
-            </p:cNvCxnSpPr>
-            <p:nvPr>
-              <p:extLst>
-                <p:ext uri="{386F3935-93C4-4BCD-93E2-E3B085C9AB24}">
-                  <p16:designElem xmlns:p16="http://schemas.microsoft.com/office/powerpoint/2015/main" val="1"/>
-                </p:ext>
-              </p:extLst>
-            </p:nvPr>
-          </p:nvCxnSpPr>
-          <p:spPr>
-            <a:xfrm>
-              <a:off x="12038471" y="-25"/>
-              <a:ext cx="0" cy="6843985"/>
-            </a:xfrm>
-            <a:prstGeom prst="line">
-              <a:avLst/>
-            </a:prstGeom>
-            <a:ln w="19050">
-              <a:solidFill>
-                <a:schemeClr val="bg1"/>
-              </a:solidFill>
-            </a:ln>
-          </p:spPr>
-          <p:style>
-            <a:lnRef idx="1">
-              <a:schemeClr val="accent2"/>
-            </a:lnRef>
-            <a:fillRef idx="0">
-              <a:schemeClr val="accent2"/>
-            </a:fillRef>
-            <a:effectRef idx="0">
-              <a:schemeClr val="accent2"/>
-            </a:effectRef>
-            <a:fontRef idx="minor">
-              <a:schemeClr val="tx1"/>
-            </a:fontRef>
-          </p:style>
-        </p:cxnSp>
-        <p:cxnSp>
-          <p:nvCxnSpPr>
-            <p:cNvPr id="34" name="Straight Connector 33">
-              <a:extLst>
-                <a:ext uri="{FF2B5EF4-FFF2-40B4-BE49-F238E27FC236}">
-                  <a16:creationId xmlns:a16="http://schemas.microsoft.com/office/drawing/2014/main" id="{872C80E7-0A00-4063-BEE2-6B6B446A4A72}"/>
-                </a:ext>
-                <a:ext uri="{C183D7F6-B498-43B3-948B-1728B52AA6E4}">
-                  <adec:decorative xmlns:adec="http://schemas.microsoft.com/office/drawing/2017/decorative" val="1"/>
-                </a:ext>
-              </a:extLst>
-            </p:cNvPr>
-            <p:cNvCxnSpPr>
-              <a:cxnSpLocks/>
-            </p:cNvCxnSpPr>
-            <p:nvPr>
-              <p:extLst>
-                <p:ext uri="{386F3935-93C4-4BCD-93E2-E3B085C9AB24}">
-                  <p16:designElem xmlns:p16="http://schemas.microsoft.com/office/powerpoint/2015/main" val="1"/>
-                </p:ext>
-              </p:extLst>
-            </p:nvPr>
-          </p:nvCxnSpPr>
-          <p:spPr>
-            <a:xfrm>
-              <a:off x="10318688" y="-25"/>
-              <a:ext cx="0" cy="6843985"/>
-            </a:xfrm>
-            <a:prstGeom prst="line">
-              <a:avLst/>
-            </a:prstGeom>
-            <a:ln w="19050">
-              <a:solidFill>
-                <a:schemeClr val="bg1"/>
-              </a:solidFill>
-            </a:ln>
-          </p:spPr>
-          <p:style>
-            <a:lnRef idx="1">
-              <a:schemeClr val="accent2"/>
-            </a:lnRef>
-            <a:fillRef idx="0">
-              <a:schemeClr val="accent2"/>
-            </a:fillRef>
-            <a:effectRef idx="0">
-              <a:schemeClr val="accent2"/>
-            </a:effectRef>
-            <a:fontRef idx="minor">
-              <a:schemeClr val="tx1"/>
-            </a:fontRef>
-          </p:style>
-        </p:cxnSp>
-        <p:cxnSp>
-          <p:nvCxnSpPr>
-            <p:cNvPr id="35" name="Straight Connector 34">
-              <a:extLst>
-                <a:ext uri="{FF2B5EF4-FFF2-40B4-BE49-F238E27FC236}">
-                  <a16:creationId xmlns:a16="http://schemas.microsoft.com/office/drawing/2014/main" id="{CDDFAF9B-F940-4E8C-905E-31851E6E716D}"/>
-                </a:ext>
-                <a:ext uri="{C183D7F6-B498-43B3-948B-1728B52AA6E4}">
-                  <adec:decorative xmlns:adec="http://schemas.microsoft.com/office/drawing/2017/decorative" val="1"/>
-                </a:ext>
-              </a:extLst>
-            </p:cNvPr>
-            <p:cNvCxnSpPr>
-              <a:cxnSpLocks/>
-            </p:cNvCxnSpPr>
-            <p:nvPr>
-              <p:extLst>
-                <p:ext uri="{386F3935-93C4-4BCD-93E2-E3B085C9AB24}">
-                  <p16:designElem xmlns:p16="http://schemas.microsoft.com/office/powerpoint/2015/main" val="1"/>
-                </p:ext>
-              </p:extLst>
-            </p:nvPr>
-          </p:nvCxnSpPr>
-          <p:spPr>
-            <a:xfrm>
-              <a:off x="3549263" y="-5330"/>
-              <a:ext cx="0" cy="6843985"/>
-            </a:xfrm>
-            <a:prstGeom prst="line">
-              <a:avLst/>
-            </a:prstGeom>
-            <a:ln w="19050">
-              <a:solidFill>
-                <a:schemeClr val="bg1"/>
-              </a:solidFill>
-            </a:ln>
-          </p:spPr>
-          <p:style>
-            <a:lnRef idx="1">
-              <a:schemeClr val="accent2"/>
-            </a:lnRef>
-            <a:fillRef idx="0">
-              <a:schemeClr val="accent2"/>
-            </a:fillRef>
-            <a:effectRef idx="0">
-              <a:schemeClr val="accent2"/>
-            </a:effectRef>
-            <a:fontRef idx="minor">
-              <a:schemeClr val="tx1"/>
-            </a:fontRef>
-          </p:style>
-        </p:cxnSp>
-        <p:cxnSp>
-          <p:nvCxnSpPr>
-            <p:cNvPr id="36" name="Straight Connector 35">
-              <a:extLst>
-                <a:ext uri="{FF2B5EF4-FFF2-40B4-BE49-F238E27FC236}">
-                  <a16:creationId xmlns:a16="http://schemas.microsoft.com/office/drawing/2014/main" id="{DE75405B-4987-4ED0-838B-B550E11C50A7}"/>
-                </a:ext>
-                <a:ext uri="{C183D7F6-B498-43B3-948B-1728B52AA6E4}">
-                  <adec:decorative xmlns:adec="http://schemas.microsoft.com/office/drawing/2017/decorative" val="1"/>
-                </a:ext>
-              </a:extLst>
-            </p:cNvPr>
-            <p:cNvCxnSpPr>
-              <a:cxnSpLocks/>
-            </p:cNvCxnSpPr>
-            <p:nvPr>
-              <p:extLst>
-                <p:ext uri="{386F3935-93C4-4BCD-93E2-E3B085C9AB24}">
-                  <p16:designElem xmlns:p16="http://schemas.microsoft.com/office/powerpoint/2015/main" val="1"/>
-                </p:ext>
-              </p:extLst>
-            </p:nvPr>
-          </p:nvCxnSpPr>
-          <p:spPr>
-            <a:xfrm>
-              <a:off x="5272269" y="1609"/>
-              <a:ext cx="0" cy="6843985"/>
-            </a:xfrm>
-            <a:prstGeom prst="line">
-              <a:avLst/>
-            </a:prstGeom>
-            <a:ln w="19050">
-              <a:solidFill>
-                <a:schemeClr val="bg1"/>
-              </a:solidFill>
-            </a:ln>
-          </p:spPr>
-          <p:style>
-            <a:lnRef idx="1">
-              <a:schemeClr val="accent2"/>
-            </a:lnRef>
-            <a:fillRef idx="0">
-              <a:schemeClr val="accent2"/>
-            </a:fillRef>
-            <a:effectRef idx="0">
-              <a:schemeClr val="accent2"/>
-            </a:effectRef>
-            <a:fontRef idx="minor">
-              <a:schemeClr val="tx1"/>
-            </a:fontRef>
-          </p:style>
-        </p:cxnSp>
-        <p:cxnSp>
-          <p:nvCxnSpPr>
-            <p:cNvPr id="37" name="Straight Connector 36">
-              <a:extLst>
-                <a:ext uri="{FF2B5EF4-FFF2-40B4-BE49-F238E27FC236}">
-                  <a16:creationId xmlns:a16="http://schemas.microsoft.com/office/drawing/2014/main" id="{2D23C412-06C7-4364-B5C1-6492A9D36BCD}"/>
-                </a:ext>
-                <a:ext uri="{C183D7F6-B498-43B3-948B-1728B52AA6E4}">
-                  <adec:decorative xmlns:adec="http://schemas.microsoft.com/office/drawing/2017/decorative" val="1"/>
-                </a:ext>
-              </a:extLst>
-            </p:cNvPr>
-            <p:cNvCxnSpPr>
-              <a:cxnSpLocks/>
-            </p:cNvCxnSpPr>
-            <p:nvPr>
-              <p:extLst>
-                <p:ext uri="{386F3935-93C4-4BCD-93E2-E3B085C9AB24}">
-                  <p16:designElem xmlns:p16="http://schemas.microsoft.com/office/powerpoint/2015/main" val="1"/>
-                </p:ext>
-              </p:extLst>
-            </p:nvPr>
-          </p:nvCxnSpPr>
-          <p:spPr>
-            <a:xfrm>
-              <a:off x="6990113" y="-12406"/>
-              <a:ext cx="0" cy="6843985"/>
-            </a:xfrm>
-            <a:prstGeom prst="line">
-              <a:avLst/>
-            </a:prstGeom>
-            <a:ln w="19050">
-              <a:solidFill>
-                <a:schemeClr val="bg1"/>
-              </a:solidFill>
-            </a:ln>
-          </p:spPr>
-          <p:style>
-            <a:lnRef idx="1">
-              <a:schemeClr val="accent2"/>
-            </a:lnRef>
-            <a:fillRef idx="0">
-              <a:schemeClr val="accent2"/>
-            </a:fillRef>
-            <a:effectRef idx="0">
-              <a:schemeClr val="accent2"/>
-            </a:effectRef>
-            <a:fontRef idx="minor">
-              <a:schemeClr val="tx1"/>
-            </a:fontRef>
-          </p:style>
-        </p:cxnSp>
-        <p:cxnSp>
-          <p:nvCxnSpPr>
-            <p:cNvPr id="38" name="Straight Connector 37">
-              <a:extLst>
-                <a:ext uri="{FF2B5EF4-FFF2-40B4-BE49-F238E27FC236}">
-                  <a16:creationId xmlns:a16="http://schemas.microsoft.com/office/drawing/2014/main" id="{3E558B2C-BA31-4EF6-AA51-34C38C4FAC19}"/>
-                </a:ext>
-                <a:ext uri="{C183D7F6-B498-43B3-948B-1728B52AA6E4}">
-                  <adec:decorative xmlns:adec="http://schemas.microsoft.com/office/drawing/2017/decorative" val="1"/>
-                </a:ext>
-              </a:extLst>
-            </p:cNvPr>
-            <p:cNvCxnSpPr>
-              <a:cxnSpLocks/>
-            </p:cNvCxnSpPr>
-            <p:nvPr>
-              <p:extLst>
-                <p:ext uri="{386F3935-93C4-4BCD-93E2-E3B085C9AB24}">
-                  <p16:designElem xmlns:p16="http://schemas.microsoft.com/office/powerpoint/2015/main" val="1"/>
-                </p:ext>
-              </p:extLst>
-            </p:nvPr>
-          </p:nvCxnSpPr>
-          <p:spPr>
-            <a:xfrm>
-              <a:off x="8715787" y="-12406"/>
-              <a:ext cx="0" cy="6843985"/>
-            </a:xfrm>
-            <a:prstGeom prst="line">
-              <a:avLst/>
-            </a:prstGeom>
-            <a:ln w="19050">
-              <a:solidFill>
-                <a:schemeClr val="bg1"/>
-              </a:solidFill>
-            </a:ln>
-          </p:spPr>
-          <p:style>
-            <a:lnRef idx="1">
-              <a:schemeClr val="accent2"/>
-            </a:lnRef>
-            <a:fillRef idx="0">
-              <a:schemeClr val="accent2"/>
-            </a:fillRef>
-            <a:effectRef idx="0">
-              <a:schemeClr val="accent2"/>
-            </a:effectRef>
-            <a:fontRef idx="minor">
-              <a:schemeClr val="tx1"/>
-            </a:fontRef>
-          </p:style>
-        </p:cxnSp>
-        <p:cxnSp>
-          <p:nvCxnSpPr>
-            <p:cNvPr id="39" name="Straight Connector 38">
-              <a:extLst>
-                <a:ext uri="{FF2B5EF4-FFF2-40B4-BE49-F238E27FC236}">
-                  <a16:creationId xmlns:a16="http://schemas.microsoft.com/office/drawing/2014/main" id="{49BF6B7B-33CA-48B1-A1DC-E4917FB89D99}"/>
-                </a:ext>
-                <a:ext uri="{C183D7F6-B498-43B3-948B-1728B52AA6E4}">
-                  <adec:decorative xmlns:adec="http://schemas.microsoft.com/office/drawing/2017/decorative" val="1"/>
-                </a:ext>
-              </a:extLst>
-            </p:cNvPr>
-            <p:cNvCxnSpPr>
-              <a:cxnSpLocks/>
-            </p:cNvCxnSpPr>
-            <p:nvPr>
-              <p:extLst>
-                <p:ext uri="{386F3935-93C4-4BCD-93E2-E3B085C9AB24}">
-                  <p16:designElem xmlns:p16="http://schemas.microsoft.com/office/powerpoint/2015/main" val="1"/>
-                </p:ext>
-              </p:extLst>
-            </p:nvPr>
-          </p:nvCxnSpPr>
-          <p:spPr>
-            <a:xfrm>
-              <a:off x="10435730" y="-12406"/>
-              <a:ext cx="0" cy="6843985"/>
-            </a:xfrm>
-            <a:prstGeom prst="line">
-              <a:avLst/>
-            </a:prstGeom>
-            <a:ln w="19050">
-              <a:solidFill>
-                <a:schemeClr val="bg1"/>
-              </a:solidFill>
-            </a:ln>
-          </p:spPr>
-          <p:style>
-            <a:lnRef idx="1">
-              <a:schemeClr val="accent2"/>
-            </a:lnRef>
-            <a:fillRef idx="0">
-              <a:schemeClr val="accent2"/>
-            </a:fillRef>
-            <a:effectRef idx="0">
-              <a:schemeClr val="accent2"/>
-            </a:effectRef>
-            <a:fontRef idx="minor">
-              <a:schemeClr val="tx1"/>
-            </a:fontRef>
-          </p:style>
-        </p:cxnSp>
-        <p:cxnSp>
-          <p:nvCxnSpPr>
-            <p:cNvPr id="40" name="Straight Connector 39">
-              <a:extLst>
-                <a:ext uri="{FF2B5EF4-FFF2-40B4-BE49-F238E27FC236}">
-                  <a16:creationId xmlns:a16="http://schemas.microsoft.com/office/drawing/2014/main" id="{B91E8E40-9C42-4E16-980F-D9B38872F361}"/>
-                </a:ext>
-                <a:ext uri="{C183D7F6-B498-43B3-948B-1728B52AA6E4}">
-                  <adec:decorative xmlns:adec="http://schemas.microsoft.com/office/drawing/2017/decorative" val="1"/>
-                </a:ext>
-              </a:extLst>
-            </p:cNvPr>
-            <p:cNvCxnSpPr>
-              <a:cxnSpLocks/>
-            </p:cNvCxnSpPr>
-            <p:nvPr>
-              <p:extLst>
-                <p:ext uri="{386F3935-93C4-4BCD-93E2-E3B085C9AB24}">
-                  <p16:designElem xmlns:p16="http://schemas.microsoft.com/office/powerpoint/2015/main" val="1"/>
-                </p:ext>
-              </p:extLst>
-            </p:nvPr>
-          </p:nvCxnSpPr>
-          <p:spPr>
-            <a:xfrm>
-              <a:off x="11914293" y="-5330"/>
-              <a:ext cx="0" cy="6843985"/>
-            </a:xfrm>
-            <a:prstGeom prst="line">
-              <a:avLst/>
-            </a:prstGeom>
-            <a:ln w="19050">
-              <a:solidFill>
-                <a:schemeClr val="bg1"/>
-              </a:solidFill>
-            </a:ln>
-          </p:spPr>
-          <p:style>
-            <a:lnRef idx="1">
-              <a:schemeClr val="accent2"/>
-            </a:lnRef>
-            <a:fillRef idx="0">
-              <a:schemeClr val="accent2"/>
-            </a:fillRef>
-            <a:effectRef idx="0">
-              <a:schemeClr val="accent2"/>
-            </a:effectRef>
-            <a:fontRef idx="minor">
-              <a:schemeClr val="tx1"/>
-            </a:fontRef>
-          </p:style>
-        </p:cxnSp>
-        <p:cxnSp>
-          <p:nvCxnSpPr>
-            <p:cNvPr id="41" name="Straight Connector 40">
-              <a:extLst>
-                <a:ext uri="{FF2B5EF4-FFF2-40B4-BE49-F238E27FC236}">
-                  <a16:creationId xmlns:a16="http://schemas.microsoft.com/office/drawing/2014/main" id="{6B7E3690-D803-4CC7-BA93-B51ACF040FBF}"/>
-                </a:ext>
-                <a:ext uri="{C183D7F6-B498-43B3-948B-1728B52AA6E4}">
-                  <adec:decorative xmlns:adec="http://schemas.microsoft.com/office/drawing/2017/decorative" val="1"/>
-                </a:ext>
-              </a:extLst>
-            </p:cNvPr>
-            <p:cNvCxnSpPr>
-              <a:cxnSpLocks/>
-            </p:cNvCxnSpPr>
-            <p:nvPr>
-              <p:extLst>
-                <p:ext uri="{386F3935-93C4-4BCD-93E2-E3B085C9AB24}">
-                  <p16:designElem xmlns:p16="http://schemas.microsoft.com/office/powerpoint/2015/main" val="1"/>
-                </p:ext>
-              </p:extLst>
-            </p:nvPr>
-          </p:nvCxnSpPr>
-          <p:spPr>
-            <a:xfrm>
-              <a:off x="124177" y="-12406"/>
-              <a:ext cx="0" cy="6843985"/>
-            </a:xfrm>
-            <a:prstGeom prst="line">
-              <a:avLst/>
-            </a:prstGeom>
-            <a:ln w="19050">
-              <a:solidFill>
-                <a:schemeClr val="bg1"/>
-              </a:solidFill>
-            </a:ln>
-          </p:spPr>
-          <p:style>
-            <a:lnRef idx="1">
-              <a:schemeClr val="accent2"/>
-            </a:lnRef>
-            <a:fillRef idx="0">
-              <a:schemeClr val="accent2"/>
-            </a:fillRef>
-            <a:effectRef idx="0">
-              <a:schemeClr val="accent2"/>
-            </a:effectRef>
-            <a:fontRef idx="minor">
-              <a:schemeClr val="tx1"/>
-            </a:fontRef>
-          </p:style>
-        </p:cxnSp>
-      </p:grpSp>
-      <p:sp>
-        <p:nvSpPr>
-          <p:cNvPr id="2" name="Titel 1">
-            <a:extLst>
-              <a:ext uri="{FF2B5EF4-FFF2-40B4-BE49-F238E27FC236}">
-                <a16:creationId xmlns:a16="http://schemas.microsoft.com/office/drawing/2014/main" id="{C7E3F825-1918-451E-B3AB-EE354B6B60AF}"/>
-              </a:ext>
-            </a:extLst>
-          </p:cNvPr>
-          <p:cNvSpPr>
-            <a:spLocks noGrp="1"/>
-          </p:cNvSpPr>
-          <p:nvPr>
-            <p:ph type="title"/>
-          </p:nvPr>
-        </p:nvSpPr>
+        </p:nvCxnSpPr>
         <p:spPr>
           <a:xfrm>
-            <a:off x="630935" y="1362456"/>
-            <a:ext cx="4576401" cy="2079889"/>
-          </a:xfrm>
-        </p:spPr>
-        <p:txBody>
-          <a:bodyPr vert="horz" lIns="91440" tIns="45720" rIns="91440" bIns="45720" rtlCol="0" anchor="t">
-            <a:normAutofit/>
-          </a:bodyPr>
-          <a:lstStyle/>
-          <a:p>
-            <a:r>
-              <a:rPr lang="en-US" kern="1200">
-                <a:solidFill>
-                  <a:schemeClr val="tx1"/>
-                </a:solidFill>
-                <a:latin typeface="+mj-lt"/>
-                <a:ea typeface="+mj-ea"/>
-                <a:cs typeface="+mj-cs"/>
-              </a:rPr>
-              <a:t>Übung 3 Quicksort Parallelisierung Sections</a:t>
-            </a:r>
-          </a:p>
-        </p:txBody>
-      </p:sp>
-      <p:cxnSp>
-        <p:nvCxnSpPr>
-          <p:cNvPr id="43" name="Straight Connector 42">
-            <a:extLst>
-              <a:ext uri="{FF2B5EF4-FFF2-40B4-BE49-F238E27FC236}">
-                <a16:creationId xmlns:a16="http://schemas.microsoft.com/office/drawing/2014/main" id="{473E2575-93BA-49BD-A0BB-EBD45F7382A2}"/>
-              </a:ext>
-              <a:ext uri="{C183D7F6-B498-43B3-948B-1728B52AA6E4}">
-                <adec:decorative xmlns:adec="http://schemas.microsoft.com/office/drawing/2017/decorative" val="1"/>
-              </a:ext>
-            </a:extLst>
-          </p:cNvPr>
-          <p:cNvCxnSpPr>
-            <a:cxnSpLocks noGrp="1" noRot="1" noChangeAspect="1" noMove="1" noResize="1" noEditPoints="1" noAdjustHandles="1" noChangeArrowheads="1" noChangeShapeType="1"/>
-          </p:cNvCxnSpPr>
-          <p:nvPr>
-            <p:extLst>
-              <p:ext uri="{386F3935-93C4-4BCD-93E2-E3B085C9AB24}">
-                <p16:designElem xmlns:p16="http://schemas.microsoft.com/office/powerpoint/2015/main" val="1"/>
-              </p:ext>
-            </p:extLst>
-          </p:nvPr>
-        </p:nvCxnSpPr>
-        <p:spPr>
-          <a:xfrm flipH="1">
-            <a:off x="780800" y="1141470"/>
-            <a:ext cx="4413319" cy="0"/>
+            <a:off x="4654296" y="2057400"/>
+            <a:ext cx="0" cy="2743200"/>
           </a:xfrm>
           <a:prstGeom prst="line">
             <a:avLst/>
           </a:prstGeom>
-          <a:ln w="50800" cap="sq">
+          <a:ln w="19050">
             <a:solidFill>
-              <a:schemeClr val="accent5"/>
+              <a:schemeClr val="tx1">
+                <a:lumMod val="85000"/>
+                <a:lumOff val="15000"/>
+              </a:schemeClr>
             </a:solidFill>
-            <a:headEnd type="none"/>
-            <a:tailEnd type="none"/>
           </a:ln>
         </p:spPr>
         <p:style>
@@ -7089,10 +5682,107 @@
       </p:cxnSp>
       <p:sp>
         <p:nvSpPr>
-          <p:cNvPr id="45" name="Rectangle 44">
-            <a:extLst>
-              <a:ext uri="{FF2B5EF4-FFF2-40B4-BE49-F238E27FC236}">
-                <a16:creationId xmlns:a16="http://schemas.microsoft.com/office/drawing/2014/main" id="{F6F39701-6C43-48B2-9ABD-069AE5A955A1}"/>
+          <p:cNvPr id="3" name="Inhaltsplatzhalter 2">
+            <a:extLst>
+              <a:ext uri="{FF2B5EF4-FFF2-40B4-BE49-F238E27FC236}">
+                <a16:creationId xmlns:a16="http://schemas.microsoft.com/office/drawing/2014/main" id="{6EFFB83E-507E-4C9F-B3D5-EF05AE455650}"/>
+              </a:ext>
+            </a:extLst>
+          </p:cNvPr>
+          <p:cNvSpPr>
+            <a:spLocks noGrp="1"/>
+          </p:cNvSpPr>
+          <p:nvPr>
+            <p:ph idx="1"/>
+          </p:nvPr>
+        </p:nvSpPr>
+        <p:spPr>
+          <a:xfrm>
+            <a:off x="4976031" y="963877"/>
+            <a:ext cx="6377769" cy="4930246"/>
+          </a:xfrm>
+        </p:spPr>
+        <p:txBody>
+          <a:bodyPr anchor="ctr">
+            <a:normAutofit/>
+          </a:bodyPr>
+          <a:lstStyle/>
+          <a:p>
+            <a:r>
+              <a:rPr lang="en-US" sz="2400"/>
+              <a:t>Welcher Ansatz hat sich als bester zur Optimierung herausgestellt?</a:t>
+            </a:r>
+          </a:p>
+          <a:p>
+            <a:endParaRPr lang="en-US" sz="2400"/>
+          </a:p>
+          <a:p>
+            <a:endParaRPr lang="en-US" sz="2400"/>
+          </a:p>
+          <a:p>
+            <a:r>
+              <a:rPr lang="de-DE" sz="2400"/>
+              <a:t>Was könnten Probleme bei einer guten Optimierung sein?</a:t>
+            </a:r>
+          </a:p>
+          <a:p>
+            <a:endParaRPr lang="de-DE" sz="2400"/>
+          </a:p>
+          <a:p>
+            <a:endParaRPr lang="de-DE" sz="2400"/>
+          </a:p>
+          <a:p>
+            <a:r>
+              <a:rPr lang="de-DE" sz="2400"/>
+              <a:t>Ist das Beispiel anschaulich genug?</a:t>
+            </a:r>
+          </a:p>
+        </p:txBody>
+      </p:sp>
+    </p:spTree>
+    <p:extLst>
+      <p:ext uri="{BB962C8B-B14F-4D97-AF65-F5344CB8AC3E}">
+        <p14:creationId xmlns:p14="http://schemas.microsoft.com/office/powerpoint/2010/main" val="697228799"/>
+      </p:ext>
+    </p:extLst>
+  </p:cSld>
+  <p:clrMapOvr>
+    <a:masterClrMapping/>
+  </p:clrMapOvr>
+</p:sld>
+</file>
+
+<file path=ppt/slides/slide15.xml><?xml version="1.0" encoding="utf-8"?>
+<p:sld xmlns:a="http://schemas.openxmlformats.org/drawingml/2006/main" xmlns:r="http://schemas.openxmlformats.org/officeDocument/2006/relationships" xmlns:p="http://schemas.openxmlformats.org/presentationml/2006/main">
+  <p:cSld>
+    <p:bg>
+      <p:bgPr>
+        <a:solidFill>
+          <a:schemeClr val="bg1"/>
+        </a:solidFill>
+        <a:effectLst/>
+      </p:bgPr>
+    </p:bg>
+    <p:spTree>
+      <p:nvGrpSpPr>
+        <p:cNvPr id="1" name=""/>
+        <p:cNvGrpSpPr/>
+        <p:nvPr/>
+      </p:nvGrpSpPr>
+      <p:grpSpPr>
+        <a:xfrm>
+          <a:off x="0" y="0"/>
+          <a:ext cx="0" cy="0"/>
+          <a:chOff x="0" y="0"/>
+          <a:chExt cx="0" cy="0"/>
+        </a:xfrm>
+      </p:grpSpPr>
+      <p:sp useBgFill="1">
+        <p:nvSpPr>
+          <p:cNvPr id="54" name="Rectangle 53">
+            <a:extLst>
+              <a:ext uri="{FF2B5EF4-FFF2-40B4-BE49-F238E27FC236}">
+                <a16:creationId xmlns:a16="http://schemas.microsoft.com/office/drawing/2014/main" id="{AA474011-A49D-4C7A-BF41-0ACD0A2693B3}"/>
               </a:ext>
               <a:ext uri="{C183D7F6-B498-43B3-948B-1728B52AA6E4}">
                 <adec:decorative xmlns:adec="http://schemas.microsoft.com/office/drawing/2017/decorative" val="1"/>
@@ -7112,16 +5802,215 @@
         </p:nvSpPr>
         <p:spPr>
           <a:xfrm>
-            <a:off x="5376201" y="1161288"/>
-            <a:ext cx="5054975" cy="5563411"/>
+            <a:off x="0" y="0"/>
+            <a:ext cx="12192000" cy="6858000"/>
+          </a:xfrm>
+          <a:prstGeom prst="rect">
+            <a:avLst/>
+          </a:prstGeom>
+          <a:ln>
+            <a:noFill/>
+          </a:ln>
+        </p:spPr>
+        <p:style>
+          <a:lnRef idx="2">
+            <a:schemeClr val="accent1">
+              <a:shade val="50000"/>
+            </a:schemeClr>
+          </a:lnRef>
+          <a:fillRef idx="1">
+            <a:schemeClr val="accent1"/>
+          </a:fillRef>
+          <a:effectRef idx="0">
+            <a:schemeClr val="accent1"/>
+          </a:effectRef>
+          <a:fontRef idx="minor">
+            <a:schemeClr val="lt1"/>
+          </a:fontRef>
+        </p:style>
+        <p:txBody>
+          <a:bodyPr rtlCol="0" anchor="ctr"/>
+          <a:lstStyle/>
+          <a:p>
+            <a:pPr algn="ctr"/>
+            <a:endParaRPr lang="en-US"/>
+          </a:p>
+        </p:txBody>
+      </p:sp>
+      <p:sp useBgFill="1">
+        <p:nvSpPr>
+          <p:cNvPr id="56" name="Rectangle 55">
+            <a:extLst>
+              <a:ext uri="{FF2B5EF4-FFF2-40B4-BE49-F238E27FC236}">
+                <a16:creationId xmlns:a16="http://schemas.microsoft.com/office/drawing/2014/main" id="{6D72081E-AD41-4FBB-B02B-698A68DBCA5E}"/>
+              </a:ext>
+              <a:ext uri="{C183D7F6-B498-43B3-948B-1728B52AA6E4}">
+                <adec:decorative xmlns:adec="http://schemas.microsoft.com/office/drawing/2017/decorative" val="1"/>
+              </a:ext>
+            </a:extLst>
+          </p:cNvPr>
+          <p:cNvSpPr>
+            <a:spLocks noGrp="1" noRot="1" noChangeAspect="1" noMove="1" noResize="1" noEditPoints="1" noAdjustHandles="1" noChangeArrowheads="1" noChangeShapeType="1" noTextEdit="1"/>
+          </p:cNvSpPr>
+          <p:nvPr>
+            <p:extLst>
+              <p:ext uri="{386F3935-93C4-4BCD-93E2-E3B085C9AB24}">
+                <p16:designElem xmlns:p16="http://schemas.microsoft.com/office/powerpoint/2015/main" val="1"/>
+              </p:ext>
+            </p:extLst>
+          </p:nvPr>
+        </p:nvSpPr>
+        <p:spPr>
+          <a:xfrm>
+            <a:off x="554416" y="4218905"/>
+            <a:ext cx="11167447" cy="2089317"/>
+          </a:xfrm>
+          <a:prstGeom prst="rect">
+            <a:avLst/>
+          </a:prstGeom>
+          <a:ln w="12700">
+            <a:solidFill>
+              <a:srgbClr val="DEDEDE"/>
+            </a:solidFill>
+          </a:ln>
+          <a:effectLst>
+            <a:outerShdw blurRad="50800" dist="38100" dir="2700000" algn="tl" rotWithShape="0">
+              <a:schemeClr val="bg2">
+                <a:lumMod val="85000"/>
+                <a:alpha val="50000"/>
+              </a:schemeClr>
+            </a:outerShdw>
+          </a:effectLst>
+        </p:spPr>
+        <p:style>
+          <a:lnRef idx="2">
+            <a:schemeClr val="accent1">
+              <a:shade val="50000"/>
+            </a:schemeClr>
+          </a:lnRef>
+          <a:fillRef idx="1">
+            <a:schemeClr val="accent1"/>
+          </a:fillRef>
+          <a:effectRef idx="0">
+            <a:schemeClr val="accent1"/>
+          </a:effectRef>
+          <a:fontRef idx="minor">
+            <a:schemeClr val="lt1"/>
+          </a:fontRef>
+        </p:style>
+        <p:txBody>
+          <a:bodyPr rtlCol="0" anchor="ctr"/>
+          <a:lstStyle/>
+          <a:p>
+            <a:pPr marL="0" marR="0" lvl="0" indent="0" algn="ctr" defTabSz="914400" rtl="0" eaLnBrk="1" fontAlgn="auto" latinLnBrk="0" hangingPunct="1">
+              <a:lnSpc>
+                <a:spcPct val="100000"/>
+              </a:lnSpc>
+              <a:spcBef>
+                <a:spcPts val="0"/>
+              </a:spcBef>
+              <a:spcAft>
+                <a:spcPts val="0"/>
+              </a:spcAft>
+              <a:buClrTx/>
+              <a:buSzTx/>
+              <a:buFontTx/>
+              <a:buNone/>
+              <a:tabLst/>
+              <a:defRPr/>
+            </a:pPr>
+            <a:endParaRPr kumimoji="0" lang="en-US" sz="1800" b="0" i="0" u="none" strike="noStrike" kern="1200" cap="none" spc="0" normalizeH="0" baseline="0" noProof="0">
+              <a:ln>
+                <a:noFill/>
+              </a:ln>
+              <a:solidFill>
+                <a:prstClr val="white"/>
+              </a:solidFill>
+              <a:effectLst/>
+              <a:uLnTx/>
+              <a:uFillTx/>
+              <a:latin typeface="Calibri" panose="020F0502020204030204"/>
+              <a:ea typeface="+mn-ea"/>
+              <a:cs typeface="+mn-cs"/>
+            </a:endParaRPr>
+          </a:p>
+        </p:txBody>
+      </p:sp>
+      <p:sp>
+        <p:nvSpPr>
+          <p:cNvPr id="2" name="Titel 1">
+            <a:extLst>
+              <a:ext uri="{FF2B5EF4-FFF2-40B4-BE49-F238E27FC236}">
+                <a16:creationId xmlns:a16="http://schemas.microsoft.com/office/drawing/2014/main" id="{C7E3F825-1918-451E-B3AB-EE354B6B60AF}"/>
+              </a:ext>
+            </a:extLst>
+          </p:cNvPr>
+          <p:cNvSpPr>
+            <a:spLocks noGrp="1"/>
+          </p:cNvSpPr>
+          <p:nvPr>
+            <p:ph type="title"/>
+          </p:nvPr>
+        </p:nvSpPr>
+        <p:spPr>
+          <a:xfrm>
+            <a:off x="1051560" y="4444332"/>
+            <a:ext cx="3558466" cy="1645920"/>
+          </a:xfrm>
+        </p:spPr>
+        <p:txBody>
+          <a:bodyPr vert="horz" lIns="91440" tIns="45720" rIns="91440" bIns="45720" rtlCol="0" anchor="ctr">
+            <a:normAutofit/>
+          </a:bodyPr>
+          <a:lstStyle/>
+          <a:p>
+            <a:r>
+              <a:rPr lang="en-US" sz="3200" kern="1200">
+                <a:solidFill>
+                  <a:schemeClr val="tx1"/>
+                </a:solidFill>
+                <a:latin typeface="+mj-lt"/>
+                <a:ea typeface="+mj-ea"/>
+                <a:cs typeface="+mj-cs"/>
+              </a:rPr>
+              <a:t>Übung 3 Quicksort Parallelisierung Sections</a:t>
+            </a:r>
+          </a:p>
+        </p:txBody>
+      </p:sp>
+      <p:sp>
+        <p:nvSpPr>
+          <p:cNvPr id="58" name="Rectangle 57">
+            <a:extLst>
+              <a:ext uri="{FF2B5EF4-FFF2-40B4-BE49-F238E27FC236}">
+                <a16:creationId xmlns:a16="http://schemas.microsoft.com/office/drawing/2014/main" id="{716248AD-805F-41BF-9B57-FC53E5B32F98}"/>
+              </a:ext>
+              <a:ext uri="{C183D7F6-B498-43B3-948B-1728B52AA6E4}">
+                <adec:decorative xmlns:adec="http://schemas.microsoft.com/office/drawing/2017/decorative" val="1"/>
+              </a:ext>
+            </a:extLst>
+          </p:cNvPr>
+          <p:cNvSpPr>
+            <a:spLocks noGrp="1" noRot="1" noChangeAspect="1" noMove="1" noResize="1" noEditPoints="1" noAdjustHandles="1" noChangeArrowheads="1" noChangeShapeType="1" noTextEdit="1"/>
+          </p:cNvSpPr>
+          <p:nvPr>
+            <p:extLst>
+              <p:ext uri="{386F3935-93C4-4BCD-93E2-E3B085C9AB24}">
+                <p16:designElem xmlns:p16="http://schemas.microsoft.com/office/powerpoint/2015/main" val="1"/>
+              </p:ext>
+            </p:extLst>
+          </p:nvPr>
+        </p:nvSpPr>
+        <p:spPr>
+          <a:xfrm>
+            <a:off x="490408" y="4911518"/>
+            <a:ext cx="128016" cy="704088"/>
           </a:xfrm>
           <a:prstGeom prst="rect">
             <a:avLst/>
           </a:prstGeom>
           <a:solidFill>
-            <a:schemeClr val="bg2">
-              <a:alpha val="70000"/>
-            </a:schemeClr>
+            <a:schemeClr val="accent2"/>
           </a:solidFill>
           <a:ln>
             <a:noFill/>
@@ -7148,25 +6037,30 @@
           <a:lstStyle/>
           <a:p>
             <a:pPr algn="ctr"/>
-            <a:endParaRPr lang="en-US"/>
-          </a:p>
-        </p:txBody>
-      </p:sp>
-      <p:cxnSp>
-        <p:nvCxnSpPr>
-          <p:cNvPr id="47" name="Straight Connector 46">
-            <a:extLst>
-              <a:ext uri="{FF2B5EF4-FFF2-40B4-BE49-F238E27FC236}">
-                <a16:creationId xmlns:a16="http://schemas.microsoft.com/office/drawing/2014/main" id="{FE32AE2A-5F1E-4AB5-96CD-95BBC7E8CBB1}"/>
+            <a:endParaRPr lang="en-US" dirty="0">
+              <a:solidFill>
+                <a:prstClr val="white"/>
+              </a:solidFill>
+              <a:latin typeface="Calibri" panose="020F0502020204030204"/>
+            </a:endParaRPr>
+          </a:p>
+        </p:txBody>
+      </p:sp>
+      <p:sp>
+        <p:nvSpPr>
+          <p:cNvPr id="60" name="Rectangle 59">
+            <a:extLst>
+              <a:ext uri="{FF2B5EF4-FFF2-40B4-BE49-F238E27FC236}">
+                <a16:creationId xmlns:a16="http://schemas.microsoft.com/office/drawing/2014/main" id="{1F82758F-B2B3-4F0A-BB90-4BFFEDD166D6}"/>
               </a:ext>
               <a:ext uri="{C183D7F6-B498-43B3-948B-1728B52AA6E4}">
                 <adec:decorative xmlns:adec="http://schemas.microsoft.com/office/drawing/2017/decorative" val="1"/>
               </a:ext>
             </a:extLst>
           </p:cNvPr>
-          <p:cNvCxnSpPr>
-            <a:cxnSpLocks noGrp="1" noRot="1" noChangeAspect="1" noMove="1" noResize="1" noEditPoints="1" noAdjustHandles="1" noChangeArrowheads="1" noChangeShapeType="1"/>
-          </p:cNvCxnSpPr>
+          <p:cNvSpPr>
+            <a:spLocks noGrp="1" noRot="1" noChangeAspect="1" noMove="1" noResize="1" noEditPoints="1" noAdjustHandles="1" noChangeArrowheads="1" noChangeShapeType="1" noTextEdit="1"/>
+          </p:cNvSpPr>
           <p:nvPr>
             <p:extLst>
               <p:ext uri="{386F3935-93C4-4BCD-93E2-E3B085C9AB24}">
@@ -7174,179 +6068,22 @@
               </p:ext>
             </p:extLst>
           </p:nvPr>
-        </p:nvCxnSpPr>
+        </p:nvSpPr>
         <p:spPr>
-          <a:xfrm flipH="1">
-            <a:off x="5389638" y="1155984"/>
-            <a:ext cx="5007429" cy="0"/>
-          </a:xfrm>
-          <a:prstGeom prst="line">
-            <a:avLst/>
-          </a:prstGeom>
-          <a:ln w="25400" cap="sq">
-            <a:solidFill>
-              <a:schemeClr val="accent5"/>
-            </a:solidFill>
-            <a:headEnd type="none"/>
-            <a:tailEnd type="none"/>
-          </a:ln>
-        </p:spPr>
-        <p:style>
-          <a:lnRef idx="1">
-            <a:schemeClr val="accent1"/>
-          </a:lnRef>
-          <a:fillRef idx="0">
-            <a:schemeClr val="accent1"/>
-          </a:fillRef>
-          <a:effectRef idx="0">
-            <a:schemeClr val="accent1"/>
-          </a:effectRef>
-          <a:fontRef idx="minor">
-            <a:schemeClr val="tx1"/>
-          </a:fontRef>
-        </p:style>
-      </p:cxnSp>
-      <p:sp>
-        <p:nvSpPr>
-          <p:cNvPr id="7" name="Textfeld 6">
-            <a:extLst>
-              <a:ext uri="{FF2B5EF4-FFF2-40B4-BE49-F238E27FC236}">
-                <a16:creationId xmlns:a16="http://schemas.microsoft.com/office/drawing/2014/main" id="{F7CB4E5E-F9B9-4726-B396-8BE0571DEC4F}"/>
-              </a:ext>
-            </a:extLst>
-          </p:cNvPr>
-          <p:cNvSpPr txBox="1"/>
-          <p:nvPr/>
-        </p:nvSpPr>
-        <p:spPr>
-          <a:xfrm>
-            <a:off x="5516281" y="1362456"/>
-            <a:ext cx="4715437" cy="5217638"/>
+          <a:xfrm rot="5400000">
+            <a:off x="4243541" y="5254418"/>
+            <a:ext cx="1463040" cy="18288"/>
           </a:xfrm>
           <a:prstGeom prst="rect">
             <a:avLst/>
           </a:prstGeom>
-        </p:spPr>
-        <p:txBody>
-          <a:bodyPr vert="horz" lIns="91440" tIns="45720" rIns="91440" bIns="45720" rtlCol="0" anchor="ctr">
-            <a:normAutofit/>
-          </a:bodyPr>
-          <a:lstStyle/>
-          <a:p>
-            <a:pPr marL="457200" indent="-228600">
-              <a:lnSpc>
-                <a:spcPct val="90000"/>
-              </a:lnSpc>
-              <a:spcAft>
-                <a:spcPts val="600"/>
-              </a:spcAft>
-              <a:buFont typeface="Arial" panose="020B0604020202020204" pitchFamily="34" charset="0"/>
-              <a:buChar char="•"/>
-            </a:pPr>
-            <a:r>
-              <a:rPr lang="en-US" sz="2400" dirty="0" err="1"/>
-              <a:t>Warum</a:t>
-            </a:r>
-            <a:r>
-              <a:rPr lang="en-US" sz="2400" dirty="0"/>
-              <a:t> </a:t>
-            </a:r>
-            <a:r>
-              <a:rPr lang="en-US" sz="2400" dirty="0" err="1"/>
-              <a:t>ist</a:t>
-            </a:r>
-            <a:r>
-              <a:rPr lang="en-US" sz="2400" dirty="0"/>
-              <a:t> die </a:t>
-            </a:r>
-            <a:r>
-              <a:rPr lang="en-US" sz="2400" dirty="0" err="1"/>
-              <a:t>Parallelisierung</a:t>
-            </a:r>
-            <a:r>
-              <a:rPr lang="en-US" sz="2400" dirty="0"/>
-              <a:t> </a:t>
-            </a:r>
-            <a:r>
-              <a:rPr lang="en-US" sz="2400" dirty="0" err="1"/>
-              <a:t>gleich</a:t>
-            </a:r>
-            <a:r>
-              <a:rPr lang="en-US" sz="2400" dirty="0"/>
-              <a:t> schnell, </a:t>
-            </a:r>
-            <a:r>
-              <a:rPr lang="en-US" sz="2400" dirty="0" err="1"/>
-              <a:t>wenn</a:t>
-            </a:r>
-            <a:r>
-              <a:rPr lang="en-US" sz="2400" dirty="0"/>
-              <a:t> die Quicksort </a:t>
-            </a:r>
-            <a:r>
-              <a:rPr lang="en-US" sz="2400" dirty="0" err="1"/>
-              <a:t>Methode</a:t>
-            </a:r>
-            <a:r>
-              <a:rPr lang="en-US" sz="2400" dirty="0"/>
-              <a:t> </a:t>
-            </a:r>
-            <a:r>
-              <a:rPr lang="en-US" sz="2400" dirty="0" err="1"/>
-              <a:t>Parallelisiert</a:t>
-            </a:r>
-            <a:r>
-              <a:rPr lang="en-US" sz="2400" dirty="0"/>
-              <a:t> </a:t>
-            </a:r>
-            <a:r>
-              <a:rPr lang="en-US" sz="2400" dirty="0" err="1"/>
-              <a:t>wird</a:t>
-            </a:r>
-            <a:r>
-              <a:rPr lang="en-US" sz="2400" dirty="0"/>
-              <a:t>?</a:t>
-            </a:r>
-          </a:p>
-        </p:txBody>
-      </p:sp>
-      <p:sp>
-        <p:nvSpPr>
-          <p:cNvPr id="49" name="Color">
-            <a:extLst>
-              <a:ext uri="{FF2B5EF4-FFF2-40B4-BE49-F238E27FC236}">
-                <a16:creationId xmlns:a16="http://schemas.microsoft.com/office/drawing/2014/main" id="{D665D759-2DF8-4D47-8386-4BA28901A79D}"/>
-              </a:ext>
-              <a:ext uri="{C183D7F6-B498-43B3-948B-1728B52AA6E4}">
-                <adec:decorative xmlns:adec="http://schemas.microsoft.com/office/drawing/2017/decorative" val="1"/>
-              </a:ext>
-            </a:extLst>
-          </p:cNvPr>
-          <p:cNvSpPr>
-            <a:spLocks noGrp="1" noRot="1" noChangeAspect="1" noMove="1" noResize="1" noEditPoints="1" noAdjustHandles="1" noChangeArrowheads="1" noChangeShapeType="1" noTextEdit="1"/>
-          </p:cNvSpPr>
-          <p:nvPr>
-            <p:extLst>
-              <p:ext uri="{386F3935-93C4-4BCD-93E2-E3B085C9AB24}">
-                <p16:designElem xmlns:p16="http://schemas.microsoft.com/office/powerpoint/2015/main" val="1"/>
-              </p:ext>
-            </p:extLst>
-          </p:nvPr>
-        </p:nvSpPr>
-        <p:spPr>
-          <a:xfrm>
-            <a:off x="11347704" y="147451"/>
-            <a:ext cx="685800" cy="6586489"/>
-          </a:xfrm>
-          <a:prstGeom prst="rect">
-            <a:avLst/>
-          </a:prstGeom>
-          <a:noFill/>
-          <a:ln w="25400">
-            <a:solidFill>
-              <a:schemeClr val="accent5"/>
-            </a:solidFill>
+          <a:solidFill>
+            <a:srgbClr val="D5D5D5"/>
+          </a:solidFill>
+          <a:ln w="3175">
+            <a:noFill/>
           </a:ln>
+          <a:effectLst/>
         </p:spPr>
         <p:style>
           <a:lnRef idx="2">
@@ -7371,9 +6108,54 @@
             <a:pPr algn="ctr"/>
             <a:endParaRPr lang="en-US">
               <a:solidFill>
-                <a:schemeClr val="accent5"/>
+                <a:prstClr val="white"/>
               </a:solidFill>
+              <a:latin typeface="Calibri" panose="020F0502020204030204"/>
             </a:endParaRPr>
+          </a:p>
+        </p:txBody>
+      </p:sp>
+      <p:sp>
+        <p:nvSpPr>
+          <p:cNvPr id="7" name="Textfeld 6">
+            <a:extLst>
+              <a:ext uri="{FF2B5EF4-FFF2-40B4-BE49-F238E27FC236}">
+                <a16:creationId xmlns:a16="http://schemas.microsoft.com/office/drawing/2014/main" id="{F7CB4E5E-F9B9-4726-B396-8BE0571DEC4F}"/>
+              </a:ext>
+            </a:extLst>
+          </p:cNvPr>
+          <p:cNvSpPr txBox="1"/>
+          <p:nvPr/>
+        </p:nvSpPr>
+        <p:spPr>
+          <a:xfrm>
+            <a:off x="5349240" y="4440602"/>
+            <a:ext cx="6007608" cy="1645920"/>
+          </a:xfrm>
+          <a:prstGeom prst="rect">
+            <a:avLst/>
+          </a:prstGeom>
+        </p:spPr>
+        <p:txBody>
+          <a:bodyPr vert="horz" lIns="91440" tIns="45720" rIns="91440" bIns="45720" rtlCol="0" anchor="ctr">
+            <a:normAutofit/>
+          </a:bodyPr>
+          <a:lstStyle/>
+          <a:p>
+            <a:pPr marL="457200" indent="-228600">
+              <a:lnSpc>
+                <a:spcPct val="90000"/>
+              </a:lnSpc>
+              <a:spcAft>
+                <a:spcPts val="600"/>
+              </a:spcAft>
+              <a:buFont typeface="Arial" panose="020B0604020202020204" pitchFamily="34" charset="0"/>
+              <a:buChar char="•"/>
+            </a:pPr>
+            <a:r>
+              <a:rPr lang="en-US"/>
+              <a:t>Warum ist die Parallelisierung gleich schnell, wenn die Quicksort Methode Parallelisiert wird?</a:t>
+            </a:r>
           </a:p>
         </p:txBody>
       </p:sp>
@@ -7393,14 +6175,14 @@
             <p:ph idx="1"/>
             <p:extLst>
               <p:ext uri="{D42A27DB-BD31-4B8C-83A1-F6EECF244321}">
-                <p14:modId xmlns:p14="http://schemas.microsoft.com/office/powerpoint/2010/main" val="270246494"/>
+                <p14:modId xmlns:p14="http://schemas.microsoft.com/office/powerpoint/2010/main" val="2713480442"/>
               </p:ext>
             </p:extLst>
           </p:nvPr>
         </p:nvGraphicFramePr>
         <p:xfrm>
-          <a:off x="706584" y="4588936"/>
-          <a:ext cx="4500896" cy="1121127"/>
+          <a:off x="557784" y="703262"/>
+          <a:ext cx="11164828" cy="2952948"/>
         </p:xfrm>
         <a:graphic>
           <a:graphicData uri="http://schemas.openxmlformats.org/drawingml/2006/table">
@@ -7410,42 +6192,42 @@
                 <a:tableStyleId>{5C22544A-7EE6-4342-B048-85BDC9FD1C3A}</a:tableStyleId>
               </a:tblPr>
               <a:tblGrid>
-                <a:gridCol w="871175">
+                <a:gridCol w="2142489">
                   <a:extLst>
                     <a:ext uri="{9D8B030D-6E8A-4147-A177-3AD203B41FA5}">
                       <a16:colId xmlns:a16="http://schemas.microsoft.com/office/drawing/2014/main" val="3706614358"/>
                     </a:ext>
                   </a:extLst>
                 </a:gridCol>
-                <a:gridCol w="634827">
+                <a:gridCol w="1584755">
                   <a:extLst>
                     <a:ext uri="{9D8B030D-6E8A-4147-A177-3AD203B41FA5}">
                       <a16:colId xmlns:a16="http://schemas.microsoft.com/office/drawing/2014/main" val="1804461210"/>
                     </a:ext>
                   </a:extLst>
                 </a:gridCol>
-                <a:gridCol w="710758">
+                <a:gridCol w="1767848">
                   <a:extLst>
                     <a:ext uri="{9D8B030D-6E8A-4147-A177-3AD203B41FA5}">
                       <a16:colId xmlns:a16="http://schemas.microsoft.com/office/drawing/2014/main" val="4173243819"/>
                     </a:ext>
                   </a:extLst>
                 </a:gridCol>
-                <a:gridCol w="710758">
+                <a:gridCol w="1767848">
                   <a:extLst>
                     <a:ext uri="{9D8B030D-6E8A-4147-A177-3AD203B41FA5}">
                       <a16:colId xmlns:a16="http://schemas.microsoft.com/office/drawing/2014/main" val="4134306666"/>
                     </a:ext>
                   </a:extLst>
                 </a:gridCol>
-                <a:gridCol w="786689">
+                <a:gridCol w="1950944">
                   <a:extLst>
                     <a:ext uri="{9D8B030D-6E8A-4147-A177-3AD203B41FA5}">
                       <a16:colId xmlns:a16="http://schemas.microsoft.com/office/drawing/2014/main" val="3835685042"/>
                     </a:ext>
                   </a:extLst>
                 </a:gridCol>
-                <a:gridCol w="786689">
+                <a:gridCol w="1950944">
                   <a:extLst>
                     <a:ext uri="{9D8B030D-6E8A-4147-A177-3AD203B41FA5}">
                       <a16:colId xmlns:a16="http://schemas.microsoft.com/office/drawing/2014/main" val="1373760785"/>
@@ -7453,21 +6235,21 @@
                   </a:extLst>
                 </a:gridCol>
               </a:tblGrid>
-              <a:tr h="373709">
+              <a:tr h="984316">
                 <a:tc>
                   <a:txBody>
                     <a:bodyPr/>
                     <a:lstStyle/>
                     <a:p>
-                      <a:endParaRPr lang="de-DE" sz="1100" b="1">
+                      <a:endParaRPr lang="de-DE" sz="2800" b="1">
                         <a:solidFill>
                           <a:srgbClr val="FFFFFF"/>
                         </a:solidFill>
                       </a:endParaRPr>
                     </a:p>
                   </a:txBody>
-                  <a:tcPr marL="154001" marR="92401" marT="92401" marB="92401">
-                    <a:lnL w="38100" cap="flat" cmpd="sng" algn="ctr">
+                  <a:tcPr marL="405625" marR="243375" marT="243375" marB="243375">
+                    <a:lnL w="12700" cmpd="sng">
                       <a:noFill/>
                       <a:prstDash val="solid"/>
                     </a:lnL>
@@ -7477,7 +6259,7 @@
                       </a:solidFill>
                       <a:prstDash val="solid"/>
                     </a:lnR>
-                    <a:lnT w="38100" cap="flat" cmpd="sng" algn="ctr">
+                    <a:lnT w="12700" cmpd="sng">
                       <a:noFill/>
                       <a:prstDash val="solid"/>
                     </a:lnT>
@@ -7500,21 +6282,21 @@
                     <a:lstStyle/>
                     <a:p>
                       <a:r>
-                        <a:rPr lang="en-US" sz="1100" b="1">
+                        <a:rPr lang="en-US" sz="2800" b="1">
                           <a:solidFill>
                             <a:srgbClr val="FFFFFF"/>
                           </a:solidFill>
                         </a:rPr>
                         <a:t>1000</a:t>
                       </a:r>
-                      <a:endParaRPr lang="de-DE" sz="1100" b="1">
+                      <a:endParaRPr lang="de-DE" sz="2800" b="1">
                         <a:solidFill>
                           <a:srgbClr val="FFFFFF"/>
                         </a:solidFill>
                       </a:endParaRPr>
                     </a:p>
                   </a:txBody>
-                  <a:tcPr marL="154001" marR="92401" marT="92401" marB="92401">
+                  <a:tcPr marL="405625" marR="243375" marT="243375" marB="243375">
                     <a:lnL w="38100" cap="flat" cmpd="sng" algn="ctr">
                       <a:solidFill>
                         <a:srgbClr val="FFFFFF"/>
@@ -7527,7 +6309,7 @@
                       </a:solidFill>
                       <a:prstDash val="solid"/>
                     </a:lnR>
-                    <a:lnT w="38100" cap="flat" cmpd="sng" algn="ctr">
+                    <a:lnT w="12700" cmpd="sng">
                       <a:noFill/>
                       <a:prstDash val="solid"/>
                     </a:lnT>
@@ -7550,21 +6332,21 @@
                     <a:lstStyle/>
                     <a:p>
                       <a:r>
-                        <a:rPr lang="en-US" sz="1100" b="1">
+                        <a:rPr lang="en-US" sz="2800" b="1">
                           <a:solidFill>
                             <a:srgbClr val="FFFFFF"/>
                           </a:solidFill>
                         </a:rPr>
                         <a:t>10000</a:t>
                       </a:r>
-                      <a:endParaRPr lang="de-DE" sz="1100" b="1">
+                      <a:endParaRPr lang="de-DE" sz="2800" b="1">
                         <a:solidFill>
                           <a:srgbClr val="FFFFFF"/>
                         </a:solidFill>
                       </a:endParaRPr>
                     </a:p>
                   </a:txBody>
-                  <a:tcPr marL="154001" marR="92401" marT="92401" marB="92401">
+                  <a:tcPr marL="405625" marR="243375" marT="243375" marB="243375">
                     <a:lnL w="38100" cap="flat" cmpd="sng" algn="ctr">
                       <a:solidFill>
                         <a:srgbClr val="FFFFFF"/>
@@ -7577,7 +6359,7 @@
                       </a:solidFill>
                       <a:prstDash val="solid"/>
                     </a:lnR>
-                    <a:lnT w="38100" cap="flat" cmpd="sng" algn="ctr">
+                    <a:lnT w="12700" cmpd="sng">
                       <a:noFill/>
                       <a:prstDash val="solid"/>
                     </a:lnT>
@@ -7600,21 +6382,21 @@
                     <a:lstStyle/>
                     <a:p>
                       <a:r>
-                        <a:rPr lang="en-US" sz="1100" b="1">
+                        <a:rPr lang="en-US" sz="2800" b="1">
                           <a:solidFill>
                             <a:srgbClr val="FFFFFF"/>
                           </a:solidFill>
                         </a:rPr>
                         <a:t>50000</a:t>
                       </a:r>
-                      <a:endParaRPr lang="de-DE" sz="1100" b="1">
+                      <a:endParaRPr lang="de-DE" sz="2800" b="1">
                         <a:solidFill>
                           <a:srgbClr val="FFFFFF"/>
                         </a:solidFill>
                       </a:endParaRPr>
                     </a:p>
                   </a:txBody>
-                  <a:tcPr marL="154001" marR="92401" marT="92401" marB="92401">
+                  <a:tcPr marL="405625" marR="243375" marT="243375" marB="243375">
                     <a:lnL w="38100" cap="flat" cmpd="sng" algn="ctr">
                       <a:solidFill>
                         <a:srgbClr val="FFFFFF"/>
@@ -7627,7 +6409,7 @@
                       </a:solidFill>
                       <a:prstDash val="solid"/>
                     </a:lnR>
-                    <a:lnT w="38100" cap="flat" cmpd="sng" algn="ctr">
+                    <a:lnT w="12700" cmpd="sng">
                       <a:noFill/>
                       <a:prstDash val="solid"/>
                     </a:lnT>
@@ -7650,21 +6432,21 @@
                     <a:lstStyle/>
                     <a:p>
                       <a:r>
-                        <a:rPr lang="en-US" sz="1100" b="1">
+                        <a:rPr lang="en-US" sz="2800" b="1">
                           <a:solidFill>
                             <a:srgbClr val="FFFFFF"/>
                           </a:solidFill>
                         </a:rPr>
                         <a:t>100000</a:t>
                       </a:r>
-                      <a:endParaRPr lang="de-DE" sz="1100" b="1">
+                      <a:endParaRPr lang="de-DE" sz="2800" b="1">
                         <a:solidFill>
                           <a:srgbClr val="FFFFFF"/>
                         </a:solidFill>
                       </a:endParaRPr>
                     </a:p>
                   </a:txBody>
-                  <a:tcPr marL="154001" marR="92401" marT="92401" marB="92401">
+                  <a:tcPr marL="405625" marR="243375" marT="243375" marB="243375">
                     <a:lnL w="38100" cap="flat" cmpd="sng" algn="ctr">
                       <a:solidFill>
                         <a:srgbClr val="FFFFFF"/>
@@ -7677,7 +6459,7 @@
                       </a:solidFill>
                       <a:prstDash val="solid"/>
                     </a:lnR>
-                    <a:lnT w="38100" cap="flat" cmpd="sng" algn="ctr">
+                    <a:lnT w="12700" cmpd="sng">
                       <a:noFill/>
                       <a:prstDash val="solid"/>
                     </a:lnT>
@@ -7700,32 +6482,32 @@
                     <a:lstStyle/>
                     <a:p>
                       <a:r>
-                        <a:rPr lang="en-US" sz="1100" b="1">
+                        <a:rPr lang="en-US" sz="2800" b="1">
                           <a:solidFill>
                             <a:srgbClr val="FFFFFF"/>
                           </a:solidFill>
                         </a:rPr>
                         <a:t>500000</a:t>
                       </a:r>
-                      <a:endParaRPr lang="de-DE" sz="1100" b="1">
+                      <a:endParaRPr lang="de-DE" sz="2800" b="1">
                         <a:solidFill>
                           <a:srgbClr val="FFFFFF"/>
                         </a:solidFill>
                       </a:endParaRPr>
                     </a:p>
                   </a:txBody>
-                  <a:tcPr marL="154001" marR="92401" marT="92401" marB="92401">
+                  <a:tcPr marL="405625" marR="243375" marT="243375" marB="243375">
                     <a:lnL w="38100" cap="flat" cmpd="sng" algn="ctr">
                       <a:solidFill>
                         <a:srgbClr val="FFFFFF"/>
                       </a:solidFill>
                       <a:prstDash val="solid"/>
                     </a:lnL>
-                    <a:lnR w="38100" cap="flat" cmpd="sng" algn="ctr">
+                    <a:lnR w="12700" cmpd="sng">
                       <a:noFill/>
                       <a:prstDash val="solid"/>
                     </a:lnR>
-                    <a:lnT w="38100" cap="flat" cmpd="sng" algn="ctr">
+                    <a:lnT w="12700" cmpd="sng">
                       <a:noFill/>
                       <a:prstDash val="solid"/>
                     </a:lnT>
@@ -7748,14 +6530,14 @@
                   </a:ext>
                 </a:extLst>
               </a:tr>
-              <a:tr h="373709">
+              <a:tr h="984316">
                 <a:tc>
                   <a:txBody>
                     <a:bodyPr/>
                     <a:lstStyle/>
                     <a:p>
                       <a:r>
-                        <a:rPr lang="en-US" sz="1100">
+                        <a:rPr lang="en-US" sz="2800">
                           <a:solidFill>
                             <a:schemeClr val="tx1">
                               <a:lumMod val="85000"/>
@@ -7765,7 +6547,7 @@
                         </a:rPr>
                         <a:t>Normal</a:t>
                       </a:r>
-                      <a:endParaRPr lang="de-DE" sz="1100">
+                      <a:endParaRPr lang="de-DE" sz="2800">
                         <a:solidFill>
                           <a:schemeClr val="tx1">
                             <a:lumMod val="85000"/>
@@ -7775,8 +6557,8 @@
                       </a:endParaRPr>
                     </a:p>
                   </a:txBody>
-                  <a:tcPr marL="154001" marR="92401" marT="92401" marB="92401">
-                    <a:lnL w="38100" cap="flat" cmpd="sng" algn="ctr">
+                  <a:tcPr marL="405625" marR="243375" marT="243375" marB="243375">
+                    <a:lnL w="12700" cmpd="sng">
                       <a:noFill/>
                       <a:prstDash val="solid"/>
                     </a:lnL>
@@ -7811,7 +6593,7 @@
                     <a:lstStyle/>
                     <a:p>
                       <a:r>
-                        <a:rPr lang="en-US" sz="1100">
+                        <a:rPr lang="en-US" sz="2800">
                           <a:solidFill>
                             <a:schemeClr val="tx1">
                               <a:lumMod val="85000"/>
@@ -7821,7 +6603,7 @@
                         </a:rPr>
                         <a:t>217</a:t>
                       </a:r>
-                      <a:endParaRPr lang="de-DE" sz="1100">
+                      <a:endParaRPr lang="de-DE" sz="2800">
                         <a:solidFill>
                           <a:schemeClr val="tx1">
                             <a:lumMod val="85000"/>
@@ -7831,7 +6613,7 @@
                       </a:endParaRPr>
                     </a:p>
                   </a:txBody>
-                  <a:tcPr marL="154001" marR="92401" marT="92401" marB="92401">
+                  <a:tcPr marL="405625" marR="243375" marT="243375" marB="243375">
                     <a:lnL w="38100" cap="flat" cmpd="sng" algn="ctr">
                       <a:solidFill>
                         <a:srgbClr val="FFFFFF"/>
@@ -7869,7 +6651,7 @@
                     <a:lstStyle/>
                     <a:p>
                       <a:r>
-                        <a:rPr lang="en-US" sz="1100">
+                        <a:rPr lang="en-US" sz="2800">
                           <a:solidFill>
                             <a:schemeClr val="tx1">
                               <a:lumMod val="85000"/>
@@ -7879,7 +6661,7 @@
                         </a:rPr>
                         <a:t>2692</a:t>
                       </a:r>
-                      <a:endParaRPr lang="de-DE" sz="1100">
+                      <a:endParaRPr lang="de-DE" sz="2800">
                         <a:solidFill>
                           <a:schemeClr val="tx1">
                             <a:lumMod val="85000"/>
@@ -7889,7 +6671,7 @@
                       </a:endParaRPr>
                     </a:p>
                   </a:txBody>
-                  <a:tcPr marL="154001" marR="92401" marT="92401" marB="92401">
+                  <a:tcPr marL="405625" marR="243375" marT="243375" marB="243375">
                     <a:lnL w="38100" cap="flat" cmpd="sng" algn="ctr">
                       <a:solidFill>
                         <a:srgbClr val="FFFFFF"/>
@@ -7927,7 +6709,7 @@
                     <a:lstStyle/>
                     <a:p>
                       <a:r>
-                        <a:rPr lang="en-US" sz="1100">
+                        <a:rPr lang="en-US" sz="2800">
                           <a:solidFill>
                             <a:schemeClr val="tx1">
                               <a:lumMod val="85000"/>
@@ -7937,7 +6719,7 @@
                         </a:rPr>
                         <a:t>15487</a:t>
                       </a:r>
-                      <a:endParaRPr lang="de-DE" sz="1100">
+                      <a:endParaRPr lang="de-DE" sz="2800">
                         <a:solidFill>
                           <a:schemeClr val="tx1">
                             <a:lumMod val="85000"/>
@@ -7947,7 +6729,7 @@
                       </a:endParaRPr>
                     </a:p>
                   </a:txBody>
-                  <a:tcPr marL="154001" marR="92401" marT="92401" marB="92401">
+                  <a:tcPr marL="405625" marR="243375" marT="243375" marB="243375">
                     <a:lnL w="38100" cap="flat" cmpd="sng" algn="ctr">
                       <a:solidFill>
                         <a:srgbClr val="FFFFFF"/>
@@ -7985,7 +6767,7 @@
                     <a:lstStyle/>
                     <a:p>
                       <a:r>
-                        <a:rPr lang="en-US" sz="1100">
+                        <a:rPr lang="en-US" sz="2800">
                           <a:solidFill>
                             <a:schemeClr val="tx1">
                               <a:lumMod val="85000"/>
@@ -7995,7 +6777,7 @@
                         </a:rPr>
                         <a:t>33254</a:t>
                       </a:r>
-                      <a:endParaRPr lang="de-DE" sz="1100">
+                      <a:endParaRPr lang="de-DE" sz="2800">
                         <a:solidFill>
                           <a:schemeClr val="tx1">
                             <a:lumMod val="85000"/>
@@ -8005,7 +6787,7 @@
                       </a:endParaRPr>
                     </a:p>
                   </a:txBody>
-                  <a:tcPr marL="154001" marR="92401" marT="92401" marB="92401">
+                  <a:tcPr marL="405625" marR="243375" marT="243375" marB="243375">
                     <a:lnL w="38100" cap="flat" cmpd="sng" algn="ctr">
                       <a:solidFill>
                         <a:srgbClr val="FFFFFF"/>
@@ -8043,7 +6825,7 @@
                     <a:lstStyle/>
                     <a:p>
                       <a:r>
-                        <a:rPr lang="en-US" sz="1100">
+                        <a:rPr lang="en-US" sz="2800">
                           <a:solidFill>
                             <a:schemeClr val="tx1">
                               <a:lumMod val="85000"/>
@@ -8053,7 +6835,7 @@
                         </a:rPr>
                         <a:t>191251</a:t>
                       </a:r>
-                      <a:endParaRPr lang="de-DE" sz="1100">
+                      <a:endParaRPr lang="de-DE" sz="2800">
                         <a:solidFill>
                           <a:schemeClr val="tx1">
                             <a:lumMod val="85000"/>
@@ -8063,14 +6845,14 @@
                       </a:endParaRPr>
                     </a:p>
                   </a:txBody>
-                  <a:tcPr marL="154001" marR="92401" marT="92401" marB="92401">
+                  <a:tcPr marL="405625" marR="243375" marT="243375" marB="243375">
                     <a:lnL w="38100" cap="flat" cmpd="sng" algn="ctr">
                       <a:solidFill>
                         <a:srgbClr val="FFFFFF"/>
                       </a:solidFill>
                       <a:prstDash val="solid"/>
                     </a:lnL>
-                    <a:lnR w="38100" cap="flat" cmpd="sng" algn="ctr">
+                    <a:lnR w="12700" cmpd="sng">
                       <a:noFill/>
                       <a:prstDash val="solid"/>
                     </a:lnR>
@@ -8099,14 +6881,14 @@
                   </a:ext>
                 </a:extLst>
               </a:tr>
-              <a:tr h="373709">
+              <a:tr h="984316">
                 <a:tc>
                   <a:txBody>
                     <a:bodyPr/>
                     <a:lstStyle/>
                     <a:p>
                       <a:r>
-                        <a:rPr lang="en-US" sz="1100">
+                        <a:rPr lang="en-US" sz="2800">
                           <a:solidFill>
                             <a:schemeClr val="tx1">
                               <a:lumMod val="85000"/>
@@ -8116,7 +6898,7 @@
                         </a:rPr>
                         <a:t>OpenMP</a:t>
                       </a:r>
-                      <a:endParaRPr lang="de-DE" sz="1100">
+                      <a:endParaRPr lang="de-DE" sz="2800">
                         <a:solidFill>
                           <a:schemeClr val="tx1">
                             <a:lumMod val="85000"/>
@@ -8126,7 +6908,7 @@
                       </a:endParaRPr>
                     </a:p>
                   </a:txBody>
-                  <a:tcPr marL="154001" marR="92401" marT="92401" marB="92401">
+                  <a:tcPr marL="405625" marR="243375" marT="243375" marB="243375">
                     <a:lnL w="12700" cmpd="sng">
                       <a:noFill/>
                       <a:prstDash val="solid"/>
@@ -8160,7 +6942,7 @@
                     <a:lstStyle/>
                     <a:p>
                       <a:r>
-                        <a:rPr lang="en-US" sz="1100">
+                        <a:rPr lang="en-US" sz="2800">
                           <a:solidFill>
                             <a:schemeClr val="tx1">
                               <a:lumMod val="85000"/>
@@ -8170,7 +6952,7 @@
                         </a:rPr>
                         <a:t>435</a:t>
                       </a:r>
-                      <a:endParaRPr lang="de-DE" sz="1100">
+                      <a:endParaRPr lang="de-DE" sz="2800">
                         <a:solidFill>
                           <a:schemeClr val="tx1">
                             <a:lumMod val="85000"/>
@@ -8180,7 +6962,7 @@
                       </a:endParaRPr>
                     </a:p>
                   </a:txBody>
-                  <a:tcPr marL="154001" marR="92401" marT="92401" marB="92401">
+                  <a:tcPr marL="405625" marR="243375" marT="243375" marB="243375">
                     <a:lnL w="38100" cap="flat" cmpd="sng" algn="ctr">
                       <a:solidFill>
                         <a:srgbClr val="FFFFFF"/>
@@ -8216,7 +6998,7 @@
                     <a:lstStyle/>
                     <a:p>
                       <a:r>
-                        <a:rPr lang="en-US" sz="1100">
+                        <a:rPr lang="en-US" sz="2800">
                           <a:solidFill>
                             <a:schemeClr val="tx1">
                               <a:lumMod val="85000"/>
@@ -8226,7 +7008,7 @@
                         </a:rPr>
                         <a:t>2495</a:t>
                       </a:r>
-                      <a:endParaRPr lang="de-DE" sz="1100">
+                      <a:endParaRPr lang="de-DE" sz="2800">
                         <a:solidFill>
                           <a:schemeClr val="tx1">
                             <a:lumMod val="85000"/>
@@ -8236,7 +7018,7 @@
                       </a:endParaRPr>
                     </a:p>
                   </a:txBody>
-                  <a:tcPr marL="154001" marR="92401" marT="92401" marB="92401">
+                  <a:tcPr marL="405625" marR="243375" marT="243375" marB="243375">
                     <a:lnL w="38100" cap="flat" cmpd="sng" algn="ctr">
                       <a:solidFill>
                         <a:srgbClr val="FFFFFF"/>
@@ -8272,7 +7054,7 @@
                     <a:lstStyle/>
                     <a:p>
                       <a:r>
-                        <a:rPr lang="en-US" sz="1100">
+                        <a:rPr lang="en-US" sz="2800">
                           <a:solidFill>
                             <a:schemeClr val="tx1">
                               <a:lumMod val="85000"/>
@@ -8282,7 +7064,7 @@
                         </a:rPr>
                         <a:t>13362</a:t>
                       </a:r>
-                      <a:endParaRPr lang="de-DE" sz="1100">
+                      <a:endParaRPr lang="de-DE" sz="2800">
                         <a:solidFill>
                           <a:schemeClr val="tx1">
                             <a:lumMod val="85000"/>
@@ -8292,7 +7074,7 @@
                       </a:endParaRPr>
                     </a:p>
                   </a:txBody>
-                  <a:tcPr marL="154001" marR="92401" marT="92401" marB="92401">
+                  <a:tcPr marL="405625" marR="243375" marT="243375" marB="243375">
                     <a:lnL w="38100" cap="flat" cmpd="sng" algn="ctr">
                       <a:solidFill>
                         <a:srgbClr val="FFFFFF"/>
@@ -8328,7 +7110,7 @@
                     <a:lstStyle/>
                     <a:p>
                       <a:r>
-                        <a:rPr lang="en-US" sz="1100">
+                        <a:rPr lang="en-US" sz="2800">
                           <a:solidFill>
                             <a:schemeClr val="tx1">
                               <a:lumMod val="85000"/>
@@ -8338,7 +7120,7 @@
                         </a:rPr>
                         <a:t>28526</a:t>
                       </a:r>
-                      <a:endParaRPr lang="de-DE" sz="1100">
+                      <a:endParaRPr lang="de-DE" sz="2800">
                         <a:solidFill>
                           <a:schemeClr val="tx1">
                             <a:lumMod val="85000"/>
@@ -8348,7 +7130,7 @@
                       </a:endParaRPr>
                     </a:p>
                   </a:txBody>
-                  <a:tcPr marL="154001" marR="92401" marT="92401" marB="92401">
+                  <a:tcPr marL="405625" marR="243375" marT="243375" marB="243375">
                     <a:lnL w="38100" cap="flat" cmpd="sng" algn="ctr">
                       <a:solidFill>
                         <a:srgbClr val="FFFFFF"/>
@@ -8384,7 +7166,7 @@
                     <a:lstStyle/>
                     <a:p>
                       <a:r>
-                        <a:rPr lang="en-US" sz="1100">
+                        <a:rPr lang="en-US" sz="2800">
                           <a:solidFill>
                             <a:schemeClr val="tx1">
                               <a:lumMod val="85000"/>
@@ -8394,7 +7176,7 @@
                         </a:rPr>
                         <a:t>155192</a:t>
                       </a:r>
-                      <a:endParaRPr lang="de-DE" sz="1100">
+                      <a:endParaRPr lang="de-DE" sz="2800">
                         <a:solidFill>
                           <a:schemeClr val="tx1">
                             <a:lumMod val="85000"/>
@@ -8404,7 +7186,7 @@
                       </a:endParaRPr>
                     </a:p>
                   </a:txBody>
-                  <a:tcPr marL="154001" marR="92401" marT="92401" marB="92401">
+                  <a:tcPr marL="405625" marR="243375" marT="243375" marB="243375">
                     <a:lnL w="38100" cap="flat" cmpd="sng" algn="ctr">
                       <a:solidFill>
                         <a:srgbClr val="FFFFFF"/>
@@ -8455,7 +7237,7 @@
 </p:sld>
 </file>
 
-<file path=ppt/slides/slide15.xml><?xml version="1.0" encoding="utf-8"?>
+<file path=ppt/slides/slide16.xml><?xml version="1.0" encoding="utf-8"?>
 <p:sld xmlns:a="http://schemas.openxmlformats.org/drawingml/2006/main" xmlns:r="http://schemas.openxmlformats.org/officeDocument/2006/relationships" xmlns:p="http://schemas.openxmlformats.org/presentationml/2006/main">
   <p:cSld>
     <p:bg>
@@ -8746,198 +7528,6 @@
 </p:sld>
 </file>
 
-<file path=ppt/slides/slide16.xml><?xml version="1.0" encoding="utf-8"?>
-<p:sld xmlns:a="http://schemas.openxmlformats.org/drawingml/2006/main" xmlns:r="http://schemas.openxmlformats.org/officeDocument/2006/relationships" xmlns:p="http://schemas.openxmlformats.org/presentationml/2006/main">
-  <p:cSld>
-    <p:spTree>
-      <p:nvGrpSpPr>
-        <p:cNvPr id="1" name=""/>
-        <p:cNvGrpSpPr/>
-        <p:nvPr/>
-      </p:nvGrpSpPr>
-      <p:grpSpPr>
-        <a:xfrm>
-          <a:off x="0" y="0"/>
-          <a:ext cx="0" cy="0"/>
-          <a:chOff x="0" y="0"/>
-          <a:chExt cx="0" cy="0"/>
-        </a:xfrm>
-      </p:grpSpPr>
-      <p:sp>
-        <p:nvSpPr>
-          <p:cNvPr id="2" name="Titel 1">
-            <a:extLst>
-              <a:ext uri="{FF2B5EF4-FFF2-40B4-BE49-F238E27FC236}">
-                <a16:creationId xmlns:a16="http://schemas.microsoft.com/office/drawing/2014/main" id="{E8F50CB3-DE4E-DD44-87D0-27341ED22003}"/>
-              </a:ext>
-            </a:extLst>
-          </p:cNvPr>
-          <p:cNvSpPr>
-            <a:spLocks noGrp="1"/>
-          </p:cNvSpPr>
-          <p:nvPr>
-            <p:ph type="title"/>
-          </p:nvPr>
-        </p:nvSpPr>
-        <p:spPr/>
-        <p:txBody>
-          <a:bodyPr/>
-          <a:lstStyle/>
-          <a:p>
-            <a:r>
-              <a:rPr lang="de-DE" dirty="0"/>
-              <a:t>Wie schlägt sich C++17 im Vgl. zu </a:t>
-            </a:r>
-            <a:r>
-              <a:rPr lang="de-DE" dirty="0" err="1"/>
-              <a:t>OpenMP</a:t>
-            </a:r>
-            <a:r>
-              <a:rPr lang="de-DE" dirty="0"/>
-              <a:t>?</a:t>
-            </a:r>
-          </a:p>
-        </p:txBody>
-      </p:sp>
-      <p:pic>
-        <p:nvPicPr>
-          <p:cNvPr id="8" name="Inhaltsplatzhalter 7" descr="Ein Bild, das Screenshot enthält.&#10;&#10;Automatisch generierte Beschreibung">
-            <a:extLst>
-              <a:ext uri="{FF2B5EF4-FFF2-40B4-BE49-F238E27FC236}">
-                <a16:creationId xmlns:a16="http://schemas.microsoft.com/office/drawing/2014/main" id="{04570A64-F6EA-114F-A9FA-608767CA41E1}"/>
-              </a:ext>
-            </a:extLst>
-          </p:cNvPr>
-          <p:cNvPicPr>
-            <a:picLocks noGrp="1" noChangeAspect="1"/>
-          </p:cNvPicPr>
-          <p:nvPr>
-            <p:ph sz="half" idx="1"/>
-          </p:nvPr>
-        </p:nvPicPr>
-        <p:blipFill>
-          <a:blip r:embed="rId3">
-            <a:extLst>
-              <a:ext uri="{28A0092B-C50C-407E-A947-70E740481C1C}">
-                <a14:useLocalDpi xmlns:a14="http://schemas.microsoft.com/office/drawing/2010/main" val="0"/>
-              </a:ext>
-            </a:extLst>
-          </a:blip>
-          <a:stretch>
-            <a:fillRect/>
-          </a:stretch>
-        </p:blipFill>
-        <p:spPr>
-          <a:xfrm>
-            <a:off x="838200" y="3589203"/>
-            <a:ext cx="5181600" cy="824182"/>
-          </a:xfrm>
-        </p:spPr>
-      </p:pic>
-      <p:pic>
-        <p:nvPicPr>
-          <p:cNvPr id="10" name="Inhaltsplatzhalter 9">
-            <a:extLst>
-              <a:ext uri="{FF2B5EF4-FFF2-40B4-BE49-F238E27FC236}">
-                <a16:creationId xmlns:a16="http://schemas.microsoft.com/office/drawing/2014/main" id="{9AA48670-7776-3B4F-AD7E-397937C59BDD}"/>
-              </a:ext>
-            </a:extLst>
-          </p:cNvPr>
-          <p:cNvPicPr>
-            <a:picLocks noGrp="1" noChangeAspect="1"/>
-          </p:cNvPicPr>
-          <p:nvPr>
-            <p:ph sz="half" idx="2"/>
-          </p:nvPr>
-        </p:nvPicPr>
-        <p:blipFill>
-          <a:blip r:embed="rId4">
-            <a:extLst>
-              <a:ext uri="{28A0092B-C50C-407E-A947-70E740481C1C}">
-                <a14:useLocalDpi xmlns:a14="http://schemas.microsoft.com/office/drawing/2010/main" val="0"/>
-              </a:ext>
-            </a:extLst>
-          </a:blip>
-          <a:stretch>
-            <a:fillRect/>
-          </a:stretch>
-        </p:blipFill>
-        <p:spPr>
-          <a:xfrm>
-            <a:off x="6172200" y="2671745"/>
-            <a:ext cx="5181600" cy="2659098"/>
-          </a:xfrm>
-        </p:spPr>
-      </p:pic>
-      <p:sp>
-        <p:nvSpPr>
-          <p:cNvPr id="11" name="Textfeld 10">
-            <a:extLst>
-              <a:ext uri="{FF2B5EF4-FFF2-40B4-BE49-F238E27FC236}">
-                <a16:creationId xmlns:a16="http://schemas.microsoft.com/office/drawing/2014/main" id="{704286F7-C5AE-B443-AFAC-94DCC4A2C54D}"/>
-              </a:ext>
-            </a:extLst>
-          </p:cNvPr>
-          <p:cNvSpPr txBox="1"/>
-          <p:nvPr/>
-        </p:nvSpPr>
-        <p:spPr>
-          <a:xfrm>
-            <a:off x="838200" y="6311900"/>
-            <a:ext cx="5539658" cy="369332"/>
-          </a:xfrm>
-          <a:prstGeom prst="rect">
-            <a:avLst/>
-          </a:prstGeom>
-          <a:noFill/>
-        </p:spPr>
-        <p:txBody>
-          <a:bodyPr wrap="none" rtlCol="0">
-            <a:spAutoFit/>
-          </a:bodyPr>
-          <a:lstStyle/>
-          <a:p>
-            <a:r>
-              <a:rPr lang="de-DE" dirty="0"/>
-              <a:t>https://</a:t>
-            </a:r>
-            <a:r>
-              <a:rPr lang="de-DE" dirty="0" err="1"/>
-              <a:t>www.bfilipek.com</a:t>
-            </a:r>
-            <a:r>
-              <a:rPr lang="de-DE" dirty="0"/>
-              <a:t>/2018/11/parallel-</a:t>
-            </a:r>
-            <a:r>
-              <a:rPr lang="de-DE" dirty="0" err="1"/>
-              <a:t>alg</a:t>
-            </a:r>
-            <a:r>
-              <a:rPr lang="de-DE" dirty="0"/>
-              <a:t>-</a:t>
-            </a:r>
-            <a:r>
-              <a:rPr lang="de-DE" dirty="0" err="1"/>
-              <a:t>perf.html</a:t>
-            </a:r>
-            <a:endParaRPr lang="de-DE" dirty="0"/>
-          </a:p>
-        </p:txBody>
-      </p:sp>
-    </p:spTree>
-    <p:extLst>
-      <p:ext uri="{BB962C8B-B14F-4D97-AF65-F5344CB8AC3E}">
-        <p14:creationId xmlns:p14="http://schemas.microsoft.com/office/powerpoint/2010/main" val="1516640972"/>
-      </p:ext>
-    </p:extLst>
-  </p:cSld>
-  <p:clrMapOvr>
-    <a:masterClrMapping/>
-  </p:clrMapOvr>
-</p:sld>
-</file>
-
 <file path=ppt/slides/slide17.xml><?xml version="1.0" encoding="utf-8"?>
 <p:sld xmlns:a="http://schemas.openxmlformats.org/drawingml/2006/main" xmlns:r="http://schemas.openxmlformats.org/officeDocument/2006/relationships" xmlns:p="http://schemas.openxmlformats.org/presentationml/2006/main">
   <p:cSld>
@@ -8960,6 +7550,198 @@
           <p:cNvPr id="2" name="Titel 1">
             <a:extLst>
               <a:ext uri="{FF2B5EF4-FFF2-40B4-BE49-F238E27FC236}">
+                <a16:creationId xmlns:a16="http://schemas.microsoft.com/office/drawing/2014/main" id="{E8F50CB3-DE4E-DD44-87D0-27341ED22003}"/>
+              </a:ext>
+            </a:extLst>
+          </p:cNvPr>
+          <p:cNvSpPr>
+            <a:spLocks noGrp="1"/>
+          </p:cNvSpPr>
+          <p:nvPr>
+            <p:ph type="title"/>
+          </p:nvPr>
+        </p:nvSpPr>
+        <p:spPr/>
+        <p:txBody>
+          <a:bodyPr/>
+          <a:lstStyle/>
+          <a:p>
+            <a:r>
+              <a:rPr lang="de-DE" dirty="0"/>
+              <a:t>Wie schlägt sich C++17 im Vgl. zu </a:t>
+            </a:r>
+            <a:r>
+              <a:rPr lang="de-DE" dirty="0" err="1"/>
+              <a:t>OpenMP</a:t>
+            </a:r>
+            <a:r>
+              <a:rPr lang="de-DE" dirty="0"/>
+              <a:t>?</a:t>
+            </a:r>
+          </a:p>
+        </p:txBody>
+      </p:sp>
+      <p:pic>
+        <p:nvPicPr>
+          <p:cNvPr id="8" name="Inhaltsplatzhalter 7" descr="Ein Bild, das Screenshot enthält.&#10;&#10;Automatisch generierte Beschreibung">
+            <a:extLst>
+              <a:ext uri="{FF2B5EF4-FFF2-40B4-BE49-F238E27FC236}">
+                <a16:creationId xmlns:a16="http://schemas.microsoft.com/office/drawing/2014/main" id="{04570A64-F6EA-114F-A9FA-608767CA41E1}"/>
+              </a:ext>
+            </a:extLst>
+          </p:cNvPr>
+          <p:cNvPicPr>
+            <a:picLocks noGrp="1" noChangeAspect="1"/>
+          </p:cNvPicPr>
+          <p:nvPr>
+            <p:ph sz="half" idx="1"/>
+          </p:nvPr>
+        </p:nvPicPr>
+        <p:blipFill>
+          <a:blip r:embed="rId3">
+            <a:extLst>
+              <a:ext uri="{28A0092B-C50C-407E-A947-70E740481C1C}">
+                <a14:useLocalDpi xmlns:a14="http://schemas.microsoft.com/office/drawing/2010/main" val="0"/>
+              </a:ext>
+            </a:extLst>
+          </a:blip>
+          <a:stretch>
+            <a:fillRect/>
+          </a:stretch>
+        </p:blipFill>
+        <p:spPr>
+          <a:xfrm>
+            <a:off x="838200" y="3589203"/>
+            <a:ext cx="5181600" cy="824182"/>
+          </a:xfrm>
+        </p:spPr>
+      </p:pic>
+      <p:pic>
+        <p:nvPicPr>
+          <p:cNvPr id="10" name="Inhaltsplatzhalter 9">
+            <a:extLst>
+              <a:ext uri="{FF2B5EF4-FFF2-40B4-BE49-F238E27FC236}">
+                <a16:creationId xmlns:a16="http://schemas.microsoft.com/office/drawing/2014/main" id="{9AA48670-7776-3B4F-AD7E-397937C59BDD}"/>
+              </a:ext>
+            </a:extLst>
+          </p:cNvPr>
+          <p:cNvPicPr>
+            <a:picLocks noGrp="1" noChangeAspect="1"/>
+          </p:cNvPicPr>
+          <p:nvPr>
+            <p:ph sz="half" idx="2"/>
+          </p:nvPr>
+        </p:nvPicPr>
+        <p:blipFill>
+          <a:blip r:embed="rId4">
+            <a:extLst>
+              <a:ext uri="{28A0092B-C50C-407E-A947-70E740481C1C}">
+                <a14:useLocalDpi xmlns:a14="http://schemas.microsoft.com/office/drawing/2010/main" val="0"/>
+              </a:ext>
+            </a:extLst>
+          </a:blip>
+          <a:stretch>
+            <a:fillRect/>
+          </a:stretch>
+        </p:blipFill>
+        <p:spPr>
+          <a:xfrm>
+            <a:off x="6172200" y="2671745"/>
+            <a:ext cx="5181600" cy="2659098"/>
+          </a:xfrm>
+        </p:spPr>
+      </p:pic>
+      <p:sp>
+        <p:nvSpPr>
+          <p:cNvPr id="11" name="Textfeld 10">
+            <a:extLst>
+              <a:ext uri="{FF2B5EF4-FFF2-40B4-BE49-F238E27FC236}">
+                <a16:creationId xmlns:a16="http://schemas.microsoft.com/office/drawing/2014/main" id="{704286F7-C5AE-B443-AFAC-94DCC4A2C54D}"/>
+              </a:ext>
+            </a:extLst>
+          </p:cNvPr>
+          <p:cNvSpPr txBox="1"/>
+          <p:nvPr/>
+        </p:nvSpPr>
+        <p:spPr>
+          <a:xfrm>
+            <a:off x="838200" y="6311900"/>
+            <a:ext cx="5539658" cy="369332"/>
+          </a:xfrm>
+          <a:prstGeom prst="rect">
+            <a:avLst/>
+          </a:prstGeom>
+          <a:noFill/>
+        </p:spPr>
+        <p:txBody>
+          <a:bodyPr wrap="none" rtlCol="0">
+            <a:spAutoFit/>
+          </a:bodyPr>
+          <a:lstStyle/>
+          <a:p>
+            <a:r>
+              <a:rPr lang="de-DE" dirty="0"/>
+              <a:t>https://</a:t>
+            </a:r>
+            <a:r>
+              <a:rPr lang="de-DE" dirty="0" err="1"/>
+              <a:t>www.bfilipek.com</a:t>
+            </a:r>
+            <a:r>
+              <a:rPr lang="de-DE" dirty="0"/>
+              <a:t>/2018/11/parallel-</a:t>
+            </a:r>
+            <a:r>
+              <a:rPr lang="de-DE" dirty="0" err="1"/>
+              <a:t>alg</a:t>
+            </a:r>
+            <a:r>
+              <a:rPr lang="de-DE" dirty="0"/>
+              <a:t>-</a:t>
+            </a:r>
+            <a:r>
+              <a:rPr lang="de-DE" dirty="0" err="1"/>
+              <a:t>perf.html</a:t>
+            </a:r>
+            <a:endParaRPr lang="de-DE" dirty="0"/>
+          </a:p>
+        </p:txBody>
+      </p:sp>
+    </p:spTree>
+    <p:extLst>
+      <p:ext uri="{BB962C8B-B14F-4D97-AF65-F5344CB8AC3E}">
+        <p14:creationId xmlns:p14="http://schemas.microsoft.com/office/powerpoint/2010/main" val="1516640972"/>
+      </p:ext>
+    </p:extLst>
+  </p:cSld>
+  <p:clrMapOvr>
+    <a:masterClrMapping/>
+  </p:clrMapOvr>
+</p:sld>
+</file>
+
+<file path=ppt/slides/slide18.xml><?xml version="1.0" encoding="utf-8"?>
+<p:sld xmlns:a="http://schemas.openxmlformats.org/drawingml/2006/main" xmlns:r="http://schemas.openxmlformats.org/officeDocument/2006/relationships" xmlns:p="http://schemas.openxmlformats.org/presentationml/2006/main">
+  <p:cSld>
+    <p:spTree>
+      <p:nvGrpSpPr>
+        <p:cNvPr id="1" name=""/>
+        <p:cNvGrpSpPr/>
+        <p:nvPr/>
+      </p:nvGrpSpPr>
+      <p:grpSpPr>
+        <a:xfrm>
+          <a:off x="0" y="0"/>
+          <a:ext cx="0" cy="0"/>
+          <a:chOff x="0" y="0"/>
+          <a:chExt cx="0" cy="0"/>
+        </a:xfrm>
+      </p:grpSpPr>
+      <p:sp>
+        <p:nvSpPr>
+          <p:cNvPr id="2" name="Titel 1">
+            <a:extLst>
+              <a:ext uri="{FF2B5EF4-FFF2-40B4-BE49-F238E27FC236}">
                 <a16:creationId xmlns:a16="http://schemas.microsoft.com/office/drawing/2014/main" id="{097F2D09-9FD7-0A4F-9044-3FFFE9FBDCC4}"/>
               </a:ext>
             </a:extLst>
@@ -9133,6 +7915,14 @@
 <file path=ppt/slides/slide2.xml><?xml version="1.0" encoding="utf-8"?>
 <p:sld xmlns:a="http://schemas.openxmlformats.org/drawingml/2006/main" xmlns:r="http://schemas.openxmlformats.org/officeDocument/2006/relationships" xmlns:p="http://schemas.openxmlformats.org/presentationml/2006/main">
   <p:cSld>
+    <p:bg>
+      <p:bgPr>
+        <a:solidFill>
+          <a:schemeClr val="bg1"/>
+        </a:solidFill>
+        <a:effectLst/>
+      </p:bgPr>
+    </p:bg>
     <p:spTree>
       <p:nvGrpSpPr>
         <p:cNvPr id="1" name=""/>
@@ -9149,6 +7939,71 @@
       </p:grpSpPr>
       <p:sp>
         <p:nvSpPr>
+          <p:cNvPr id="8" name="Rectangle 7">
+            <a:extLst>
+              <a:ext uri="{FF2B5EF4-FFF2-40B4-BE49-F238E27FC236}">
+                <a16:creationId xmlns:a16="http://schemas.microsoft.com/office/drawing/2014/main" id="{8D70B121-56F4-4848-B38B-182089D909FA}"/>
+              </a:ext>
+              <a:ext uri="{C183D7F6-B498-43B3-948B-1728B52AA6E4}">
+                <adec:decorative xmlns:adec="http://schemas.microsoft.com/office/drawing/2017/decorative" val="1"/>
+              </a:ext>
+            </a:extLst>
+          </p:cNvPr>
+          <p:cNvSpPr>
+            <a:spLocks noGrp="1" noRot="1" noChangeAspect="1" noMove="1" noResize="1" noEditPoints="1" noAdjustHandles="1" noChangeArrowheads="1" noChangeShapeType="1" noTextEdit="1"/>
+          </p:cNvSpPr>
+          <p:nvPr>
+            <p:extLst>
+              <p:ext uri="{386F3935-93C4-4BCD-93E2-E3B085C9AB24}">
+                <p16:designElem xmlns:p16="http://schemas.microsoft.com/office/powerpoint/2015/main" val="1"/>
+              </p:ext>
+            </p:extLst>
+          </p:nvPr>
+        </p:nvSpPr>
+        <p:spPr bwMode="ltGray">
+          <a:xfrm>
+            <a:off x="321564" y="320040"/>
+            <a:ext cx="11548872" cy="6217920"/>
+          </a:xfrm>
+          <a:prstGeom prst="rect">
+            <a:avLst/>
+          </a:prstGeom>
+          <a:solidFill>
+            <a:schemeClr val="tx1">
+              <a:alpha val="8000"/>
+            </a:schemeClr>
+          </a:solidFill>
+          <a:ln w="127000" cap="sq" cmpd="thinThick">
+            <a:noFill/>
+          </a:ln>
+        </p:spPr>
+        <p:style>
+          <a:lnRef idx="2">
+            <a:schemeClr val="accent1">
+              <a:shade val="50000"/>
+            </a:schemeClr>
+          </a:lnRef>
+          <a:fillRef idx="1">
+            <a:schemeClr val="accent1"/>
+          </a:fillRef>
+          <a:effectRef idx="0">
+            <a:schemeClr val="accent1"/>
+          </a:effectRef>
+          <a:fontRef idx="minor">
+            <a:schemeClr val="lt1"/>
+          </a:fontRef>
+        </p:style>
+        <p:txBody>
+          <a:bodyPr rtlCol="0" anchor="ctr"/>
+          <a:lstStyle/>
+          <a:p>
+            <a:pPr algn="ctr"/>
+            <a:endParaRPr lang="en-US"/>
+          </a:p>
+        </p:txBody>
+      </p:sp>
+      <p:sp>
+        <p:nvSpPr>
           <p:cNvPr id="2" name="Titel 1">
             <a:extLst>
               <a:ext uri="{FF2B5EF4-FFF2-40B4-BE49-F238E27FC236}">
@@ -9163,40 +8018,154 @@
             <p:ph type="title"/>
           </p:nvPr>
         </p:nvSpPr>
-        <p:spPr/>
-        <p:txBody>
-          <a:bodyPr/>
-          <a:lstStyle/>
-          <a:p>
+        <p:spPr>
+          <a:xfrm>
+            <a:off x="838200" y="963877"/>
+            <a:ext cx="3494362" cy="4930246"/>
+          </a:xfrm>
+        </p:spPr>
+        <p:txBody>
+          <a:bodyPr>
+            <a:normAutofit/>
+          </a:bodyPr>
+          <a:lstStyle/>
+          <a:p>
+            <a:pPr algn="r"/>
+            <a:r>
+              <a:rPr lang="de-DE" sz="3700">
+                <a:solidFill>
+                  <a:schemeClr val="accent1"/>
+                </a:solidFill>
+              </a:rPr>
+              <a:t>Warum Parallelisierung?</a:t>
+            </a:r>
+          </a:p>
+        </p:txBody>
+      </p:sp>
+      <p:cxnSp>
+        <p:nvCxnSpPr>
+          <p:cNvPr id="10" name="Straight Connector 9">
+            <a:extLst>
+              <a:ext uri="{FF2B5EF4-FFF2-40B4-BE49-F238E27FC236}">
+                <a16:creationId xmlns:a16="http://schemas.microsoft.com/office/drawing/2014/main" id="{2D72A2C9-F3CA-4216-8BAD-FA4C970C3C4E}"/>
+              </a:ext>
+              <a:ext uri="{C183D7F6-B498-43B3-948B-1728B52AA6E4}">
+                <adec:decorative xmlns:adec="http://schemas.microsoft.com/office/drawing/2017/decorative" val="1"/>
+              </a:ext>
+            </a:extLst>
+          </p:cNvPr>
+          <p:cNvCxnSpPr>
+            <a:cxnSpLocks noGrp="1" noRot="1" noChangeAspect="1" noMove="1" noResize="1" noEditPoints="1" noAdjustHandles="1" noChangeArrowheads="1" noChangeShapeType="1"/>
+          </p:cNvCxnSpPr>
+          <p:nvPr>
+            <p:extLst>
+              <p:ext uri="{386F3935-93C4-4BCD-93E2-E3B085C9AB24}">
+                <p16:designElem xmlns:p16="http://schemas.microsoft.com/office/powerpoint/2015/main" val="1"/>
+              </p:ext>
+            </p:extLst>
+          </p:nvPr>
+        </p:nvCxnSpPr>
+        <p:spPr>
+          <a:xfrm>
+            <a:off x="4654296" y="2057400"/>
+            <a:ext cx="0" cy="2743200"/>
+          </a:xfrm>
+          <a:prstGeom prst="line">
+            <a:avLst/>
+          </a:prstGeom>
+          <a:ln w="19050">
+            <a:solidFill>
+              <a:schemeClr val="tx1">
+                <a:lumMod val="85000"/>
+                <a:lumOff val="15000"/>
+              </a:schemeClr>
+            </a:solidFill>
+          </a:ln>
+        </p:spPr>
+        <p:style>
+          <a:lnRef idx="1">
+            <a:schemeClr val="accent1"/>
+          </a:lnRef>
+          <a:fillRef idx="0">
+            <a:schemeClr val="accent1"/>
+          </a:fillRef>
+          <a:effectRef idx="0">
+            <a:schemeClr val="accent1"/>
+          </a:effectRef>
+          <a:fontRef idx="minor">
+            <a:schemeClr val="tx1"/>
+          </a:fontRef>
+        </p:style>
+      </p:cxnSp>
+      <p:sp>
+        <p:nvSpPr>
+          <p:cNvPr id="3" name="Inhaltsplatzhalter 2">
+            <a:extLst>
+              <a:ext uri="{FF2B5EF4-FFF2-40B4-BE49-F238E27FC236}">
+                <a16:creationId xmlns:a16="http://schemas.microsoft.com/office/drawing/2014/main" id="{A17B0A23-234F-F84F-961D-07333D62CC8E}"/>
+              </a:ext>
+            </a:extLst>
+          </p:cNvPr>
+          <p:cNvSpPr>
+            <a:spLocks noGrp="1"/>
+          </p:cNvSpPr>
+          <p:nvPr>
+            <p:ph idx="1"/>
+          </p:nvPr>
+        </p:nvSpPr>
+        <p:spPr>
+          <a:xfrm>
+            <a:off x="4976031" y="963877"/>
+            <a:ext cx="6377769" cy="4930246"/>
+          </a:xfrm>
+        </p:spPr>
+        <p:txBody>
+          <a:bodyPr anchor="ctr">
+            <a:normAutofit/>
+          </a:bodyPr>
+          <a:lstStyle/>
+          <a:p>
+            <a:r>
+              <a:rPr lang="de-DE" sz="2400"/>
+              <a:t>Moore‘s Law -&gt; Alle 18 Monate verdoppelt sich die Transistoren-Dichte in Chips &amp; Prozessoren</a:t>
+            </a:r>
+          </a:p>
+          <a:p>
+            <a:r>
+              <a:rPr lang="de-DE" sz="2400"/>
+              <a:t>Höherer Leistungsbedarf für Chips und mehr Wärmeentwicklung</a:t>
+            </a:r>
+          </a:p>
+          <a:p>
+            <a:r>
+              <a:rPr lang="de-DE" sz="2400"/>
+              <a:t>Noch mehr Leistung?</a:t>
+            </a:r>
+          </a:p>
+          <a:p>
+            <a:pPr lvl="1"/>
             <a:r>
               <a:rPr lang="de-DE" dirty="0"/>
-              <a:t>Warum Parallelisieren?</a:t>
-            </a:r>
-          </a:p>
-        </p:txBody>
-      </p:sp>
-      <p:sp>
-        <p:nvSpPr>
-          <p:cNvPr id="3" name="Inhaltsplatzhalter 2">
-            <a:extLst>
-              <a:ext uri="{FF2B5EF4-FFF2-40B4-BE49-F238E27FC236}">
-                <a16:creationId xmlns:a16="http://schemas.microsoft.com/office/drawing/2014/main" id="{A17B0A23-234F-F84F-961D-07333D62CC8E}"/>
-              </a:ext>
-            </a:extLst>
-          </p:cNvPr>
-          <p:cNvSpPr>
-            <a:spLocks noGrp="1"/>
-          </p:cNvSpPr>
-          <p:nvPr>
-            <p:ph idx="1"/>
-          </p:nvPr>
-        </p:nvSpPr>
-        <p:spPr/>
-        <p:txBody>
-          <a:bodyPr/>
-          <a:lstStyle/>
-          <a:p>
-            <a:endParaRPr lang="de-DE"/>
+              <a:t>Höhere Frequenz =&gt; kürzere Lebensdauer der Prozessoren</a:t>
+            </a:r>
+          </a:p>
+          <a:p>
+            <a:r>
+              <a:rPr lang="de-DE" sz="2400"/>
+              <a:t>Oder eben: </a:t>
+            </a:r>
+            <a:r>
+              <a:rPr lang="de-DE" sz="2400" b="1"/>
+              <a:t>mehr Prozessoren</a:t>
+            </a:r>
+            <a:r>
+              <a:rPr lang="de-DE" sz="2400"/>
+              <a:t>!</a:t>
+            </a:r>
+          </a:p>
+          <a:p>
+            <a:pPr lvl="1"/>
+            <a:endParaRPr lang="de-DE" dirty="0"/>
           </a:p>
         </p:txBody>
       </p:sp>
@@ -9216,6 +8185,14 @@
 <file path=ppt/slides/slide3.xml><?xml version="1.0" encoding="utf-8"?>
 <p:sld xmlns:a="http://schemas.openxmlformats.org/drawingml/2006/main" xmlns:r="http://schemas.openxmlformats.org/officeDocument/2006/relationships" xmlns:p="http://schemas.openxmlformats.org/presentationml/2006/main">
   <p:cSld>
+    <p:bg>
+      <p:bgPr>
+        <a:solidFill>
+          <a:schemeClr val="bg1"/>
+        </a:solidFill>
+        <a:effectLst/>
+      </p:bgPr>
+    </p:bg>
     <p:spTree>
       <p:nvGrpSpPr>
         <p:cNvPr id="1" name=""/>
@@ -9232,6 +8209,71 @@
       </p:grpSpPr>
       <p:sp>
         <p:nvSpPr>
+          <p:cNvPr id="8" name="Rectangle 7">
+            <a:extLst>
+              <a:ext uri="{FF2B5EF4-FFF2-40B4-BE49-F238E27FC236}">
+                <a16:creationId xmlns:a16="http://schemas.microsoft.com/office/drawing/2014/main" id="{8D70B121-56F4-4848-B38B-182089D909FA}"/>
+              </a:ext>
+              <a:ext uri="{C183D7F6-B498-43B3-948B-1728B52AA6E4}">
+                <adec:decorative xmlns:adec="http://schemas.microsoft.com/office/drawing/2017/decorative" val="1"/>
+              </a:ext>
+            </a:extLst>
+          </p:cNvPr>
+          <p:cNvSpPr>
+            <a:spLocks noGrp="1" noRot="1" noChangeAspect="1" noMove="1" noResize="1" noEditPoints="1" noAdjustHandles="1" noChangeArrowheads="1" noChangeShapeType="1" noTextEdit="1"/>
+          </p:cNvSpPr>
+          <p:nvPr>
+            <p:extLst>
+              <p:ext uri="{386F3935-93C4-4BCD-93E2-E3B085C9AB24}">
+                <p16:designElem xmlns:p16="http://schemas.microsoft.com/office/powerpoint/2015/main" val="1"/>
+              </p:ext>
+            </p:extLst>
+          </p:nvPr>
+        </p:nvSpPr>
+        <p:spPr bwMode="ltGray">
+          <a:xfrm>
+            <a:off x="321564" y="320040"/>
+            <a:ext cx="11548872" cy="6217920"/>
+          </a:xfrm>
+          <a:prstGeom prst="rect">
+            <a:avLst/>
+          </a:prstGeom>
+          <a:solidFill>
+            <a:schemeClr val="tx1">
+              <a:alpha val="8000"/>
+            </a:schemeClr>
+          </a:solidFill>
+          <a:ln w="127000" cap="sq" cmpd="thinThick">
+            <a:noFill/>
+          </a:ln>
+        </p:spPr>
+        <p:style>
+          <a:lnRef idx="2">
+            <a:schemeClr val="accent1">
+              <a:shade val="50000"/>
+            </a:schemeClr>
+          </a:lnRef>
+          <a:fillRef idx="1">
+            <a:schemeClr val="accent1"/>
+          </a:fillRef>
+          <a:effectRef idx="0">
+            <a:schemeClr val="accent1"/>
+          </a:effectRef>
+          <a:fontRef idx="minor">
+            <a:schemeClr val="lt1"/>
+          </a:fontRef>
+        </p:style>
+        <p:txBody>
+          <a:bodyPr rtlCol="0" anchor="ctr"/>
+          <a:lstStyle/>
+          <a:p>
+            <a:pPr algn="ctr"/>
+            <a:endParaRPr lang="en-US"/>
+          </a:p>
+        </p:txBody>
+      </p:sp>
+      <p:sp>
+        <p:nvSpPr>
           <p:cNvPr id="2" name="Titel 1">
             <a:extLst>
               <a:ext uri="{FF2B5EF4-FFF2-40B4-BE49-F238E27FC236}">
@@ -9246,18 +8288,85 @@
             <p:ph type="title"/>
           </p:nvPr>
         </p:nvSpPr>
-        <p:spPr/>
-        <p:txBody>
-          <a:bodyPr/>
-          <a:lstStyle/>
-          <a:p>
-            <a:r>
-              <a:rPr lang="de-DE" dirty="0"/>
-              <a:t>Mehr Steuergeräte</a:t>
-            </a:r>
-          </a:p>
-        </p:txBody>
-      </p:sp>
+        <p:spPr>
+          <a:xfrm>
+            <a:off x="838200" y="963877"/>
+            <a:ext cx="3494362" cy="4930246"/>
+          </a:xfrm>
+        </p:spPr>
+        <p:txBody>
+          <a:bodyPr>
+            <a:normAutofit/>
+          </a:bodyPr>
+          <a:lstStyle/>
+          <a:p>
+            <a:pPr algn="r"/>
+            <a:r>
+              <a:rPr lang="de-DE">
+                <a:solidFill>
+                  <a:schemeClr val="accent1"/>
+                </a:solidFill>
+              </a:rPr>
+              <a:t>Was hat Automotive damit zu tun?</a:t>
+            </a:r>
+          </a:p>
+        </p:txBody>
+      </p:sp>
+      <p:cxnSp>
+        <p:nvCxnSpPr>
+          <p:cNvPr id="10" name="Straight Connector 9">
+            <a:extLst>
+              <a:ext uri="{FF2B5EF4-FFF2-40B4-BE49-F238E27FC236}">
+                <a16:creationId xmlns:a16="http://schemas.microsoft.com/office/drawing/2014/main" id="{2D72A2C9-F3CA-4216-8BAD-FA4C970C3C4E}"/>
+              </a:ext>
+              <a:ext uri="{C183D7F6-B498-43B3-948B-1728B52AA6E4}">
+                <adec:decorative xmlns:adec="http://schemas.microsoft.com/office/drawing/2017/decorative" val="1"/>
+              </a:ext>
+            </a:extLst>
+          </p:cNvPr>
+          <p:cNvCxnSpPr>
+            <a:cxnSpLocks noGrp="1" noRot="1" noChangeAspect="1" noMove="1" noResize="1" noEditPoints="1" noAdjustHandles="1" noChangeArrowheads="1" noChangeShapeType="1"/>
+          </p:cNvCxnSpPr>
+          <p:nvPr>
+            <p:extLst>
+              <p:ext uri="{386F3935-93C4-4BCD-93E2-E3B085C9AB24}">
+                <p16:designElem xmlns:p16="http://schemas.microsoft.com/office/powerpoint/2015/main" val="1"/>
+              </p:ext>
+            </p:extLst>
+          </p:nvPr>
+        </p:nvCxnSpPr>
+        <p:spPr>
+          <a:xfrm>
+            <a:off x="4654296" y="2057400"/>
+            <a:ext cx="0" cy="2743200"/>
+          </a:xfrm>
+          <a:prstGeom prst="line">
+            <a:avLst/>
+          </a:prstGeom>
+          <a:ln w="19050">
+            <a:solidFill>
+              <a:schemeClr val="tx1">
+                <a:lumMod val="85000"/>
+                <a:lumOff val="15000"/>
+              </a:schemeClr>
+            </a:solidFill>
+          </a:ln>
+        </p:spPr>
+        <p:style>
+          <a:lnRef idx="1">
+            <a:schemeClr val="accent1"/>
+          </a:lnRef>
+          <a:fillRef idx="0">
+            <a:schemeClr val="accent1"/>
+          </a:fillRef>
+          <a:effectRef idx="0">
+            <a:schemeClr val="accent1"/>
+          </a:effectRef>
+          <a:fontRef idx="minor">
+            <a:schemeClr val="tx1"/>
+          </a:fontRef>
+        </p:style>
+      </p:cxnSp>
       <p:sp>
         <p:nvSpPr>
           <p:cNvPr id="3" name="Inhaltsplatzhalter 2">
@@ -9274,12 +8383,60 @@
             <p:ph idx="1"/>
           </p:nvPr>
         </p:nvSpPr>
-        <p:spPr/>
-        <p:txBody>
-          <a:bodyPr/>
-          <a:lstStyle/>
-          <a:p>
-            <a:endParaRPr lang="de-DE"/>
+        <p:spPr>
+          <a:xfrm>
+            <a:off x="4976031" y="963877"/>
+            <a:ext cx="6377769" cy="4930246"/>
+          </a:xfrm>
+        </p:spPr>
+        <p:txBody>
+          <a:bodyPr anchor="ctr">
+            <a:normAutofit/>
+          </a:bodyPr>
+          <a:lstStyle/>
+          <a:p>
+            <a:pPr marL="514350" indent="-514350">
+              <a:buFont typeface="+mj-lt"/>
+              <a:buAutoNum type="arabicPeriod"/>
+            </a:pPr>
+            <a:r>
+              <a:rPr lang="de-DE" sz="2400"/>
+              <a:t>Ein Automobil hat immer mehr Software-Aufgaben</a:t>
+            </a:r>
+          </a:p>
+          <a:p>
+            <a:pPr marL="514350" indent="-514350">
+              <a:buFont typeface="+mj-lt"/>
+              <a:buAutoNum type="arabicPeriod"/>
+            </a:pPr>
+            <a:endParaRPr lang="de-DE" sz="2400"/>
+          </a:p>
+          <a:p>
+            <a:pPr marL="514350" indent="-514350">
+              <a:buFont typeface="+mj-lt"/>
+              <a:buAutoNum type="arabicPeriod"/>
+            </a:pPr>
+            <a:r>
+              <a:rPr lang="de-DE" sz="2400"/>
+              <a:t>C/C++ sind in HW-nähe und v.a. auch im Auto Standard</a:t>
+            </a:r>
+          </a:p>
+          <a:p>
+            <a:pPr marL="514350" indent="-514350">
+              <a:buFont typeface="+mj-lt"/>
+              <a:buAutoNum type="arabicPeriod"/>
+            </a:pPr>
+            <a:endParaRPr lang="de-DE" sz="2400"/>
+          </a:p>
+          <a:p>
+            <a:pPr marL="514350" indent="-514350">
+              <a:buFont typeface="+mj-lt"/>
+              <a:buAutoNum type="arabicPeriod"/>
+            </a:pPr>
+            <a:r>
+              <a:rPr lang="de-DE" sz="2400"/>
+              <a:t>Die Taktung von Prozessoren kann nicht beliebig erhöht werden</a:t>
+            </a:r>
           </a:p>
         </p:txBody>
       </p:sp>
@@ -9299,6 +8456,14 @@
 <file path=ppt/slides/slide4.xml><?xml version="1.0" encoding="utf-8"?>
 <p:sld xmlns:a="http://schemas.openxmlformats.org/drawingml/2006/main" xmlns:r="http://schemas.openxmlformats.org/officeDocument/2006/relationships" xmlns:p="http://schemas.openxmlformats.org/presentationml/2006/main">
   <p:cSld>
+    <p:bg>
+      <p:bgPr>
+        <a:solidFill>
+          <a:schemeClr val="bg1"/>
+        </a:solidFill>
+        <a:effectLst/>
+      </p:bgPr>
+    </p:bg>
     <p:spTree>
       <p:nvGrpSpPr>
         <p:cNvPr id="1" name=""/>
@@ -9315,10 +8480,75 @@
       </p:grpSpPr>
       <p:sp>
         <p:nvSpPr>
+          <p:cNvPr id="8" name="Rectangle 7">
+            <a:extLst>
+              <a:ext uri="{FF2B5EF4-FFF2-40B4-BE49-F238E27FC236}">
+                <a16:creationId xmlns:a16="http://schemas.microsoft.com/office/drawing/2014/main" id="{8D70B121-56F4-4848-B38B-182089D909FA}"/>
+              </a:ext>
+              <a:ext uri="{C183D7F6-B498-43B3-948B-1728B52AA6E4}">
+                <adec:decorative xmlns:adec="http://schemas.microsoft.com/office/drawing/2017/decorative" val="1"/>
+              </a:ext>
+            </a:extLst>
+          </p:cNvPr>
+          <p:cNvSpPr>
+            <a:spLocks noGrp="1" noRot="1" noChangeAspect="1" noMove="1" noResize="1" noEditPoints="1" noAdjustHandles="1" noChangeArrowheads="1" noChangeShapeType="1" noTextEdit="1"/>
+          </p:cNvSpPr>
+          <p:nvPr>
+            <p:extLst>
+              <p:ext uri="{386F3935-93C4-4BCD-93E2-E3B085C9AB24}">
+                <p16:designElem xmlns:p16="http://schemas.microsoft.com/office/powerpoint/2015/main" val="1"/>
+              </p:ext>
+            </p:extLst>
+          </p:nvPr>
+        </p:nvSpPr>
+        <p:spPr bwMode="ltGray">
+          <a:xfrm>
+            <a:off x="321564" y="320040"/>
+            <a:ext cx="11548872" cy="6217920"/>
+          </a:xfrm>
+          <a:prstGeom prst="rect">
+            <a:avLst/>
+          </a:prstGeom>
+          <a:solidFill>
+            <a:schemeClr val="tx1">
+              <a:alpha val="8000"/>
+            </a:schemeClr>
+          </a:solidFill>
+          <a:ln w="127000" cap="sq" cmpd="thinThick">
+            <a:noFill/>
+          </a:ln>
+        </p:spPr>
+        <p:style>
+          <a:lnRef idx="2">
+            <a:schemeClr val="accent1">
+              <a:shade val="50000"/>
+            </a:schemeClr>
+          </a:lnRef>
+          <a:fillRef idx="1">
+            <a:schemeClr val="accent1"/>
+          </a:fillRef>
+          <a:effectRef idx="0">
+            <a:schemeClr val="accent1"/>
+          </a:effectRef>
+          <a:fontRef idx="minor">
+            <a:schemeClr val="lt1"/>
+          </a:fontRef>
+        </p:style>
+        <p:txBody>
+          <a:bodyPr rtlCol="0" anchor="ctr"/>
+          <a:lstStyle/>
+          <a:p>
+            <a:pPr algn="ctr"/>
+            <a:endParaRPr lang="en-US"/>
+          </a:p>
+        </p:txBody>
+      </p:sp>
+      <p:sp>
+        <p:nvSpPr>
           <p:cNvPr id="2" name="Titel 1">
             <a:extLst>
               <a:ext uri="{FF2B5EF4-FFF2-40B4-BE49-F238E27FC236}">
-                <a16:creationId xmlns:a16="http://schemas.microsoft.com/office/drawing/2014/main" id="{6F00B53D-AE97-C44B-836F-030DF94AAB58}"/>
+                <a16:creationId xmlns:a16="http://schemas.microsoft.com/office/drawing/2014/main" id="{F5B0C704-E40E-CA4D-951F-C2C4E1529125}"/>
               </a:ext>
             </a:extLst>
           </p:cNvPr>
@@ -9329,21 +8559,91 @@
             <p:ph type="title"/>
           </p:nvPr>
         </p:nvSpPr>
-        <p:spPr/>
-        <p:txBody>
-          <a:bodyPr/>
-          <a:lstStyle/>
-          <a:p>
-            <a:endParaRPr lang="de-DE" dirty="0"/>
-          </a:p>
-        </p:txBody>
-      </p:sp>
+        <p:spPr>
+          <a:xfrm>
+            <a:off x="838200" y="963877"/>
+            <a:ext cx="3494362" cy="4930246"/>
+          </a:xfrm>
+        </p:spPr>
+        <p:txBody>
+          <a:bodyPr>
+            <a:normAutofit/>
+          </a:bodyPr>
+          <a:lstStyle/>
+          <a:p>
+            <a:pPr algn="r"/>
+            <a:r>
+              <a:rPr lang="de-DE" dirty="0">
+                <a:solidFill>
+                  <a:schemeClr val="accent1"/>
+                </a:solidFill>
+              </a:rPr>
+              <a:t>Was hat Automotive damit zu tun?</a:t>
+            </a:r>
+          </a:p>
+        </p:txBody>
+      </p:sp>
+      <p:cxnSp>
+        <p:nvCxnSpPr>
+          <p:cNvPr id="10" name="Straight Connector 9">
+            <a:extLst>
+              <a:ext uri="{FF2B5EF4-FFF2-40B4-BE49-F238E27FC236}">
+                <a16:creationId xmlns:a16="http://schemas.microsoft.com/office/drawing/2014/main" id="{2D72A2C9-F3CA-4216-8BAD-FA4C970C3C4E}"/>
+              </a:ext>
+              <a:ext uri="{C183D7F6-B498-43B3-948B-1728B52AA6E4}">
+                <adec:decorative xmlns:adec="http://schemas.microsoft.com/office/drawing/2017/decorative" val="1"/>
+              </a:ext>
+            </a:extLst>
+          </p:cNvPr>
+          <p:cNvCxnSpPr>
+            <a:cxnSpLocks noGrp="1" noRot="1" noChangeAspect="1" noMove="1" noResize="1" noEditPoints="1" noAdjustHandles="1" noChangeArrowheads="1" noChangeShapeType="1"/>
+          </p:cNvCxnSpPr>
+          <p:nvPr>
+            <p:extLst>
+              <p:ext uri="{386F3935-93C4-4BCD-93E2-E3B085C9AB24}">
+                <p16:designElem xmlns:p16="http://schemas.microsoft.com/office/powerpoint/2015/main" val="1"/>
+              </p:ext>
+            </p:extLst>
+          </p:nvPr>
+        </p:nvCxnSpPr>
+        <p:spPr>
+          <a:xfrm>
+            <a:off x="4654296" y="2057400"/>
+            <a:ext cx="0" cy="2743200"/>
+          </a:xfrm>
+          <a:prstGeom prst="line">
+            <a:avLst/>
+          </a:prstGeom>
+          <a:ln w="19050">
+            <a:solidFill>
+              <a:schemeClr val="tx1">
+                <a:lumMod val="85000"/>
+                <a:lumOff val="15000"/>
+              </a:schemeClr>
+            </a:solidFill>
+          </a:ln>
+        </p:spPr>
+        <p:style>
+          <a:lnRef idx="1">
+            <a:schemeClr val="accent1"/>
+          </a:lnRef>
+          <a:fillRef idx="0">
+            <a:schemeClr val="accent1"/>
+          </a:fillRef>
+          <a:effectRef idx="0">
+            <a:schemeClr val="accent1"/>
+          </a:effectRef>
+          <a:fontRef idx="minor">
+            <a:schemeClr val="tx1"/>
+          </a:fontRef>
+        </p:style>
+      </p:cxnSp>
       <p:sp>
         <p:nvSpPr>
           <p:cNvPr id="3" name="Inhaltsplatzhalter 2">
             <a:extLst>
               <a:ext uri="{FF2B5EF4-FFF2-40B4-BE49-F238E27FC236}">
-                <a16:creationId xmlns:a16="http://schemas.microsoft.com/office/drawing/2014/main" id="{359E6519-534A-8F45-A394-2E7799B56A18}"/>
+                <a16:creationId xmlns:a16="http://schemas.microsoft.com/office/drawing/2014/main" id="{89236DE0-E6C7-9841-98C9-533DCFA9FC50}"/>
               </a:ext>
             </a:extLst>
           </p:cNvPr>
@@ -9354,19 +8654,105 @@
             <p:ph idx="1"/>
           </p:nvPr>
         </p:nvSpPr>
-        <p:spPr/>
-        <p:txBody>
-          <a:bodyPr/>
-          <a:lstStyle/>
-          <a:p>
-            <a:endParaRPr lang="de-DE"/>
+        <p:spPr>
+          <a:xfrm>
+            <a:off x="4976031" y="963877"/>
+            <a:ext cx="6377769" cy="4930246"/>
+          </a:xfrm>
+        </p:spPr>
+        <p:txBody>
+          <a:bodyPr anchor="ctr">
+            <a:normAutofit/>
+          </a:bodyPr>
+          <a:lstStyle/>
+          <a:p>
+            <a:pPr marL="514350" indent="-514350">
+              <a:buFont typeface="+mj-lt"/>
+              <a:buAutoNum type="arabicPeriod"/>
+            </a:pPr>
+            <a:r>
+              <a:rPr lang="de-DE" sz="2400"/>
+              <a:t>Ein Automobil hat immer mehr Software-Aufgaben</a:t>
+            </a:r>
+          </a:p>
+          <a:p>
+            <a:pPr marL="514350" indent="-514350">
+              <a:buFont typeface="+mj-lt"/>
+              <a:buAutoNum type="arabicPeriod"/>
+            </a:pPr>
+            <a:endParaRPr lang="de-DE" sz="2400"/>
+          </a:p>
+          <a:p>
+            <a:pPr marL="514350" indent="-514350">
+              <a:buFont typeface="+mj-lt"/>
+              <a:buAutoNum type="arabicPeriod"/>
+            </a:pPr>
+            <a:r>
+              <a:rPr lang="de-DE" sz="2400"/>
+              <a:t>C/C++ sind in HW-nähe und v.a. auch im Auto Standard</a:t>
+            </a:r>
+          </a:p>
+          <a:p>
+            <a:pPr marL="514350" indent="-514350">
+              <a:buFont typeface="+mj-lt"/>
+              <a:buAutoNum type="arabicPeriod"/>
+            </a:pPr>
+            <a:endParaRPr lang="de-DE" sz="2400"/>
+          </a:p>
+          <a:p>
+            <a:pPr marL="514350" indent="-514350">
+              <a:buFont typeface="+mj-lt"/>
+              <a:buAutoNum type="arabicPeriod"/>
+            </a:pPr>
+            <a:r>
+              <a:rPr lang="de-DE" sz="2400"/>
+              <a:t>Die Taktung von Prozessoren kann nicht beliebig erhöht werden</a:t>
+            </a:r>
+          </a:p>
+        </p:txBody>
+      </p:sp>
+      <p:sp>
+        <p:nvSpPr>
+          <p:cNvPr id="4" name="Textfeld 3">
+            <a:extLst>
+              <a:ext uri="{FF2B5EF4-FFF2-40B4-BE49-F238E27FC236}">
+                <a16:creationId xmlns:a16="http://schemas.microsoft.com/office/drawing/2014/main" id="{04E9A26A-C7E0-7340-BFA9-1147506FEAB7}"/>
+              </a:ext>
+            </a:extLst>
+          </p:cNvPr>
+          <p:cNvSpPr txBox="1"/>
+          <p:nvPr/>
+        </p:nvSpPr>
+        <p:spPr>
+          <a:xfrm>
+            <a:off x="2843652" y="5569710"/>
+            <a:ext cx="4264757" cy="646331"/>
+          </a:xfrm>
+          <a:prstGeom prst="rect">
+            <a:avLst/>
+          </a:prstGeom>
+          <a:noFill/>
+        </p:spPr>
+        <p:txBody>
+          <a:bodyPr wrap="none" rtlCol="0">
+            <a:spAutoFit/>
+          </a:bodyPr>
+          <a:lstStyle/>
+          <a:p>
+            <a:r>
+              <a:rPr lang="de-DE" sz="3600" dirty="0">
+                <a:sym typeface="Wingdings" pitchFamily="2" charset="2"/>
+              </a:rPr>
+              <a:t> Multicore-Systeme</a:t>
+            </a:r>
+            <a:endParaRPr lang="de-DE" sz="3600" dirty="0"/>
           </a:p>
         </p:txBody>
       </p:sp>
     </p:spTree>
     <p:extLst>
       <p:ext uri="{BB962C8B-B14F-4D97-AF65-F5344CB8AC3E}">
-        <p14:creationId xmlns:p14="http://schemas.microsoft.com/office/powerpoint/2010/main" val="1284373045"/>
+        <p14:creationId xmlns:p14="http://schemas.microsoft.com/office/powerpoint/2010/main" val="2445226627"/>
       </p:ext>
     </p:extLst>
   </p:cSld>
@@ -9403,6 +8789,217 @@
       </p:grpSpPr>
       <p:sp>
         <p:nvSpPr>
+          <p:cNvPr id="10" name="Rectangle 9">
+            <a:extLst>
+              <a:ext uri="{FF2B5EF4-FFF2-40B4-BE49-F238E27FC236}">
+                <a16:creationId xmlns:a16="http://schemas.microsoft.com/office/drawing/2014/main" id="{B775CD93-9DF2-48CB-9F57-1BCA9A46C7FA}"/>
+              </a:ext>
+              <a:ext uri="{C183D7F6-B498-43B3-948B-1728B52AA6E4}">
+                <adec:decorative xmlns:adec="http://schemas.microsoft.com/office/drawing/2017/decorative" val="1"/>
+              </a:ext>
+            </a:extLst>
+          </p:cNvPr>
+          <p:cNvSpPr>
+            <a:spLocks noGrp="1" noRot="1" noChangeAspect="1" noMove="1" noResize="1" noEditPoints="1" noAdjustHandles="1" noChangeArrowheads="1" noChangeShapeType="1" noTextEdit="1"/>
+          </p:cNvSpPr>
+          <p:nvPr>
+            <p:extLst>
+              <p:ext uri="{386F3935-93C4-4BCD-93E2-E3B085C9AB24}">
+                <p16:designElem xmlns:p16="http://schemas.microsoft.com/office/powerpoint/2015/main" val="1"/>
+              </p:ext>
+            </p:extLst>
+          </p:nvPr>
+        </p:nvSpPr>
+        <p:spPr>
+          <a:xfrm>
+            <a:off x="466343" y="448056"/>
+            <a:ext cx="1920339" cy="2894124"/>
+          </a:xfrm>
+          <a:prstGeom prst="rect">
+            <a:avLst/>
+          </a:prstGeom>
+          <a:solidFill>
+            <a:srgbClr val="5D7357"/>
+          </a:solidFill>
+          <a:ln w="25400">
+            <a:noFill/>
+          </a:ln>
+        </p:spPr>
+        <p:style>
+          <a:lnRef idx="2">
+            <a:schemeClr val="accent1">
+              <a:shade val="50000"/>
+            </a:schemeClr>
+          </a:lnRef>
+          <a:fillRef idx="1">
+            <a:schemeClr val="accent1"/>
+          </a:fillRef>
+          <a:effectRef idx="0">
+            <a:schemeClr val="accent1"/>
+          </a:effectRef>
+          <a:fontRef idx="minor">
+            <a:schemeClr val="lt1"/>
+          </a:fontRef>
+        </p:style>
+        <p:txBody>
+          <a:bodyPr rtlCol="0" anchor="ctr"/>
+          <a:lstStyle/>
+          <a:p>
+            <a:pPr algn="ctr"/>
+            <a:endParaRPr lang="en-US">
+              <a:solidFill>
+                <a:srgbClr val="FFFFFF"/>
+              </a:solidFill>
+            </a:endParaRPr>
+          </a:p>
+        </p:txBody>
+      </p:sp>
+      <p:sp>
+        <p:nvSpPr>
+          <p:cNvPr id="12" name="Rectangle 11">
+            <a:extLst>
+              <a:ext uri="{FF2B5EF4-FFF2-40B4-BE49-F238E27FC236}">
+                <a16:creationId xmlns:a16="http://schemas.microsoft.com/office/drawing/2014/main" id="{6166C6D1-23AC-49C4-BA07-238E4E9F8CEB}"/>
+              </a:ext>
+              <a:ext uri="{C183D7F6-B498-43B3-948B-1728B52AA6E4}">
+                <adec:decorative xmlns:adec="http://schemas.microsoft.com/office/drawing/2017/decorative" val="1"/>
+              </a:ext>
+            </a:extLst>
+          </p:cNvPr>
+          <p:cNvSpPr>
+            <a:spLocks noGrp="1" noRot="1" noChangeAspect="1" noMove="1" noResize="1" noEditPoints="1" noAdjustHandles="1" noChangeArrowheads="1" noChangeShapeType="1" noTextEdit="1"/>
+          </p:cNvSpPr>
+          <p:nvPr>
+            <p:extLst>
+              <p:ext uri="{386F3935-93C4-4BCD-93E2-E3B085C9AB24}">
+                <p16:designElem xmlns:p16="http://schemas.microsoft.com/office/powerpoint/2015/main" val="1"/>
+              </p:ext>
+            </p:extLst>
+          </p:nvPr>
+        </p:nvSpPr>
+        <p:spPr>
+          <a:xfrm>
+            <a:off x="466343" y="3515821"/>
+            <a:ext cx="1920338" cy="2883258"/>
+          </a:xfrm>
+          <a:prstGeom prst="rect">
+            <a:avLst/>
+          </a:prstGeom>
+          <a:solidFill>
+            <a:schemeClr val="accent5">
+              <a:alpha val="95000"/>
+            </a:schemeClr>
+          </a:solidFill>
+          <a:ln w="25400">
+            <a:noFill/>
+          </a:ln>
+        </p:spPr>
+        <p:style>
+          <a:lnRef idx="2">
+            <a:schemeClr val="accent1">
+              <a:shade val="50000"/>
+            </a:schemeClr>
+          </a:lnRef>
+          <a:fillRef idx="1">
+            <a:schemeClr val="accent1"/>
+          </a:fillRef>
+          <a:effectRef idx="0">
+            <a:schemeClr val="accent1"/>
+          </a:effectRef>
+          <a:fontRef idx="minor">
+            <a:schemeClr val="lt1"/>
+          </a:fontRef>
+        </p:style>
+        <p:txBody>
+          <a:bodyPr rtlCol="0" anchor="ctr"/>
+          <a:lstStyle/>
+          <a:p>
+            <a:pPr algn="ctr"/>
+            <a:endParaRPr lang="en-US" dirty="0">
+              <a:solidFill>
+                <a:srgbClr val="FFFFFF"/>
+              </a:solidFill>
+            </a:endParaRPr>
+          </a:p>
+        </p:txBody>
+      </p:sp>
+      <p:pic>
+        <p:nvPicPr>
+          <p:cNvPr id="5" name="Inhaltsplatzhalter 4" descr="Ein Bild, das Screenshot enthält.&#10;&#10;Automatisch generierte Beschreibung">
+            <a:extLst>
+              <a:ext uri="{FF2B5EF4-FFF2-40B4-BE49-F238E27FC236}">
+                <a16:creationId xmlns:a16="http://schemas.microsoft.com/office/drawing/2014/main" id="{0193C2F2-B564-9247-BBD8-D6099F438056}"/>
+              </a:ext>
+            </a:extLst>
+          </p:cNvPr>
+          <p:cNvPicPr>
+            <a:picLocks noGrp="1" noChangeAspect="1"/>
+          </p:cNvPicPr>
+          <p:nvPr>
+            <p:ph idx="1"/>
+          </p:nvPr>
+        </p:nvPicPr>
+        <p:blipFill rotWithShape="1">
+          <a:blip r:embed="rId2">
+            <a:extLst>
+              <a:ext uri="{28A0092B-C50C-407E-A947-70E740481C1C}">
+                <a14:useLocalDpi xmlns:a14="http://schemas.microsoft.com/office/drawing/2010/main" val="0"/>
+              </a:ext>
+            </a:extLst>
+          </a:blip>
+          <a:srcRect t="245" r="-2" b="-2"/>
+          <a:stretch/>
+        </p:blipFill>
+        <p:spPr>
+          <a:xfrm>
+            <a:off x="2551176" y="448056"/>
+            <a:ext cx="9180576" cy="5952744"/>
+          </a:xfrm>
+          <a:prstGeom prst="rect">
+            <a:avLst/>
+          </a:prstGeom>
+        </p:spPr>
+      </p:pic>
+    </p:spTree>
+    <p:extLst>
+      <p:ext uri="{BB962C8B-B14F-4D97-AF65-F5344CB8AC3E}">
+        <p14:creationId xmlns:p14="http://schemas.microsoft.com/office/powerpoint/2010/main" val="1284373045"/>
+      </p:ext>
+    </p:extLst>
+  </p:cSld>
+  <p:clrMapOvr>
+    <a:masterClrMapping/>
+  </p:clrMapOvr>
+</p:sld>
+</file>
+
+<file path=ppt/slides/slide6.xml><?xml version="1.0" encoding="utf-8"?>
+<p:sld xmlns:a="http://schemas.openxmlformats.org/drawingml/2006/main" xmlns:r="http://schemas.openxmlformats.org/officeDocument/2006/relationships" xmlns:p="http://schemas.openxmlformats.org/presentationml/2006/main">
+  <p:cSld>
+    <p:bg>
+      <p:bgPr>
+        <a:solidFill>
+          <a:schemeClr val="bg1"/>
+        </a:solidFill>
+        <a:effectLst/>
+      </p:bgPr>
+    </p:bg>
+    <p:spTree>
+      <p:nvGrpSpPr>
+        <p:cNvPr id="1" name=""/>
+        <p:cNvGrpSpPr/>
+        <p:nvPr/>
+      </p:nvGrpSpPr>
+      <p:grpSpPr>
+        <a:xfrm>
+          <a:off x="0" y="0"/>
+          <a:ext cx="0" cy="0"/>
+          <a:chOff x="0" y="0"/>
+          <a:chExt cx="0" cy="0"/>
+        </a:xfrm>
+      </p:grpSpPr>
+      <p:sp>
+        <p:nvSpPr>
           <p:cNvPr id="23" name="Rectangle 7">
             <a:extLst>
               <a:ext uri="{FF2B5EF4-FFF2-40B4-BE49-F238E27FC236}">
@@ -9638,9 +9235,17 @@
 </p:sld>
 </file>
 
-<file path=ppt/slides/slide6.xml><?xml version="1.0" encoding="utf-8"?>
+<file path=ppt/slides/slide7.xml><?xml version="1.0" encoding="utf-8"?>
 <p:sld xmlns:a="http://schemas.openxmlformats.org/drawingml/2006/main" xmlns:r="http://schemas.openxmlformats.org/officeDocument/2006/relationships" xmlns:p="http://schemas.openxmlformats.org/presentationml/2006/main">
   <p:cSld>
+    <p:bg>
+      <p:bgPr>
+        <a:solidFill>
+          <a:schemeClr val="bg1"/>
+        </a:solidFill>
+        <a:effectLst/>
+      </p:bgPr>
+    </p:bg>
     <p:spTree>
       <p:nvGrpSpPr>
         <p:cNvPr id="1" name=""/>
@@ -9655,87 +9260,392 @@
           <a:chExt cx="0" cy="0"/>
         </a:xfrm>
       </p:grpSpPr>
-      <p:sp>
-        <p:nvSpPr>
-          <p:cNvPr id="2" name="Titel 1">
-            <a:extLst>
-              <a:ext uri="{FF2B5EF4-FFF2-40B4-BE49-F238E27FC236}">
-                <a16:creationId xmlns:a16="http://schemas.microsoft.com/office/drawing/2014/main" id="{2096F096-A894-45E2-A4D7-538ED2B0278F}"/>
-              </a:ext>
-            </a:extLst>
-          </p:cNvPr>
-          <p:cNvSpPr>
-            <a:spLocks noGrp="1"/>
-          </p:cNvSpPr>
-          <p:nvPr>
-            <p:ph type="title"/>
-          </p:nvPr>
-        </p:nvSpPr>
-        <p:spPr/>
-        <p:txBody>
-          <a:bodyPr/>
-          <a:lstStyle/>
-          <a:p>
-            <a:r>
-              <a:rPr lang="en-US"/>
-              <a:t>Anwendung</a:t>
-            </a:r>
-            <a:endParaRPr lang="de-DE" dirty="0"/>
-          </a:p>
-        </p:txBody>
-      </p:sp>
-      <p:sp>
-        <p:nvSpPr>
-          <p:cNvPr id="3" name="Inhaltsplatzhalter 2">
-            <a:extLst>
-              <a:ext uri="{FF2B5EF4-FFF2-40B4-BE49-F238E27FC236}">
-                <a16:creationId xmlns:a16="http://schemas.microsoft.com/office/drawing/2014/main" id="{4D0BAB4A-F0AD-401C-949C-079470D3D988}"/>
-              </a:ext>
-            </a:extLst>
-          </p:cNvPr>
-          <p:cNvSpPr>
-            <a:spLocks noGrp="1"/>
-          </p:cNvSpPr>
-          <p:nvPr>
-            <p:ph idx="1"/>
+      <p:sp useBgFill="1">
+        <p:nvSpPr>
+          <p:cNvPr id="9" name="Rectangle 8">
+            <a:extLst>
+              <a:ext uri="{FF2B5EF4-FFF2-40B4-BE49-F238E27FC236}">
+                <a16:creationId xmlns:a16="http://schemas.microsoft.com/office/drawing/2014/main" id="{2550BE34-C2B8-49B8-8519-67A8CAD51AE9}"/>
+              </a:ext>
+              <a:ext uri="{C183D7F6-B498-43B3-948B-1728B52AA6E4}">
+                <adec:decorative xmlns:adec="http://schemas.microsoft.com/office/drawing/2017/decorative" val="1"/>
+              </a:ext>
+            </a:extLst>
+          </p:cNvPr>
+          <p:cNvSpPr>
+            <a:spLocks noGrp="1" noRot="1" noChangeAspect="1" noMove="1" noResize="1" noEditPoints="1" noAdjustHandles="1" noChangeArrowheads="1" noChangeShapeType="1" noTextEdit="1"/>
+          </p:cNvSpPr>
+          <p:nvPr>
+            <p:extLst>
+              <p:ext uri="{386F3935-93C4-4BCD-93E2-E3B085C9AB24}">
+                <p16:designElem xmlns:p16="http://schemas.microsoft.com/office/powerpoint/2015/main" val="1"/>
+              </p:ext>
+            </p:extLst>
           </p:nvPr>
         </p:nvSpPr>
         <p:spPr>
           <a:xfrm>
-            <a:off x="838200" y="1825625"/>
-            <a:ext cx="10687756" cy="4351338"/>
+            <a:off x="0" y="0"/>
+            <a:ext cx="12192000" cy="6858000"/>
+          </a:xfrm>
+          <a:prstGeom prst="rect">
+            <a:avLst/>
+          </a:prstGeom>
+          <a:ln>
+            <a:noFill/>
+          </a:ln>
+        </p:spPr>
+        <p:style>
+          <a:lnRef idx="2">
+            <a:schemeClr val="accent1">
+              <a:shade val="50000"/>
+            </a:schemeClr>
+          </a:lnRef>
+          <a:fillRef idx="1">
+            <a:schemeClr val="accent1"/>
+          </a:fillRef>
+          <a:effectRef idx="0">
+            <a:schemeClr val="accent1"/>
+          </a:effectRef>
+          <a:fontRef idx="minor">
+            <a:schemeClr val="lt1"/>
+          </a:fontRef>
+        </p:style>
+        <p:txBody>
+          <a:bodyPr rtlCol="0" anchor="ctr"/>
+          <a:lstStyle/>
+          <a:p>
+            <a:pPr algn="ctr"/>
+            <a:endParaRPr lang="en-US"/>
+          </a:p>
+        </p:txBody>
+      </p:sp>
+      <p:sp useBgFill="1">
+        <p:nvSpPr>
+          <p:cNvPr id="11" name="Rectangle 10">
+            <a:extLst>
+              <a:ext uri="{FF2B5EF4-FFF2-40B4-BE49-F238E27FC236}">
+                <a16:creationId xmlns:a16="http://schemas.microsoft.com/office/drawing/2014/main" id="{A7457DD9-5A45-400A-AB4B-4B4EDECA25F1}"/>
+              </a:ext>
+              <a:ext uri="{C183D7F6-B498-43B3-948B-1728B52AA6E4}">
+                <adec:decorative xmlns:adec="http://schemas.microsoft.com/office/drawing/2017/decorative" val="1"/>
+              </a:ext>
+            </a:extLst>
+          </p:cNvPr>
+          <p:cNvSpPr>
+            <a:spLocks noGrp="1" noRot="1" noChangeAspect="1" noMove="1" noResize="1" noEditPoints="1" noAdjustHandles="1" noChangeArrowheads="1" noChangeShapeType="1" noTextEdit="1"/>
+          </p:cNvSpPr>
+          <p:nvPr>
+            <p:extLst>
+              <p:ext uri="{386F3935-93C4-4BCD-93E2-E3B085C9AB24}">
+                <p16:designElem xmlns:p16="http://schemas.microsoft.com/office/powerpoint/2015/main" val="1"/>
+              </p:ext>
+            </p:extLst>
+          </p:nvPr>
+        </p:nvSpPr>
+        <p:spPr>
+          <a:xfrm>
+            <a:off x="554416" y="365125"/>
+            <a:ext cx="11167447" cy="2089317"/>
+          </a:xfrm>
+          <a:prstGeom prst="rect">
+            <a:avLst/>
+          </a:prstGeom>
+          <a:ln w="12700">
+            <a:solidFill>
+              <a:srgbClr val="DEDEDE"/>
+            </a:solidFill>
+          </a:ln>
+          <a:effectLst>
+            <a:outerShdw blurRad="50800" dist="38100" dir="2700000" algn="tl" rotWithShape="0">
+              <a:schemeClr val="bg2">
+                <a:lumMod val="85000"/>
+                <a:alpha val="50000"/>
+              </a:schemeClr>
+            </a:outerShdw>
+          </a:effectLst>
+        </p:spPr>
+        <p:style>
+          <a:lnRef idx="2">
+            <a:schemeClr val="accent1">
+              <a:shade val="50000"/>
+            </a:schemeClr>
+          </a:lnRef>
+          <a:fillRef idx="1">
+            <a:schemeClr val="accent1"/>
+          </a:fillRef>
+          <a:effectRef idx="0">
+            <a:schemeClr val="accent1"/>
+          </a:effectRef>
+          <a:fontRef idx="minor">
+            <a:schemeClr val="lt1"/>
+          </a:fontRef>
+        </p:style>
+        <p:txBody>
+          <a:bodyPr rtlCol="0" anchor="ctr"/>
+          <a:lstStyle/>
+          <a:p>
+            <a:pPr marL="0" marR="0" lvl="0" indent="0" algn="ctr" defTabSz="914400" rtl="0" eaLnBrk="1" fontAlgn="auto" latinLnBrk="0" hangingPunct="1">
+              <a:lnSpc>
+                <a:spcPct val="100000"/>
+              </a:lnSpc>
+              <a:spcBef>
+                <a:spcPts val="0"/>
+              </a:spcBef>
+              <a:spcAft>
+                <a:spcPts val="0"/>
+              </a:spcAft>
+              <a:buClrTx/>
+              <a:buSzTx/>
+              <a:buFontTx/>
+              <a:buNone/>
+              <a:tabLst/>
+              <a:defRPr/>
+            </a:pPr>
+            <a:endParaRPr kumimoji="0" lang="en-US" sz="1800" b="0" i="0" u="none" strike="noStrike" kern="1200" cap="none" spc="0" normalizeH="0" baseline="0" noProof="0">
+              <a:ln>
+                <a:noFill/>
+              </a:ln>
+              <a:solidFill>
+                <a:prstClr val="white"/>
+              </a:solidFill>
+              <a:effectLst/>
+              <a:uLnTx/>
+              <a:uFillTx/>
+              <a:latin typeface="Calibri" panose="020F0502020204030204"/>
+              <a:ea typeface="+mn-ea"/>
+              <a:cs typeface="+mn-cs"/>
+            </a:endParaRPr>
+          </a:p>
+        </p:txBody>
+      </p:sp>
+      <p:sp>
+        <p:nvSpPr>
+          <p:cNvPr id="2" name="Titel 1">
+            <a:extLst>
+              <a:ext uri="{FF2B5EF4-FFF2-40B4-BE49-F238E27FC236}">
+                <a16:creationId xmlns:a16="http://schemas.microsoft.com/office/drawing/2014/main" id="{2096F096-A894-45E2-A4D7-538ED2B0278F}"/>
+              </a:ext>
+            </a:extLst>
+          </p:cNvPr>
+          <p:cNvSpPr>
+            <a:spLocks noGrp="1"/>
+          </p:cNvSpPr>
+          <p:nvPr>
+            <p:ph type="title"/>
+          </p:nvPr>
+        </p:nvSpPr>
+        <p:spPr>
+          <a:xfrm>
+            <a:off x="1046746" y="586822"/>
+            <a:ext cx="3560252" cy="1645920"/>
           </a:xfrm>
         </p:spPr>
         <p:txBody>
-          <a:bodyPr/>
-          <a:lstStyle/>
-          <a:p>
-            <a:r>
-              <a:rPr lang="de-DE"/>
+          <a:bodyPr>
+            <a:normAutofit/>
+          </a:bodyPr>
+          <a:lstStyle/>
+          <a:p>
+            <a:r>
+              <a:rPr lang="en-US" sz="3200"/>
+              <a:t>Anwendung</a:t>
+            </a:r>
+            <a:endParaRPr lang="de-DE" sz="3200"/>
+          </a:p>
+        </p:txBody>
+      </p:sp>
+      <p:sp>
+        <p:nvSpPr>
+          <p:cNvPr id="13" name="Rectangle 12">
+            <a:extLst>
+              <a:ext uri="{FF2B5EF4-FFF2-40B4-BE49-F238E27FC236}">
+                <a16:creationId xmlns:a16="http://schemas.microsoft.com/office/drawing/2014/main" id="{441CF7D6-A660-431A-B0BB-140A0D5556B6}"/>
+              </a:ext>
+              <a:ext uri="{C183D7F6-B498-43B3-948B-1728B52AA6E4}">
+                <adec:decorative xmlns:adec="http://schemas.microsoft.com/office/drawing/2017/decorative" val="1"/>
+              </a:ext>
+            </a:extLst>
+          </p:cNvPr>
+          <p:cNvSpPr>
+            <a:spLocks noGrp="1" noRot="1" noChangeAspect="1" noMove="1" noResize="1" noEditPoints="1" noAdjustHandles="1" noChangeArrowheads="1" noChangeShapeType="1" noTextEdit="1"/>
+          </p:cNvSpPr>
+          <p:nvPr>
+            <p:extLst>
+              <p:ext uri="{386F3935-93C4-4BCD-93E2-E3B085C9AB24}">
+                <p16:designElem xmlns:p16="http://schemas.microsoft.com/office/powerpoint/2015/main" val="1"/>
+              </p:ext>
+            </p:extLst>
+          </p:nvPr>
+        </p:nvSpPr>
+        <p:spPr>
+          <a:xfrm>
+            <a:off x="490408" y="1057739"/>
+            <a:ext cx="128016" cy="704088"/>
+          </a:xfrm>
+          <a:prstGeom prst="rect">
+            <a:avLst/>
+          </a:prstGeom>
+          <a:solidFill>
+            <a:schemeClr val="accent2"/>
+          </a:solidFill>
+          <a:ln>
+            <a:noFill/>
+          </a:ln>
+        </p:spPr>
+        <p:style>
+          <a:lnRef idx="2">
+            <a:schemeClr val="accent1">
+              <a:shade val="50000"/>
+            </a:schemeClr>
+          </a:lnRef>
+          <a:fillRef idx="1">
+            <a:schemeClr val="accent1"/>
+          </a:fillRef>
+          <a:effectRef idx="0">
+            <a:schemeClr val="accent1"/>
+          </a:effectRef>
+          <a:fontRef idx="minor">
+            <a:schemeClr val="lt1"/>
+          </a:fontRef>
+        </p:style>
+        <p:txBody>
+          <a:bodyPr rtlCol="0" anchor="ctr"/>
+          <a:lstStyle/>
+          <a:p>
+            <a:pPr algn="ctr"/>
+            <a:endParaRPr lang="en-US" dirty="0">
+              <a:solidFill>
+                <a:prstClr val="white"/>
+              </a:solidFill>
+              <a:latin typeface="Calibri" panose="020F0502020204030204"/>
+            </a:endParaRPr>
+          </a:p>
+        </p:txBody>
+      </p:sp>
+      <p:sp>
+        <p:nvSpPr>
+          <p:cNvPr id="15" name="Rectangle 14">
+            <a:extLst>
+              <a:ext uri="{FF2B5EF4-FFF2-40B4-BE49-F238E27FC236}">
+                <a16:creationId xmlns:a16="http://schemas.microsoft.com/office/drawing/2014/main" id="{0570A85B-3810-4F95-97B0-CBF4CCDB381C}"/>
+              </a:ext>
+              <a:ext uri="{C183D7F6-B498-43B3-948B-1728B52AA6E4}">
+                <adec:decorative xmlns:adec="http://schemas.microsoft.com/office/drawing/2017/decorative" val="1"/>
+              </a:ext>
+            </a:extLst>
+          </p:cNvPr>
+          <p:cNvSpPr>
+            <a:spLocks noGrp="1" noRot="1" noChangeAspect="1" noMove="1" noResize="1" noEditPoints="1" noAdjustHandles="1" noChangeArrowheads="1" noChangeShapeType="1" noTextEdit="1"/>
+          </p:cNvSpPr>
+          <p:nvPr>
+            <p:extLst>
+              <p:ext uri="{386F3935-93C4-4BCD-93E2-E3B085C9AB24}">
+                <p16:designElem xmlns:p16="http://schemas.microsoft.com/office/powerpoint/2015/main" val="1"/>
+              </p:ext>
+            </p:extLst>
+          </p:nvPr>
+        </p:nvSpPr>
+        <p:spPr>
+          <a:xfrm rot="5400000">
+            <a:off x="4243541" y="1400638"/>
+            <a:ext cx="1463040" cy="18288"/>
+          </a:xfrm>
+          <a:prstGeom prst="rect">
+            <a:avLst/>
+          </a:prstGeom>
+          <a:solidFill>
+            <a:srgbClr val="D5D5D5"/>
+          </a:solidFill>
+          <a:ln w="3175">
+            <a:noFill/>
+          </a:ln>
+          <a:effectLst/>
+        </p:spPr>
+        <p:style>
+          <a:lnRef idx="2">
+            <a:schemeClr val="accent1">
+              <a:shade val="50000"/>
+            </a:schemeClr>
+          </a:lnRef>
+          <a:fillRef idx="1">
+            <a:schemeClr val="accent1"/>
+          </a:fillRef>
+          <a:effectRef idx="0">
+            <a:schemeClr val="accent1"/>
+          </a:effectRef>
+          <a:fontRef idx="minor">
+            <a:schemeClr val="lt1"/>
+          </a:fontRef>
+        </p:style>
+        <p:txBody>
+          <a:bodyPr rtlCol="0" anchor="ctr"/>
+          <a:lstStyle/>
+          <a:p>
+            <a:pPr algn="ctr"/>
+            <a:endParaRPr lang="en-US">
+              <a:solidFill>
+                <a:prstClr val="white"/>
+              </a:solidFill>
+              <a:latin typeface="Calibri" panose="020F0502020204030204"/>
+            </a:endParaRPr>
+          </a:p>
+        </p:txBody>
+      </p:sp>
+      <p:sp>
+        <p:nvSpPr>
+          <p:cNvPr id="3" name="Inhaltsplatzhalter 2">
+            <a:extLst>
+              <a:ext uri="{FF2B5EF4-FFF2-40B4-BE49-F238E27FC236}">
+                <a16:creationId xmlns:a16="http://schemas.microsoft.com/office/drawing/2014/main" id="{4D0BAB4A-F0AD-401C-949C-079470D3D988}"/>
+              </a:ext>
+            </a:extLst>
+          </p:cNvPr>
+          <p:cNvSpPr>
+            <a:spLocks noGrp="1"/>
+          </p:cNvSpPr>
+          <p:nvPr>
+            <p:ph idx="1"/>
+          </p:nvPr>
+        </p:nvSpPr>
+        <p:spPr>
+          <a:xfrm>
+            <a:off x="5351164" y="586822"/>
+            <a:ext cx="6002636" cy="1645920"/>
+          </a:xfrm>
+        </p:spPr>
+        <p:txBody>
+          <a:bodyPr anchor="ctr">
+            <a:normAutofit/>
+          </a:bodyPr>
+          <a:lstStyle/>
+          <a:p>
+            <a:r>
+              <a:rPr lang="de-DE" sz="1800"/>
               <a:t>OpenMP relevanten Pragmas: #pragma omp</a:t>
             </a:r>
           </a:p>
           <a:p>
             <a:r>
-              <a:rPr lang="de-DE"/>
+              <a:rPr lang="de-DE" sz="1800"/>
               <a:t>Pragmas werden von Compilern ohne OpenMP-Unterstützung ignoriert</a:t>
             </a:r>
           </a:p>
           <a:p>
             <a:r>
-              <a:rPr lang="de-DE"/>
+              <a:rPr lang="de-DE" sz="1800"/>
               <a:t>OpenMP-Direktive bezieht sich immer auf den nachfolgenden strukturierten Block</a:t>
             </a:r>
           </a:p>
           <a:p>
             <a:pPr lvl="1"/>
-            <a:endParaRPr lang="de-DE" dirty="0"/>
+            <a:endParaRPr lang="de-DE" sz="1800"/>
           </a:p>
         </p:txBody>
       </p:sp>
       <p:pic>
         <p:nvPicPr>
-          <p:cNvPr id="4" name="Grafik 3">
+          <p:cNvPr id="4" name="Grafik 3" descr="Ein Bild, das Bildschirm, Fernsehen, Messer, Raum enthält.&#10;&#10;Automatisch generierte Beschreibung">
             <a:extLst>
               <a:ext uri="{FF2B5EF4-FFF2-40B4-BE49-F238E27FC236}">
                 <a16:creationId xmlns:a16="http://schemas.microsoft.com/office/drawing/2014/main" id="{7070BF6B-AFC6-440C-912C-B3AD6E92098B}"/>
@@ -9748,25 +9658,14 @@
           <p:nvPr/>
         </p:nvPicPr>
         <p:blipFill rotWithShape="1">
-          <a:blip r:embed="rId2">
-            <a:clrChange>
-              <a:clrFrom>
-                <a:srgbClr val="FFFFCC"/>
-              </a:clrFrom>
-              <a:clrTo>
-                <a:srgbClr val="FFFFCC">
-                  <a:alpha val="0"/>
-                </a:srgbClr>
-              </a:clrTo>
-            </a:clrChange>
-          </a:blip>
+          <a:blip r:embed="rId2"/>
           <a:srcRect r="2534" b="4883"/>
           <a:stretch/>
         </p:blipFill>
         <p:spPr>
           <a:xfrm>
-            <a:off x="2855313" y="4001294"/>
-            <a:ext cx="6999887" cy="1259328"/>
+            <a:off x="557784" y="3468134"/>
+            <a:ext cx="11164824" cy="2015708"/>
           </a:xfrm>
           <a:prstGeom prst="rect">
             <a:avLst/>
@@ -9786,7 +9685,7 @@
 </p:sld>
 </file>
 
-<file path=ppt/slides/slide7.xml><?xml version="1.0" encoding="utf-8"?>
+<file path=ppt/slides/slide8.xml><?xml version="1.0" encoding="utf-8"?>
 <p:sld xmlns:a="http://schemas.openxmlformats.org/drawingml/2006/main" xmlns:r="http://schemas.openxmlformats.org/officeDocument/2006/relationships" xmlns:p="http://schemas.openxmlformats.org/presentationml/2006/main">
   <p:cSld>
     <p:bg>
@@ -10125,7 +10024,7 @@
 </p:sld>
 </file>
 
-<file path=ppt/slides/slide8.xml><?xml version="1.0" encoding="utf-8"?>
+<file path=ppt/slides/slide9.xml><?xml version="1.0" encoding="utf-8"?>
 <p:sld xmlns:a="http://schemas.openxmlformats.org/drawingml/2006/main" xmlns:r="http://schemas.openxmlformats.org/officeDocument/2006/relationships" xmlns:p="http://schemas.openxmlformats.org/presentationml/2006/main">
   <p:cSld>
     <p:bg>
@@ -10416,241 +10315,6 @@
     <p:extLst>
       <p:ext uri="{BB962C8B-B14F-4D97-AF65-F5344CB8AC3E}">
         <p14:creationId xmlns:p14="http://schemas.microsoft.com/office/powerpoint/2010/main" val="3000337623"/>
-      </p:ext>
-    </p:extLst>
-  </p:cSld>
-  <p:clrMapOvr>
-    <a:masterClrMapping/>
-  </p:clrMapOvr>
-</p:sld>
-</file>
-
-<file path=ppt/slides/slide9.xml><?xml version="1.0" encoding="utf-8"?>
-<p:sld xmlns:a="http://schemas.openxmlformats.org/drawingml/2006/main" xmlns:r="http://schemas.openxmlformats.org/officeDocument/2006/relationships" xmlns:p="http://schemas.openxmlformats.org/presentationml/2006/main">
-  <p:cSld>
-    <p:bg>
-      <p:bgPr>
-        <a:solidFill>
-          <a:schemeClr val="bg1"/>
-        </a:solidFill>
-        <a:effectLst/>
-      </p:bgPr>
-    </p:bg>
-    <p:spTree>
-      <p:nvGrpSpPr>
-        <p:cNvPr id="1" name=""/>
-        <p:cNvGrpSpPr/>
-        <p:nvPr/>
-      </p:nvGrpSpPr>
-      <p:grpSpPr>
-        <a:xfrm>
-          <a:off x="0" y="0"/>
-          <a:ext cx="0" cy="0"/>
-          <a:chOff x="0" y="0"/>
-          <a:chExt cx="0" cy="0"/>
-        </a:xfrm>
-      </p:grpSpPr>
-      <p:sp>
-        <p:nvSpPr>
-          <p:cNvPr id="8" name="Rectangle 7">
-            <a:extLst>
-              <a:ext uri="{FF2B5EF4-FFF2-40B4-BE49-F238E27FC236}">
-                <a16:creationId xmlns:a16="http://schemas.microsoft.com/office/drawing/2014/main" id="{8D70B121-56F4-4848-B38B-182089D909FA}"/>
-              </a:ext>
-              <a:ext uri="{C183D7F6-B498-43B3-948B-1728B52AA6E4}">
-                <adec:decorative xmlns:adec="http://schemas.microsoft.com/office/drawing/2017/decorative" val="1"/>
-              </a:ext>
-            </a:extLst>
-          </p:cNvPr>
-          <p:cNvSpPr>
-            <a:spLocks noGrp="1" noRot="1" noChangeAspect="1" noMove="1" noResize="1" noEditPoints="1" noAdjustHandles="1" noChangeArrowheads="1" noChangeShapeType="1" noTextEdit="1"/>
-          </p:cNvSpPr>
-          <p:nvPr>
-            <p:extLst>
-              <p:ext uri="{386F3935-93C4-4BCD-93E2-E3B085C9AB24}">
-                <p16:designElem xmlns:p16="http://schemas.microsoft.com/office/powerpoint/2015/main" val="1"/>
-              </p:ext>
-            </p:extLst>
-          </p:nvPr>
-        </p:nvSpPr>
-        <p:spPr bwMode="ltGray">
-          <a:xfrm>
-            <a:off x="321564" y="320040"/>
-            <a:ext cx="11548872" cy="6217920"/>
-          </a:xfrm>
-          <a:prstGeom prst="rect">
-            <a:avLst/>
-          </a:prstGeom>
-          <a:solidFill>
-            <a:schemeClr val="tx1">
-              <a:alpha val="8000"/>
-            </a:schemeClr>
-          </a:solidFill>
-          <a:ln w="127000" cap="sq" cmpd="thinThick">
-            <a:noFill/>
-          </a:ln>
-        </p:spPr>
-        <p:style>
-          <a:lnRef idx="2">
-            <a:schemeClr val="accent1">
-              <a:shade val="50000"/>
-            </a:schemeClr>
-          </a:lnRef>
-          <a:fillRef idx="1">
-            <a:schemeClr val="accent1"/>
-          </a:fillRef>
-          <a:effectRef idx="0">
-            <a:schemeClr val="accent1"/>
-          </a:effectRef>
-          <a:fontRef idx="minor">
-            <a:schemeClr val="lt1"/>
-          </a:fontRef>
-        </p:style>
-        <p:txBody>
-          <a:bodyPr rtlCol="0" anchor="ctr"/>
-          <a:lstStyle/>
-          <a:p>
-            <a:pPr algn="ctr"/>
-            <a:endParaRPr lang="en-US"/>
-          </a:p>
-        </p:txBody>
-      </p:sp>
-      <p:sp>
-        <p:nvSpPr>
-          <p:cNvPr id="2" name="Titel 1">
-            <a:extLst>
-              <a:ext uri="{FF2B5EF4-FFF2-40B4-BE49-F238E27FC236}">
-                <a16:creationId xmlns:a16="http://schemas.microsoft.com/office/drawing/2014/main" id="{F64D71EF-2811-4B48-99D6-C2EB90DA3653}"/>
-              </a:ext>
-            </a:extLst>
-          </p:cNvPr>
-          <p:cNvSpPr>
-            <a:spLocks noGrp="1"/>
-          </p:cNvSpPr>
-          <p:nvPr>
-            <p:ph type="title"/>
-          </p:nvPr>
-        </p:nvSpPr>
-        <p:spPr>
-          <a:xfrm>
-            <a:off x="838200" y="963877"/>
-            <a:ext cx="3494362" cy="4930246"/>
-          </a:xfrm>
-        </p:spPr>
-        <p:txBody>
-          <a:bodyPr>
-            <a:normAutofit/>
-          </a:bodyPr>
-          <a:lstStyle/>
-          <a:p>
-            <a:pPr algn="r"/>
-            <a:r>
-              <a:rPr lang="en-US">
-                <a:solidFill>
-                  <a:schemeClr val="accent1"/>
-                </a:solidFill>
-              </a:rPr>
-              <a:t>OpenMP - Sections</a:t>
-            </a:r>
-            <a:endParaRPr lang="de-DE">
-              <a:solidFill>
-                <a:schemeClr val="accent1"/>
-              </a:solidFill>
-            </a:endParaRPr>
-          </a:p>
-        </p:txBody>
-      </p:sp>
-      <p:cxnSp>
-        <p:nvCxnSpPr>
-          <p:cNvPr id="10" name="Straight Connector 9">
-            <a:extLst>
-              <a:ext uri="{FF2B5EF4-FFF2-40B4-BE49-F238E27FC236}">
-                <a16:creationId xmlns:a16="http://schemas.microsoft.com/office/drawing/2014/main" id="{2D72A2C9-F3CA-4216-8BAD-FA4C970C3C4E}"/>
-              </a:ext>
-              <a:ext uri="{C183D7F6-B498-43B3-948B-1728B52AA6E4}">
-                <adec:decorative xmlns:adec="http://schemas.microsoft.com/office/drawing/2017/decorative" val="1"/>
-              </a:ext>
-            </a:extLst>
-          </p:cNvPr>
-          <p:cNvCxnSpPr>
-            <a:cxnSpLocks noGrp="1" noRot="1" noChangeAspect="1" noMove="1" noResize="1" noEditPoints="1" noAdjustHandles="1" noChangeArrowheads="1" noChangeShapeType="1"/>
-          </p:cNvCxnSpPr>
-          <p:nvPr>
-            <p:extLst>
-              <p:ext uri="{386F3935-93C4-4BCD-93E2-E3B085C9AB24}">
-                <p16:designElem xmlns:p16="http://schemas.microsoft.com/office/powerpoint/2015/main" val="1"/>
-              </p:ext>
-            </p:extLst>
-          </p:nvPr>
-        </p:nvCxnSpPr>
-        <p:spPr>
-          <a:xfrm>
-            <a:off x="4654296" y="2057400"/>
-            <a:ext cx="0" cy="2743200"/>
-          </a:xfrm>
-          <a:prstGeom prst="line">
-            <a:avLst/>
-          </a:prstGeom>
-          <a:ln w="19050">
-            <a:solidFill>
-              <a:schemeClr val="tx1">
-                <a:lumMod val="85000"/>
-                <a:lumOff val="15000"/>
-              </a:schemeClr>
-            </a:solidFill>
-          </a:ln>
-        </p:spPr>
-        <p:style>
-          <a:lnRef idx="1">
-            <a:schemeClr val="accent1"/>
-          </a:lnRef>
-          <a:fillRef idx="0">
-            <a:schemeClr val="accent1"/>
-          </a:fillRef>
-          <a:effectRef idx="0">
-            <a:schemeClr val="accent1"/>
-          </a:effectRef>
-          <a:fontRef idx="minor">
-            <a:schemeClr val="tx1"/>
-          </a:fontRef>
-        </p:style>
-      </p:cxnSp>
-      <p:sp>
-        <p:nvSpPr>
-          <p:cNvPr id="3" name="Inhaltsplatzhalter 2">
-            <a:extLst>
-              <a:ext uri="{FF2B5EF4-FFF2-40B4-BE49-F238E27FC236}">
-                <a16:creationId xmlns:a16="http://schemas.microsoft.com/office/drawing/2014/main" id="{8A90385B-4556-43EB-8171-A773E7ED7A35}"/>
-              </a:ext>
-            </a:extLst>
-          </p:cNvPr>
-          <p:cNvSpPr>
-            <a:spLocks noGrp="1"/>
-          </p:cNvSpPr>
-          <p:nvPr>
-            <p:ph idx="1"/>
-          </p:nvPr>
-        </p:nvSpPr>
-        <p:spPr>
-          <a:xfrm>
-            <a:off x="4976031" y="963877"/>
-            <a:ext cx="6377769" cy="4930246"/>
-          </a:xfrm>
-        </p:spPr>
-        <p:txBody>
-          <a:bodyPr anchor="ctr">
-            <a:normAutofit/>
-          </a:bodyPr>
-          <a:lstStyle/>
-          <a:p>
-            <a:endParaRPr lang="de-DE" sz="2400"/>
-          </a:p>
-        </p:txBody>
-      </p:sp>
-    </p:spTree>
-    <p:extLst>
-      <p:ext uri="{BB962C8B-B14F-4D97-AF65-F5344CB8AC3E}">
-        <p14:creationId xmlns:p14="http://schemas.microsoft.com/office/powerpoint/2010/main" val="1129215958"/>
       </p:ext>
     </p:extLst>
   </p:cSld>

--- a/OpenMP_Folien.pptx
+++ b/OpenMP_Folien.pptx
@@ -214,7 +214,7 @@
           <a:p>
             <a:fld id="{AD5FCB38-51A2-4D62-8717-5BE0EDC2993F}" type="datetimeFigureOut">
               <a:rPr lang="de-DE" smtClean="0"/>
-              <a:t>10.02.20</a:t>
+              <a:t>10.02.2020</a:t>
             </a:fld>
             <a:endParaRPr lang="de-DE"/>
           </a:p>
@@ -372,7 +372,7 @@
           <a:p>
             <a:fld id="{67F32239-C198-46BF-8243-3DEE8544CFAA}" type="slidenum">
               <a:rPr lang="de-DE" smtClean="0"/>
-              <a:t>‹Nr.›</a:t>
+              <a:t>‹#›</a:t>
             </a:fld>
             <a:endParaRPr lang="de-DE"/>
           </a:p>
@@ -1197,7 +1197,7 @@
           <a:p>
             <a:fld id="{B5E8A55B-A329-4846-8D76-CA2F32F53923}" type="datetimeFigureOut">
               <a:rPr lang="de-DE" smtClean="0"/>
-              <a:t>10.02.20</a:t>
+              <a:t>10.02.2020</a:t>
             </a:fld>
             <a:endParaRPr lang="de-DE"/>
           </a:p>
@@ -1251,7 +1251,7 @@
           <a:p>
             <a:fld id="{75C7E5CD-9B5C-4805-A7DF-0ED0E58D07B8}" type="slidenum">
               <a:rPr lang="de-DE" smtClean="0"/>
-              <a:t>‹Nr.›</a:t>
+              <a:t>‹#›</a:t>
             </a:fld>
             <a:endParaRPr lang="de-DE"/>
           </a:p>
@@ -1395,7 +1395,7 @@
           <a:p>
             <a:fld id="{B5E8A55B-A329-4846-8D76-CA2F32F53923}" type="datetimeFigureOut">
               <a:rPr lang="de-DE" smtClean="0"/>
-              <a:t>10.02.20</a:t>
+              <a:t>10.02.2020</a:t>
             </a:fld>
             <a:endParaRPr lang="de-DE"/>
           </a:p>
@@ -1449,7 +1449,7 @@
           <a:p>
             <a:fld id="{75C7E5CD-9B5C-4805-A7DF-0ED0E58D07B8}" type="slidenum">
               <a:rPr lang="de-DE" smtClean="0"/>
-              <a:t>‹Nr.›</a:t>
+              <a:t>‹#›</a:t>
             </a:fld>
             <a:endParaRPr lang="de-DE"/>
           </a:p>
@@ -1603,7 +1603,7 @@
           <a:p>
             <a:fld id="{B5E8A55B-A329-4846-8D76-CA2F32F53923}" type="datetimeFigureOut">
               <a:rPr lang="de-DE" smtClean="0"/>
-              <a:t>10.02.20</a:t>
+              <a:t>10.02.2020</a:t>
             </a:fld>
             <a:endParaRPr lang="de-DE"/>
           </a:p>
@@ -1657,7 +1657,7 @@
           <a:p>
             <a:fld id="{75C7E5CD-9B5C-4805-A7DF-0ED0E58D07B8}" type="slidenum">
               <a:rPr lang="de-DE" smtClean="0"/>
-              <a:t>‹Nr.›</a:t>
+              <a:t>‹#›</a:t>
             </a:fld>
             <a:endParaRPr lang="de-DE"/>
           </a:p>
@@ -1801,7 +1801,7 @@
           <a:p>
             <a:fld id="{B5E8A55B-A329-4846-8D76-CA2F32F53923}" type="datetimeFigureOut">
               <a:rPr lang="de-DE" smtClean="0"/>
-              <a:t>10.02.20</a:t>
+              <a:t>10.02.2020</a:t>
             </a:fld>
             <a:endParaRPr lang="de-DE"/>
           </a:p>
@@ -1855,7 +1855,7 @@
           <a:p>
             <a:fld id="{75C7E5CD-9B5C-4805-A7DF-0ED0E58D07B8}" type="slidenum">
               <a:rPr lang="de-DE" smtClean="0"/>
-              <a:t>‹Nr.›</a:t>
+              <a:t>‹#›</a:t>
             </a:fld>
             <a:endParaRPr lang="de-DE"/>
           </a:p>
@@ -2076,7 +2076,7 @@
           <a:p>
             <a:fld id="{B5E8A55B-A329-4846-8D76-CA2F32F53923}" type="datetimeFigureOut">
               <a:rPr lang="de-DE" smtClean="0"/>
-              <a:t>10.02.20</a:t>
+              <a:t>10.02.2020</a:t>
             </a:fld>
             <a:endParaRPr lang="de-DE"/>
           </a:p>
@@ -2130,7 +2130,7 @@
           <a:p>
             <a:fld id="{75C7E5CD-9B5C-4805-A7DF-0ED0E58D07B8}" type="slidenum">
               <a:rPr lang="de-DE" smtClean="0"/>
-              <a:t>‹Nr.›</a:t>
+              <a:t>‹#›</a:t>
             </a:fld>
             <a:endParaRPr lang="de-DE"/>
           </a:p>
@@ -2341,7 +2341,7 @@
           <a:p>
             <a:fld id="{B5E8A55B-A329-4846-8D76-CA2F32F53923}" type="datetimeFigureOut">
               <a:rPr lang="de-DE" smtClean="0"/>
-              <a:t>10.02.20</a:t>
+              <a:t>10.02.2020</a:t>
             </a:fld>
             <a:endParaRPr lang="de-DE"/>
           </a:p>
@@ -2395,7 +2395,7 @@
           <a:p>
             <a:fld id="{75C7E5CD-9B5C-4805-A7DF-0ED0E58D07B8}" type="slidenum">
               <a:rPr lang="de-DE" smtClean="0"/>
-              <a:t>‹Nr.›</a:t>
+              <a:t>‹#›</a:t>
             </a:fld>
             <a:endParaRPr lang="de-DE"/>
           </a:p>
@@ -2753,7 +2753,7 @@
           <a:p>
             <a:fld id="{B5E8A55B-A329-4846-8D76-CA2F32F53923}" type="datetimeFigureOut">
               <a:rPr lang="de-DE" smtClean="0"/>
-              <a:t>10.02.20</a:t>
+              <a:t>10.02.2020</a:t>
             </a:fld>
             <a:endParaRPr lang="de-DE"/>
           </a:p>
@@ -2807,7 +2807,7 @@
           <a:p>
             <a:fld id="{75C7E5CD-9B5C-4805-A7DF-0ED0E58D07B8}" type="slidenum">
               <a:rPr lang="de-DE" smtClean="0"/>
-              <a:t>‹Nr.›</a:t>
+              <a:t>‹#›</a:t>
             </a:fld>
             <a:endParaRPr lang="de-DE"/>
           </a:p>
@@ -2894,7 +2894,7 @@
           <a:p>
             <a:fld id="{B5E8A55B-A329-4846-8D76-CA2F32F53923}" type="datetimeFigureOut">
               <a:rPr lang="de-DE" smtClean="0"/>
-              <a:t>10.02.20</a:t>
+              <a:t>10.02.2020</a:t>
             </a:fld>
             <a:endParaRPr lang="de-DE"/>
           </a:p>
@@ -2948,7 +2948,7 @@
           <a:p>
             <a:fld id="{75C7E5CD-9B5C-4805-A7DF-0ED0E58D07B8}" type="slidenum">
               <a:rPr lang="de-DE" smtClean="0"/>
-              <a:t>‹Nr.›</a:t>
+              <a:t>‹#›</a:t>
             </a:fld>
             <a:endParaRPr lang="de-DE"/>
           </a:p>
@@ -3007,7 +3007,7 @@
           <a:p>
             <a:fld id="{B5E8A55B-A329-4846-8D76-CA2F32F53923}" type="datetimeFigureOut">
               <a:rPr lang="de-DE" smtClean="0"/>
-              <a:t>10.02.20</a:t>
+              <a:t>10.02.2020</a:t>
             </a:fld>
             <a:endParaRPr lang="de-DE"/>
           </a:p>
@@ -3061,7 +3061,7 @@
           <a:p>
             <a:fld id="{75C7E5CD-9B5C-4805-A7DF-0ED0E58D07B8}" type="slidenum">
               <a:rPr lang="de-DE" smtClean="0"/>
-              <a:t>‹Nr.›</a:t>
+              <a:t>‹#›</a:t>
             </a:fld>
             <a:endParaRPr lang="de-DE"/>
           </a:p>
@@ -3318,7 +3318,7 @@
           <a:p>
             <a:fld id="{B5E8A55B-A329-4846-8D76-CA2F32F53923}" type="datetimeFigureOut">
               <a:rPr lang="de-DE" smtClean="0"/>
-              <a:t>10.02.20</a:t>
+              <a:t>10.02.2020</a:t>
             </a:fld>
             <a:endParaRPr lang="de-DE"/>
           </a:p>
@@ -3372,7 +3372,7 @@
           <a:p>
             <a:fld id="{75C7E5CD-9B5C-4805-A7DF-0ED0E58D07B8}" type="slidenum">
               <a:rPr lang="de-DE" smtClean="0"/>
-              <a:t>‹Nr.›</a:t>
+              <a:t>‹#›</a:t>
             </a:fld>
             <a:endParaRPr lang="de-DE"/>
           </a:p>
@@ -3606,7 +3606,7 @@
           <a:p>
             <a:fld id="{B5E8A55B-A329-4846-8D76-CA2F32F53923}" type="datetimeFigureOut">
               <a:rPr lang="de-DE" smtClean="0"/>
-              <a:t>10.02.20</a:t>
+              <a:t>10.02.2020</a:t>
             </a:fld>
             <a:endParaRPr lang="de-DE"/>
           </a:p>
@@ -3660,7 +3660,7 @@
           <a:p>
             <a:fld id="{75C7E5CD-9B5C-4805-A7DF-0ED0E58D07B8}" type="slidenum">
               <a:rPr lang="de-DE" smtClean="0"/>
-              <a:t>‹Nr.›</a:t>
+              <a:t>‹#›</a:t>
             </a:fld>
             <a:endParaRPr lang="de-DE"/>
           </a:p>
@@ -3847,7 +3847,7 @@
           <a:p>
             <a:fld id="{B5E8A55B-A329-4846-8D76-CA2F32F53923}" type="datetimeFigureOut">
               <a:rPr lang="de-DE" smtClean="0"/>
-              <a:t>10.02.20</a:t>
+              <a:t>10.02.2020</a:t>
             </a:fld>
             <a:endParaRPr lang="de-DE"/>
           </a:p>
@@ -3937,7 +3937,7 @@
           <a:p>
             <a:fld id="{75C7E5CD-9B5C-4805-A7DF-0ED0E58D07B8}" type="slidenum">
               <a:rPr lang="de-DE" smtClean="0"/>
-              <a:t>‹Nr.›</a:t>
+              <a:t>‹#›</a:t>
             </a:fld>
             <a:endParaRPr lang="de-DE"/>
           </a:p>
@@ -4566,10 +4566,10 @@
       </p:grpSpPr>
       <p:sp>
         <p:nvSpPr>
-          <p:cNvPr id="8" name="Rectangle 7">
-            <a:extLst>
-              <a:ext uri="{FF2B5EF4-FFF2-40B4-BE49-F238E27FC236}">
-                <a16:creationId xmlns:a16="http://schemas.microsoft.com/office/drawing/2014/main" id="{8D70B121-56F4-4848-B38B-182089D909FA}"/>
+          <p:cNvPr id="15" name="Rectangle 14">
+            <a:extLst>
+              <a:ext uri="{FF2B5EF4-FFF2-40B4-BE49-F238E27FC236}">
+                <a16:creationId xmlns:a16="http://schemas.microsoft.com/office/drawing/2014/main" id="{57C8F81B-247C-4BBE-B1EB-87BB33C8A7D1}"/>
               </a:ext>
               <a:ext uri="{C183D7F6-B498-43B3-948B-1728B52AA6E4}">
                 <adec:decorative xmlns:adec="http://schemas.microsoft.com/office/drawing/2017/decorative" val="1"/>
@@ -4587,20 +4587,21 @@
             </p:extLst>
           </p:nvPr>
         </p:nvSpPr>
-        <p:spPr bwMode="ltGray">
+        <p:spPr bwMode="white">
           <a:xfrm>
-            <a:off x="321564" y="320040"/>
-            <a:ext cx="11548872" cy="6217920"/>
+            <a:off x="0" y="0"/>
+            <a:ext cx="7552267" cy="6858000"/>
           </a:xfrm>
           <a:prstGeom prst="rect">
             <a:avLst/>
           </a:prstGeom>
           <a:solidFill>
             <a:schemeClr val="tx1">
-              <a:alpha val="8000"/>
+              <a:lumMod val="75000"/>
+              <a:lumOff val="25000"/>
             </a:schemeClr>
           </a:solidFill>
-          <a:ln w="127000" cap="sq" cmpd="thinThick">
+          <a:ln>
             <a:noFill/>
           </a:ln>
         </p:spPr>
@@ -4647,120 +4648,122 @@
         </p:nvSpPr>
         <p:spPr>
           <a:xfrm>
-            <a:off x="838200" y="963877"/>
-            <a:ext cx="3494362" cy="4930246"/>
+            <a:off x="633446" y="640081"/>
+            <a:ext cx="6274590" cy="3849244"/>
           </a:xfrm>
+          <a:noFill/>
         </p:spPr>
         <p:txBody>
-          <a:bodyPr>
+          <a:bodyPr vert="horz" lIns="91440" tIns="45720" rIns="91440" bIns="45720" rtlCol="0" anchor="b">
             <a:normAutofit/>
           </a:bodyPr>
           <a:lstStyle/>
           <a:p>
-            <a:pPr algn="r"/>
-            <a:r>
-              <a:rPr lang="en-US">
+            <a:r>
+              <a:rPr lang="en-US" sz="6600">
                 <a:solidFill>
-                  <a:schemeClr val="accent1"/>
+                  <a:schemeClr val="bg1"/>
                 </a:solidFill>
               </a:rPr>
               <a:t>OpenMP - Sections</a:t>
             </a:r>
-            <a:endParaRPr lang="de-DE">
-              <a:solidFill>
-                <a:schemeClr val="accent1"/>
-              </a:solidFill>
-            </a:endParaRPr>
-          </a:p>
-        </p:txBody>
-      </p:sp>
-      <p:cxnSp>
-        <p:nvCxnSpPr>
-          <p:cNvPr id="10" name="Straight Connector 9">
-            <a:extLst>
-              <a:ext uri="{FF2B5EF4-FFF2-40B4-BE49-F238E27FC236}">
-                <a16:creationId xmlns:a16="http://schemas.microsoft.com/office/drawing/2014/main" id="{2D72A2C9-F3CA-4216-8BAD-FA4C970C3C4E}"/>
-              </a:ext>
-              <a:ext uri="{C183D7F6-B498-43B3-948B-1728B52AA6E4}">
-                <adec:decorative xmlns:adec="http://schemas.microsoft.com/office/drawing/2017/decorative" val="1"/>
-              </a:ext>
-            </a:extLst>
-          </p:cNvPr>
-          <p:cNvCxnSpPr>
-            <a:cxnSpLocks noGrp="1" noRot="1" noChangeAspect="1" noMove="1" noResize="1" noEditPoints="1" noAdjustHandles="1" noChangeArrowheads="1" noChangeShapeType="1"/>
-          </p:cNvCxnSpPr>
-          <p:nvPr>
-            <p:extLst>
-              <p:ext uri="{386F3935-93C4-4BCD-93E2-E3B085C9AB24}">
-                <p16:designElem xmlns:p16="http://schemas.microsoft.com/office/powerpoint/2015/main" val="1"/>
-              </p:ext>
-            </p:extLst>
-          </p:nvPr>
-        </p:nvCxnSpPr>
+          </a:p>
+        </p:txBody>
+      </p:sp>
+      <p:sp>
+        <p:nvSpPr>
+          <p:cNvPr id="3" name="Inhaltsplatzhalter 2">
+            <a:extLst>
+              <a:ext uri="{FF2B5EF4-FFF2-40B4-BE49-F238E27FC236}">
+                <a16:creationId xmlns:a16="http://schemas.microsoft.com/office/drawing/2014/main" id="{8A90385B-4556-43EB-8171-A773E7ED7A35}"/>
+              </a:ext>
+            </a:extLst>
+          </p:cNvPr>
+          <p:cNvSpPr>
+            <a:spLocks noGrp="1"/>
+          </p:cNvSpPr>
+          <p:nvPr>
+            <p:ph idx="1"/>
+          </p:nvPr>
+        </p:nvSpPr>
         <p:spPr>
           <a:xfrm>
-            <a:off x="4654296" y="2057400"/>
-            <a:ext cx="0" cy="2743200"/>
+            <a:off x="633446" y="4627755"/>
+            <a:ext cx="6274590" cy="1590165"/>
           </a:xfrm>
-          <a:prstGeom prst="line">
+          <a:noFill/>
+        </p:spPr>
+        <p:txBody>
+          <a:bodyPr vert="horz" lIns="91440" tIns="45720" rIns="91440" bIns="45720" rtlCol="0">
+            <a:normAutofit/>
+          </a:bodyPr>
+          <a:lstStyle/>
+          <a:p>
+            <a:pPr marL="0" indent="0">
+              <a:buNone/>
+            </a:pPr>
+            <a:r>
+              <a:rPr lang="en-US">
+                <a:solidFill>
+                  <a:schemeClr val="bg1"/>
+                </a:solidFill>
+              </a:rPr>
+              <a:t>Verteilung verschiedener Aufgaben in unterschiedliche Threads</a:t>
+            </a:r>
+          </a:p>
+        </p:txBody>
+      </p:sp>
+      <p:pic>
+        <p:nvPicPr>
+          <p:cNvPr id="4" name="Picture 3" descr="A screenshot of a cell phone&#10;&#10;Description automatically generated">
+            <a:extLst>
+              <a:ext uri="{FF2B5EF4-FFF2-40B4-BE49-F238E27FC236}">
+                <a16:creationId xmlns:a16="http://schemas.microsoft.com/office/drawing/2014/main" id="{DC5AD975-6BB1-4713-A00B-C2C062338A64}"/>
+              </a:ext>
+            </a:extLst>
+          </p:cNvPr>
+          <p:cNvPicPr>
+            <a:picLocks noChangeAspect="1"/>
+          </p:cNvPicPr>
+          <p:nvPr/>
+        </p:nvPicPr>
+        <p:blipFill rotWithShape="1">
+          <a:blip r:embed="rId2">
+            <a:clrChange>
+              <a:clrFrom>
+                <a:srgbClr val="EEEEFF"/>
+              </a:clrFrom>
+              <a:clrTo>
+                <a:srgbClr val="EEEEFF">
+                  <a:alpha val="0"/>
+                </a:srgbClr>
+              </a:clrTo>
+            </a:clrChange>
+            <a:extLst>
+              <a:ext uri="{BEBA8EAE-BF5A-486C-A8C5-ECC9F3942E4B}">
+                <a14:imgProps xmlns:a14="http://schemas.microsoft.com/office/drawing/2010/main">
+                  <a14:imgLayer r:embed="rId3">
+                    <a14:imgEffect>
+                      <a14:sharpenSoften amount="50000"/>
+                    </a14:imgEffect>
+                  </a14:imgLayer>
+                </a14:imgProps>
+              </a:ext>
+            </a:extLst>
+          </a:blip>
+          <a:srcRect r="1673"/>
+          <a:stretch/>
+        </p:blipFill>
+        <p:spPr>
+          <a:xfrm>
+            <a:off x="7552944" y="10"/>
+            <a:ext cx="4636008" cy="6857990"/>
+          </a:xfrm>
+          <a:prstGeom prst="rect">
             <a:avLst/>
           </a:prstGeom>
-          <a:ln w="19050">
-            <a:solidFill>
-              <a:schemeClr val="tx1">
-                <a:lumMod val="85000"/>
-                <a:lumOff val="15000"/>
-              </a:schemeClr>
-            </a:solidFill>
-          </a:ln>
         </p:spPr>
-        <p:style>
-          <a:lnRef idx="1">
-            <a:schemeClr val="accent1"/>
-          </a:lnRef>
-          <a:fillRef idx="0">
-            <a:schemeClr val="accent1"/>
-          </a:fillRef>
-          <a:effectRef idx="0">
-            <a:schemeClr val="accent1"/>
-          </a:effectRef>
-          <a:fontRef idx="minor">
-            <a:schemeClr val="tx1"/>
-          </a:fontRef>
-        </p:style>
-      </p:cxnSp>
-      <p:sp>
-        <p:nvSpPr>
-          <p:cNvPr id="3" name="Inhaltsplatzhalter 2">
-            <a:extLst>
-              <a:ext uri="{FF2B5EF4-FFF2-40B4-BE49-F238E27FC236}">
-                <a16:creationId xmlns:a16="http://schemas.microsoft.com/office/drawing/2014/main" id="{8A90385B-4556-43EB-8171-A773E7ED7A35}"/>
-              </a:ext>
-            </a:extLst>
-          </p:cNvPr>
-          <p:cNvSpPr>
-            <a:spLocks noGrp="1"/>
-          </p:cNvSpPr>
-          <p:nvPr>
-            <p:ph idx="1"/>
-          </p:nvPr>
-        </p:nvSpPr>
-        <p:spPr>
-          <a:xfrm>
-            <a:off x="4976031" y="963877"/>
-            <a:ext cx="6377769" cy="4930246"/>
-          </a:xfrm>
-        </p:spPr>
-        <p:txBody>
-          <a:bodyPr anchor="ctr">
-            <a:normAutofit/>
-          </a:bodyPr>
-          <a:lstStyle/>
-          <a:p>
-            <a:endParaRPr lang="de-DE" sz="2400"/>
-          </a:p>
-        </p:txBody>
-      </p:sp>
+      </p:pic>
     </p:spTree>
     <p:extLst>
       <p:ext uri="{BB962C8B-B14F-4D97-AF65-F5344CB8AC3E}">

--- a/OpenMP_Folien.pptx
+++ b/OpenMP_Folien.pptx
@@ -5,7 +5,7 @@
     <p:sldMasterId id="2147483648" r:id="rId1"/>
   </p:sldMasterIdLst>
   <p:notesMasterIdLst>
-    <p:notesMasterId r:id="rId20"/>
+    <p:notesMasterId r:id="rId21"/>
   </p:notesMasterIdLst>
   <p:sldIdLst>
     <p:sldId id="256" r:id="rId2"/>
@@ -26,6 +26,7 @@
     <p:sldId id="267" r:id="rId17"/>
     <p:sldId id="268" r:id="rId18"/>
     <p:sldId id="269" r:id="rId19"/>
+    <p:sldId id="275" r:id="rId20"/>
   </p:sldIdLst>
   <p:sldSz cx="12192000" cy="6858000"/>
   <p:notesSz cx="6858000" cy="9144000"/>
@@ -214,7 +215,7 @@
           <a:p>
             <a:fld id="{AD5FCB38-51A2-4D62-8717-5BE0EDC2993F}" type="datetimeFigureOut">
               <a:rPr lang="de-DE" smtClean="0"/>
-              <a:t>10.02.2020</a:t>
+              <a:t>12.02.20</a:t>
             </a:fld>
             <a:endParaRPr lang="de-DE"/>
           </a:p>
@@ -372,7 +373,7 @@
           <a:p>
             <a:fld id="{67F32239-C198-46BF-8243-3DEE8544CFAA}" type="slidenum">
               <a:rPr lang="de-DE" smtClean="0"/>
-              <a:t>‹#›</a:t>
+              <a:t>‹Nr.›</a:t>
             </a:fld>
             <a:endParaRPr lang="de-DE"/>
           </a:p>
@@ -1050,6 +1051,546 @@
 </p:notes>
 </file>
 
+<file path=ppt/notesSlides/notesSlide6.xml><?xml version="1.0" encoding="utf-8"?>
+<p:notes xmlns:a="http://schemas.openxmlformats.org/drawingml/2006/main" xmlns:r="http://schemas.openxmlformats.org/officeDocument/2006/relationships" xmlns:p="http://schemas.openxmlformats.org/presentationml/2006/main">
+  <p:cSld>
+    <p:spTree>
+      <p:nvGrpSpPr>
+        <p:cNvPr id="1" name=""/>
+        <p:cNvGrpSpPr/>
+        <p:nvPr/>
+      </p:nvGrpSpPr>
+      <p:grpSpPr>
+        <a:xfrm>
+          <a:off x="0" y="0"/>
+          <a:ext cx="0" cy="0"/>
+          <a:chOff x="0" y="0"/>
+          <a:chExt cx="0" cy="0"/>
+        </a:xfrm>
+      </p:grpSpPr>
+      <p:sp>
+        <p:nvSpPr>
+          <p:cNvPr id="2" name="Folienbildplatzhalter 1"/>
+          <p:cNvSpPr>
+            <a:spLocks noGrp="1" noRot="1" noChangeAspect="1"/>
+          </p:cNvSpPr>
+          <p:nvPr>
+            <p:ph type="sldImg"/>
+          </p:nvPr>
+        </p:nvSpPr>
+        <p:spPr/>
+      </p:sp>
+      <p:sp>
+        <p:nvSpPr>
+          <p:cNvPr id="3" name="Notizenplatzhalter 2"/>
+          <p:cNvSpPr>
+            <a:spLocks noGrp="1"/>
+          </p:cNvSpPr>
+          <p:nvPr>
+            <p:ph type="body" idx="1"/>
+          </p:nvPr>
+        </p:nvSpPr>
+        <p:spPr/>
+        <p:txBody>
+          <a:bodyPr/>
+          <a:lstStyle/>
+          <a:p>
+            <a:r>
+              <a:rPr lang="de-DE" sz="1200" b="0" i="0" kern="1200" dirty="0" err="1">
+                <a:solidFill>
+                  <a:schemeClr val="tx1"/>
+                </a:solidFill>
+                <a:effectLst/>
+                <a:latin typeface="+mn-lt"/>
+                <a:ea typeface="+mn-ea"/>
+                <a:cs typeface="+mn-cs"/>
+              </a:rPr>
+              <a:t>Let’s</a:t>
+            </a:r>
+            <a:r>
+              <a:rPr lang="de-DE" sz="1200" b="0" i="0" kern="1200" dirty="0">
+                <a:solidFill>
+                  <a:schemeClr val="tx1"/>
+                </a:solidFill>
+                <a:effectLst/>
+                <a:latin typeface="+mn-lt"/>
+                <a:ea typeface="+mn-ea"/>
+                <a:cs typeface="+mn-cs"/>
+              </a:rPr>
+              <a:t> </a:t>
+            </a:r>
+            <a:r>
+              <a:rPr lang="de-DE" sz="1200" b="0" i="0" kern="1200" dirty="0" err="1">
+                <a:solidFill>
+                  <a:schemeClr val="tx1"/>
+                </a:solidFill>
+                <a:effectLst/>
+                <a:latin typeface="+mn-lt"/>
+                <a:ea typeface="+mn-ea"/>
+                <a:cs typeface="+mn-cs"/>
+              </a:rPr>
+              <a:t>compute</a:t>
+            </a:r>
+            <a:r>
+              <a:rPr lang="de-DE" sz="1200" b="0" i="0" kern="1200" dirty="0">
+                <a:solidFill>
+                  <a:schemeClr val="tx1"/>
+                </a:solidFill>
+                <a:effectLst/>
+                <a:latin typeface="+mn-lt"/>
+                <a:ea typeface="+mn-ea"/>
+                <a:cs typeface="+mn-cs"/>
+              </a:rPr>
+              <a:t> Fresnel </a:t>
+            </a:r>
+            <a:r>
+              <a:rPr lang="de-DE" sz="1200" b="0" i="0" kern="1200" dirty="0" err="1">
+                <a:solidFill>
+                  <a:schemeClr val="tx1"/>
+                </a:solidFill>
+                <a:effectLst/>
+                <a:latin typeface="+mn-lt"/>
+                <a:ea typeface="+mn-ea"/>
+                <a:cs typeface="+mn-cs"/>
+              </a:rPr>
+              <a:t>equations</a:t>
+            </a:r>
+            <a:r>
+              <a:rPr lang="de-DE" sz="1200" b="0" i="0" kern="1200" dirty="0">
+                <a:solidFill>
+                  <a:schemeClr val="tx1"/>
+                </a:solidFill>
+                <a:effectLst/>
+                <a:latin typeface="+mn-lt"/>
+                <a:ea typeface="+mn-ea"/>
+                <a:cs typeface="+mn-cs"/>
+              </a:rPr>
+              <a:t> </a:t>
+            </a:r>
+            <a:r>
+              <a:rPr lang="de-DE" sz="1200" b="0" i="0" kern="1200" dirty="0" err="1">
+                <a:solidFill>
+                  <a:schemeClr val="tx1"/>
+                </a:solidFill>
+                <a:effectLst/>
+                <a:latin typeface="+mn-lt"/>
+                <a:ea typeface="+mn-ea"/>
+                <a:cs typeface="+mn-cs"/>
+              </a:rPr>
+              <a:t>that</a:t>
+            </a:r>
+            <a:r>
+              <a:rPr lang="de-DE" sz="1200" b="0" i="0" kern="1200" dirty="0">
+                <a:solidFill>
+                  <a:schemeClr val="tx1"/>
+                </a:solidFill>
+                <a:effectLst/>
+                <a:latin typeface="+mn-lt"/>
+                <a:ea typeface="+mn-ea"/>
+                <a:cs typeface="+mn-cs"/>
+              </a:rPr>
+              <a:t> </a:t>
+            </a:r>
+            <a:r>
+              <a:rPr lang="de-DE" sz="1200" b="0" i="0" kern="1200" dirty="0" err="1">
+                <a:solidFill>
+                  <a:schemeClr val="tx1"/>
+                </a:solidFill>
+                <a:effectLst/>
+                <a:latin typeface="+mn-lt"/>
+                <a:ea typeface="+mn-ea"/>
+                <a:cs typeface="+mn-cs"/>
+              </a:rPr>
+              <a:t>describe</a:t>
+            </a:r>
+            <a:r>
+              <a:rPr lang="de-DE" sz="1200" b="0" i="0" kern="1200" dirty="0">
+                <a:solidFill>
+                  <a:schemeClr val="tx1"/>
+                </a:solidFill>
+                <a:effectLst/>
+                <a:latin typeface="+mn-lt"/>
+                <a:ea typeface="+mn-ea"/>
+                <a:cs typeface="+mn-cs"/>
+              </a:rPr>
+              <a:t> </a:t>
+            </a:r>
+            <a:r>
+              <a:rPr lang="de-DE" sz="1200" b="0" i="0" kern="1200" dirty="0" err="1">
+                <a:solidFill>
+                  <a:schemeClr val="tx1"/>
+                </a:solidFill>
+                <a:effectLst/>
+                <a:latin typeface="+mn-lt"/>
+                <a:ea typeface="+mn-ea"/>
+                <a:cs typeface="+mn-cs"/>
+              </a:rPr>
+              <a:t>reflection</a:t>
+            </a:r>
+            <a:r>
+              <a:rPr lang="de-DE" sz="1200" b="0" i="0" kern="1200" dirty="0">
+                <a:solidFill>
+                  <a:schemeClr val="tx1"/>
+                </a:solidFill>
+                <a:effectLst/>
+                <a:latin typeface="+mn-lt"/>
+                <a:ea typeface="+mn-ea"/>
+                <a:cs typeface="+mn-cs"/>
+              </a:rPr>
+              <a:t> </a:t>
+            </a:r>
+            <a:r>
+              <a:rPr lang="de-DE" sz="1200" b="0" i="0" kern="1200" dirty="0" err="1">
+                <a:solidFill>
+                  <a:schemeClr val="tx1"/>
+                </a:solidFill>
+                <a:effectLst/>
+                <a:latin typeface="+mn-lt"/>
+                <a:ea typeface="+mn-ea"/>
+                <a:cs typeface="+mn-cs"/>
+              </a:rPr>
+              <a:t>and</a:t>
+            </a:r>
+            <a:r>
+              <a:rPr lang="de-DE" sz="1200" b="0" i="0" kern="1200" dirty="0">
+                <a:solidFill>
+                  <a:schemeClr val="tx1"/>
+                </a:solidFill>
+                <a:effectLst/>
+                <a:latin typeface="+mn-lt"/>
+                <a:ea typeface="+mn-ea"/>
+                <a:cs typeface="+mn-cs"/>
+              </a:rPr>
+              <a:t> </a:t>
+            </a:r>
+            <a:r>
+              <a:rPr lang="de-DE" sz="1200" b="0" i="0" kern="1200" dirty="0" err="1">
+                <a:solidFill>
+                  <a:schemeClr val="tx1"/>
+                </a:solidFill>
+                <a:effectLst/>
+                <a:latin typeface="+mn-lt"/>
+                <a:ea typeface="+mn-ea"/>
+                <a:cs typeface="+mn-cs"/>
+              </a:rPr>
+              <a:t>refraction</a:t>
+            </a:r>
+            <a:r>
+              <a:rPr lang="de-DE" sz="1200" b="0" i="0" kern="1200" dirty="0">
+                <a:solidFill>
+                  <a:schemeClr val="tx1"/>
+                </a:solidFill>
+                <a:effectLst/>
+                <a:latin typeface="+mn-lt"/>
+                <a:ea typeface="+mn-ea"/>
+                <a:cs typeface="+mn-cs"/>
+              </a:rPr>
+              <a:t> </a:t>
+            </a:r>
+            <a:r>
+              <a:rPr lang="de-DE" sz="1200" b="0" i="0" kern="1200" dirty="0" err="1">
+                <a:solidFill>
+                  <a:schemeClr val="tx1"/>
+                </a:solidFill>
+                <a:effectLst/>
+                <a:latin typeface="+mn-lt"/>
+                <a:ea typeface="+mn-ea"/>
+                <a:cs typeface="+mn-cs"/>
+              </a:rPr>
+              <a:t>of</a:t>
+            </a:r>
+            <a:r>
+              <a:rPr lang="de-DE" sz="1200" b="0" i="0" kern="1200" dirty="0">
+                <a:solidFill>
+                  <a:schemeClr val="tx1"/>
+                </a:solidFill>
+                <a:effectLst/>
+                <a:latin typeface="+mn-lt"/>
+                <a:ea typeface="+mn-ea"/>
+                <a:cs typeface="+mn-cs"/>
+              </a:rPr>
+              <a:t> light at uniform </a:t>
+            </a:r>
+            <a:r>
+              <a:rPr lang="de-DE" sz="1200" b="0" i="0" kern="1200" dirty="0" err="1">
+                <a:solidFill>
+                  <a:schemeClr val="tx1"/>
+                </a:solidFill>
+                <a:effectLst/>
+                <a:latin typeface="+mn-lt"/>
+                <a:ea typeface="+mn-ea"/>
+                <a:cs typeface="+mn-cs"/>
+              </a:rPr>
+              <a:t>planar</a:t>
+            </a:r>
+            <a:r>
+              <a:rPr lang="de-DE" sz="1200" b="0" i="0" kern="1200" dirty="0">
+                <a:solidFill>
+                  <a:schemeClr val="tx1"/>
+                </a:solidFill>
+                <a:effectLst/>
+                <a:latin typeface="+mn-lt"/>
+                <a:ea typeface="+mn-ea"/>
+                <a:cs typeface="+mn-cs"/>
+              </a:rPr>
+              <a:t> </a:t>
+            </a:r>
+            <a:r>
+              <a:rPr lang="de-DE" sz="1200" b="0" i="0" kern="1200" dirty="0" err="1">
+                <a:solidFill>
+                  <a:schemeClr val="tx1"/>
+                </a:solidFill>
+                <a:effectLst/>
+                <a:latin typeface="+mn-lt"/>
+                <a:ea typeface="+mn-ea"/>
+                <a:cs typeface="+mn-cs"/>
+              </a:rPr>
+              <a:t>interfaces</a:t>
+            </a:r>
+            <a:r>
+              <a:rPr lang="de-DE" sz="1200" b="0" i="0" kern="1200" dirty="0">
+                <a:solidFill>
+                  <a:schemeClr val="tx1"/>
+                </a:solidFill>
+                <a:effectLst/>
+                <a:latin typeface="+mn-lt"/>
+                <a:ea typeface="+mn-ea"/>
+                <a:cs typeface="+mn-cs"/>
+              </a:rPr>
+              <a:t>. </a:t>
+            </a:r>
+            <a:r>
+              <a:rPr lang="de-DE" sz="1200" b="0" i="0" kern="1200" dirty="0" err="1">
+                <a:solidFill>
+                  <a:schemeClr val="tx1"/>
+                </a:solidFill>
+                <a:effectLst/>
+                <a:latin typeface="+mn-lt"/>
+                <a:ea typeface="+mn-ea"/>
+                <a:cs typeface="+mn-cs"/>
+              </a:rPr>
+              <a:t>It’s</a:t>
+            </a:r>
+            <a:r>
+              <a:rPr lang="de-DE" sz="1200" b="0" i="0" kern="1200" dirty="0">
+                <a:solidFill>
+                  <a:schemeClr val="tx1"/>
+                </a:solidFill>
+                <a:effectLst/>
+                <a:latin typeface="+mn-lt"/>
+                <a:ea typeface="+mn-ea"/>
+                <a:cs typeface="+mn-cs"/>
+              </a:rPr>
+              <a:t> a </a:t>
+            </a:r>
+            <a:r>
+              <a:rPr lang="de-DE" sz="1200" b="0" i="0" kern="1200" dirty="0" err="1">
+                <a:solidFill>
+                  <a:schemeClr val="tx1"/>
+                </a:solidFill>
+                <a:effectLst/>
+                <a:latin typeface="+mn-lt"/>
+                <a:ea typeface="+mn-ea"/>
+                <a:cs typeface="+mn-cs"/>
+              </a:rPr>
+              <a:t>popular</a:t>
+            </a:r>
+            <a:r>
+              <a:rPr lang="de-DE" sz="1200" b="0" i="0" kern="1200" dirty="0">
+                <a:solidFill>
+                  <a:schemeClr val="tx1"/>
+                </a:solidFill>
+                <a:effectLst/>
+                <a:latin typeface="+mn-lt"/>
+                <a:ea typeface="+mn-ea"/>
+                <a:cs typeface="+mn-cs"/>
+              </a:rPr>
+              <a:t> </a:t>
+            </a:r>
+            <a:r>
+              <a:rPr lang="de-DE" sz="1200" b="0" i="0" kern="1200" dirty="0" err="1">
+                <a:solidFill>
+                  <a:schemeClr val="tx1"/>
+                </a:solidFill>
+                <a:effectLst/>
+                <a:latin typeface="+mn-lt"/>
+                <a:ea typeface="+mn-ea"/>
+                <a:cs typeface="+mn-cs"/>
+              </a:rPr>
+              <a:t>technique</a:t>
+            </a:r>
+            <a:r>
+              <a:rPr lang="de-DE" sz="1200" b="0" i="0" kern="1200" dirty="0">
+                <a:solidFill>
+                  <a:schemeClr val="tx1"/>
+                </a:solidFill>
+                <a:effectLst/>
+                <a:latin typeface="+mn-lt"/>
+                <a:ea typeface="+mn-ea"/>
+                <a:cs typeface="+mn-cs"/>
+              </a:rPr>
+              <a:t> </a:t>
+            </a:r>
+            <a:r>
+              <a:rPr lang="de-DE" sz="1200" b="0" i="0" kern="1200" dirty="0" err="1">
+                <a:solidFill>
+                  <a:schemeClr val="tx1"/>
+                </a:solidFill>
+                <a:effectLst/>
+                <a:latin typeface="+mn-lt"/>
+                <a:ea typeface="+mn-ea"/>
+                <a:cs typeface="+mn-cs"/>
+              </a:rPr>
+              <a:t>for</a:t>
+            </a:r>
+            <a:r>
+              <a:rPr lang="de-DE" sz="1200" b="0" i="0" kern="1200" dirty="0">
+                <a:solidFill>
+                  <a:schemeClr val="tx1"/>
+                </a:solidFill>
+                <a:effectLst/>
+                <a:latin typeface="+mn-lt"/>
+                <a:ea typeface="+mn-ea"/>
+                <a:cs typeface="+mn-cs"/>
+              </a:rPr>
+              <a:t> </a:t>
+            </a:r>
+            <a:r>
+              <a:rPr lang="de-DE" sz="1200" b="0" i="0" kern="1200" dirty="0" err="1">
+                <a:solidFill>
+                  <a:schemeClr val="tx1"/>
+                </a:solidFill>
+                <a:effectLst/>
+                <a:latin typeface="+mn-lt"/>
+                <a:ea typeface="+mn-ea"/>
+                <a:cs typeface="+mn-cs"/>
+              </a:rPr>
+              <a:t>generating</a:t>
+            </a:r>
+            <a:r>
+              <a:rPr lang="de-DE" sz="1200" b="0" i="0" kern="1200" dirty="0">
+                <a:solidFill>
+                  <a:schemeClr val="tx1"/>
+                </a:solidFill>
+                <a:effectLst/>
+                <a:latin typeface="+mn-lt"/>
+                <a:ea typeface="+mn-ea"/>
+                <a:cs typeface="+mn-cs"/>
+              </a:rPr>
+              <a:t> </a:t>
+            </a:r>
+            <a:r>
+              <a:rPr lang="de-DE" sz="1200" b="0" i="0" kern="1200" dirty="0" err="1">
+                <a:solidFill>
+                  <a:schemeClr val="tx1"/>
+                </a:solidFill>
+                <a:effectLst/>
+                <a:latin typeface="+mn-lt"/>
+                <a:ea typeface="+mn-ea"/>
+                <a:cs typeface="+mn-cs"/>
+              </a:rPr>
+              <a:t>realistic</a:t>
+            </a:r>
+            <a:r>
+              <a:rPr lang="de-DE" sz="1200" b="0" i="0" kern="1200" dirty="0">
+                <a:solidFill>
+                  <a:schemeClr val="tx1"/>
+                </a:solidFill>
+                <a:effectLst/>
+                <a:latin typeface="+mn-lt"/>
+                <a:ea typeface="+mn-ea"/>
+                <a:cs typeface="+mn-cs"/>
+              </a:rPr>
+              <a:t> </a:t>
+            </a:r>
+            <a:r>
+              <a:rPr lang="de-DE" sz="1200" b="0" i="0" kern="1200" dirty="0" err="1">
+                <a:solidFill>
+                  <a:schemeClr val="tx1"/>
+                </a:solidFill>
+                <a:effectLst/>
+                <a:latin typeface="+mn-lt"/>
+                <a:ea typeface="+mn-ea"/>
+                <a:cs typeface="+mn-cs"/>
+              </a:rPr>
+              <a:t>lightning</a:t>
+            </a:r>
+            <a:r>
+              <a:rPr lang="de-DE" sz="1200" b="0" i="0" kern="1200" dirty="0">
+                <a:solidFill>
+                  <a:schemeClr val="tx1"/>
+                </a:solidFill>
+                <a:effectLst/>
+                <a:latin typeface="+mn-lt"/>
+                <a:ea typeface="+mn-ea"/>
+                <a:cs typeface="+mn-cs"/>
+              </a:rPr>
+              <a:t> in 3D </a:t>
+            </a:r>
+            <a:r>
+              <a:rPr lang="de-DE" sz="1200" b="0" i="0" kern="1200" dirty="0" err="1">
+                <a:solidFill>
+                  <a:schemeClr val="tx1"/>
+                </a:solidFill>
+                <a:effectLst/>
+                <a:latin typeface="+mn-lt"/>
+                <a:ea typeface="+mn-ea"/>
+                <a:cs typeface="+mn-cs"/>
+              </a:rPr>
+              <a:t>games</a:t>
+            </a:r>
+            <a:r>
+              <a:rPr lang="de-DE" sz="1200" b="0" i="0" kern="1200" dirty="0">
+                <a:solidFill>
+                  <a:schemeClr val="tx1"/>
+                </a:solidFill>
+                <a:effectLst/>
+                <a:latin typeface="+mn-lt"/>
+                <a:ea typeface="+mn-ea"/>
+                <a:cs typeface="+mn-cs"/>
+              </a:rPr>
+              <a:t>.</a:t>
+            </a:r>
+            <a:endParaRPr lang="en-US" dirty="0"/>
+          </a:p>
+        </p:txBody>
+      </p:sp>
+      <p:sp>
+        <p:nvSpPr>
+          <p:cNvPr id="4" name="Foliennummernplatzhalter 3"/>
+          <p:cNvSpPr>
+            <a:spLocks noGrp="1"/>
+          </p:cNvSpPr>
+          <p:nvPr>
+            <p:ph type="sldNum" sz="quarter" idx="5"/>
+          </p:nvPr>
+        </p:nvSpPr>
+        <p:spPr/>
+        <p:txBody>
+          <a:bodyPr/>
+          <a:lstStyle/>
+          <a:p>
+            <a:fld id="{67F32239-C198-46BF-8243-3DEE8544CFAA}" type="slidenum">
+              <a:rPr lang="de-DE" smtClean="0"/>
+              <a:t>18</a:t>
+            </a:fld>
+            <a:endParaRPr lang="de-DE"/>
+          </a:p>
+        </p:txBody>
+      </p:sp>
+    </p:spTree>
+    <p:extLst>
+      <p:ext uri="{BB962C8B-B14F-4D97-AF65-F5344CB8AC3E}">
+        <p14:creationId xmlns:p14="http://schemas.microsoft.com/office/powerpoint/2010/main" val="884171446"/>
+      </p:ext>
+    </p:extLst>
+  </p:cSld>
+  <p:clrMapOvr>
+    <a:masterClrMapping/>
+  </p:clrMapOvr>
+</p:notes>
+</file>
+
 <file path=ppt/slideLayouts/slideLayout1.xml><?xml version="1.0" encoding="utf-8"?>
 <p:sldLayout xmlns:a="http://schemas.openxmlformats.org/drawingml/2006/main" xmlns:r="http://schemas.openxmlformats.org/officeDocument/2006/relationships" xmlns:p="http://schemas.openxmlformats.org/presentationml/2006/main" type="title" preserve="1">
   <p:cSld name="Titelfolie">
@@ -1197,7 +1738,7 @@
           <a:p>
             <a:fld id="{B5E8A55B-A329-4846-8D76-CA2F32F53923}" type="datetimeFigureOut">
               <a:rPr lang="de-DE" smtClean="0"/>
-              <a:t>10.02.2020</a:t>
+              <a:t>12.02.20</a:t>
             </a:fld>
             <a:endParaRPr lang="de-DE"/>
           </a:p>
@@ -1251,7 +1792,7 @@
           <a:p>
             <a:fld id="{75C7E5CD-9B5C-4805-A7DF-0ED0E58D07B8}" type="slidenum">
               <a:rPr lang="de-DE" smtClean="0"/>
-              <a:t>‹#›</a:t>
+              <a:t>‹Nr.›</a:t>
             </a:fld>
             <a:endParaRPr lang="de-DE"/>
           </a:p>
@@ -1395,7 +1936,7 @@
           <a:p>
             <a:fld id="{B5E8A55B-A329-4846-8D76-CA2F32F53923}" type="datetimeFigureOut">
               <a:rPr lang="de-DE" smtClean="0"/>
-              <a:t>10.02.2020</a:t>
+              <a:t>12.02.20</a:t>
             </a:fld>
             <a:endParaRPr lang="de-DE"/>
           </a:p>
@@ -1449,7 +1990,7 @@
           <a:p>
             <a:fld id="{75C7E5CD-9B5C-4805-A7DF-0ED0E58D07B8}" type="slidenum">
               <a:rPr lang="de-DE" smtClean="0"/>
-              <a:t>‹#›</a:t>
+              <a:t>‹Nr.›</a:t>
             </a:fld>
             <a:endParaRPr lang="de-DE"/>
           </a:p>
@@ -1603,7 +2144,7 @@
           <a:p>
             <a:fld id="{B5E8A55B-A329-4846-8D76-CA2F32F53923}" type="datetimeFigureOut">
               <a:rPr lang="de-DE" smtClean="0"/>
-              <a:t>10.02.2020</a:t>
+              <a:t>12.02.20</a:t>
             </a:fld>
             <a:endParaRPr lang="de-DE"/>
           </a:p>
@@ -1657,7 +2198,7 @@
           <a:p>
             <a:fld id="{75C7E5CD-9B5C-4805-A7DF-0ED0E58D07B8}" type="slidenum">
               <a:rPr lang="de-DE" smtClean="0"/>
-              <a:t>‹#›</a:t>
+              <a:t>‹Nr.›</a:t>
             </a:fld>
             <a:endParaRPr lang="de-DE"/>
           </a:p>
@@ -1801,7 +2342,7 @@
           <a:p>
             <a:fld id="{B5E8A55B-A329-4846-8D76-CA2F32F53923}" type="datetimeFigureOut">
               <a:rPr lang="de-DE" smtClean="0"/>
-              <a:t>10.02.2020</a:t>
+              <a:t>12.02.20</a:t>
             </a:fld>
             <a:endParaRPr lang="de-DE"/>
           </a:p>
@@ -1855,7 +2396,7 @@
           <a:p>
             <a:fld id="{75C7E5CD-9B5C-4805-A7DF-0ED0E58D07B8}" type="slidenum">
               <a:rPr lang="de-DE" smtClean="0"/>
-              <a:t>‹#›</a:t>
+              <a:t>‹Nr.›</a:t>
             </a:fld>
             <a:endParaRPr lang="de-DE"/>
           </a:p>
@@ -2076,7 +2617,7 @@
           <a:p>
             <a:fld id="{B5E8A55B-A329-4846-8D76-CA2F32F53923}" type="datetimeFigureOut">
               <a:rPr lang="de-DE" smtClean="0"/>
-              <a:t>10.02.2020</a:t>
+              <a:t>12.02.20</a:t>
             </a:fld>
             <a:endParaRPr lang="de-DE"/>
           </a:p>
@@ -2130,7 +2671,7 @@
           <a:p>
             <a:fld id="{75C7E5CD-9B5C-4805-A7DF-0ED0E58D07B8}" type="slidenum">
               <a:rPr lang="de-DE" smtClean="0"/>
-              <a:t>‹#›</a:t>
+              <a:t>‹Nr.›</a:t>
             </a:fld>
             <a:endParaRPr lang="de-DE"/>
           </a:p>
@@ -2341,7 +2882,7 @@
           <a:p>
             <a:fld id="{B5E8A55B-A329-4846-8D76-CA2F32F53923}" type="datetimeFigureOut">
               <a:rPr lang="de-DE" smtClean="0"/>
-              <a:t>10.02.2020</a:t>
+              <a:t>12.02.20</a:t>
             </a:fld>
             <a:endParaRPr lang="de-DE"/>
           </a:p>
@@ -2395,7 +2936,7 @@
           <a:p>
             <a:fld id="{75C7E5CD-9B5C-4805-A7DF-0ED0E58D07B8}" type="slidenum">
               <a:rPr lang="de-DE" smtClean="0"/>
-              <a:t>‹#›</a:t>
+              <a:t>‹Nr.›</a:t>
             </a:fld>
             <a:endParaRPr lang="de-DE"/>
           </a:p>
@@ -2753,7 +3294,7 @@
           <a:p>
             <a:fld id="{B5E8A55B-A329-4846-8D76-CA2F32F53923}" type="datetimeFigureOut">
               <a:rPr lang="de-DE" smtClean="0"/>
-              <a:t>10.02.2020</a:t>
+              <a:t>12.02.20</a:t>
             </a:fld>
             <a:endParaRPr lang="de-DE"/>
           </a:p>
@@ -2807,7 +3348,7 @@
           <a:p>
             <a:fld id="{75C7E5CD-9B5C-4805-A7DF-0ED0E58D07B8}" type="slidenum">
               <a:rPr lang="de-DE" smtClean="0"/>
-              <a:t>‹#›</a:t>
+              <a:t>‹Nr.›</a:t>
             </a:fld>
             <a:endParaRPr lang="de-DE"/>
           </a:p>
@@ -2894,7 +3435,7 @@
           <a:p>
             <a:fld id="{B5E8A55B-A329-4846-8D76-CA2F32F53923}" type="datetimeFigureOut">
               <a:rPr lang="de-DE" smtClean="0"/>
-              <a:t>10.02.2020</a:t>
+              <a:t>12.02.20</a:t>
             </a:fld>
             <a:endParaRPr lang="de-DE"/>
           </a:p>
@@ -2948,7 +3489,7 @@
           <a:p>
             <a:fld id="{75C7E5CD-9B5C-4805-A7DF-0ED0E58D07B8}" type="slidenum">
               <a:rPr lang="de-DE" smtClean="0"/>
-              <a:t>‹#›</a:t>
+              <a:t>‹Nr.›</a:t>
             </a:fld>
             <a:endParaRPr lang="de-DE"/>
           </a:p>
@@ -3007,7 +3548,7 @@
           <a:p>
             <a:fld id="{B5E8A55B-A329-4846-8D76-CA2F32F53923}" type="datetimeFigureOut">
               <a:rPr lang="de-DE" smtClean="0"/>
-              <a:t>10.02.2020</a:t>
+              <a:t>12.02.20</a:t>
             </a:fld>
             <a:endParaRPr lang="de-DE"/>
           </a:p>
@@ -3061,7 +3602,7 @@
           <a:p>
             <a:fld id="{75C7E5CD-9B5C-4805-A7DF-0ED0E58D07B8}" type="slidenum">
               <a:rPr lang="de-DE" smtClean="0"/>
-              <a:t>‹#›</a:t>
+              <a:t>‹Nr.›</a:t>
             </a:fld>
             <a:endParaRPr lang="de-DE"/>
           </a:p>
@@ -3318,7 +3859,7 @@
           <a:p>
             <a:fld id="{B5E8A55B-A329-4846-8D76-CA2F32F53923}" type="datetimeFigureOut">
               <a:rPr lang="de-DE" smtClean="0"/>
-              <a:t>10.02.2020</a:t>
+              <a:t>12.02.20</a:t>
             </a:fld>
             <a:endParaRPr lang="de-DE"/>
           </a:p>
@@ -3372,7 +3913,7 @@
           <a:p>
             <a:fld id="{75C7E5CD-9B5C-4805-A7DF-0ED0E58D07B8}" type="slidenum">
               <a:rPr lang="de-DE" smtClean="0"/>
-              <a:t>‹#›</a:t>
+              <a:t>‹Nr.›</a:t>
             </a:fld>
             <a:endParaRPr lang="de-DE"/>
           </a:p>
@@ -3606,7 +4147,7 @@
           <a:p>
             <a:fld id="{B5E8A55B-A329-4846-8D76-CA2F32F53923}" type="datetimeFigureOut">
               <a:rPr lang="de-DE" smtClean="0"/>
-              <a:t>10.02.2020</a:t>
+              <a:t>12.02.20</a:t>
             </a:fld>
             <a:endParaRPr lang="de-DE"/>
           </a:p>
@@ -3660,7 +4201,7 @@
           <a:p>
             <a:fld id="{75C7E5CD-9B5C-4805-A7DF-0ED0E58D07B8}" type="slidenum">
               <a:rPr lang="de-DE" smtClean="0"/>
-              <a:t>‹#›</a:t>
+              <a:t>‹Nr.›</a:t>
             </a:fld>
             <a:endParaRPr lang="de-DE"/>
           </a:p>
@@ -3847,7 +4388,7 @@
           <a:p>
             <a:fld id="{B5E8A55B-A329-4846-8D76-CA2F32F53923}" type="datetimeFigureOut">
               <a:rPr lang="de-DE" smtClean="0"/>
-              <a:t>10.02.2020</a:t>
+              <a:t>12.02.20</a:t>
             </a:fld>
             <a:endParaRPr lang="de-DE"/>
           </a:p>
@@ -3937,7 +4478,7 @@
           <a:p>
             <a:fld id="{75C7E5CD-9B5C-4805-A7DF-0ED0E58D07B8}" type="slidenum">
               <a:rPr lang="de-DE" smtClean="0"/>
-              <a:t>‹#›</a:t>
+              <a:t>‹Nr.›</a:t>
             </a:fld>
             <a:endParaRPr lang="de-DE"/>
           </a:p>
@@ -4703,12 +5244,12 @@
               <a:buNone/>
             </a:pPr>
             <a:r>
-              <a:rPr lang="en-US">
+              <a:rPr lang="en-US" dirty="0">
                 <a:solidFill>
                   <a:schemeClr val="bg1"/>
                 </a:solidFill>
               </a:rPr>
-              <a:t>Verteilung verschiedener Aufgaben in unterschiedliche Threads</a:t>
+              <a:t>Distribution of tasks into different threads</a:t>
             </a:r>
           </a:p>
         </p:txBody>
@@ -4848,30 +5389,30 @@
               <a:buNone/>
             </a:pPr>
             <a:r>
-              <a:rPr lang="de-DE" b="1" dirty="0"/>
-              <a:t>Vorteile:</a:t>
-            </a:r>
-          </a:p>
-          <a:p>
-            <a:r>
-              <a:rPr lang="de-DE" dirty="0"/>
-              <a:t>Parallelisierung seriellen Codes durch Direktiven</a:t>
-            </a:r>
-          </a:p>
-          <a:p>
-            <a:r>
-              <a:rPr lang="de-DE" dirty="0"/>
-              <a:t>Einfach und schnell zu implementieren</a:t>
-            </a:r>
-          </a:p>
-          <a:p>
-            <a:r>
-              <a:rPr lang="de-DE" dirty="0"/>
-              <a:t>Code bleibt übersichtlich</a:t>
-            </a:r>
-          </a:p>
-          <a:p>
-            <a:endParaRPr lang="de-DE" dirty="0"/>
+              <a:rPr lang="en-US" b="1" dirty="0"/>
+              <a:t>Advantages:</a:t>
+            </a:r>
+          </a:p>
+          <a:p>
+            <a:r>
+              <a:rPr lang="en-US" dirty="0"/>
+              <a:t>Parallelization of serial code via directives</a:t>
+            </a:r>
+          </a:p>
+          <a:p>
+            <a:r>
+              <a:rPr lang="en-US" dirty="0"/>
+              <a:t>Easy and fast implementation</a:t>
+            </a:r>
+          </a:p>
+          <a:p>
+            <a:r>
+              <a:rPr lang="en-US" dirty="0"/>
+              <a:t>Code remains clear</a:t>
+            </a:r>
+          </a:p>
+          <a:p>
+            <a:endParaRPr lang="en-US" dirty="0"/>
           </a:p>
         </p:txBody>
       </p:sp>
@@ -4900,38 +5441,33 @@
               <a:buNone/>
             </a:pPr>
             <a:r>
-              <a:rPr lang="de-DE" b="1" dirty="0"/>
-              <a:t>Nachteile</a:t>
-            </a:r>
-            <a:r>
               <a:rPr lang="en-US" b="1" dirty="0"/>
-              <a:t>:</a:t>
-            </a:r>
-            <a:endParaRPr lang="de-DE" b="1" dirty="0"/>
-          </a:p>
-          <a:p>
-            <a:r>
-              <a:rPr lang="de-DE" dirty="0"/>
-              <a:t>Spezieller Compiler</a:t>
-            </a:r>
-          </a:p>
-          <a:p>
-            <a:r>
-              <a:rPr lang="de-DE" dirty="0"/>
-              <a:t>Nur mit gemeinsamem Speicher </a:t>
-            </a:r>
-          </a:p>
-          <a:p>
-            <a:r>
-              <a:rPr lang="de-DE" dirty="0"/>
-              <a:t>Kommunikation zwischen Threads sind implizit </a:t>
+              <a:t>Disadvantages:</a:t>
+            </a:r>
+          </a:p>
+          <a:p>
+            <a:r>
+              <a:rPr lang="en-US" dirty="0"/>
+              <a:t>Specialized Compiler</a:t>
+            </a:r>
+          </a:p>
+          <a:p>
+            <a:r>
+              <a:rPr lang="en-US" dirty="0"/>
+              <a:t>Only with shared memory architectures</a:t>
+            </a:r>
+          </a:p>
+          <a:p>
+            <a:r>
+              <a:rPr lang="en-US" dirty="0"/>
+              <a:t>Communication between threads is implicit</a:t>
             </a:r>
           </a:p>
           <a:p>
             <a:pPr lvl="1"/>
             <a:r>
-              <a:rPr lang="de-DE" dirty="0"/>
-              <a:t>Schwer nachvollziehbar</a:t>
+              <a:rPr lang="en-US" dirty="0"/>
+              <a:t>Difficult to understand</a:t>
             </a:r>
           </a:p>
         </p:txBody>
@@ -5221,10 +5757,10 @@
           <a:p>
             <a:pPr algn="l"/>
             <a:r>
-              <a:rPr lang="en-US" sz="8800"/>
-              <a:t>Übungen</a:t>
-            </a:r>
-            <a:endParaRPr lang="de-DE" sz="8800"/>
+              <a:rPr lang="en-US" sz="8800" dirty="0"/>
+              <a:t>Exercises</a:t>
+            </a:r>
+            <a:endParaRPr lang="de-DE" sz="8800" dirty="0"/>
           </a:p>
         </p:txBody>
       </p:sp>
@@ -5361,12 +5897,12 @@
           <a:p>
             <a:pPr algn="r"/>
             <a:r>
-              <a:rPr lang="de-DE" sz="4100">
+              <a:rPr lang="en-US" sz="4100" dirty="0">
                 <a:solidFill>
                   <a:schemeClr val="accent1"/>
                 </a:solidFill>
               </a:rPr>
-              <a:t>Übung 1 Parallelisierung von Addition</a:t>
+              <a:t>Exercise 1 Parallelization of Addition</a:t>
             </a:r>
           </a:p>
         </p:txBody>
@@ -5455,32 +5991,32 @@
           <a:lstStyle/>
           <a:p>
             <a:r>
-              <a:rPr lang="de-DE" sz="2400"/>
-              <a:t>Warum gleiche Performance bei Release-Build?</a:t>
-            </a:r>
-          </a:p>
-          <a:p>
-            <a:endParaRPr lang="de-DE" sz="2400"/>
-          </a:p>
-          <a:p>
-            <a:endParaRPr lang="de-DE" sz="2400"/>
-          </a:p>
-          <a:p>
-            <a:r>
-              <a:rPr lang="de-DE" sz="2400"/>
-              <a:t>Welche Unterschiede ergeben sich zwischen dem Debug- und Release-Build?</a:t>
-            </a:r>
-          </a:p>
-          <a:p>
-            <a:endParaRPr lang="de-DE" sz="2400"/>
-          </a:p>
-          <a:p>
-            <a:endParaRPr lang="de-DE" sz="2400"/>
-          </a:p>
-          <a:p>
-            <a:r>
-              <a:rPr lang="de-DE" sz="2400"/>
-              <a:t>Was zeigt der Task-Manager für eine Ressourcen-Auslastung an?</a:t>
+              <a:rPr lang="en-US" sz="2400" dirty="0"/>
+              <a:t>Why is there the same performance in the Release configuration?</a:t>
+            </a:r>
+          </a:p>
+          <a:p>
+            <a:endParaRPr lang="en-US" sz="2400" dirty="0"/>
+          </a:p>
+          <a:p>
+            <a:endParaRPr lang="en-US" sz="2400" dirty="0"/>
+          </a:p>
+          <a:p>
+            <a:r>
+              <a:rPr lang="en-US" sz="2400" dirty="0"/>
+              <a:t>Are there differences between the results with a Debug and a Release build?</a:t>
+            </a:r>
+          </a:p>
+          <a:p>
+            <a:endParaRPr lang="en-US" sz="2400" dirty="0"/>
+          </a:p>
+          <a:p>
+            <a:endParaRPr lang="en-US" sz="2400" dirty="0"/>
+          </a:p>
+          <a:p>
+            <a:r>
+              <a:rPr lang="en-US" sz="2400" dirty="0"/>
+              <a:t>How many resources are occupied by your system during execution?</a:t>
             </a:r>
           </a:p>
         </p:txBody>
@@ -5618,12 +6154,12 @@
           <a:p>
             <a:pPr algn="r"/>
             <a:r>
-              <a:rPr lang="de-DE">
+              <a:rPr lang="en-US" dirty="0">
                 <a:solidFill>
                   <a:schemeClr val="accent1"/>
                 </a:solidFill>
               </a:rPr>
-              <a:t>Übung 2 Game of Life</a:t>
+              <a:t>Exercise 2 Game of Life</a:t>
             </a:r>
           </a:p>
         </p:txBody>
@@ -5712,32 +6248,32 @@
           <a:lstStyle/>
           <a:p>
             <a:r>
-              <a:rPr lang="en-US" sz="2400"/>
-              <a:t>Welcher Ansatz hat sich als bester zur Optimierung herausgestellt?</a:t>
-            </a:r>
-          </a:p>
-          <a:p>
-            <a:endParaRPr lang="en-US" sz="2400"/>
-          </a:p>
-          <a:p>
-            <a:endParaRPr lang="en-US" sz="2400"/>
-          </a:p>
-          <a:p>
-            <a:r>
-              <a:rPr lang="de-DE" sz="2400"/>
-              <a:t>Was könnten Probleme bei einer guten Optimierung sein?</a:t>
-            </a:r>
-          </a:p>
-          <a:p>
-            <a:endParaRPr lang="de-DE" sz="2400"/>
-          </a:p>
-          <a:p>
-            <a:endParaRPr lang="de-DE" sz="2400"/>
-          </a:p>
-          <a:p>
-            <a:r>
-              <a:rPr lang="de-DE" sz="2400"/>
-              <a:t>Ist das Beispiel anschaulich genug?</a:t>
+              <a:rPr lang="en-US" sz="2400" dirty="0"/>
+              <a:t>Which approach seemed to work best when optimizing?</a:t>
+            </a:r>
+          </a:p>
+          <a:p>
+            <a:endParaRPr lang="en-US" sz="2400" dirty="0"/>
+          </a:p>
+          <a:p>
+            <a:endParaRPr lang="en-US" sz="2400" dirty="0"/>
+          </a:p>
+          <a:p>
+            <a:r>
+              <a:rPr lang="en-US" sz="2400" dirty="0"/>
+              <a:t>Which problems may occur while optimizing?</a:t>
+            </a:r>
+          </a:p>
+          <a:p>
+            <a:endParaRPr lang="en-US" sz="2400" dirty="0"/>
+          </a:p>
+          <a:p>
+            <a:endParaRPr lang="en-US" sz="2400" dirty="0"/>
+          </a:p>
+          <a:p>
+            <a:r>
+              <a:rPr lang="en-US" sz="2400" dirty="0"/>
+              <a:t>Is the example visually enough?</a:t>
             </a:r>
           </a:p>
         </p:txBody>
@@ -5968,7 +6504,7 @@
           <a:lstStyle/>
           <a:p>
             <a:r>
-              <a:rPr lang="en-US" sz="3200" kern="1200">
+              <a:rPr lang="en-US" sz="3200" kern="1200" dirty="0">
                 <a:solidFill>
                   <a:schemeClr val="tx1"/>
                 </a:solidFill>
@@ -5976,7 +6512,7 @@
                 <a:ea typeface="+mj-ea"/>
                 <a:cs typeface="+mj-cs"/>
               </a:rPr>
-              <a:t>Übung 3 Quicksort Parallelisierung Sections</a:t>
+              <a:t>Exercise 3 Quicksort Parallelization of Sections</a:t>
             </a:r>
           </a:p>
         </p:txBody>
@@ -6156,8 +6692,8 @@
               <a:buChar char="•"/>
             </a:pPr>
             <a:r>
-              <a:rPr lang="en-US"/>
-              <a:t>Warum ist die Parallelisierung gleich schnell, wenn die Quicksort Methode Parallelisiert wird?</a:t>
+              <a:rPr lang="en-US" dirty="0"/>
+              <a:t>Why is the parallelized version only as fast as the normal quicksort?</a:t>
             </a:r>
           </a:p>
         </p:txBody>
@@ -7512,8 +8048,8 @@
           <a:p>
             <a:pPr algn="l"/>
             <a:r>
-              <a:rPr lang="de-DE" sz="8800"/>
-              <a:t>Vergleiche und andere Benchmarks</a:t>
+              <a:rPr lang="en-US" sz="8800" dirty="0"/>
+              <a:t>Comparisons and other Benchmarks</a:t>
             </a:r>
           </a:p>
         </p:txBody>
@@ -7570,16 +8106,8 @@
           <a:lstStyle/>
           <a:p>
             <a:r>
-              <a:rPr lang="de-DE" dirty="0"/>
-              <a:t>Wie schlägt sich C++17 im Vgl. zu </a:t>
-            </a:r>
-            <a:r>
-              <a:rPr lang="de-DE" dirty="0" err="1"/>
-              <a:t>OpenMP</a:t>
-            </a:r>
-            <a:r>
-              <a:rPr lang="de-DE" dirty="0"/>
-              <a:t>?</a:t>
+              <a:rPr lang="en-US" dirty="0"/>
+              <a:t>How does C++17 perform in comparison to OpenMP?</a:t>
             </a:r>
           </a:p>
         </p:txBody>
@@ -7762,16 +8290,8 @@
           <a:lstStyle/>
           <a:p>
             <a:r>
-              <a:rPr lang="de-DE" dirty="0"/>
-              <a:t>Wie schlägt sich C++17 im Vgl. zu </a:t>
-            </a:r>
-            <a:r>
-              <a:rPr lang="de-DE" dirty="0" err="1"/>
-              <a:t>OpenMP</a:t>
-            </a:r>
-            <a:r>
-              <a:rPr lang="de-DE" dirty="0"/>
-              <a:t>?</a:t>
+              <a:rPr lang="en-US" dirty="0"/>
+              <a:t>How does C++17 perform in comparison to OpenMP?</a:t>
             </a:r>
           </a:p>
         </p:txBody>
@@ -7793,7 +8313,7 @@
           </p:nvPr>
         </p:nvPicPr>
         <p:blipFill>
-          <a:blip r:embed="rId2">
+          <a:blip r:embed="rId3">
             <a:extLst>
               <a:ext uri="{28A0092B-C50C-407E-A947-70E740481C1C}">
                 <a14:useLocalDpi xmlns:a14="http://schemas.microsoft.com/office/drawing/2010/main" val="0"/>
@@ -7828,7 +8348,7 @@
           </p:nvPr>
         </p:nvPicPr>
         <p:blipFill>
-          <a:blip r:embed="rId3">
+          <a:blip r:embed="rId4">
             <a:extLst>
               <a:ext uri="{28A0092B-C50C-407E-A947-70E740481C1C}">
                 <a14:useLocalDpi xmlns:a14="http://schemas.microsoft.com/office/drawing/2010/main" val="0"/>
@@ -7911,6 +8431,267 @@
   </p:cSld>
   <p:clrMapOvr>
     <a:masterClrMapping/>
+  </p:clrMapOvr>
+</p:sld>
+</file>
+
+<file path=ppt/slides/slide19.xml><?xml version="1.0" encoding="utf-8"?>
+<p:sld xmlns:a="http://schemas.openxmlformats.org/drawingml/2006/main" xmlns:r="http://schemas.openxmlformats.org/officeDocument/2006/relationships" xmlns:p="http://schemas.openxmlformats.org/presentationml/2006/main">
+  <p:cSld>
+    <p:bg>
+      <p:bgPr>
+        <a:solidFill>
+          <a:schemeClr val="tx1"/>
+        </a:solidFill>
+        <a:effectLst/>
+      </p:bgPr>
+    </p:bg>
+    <p:spTree>
+      <p:nvGrpSpPr>
+        <p:cNvPr id="1" name=""/>
+        <p:cNvGrpSpPr/>
+        <p:nvPr/>
+      </p:nvGrpSpPr>
+      <p:grpSpPr>
+        <a:xfrm>
+          <a:off x="0" y="0"/>
+          <a:ext cx="0" cy="0"/>
+          <a:chOff x="0" y="0"/>
+          <a:chExt cx="0" cy="0"/>
+        </a:xfrm>
+      </p:grpSpPr>
+      <p:sp>
+        <p:nvSpPr>
+          <p:cNvPr id="10" name="Rectangle 9">
+            <a:extLst>
+              <a:ext uri="{FF2B5EF4-FFF2-40B4-BE49-F238E27FC236}">
+                <a16:creationId xmlns:a16="http://schemas.microsoft.com/office/drawing/2014/main" id="{2A8AA5BC-4F7A-4226-8F99-6D824B226A97}"/>
+              </a:ext>
+              <a:ext uri="{C183D7F6-B498-43B3-948B-1728B52AA6E4}">
+                <adec:decorative xmlns:adec="http://schemas.microsoft.com/office/drawing/2017/decorative" val="1"/>
+              </a:ext>
+            </a:extLst>
+          </p:cNvPr>
+          <p:cNvSpPr>
+            <a:spLocks noGrp="1" noRot="1" noChangeAspect="1" noMove="1" noResize="1" noEditPoints="1" noAdjustHandles="1" noChangeArrowheads="1" noChangeShapeType="1" noTextEdit="1"/>
+          </p:cNvSpPr>
+          <p:nvPr>
+            <p:extLst>
+              <p:ext uri="{386F3935-93C4-4BCD-93E2-E3B085C9AB24}">
+                <p16:designElem xmlns:p16="http://schemas.microsoft.com/office/powerpoint/2015/main" val="1"/>
+              </p:ext>
+            </p:extLst>
+          </p:nvPr>
+        </p:nvSpPr>
+        <p:spPr>
+          <a:xfrm>
+            <a:off x="0" y="-3324"/>
+            <a:ext cx="12192000" cy="6861324"/>
+          </a:xfrm>
+          <a:prstGeom prst="rect">
+            <a:avLst/>
+          </a:prstGeom>
+          <a:solidFill>
+            <a:schemeClr val="tx1"/>
+          </a:solidFill>
+          <a:ln>
+            <a:noFill/>
+          </a:ln>
+        </p:spPr>
+        <p:style>
+          <a:lnRef idx="2">
+            <a:schemeClr val="accent1">
+              <a:shade val="50000"/>
+            </a:schemeClr>
+          </a:lnRef>
+          <a:fillRef idx="1">
+            <a:schemeClr val="accent1"/>
+          </a:fillRef>
+          <a:effectRef idx="0">
+            <a:schemeClr val="accent1"/>
+          </a:effectRef>
+          <a:fontRef idx="minor">
+            <a:schemeClr val="lt1"/>
+          </a:fontRef>
+        </p:style>
+        <p:txBody>
+          <a:bodyPr rtlCol="0" anchor="ctr"/>
+          <a:lstStyle/>
+          <a:p>
+            <a:pPr algn="ctr"/>
+            <a:endParaRPr lang="en-US"/>
+          </a:p>
+        </p:txBody>
+      </p:sp>
+      <p:sp>
+        <p:nvSpPr>
+          <p:cNvPr id="12" name="Rectangle 11">
+            <a:extLst>
+              <a:ext uri="{FF2B5EF4-FFF2-40B4-BE49-F238E27FC236}">
+                <a16:creationId xmlns:a16="http://schemas.microsoft.com/office/drawing/2014/main" id="{3E5445C6-DD42-4979-86FF-03730E8C6DB0}"/>
+              </a:ext>
+              <a:ext uri="{C183D7F6-B498-43B3-948B-1728B52AA6E4}">
+                <adec:decorative xmlns:adec="http://schemas.microsoft.com/office/drawing/2017/decorative" val="1"/>
+              </a:ext>
+            </a:extLst>
+          </p:cNvPr>
+          <p:cNvSpPr>
+            <a:spLocks noGrp="1" noRot="1" noChangeAspect="1" noMove="1" noResize="1" noEditPoints="1" noAdjustHandles="1" noChangeArrowheads="1" noChangeShapeType="1" noTextEdit="1"/>
+          </p:cNvSpPr>
+          <p:nvPr>
+            <p:extLst>
+              <p:ext uri="{386F3935-93C4-4BCD-93E2-E3B085C9AB24}">
+                <p16:designElem xmlns:p16="http://schemas.microsoft.com/office/powerpoint/2015/main" val="1"/>
+              </p:ext>
+            </p:extLst>
+          </p:nvPr>
+        </p:nvSpPr>
+        <p:spPr bwMode="ltGray">
+          <a:xfrm>
+            <a:off x="321734" y="321733"/>
+            <a:ext cx="11573488" cy="6214534"/>
+          </a:xfrm>
+          <a:prstGeom prst="rect">
+            <a:avLst/>
+          </a:prstGeom>
+          <a:solidFill>
+            <a:schemeClr val="bg1">
+              <a:lumMod val="75000"/>
+              <a:lumOff val="25000"/>
+            </a:schemeClr>
+          </a:solidFill>
+          <a:ln w="127000" cap="sq" cmpd="thinThick">
+            <a:solidFill>
+              <a:schemeClr val="bg1">
+                <a:lumMod val="75000"/>
+                <a:lumOff val="25000"/>
+              </a:schemeClr>
+            </a:solidFill>
+          </a:ln>
+        </p:spPr>
+        <p:style>
+          <a:lnRef idx="2">
+            <a:schemeClr val="accent1">
+              <a:shade val="50000"/>
+            </a:schemeClr>
+          </a:lnRef>
+          <a:fillRef idx="1">
+            <a:schemeClr val="accent1"/>
+          </a:fillRef>
+          <a:effectRef idx="0">
+            <a:schemeClr val="accent1"/>
+          </a:effectRef>
+          <a:fontRef idx="minor">
+            <a:schemeClr val="lt1"/>
+          </a:fontRef>
+        </p:style>
+        <p:txBody>
+          <a:bodyPr rtlCol="0" anchor="ctr"/>
+          <a:lstStyle/>
+          <a:p>
+            <a:pPr algn="ctr"/>
+            <a:endParaRPr lang="en-US"/>
+          </a:p>
+        </p:txBody>
+      </p:sp>
+      <p:sp>
+        <p:nvSpPr>
+          <p:cNvPr id="5" name="Titel 4">
+            <a:extLst>
+              <a:ext uri="{FF2B5EF4-FFF2-40B4-BE49-F238E27FC236}">
+                <a16:creationId xmlns:a16="http://schemas.microsoft.com/office/drawing/2014/main" id="{990FF687-7083-7244-A60E-E4C42E4DFB06}"/>
+              </a:ext>
+            </a:extLst>
+          </p:cNvPr>
+          <p:cNvSpPr>
+            <a:spLocks noGrp="1"/>
+          </p:cNvSpPr>
+          <p:nvPr>
+            <p:ph type="ctrTitle"/>
+          </p:nvPr>
+        </p:nvSpPr>
+        <p:spPr>
+          <a:xfrm>
+            <a:off x="1524000" y="1122362"/>
+            <a:ext cx="9144000" cy="2840037"/>
+          </a:xfrm>
+        </p:spPr>
+        <p:txBody>
+          <a:bodyPr>
+            <a:normAutofit/>
+          </a:bodyPr>
+          <a:lstStyle/>
+          <a:p>
+            <a:r>
+              <a:rPr lang="de-DE" sz="5800"/>
+              <a:t>Thank you</a:t>
+            </a:r>
+          </a:p>
+        </p:txBody>
+      </p:sp>
+      <p:cxnSp>
+        <p:nvCxnSpPr>
+          <p:cNvPr id="14" name="Straight Connector 13">
+            <a:extLst>
+              <a:ext uri="{FF2B5EF4-FFF2-40B4-BE49-F238E27FC236}">
+                <a16:creationId xmlns:a16="http://schemas.microsoft.com/office/drawing/2014/main" id="{45000665-DFC7-417E-8FD7-516A0F15C975}"/>
+              </a:ext>
+              <a:ext uri="{C183D7F6-B498-43B3-948B-1728B52AA6E4}">
+                <adec:decorative xmlns:adec="http://schemas.microsoft.com/office/drawing/2017/decorative" val="1"/>
+              </a:ext>
+            </a:extLst>
+          </p:cNvPr>
+          <p:cNvCxnSpPr>
+            <a:cxnSpLocks noGrp="1" noRot="1" noChangeAspect="1" noMove="1" noResize="1" noEditPoints="1" noAdjustHandles="1" noChangeArrowheads="1" noChangeShapeType="1"/>
+          </p:cNvCxnSpPr>
+          <p:nvPr>
+            <p:extLst>
+              <p:ext uri="{386F3935-93C4-4BCD-93E2-E3B085C9AB24}">
+                <p16:designElem xmlns:p16="http://schemas.microsoft.com/office/powerpoint/2015/main" val="1"/>
+              </p:ext>
+            </p:extLst>
+          </p:nvPr>
+        </p:nvCxnSpPr>
+        <p:spPr>
+          <a:xfrm>
+            <a:off x="4724400" y="4109417"/>
+            <a:ext cx="2743200" cy="0"/>
+          </a:xfrm>
+          <a:prstGeom prst="line">
+            <a:avLst/>
+          </a:prstGeom>
+          <a:ln w="12700">
+            <a:solidFill>
+              <a:schemeClr val="tx1">
+                <a:lumMod val="85000"/>
+              </a:schemeClr>
+            </a:solidFill>
+          </a:ln>
+        </p:spPr>
+        <p:style>
+          <a:lnRef idx="1">
+            <a:schemeClr val="accent1"/>
+          </a:lnRef>
+          <a:fillRef idx="0">
+            <a:schemeClr val="accent1"/>
+          </a:fillRef>
+          <a:effectRef idx="0">
+            <a:schemeClr val="accent1"/>
+          </a:effectRef>
+          <a:fontRef idx="minor">
+            <a:schemeClr val="tx1"/>
+          </a:fontRef>
+        </p:style>
+      </p:cxnSp>
+    </p:spTree>
+    <p:extLst>
+      <p:ext uri="{BB962C8B-B14F-4D97-AF65-F5344CB8AC3E}">
+        <p14:creationId xmlns:p14="http://schemas.microsoft.com/office/powerpoint/2010/main" val="2830173752"/>
+      </p:ext>
+    </p:extLst>
+  </p:cSld>
+  <p:clrMapOvr>
+    <a:overrideClrMapping bg1="dk1" tx1="lt1" bg2="dk2" tx2="lt2" accent1="accent1" accent2="accent2" accent3="accent3" accent4="accent4" accent5="accent5" accent6="accent6" hlink="hlink" folHlink="folHlink"/>
   </p:clrMapOvr>
 </p:sld>
 </file>
@@ -8035,12 +8816,12 @@
           <a:p>
             <a:pPr algn="r"/>
             <a:r>
-              <a:rPr lang="de-DE" sz="3700">
+              <a:rPr lang="en-US" sz="3700" dirty="0">
                 <a:solidFill>
                   <a:schemeClr val="accent1"/>
                 </a:solidFill>
               </a:rPr>
-              <a:t>Warum Parallelisierung?</a:t>
+              <a:t>Why are parallel programs important?</a:t>
             </a:r>
           </a:p>
         </p:txBody>
@@ -8129,19 +8910,23 @@
           <a:lstStyle/>
           <a:p>
             <a:r>
-              <a:rPr lang="de-DE" sz="2400"/>
-              <a:t>Moore‘s Law -&gt; Alle 18 Monate verdoppelt sich die Transistoren-Dichte in Chips &amp; Prozessoren</a:t>
-            </a:r>
-          </a:p>
-          <a:p>
-            <a:r>
-              <a:rPr lang="de-DE" sz="2400"/>
+              <a:rPr lang="de-DE" sz="2400" dirty="0" err="1"/>
+              <a:t>Moore‘s</a:t>
+            </a:r>
+            <a:r>
+              <a:rPr lang="de-DE" sz="2400" dirty="0"/>
+              <a:t> Law -&gt; Alle 18 Monate verdoppelt sich die Transistoren-Dichte in Chips &amp; Prozessoren</a:t>
+            </a:r>
+          </a:p>
+          <a:p>
+            <a:r>
+              <a:rPr lang="de-DE" sz="2400" dirty="0"/>
               <a:t>Höherer Leistungsbedarf für Chips und mehr Wärmeentwicklung</a:t>
             </a:r>
           </a:p>
           <a:p>
             <a:r>
-              <a:rPr lang="de-DE" sz="2400"/>
+              <a:rPr lang="de-DE" sz="2400" dirty="0"/>
               <a:t>Noch mehr Leistung?</a:t>
             </a:r>
           </a:p>
@@ -8154,15 +8939,15 @@
           </a:p>
           <a:p>
             <a:r>
-              <a:rPr lang="de-DE" sz="2400"/>
+              <a:rPr lang="de-DE" sz="2400" dirty="0"/>
               <a:t>Oder eben: </a:t>
             </a:r>
             <a:r>
-              <a:rPr lang="de-DE" sz="2400" b="1"/>
+              <a:rPr lang="de-DE" sz="2400" b="1" dirty="0"/>
               <a:t>mehr Prozessoren</a:t>
             </a:r>
             <a:r>
-              <a:rPr lang="de-DE" sz="2400"/>
+              <a:rPr lang="de-DE" sz="2400" dirty="0"/>
               <a:t>!</a:t>
             </a:r>
           </a:p>
@@ -8305,13 +9090,18 @@
           <a:p>
             <a:pPr algn="r"/>
             <a:r>
-              <a:rPr lang="de-DE">
+              <a:rPr lang="en-US" dirty="0">
                 <a:solidFill>
                   <a:schemeClr val="accent1"/>
                 </a:solidFill>
               </a:rPr>
-              <a:t>Was hat Automotive damit zu tun?</a:t>
-            </a:r>
+              <a:t>Automotive as an OpenMP Application</a:t>
+            </a:r>
+            <a:endParaRPr lang="de-DE" dirty="0">
+              <a:solidFill>
+                <a:schemeClr val="accent1"/>
+              </a:solidFill>
+            </a:endParaRPr>
           </a:p>
         </p:txBody>
       </p:sp>
@@ -8372,39 +9162,203 @@
       </p:cxnSp>
       <p:sp>
         <p:nvSpPr>
-          <p:cNvPr id="3" name="Inhaltsplatzhalter 2">
-            <a:extLst>
-              <a:ext uri="{FF2B5EF4-FFF2-40B4-BE49-F238E27FC236}">
-                <a16:creationId xmlns:a16="http://schemas.microsoft.com/office/drawing/2014/main" id="{89236DE0-E6C7-9841-98C9-533DCFA9FC50}"/>
-              </a:ext>
-            </a:extLst>
-          </p:cNvPr>
-          <p:cNvSpPr>
-            <a:spLocks noGrp="1"/>
-          </p:cNvSpPr>
-          <p:nvPr>
-            <p:ph idx="1"/>
-          </p:nvPr>
+          <p:cNvPr id="9" name="Inhaltsplatzhalter 2">
+            <a:extLst>
+              <a:ext uri="{FF2B5EF4-FFF2-40B4-BE49-F238E27FC236}">
+                <a16:creationId xmlns:a16="http://schemas.microsoft.com/office/drawing/2014/main" id="{F1DF238F-481C-6142-BD44-279ED2A7CF02}"/>
+              </a:ext>
+            </a:extLst>
+          </p:cNvPr>
+          <p:cNvSpPr txBox="1">
+            <a:spLocks/>
+          </p:cNvSpPr>
+          <p:nvPr/>
         </p:nvSpPr>
         <p:spPr>
           <a:xfrm>
             <a:off x="4976031" y="963877"/>
             <a:ext cx="6377769" cy="4930246"/>
           </a:xfrm>
+          <a:prstGeom prst="rect">
+            <a:avLst/>
+          </a:prstGeom>
         </p:spPr>
         <p:txBody>
-          <a:bodyPr anchor="ctr">
+          <a:bodyPr vert="horz" lIns="91440" tIns="45720" rIns="91440" bIns="45720" rtlCol="0" anchor="ctr">
             <a:normAutofit/>
           </a:bodyPr>
-          <a:lstStyle/>
+          <a:lstStyle>
+            <a:lvl1pPr marL="228600" indent="-228600" algn="l" defTabSz="914400" rtl="0" eaLnBrk="1" latinLnBrk="0" hangingPunct="1">
+              <a:lnSpc>
+                <a:spcPct val="90000"/>
+              </a:lnSpc>
+              <a:spcBef>
+                <a:spcPts val="1000"/>
+              </a:spcBef>
+              <a:buFont typeface="Arial" panose="020B0604020202020204" pitchFamily="34" charset="0"/>
+              <a:buChar char="•"/>
+              <a:defRPr sz="2800" kern="1200">
+                <a:solidFill>
+                  <a:schemeClr val="tx1"/>
+                </a:solidFill>
+                <a:latin typeface="+mn-lt"/>
+                <a:ea typeface="+mn-ea"/>
+                <a:cs typeface="+mn-cs"/>
+              </a:defRPr>
+            </a:lvl1pPr>
+            <a:lvl2pPr marL="685800" indent="-228600" algn="l" defTabSz="914400" rtl="0" eaLnBrk="1" latinLnBrk="0" hangingPunct="1">
+              <a:lnSpc>
+                <a:spcPct val="90000"/>
+              </a:lnSpc>
+              <a:spcBef>
+                <a:spcPts val="500"/>
+              </a:spcBef>
+              <a:buFont typeface="Arial" panose="020B0604020202020204" pitchFamily="34" charset="0"/>
+              <a:buChar char="•"/>
+              <a:defRPr sz="2400" kern="1200">
+                <a:solidFill>
+                  <a:schemeClr val="tx1"/>
+                </a:solidFill>
+                <a:latin typeface="+mn-lt"/>
+                <a:ea typeface="+mn-ea"/>
+                <a:cs typeface="+mn-cs"/>
+              </a:defRPr>
+            </a:lvl2pPr>
+            <a:lvl3pPr marL="1143000" indent="-228600" algn="l" defTabSz="914400" rtl="0" eaLnBrk="1" latinLnBrk="0" hangingPunct="1">
+              <a:lnSpc>
+                <a:spcPct val="90000"/>
+              </a:lnSpc>
+              <a:spcBef>
+                <a:spcPts val="500"/>
+              </a:spcBef>
+              <a:buFont typeface="Arial" panose="020B0604020202020204" pitchFamily="34" charset="0"/>
+              <a:buChar char="•"/>
+              <a:defRPr sz="2000" kern="1200">
+                <a:solidFill>
+                  <a:schemeClr val="tx1"/>
+                </a:solidFill>
+                <a:latin typeface="+mn-lt"/>
+                <a:ea typeface="+mn-ea"/>
+                <a:cs typeface="+mn-cs"/>
+              </a:defRPr>
+            </a:lvl3pPr>
+            <a:lvl4pPr marL="1600200" indent="-228600" algn="l" defTabSz="914400" rtl="0" eaLnBrk="1" latinLnBrk="0" hangingPunct="1">
+              <a:lnSpc>
+                <a:spcPct val="90000"/>
+              </a:lnSpc>
+              <a:spcBef>
+                <a:spcPts val="500"/>
+              </a:spcBef>
+              <a:buFont typeface="Arial" panose="020B0604020202020204" pitchFamily="34" charset="0"/>
+              <a:buChar char="•"/>
+              <a:defRPr sz="1800" kern="1200">
+                <a:solidFill>
+                  <a:schemeClr val="tx1"/>
+                </a:solidFill>
+                <a:latin typeface="+mn-lt"/>
+                <a:ea typeface="+mn-ea"/>
+                <a:cs typeface="+mn-cs"/>
+              </a:defRPr>
+            </a:lvl4pPr>
+            <a:lvl5pPr marL="2057400" indent="-228600" algn="l" defTabSz="914400" rtl="0" eaLnBrk="1" latinLnBrk="0" hangingPunct="1">
+              <a:lnSpc>
+                <a:spcPct val="90000"/>
+              </a:lnSpc>
+              <a:spcBef>
+                <a:spcPts val="500"/>
+              </a:spcBef>
+              <a:buFont typeface="Arial" panose="020B0604020202020204" pitchFamily="34" charset="0"/>
+              <a:buChar char="•"/>
+              <a:defRPr sz="1800" kern="1200">
+                <a:solidFill>
+                  <a:schemeClr val="tx1"/>
+                </a:solidFill>
+                <a:latin typeface="+mn-lt"/>
+                <a:ea typeface="+mn-ea"/>
+                <a:cs typeface="+mn-cs"/>
+              </a:defRPr>
+            </a:lvl5pPr>
+            <a:lvl6pPr marL="2514600" indent="-228600" algn="l" defTabSz="914400" rtl="0" eaLnBrk="1" latinLnBrk="0" hangingPunct="1">
+              <a:lnSpc>
+                <a:spcPct val="90000"/>
+              </a:lnSpc>
+              <a:spcBef>
+                <a:spcPts val="500"/>
+              </a:spcBef>
+              <a:buFont typeface="Arial" panose="020B0604020202020204" pitchFamily="34" charset="0"/>
+              <a:buChar char="•"/>
+              <a:defRPr sz="1800" kern="1200">
+                <a:solidFill>
+                  <a:schemeClr val="tx1"/>
+                </a:solidFill>
+                <a:latin typeface="+mn-lt"/>
+                <a:ea typeface="+mn-ea"/>
+                <a:cs typeface="+mn-cs"/>
+              </a:defRPr>
+            </a:lvl6pPr>
+            <a:lvl7pPr marL="2971800" indent="-228600" algn="l" defTabSz="914400" rtl="0" eaLnBrk="1" latinLnBrk="0" hangingPunct="1">
+              <a:lnSpc>
+                <a:spcPct val="90000"/>
+              </a:lnSpc>
+              <a:spcBef>
+                <a:spcPts val="500"/>
+              </a:spcBef>
+              <a:buFont typeface="Arial" panose="020B0604020202020204" pitchFamily="34" charset="0"/>
+              <a:buChar char="•"/>
+              <a:defRPr sz="1800" kern="1200">
+                <a:solidFill>
+                  <a:schemeClr val="tx1"/>
+                </a:solidFill>
+                <a:latin typeface="+mn-lt"/>
+                <a:ea typeface="+mn-ea"/>
+                <a:cs typeface="+mn-cs"/>
+              </a:defRPr>
+            </a:lvl7pPr>
+            <a:lvl8pPr marL="3429000" indent="-228600" algn="l" defTabSz="914400" rtl="0" eaLnBrk="1" latinLnBrk="0" hangingPunct="1">
+              <a:lnSpc>
+                <a:spcPct val="90000"/>
+              </a:lnSpc>
+              <a:spcBef>
+                <a:spcPts val="500"/>
+              </a:spcBef>
+              <a:buFont typeface="Arial" panose="020B0604020202020204" pitchFamily="34" charset="0"/>
+              <a:buChar char="•"/>
+              <a:defRPr sz="1800" kern="1200">
+                <a:solidFill>
+                  <a:schemeClr val="tx1"/>
+                </a:solidFill>
+                <a:latin typeface="+mn-lt"/>
+                <a:ea typeface="+mn-ea"/>
+                <a:cs typeface="+mn-cs"/>
+              </a:defRPr>
+            </a:lvl8pPr>
+            <a:lvl9pPr marL="3886200" indent="-228600" algn="l" defTabSz="914400" rtl="0" eaLnBrk="1" latinLnBrk="0" hangingPunct="1">
+              <a:lnSpc>
+                <a:spcPct val="90000"/>
+              </a:lnSpc>
+              <a:spcBef>
+                <a:spcPts val="500"/>
+              </a:spcBef>
+              <a:buFont typeface="Arial" panose="020B0604020202020204" pitchFamily="34" charset="0"/>
+              <a:buChar char="•"/>
+              <a:defRPr sz="1800" kern="1200">
+                <a:solidFill>
+                  <a:schemeClr val="tx1"/>
+                </a:solidFill>
+                <a:latin typeface="+mn-lt"/>
+                <a:ea typeface="+mn-ea"/>
+                <a:cs typeface="+mn-cs"/>
+              </a:defRPr>
+            </a:lvl9pPr>
+          </a:lstStyle>
           <a:p>
             <a:pPr marL="514350" indent="-514350">
               <a:buFont typeface="+mj-lt"/>
               <a:buAutoNum type="arabicPeriod"/>
             </a:pPr>
             <a:r>
-              <a:rPr lang="de-DE" sz="2400"/>
-              <a:t>Ein Automobil hat immer mehr Software-Aufgaben</a:t>
+              <a:rPr lang="en-US" sz="2400"/>
+              <a:t>A vehicle has an increasing amount of software tasks</a:t>
             </a:r>
           </a:p>
           <a:p>
@@ -8412,7 +9366,7 @@
               <a:buFont typeface="+mj-lt"/>
               <a:buAutoNum type="arabicPeriod"/>
             </a:pPr>
-            <a:endParaRPr lang="de-DE" sz="2400"/>
+            <a:endParaRPr lang="en-US" sz="2400"/>
           </a:p>
           <a:p>
             <a:pPr marL="514350" indent="-514350">
@@ -8420,8 +9374,8 @@
               <a:buAutoNum type="arabicPeriod"/>
             </a:pPr>
             <a:r>
-              <a:rPr lang="de-DE" sz="2400"/>
-              <a:t>C/C++ sind in HW-nähe und v.a. auch im Auto Standard</a:t>
+              <a:rPr lang="en-US" sz="2400"/>
+              <a:t>C/C++ are the standard in low-level programming and especially in cars</a:t>
             </a:r>
           </a:p>
           <a:p>
@@ -8429,7 +9383,7 @@
               <a:buFont typeface="+mj-lt"/>
               <a:buAutoNum type="arabicPeriod"/>
             </a:pPr>
-            <a:endParaRPr lang="de-DE" sz="2400"/>
+            <a:endParaRPr lang="en-US" sz="2400"/>
           </a:p>
           <a:p>
             <a:pPr marL="514350" indent="-514350">
@@ -8437,9 +9391,10 @@
               <a:buAutoNum type="arabicPeriod"/>
             </a:pPr>
             <a:r>
-              <a:rPr lang="de-DE" sz="2400"/>
-              <a:t>Die Taktung von Prozessoren kann nicht beliebig erhöht werden</a:t>
-            </a:r>
+              <a:rPr lang="en-US" sz="2400"/>
+              <a:t>The clock rate of processors cannot be increased at will</a:t>
+            </a:r>
+            <a:endParaRPr lang="en-US" sz="2400" dirty="0"/>
           </a:p>
         </p:txBody>
       </p:sp>
@@ -8576,12 +9531,12 @@
           <a:p>
             <a:pPr algn="r"/>
             <a:r>
-              <a:rPr lang="de-DE" dirty="0">
+              <a:rPr lang="en-US" dirty="0">
                 <a:solidFill>
                   <a:schemeClr val="accent1"/>
                 </a:solidFill>
               </a:rPr>
-              <a:t>Was hat Automotive damit zu tun?</a:t>
+              <a:t>Automotive as an OpenMP Application</a:t>
             </a:r>
           </a:p>
         </p:txBody>
@@ -8674,8 +9629,8 @@
               <a:buAutoNum type="arabicPeriod"/>
             </a:pPr>
             <a:r>
-              <a:rPr lang="de-DE" sz="2400"/>
-              <a:t>Ein Automobil hat immer mehr Software-Aufgaben</a:t>
+              <a:rPr lang="en-US" sz="2400" dirty="0"/>
+              <a:t>A vehicle has an increasing amount of software tasks</a:t>
             </a:r>
           </a:p>
           <a:p>
@@ -8683,7 +9638,7 @@
               <a:buFont typeface="+mj-lt"/>
               <a:buAutoNum type="arabicPeriod"/>
             </a:pPr>
-            <a:endParaRPr lang="de-DE" sz="2400"/>
+            <a:endParaRPr lang="en-US" sz="2400" dirty="0"/>
           </a:p>
           <a:p>
             <a:pPr marL="514350" indent="-514350">
@@ -8691,8 +9646,8 @@
               <a:buAutoNum type="arabicPeriod"/>
             </a:pPr>
             <a:r>
-              <a:rPr lang="de-DE" sz="2400"/>
-              <a:t>C/C++ sind in HW-nähe und v.a. auch im Auto Standard</a:t>
+              <a:rPr lang="en-US" sz="2400" dirty="0"/>
+              <a:t>C/C++ are the standard in low-level programming and especially in cars</a:t>
             </a:r>
           </a:p>
           <a:p>
@@ -8700,7 +9655,7 @@
               <a:buFont typeface="+mj-lt"/>
               <a:buAutoNum type="arabicPeriod"/>
             </a:pPr>
-            <a:endParaRPr lang="de-DE" sz="2400"/>
+            <a:endParaRPr lang="en-US" sz="2400" dirty="0"/>
           </a:p>
           <a:p>
             <a:pPr marL="514350" indent="-514350">
@@ -8708,8 +9663,8 @@
               <a:buAutoNum type="arabicPeriod"/>
             </a:pPr>
             <a:r>
-              <a:rPr lang="de-DE" sz="2400"/>
-              <a:t>Die Taktung von Prozessoren kann nicht beliebig erhöht werden</a:t>
+              <a:rPr lang="en-US" sz="2400" dirty="0"/>
+              <a:t>The clock rate of processors cannot be increased at will</a:t>
             </a:r>
           </a:p>
         </p:txBody>
@@ -8729,7 +9684,7 @@
         <p:spPr>
           <a:xfrm>
             <a:off x="2843652" y="5569710"/>
-            <a:ext cx="4264757" cy="646331"/>
+            <a:ext cx="4216667" cy="646331"/>
           </a:xfrm>
           <a:prstGeom prst="rect">
             <a:avLst/>
@@ -8746,7 +9701,7 @@
               <a:rPr lang="de-DE" sz="3600" dirty="0">
                 <a:sym typeface="Wingdings" pitchFamily="2" charset="2"/>
               </a:rPr>
-              <a:t> Multicore-Systeme</a:t>
+              <a:t> Multicore Systems</a:t>
             </a:r>
             <a:endParaRPr lang="de-DE" sz="3600" dirty="0"/>
           </a:p>
@@ -9096,14 +10051,14 @@
           <a:p>
             <a:pPr algn="r"/>
             <a:r>
-              <a:rPr lang="en-US">
+              <a:rPr lang="en-US" dirty="0">
                 <a:solidFill>
                   <a:schemeClr val="accent1"/>
                 </a:solidFill>
               </a:rPr>
-              <a:t>Was ist OpenMP</a:t>
-            </a:r>
-            <a:endParaRPr lang="de-DE">
+              <a:t>What is OpenMP</a:t>
+            </a:r>
+            <a:endParaRPr lang="de-DE" dirty="0">
               <a:solidFill>
                 <a:schemeClr val="accent1"/>
               </a:solidFill>
@@ -9195,32 +10150,32 @@
           <a:lstStyle/>
           <a:p>
             <a:r>
-              <a:rPr lang="de-DE" sz="2400"/>
-              <a:t>Open Specifications for Multi Processing seit 1997</a:t>
-            </a:r>
-          </a:p>
-          <a:p>
-            <a:r>
-              <a:rPr lang="de-DE" sz="2400"/>
-              <a:t>API für Shared-Memory-Programmierung in C ++, C und Fortran</a:t>
-            </a:r>
-          </a:p>
-          <a:p>
-            <a:r>
-              <a:rPr lang="de-DE" sz="2400"/>
-              <a:t>breite Unterstützung von Herstellern</a:t>
-            </a:r>
-          </a:p>
-          <a:p>
-            <a:r>
-              <a:rPr lang="de-DE" sz="2400"/>
-              <a:t>nicht anwendbar auf Systemen mit verteiltem Speicher</a:t>
-            </a:r>
-          </a:p>
-          <a:p>
-            <a:r>
-              <a:rPr lang="de-DE" sz="2400"/>
-              <a:t>keine Laufzeitüberprüfung hinsichtlich Korrektheit der Direktiven </a:t>
+              <a:rPr lang="en-US" sz="2400" dirty="0"/>
+              <a:t>Open Specifications for Multiprocessing since 1997</a:t>
+            </a:r>
+          </a:p>
+          <a:p>
+            <a:r>
+              <a:rPr lang="en-US" sz="2400" dirty="0"/>
+              <a:t>API for Shared-Memory programming in C++, C and Fortran</a:t>
+            </a:r>
+          </a:p>
+          <a:p>
+            <a:r>
+              <a:rPr lang="en-US" sz="2400" dirty="0"/>
+              <a:t>Broadly supported by compiler manufacturers</a:t>
+            </a:r>
+          </a:p>
+          <a:p>
+            <a:r>
+              <a:rPr lang="en-US" sz="2400" dirty="0"/>
+              <a:t>Not applicable on systems with distributed memory architectures</a:t>
+            </a:r>
+          </a:p>
+          <a:p>
+            <a:r>
+              <a:rPr lang="en-US" sz="2400" dirty="0"/>
+              <a:t>No runtime checks regarding the correctness of the directives</a:t>
             </a:r>
           </a:p>
         </p:txBody>
@@ -9451,10 +10406,10 @@
           <a:lstStyle/>
           <a:p>
             <a:r>
-              <a:rPr lang="en-US" sz="3200"/>
-              <a:t>Anwendung</a:t>
-            </a:r>
-            <a:endParaRPr lang="de-DE" sz="3200"/>
+              <a:rPr lang="en-US" sz="3200" dirty="0"/>
+              <a:t>Application</a:t>
+            </a:r>
+            <a:endParaRPr lang="de-DE" sz="3200" dirty="0"/>
           </a:p>
         </p:txBody>
       </p:sp>
@@ -9613,8 +10568,8 @@
         </p:nvSpPr>
         <p:spPr>
           <a:xfrm>
-            <a:off x="5351164" y="586822"/>
-            <a:ext cx="6002636" cy="1645920"/>
+            <a:off x="5351164" y="694398"/>
+            <a:ext cx="6002636" cy="1463040"/>
           </a:xfrm>
         </p:spPr>
         <p:txBody>
@@ -9624,25 +10579,30 @@
           <a:lstStyle/>
           <a:p>
             <a:r>
-              <a:rPr lang="de-DE" sz="1800"/>
-              <a:t>OpenMP relevanten Pragmas: #pragma omp</a:t>
-            </a:r>
-          </a:p>
-          <a:p>
-            <a:r>
-              <a:rPr lang="de-DE" sz="1800"/>
-              <a:t>Pragmas werden von Compilern ohne OpenMP-Unterstützung ignoriert</a:t>
-            </a:r>
-          </a:p>
-          <a:p>
-            <a:r>
-              <a:rPr lang="de-DE" sz="1800"/>
-              <a:t>OpenMP-Direktive bezieht sich immer auf den nachfolgenden strukturierten Block</a:t>
+              <a:rPr lang="en-US" sz="1800" dirty="0"/>
+              <a:t>OpenMP relevant Pragmas: #pragma </a:t>
+            </a:r>
+            <a:r>
+              <a:rPr lang="en-US" sz="1800" dirty="0" err="1"/>
+              <a:t>omp</a:t>
+            </a:r>
+            <a:endParaRPr lang="en-US" sz="1800" dirty="0"/>
+          </a:p>
+          <a:p>
+            <a:r>
+              <a:rPr lang="en-US" sz="1800" dirty="0"/>
+              <a:t>Pragmas are ignored by compilers without OpenMP support</a:t>
+            </a:r>
+          </a:p>
+          <a:p>
+            <a:r>
+              <a:rPr lang="en-US" sz="1800" dirty="0"/>
+              <a:t>OpenMP directives are associated with the following structural block</a:t>
             </a:r>
           </a:p>
           <a:p>
             <a:pPr lvl="1"/>
-            <a:endParaRPr lang="de-DE" sz="1800"/>
+            <a:endParaRPr lang="en-US" sz="1800" dirty="0"/>
           </a:p>
         </p:txBody>
       </p:sp>
@@ -9742,10 +10702,10 @@
           <a:lstStyle/>
           <a:p>
             <a:r>
-              <a:rPr lang="en-US" sz="3600"/>
-              <a:t>Fork/Join Modell </a:t>
-            </a:r>
-            <a:endParaRPr lang="de-DE" sz="3600"/>
+              <a:rPr lang="en-US" sz="3600" dirty="0"/>
+              <a:t>Fork/Join Model </a:t>
+            </a:r>
+            <a:endParaRPr lang="de-DE" sz="3600" dirty="0"/>
           </a:p>
         </p:txBody>
       </p:sp>
@@ -10002,14 +10962,14 @@
           <a:lstStyle/>
           <a:p>
             <a:r>
-              <a:rPr lang="de-DE" sz="2000"/>
-              <a:t>Startet als einzelner Thread (master)</a:t>
-            </a:r>
-          </a:p>
-          <a:p>
-            <a:r>
-              <a:rPr lang="de-DE" sz="2000"/>
-              <a:t>Weitere Threads warden durch parallele Regionen erzeugt</a:t>
+              <a:rPr lang="en-US" sz="2000" dirty="0"/>
+              <a:t>Starts as a single thread (master)</a:t>
+            </a:r>
+          </a:p>
+          <a:p>
+            <a:r>
+              <a:rPr lang="en-US" sz="2000" dirty="0"/>
+              <a:t>Additional thread are created through regions</a:t>
             </a:r>
           </a:p>
         </p:txBody>
@@ -10147,14 +11107,14 @@
           <a:lstStyle/>
           <a:p>
             <a:r>
-              <a:rPr lang="en-US" sz="3200">
+              <a:rPr lang="en-US" sz="3200" dirty="0">
                 <a:solidFill>
                   <a:schemeClr val="bg1"/>
                 </a:solidFill>
               </a:rPr>
-              <a:t>Datenumgebung</a:t>
-            </a:r>
-            <a:endParaRPr lang="de-DE" sz="3200">
+              <a:t>Data environment</a:t>
+            </a:r>
+            <a:endParaRPr lang="de-DE" sz="3200" dirty="0">
               <a:solidFill>
                 <a:schemeClr val="bg1"/>
               </a:solidFill>
@@ -10251,62 +11211,38 @@
           <a:lstStyle/>
           <a:p>
             <a:r>
-              <a:rPr lang="de-DE" sz="2000" dirty="0">
+              <a:rPr lang="en-US" sz="2000" dirty="0">
                 <a:solidFill>
                   <a:schemeClr val="bg1"/>
                 </a:solidFill>
               </a:rPr>
-              <a:t>Daten werden unterteilt in:</a:t>
+              <a:t>Data is divided into sections:</a:t>
             </a:r>
           </a:p>
           <a:p>
             <a:pPr lvl="1"/>
             <a:r>
-              <a:rPr lang="de-DE" sz="2000" dirty="0">
+              <a:rPr lang="en-US" sz="2000" dirty="0">
                 <a:solidFill>
                   <a:schemeClr val="bg1"/>
                 </a:solidFill>
               </a:rPr>
-              <a:t>private Data</a:t>
+              <a:t>Private Data</a:t>
             </a:r>
           </a:p>
           <a:p>
             <a:pPr lvl="1"/>
             <a:r>
-              <a:rPr lang="de-DE" sz="2000" dirty="0" err="1">
+              <a:rPr lang="en-US" sz="2000" dirty="0">
                 <a:solidFill>
                   <a:schemeClr val="bg1"/>
                 </a:solidFill>
               </a:rPr>
-              <a:t>Shared</a:t>
-            </a:r>
-            <a:r>
-              <a:rPr lang="de-DE" sz="2000" dirty="0">
-                <a:solidFill>
-                  <a:schemeClr val="bg1"/>
-                </a:solidFill>
-              </a:rPr>
-              <a:t> Data (</a:t>
-            </a:r>
-            <a:r>
-              <a:rPr lang="de-DE" sz="2000" dirty="0" err="1">
-                <a:solidFill>
-                  <a:schemeClr val="bg1"/>
-                </a:solidFill>
-              </a:rPr>
-              <a:t>default</a:t>
-            </a:r>
-            <a:r>
-              <a:rPr lang="de-DE" sz="2000" dirty="0">
-                <a:solidFill>
-                  <a:schemeClr val="bg1"/>
-                </a:solidFill>
-              </a:rPr>
-              <a:t>)</a:t>
-            </a:r>
-          </a:p>
-          <a:p>
-            <a:endParaRPr lang="de-DE" sz="2000" dirty="0">
+              <a:t>Shared Data (default)</a:t>
+            </a:r>
+          </a:p>
+          <a:p>
+            <a:endParaRPr lang="en-US" sz="2000" dirty="0">
               <a:solidFill>
                 <a:schemeClr val="bg1"/>
               </a:solidFill>

--- a/OpenMP_Folien.pptx
+++ b/OpenMP_Folien.pptx
@@ -215,7 +215,7 @@
           <a:p>
             <a:fld id="{AD5FCB38-51A2-4D62-8717-5BE0EDC2993F}" type="datetimeFigureOut">
               <a:rPr lang="de-DE" smtClean="0"/>
-              <a:t>12.02.20</a:t>
+              <a:t>12.02.2020</a:t>
             </a:fld>
             <a:endParaRPr lang="de-DE"/>
           </a:p>
@@ -566,6 +566,546 @@
 </p:notes>
 </file>
 
+<file path=ppt/notesSlides/notesSlide10.xml><?xml version="1.0" encoding="utf-8"?>
+<p:notes xmlns:a="http://schemas.openxmlformats.org/drawingml/2006/main" xmlns:r="http://schemas.openxmlformats.org/officeDocument/2006/relationships" xmlns:p="http://schemas.openxmlformats.org/presentationml/2006/main">
+  <p:cSld>
+    <p:spTree>
+      <p:nvGrpSpPr>
+        <p:cNvPr id="1" name=""/>
+        <p:cNvGrpSpPr/>
+        <p:nvPr/>
+      </p:nvGrpSpPr>
+      <p:grpSpPr>
+        <a:xfrm>
+          <a:off x="0" y="0"/>
+          <a:ext cx="0" cy="0"/>
+          <a:chOff x="0" y="0"/>
+          <a:chExt cx="0" cy="0"/>
+        </a:xfrm>
+      </p:grpSpPr>
+      <p:sp>
+        <p:nvSpPr>
+          <p:cNvPr id="2" name="Folienbildplatzhalter 1"/>
+          <p:cNvSpPr>
+            <a:spLocks noGrp="1" noRot="1" noChangeAspect="1"/>
+          </p:cNvSpPr>
+          <p:nvPr>
+            <p:ph type="sldImg"/>
+          </p:nvPr>
+        </p:nvSpPr>
+        <p:spPr/>
+      </p:sp>
+      <p:sp>
+        <p:nvSpPr>
+          <p:cNvPr id="3" name="Notizenplatzhalter 2"/>
+          <p:cNvSpPr>
+            <a:spLocks noGrp="1"/>
+          </p:cNvSpPr>
+          <p:nvPr>
+            <p:ph type="body" idx="1"/>
+          </p:nvPr>
+        </p:nvSpPr>
+        <p:spPr/>
+        <p:txBody>
+          <a:bodyPr/>
+          <a:lstStyle/>
+          <a:p>
+            <a:r>
+              <a:rPr lang="de-DE" sz="1200" b="0" i="0" kern="1200" dirty="0" err="1">
+                <a:solidFill>
+                  <a:schemeClr val="tx1"/>
+                </a:solidFill>
+                <a:effectLst/>
+                <a:latin typeface="+mn-lt"/>
+                <a:ea typeface="+mn-ea"/>
+                <a:cs typeface="+mn-cs"/>
+              </a:rPr>
+              <a:t>Let’s</a:t>
+            </a:r>
+            <a:r>
+              <a:rPr lang="de-DE" sz="1200" b="0" i="0" kern="1200" dirty="0">
+                <a:solidFill>
+                  <a:schemeClr val="tx1"/>
+                </a:solidFill>
+                <a:effectLst/>
+                <a:latin typeface="+mn-lt"/>
+                <a:ea typeface="+mn-ea"/>
+                <a:cs typeface="+mn-cs"/>
+              </a:rPr>
+              <a:t> </a:t>
+            </a:r>
+            <a:r>
+              <a:rPr lang="de-DE" sz="1200" b="0" i="0" kern="1200" dirty="0" err="1">
+                <a:solidFill>
+                  <a:schemeClr val="tx1"/>
+                </a:solidFill>
+                <a:effectLst/>
+                <a:latin typeface="+mn-lt"/>
+                <a:ea typeface="+mn-ea"/>
+                <a:cs typeface="+mn-cs"/>
+              </a:rPr>
+              <a:t>compute</a:t>
+            </a:r>
+            <a:r>
+              <a:rPr lang="de-DE" sz="1200" b="0" i="0" kern="1200" dirty="0">
+                <a:solidFill>
+                  <a:schemeClr val="tx1"/>
+                </a:solidFill>
+                <a:effectLst/>
+                <a:latin typeface="+mn-lt"/>
+                <a:ea typeface="+mn-ea"/>
+                <a:cs typeface="+mn-cs"/>
+              </a:rPr>
+              <a:t> Fresnel </a:t>
+            </a:r>
+            <a:r>
+              <a:rPr lang="de-DE" sz="1200" b="0" i="0" kern="1200" dirty="0" err="1">
+                <a:solidFill>
+                  <a:schemeClr val="tx1"/>
+                </a:solidFill>
+                <a:effectLst/>
+                <a:latin typeface="+mn-lt"/>
+                <a:ea typeface="+mn-ea"/>
+                <a:cs typeface="+mn-cs"/>
+              </a:rPr>
+              <a:t>equations</a:t>
+            </a:r>
+            <a:r>
+              <a:rPr lang="de-DE" sz="1200" b="0" i="0" kern="1200" dirty="0">
+                <a:solidFill>
+                  <a:schemeClr val="tx1"/>
+                </a:solidFill>
+                <a:effectLst/>
+                <a:latin typeface="+mn-lt"/>
+                <a:ea typeface="+mn-ea"/>
+                <a:cs typeface="+mn-cs"/>
+              </a:rPr>
+              <a:t> </a:t>
+            </a:r>
+            <a:r>
+              <a:rPr lang="de-DE" sz="1200" b="0" i="0" kern="1200" dirty="0" err="1">
+                <a:solidFill>
+                  <a:schemeClr val="tx1"/>
+                </a:solidFill>
+                <a:effectLst/>
+                <a:latin typeface="+mn-lt"/>
+                <a:ea typeface="+mn-ea"/>
+                <a:cs typeface="+mn-cs"/>
+              </a:rPr>
+              <a:t>that</a:t>
+            </a:r>
+            <a:r>
+              <a:rPr lang="de-DE" sz="1200" b="0" i="0" kern="1200" dirty="0">
+                <a:solidFill>
+                  <a:schemeClr val="tx1"/>
+                </a:solidFill>
+                <a:effectLst/>
+                <a:latin typeface="+mn-lt"/>
+                <a:ea typeface="+mn-ea"/>
+                <a:cs typeface="+mn-cs"/>
+              </a:rPr>
+              <a:t> </a:t>
+            </a:r>
+            <a:r>
+              <a:rPr lang="de-DE" sz="1200" b="0" i="0" kern="1200" dirty="0" err="1">
+                <a:solidFill>
+                  <a:schemeClr val="tx1"/>
+                </a:solidFill>
+                <a:effectLst/>
+                <a:latin typeface="+mn-lt"/>
+                <a:ea typeface="+mn-ea"/>
+                <a:cs typeface="+mn-cs"/>
+              </a:rPr>
+              <a:t>describe</a:t>
+            </a:r>
+            <a:r>
+              <a:rPr lang="de-DE" sz="1200" b="0" i="0" kern="1200" dirty="0">
+                <a:solidFill>
+                  <a:schemeClr val="tx1"/>
+                </a:solidFill>
+                <a:effectLst/>
+                <a:latin typeface="+mn-lt"/>
+                <a:ea typeface="+mn-ea"/>
+                <a:cs typeface="+mn-cs"/>
+              </a:rPr>
+              <a:t> </a:t>
+            </a:r>
+            <a:r>
+              <a:rPr lang="de-DE" sz="1200" b="0" i="0" kern="1200" dirty="0" err="1">
+                <a:solidFill>
+                  <a:schemeClr val="tx1"/>
+                </a:solidFill>
+                <a:effectLst/>
+                <a:latin typeface="+mn-lt"/>
+                <a:ea typeface="+mn-ea"/>
+                <a:cs typeface="+mn-cs"/>
+              </a:rPr>
+              <a:t>reflection</a:t>
+            </a:r>
+            <a:r>
+              <a:rPr lang="de-DE" sz="1200" b="0" i="0" kern="1200" dirty="0">
+                <a:solidFill>
+                  <a:schemeClr val="tx1"/>
+                </a:solidFill>
+                <a:effectLst/>
+                <a:latin typeface="+mn-lt"/>
+                <a:ea typeface="+mn-ea"/>
+                <a:cs typeface="+mn-cs"/>
+              </a:rPr>
+              <a:t> </a:t>
+            </a:r>
+            <a:r>
+              <a:rPr lang="de-DE" sz="1200" b="0" i="0" kern="1200" dirty="0" err="1">
+                <a:solidFill>
+                  <a:schemeClr val="tx1"/>
+                </a:solidFill>
+                <a:effectLst/>
+                <a:latin typeface="+mn-lt"/>
+                <a:ea typeface="+mn-ea"/>
+                <a:cs typeface="+mn-cs"/>
+              </a:rPr>
+              <a:t>and</a:t>
+            </a:r>
+            <a:r>
+              <a:rPr lang="de-DE" sz="1200" b="0" i="0" kern="1200" dirty="0">
+                <a:solidFill>
+                  <a:schemeClr val="tx1"/>
+                </a:solidFill>
+                <a:effectLst/>
+                <a:latin typeface="+mn-lt"/>
+                <a:ea typeface="+mn-ea"/>
+                <a:cs typeface="+mn-cs"/>
+              </a:rPr>
+              <a:t> </a:t>
+            </a:r>
+            <a:r>
+              <a:rPr lang="de-DE" sz="1200" b="0" i="0" kern="1200" dirty="0" err="1">
+                <a:solidFill>
+                  <a:schemeClr val="tx1"/>
+                </a:solidFill>
+                <a:effectLst/>
+                <a:latin typeface="+mn-lt"/>
+                <a:ea typeface="+mn-ea"/>
+                <a:cs typeface="+mn-cs"/>
+              </a:rPr>
+              <a:t>refraction</a:t>
+            </a:r>
+            <a:r>
+              <a:rPr lang="de-DE" sz="1200" b="0" i="0" kern="1200" dirty="0">
+                <a:solidFill>
+                  <a:schemeClr val="tx1"/>
+                </a:solidFill>
+                <a:effectLst/>
+                <a:latin typeface="+mn-lt"/>
+                <a:ea typeface="+mn-ea"/>
+                <a:cs typeface="+mn-cs"/>
+              </a:rPr>
+              <a:t> </a:t>
+            </a:r>
+            <a:r>
+              <a:rPr lang="de-DE" sz="1200" b="0" i="0" kern="1200" dirty="0" err="1">
+                <a:solidFill>
+                  <a:schemeClr val="tx1"/>
+                </a:solidFill>
+                <a:effectLst/>
+                <a:latin typeface="+mn-lt"/>
+                <a:ea typeface="+mn-ea"/>
+                <a:cs typeface="+mn-cs"/>
+              </a:rPr>
+              <a:t>of</a:t>
+            </a:r>
+            <a:r>
+              <a:rPr lang="de-DE" sz="1200" b="0" i="0" kern="1200" dirty="0">
+                <a:solidFill>
+                  <a:schemeClr val="tx1"/>
+                </a:solidFill>
+                <a:effectLst/>
+                <a:latin typeface="+mn-lt"/>
+                <a:ea typeface="+mn-ea"/>
+                <a:cs typeface="+mn-cs"/>
+              </a:rPr>
+              <a:t> light at uniform </a:t>
+            </a:r>
+            <a:r>
+              <a:rPr lang="de-DE" sz="1200" b="0" i="0" kern="1200" dirty="0" err="1">
+                <a:solidFill>
+                  <a:schemeClr val="tx1"/>
+                </a:solidFill>
+                <a:effectLst/>
+                <a:latin typeface="+mn-lt"/>
+                <a:ea typeface="+mn-ea"/>
+                <a:cs typeface="+mn-cs"/>
+              </a:rPr>
+              <a:t>planar</a:t>
+            </a:r>
+            <a:r>
+              <a:rPr lang="de-DE" sz="1200" b="0" i="0" kern="1200" dirty="0">
+                <a:solidFill>
+                  <a:schemeClr val="tx1"/>
+                </a:solidFill>
+                <a:effectLst/>
+                <a:latin typeface="+mn-lt"/>
+                <a:ea typeface="+mn-ea"/>
+                <a:cs typeface="+mn-cs"/>
+              </a:rPr>
+              <a:t> </a:t>
+            </a:r>
+            <a:r>
+              <a:rPr lang="de-DE" sz="1200" b="0" i="0" kern="1200" dirty="0" err="1">
+                <a:solidFill>
+                  <a:schemeClr val="tx1"/>
+                </a:solidFill>
+                <a:effectLst/>
+                <a:latin typeface="+mn-lt"/>
+                <a:ea typeface="+mn-ea"/>
+                <a:cs typeface="+mn-cs"/>
+              </a:rPr>
+              <a:t>interfaces</a:t>
+            </a:r>
+            <a:r>
+              <a:rPr lang="de-DE" sz="1200" b="0" i="0" kern="1200" dirty="0">
+                <a:solidFill>
+                  <a:schemeClr val="tx1"/>
+                </a:solidFill>
+                <a:effectLst/>
+                <a:latin typeface="+mn-lt"/>
+                <a:ea typeface="+mn-ea"/>
+                <a:cs typeface="+mn-cs"/>
+              </a:rPr>
+              <a:t>. </a:t>
+            </a:r>
+            <a:r>
+              <a:rPr lang="de-DE" sz="1200" b="0" i="0" kern="1200" dirty="0" err="1">
+                <a:solidFill>
+                  <a:schemeClr val="tx1"/>
+                </a:solidFill>
+                <a:effectLst/>
+                <a:latin typeface="+mn-lt"/>
+                <a:ea typeface="+mn-ea"/>
+                <a:cs typeface="+mn-cs"/>
+              </a:rPr>
+              <a:t>It’s</a:t>
+            </a:r>
+            <a:r>
+              <a:rPr lang="de-DE" sz="1200" b="0" i="0" kern="1200" dirty="0">
+                <a:solidFill>
+                  <a:schemeClr val="tx1"/>
+                </a:solidFill>
+                <a:effectLst/>
+                <a:latin typeface="+mn-lt"/>
+                <a:ea typeface="+mn-ea"/>
+                <a:cs typeface="+mn-cs"/>
+              </a:rPr>
+              <a:t> a </a:t>
+            </a:r>
+            <a:r>
+              <a:rPr lang="de-DE" sz="1200" b="0" i="0" kern="1200" dirty="0" err="1">
+                <a:solidFill>
+                  <a:schemeClr val="tx1"/>
+                </a:solidFill>
+                <a:effectLst/>
+                <a:latin typeface="+mn-lt"/>
+                <a:ea typeface="+mn-ea"/>
+                <a:cs typeface="+mn-cs"/>
+              </a:rPr>
+              <a:t>popular</a:t>
+            </a:r>
+            <a:r>
+              <a:rPr lang="de-DE" sz="1200" b="0" i="0" kern="1200" dirty="0">
+                <a:solidFill>
+                  <a:schemeClr val="tx1"/>
+                </a:solidFill>
+                <a:effectLst/>
+                <a:latin typeface="+mn-lt"/>
+                <a:ea typeface="+mn-ea"/>
+                <a:cs typeface="+mn-cs"/>
+              </a:rPr>
+              <a:t> </a:t>
+            </a:r>
+            <a:r>
+              <a:rPr lang="de-DE" sz="1200" b="0" i="0" kern="1200" dirty="0" err="1">
+                <a:solidFill>
+                  <a:schemeClr val="tx1"/>
+                </a:solidFill>
+                <a:effectLst/>
+                <a:latin typeface="+mn-lt"/>
+                <a:ea typeface="+mn-ea"/>
+                <a:cs typeface="+mn-cs"/>
+              </a:rPr>
+              <a:t>technique</a:t>
+            </a:r>
+            <a:r>
+              <a:rPr lang="de-DE" sz="1200" b="0" i="0" kern="1200" dirty="0">
+                <a:solidFill>
+                  <a:schemeClr val="tx1"/>
+                </a:solidFill>
+                <a:effectLst/>
+                <a:latin typeface="+mn-lt"/>
+                <a:ea typeface="+mn-ea"/>
+                <a:cs typeface="+mn-cs"/>
+              </a:rPr>
+              <a:t> </a:t>
+            </a:r>
+            <a:r>
+              <a:rPr lang="de-DE" sz="1200" b="0" i="0" kern="1200" dirty="0" err="1">
+                <a:solidFill>
+                  <a:schemeClr val="tx1"/>
+                </a:solidFill>
+                <a:effectLst/>
+                <a:latin typeface="+mn-lt"/>
+                <a:ea typeface="+mn-ea"/>
+                <a:cs typeface="+mn-cs"/>
+              </a:rPr>
+              <a:t>for</a:t>
+            </a:r>
+            <a:r>
+              <a:rPr lang="de-DE" sz="1200" b="0" i="0" kern="1200" dirty="0">
+                <a:solidFill>
+                  <a:schemeClr val="tx1"/>
+                </a:solidFill>
+                <a:effectLst/>
+                <a:latin typeface="+mn-lt"/>
+                <a:ea typeface="+mn-ea"/>
+                <a:cs typeface="+mn-cs"/>
+              </a:rPr>
+              <a:t> </a:t>
+            </a:r>
+            <a:r>
+              <a:rPr lang="de-DE" sz="1200" b="0" i="0" kern="1200" dirty="0" err="1">
+                <a:solidFill>
+                  <a:schemeClr val="tx1"/>
+                </a:solidFill>
+                <a:effectLst/>
+                <a:latin typeface="+mn-lt"/>
+                <a:ea typeface="+mn-ea"/>
+                <a:cs typeface="+mn-cs"/>
+              </a:rPr>
+              <a:t>generating</a:t>
+            </a:r>
+            <a:r>
+              <a:rPr lang="de-DE" sz="1200" b="0" i="0" kern="1200" dirty="0">
+                <a:solidFill>
+                  <a:schemeClr val="tx1"/>
+                </a:solidFill>
+                <a:effectLst/>
+                <a:latin typeface="+mn-lt"/>
+                <a:ea typeface="+mn-ea"/>
+                <a:cs typeface="+mn-cs"/>
+              </a:rPr>
+              <a:t> </a:t>
+            </a:r>
+            <a:r>
+              <a:rPr lang="de-DE" sz="1200" b="0" i="0" kern="1200" dirty="0" err="1">
+                <a:solidFill>
+                  <a:schemeClr val="tx1"/>
+                </a:solidFill>
+                <a:effectLst/>
+                <a:latin typeface="+mn-lt"/>
+                <a:ea typeface="+mn-ea"/>
+                <a:cs typeface="+mn-cs"/>
+              </a:rPr>
+              <a:t>realistic</a:t>
+            </a:r>
+            <a:r>
+              <a:rPr lang="de-DE" sz="1200" b="0" i="0" kern="1200" dirty="0">
+                <a:solidFill>
+                  <a:schemeClr val="tx1"/>
+                </a:solidFill>
+                <a:effectLst/>
+                <a:latin typeface="+mn-lt"/>
+                <a:ea typeface="+mn-ea"/>
+                <a:cs typeface="+mn-cs"/>
+              </a:rPr>
+              <a:t> </a:t>
+            </a:r>
+            <a:r>
+              <a:rPr lang="de-DE" sz="1200" b="0" i="0" kern="1200" dirty="0" err="1">
+                <a:solidFill>
+                  <a:schemeClr val="tx1"/>
+                </a:solidFill>
+                <a:effectLst/>
+                <a:latin typeface="+mn-lt"/>
+                <a:ea typeface="+mn-ea"/>
+                <a:cs typeface="+mn-cs"/>
+              </a:rPr>
+              <a:t>lightning</a:t>
+            </a:r>
+            <a:r>
+              <a:rPr lang="de-DE" sz="1200" b="0" i="0" kern="1200" dirty="0">
+                <a:solidFill>
+                  <a:schemeClr val="tx1"/>
+                </a:solidFill>
+                <a:effectLst/>
+                <a:latin typeface="+mn-lt"/>
+                <a:ea typeface="+mn-ea"/>
+                <a:cs typeface="+mn-cs"/>
+              </a:rPr>
+              <a:t> in 3D </a:t>
+            </a:r>
+            <a:r>
+              <a:rPr lang="de-DE" sz="1200" b="0" i="0" kern="1200" dirty="0" err="1">
+                <a:solidFill>
+                  <a:schemeClr val="tx1"/>
+                </a:solidFill>
+                <a:effectLst/>
+                <a:latin typeface="+mn-lt"/>
+                <a:ea typeface="+mn-ea"/>
+                <a:cs typeface="+mn-cs"/>
+              </a:rPr>
+              <a:t>games</a:t>
+            </a:r>
+            <a:r>
+              <a:rPr lang="de-DE" sz="1200" b="0" i="0" kern="1200" dirty="0">
+                <a:solidFill>
+                  <a:schemeClr val="tx1"/>
+                </a:solidFill>
+                <a:effectLst/>
+                <a:latin typeface="+mn-lt"/>
+                <a:ea typeface="+mn-ea"/>
+                <a:cs typeface="+mn-cs"/>
+              </a:rPr>
+              <a:t>.</a:t>
+            </a:r>
+            <a:endParaRPr lang="en-US" dirty="0"/>
+          </a:p>
+        </p:txBody>
+      </p:sp>
+      <p:sp>
+        <p:nvSpPr>
+          <p:cNvPr id="4" name="Foliennummernplatzhalter 3"/>
+          <p:cNvSpPr>
+            <a:spLocks noGrp="1"/>
+          </p:cNvSpPr>
+          <p:nvPr>
+            <p:ph type="sldNum" sz="quarter" idx="5"/>
+          </p:nvPr>
+        </p:nvSpPr>
+        <p:spPr/>
+        <p:txBody>
+          <a:bodyPr/>
+          <a:lstStyle/>
+          <a:p>
+            <a:fld id="{67F32239-C198-46BF-8243-3DEE8544CFAA}" type="slidenum">
+              <a:rPr lang="de-DE" smtClean="0"/>
+              <a:t>18</a:t>
+            </a:fld>
+            <a:endParaRPr lang="de-DE"/>
+          </a:p>
+        </p:txBody>
+      </p:sp>
+    </p:spTree>
+    <p:extLst>
+      <p:ext uri="{BB962C8B-B14F-4D97-AF65-F5344CB8AC3E}">
+        <p14:creationId xmlns:p14="http://schemas.microsoft.com/office/powerpoint/2010/main" val="884171446"/>
+      </p:ext>
+    </p:extLst>
+  </p:cSld>
+  <p:clrMapOvr>
+    <a:masterClrMapping/>
+  </p:clrMapOvr>
+</p:notes>
+</file>
+
 <file path=ppt/notesSlides/notesSlide2.xml><?xml version="1.0" encoding="utf-8"?>
 <p:notes xmlns:a="http://schemas.openxmlformats.org/drawingml/2006/main" xmlns:r="http://schemas.openxmlformats.org/officeDocument/2006/relationships" xmlns:p="http://schemas.openxmlformats.org/presentationml/2006/main">
   <p:cSld>
@@ -610,6 +1150,337 @@
           <a:bodyPr/>
           <a:lstStyle/>
           <a:p>
+            <a:r>
+              <a:rPr lang="en-US" dirty="0" err="1"/>
+              <a:t>Standadisierte</a:t>
+            </a:r>
+            <a:r>
+              <a:rPr lang="en-US" dirty="0"/>
+              <a:t> </a:t>
+            </a:r>
+            <a:r>
+              <a:rPr lang="en-US" dirty="0" err="1"/>
+              <a:t>Programmierschnittstelle</a:t>
+            </a:r>
+            <a:r>
+              <a:rPr lang="en-US" dirty="0"/>
+              <a:t> </a:t>
+            </a:r>
+            <a:r>
+              <a:rPr lang="en-US" dirty="0" err="1"/>
+              <a:t>für</a:t>
+            </a:r>
+            <a:r>
+              <a:rPr lang="en-US" dirty="0"/>
+              <a:t> shared memory </a:t>
+            </a:r>
+            <a:r>
+              <a:rPr lang="en-US" dirty="0" err="1"/>
+              <a:t>programmierung</a:t>
+            </a:r>
+            <a:r>
+              <a:rPr lang="en-US" dirty="0"/>
+              <a:t> in </a:t>
+            </a:r>
+            <a:r>
+              <a:rPr lang="en-US" dirty="0" err="1"/>
+              <a:t>c++</a:t>
+            </a:r>
+            <a:r>
+              <a:rPr lang="en-US" dirty="0"/>
+              <a:t>,c und </a:t>
+            </a:r>
+            <a:r>
+              <a:rPr lang="en-US" dirty="0" err="1"/>
+              <a:t>fortran</a:t>
+            </a:r>
+            <a:r>
+              <a:rPr lang="en-US" dirty="0"/>
+              <a:t> (prog </a:t>
+            </a:r>
+            <a:r>
+              <a:rPr lang="en-US" dirty="0" err="1"/>
+              <a:t>sprache</a:t>
+            </a:r>
+            <a:r>
+              <a:rPr lang="en-US" dirty="0"/>
+              <a:t> </a:t>
+            </a:r>
+            <a:r>
+              <a:rPr lang="en-US" dirty="0" err="1"/>
+              <a:t>ausgelegt</a:t>
+            </a:r>
+            <a:r>
+              <a:rPr lang="en-US" dirty="0"/>
+              <a:t> </a:t>
+            </a:r>
+            <a:r>
+              <a:rPr lang="en-US" dirty="0" err="1"/>
+              <a:t>für</a:t>
+            </a:r>
+            <a:r>
+              <a:rPr lang="en-US" dirty="0"/>
+              <a:t> </a:t>
+            </a:r>
+            <a:r>
+              <a:rPr lang="en-US" dirty="0" err="1"/>
+              <a:t>numerische</a:t>
+            </a:r>
+            <a:r>
+              <a:rPr lang="en-US" dirty="0"/>
+              <a:t> </a:t>
+            </a:r>
+            <a:r>
+              <a:rPr lang="en-US" dirty="0" err="1"/>
+              <a:t>berechnungen</a:t>
+            </a:r>
+            <a:r>
+              <a:rPr lang="en-US" dirty="0"/>
+              <a:t>) </a:t>
+            </a:r>
+            <a:r>
+              <a:rPr lang="en-US" dirty="0" err="1"/>
+              <a:t>seit</a:t>
+            </a:r>
+            <a:r>
+              <a:rPr lang="en-US" dirty="0"/>
+              <a:t> 1997</a:t>
+            </a:r>
+          </a:p>
+          <a:p>
+            <a:r>
+              <a:rPr lang="en-US" dirty="0"/>
+              <a:t>2002: v2.0</a:t>
+            </a:r>
+          </a:p>
+          <a:p>
+            <a:r>
+              <a:rPr lang="en-US" dirty="0"/>
+              <a:t>2008: v3.0</a:t>
+            </a:r>
+          </a:p>
+          <a:p>
+            <a:r>
+              <a:rPr lang="en-US" dirty="0"/>
+              <a:t>2013: v4.0</a:t>
+            </a:r>
+          </a:p>
+          <a:p>
+            <a:r>
+              <a:rPr lang="en-US" dirty="0"/>
+              <a:t>2018: v5.0</a:t>
+            </a:r>
+          </a:p>
+          <a:p>
+            <a:endParaRPr lang="en-US" dirty="0"/>
+          </a:p>
+          <a:p>
+            <a:r>
+              <a:rPr lang="en-US" dirty="0" err="1"/>
+              <a:t>Breite</a:t>
+            </a:r>
+            <a:r>
+              <a:rPr lang="en-US" dirty="0"/>
+              <a:t> </a:t>
+            </a:r>
+            <a:r>
+              <a:rPr lang="en-US" dirty="0" err="1"/>
+              <a:t>Unterstüzung</a:t>
+            </a:r>
+            <a:r>
+              <a:rPr lang="en-US" dirty="0"/>
+              <a:t> von </a:t>
+            </a:r>
+            <a:r>
+              <a:rPr lang="en-US" dirty="0" err="1"/>
+              <a:t>Herstellern</a:t>
+            </a:r>
+            <a:r>
+              <a:rPr lang="en-US" dirty="0"/>
+              <a:t> </a:t>
+            </a:r>
+            <a:r>
+              <a:rPr lang="de-DE" sz="1200" kern="1200" dirty="0">
+                <a:solidFill>
+                  <a:schemeClr val="tx1"/>
+                </a:solidFill>
+                <a:effectLst/>
+                <a:latin typeface="+mn-lt"/>
+                <a:ea typeface="+mn-ea"/>
+                <a:cs typeface="+mn-cs"/>
+              </a:rPr>
+              <a:t>SUN, IBM, Intel, </a:t>
+            </a:r>
+            <a:r>
+              <a:rPr lang="de-DE" sz="1200" kern="1200" dirty="0" err="1">
+                <a:solidFill>
+                  <a:schemeClr val="tx1"/>
+                </a:solidFill>
+                <a:effectLst/>
+                <a:latin typeface="+mn-lt"/>
+                <a:ea typeface="+mn-ea"/>
+                <a:cs typeface="+mn-cs"/>
+              </a:rPr>
+              <a:t>Amd</a:t>
+            </a:r>
+            <a:r>
+              <a:rPr lang="de-DE" sz="1200" kern="1200" dirty="0">
+                <a:solidFill>
+                  <a:schemeClr val="tx1"/>
+                </a:solidFill>
+                <a:effectLst/>
+                <a:latin typeface="+mn-lt"/>
+                <a:ea typeface="+mn-ea"/>
+                <a:cs typeface="+mn-cs"/>
+              </a:rPr>
+              <a:t>, Compaq</a:t>
+            </a:r>
+          </a:p>
+          <a:p>
+            <a:endParaRPr lang="de-DE" sz="1200" kern="1200" dirty="0">
+              <a:solidFill>
+                <a:schemeClr val="tx1"/>
+              </a:solidFill>
+              <a:effectLst/>
+              <a:latin typeface="+mn-lt"/>
+              <a:ea typeface="+mn-ea"/>
+              <a:cs typeface="+mn-cs"/>
+            </a:endParaRPr>
+          </a:p>
+          <a:p>
+            <a:r>
+              <a:rPr lang="de-DE" sz="1200" kern="1200" dirty="0">
+                <a:solidFill>
+                  <a:schemeClr val="tx1"/>
+                </a:solidFill>
+                <a:effectLst/>
+                <a:latin typeface="+mn-lt"/>
+                <a:ea typeface="+mn-ea"/>
+                <a:cs typeface="+mn-cs"/>
+              </a:rPr>
+              <a:t>Funktioniert nicht bei </a:t>
+            </a:r>
+            <a:r>
+              <a:rPr lang="de-DE" sz="1200" kern="1200" dirty="0" err="1">
+                <a:solidFill>
+                  <a:schemeClr val="tx1"/>
+                </a:solidFill>
+                <a:effectLst/>
+                <a:latin typeface="+mn-lt"/>
+                <a:ea typeface="+mn-ea"/>
+                <a:cs typeface="+mn-cs"/>
+              </a:rPr>
+              <a:t>systemen</a:t>
+            </a:r>
+            <a:r>
+              <a:rPr lang="de-DE" sz="1200" kern="1200" dirty="0">
+                <a:solidFill>
+                  <a:schemeClr val="tx1"/>
+                </a:solidFill>
+                <a:effectLst/>
+                <a:latin typeface="+mn-lt"/>
+                <a:ea typeface="+mn-ea"/>
+                <a:cs typeface="+mn-cs"/>
+              </a:rPr>
+              <a:t> mit verteiltem </a:t>
+            </a:r>
+            <a:r>
+              <a:rPr lang="de-DE" sz="1200" kern="1200" dirty="0" err="1">
+                <a:solidFill>
+                  <a:schemeClr val="tx1"/>
+                </a:solidFill>
+                <a:effectLst/>
+                <a:latin typeface="+mn-lt"/>
+                <a:ea typeface="+mn-ea"/>
+                <a:cs typeface="+mn-cs"/>
+              </a:rPr>
+              <a:t>speicher</a:t>
+            </a:r>
+            <a:r>
+              <a:rPr lang="de-DE" sz="1200" kern="1200" dirty="0">
+                <a:solidFill>
+                  <a:schemeClr val="tx1"/>
+                </a:solidFill>
+                <a:effectLst/>
+                <a:latin typeface="+mn-lt"/>
+                <a:ea typeface="+mn-ea"/>
+                <a:cs typeface="+mn-cs"/>
+              </a:rPr>
+              <a:t>, warum erkennt man später</a:t>
+            </a:r>
+          </a:p>
+          <a:p>
+            <a:endParaRPr lang="de-DE" sz="1200" kern="1200" dirty="0">
+              <a:solidFill>
+                <a:schemeClr val="tx1"/>
+              </a:solidFill>
+              <a:effectLst/>
+              <a:latin typeface="+mn-lt"/>
+              <a:ea typeface="+mn-ea"/>
+              <a:cs typeface="+mn-cs"/>
+            </a:endParaRPr>
+          </a:p>
+          <a:p>
+            <a:r>
+              <a:rPr lang="de-DE" sz="1200" kern="1200" dirty="0">
+                <a:solidFill>
+                  <a:schemeClr val="tx1"/>
+                </a:solidFill>
+                <a:effectLst/>
+                <a:latin typeface="+mn-lt"/>
+                <a:ea typeface="+mn-ea"/>
+                <a:cs typeface="+mn-cs"/>
+              </a:rPr>
+              <a:t>Keine Überprüfung der </a:t>
+            </a:r>
+            <a:r>
+              <a:rPr lang="de-DE" sz="1200" kern="1200" dirty="0" err="1">
+                <a:solidFill>
+                  <a:schemeClr val="tx1"/>
+                </a:solidFill>
+                <a:effectLst/>
+                <a:latin typeface="+mn-lt"/>
+                <a:ea typeface="+mn-ea"/>
+                <a:cs typeface="+mn-cs"/>
+              </a:rPr>
+              <a:t>genutzen</a:t>
+            </a:r>
+            <a:r>
+              <a:rPr lang="de-DE" sz="1200" kern="1200" dirty="0">
+                <a:solidFill>
+                  <a:schemeClr val="tx1"/>
+                </a:solidFill>
+                <a:effectLst/>
+                <a:latin typeface="+mn-lt"/>
+                <a:ea typeface="+mn-ea"/>
+                <a:cs typeface="+mn-cs"/>
+              </a:rPr>
+              <a:t> direktiven im </a:t>
+            </a:r>
+            <a:r>
+              <a:rPr lang="de-DE" sz="1200" kern="1200" dirty="0" err="1">
+                <a:solidFill>
+                  <a:schemeClr val="tx1"/>
+                </a:solidFill>
+                <a:effectLst/>
+                <a:latin typeface="+mn-lt"/>
+                <a:ea typeface="+mn-ea"/>
+                <a:cs typeface="+mn-cs"/>
+              </a:rPr>
+              <a:t>hinblick</a:t>
+            </a:r>
+            <a:r>
+              <a:rPr lang="de-DE" sz="1200" kern="1200" dirty="0">
+                <a:solidFill>
+                  <a:schemeClr val="tx1"/>
+                </a:solidFill>
+                <a:effectLst/>
+                <a:latin typeface="+mn-lt"/>
+                <a:ea typeface="+mn-ea"/>
+                <a:cs typeface="+mn-cs"/>
+              </a:rPr>
+              <a:t> auf die Korrektheit (Deadlocks, Datenabhängigkeiten) =&gt; man muss wissen was man macht</a:t>
+            </a:r>
             <a:endParaRPr lang="de-DE" dirty="0"/>
           </a:p>
         </p:txBody>
@@ -695,154 +1566,152 @@
           <a:lstStyle/>
           <a:p>
             <a:r>
-              <a:rPr lang="de-DE" sz="1200" kern="1200" dirty="0">
-                <a:solidFill>
-                  <a:schemeClr val="tx1"/>
-                </a:solidFill>
-                <a:effectLst/>
-                <a:latin typeface="+mn-lt"/>
-                <a:ea typeface="+mn-ea"/>
-                <a:cs typeface="+mn-cs"/>
-              </a:rPr>
-              <a:t>Gemeinsame Daten:</a:t>
-            </a:r>
-          </a:p>
-          <a:p>
-            <a:r>
-              <a:rPr lang="de-DE" sz="1200" kern="1200" dirty="0">
-                <a:solidFill>
-                  <a:schemeClr val="tx1"/>
-                </a:solidFill>
-                <a:effectLst/>
-                <a:latin typeface="+mn-lt"/>
-                <a:ea typeface="+mn-ea"/>
-                <a:cs typeface="+mn-cs"/>
-              </a:rPr>
-              <a:t>sind allen Threads bekannt und von diesen zugreifbar</a:t>
-            </a:r>
-          </a:p>
-          <a:p>
-            <a:r>
-              <a:rPr lang="de-DE" sz="1200" kern="1200" dirty="0">
-                <a:solidFill>
-                  <a:schemeClr val="tx1"/>
-                </a:solidFill>
-                <a:effectLst/>
-                <a:latin typeface="+mn-lt"/>
-                <a:ea typeface="+mn-ea"/>
-                <a:cs typeface="+mn-cs"/>
-              </a:rPr>
-              <a:t>alle Threads, die auf diese Daten zugreifen, greifen auf die selbe Speicherstelle zu</a:t>
-            </a:r>
-          </a:p>
-          <a:p>
-            <a:r>
-              <a:rPr lang="de-DE" sz="1200" kern="1200" dirty="0">
-                <a:solidFill>
-                  <a:schemeClr val="tx1"/>
-                </a:solidFill>
-                <a:effectLst/>
-                <a:latin typeface="+mn-lt"/>
-                <a:ea typeface="+mn-ea"/>
-                <a:cs typeface="+mn-cs"/>
-              </a:rPr>
-              <a:t>Threads kommunizieren miteinander oder synchronisieren sich über gemeinsame Daten</a:t>
-            </a:r>
-          </a:p>
-          <a:p>
-            <a:endParaRPr lang="de-DE" sz="1200" kern="1200" dirty="0">
-              <a:solidFill>
-                <a:schemeClr val="tx1"/>
-              </a:solidFill>
-              <a:effectLst/>
-              <a:latin typeface="+mn-lt"/>
-              <a:ea typeface="+mn-ea"/>
-              <a:cs typeface="+mn-cs"/>
-            </a:endParaRPr>
-          </a:p>
-          <a:p>
-            <a:r>
-              <a:rPr lang="de-DE" sz="1200" kern="1200" dirty="0">
-                <a:solidFill>
-                  <a:schemeClr val="tx1"/>
-                </a:solidFill>
-                <a:effectLst/>
-                <a:latin typeface="+mn-lt"/>
-                <a:ea typeface="+mn-ea"/>
-                <a:cs typeface="+mn-cs"/>
-              </a:rPr>
-              <a:t>Private Daten:</a:t>
-            </a:r>
-          </a:p>
-          <a:p>
-            <a:r>
-              <a:rPr lang="de-DE" sz="1200" kern="1200" dirty="0">
-                <a:solidFill>
-                  <a:schemeClr val="tx1"/>
-                </a:solidFill>
-                <a:effectLst/>
-                <a:latin typeface="+mn-lt"/>
-                <a:ea typeface="+mn-ea"/>
-                <a:cs typeface="+mn-cs"/>
-              </a:rPr>
-              <a:t>jeder Thread legt seine eigene private Kopie an</a:t>
-            </a:r>
-          </a:p>
-          <a:p>
-            <a:r>
-              <a:rPr lang="de-DE" sz="1200" kern="1200" dirty="0">
-                <a:solidFill>
-                  <a:schemeClr val="tx1"/>
-                </a:solidFill>
-                <a:effectLst/>
-                <a:latin typeface="+mn-lt"/>
-                <a:ea typeface="+mn-ea"/>
-                <a:cs typeface="+mn-cs"/>
-              </a:rPr>
-              <a:t>jeder Thread greift nur auf seine eigene Speicherstelle in seinem Ausführungskontext zu</a:t>
-            </a:r>
-          </a:p>
-          <a:p>
-            <a:r>
-              <a:rPr lang="de-DE" sz="1200" kern="1200" dirty="0">
-                <a:solidFill>
-                  <a:schemeClr val="tx1"/>
-                </a:solidFill>
-                <a:effectLst/>
-                <a:latin typeface="+mn-lt"/>
-                <a:ea typeface="+mn-ea"/>
-                <a:cs typeface="+mn-cs"/>
-              </a:rPr>
-              <a:t>nicht zugreifbar für andere Threads</a:t>
-            </a:r>
-          </a:p>
-          <a:p>
-            <a:r>
-              <a:rPr lang="de-DE" sz="1200" kern="1200" dirty="0">
-                <a:solidFill>
-                  <a:schemeClr val="tx1"/>
-                </a:solidFill>
-                <a:effectLst/>
-                <a:latin typeface="+mn-lt"/>
-                <a:ea typeface="+mn-ea"/>
-                <a:cs typeface="+mn-cs"/>
-              </a:rPr>
-              <a:t>existiert nur während der Ausführung einer parallelen Region</a:t>
-            </a:r>
-          </a:p>
-          <a:p>
-            <a:r>
-              <a:rPr lang="de-DE" sz="1200" kern="1200" dirty="0">
-                <a:solidFill>
-                  <a:schemeClr val="tx1"/>
-                </a:solidFill>
-                <a:effectLst/>
-                <a:latin typeface="+mn-lt"/>
-                <a:ea typeface="+mn-ea"/>
-                <a:cs typeface="+mn-cs"/>
-              </a:rPr>
-              <a:t>Wert beim Eintritt und Austritt in die parallele Region undefiniert</a:t>
-            </a:r>
+              <a:rPr lang="en-US" dirty="0" err="1"/>
+              <a:t>OpenMp</a:t>
+            </a:r>
+            <a:r>
+              <a:rPr lang="en-US" dirty="0"/>
+              <a:t> </a:t>
+            </a:r>
+            <a:r>
+              <a:rPr lang="en-US" dirty="0" err="1"/>
+              <a:t>basiert</a:t>
+            </a:r>
+            <a:r>
+              <a:rPr lang="en-US" dirty="0"/>
+              <a:t> auf </a:t>
+            </a:r>
+            <a:r>
+              <a:rPr lang="en-US" dirty="0" err="1"/>
+              <a:t>direktiven</a:t>
+            </a:r>
+            <a:r>
+              <a:rPr lang="en-US" dirty="0"/>
+              <a:t> </a:t>
+            </a:r>
+            <a:r>
+              <a:rPr lang="en-US" dirty="0" err="1"/>
+              <a:t>oder</a:t>
+            </a:r>
+            <a:r>
+              <a:rPr lang="en-US" dirty="0"/>
+              <a:t> </a:t>
+            </a:r>
+            <a:r>
+              <a:rPr lang="en-US" dirty="0" err="1"/>
+              <a:t>auch</a:t>
+            </a:r>
+            <a:r>
+              <a:rPr lang="en-US" dirty="0"/>
+              <a:t> pragmas</a:t>
+            </a:r>
+          </a:p>
+          <a:p>
+            <a:r>
+              <a:rPr lang="en-US" dirty="0" err="1"/>
+              <a:t>Diese</a:t>
+            </a:r>
+            <a:r>
+              <a:rPr lang="en-US" dirty="0"/>
+              <a:t> </a:t>
+            </a:r>
+            <a:r>
+              <a:rPr lang="en-US" dirty="0" err="1"/>
+              <a:t>geben</a:t>
+            </a:r>
+            <a:r>
+              <a:rPr lang="en-US" dirty="0"/>
+              <a:t> </a:t>
+            </a:r>
+            <a:r>
+              <a:rPr lang="en-US" dirty="0" err="1"/>
+              <a:t>Instruktionen</a:t>
+            </a:r>
+            <a:r>
+              <a:rPr lang="en-US" dirty="0"/>
+              <a:t> an den Compiler, </a:t>
+            </a:r>
+            <a:r>
+              <a:rPr lang="en-US" dirty="0" err="1"/>
+              <a:t>wenn</a:t>
+            </a:r>
+            <a:r>
+              <a:rPr lang="en-US" dirty="0"/>
+              <a:t> </a:t>
+            </a:r>
+            <a:r>
+              <a:rPr lang="en-US" dirty="0" err="1"/>
+              <a:t>OpenMp</a:t>
+            </a:r>
+            <a:r>
+              <a:rPr lang="en-US" dirty="0"/>
+              <a:t> </a:t>
+            </a:r>
+            <a:r>
+              <a:rPr lang="en-US" dirty="0" err="1"/>
+              <a:t>unterstützt</a:t>
+            </a:r>
+            <a:r>
+              <a:rPr lang="en-US" dirty="0"/>
+              <a:t> </a:t>
+            </a:r>
+            <a:r>
+              <a:rPr lang="en-US" dirty="0" err="1"/>
+              <a:t>wird</a:t>
+            </a:r>
+            <a:endParaRPr lang="en-US" dirty="0"/>
+          </a:p>
+          <a:p>
+            <a:endParaRPr lang="de-DE" dirty="0"/>
+          </a:p>
+          <a:p>
+            <a:r>
+              <a:rPr lang="de-DE" dirty="0"/>
+              <a:t>Dabei definiert man Kontrollstrukturen die die Parallelisierung beschreiben und auch wie die Daten dabei Synchronisiert </a:t>
+            </a:r>
+            <a:r>
+              <a:rPr lang="de-DE" dirty="0" err="1"/>
+              <a:t>wrden</a:t>
+            </a:r>
+            <a:r>
+              <a:rPr lang="de-DE" dirty="0"/>
+              <a:t> müssen</a:t>
+            </a:r>
+          </a:p>
+          <a:p>
+            <a:endParaRPr lang="de-DE" dirty="0"/>
+          </a:p>
+          <a:p>
+            <a:r>
+              <a:rPr lang="de-DE" dirty="0"/>
+              <a:t>Eine </a:t>
+            </a:r>
+            <a:r>
+              <a:rPr lang="de-DE" dirty="0" err="1"/>
+              <a:t>OpenMp</a:t>
+            </a:r>
+            <a:r>
+              <a:rPr lang="de-DE" dirty="0"/>
+              <a:t> </a:t>
+            </a:r>
+            <a:r>
+              <a:rPr lang="de-DE" dirty="0" err="1"/>
+              <a:t>directive</a:t>
+            </a:r>
+            <a:r>
+              <a:rPr lang="de-DE" dirty="0"/>
+              <a:t> ist immer mit dem darauf folgenden </a:t>
+            </a:r>
+            <a:r>
+              <a:rPr lang="de-DE" dirty="0" err="1"/>
+              <a:t>struktur</a:t>
+            </a:r>
+            <a:r>
+              <a:rPr lang="de-DE" dirty="0"/>
+              <a:t> block verbunden ( außer man klammert)</a:t>
+            </a:r>
+          </a:p>
+          <a:p>
             <a:endParaRPr lang="de-DE" dirty="0"/>
           </a:p>
         </p:txBody>
@@ -864,7 +1733,7 @@
           <a:p>
             <a:fld id="{67F32239-C198-46BF-8243-3DEE8544CFAA}" type="slidenum">
               <a:rPr lang="de-DE" smtClean="0"/>
-              <a:t>9</a:t>
+              <a:t>7</a:t>
             </a:fld>
             <a:endParaRPr lang="de-DE"/>
           </a:p>
@@ -873,7 +1742,7 @@
     </p:spTree>
     <p:extLst>
       <p:ext uri="{BB962C8B-B14F-4D97-AF65-F5344CB8AC3E}">
-        <p14:creationId xmlns:p14="http://schemas.microsoft.com/office/powerpoint/2010/main" val="1659285144"/>
+        <p14:creationId xmlns:p14="http://schemas.microsoft.com/office/powerpoint/2010/main" val="1676947879"/>
       </p:ext>
     </p:extLst>
   </p:cSld>
@@ -927,6 +1796,298 @@
           <a:bodyPr/>
           <a:lstStyle/>
           <a:p>
+            <a:r>
+              <a:rPr lang="de-DE" sz="1200" kern="1200" dirty="0" err="1">
+                <a:solidFill>
+                  <a:schemeClr val="tx1"/>
+                </a:solidFill>
+                <a:effectLst/>
+                <a:latin typeface="+mn-lt"/>
+                <a:ea typeface="+mn-ea"/>
+                <a:cs typeface="+mn-cs"/>
+              </a:rPr>
+              <a:t>OpenMP</a:t>
+            </a:r>
+            <a:r>
+              <a:rPr lang="de-DE" sz="1200" kern="1200" dirty="0">
+                <a:solidFill>
+                  <a:schemeClr val="tx1"/>
+                </a:solidFill>
+                <a:effectLst/>
+                <a:latin typeface="+mn-lt"/>
+                <a:ea typeface="+mn-ea"/>
+                <a:cs typeface="+mn-cs"/>
+              </a:rPr>
+              <a:t> basiert auf dem </a:t>
+            </a:r>
+            <a:r>
+              <a:rPr lang="de-DE" sz="1200" kern="1200" dirty="0" err="1">
+                <a:solidFill>
+                  <a:schemeClr val="tx1"/>
+                </a:solidFill>
+                <a:effectLst/>
+                <a:latin typeface="+mn-lt"/>
+                <a:ea typeface="+mn-ea"/>
+                <a:cs typeface="+mn-cs"/>
+              </a:rPr>
+              <a:t>fork</a:t>
+            </a:r>
+            <a:r>
+              <a:rPr lang="de-DE" sz="1200" kern="1200" dirty="0">
+                <a:solidFill>
+                  <a:schemeClr val="tx1"/>
+                </a:solidFill>
+                <a:effectLst/>
+                <a:latin typeface="+mn-lt"/>
+                <a:ea typeface="+mn-ea"/>
+                <a:cs typeface="+mn-cs"/>
+              </a:rPr>
+              <a:t>/</a:t>
+            </a:r>
+            <a:r>
+              <a:rPr lang="de-DE" sz="1200" kern="1200" dirty="0" err="1">
+                <a:solidFill>
+                  <a:schemeClr val="tx1"/>
+                </a:solidFill>
+                <a:effectLst/>
+                <a:latin typeface="+mn-lt"/>
+                <a:ea typeface="+mn-ea"/>
+                <a:cs typeface="+mn-cs"/>
+              </a:rPr>
+              <a:t>join</a:t>
+            </a:r>
+            <a:r>
+              <a:rPr lang="de-DE" sz="1200" kern="1200" dirty="0">
+                <a:solidFill>
+                  <a:schemeClr val="tx1"/>
+                </a:solidFill>
+                <a:effectLst/>
+                <a:latin typeface="+mn-lt"/>
+                <a:ea typeface="+mn-ea"/>
+                <a:cs typeface="+mn-cs"/>
+              </a:rPr>
+              <a:t> Modell</a:t>
+            </a:r>
+          </a:p>
+          <a:p>
+            <a:endParaRPr lang="de-DE" sz="1200" kern="1200" dirty="0">
+              <a:solidFill>
+                <a:schemeClr val="tx1"/>
+              </a:solidFill>
+              <a:effectLst/>
+              <a:latin typeface="+mn-lt"/>
+              <a:ea typeface="+mn-ea"/>
+              <a:cs typeface="+mn-cs"/>
+            </a:endParaRPr>
+          </a:p>
+          <a:p>
+            <a:r>
+              <a:rPr lang="de-DE" sz="1200" kern="1200" dirty="0">
+                <a:solidFill>
+                  <a:schemeClr val="tx1"/>
+                </a:solidFill>
+                <a:effectLst/>
+                <a:latin typeface="+mn-lt"/>
+                <a:ea typeface="+mn-ea"/>
+                <a:cs typeface="+mn-cs"/>
+              </a:rPr>
+              <a:t>Ein </a:t>
+            </a:r>
+            <a:r>
+              <a:rPr lang="de-DE" sz="1200" kern="1200" dirty="0" err="1">
+                <a:solidFill>
+                  <a:schemeClr val="tx1"/>
+                </a:solidFill>
+                <a:effectLst/>
+                <a:latin typeface="+mn-lt"/>
+                <a:ea typeface="+mn-ea"/>
+                <a:cs typeface="+mn-cs"/>
+              </a:rPr>
+              <a:t>OpenMP</a:t>
+            </a:r>
+            <a:r>
+              <a:rPr lang="de-DE" sz="1200" kern="1200" dirty="0">
+                <a:solidFill>
+                  <a:schemeClr val="tx1"/>
+                </a:solidFill>
+                <a:effectLst/>
+                <a:latin typeface="+mn-lt"/>
+                <a:ea typeface="+mn-ea"/>
+                <a:cs typeface="+mn-cs"/>
+              </a:rPr>
+              <a:t>-Programm startet als einzelner Thread (</a:t>
+            </a:r>
+            <a:r>
+              <a:rPr lang="de-DE" sz="1200" kern="1200" dirty="0" err="1">
+                <a:solidFill>
+                  <a:schemeClr val="tx1"/>
+                </a:solidFill>
+                <a:effectLst/>
+                <a:latin typeface="+mn-lt"/>
+                <a:ea typeface="+mn-ea"/>
+                <a:cs typeface="+mn-cs"/>
+              </a:rPr>
+              <a:t>master</a:t>
+            </a:r>
+            <a:r>
+              <a:rPr lang="de-DE" sz="1200" kern="1200" dirty="0">
+                <a:solidFill>
+                  <a:schemeClr val="tx1"/>
+                </a:solidFill>
+                <a:effectLst/>
+                <a:latin typeface="+mn-lt"/>
+                <a:ea typeface="+mn-ea"/>
+                <a:cs typeface="+mn-cs"/>
+              </a:rPr>
+              <a:t> </a:t>
+            </a:r>
+            <a:r>
+              <a:rPr lang="de-DE" sz="1200" kern="1200" dirty="0" err="1">
+                <a:solidFill>
+                  <a:schemeClr val="tx1"/>
+                </a:solidFill>
+                <a:effectLst/>
+                <a:latin typeface="+mn-lt"/>
+                <a:ea typeface="+mn-ea"/>
+                <a:cs typeface="+mn-cs"/>
+              </a:rPr>
+              <a:t>thread</a:t>
+            </a:r>
+            <a:r>
+              <a:rPr lang="de-DE" sz="1200" kern="1200" dirty="0">
+                <a:solidFill>
+                  <a:schemeClr val="tx1"/>
+                </a:solidFill>
+                <a:effectLst/>
+                <a:latin typeface="+mn-lt"/>
+                <a:ea typeface="+mn-ea"/>
+                <a:cs typeface="+mn-cs"/>
+              </a:rPr>
+              <a:t>). Weitere Threads (Team) werden durch eine parallele Region erzeugt und am Ende der parallelen Region wieder zurückgegeben</a:t>
+            </a:r>
+          </a:p>
+          <a:p>
+            <a:endParaRPr lang="de-DE" sz="1200" kern="1200" dirty="0">
+              <a:solidFill>
+                <a:schemeClr val="tx1"/>
+              </a:solidFill>
+              <a:effectLst/>
+              <a:latin typeface="+mn-lt"/>
+              <a:ea typeface="+mn-ea"/>
+              <a:cs typeface="+mn-cs"/>
+            </a:endParaRPr>
+          </a:p>
+          <a:p>
+            <a:r>
+              <a:rPr lang="de-DE" sz="1200" kern="1200" dirty="0">
+                <a:solidFill>
+                  <a:schemeClr val="tx1"/>
+                </a:solidFill>
+                <a:effectLst/>
+                <a:latin typeface="+mn-lt"/>
+                <a:ea typeface="+mn-ea"/>
+                <a:cs typeface="+mn-cs"/>
+              </a:rPr>
+              <a:t>Ein Team besteht aus einer festen Anzahl  von Threads, die die parallele Region redundant abarbeiten</a:t>
+            </a:r>
+          </a:p>
+          <a:p>
+            <a:endParaRPr lang="de-DE" sz="1200" kern="1200" dirty="0">
+              <a:solidFill>
+                <a:schemeClr val="tx1"/>
+              </a:solidFill>
+              <a:effectLst/>
+              <a:latin typeface="+mn-lt"/>
+              <a:ea typeface="+mn-ea"/>
+              <a:cs typeface="+mn-cs"/>
+            </a:endParaRPr>
+          </a:p>
+          <a:p>
+            <a:r>
+              <a:rPr lang="de-DE" sz="1200" kern="1200" dirty="0">
+                <a:solidFill>
+                  <a:schemeClr val="tx1"/>
+                </a:solidFill>
+                <a:effectLst/>
+                <a:latin typeface="+mn-lt"/>
+                <a:ea typeface="+mn-ea"/>
+                <a:cs typeface="+mn-cs"/>
+              </a:rPr>
+              <a:t>Am Ende der parallelen Region findet eine Synchronisation aller Threads im Team statt</a:t>
+            </a:r>
+          </a:p>
+          <a:p>
+            <a:endParaRPr lang="de-DE" sz="1200" kern="1200" dirty="0">
+              <a:solidFill>
+                <a:schemeClr val="tx1"/>
+              </a:solidFill>
+              <a:effectLst/>
+              <a:latin typeface="+mn-lt"/>
+              <a:ea typeface="+mn-ea"/>
+              <a:cs typeface="+mn-cs"/>
+            </a:endParaRPr>
+          </a:p>
+          <a:p>
+            <a:r>
+              <a:rPr lang="de-DE" sz="1200" kern="1200" dirty="0">
+                <a:solidFill>
+                  <a:schemeClr val="tx1"/>
+                </a:solidFill>
+                <a:effectLst/>
+                <a:latin typeface="+mn-lt"/>
+                <a:ea typeface="+mn-ea"/>
+                <a:cs typeface="+mn-cs"/>
+              </a:rPr>
+              <a:t>Nach der parallelen Region führt der </a:t>
+            </a:r>
+            <a:r>
+              <a:rPr lang="de-DE" sz="1200" kern="1200" dirty="0" err="1">
+                <a:solidFill>
+                  <a:schemeClr val="tx1"/>
+                </a:solidFill>
+                <a:effectLst/>
+                <a:latin typeface="+mn-lt"/>
+                <a:ea typeface="+mn-ea"/>
+                <a:cs typeface="+mn-cs"/>
+              </a:rPr>
+              <a:t>master</a:t>
+            </a:r>
+            <a:r>
+              <a:rPr lang="de-DE" sz="1200" kern="1200" dirty="0">
+                <a:solidFill>
+                  <a:schemeClr val="tx1"/>
+                </a:solidFill>
+                <a:effectLst/>
+                <a:latin typeface="+mn-lt"/>
+                <a:ea typeface="+mn-ea"/>
+                <a:cs typeface="+mn-cs"/>
+              </a:rPr>
+              <a:t> </a:t>
+            </a:r>
+            <a:r>
+              <a:rPr lang="de-DE" sz="1200" kern="1200" dirty="0" err="1">
+                <a:solidFill>
+                  <a:schemeClr val="tx1"/>
+                </a:solidFill>
+                <a:effectLst/>
+                <a:latin typeface="+mn-lt"/>
+                <a:ea typeface="+mn-ea"/>
+                <a:cs typeface="+mn-cs"/>
+              </a:rPr>
+              <a:t>thread</a:t>
+            </a:r>
+            <a:r>
+              <a:rPr lang="de-DE" sz="1200" kern="1200" dirty="0">
+                <a:solidFill>
+                  <a:schemeClr val="tx1"/>
+                </a:solidFill>
+                <a:effectLst/>
+                <a:latin typeface="+mn-lt"/>
+                <a:ea typeface="+mn-ea"/>
+                <a:cs typeface="+mn-cs"/>
+              </a:rPr>
+              <a:t> den Code (sequentiell) fort</a:t>
+            </a:r>
             <a:endParaRPr lang="de-DE" dirty="0"/>
           </a:p>
         </p:txBody>
@@ -948,7 +2109,7 @@
           <a:p>
             <a:fld id="{67F32239-C198-46BF-8243-3DEE8544CFAA}" type="slidenum">
               <a:rPr lang="de-DE" smtClean="0"/>
-              <a:t>15</a:t>
+              <a:t>8</a:t>
             </a:fld>
             <a:endParaRPr lang="de-DE"/>
           </a:p>
@@ -957,7 +2118,7 @@
     </p:spTree>
     <p:extLst>
       <p:ext uri="{BB962C8B-B14F-4D97-AF65-F5344CB8AC3E}">
-        <p14:creationId xmlns:p14="http://schemas.microsoft.com/office/powerpoint/2010/main" val="1955124107"/>
+        <p14:creationId xmlns:p14="http://schemas.microsoft.com/office/powerpoint/2010/main" val="1569336112"/>
       </p:ext>
     </p:extLst>
   </p:cSld>
@@ -1011,6 +2172,155 @@
           <a:bodyPr/>
           <a:lstStyle/>
           <a:p>
+            <a:r>
+              <a:rPr lang="de-DE" sz="1200" kern="1200" dirty="0">
+                <a:solidFill>
+                  <a:schemeClr val="tx1"/>
+                </a:solidFill>
+                <a:effectLst/>
+                <a:latin typeface="+mn-lt"/>
+                <a:ea typeface="+mn-ea"/>
+                <a:cs typeface="+mn-cs"/>
+              </a:rPr>
+              <a:t>Gemeinsame Daten:</a:t>
+            </a:r>
+          </a:p>
+          <a:p>
+            <a:r>
+              <a:rPr lang="de-DE" sz="1200" kern="1200" dirty="0">
+                <a:solidFill>
+                  <a:schemeClr val="tx1"/>
+                </a:solidFill>
+                <a:effectLst/>
+                <a:latin typeface="+mn-lt"/>
+                <a:ea typeface="+mn-ea"/>
+                <a:cs typeface="+mn-cs"/>
+              </a:rPr>
+              <a:t>sind allen Threads bekannt und von diesen zugreifbar</a:t>
+            </a:r>
+          </a:p>
+          <a:p>
+            <a:r>
+              <a:rPr lang="de-DE" sz="1200" kern="1200" dirty="0">
+                <a:solidFill>
+                  <a:schemeClr val="tx1"/>
+                </a:solidFill>
+                <a:effectLst/>
+                <a:latin typeface="+mn-lt"/>
+                <a:ea typeface="+mn-ea"/>
+                <a:cs typeface="+mn-cs"/>
+              </a:rPr>
+              <a:t>alle Threads, die auf diese Daten zugreifen, greifen auf die selbe Speicherstelle zu</a:t>
+            </a:r>
+          </a:p>
+          <a:p>
+            <a:r>
+              <a:rPr lang="de-DE" sz="1200" kern="1200" dirty="0">
+                <a:solidFill>
+                  <a:schemeClr val="tx1"/>
+                </a:solidFill>
+                <a:effectLst/>
+                <a:latin typeface="+mn-lt"/>
+                <a:ea typeface="+mn-ea"/>
+                <a:cs typeface="+mn-cs"/>
+              </a:rPr>
+              <a:t>Threads kommunizieren miteinander oder synchronisieren sich über gemeinsame Daten</a:t>
+            </a:r>
+          </a:p>
+          <a:p>
+            <a:endParaRPr lang="de-DE" sz="1200" kern="1200" dirty="0">
+              <a:solidFill>
+                <a:schemeClr val="tx1"/>
+              </a:solidFill>
+              <a:effectLst/>
+              <a:latin typeface="+mn-lt"/>
+              <a:ea typeface="+mn-ea"/>
+              <a:cs typeface="+mn-cs"/>
+            </a:endParaRPr>
+          </a:p>
+          <a:p>
+            <a:r>
+              <a:rPr lang="de-DE" sz="1200" kern="1200" dirty="0">
+                <a:solidFill>
+                  <a:schemeClr val="tx1"/>
+                </a:solidFill>
+                <a:effectLst/>
+                <a:latin typeface="+mn-lt"/>
+                <a:ea typeface="+mn-ea"/>
+                <a:cs typeface="+mn-cs"/>
+              </a:rPr>
+              <a:t>Private Daten:</a:t>
+            </a:r>
+          </a:p>
+          <a:p>
+            <a:r>
+              <a:rPr lang="de-DE" sz="1200" kern="1200" dirty="0">
+                <a:solidFill>
+                  <a:schemeClr val="tx1"/>
+                </a:solidFill>
+                <a:effectLst/>
+                <a:latin typeface="+mn-lt"/>
+                <a:ea typeface="+mn-ea"/>
+                <a:cs typeface="+mn-cs"/>
+              </a:rPr>
+              <a:t>jeder Thread legt seine eigene private Kopie an</a:t>
+            </a:r>
+          </a:p>
+          <a:p>
+            <a:r>
+              <a:rPr lang="de-DE" sz="1200" kern="1200" dirty="0">
+                <a:solidFill>
+                  <a:schemeClr val="tx1"/>
+                </a:solidFill>
+                <a:effectLst/>
+                <a:latin typeface="+mn-lt"/>
+                <a:ea typeface="+mn-ea"/>
+                <a:cs typeface="+mn-cs"/>
+              </a:rPr>
+              <a:t>jeder Thread greift nur auf seine eigene Speicherstelle in seinem Ausführungskontext zu</a:t>
+            </a:r>
+          </a:p>
+          <a:p>
+            <a:r>
+              <a:rPr lang="de-DE" sz="1200" kern="1200" dirty="0">
+                <a:solidFill>
+                  <a:schemeClr val="tx1"/>
+                </a:solidFill>
+                <a:effectLst/>
+                <a:latin typeface="+mn-lt"/>
+                <a:ea typeface="+mn-ea"/>
+                <a:cs typeface="+mn-cs"/>
+              </a:rPr>
+              <a:t>nicht zugreifbar für andere Threads</a:t>
+            </a:r>
+          </a:p>
+          <a:p>
+            <a:r>
+              <a:rPr lang="de-DE" sz="1200" kern="1200" dirty="0">
+                <a:solidFill>
+                  <a:schemeClr val="tx1"/>
+                </a:solidFill>
+                <a:effectLst/>
+                <a:latin typeface="+mn-lt"/>
+                <a:ea typeface="+mn-ea"/>
+                <a:cs typeface="+mn-cs"/>
+              </a:rPr>
+              <a:t>existiert nur während der Ausführung einer parallelen Region</a:t>
+            </a:r>
+          </a:p>
+          <a:p>
+            <a:r>
+              <a:rPr lang="de-DE" sz="1200" kern="1200" dirty="0">
+                <a:solidFill>
+                  <a:schemeClr val="tx1"/>
+                </a:solidFill>
+                <a:effectLst/>
+                <a:latin typeface="+mn-lt"/>
+                <a:ea typeface="+mn-ea"/>
+                <a:cs typeface="+mn-cs"/>
+              </a:rPr>
+              <a:t>Wert beim Eintritt und Austritt in die parallele Region undefiniert</a:t>
+            </a:r>
             <a:endParaRPr lang="de-DE" dirty="0"/>
           </a:p>
         </p:txBody>
@@ -1032,7 +2342,7 @@
           <a:p>
             <a:fld id="{67F32239-C198-46BF-8243-3DEE8544CFAA}" type="slidenum">
               <a:rPr lang="de-DE" smtClean="0"/>
-              <a:t>17</a:t>
+              <a:t>9</a:t>
             </a:fld>
             <a:endParaRPr lang="de-DE"/>
           </a:p>
@@ -1041,7 +2351,7 @@
     </p:spTree>
     <p:extLst>
       <p:ext uri="{BB962C8B-B14F-4D97-AF65-F5344CB8AC3E}">
-        <p14:creationId xmlns:p14="http://schemas.microsoft.com/office/powerpoint/2010/main" val="1307838226"/>
+        <p14:creationId xmlns:p14="http://schemas.microsoft.com/office/powerpoint/2010/main" val="1659285144"/>
       </p:ext>
     </p:extLst>
   </p:cSld>
@@ -1095,8 +2405,92 @@
           <a:bodyPr/>
           <a:lstStyle/>
           <a:p>
-            <a:r>
-              <a:rPr lang="de-DE" sz="1200" b="0" i="0" kern="1200" dirty="0" err="1">
+            <a:endParaRPr lang="de-DE" dirty="0"/>
+          </a:p>
+        </p:txBody>
+      </p:sp>
+      <p:sp>
+        <p:nvSpPr>
+          <p:cNvPr id="4" name="Foliennummernplatzhalter 3"/>
+          <p:cNvSpPr>
+            <a:spLocks noGrp="1"/>
+          </p:cNvSpPr>
+          <p:nvPr>
+            <p:ph type="sldNum" sz="quarter" idx="5"/>
+          </p:nvPr>
+        </p:nvSpPr>
+        <p:spPr/>
+        <p:txBody>
+          <a:bodyPr/>
+          <a:lstStyle/>
+          <a:p>
+            <a:fld id="{67F32239-C198-46BF-8243-3DEE8544CFAA}" type="slidenum">
+              <a:rPr lang="de-DE" smtClean="0"/>
+              <a:t>10</a:t>
+            </a:fld>
+            <a:endParaRPr lang="de-DE"/>
+          </a:p>
+        </p:txBody>
+      </p:sp>
+    </p:spTree>
+    <p:extLst>
+      <p:ext uri="{BB962C8B-B14F-4D97-AF65-F5344CB8AC3E}">
+        <p14:creationId xmlns:p14="http://schemas.microsoft.com/office/powerpoint/2010/main" val="4221942547"/>
+      </p:ext>
+    </p:extLst>
+  </p:cSld>
+  <p:clrMapOvr>
+    <a:masterClrMapping/>
+  </p:clrMapOvr>
+</p:notes>
+</file>
+
+<file path=ppt/notesSlides/notesSlide7.xml><?xml version="1.0" encoding="utf-8"?>
+<p:notes xmlns:a="http://schemas.openxmlformats.org/drawingml/2006/main" xmlns:r="http://schemas.openxmlformats.org/officeDocument/2006/relationships" xmlns:p="http://schemas.openxmlformats.org/presentationml/2006/main">
+  <p:cSld>
+    <p:spTree>
+      <p:nvGrpSpPr>
+        <p:cNvPr id="1" name=""/>
+        <p:cNvGrpSpPr/>
+        <p:nvPr/>
+      </p:nvGrpSpPr>
+      <p:grpSpPr>
+        <a:xfrm>
+          <a:off x="0" y="0"/>
+          <a:ext cx="0" cy="0"/>
+          <a:chOff x="0" y="0"/>
+          <a:chExt cx="0" cy="0"/>
+        </a:xfrm>
+      </p:grpSpPr>
+      <p:sp>
+        <p:nvSpPr>
+          <p:cNvPr id="2" name="Folienbildplatzhalter 1"/>
+          <p:cNvSpPr>
+            <a:spLocks noGrp="1" noRot="1" noChangeAspect="1"/>
+          </p:cNvSpPr>
+          <p:nvPr>
+            <p:ph type="sldImg"/>
+          </p:nvPr>
+        </p:nvSpPr>
+        <p:spPr/>
+      </p:sp>
+      <p:sp>
+        <p:nvSpPr>
+          <p:cNvPr id="3" name="Notizenplatzhalter 2"/>
+          <p:cNvSpPr>
+            <a:spLocks noGrp="1"/>
+          </p:cNvSpPr>
+          <p:nvPr>
+            <p:ph type="body" idx="1"/>
+          </p:nvPr>
+        </p:nvSpPr>
+        <p:spPr/>
+        <p:txBody>
+          <a:bodyPr/>
+          <a:lstStyle/>
+          <a:p>
+            <a:r>
+              <a:rPr lang="de-DE" sz="1200" kern="1200" dirty="0">
                 <a:solidFill>
                   <a:schemeClr val="tx1"/>
                 </a:solidFill>
@@ -1105,10 +2499,23 @@
                 <a:ea typeface="+mn-ea"/>
                 <a:cs typeface="+mn-cs"/>
               </a:rPr>
-              <a:t>Let’s</a:t>
-            </a:r>
-            <a:r>
-              <a:rPr lang="de-DE" sz="1200" b="0" i="0" kern="1200" dirty="0">
+              <a:t>+erlaubt die Parallelisierung seriellen Codes durch Hinzufügen von Direktiven</a:t>
+            </a:r>
+          </a:p>
+          <a:p>
+            <a:endParaRPr lang="de-DE" sz="1200" kern="1200" dirty="0">
+              <a:solidFill>
+                <a:schemeClr val="tx1"/>
+              </a:solidFill>
+              <a:effectLst/>
+              <a:latin typeface="+mn-lt"/>
+              <a:ea typeface="+mn-ea"/>
+              <a:cs typeface="+mn-cs"/>
+            </a:endParaRPr>
+          </a:p>
+          <a:p>
+            <a:r>
+              <a:rPr lang="de-DE" sz="1200" kern="1200" dirty="0">
                 <a:solidFill>
                   <a:schemeClr val="tx1"/>
                 </a:solidFill>
@@ -1117,10 +2524,15 @@
                 <a:ea typeface="+mn-ea"/>
                 <a:cs typeface="+mn-cs"/>
               </a:rPr>
-              <a:t> </a:t>
-            </a:r>
-            <a:r>
-              <a:rPr lang="de-DE" sz="1200" b="0" i="0" kern="1200" dirty="0" err="1">
+              <a:t>+einfach und schnell zu implementieren</a:t>
+            </a:r>
+          </a:p>
+          <a:p>
+            <a:endParaRPr lang="de-DE" dirty="0"/>
+          </a:p>
+          <a:p>
+            <a:r>
+              <a:rPr lang="de-DE" sz="1200" kern="1200" dirty="0">
                 <a:solidFill>
                   <a:schemeClr val="tx1"/>
                 </a:solidFill>
@@ -1129,10 +2541,10 @@
                 <a:ea typeface="+mn-ea"/>
                 <a:cs typeface="+mn-cs"/>
               </a:rPr>
-              <a:t>compute</a:t>
-            </a:r>
-            <a:r>
-              <a:rPr lang="de-DE" sz="1200" b="0" i="0" kern="1200" dirty="0">
+              <a:t>+</a:t>
+            </a:r>
+            <a:r>
+              <a:rPr lang="de-DE" sz="1200" kern="1200" dirty="0" err="1">
                 <a:solidFill>
                   <a:schemeClr val="tx1"/>
                 </a:solidFill>
@@ -1141,10 +2553,10 @@
                 <a:ea typeface="+mn-ea"/>
                 <a:cs typeface="+mn-cs"/>
               </a:rPr>
-              <a:t> Fresnel </a:t>
-            </a:r>
-            <a:r>
-              <a:rPr lang="de-DE" sz="1200" b="0" i="0" kern="1200" dirty="0" err="1">
+              <a:t>aufblähung</a:t>
+            </a:r>
+            <a:r>
+              <a:rPr lang="de-DE" sz="1200" kern="1200" dirty="0">
                 <a:solidFill>
                   <a:schemeClr val="tx1"/>
                 </a:solidFill>
@@ -1153,10 +2565,23 @@
                 <a:ea typeface="+mn-ea"/>
                 <a:cs typeface="+mn-cs"/>
               </a:rPr>
-              <a:t>equations</a:t>
-            </a:r>
-            <a:r>
-              <a:rPr lang="de-DE" sz="1200" b="0" i="0" kern="1200" dirty="0">
+              <a:t> des Codes sehr gering (in der Regel 2 – 25%) =&gt; relativ sauberer code</a:t>
+            </a:r>
+          </a:p>
+          <a:p>
+            <a:endParaRPr lang="de-DE" sz="1200" kern="1200" dirty="0">
+              <a:solidFill>
+                <a:schemeClr val="tx1"/>
+              </a:solidFill>
+              <a:effectLst/>
+              <a:latin typeface="+mn-lt"/>
+              <a:ea typeface="+mn-ea"/>
+              <a:cs typeface="+mn-cs"/>
+            </a:endParaRPr>
+          </a:p>
+          <a:p>
+            <a:r>
+              <a:rPr lang="de-DE" sz="1200" kern="1200" dirty="0">
                 <a:solidFill>
                   <a:schemeClr val="tx1"/>
                 </a:solidFill>
@@ -1165,10 +2590,12 @@
                 <a:ea typeface="+mn-ea"/>
                 <a:cs typeface="+mn-cs"/>
               </a:rPr>
-              <a:t> </a:t>
-            </a:r>
-            <a:r>
-              <a:rPr lang="de-DE" sz="1200" b="0" i="0" kern="1200" dirty="0" err="1">
+              <a:t>-Spezieller Compiler wird benötigt</a:t>
+            </a:r>
+          </a:p>
+          <a:p>
+            <a:r>
+              <a:rPr lang="de-DE" sz="1200" kern="1200" dirty="0">
                 <a:solidFill>
                   <a:schemeClr val="tx1"/>
                 </a:solidFill>
@@ -1177,10 +2604,12 @@
                 <a:ea typeface="+mn-ea"/>
                 <a:cs typeface="+mn-cs"/>
               </a:rPr>
-              <a:t>that</a:t>
-            </a:r>
-            <a:r>
-              <a:rPr lang="de-DE" sz="1200" b="0" i="0" kern="1200" dirty="0">
+              <a:t>-kann nur auf Architekturen mit gemeinsamem Speicher verwendet werden</a:t>
+            </a:r>
+          </a:p>
+          <a:p>
+            <a:r>
+              <a:rPr lang="de-DE" sz="1200" kern="1200" dirty="0">
                 <a:solidFill>
                   <a:schemeClr val="tx1"/>
                 </a:solidFill>
@@ -1189,10 +2618,10 @@
                 <a:ea typeface="+mn-ea"/>
                 <a:cs typeface="+mn-cs"/>
               </a:rPr>
-              <a:t> </a:t>
-            </a:r>
-            <a:r>
-              <a:rPr lang="de-DE" sz="1200" b="0" i="0" kern="1200" dirty="0" err="1">
+              <a:t>- Kommunikation zwischen Threads werden implizit realisiert (schwer nachzuvollziehen, wann wird kommuniziert und wie, wie viel </a:t>
+            </a:r>
+            <a:r>
+              <a:rPr lang="de-DE" sz="1200" kern="1200" dirty="0" err="1">
                 <a:solidFill>
                   <a:schemeClr val="tx1"/>
                 </a:solidFill>
@@ -1201,10 +2630,10 @@
                 <a:ea typeface="+mn-ea"/>
                 <a:cs typeface="+mn-cs"/>
               </a:rPr>
-              <a:t>describe</a:t>
-            </a:r>
-            <a:r>
-              <a:rPr lang="de-DE" sz="1200" b="0" i="0" kern="1200" dirty="0">
+              <a:t>overhead</a:t>
+            </a:r>
+            <a:r>
+              <a:rPr lang="de-DE" sz="1200" kern="1200" dirty="0">
                 <a:solidFill>
                   <a:schemeClr val="tx1"/>
                 </a:solidFill>
@@ -1213,345 +2642,9 @@
                 <a:ea typeface="+mn-ea"/>
                 <a:cs typeface="+mn-cs"/>
               </a:rPr>
-              <a:t> </a:t>
-            </a:r>
-            <a:r>
-              <a:rPr lang="de-DE" sz="1200" b="0" i="0" kern="1200" dirty="0" err="1">
-                <a:solidFill>
-                  <a:schemeClr val="tx1"/>
-                </a:solidFill>
-                <a:effectLst/>
-                <a:latin typeface="+mn-lt"/>
-                <a:ea typeface="+mn-ea"/>
-                <a:cs typeface="+mn-cs"/>
-              </a:rPr>
-              <a:t>reflection</a:t>
-            </a:r>
-            <a:r>
-              <a:rPr lang="de-DE" sz="1200" b="0" i="0" kern="1200" dirty="0">
-                <a:solidFill>
-                  <a:schemeClr val="tx1"/>
-                </a:solidFill>
-                <a:effectLst/>
-                <a:latin typeface="+mn-lt"/>
-                <a:ea typeface="+mn-ea"/>
-                <a:cs typeface="+mn-cs"/>
-              </a:rPr>
-              <a:t> </a:t>
-            </a:r>
-            <a:r>
-              <a:rPr lang="de-DE" sz="1200" b="0" i="0" kern="1200" dirty="0" err="1">
-                <a:solidFill>
-                  <a:schemeClr val="tx1"/>
-                </a:solidFill>
-                <a:effectLst/>
-                <a:latin typeface="+mn-lt"/>
-                <a:ea typeface="+mn-ea"/>
-                <a:cs typeface="+mn-cs"/>
-              </a:rPr>
-              <a:t>and</a:t>
-            </a:r>
-            <a:r>
-              <a:rPr lang="de-DE" sz="1200" b="0" i="0" kern="1200" dirty="0">
-                <a:solidFill>
-                  <a:schemeClr val="tx1"/>
-                </a:solidFill>
-                <a:effectLst/>
-                <a:latin typeface="+mn-lt"/>
-                <a:ea typeface="+mn-ea"/>
-                <a:cs typeface="+mn-cs"/>
-              </a:rPr>
-              <a:t> </a:t>
-            </a:r>
-            <a:r>
-              <a:rPr lang="de-DE" sz="1200" b="0" i="0" kern="1200" dirty="0" err="1">
-                <a:solidFill>
-                  <a:schemeClr val="tx1"/>
-                </a:solidFill>
-                <a:effectLst/>
-                <a:latin typeface="+mn-lt"/>
-                <a:ea typeface="+mn-ea"/>
-                <a:cs typeface="+mn-cs"/>
-              </a:rPr>
-              <a:t>refraction</a:t>
-            </a:r>
-            <a:r>
-              <a:rPr lang="de-DE" sz="1200" b="0" i="0" kern="1200" dirty="0">
-                <a:solidFill>
-                  <a:schemeClr val="tx1"/>
-                </a:solidFill>
-                <a:effectLst/>
-                <a:latin typeface="+mn-lt"/>
-                <a:ea typeface="+mn-ea"/>
-                <a:cs typeface="+mn-cs"/>
-              </a:rPr>
-              <a:t> </a:t>
-            </a:r>
-            <a:r>
-              <a:rPr lang="de-DE" sz="1200" b="0" i="0" kern="1200" dirty="0" err="1">
-                <a:solidFill>
-                  <a:schemeClr val="tx1"/>
-                </a:solidFill>
-                <a:effectLst/>
-                <a:latin typeface="+mn-lt"/>
-                <a:ea typeface="+mn-ea"/>
-                <a:cs typeface="+mn-cs"/>
-              </a:rPr>
-              <a:t>of</a:t>
-            </a:r>
-            <a:r>
-              <a:rPr lang="de-DE" sz="1200" b="0" i="0" kern="1200" dirty="0">
-                <a:solidFill>
-                  <a:schemeClr val="tx1"/>
-                </a:solidFill>
-                <a:effectLst/>
-                <a:latin typeface="+mn-lt"/>
-                <a:ea typeface="+mn-ea"/>
-                <a:cs typeface="+mn-cs"/>
-              </a:rPr>
-              <a:t> light at uniform </a:t>
-            </a:r>
-            <a:r>
-              <a:rPr lang="de-DE" sz="1200" b="0" i="0" kern="1200" dirty="0" err="1">
-                <a:solidFill>
-                  <a:schemeClr val="tx1"/>
-                </a:solidFill>
-                <a:effectLst/>
-                <a:latin typeface="+mn-lt"/>
-                <a:ea typeface="+mn-ea"/>
-                <a:cs typeface="+mn-cs"/>
-              </a:rPr>
-              <a:t>planar</a:t>
-            </a:r>
-            <a:r>
-              <a:rPr lang="de-DE" sz="1200" b="0" i="0" kern="1200" dirty="0">
-                <a:solidFill>
-                  <a:schemeClr val="tx1"/>
-                </a:solidFill>
-                <a:effectLst/>
-                <a:latin typeface="+mn-lt"/>
-                <a:ea typeface="+mn-ea"/>
-                <a:cs typeface="+mn-cs"/>
-              </a:rPr>
-              <a:t> </a:t>
-            </a:r>
-            <a:r>
-              <a:rPr lang="de-DE" sz="1200" b="0" i="0" kern="1200" dirty="0" err="1">
-                <a:solidFill>
-                  <a:schemeClr val="tx1"/>
-                </a:solidFill>
-                <a:effectLst/>
-                <a:latin typeface="+mn-lt"/>
-                <a:ea typeface="+mn-ea"/>
-                <a:cs typeface="+mn-cs"/>
-              </a:rPr>
-              <a:t>interfaces</a:t>
-            </a:r>
-            <a:r>
-              <a:rPr lang="de-DE" sz="1200" b="0" i="0" kern="1200" dirty="0">
-                <a:solidFill>
-                  <a:schemeClr val="tx1"/>
-                </a:solidFill>
-                <a:effectLst/>
-                <a:latin typeface="+mn-lt"/>
-                <a:ea typeface="+mn-ea"/>
-                <a:cs typeface="+mn-cs"/>
-              </a:rPr>
-              <a:t>. </a:t>
-            </a:r>
-            <a:r>
-              <a:rPr lang="de-DE" sz="1200" b="0" i="0" kern="1200" dirty="0" err="1">
-                <a:solidFill>
-                  <a:schemeClr val="tx1"/>
-                </a:solidFill>
-                <a:effectLst/>
-                <a:latin typeface="+mn-lt"/>
-                <a:ea typeface="+mn-ea"/>
-                <a:cs typeface="+mn-cs"/>
-              </a:rPr>
-              <a:t>It’s</a:t>
-            </a:r>
-            <a:r>
-              <a:rPr lang="de-DE" sz="1200" b="0" i="0" kern="1200" dirty="0">
-                <a:solidFill>
-                  <a:schemeClr val="tx1"/>
-                </a:solidFill>
-                <a:effectLst/>
-                <a:latin typeface="+mn-lt"/>
-                <a:ea typeface="+mn-ea"/>
-                <a:cs typeface="+mn-cs"/>
-              </a:rPr>
-              <a:t> a </a:t>
-            </a:r>
-            <a:r>
-              <a:rPr lang="de-DE" sz="1200" b="0" i="0" kern="1200" dirty="0" err="1">
-                <a:solidFill>
-                  <a:schemeClr val="tx1"/>
-                </a:solidFill>
-                <a:effectLst/>
-                <a:latin typeface="+mn-lt"/>
-                <a:ea typeface="+mn-ea"/>
-                <a:cs typeface="+mn-cs"/>
-              </a:rPr>
-              <a:t>popular</a:t>
-            </a:r>
-            <a:r>
-              <a:rPr lang="de-DE" sz="1200" b="0" i="0" kern="1200" dirty="0">
-                <a:solidFill>
-                  <a:schemeClr val="tx1"/>
-                </a:solidFill>
-                <a:effectLst/>
-                <a:latin typeface="+mn-lt"/>
-                <a:ea typeface="+mn-ea"/>
-                <a:cs typeface="+mn-cs"/>
-              </a:rPr>
-              <a:t> </a:t>
-            </a:r>
-            <a:r>
-              <a:rPr lang="de-DE" sz="1200" b="0" i="0" kern="1200" dirty="0" err="1">
-                <a:solidFill>
-                  <a:schemeClr val="tx1"/>
-                </a:solidFill>
-                <a:effectLst/>
-                <a:latin typeface="+mn-lt"/>
-                <a:ea typeface="+mn-ea"/>
-                <a:cs typeface="+mn-cs"/>
-              </a:rPr>
-              <a:t>technique</a:t>
-            </a:r>
-            <a:r>
-              <a:rPr lang="de-DE" sz="1200" b="0" i="0" kern="1200" dirty="0">
-                <a:solidFill>
-                  <a:schemeClr val="tx1"/>
-                </a:solidFill>
-                <a:effectLst/>
-                <a:latin typeface="+mn-lt"/>
-                <a:ea typeface="+mn-ea"/>
-                <a:cs typeface="+mn-cs"/>
-              </a:rPr>
-              <a:t> </a:t>
-            </a:r>
-            <a:r>
-              <a:rPr lang="de-DE" sz="1200" b="0" i="0" kern="1200" dirty="0" err="1">
-                <a:solidFill>
-                  <a:schemeClr val="tx1"/>
-                </a:solidFill>
-                <a:effectLst/>
-                <a:latin typeface="+mn-lt"/>
-                <a:ea typeface="+mn-ea"/>
-                <a:cs typeface="+mn-cs"/>
-              </a:rPr>
-              <a:t>for</a:t>
-            </a:r>
-            <a:r>
-              <a:rPr lang="de-DE" sz="1200" b="0" i="0" kern="1200" dirty="0">
-                <a:solidFill>
-                  <a:schemeClr val="tx1"/>
-                </a:solidFill>
-                <a:effectLst/>
-                <a:latin typeface="+mn-lt"/>
-                <a:ea typeface="+mn-ea"/>
-                <a:cs typeface="+mn-cs"/>
-              </a:rPr>
-              <a:t> </a:t>
-            </a:r>
-            <a:r>
-              <a:rPr lang="de-DE" sz="1200" b="0" i="0" kern="1200" dirty="0" err="1">
-                <a:solidFill>
-                  <a:schemeClr val="tx1"/>
-                </a:solidFill>
-                <a:effectLst/>
-                <a:latin typeface="+mn-lt"/>
-                <a:ea typeface="+mn-ea"/>
-                <a:cs typeface="+mn-cs"/>
-              </a:rPr>
-              <a:t>generating</a:t>
-            </a:r>
-            <a:r>
-              <a:rPr lang="de-DE" sz="1200" b="0" i="0" kern="1200" dirty="0">
-                <a:solidFill>
-                  <a:schemeClr val="tx1"/>
-                </a:solidFill>
-                <a:effectLst/>
-                <a:latin typeface="+mn-lt"/>
-                <a:ea typeface="+mn-ea"/>
-                <a:cs typeface="+mn-cs"/>
-              </a:rPr>
-              <a:t> </a:t>
-            </a:r>
-            <a:r>
-              <a:rPr lang="de-DE" sz="1200" b="0" i="0" kern="1200" dirty="0" err="1">
-                <a:solidFill>
-                  <a:schemeClr val="tx1"/>
-                </a:solidFill>
-                <a:effectLst/>
-                <a:latin typeface="+mn-lt"/>
-                <a:ea typeface="+mn-ea"/>
-                <a:cs typeface="+mn-cs"/>
-              </a:rPr>
-              <a:t>realistic</a:t>
-            </a:r>
-            <a:r>
-              <a:rPr lang="de-DE" sz="1200" b="0" i="0" kern="1200" dirty="0">
-                <a:solidFill>
-                  <a:schemeClr val="tx1"/>
-                </a:solidFill>
-                <a:effectLst/>
-                <a:latin typeface="+mn-lt"/>
-                <a:ea typeface="+mn-ea"/>
-                <a:cs typeface="+mn-cs"/>
-              </a:rPr>
-              <a:t> </a:t>
-            </a:r>
-            <a:r>
-              <a:rPr lang="de-DE" sz="1200" b="0" i="0" kern="1200" dirty="0" err="1">
-                <a:solidFill>
-                  <a:schemeClr val="tx1"/>
-                </a:solidFill>
-                <a:effectLst/>
-                <a:latin typeface="+mn-lt"/>
-                <a:ea typeface="+mn-ea"/>
-                <a:cs typeface="+mn-cs"/>
-              </a:rPr>
-              <a:t>lightning</a:t>
-            </a:r>
-            <a:r>
-              <a:rPr lang="de-DE" sz="1200" b="0" i="0" kern="1200" dirty="0">
-                <a:solidFill>
-                  <a:schemeClr val="tx1"/>
-                </a:solidFill>
-                <a:effectLst/>
-                <a:latin typeface="+mn-lt"/>
-                <a:ea typeface="+mn-ea"/>
-                <a:cs typeface="+mn-cs"/>
-              </a:rPr>
-              <a:t> in 3D </a:t>
-            </a:r>
-            <a:r>
-              <a:rPr lang="de-DE" sz="1200" b="0" i="0" kern="1200" dirty="0" err="1">
-                <a:solidFill>
-                  <a:schemeClr val="tx1"/>
-                </a:solidFill>
-                <a:effectLst/>
-                <a:latin typeface="+mn-lt"/>
-                <a:ea typeface="+mn-ea"/>
-                <a:cs typeface="+mn-cs"/>
-              </a:rPr>
-              <a:t>games</a:t>
-            </a:r>
-            <a:r>
-              <a:rPr lang="de-DE" sz="1200" b="0" i="0" kern="1200" dirty="0">
-                <a:solidFill>
-                  <a:schemeClr val="tx1"/>
-                </a:solidFill>
-                <a:effectLst/>
-                <a:latin typeface="+mn-lt"/>
-                <a:ea typeface="+mn-ea"/>
-                <a:cs typeface="+mn-cs"/>
-              </a:rPr>
-              <a:t>.</a:t>
-            </a:r>
-            <a:endParaRPr lang="en-US" dirty="0"/>
+              <a:t> entsteht durch Kommunikation)</a:t>
+            </a:r>
+            <a:endParaRPr lang="de-DE" dirty="0"/>
           </a:p>
         </p:txBody>
       </p:sp>
@@ -1572,7 +2665,7 @@
           <a:p>
             <a:fld id="{67F32239-C198-46BF-8243-3DEE8544CFAA}" type="slidenum">
               <a:rPr lang="de-DE" smtClean="0"/>
-              <a:t>18</a:t>
+              <a:t>11</a:t>
             </a:fld>
             <a:endParaRPr lang="de-DE"/>
           </a:p>
@@ -1581,7 +2674,175 @@
     </p:spTree>
     <p:extLst>
       <p:ext uri="{BB962C8B-B14F-4D97-AF65-F5344CB8AC3E}">
-        <p14:creationId xmlns:p14="http://schemas.microsoft.com/office/powerpoint/2010/main" val="884171446"/>
+        <p14:creationId xmlns:p14="http://schemas.microsoft.com/office/powerpoint/2010/main" val="3930989936"/>
+      </p:ext>
+    </p:extLst>
+  </p:cSld>
+  <p:clrMapOvr>
+    <a:masterClrMapping/>
+  </p:clrMapOvr>
+</p:notes>
+</file>
+
+<file path=ppt/notesSlides/notesSlide8.xml><?xml version="1.0" encoding="utf-8"?>
+<p:notes xmlns:a="http://schemas.openxmlformats.org/drawingml/2006/main" xmlns:r="http://schemas.openxmlformats.org/officeDocument/2006/relationships" xmlns:p="http://schemas.openxmlformats.org/presentationml/2006/main">
+  <p:cSld>
+    <p:spTree>
+      <p:nvGrpSpPr>
+        <p:cNvPr id="1" name=""/>
+        <p:cNvGrpSpPr/>
+        <p:nvPr/>
+      </p:nvGrpSpPr>
+      <p:grpSpPr>
+        <a:xfrm>
+          <a:off x="0" y="0"/>
+          <a:ext cx="0" cy="0"/>
+          <a:chOff x="0" y="0"/>
+          <a:chExt cx="0" cy="0"/>
+        </a:xfrm>
+      </p:grpSpPr>
+      <p:sp>
+        <p:nvSpPr>
+          <p:cNvPr id="2" name="Folienbildplatzhalter 1"/>
+          <p:cNvSpPr>
+            <a:spLocks noGrp="1" noRot="1" noChangeAspect="1"/>
+          </p:cNvSpPr>
+          <p:nvPr>
+            <p:ph type="sldImg"/>
+          </p:nvPr>
+        </p:nvSpPr>
+        <p:spPr/>
+      </p:sp>
+      <p:sp>
+        <p:nvSpPr>
+          <p:cNvPr id="3" name="Notizenplatzhalter 2"/>
+          <p:cNvSpPr>
+            <a:spLocks noGrp="1"/>
+          </p:cNvSpPr>
+          <p:nvPr>
+            <p:ph type="body" idx="1"/>
+          </p:nvPr>
+        </p:nvSpPr>
+        <p:spPr/>
+        <p:txBody>
+          <a:bodyPr/>
+          <a:lstStyle/>
+          <a:p>
+            <a:endParaRPr lang="de-DE" dirty="0"/>
+          </a:p>
+        </p:txBody>
+      </p:sp>
+      <p:sp>
+        <p:nvSpPr>
+          <p:cNvPr id="4" name="Foliennummernplatzhalter 3"/>
+          <p:cNvSpPr>
+            <a:spLocks noGrp="1"/>
+          </p:cNvSpPr>
+          <p:nvPr>
+            <p:ph type="sldNum" sz="quarter" idx="5"/>
+          </p:nvPr>
+        </p:nvSpPr>
+        <p:spPr/>
+        <p:txBody>
+          <a:bodyPr/>
+          <a:lstStyle/>
+          <a:p>
+            <a:fld id="{67F32239-C198-46BF-8243-3DEE8544CFAA}" type="slidenum">
+              <a:rPr lang="de-DE" smtClean="0"/>
+              <a:t>15</a:t>
+            </a:fld>
+            <a:endParaRPr lang="de-DE"/>
+          </a:p>
+        </p:txBody>
+      </p:sp>
+    </p:spTree>
+    <p:extLst>
+      <p:ext uri="{BB962C8B-B14F-4D97-AF65-F5344CB8AC3E}">
+        <p14:creationId xmlns:p14="http://schemas.microsoft.com/office/powerpoint/2010/main" val="1955124107"/>
+      </p:ext>
+    </p:extLst>
+  </p:cSld>
+  <p:clrMapOvr>
+    <a:masterClrMapping/>
+  </p:clrMapOvr>
+</p:notes>
+</file>
+
+<file path=ppt/notesSlides/notesSlide9.xml><?xml version="1.0" encoding="utf-8"?>
+<p:notes xmlns:a="http://schemas.openxmlformats.org/drawingml/2006/main" xmlns:r="http://schemas.openxmlformats.org/officeDocument/2006/relationships" xmlns:p="http://schemas.openxmlformats.org/presentationml/2006/main">
+  <p:cSld>
+    <p:spTree>
+      <p:nvGrpSpPr>
+        <p:cNvPr id="1" name=""/>
+        <p:cNvGrpSpPr/>
+        <p:nvPr/>
+      </p:nvGrpSpPr>
+      <p:grpSpPr>
+        <a:xfrm>
+          <a:off x="0" y="0"/>
+          <a:ext cx="0" cy="0"/>
+          <a:chOff x="0" y="0"/>
+          <a:chExt cx="0" cy="0"/>
+        </a:xfrm>
+      </p:grpSpPr>
+      <p:sp>
+        <p:nvSpPr>
+          <p:cNvPr id="2" name="Folienbildplatzhalter 1"/>
+          <p:cNvSpPr>
+            <a:spLocks noGrp="1" noRot="1" noChangeAspect="1"/>
+          </p:cNvSpPr>
+          <p:nvPr>
+            <p:ph type="sldImg"/>
+          </p:nvPr>
+        </p:nvSpPr>
+        <p:spPr/>
+      </p:sp>
+      <p:sp>
+        <p:nvSpPr>
+          <p:cNvPr id="3" name="Notizenplatzhalter 2"/>
+          <p:cNvSpPr>
+            <a:spLocks noGrp="1"/>
+          </p:cNvSpPr>
+          <p:nvPr>
+            <p:ph type="body" idx="1"/>
+          </p:nvPr>
+        </p:nvSpPr>
+        <p:spPr/>
+        <p:txBody>
+          <a:bodyPr/>
+          <a:lstStyle/>
+          <a:p>
+            <a:endParaRPr lang="de-DE" dirty="0"/>
+          </a:p>
+        </p:txBody>
+      </p:sp>
+      <p:sp>
+        <p:nvSpPr>
+          <p:cNvPr id="4" name="Foliennummernplatzhalter 3"/>
+          <p:cNvSpPr>
+            <a:spLocks noGrp="1"/>
+          </p:cNvSpPr>
+          <p:nvPr>
+            <p:ph type="sldNum" sz="quarter" idx="5"/>
+          </p:nvPr>
+        </p:nvSpPr>
+        <p:spPr/>
+        <p:txBody>
+          <a:bodyPr/>
+          <a:lstStyle/>
+          <a:p>
+            <a:fld id="{67F32239-C198-46BF-8243-3DEE8544CFAA}" type="slidenum">
+              <a:rPr lang="de-DE" smtClean="0"/>
+              <a:t>17</a:t>
+            </a:fld>
+            <a:endParaRPr lang="de-DE"/>
+          </a:p>
+        </p:txBody>
+      </p:sp>
+    </p:spTree>
+    <p:extLst>
+      <p:ext uri="{BB962C8B-B14F-4D97-AF65-F5344CB8AC3E}">
+        <p14:creationId xmlns:p14="http://schemas.microsoft.com/office/powerpoint/2010/main" val="1307838226"/>
       </p:ext>
     </p:extLst>
   </p:cSld>
@@ -1738,7 +2999,7 @@
           <a:p>
             <a:fld id="{B5E8A55B-A329-4846-8D76-CA2F32F53923}" type="datetimeFigureOut">
               <a:rPr lang="de-DE" smtClean="0"/>
-              <a:t>12.02.20</a:t>
+              <a:t>12.02.2020</a:t>
             </a:fld>
             <a:endParaRPr lang="de-DE"/>
           </a:p>
@@ -1936,7 +3197,7 @@
           <a:p>
             <a:fld id="{B5E8A55B-A329-4846-8D76-CA2F32F53923}" type="datetimeFigureOut">
               <a:rPr lang="de-DE" smtClean="0"/>
-              <a:t>12.02.20</a:t>
+              <a:t>12.02.2020</a:t>
             </a:fld>
             <a:endParaRPr lang="de-DE"/>
           </a:p>
@@ -2144,7 +3405,7 @@
           <a:p>
             <a:fld id="{B5E8A55B-A329-4846-8D76-CA2F32F53923}" type="datetimeFigureOut">
               <a:rPr lang="de-DE" smtClean="0"/>
-              <a:t>12.02.20</a:t>
+              <a:t>12.02.2020</a:t>
             </a:fld>
             <a:endParaRPr lang="de-DE"/>
           </a:p>
@@ -2342,7 +3603,7 @@
           <a:p>
             <a:fld id="{B5E8A55B-A329-4846-8D76-CA2F32F53923}" type="datetimeFigureOut">
               <a:rPr lang="de-DE" smtClean="0"/>
-              <a:t>12.02.20</a:t>
+              <a:t>12.02.2020</a:t>
             </a:fld>
             <a:endParaRPr lang="de-DE"/>
           </a:p>
@@ -2617,7 +3878,7 @@
           <a:p>
             <a:fld id="{B5E8A55B-A329-4846-8D76-CA2F32F53923}" type="datetimeFigureOut">
               <a:rPr lang="de-DE" smtClean="0"/>
-              <a:t>12.02.20</a:t>
+              <a:t>12.02.2020</a:t>
             </a:fld>
             <a:endParaRPr lang="de-DE"/>
           </a:p>
@@ -2882,7 +4143,7 @@
           <a:p>
             <a:fld id="{B5E8A55B-A329-4846-8D76-CA2F32F53923}" type="datetimeFigureOut">
               <a:rPr lang="de-DE" smtClean="0"/>
-              <a:t>12.02.20</a:t>
+              <a:t>12.02.2020</a:t>
             </a:fld>
             <a:endParaRPr lang="de-DE"/>
           </a:p>
@@ -3294,7 +4555,7 @@
           <a:p>
             <a:fld id="{B5E8A55B-A329-4846-8D76-CA2F32F53923}" type="datetimeFigureOut">
               <a:rPr lang="de-DE" smtClean="0"/>
-              <a:t>12.02.20</a:t>
+              <a:t>12.02.2020</a:t>
             </a:fld>
             <a:endParaRPr lang="de-DE"/>
           </a:p>
@@ -3435,7 +4696,7 @@
           <a:p>
             <a:fld id="{B5E8A55B-A329-4846-8D76-CA2F32F53923}" type="datetimeFigureOut">
               <a:rPr lang="de-DE" smtClean="0"/>
-              <a:t>12.02.20</a:t>
+              <a:t>12.02.2020</a:t>
             </a:fld>
             <a:endParaRPr lang="de-DE"/>
           </a:p>
@@ -3548,7 +4809,7 @@
           <a:p>
             <a:fld id="{B5E8A55B-A329-4846-8D76-CA2F32F53923}" type="datetimeFigureOut">
               <a:rPr lang="de-DE" smtClean="0"/>
-              <a:t>12.02.20</a:t>
+              <a:t>12.02.2020</a:t>
             </a:fld>
             <a:endParaRPr lang="de-DE"/>
           </a:p>
@@ -3859,7 +5120,7 @@
           <a:p>
             <a:fld id="{B5E8A55B-A329-4846-8D76-CA2F32F53923}" type="datetimeFigureOut">
               <a:rPr lang="de-DE" smtClean="0"/>
-              <a:t>12.02.20</a:t>
+              <a:t>12.02.2020</a:t>
             </a:fld>
             <a:endParaRPr lang="de-DE"/>
           </a:p>
@@ -4147,7 +5408,7 @@
           <a:p>
             <a:fld id="{B5E8A55B-A329-4846-8D76-CA2F32F53923}" type="datetimeFigureOut">
               <a:rPr lang="de-DE" smtClean="0"/>
-              <a:t>12.02.20</a:t>
+              <a:t>12.02.2020</a:t>
             </a:fld>
             <a:endParaRPr lang="de-DE"/>
           </a:p>
@@ -4388,7 +5649,7 @@
           <a:p>
             <a:fld id="{B5E8A55B-A329-4846-8D76-CA2F32F53923}" type="datetimeFigureOut">
               <a:rPr lang="de-DE" smtClean="0"/>
-              <a:t>12.02.20</a:t>
+              <a:t>12.02.2020</a:t>
             </a:fld>
             <a:endParaRPr lang="de-DE"/>
           </a:p>
@@ -5269,7 +6530,7 @@
           <p:nvPr/>
         </p:nvPicPr>
         <p:blipFill rotWithShape="1">
-          <a:blip r:embed="rId2">
+          <a:blip r:embed="rId3">
             <a:clrChange>
               <a:clrFrom>
                 <a:srgbClr val="EEEEFF"/>
@@ -5283,7 +6544,7 @@
             <a:extLst>
               <a:ext uri="{BEBA8EAE-BF5A-486C-A8C5-ECC9F3942E4B}">
                 <a14:imgProps xmlns:a14="http://schemas.microsoft.com/office/drawing/2010/main">
-                  <a14:imgLayer r:embed="rId3">
+                  <a14:imgLayer r:embed="rId4">
                     <a14:imgEffect>
                       <a14:sharpenSoften amount="50000"/>
                     </a14:imgEffect>
@@ -5461,13 +6722,6 @@
             <a:r>
               <a:rPr lang="en-US" dirty="0"/>
               <a:t>Communication between threads is implicit</a:t>
-            </a:r>
-          </a:p>
-          <a:p>
-            <a:pPr lvl="1"/>
-            <a:r>
-              <a:rPr lang="en-US" dirty="0"/>
-              <a:t>Difficult to understand</a:t>
             </a:r>
           </a:p>
         </p:txBody>
@@ -6921,14 +8175,14 @@
                     <a:lstStyle/>
                     <a:p>
                       <a:r>
-                        <a:rPr lang="en-US" sz="2800" b="1">
+                        <a:rPr lang="en-US" sz="2800" b="1" dirty="0">
                           <a:solidFill>
                             <a:srgbClr val="FFFFFF"/>
                           </a:solidFill>
                         </a:rPr>
                         <a:t>50000</a:t>
                       </a:r>
-                      <a:endParaRPr lang="de-DE" sz="2800" b="1">
+                      <a:endParaRPr lang="de-DE" sz="2800" b="1" dirty="0">
                         <a:solidFill>
                           <a:srgbClr val="FFFFFF"/>
                         </a:solidFill>
@@ -7593,7 +8847,7 @@
                     <a:lstStyle/>
                     <a:p>
                       <a:r>
-                        <a:rPr lang="en-US" sz="2800">
+                        <a:rPr lang="en-US" sz="2800" dirty="0">
                           <a:solidFill>
                             <a:schemeClr val="tx1">
                               <a:lumMod val="85000"/>
@@ -7603,7 +8857,7 @@
                         </a:rPr>
                         <a:t>13362</a:t>
                       </a:r>
-                      <a:endParaRPr lang="de-DE" sz="2800">
+                      <a:endParaRPr lang="de-DE" sz="2800" dirty="0">
                         <a:solidFill>
                           <a:schemeClr val="tx1">
                             <a:lumMod val="85000"/>
@@ -7705,7 +8959,7 @@
                     <a:lstStyle/>
                     <a:p>
                       <a:r>
-                        <a:rPr lang="en-US" sz="2800">
+                        <a:rPr lang="en-US" sz="2800" dirty="0">
                           <a:solidFill>
                             <a:schemeClr val="tx1">
                               <a:lumMod val="85000"/>
@@ -7715,7 +8969,7 @@
                         </a:rPr>
                         <a:t>155192</a:t>
                       </a:r>
-                      <a:endParaRPr lang="de-DE" sz="2800">
+                      <a:endParaRPr lang="de-DE" sz="2800" dirty="0">
                         <a:solidFill>
                           <a:schemeClr val="tx1">
                             <a:lumMod val="85000"/>
@@ -7763,6 +9017,43 @@
           </a:graphicData>
         </a:graphic>
       </p:graphicFrame>
+      <p:sp>
+        <p:nvSpPr>
+          <p:cNvPr id="3" name="Textfeld 2">
+            <a:extLst>
+              <a:ext uri="{FF2B5EF4-FFF2-40B4-BE49-F238E27FC236}">
+                <a16:creationId xmlns:a16="http://schemas.microsoft.com/office/drawing/2014/main" id="{246C933C-1B19-4985-B3C9-EBD53957CEB3}"/>
+              </a:ext>
+            </a:extLst>
+          </p:cNvPr>
+          <p:cNvSpPr txBox="1"/>
+          <p:nvPr/>
+        </p:nvSpPr>
+        <p:spPr>
+          <a:xfrm>
+            <a:off x="2698044" y="3656210"/>
+            <a:ext cx="7382934" cy="369332"/>
+          </a:xfrm>
+          <a:prstGeom prst="rect">
+            <a:avLst/>
+          </a:prstGeom>
+          <a:noFill/>
+        </p:spPr>
+        <p:txBody>
+          <a:bodyPr wrap="square" rtlCol="0">
+            <a:spAutoFit/>
+          </a:bodyPr>
+          <a:lstStyle/>
+          <a:p>
+            <a:pPr algn="r"/>
+            <a:r>
+              <a:rPr lang="en-US" dirty="0"/>
+              <a:t>Intel I5 6600K @ 4 x 3,5 GHZ</a:t>
+            </a:r>
+            <a:endParaRPr lang="de-DE" dirty="0"/>
+          </a:p>
+        </p:txBody>
+      </p:sp>
     </p:spTree>
     <p:extLst>
       <p:ext uri="{BB962C8B-B14F-4D97-AF65-F5344CB8AC3E}">
@@ -10163,7 +11454,7 @@
           <a:p>
             <a:r>
               <a:rPr lang="en-US" sz="2400" dirty="0"/>
-              <a:t>Broadly supported by compiler manufacturers</a:t>
+              <a:t>Broadly supported by hardware manufacturers</a:t>
             </a:r>
           </a:p>
           <a:p>
@@ -10621,7 +11912,29 @@
           <p:nvPr/>
         </p:nvPicPr>
         <p:blipFill rotWithShape="1">
-          <a:blip r:embed="rId2"/>
+          <a:blip r:embed="rId3">
+            <a:clrChange>
+              <a:clrFrom>
+                <a:srgbClr val="FFFFCC"/>
+              </a:clrFrom>
+              <a:clrTo>
+                <a:srgbClr val="FFFFCC">
+                  <a:alpha val="0"/>
+                </a:srgbClr>
+              </a:clrTo>
+            </a:clrChange>
+            <a:extLst>
+              <a:ext uri="{BEBA8EAE-BF5A-486C-A8C5-ECC9F3942E4B}">
+                <a14:imgProps xmlns:a14="http://schemas.microsoft.com/office/drawing/2010/main">
+                  <a14:imgLayer r:embed="rId4">
+                    <a14:imgEffect>
+                      <a14:brightnessContrast bright="20000"/>
+                    </a14:imgEffect>
+                  </a14:imgLayer>
+                </a14:imgProps>
+              </a:ext>
+            </a:extLst>
+          </a:blip>
           <a:srcRect r="2534" b="4883"/>
           <a:stretch/>
         </p:blipFill>
@@ -10919,7 +12232,7 @@
           <p:nvPr/>
         </p:nvPicPr>
         <p:blipFill rotWithShape="1">
-          <a:blip r:embed="rId2"/>
+          <a:blip r:embed="rId3"/>
           <a:srcRect r="1965"/>
           <a:stretch/>
         </p:blipFill>

--- a/OpenMP_Folien.pptx
+++ b/OpenMP_Folien.pptx
@@ -5,7 +5,7 @@
     <p:sldMasterId id="2147483648" r:id="rId1"/>
   </p:sldMasterIdLst>
   <p:notesMasterIdLst>
-    <p:notesMasterId r:id="rId21"/>
+    <p:notesMasterId r:id="rId23"/>
   </p:notesMasterIdLst>
   <p:sldIdLst>
     <p:sldId id="256" r:id="rId2"/>
@@ -20,13 +20,15 @@
     <p:sldId id="266" r:id="rId11"/>
     <p:sldId id="261" r:id="rId12"/>
     <p:sldId id="262" r:id="rId13"/>
-    <p:sldId id="263" r:id="rId14"/>
-    <p:sldId id="264" r:id="rId15"/>
-    <p:sldId id="265" r:id="rId16"/>
-    <p:sldId id="267" r:id="rId17"/>
-    <p:sldId id="268" r:id="rId18"/>
-    <p:sldId id="269" r:id="rId19"/>
-    <p:sldId id="275" r:id="rId20"/>
+    <p:sldId id="276" r:id="rId14"/>
+    <p:sldId id="277" r:id="rId15"/>
+    <p:sldId id="263" r:id="rId16"/>
+    <p:sldId id="264" r:id="rId17"/>
+    <p:sldId id="265" r:id="rId18"/>
+    <p:sldId id="267" r:id="rId19"/>
+    <p:sldId id="268" r:id="rId20"/>
+    <p:sldId id="269" r:id="rId21"/>
+    <p:sldId id="275" r:id="rId22"/>
   </p:sldIdLst>
   <p:sldSz cx="12192000" cy="6858000"/>
   <p:notesSz cx="6858000" cy="9144000"/>
@@ -215,7 +217,7 @@
           <a:p>
             <a:fld id="{AD5FCB38-51A2-4D62-8717-5BE0EDC2993F}" type="datetimeFigureOut">
               <a:rPr lang="de-DE" smtClean="0"/>
-              <a:t>12.02.2020</a:t>
+              <a:t>13.02.20</a:t>
             </a:fld>
             <a:endParaRPr lang="de-DE"/>
           </a:p>
@@ -526,7 +528,95 @@
           <a:bodyPr/>
           <a:lstStyle/>
           <a:p>
-            <a:endParaRPr lang="de-DE" dirty="0"/>
+            <a:r>
+              <a:rPr lang="de-DE" sz="1200" b="0" kern="1200" dirty="0">
+                <a:solidFill>
+                  <a:schemeClr val="tx1"/>
+                </a:solidFill>
+                <a:effectLst/>
+                <a:latin typeface="+mn-lt"/>
+                <a:ea typeface="+mn-ea"/>
+                <a:cs typeface="+mn-cs"/>
+              </a:rPr>
+              <a:t>C ist Standard und die HW-nähe ist durchaus praktisch und effizient. Sehr explizit. Parallelität verlangt dadurch allerdings einiges, weil keine Abstraktion.</a:t>
+            </a:r>
+          </a:p>
+          <a:p>
+            <a:endParaRPr lang="de-DE" sz="1200" b="0" kern="1200" dirty="0">
+              <a:solidFill>
+                <a:schemeClr val="tx1"/>
+              </a:solidFill>
+              <a:effectLst/>
+              <a:latin typeface="+mn-lt"/>
+              <a:ea typeface="+mn-ea"/>
+              <a:cs typeface="+mn-cs"/>
+            </a:endParaRPr>
+          </a:p>
+          <a:p>
+            <a:r>
+              <a:rPr lang="de-DE" sz="1200" b="0" kern="1200" dirty="0">
+                <a:solidFill>
+                  <a:schemeClr val="tx1"/>
+                </a:solidFill>
+                <a:effectLst/>
+                <a:latin typeface="+mn-lt"/>
+                <a:ea typeface="+mn-ea"/>
+                <a:cs typeface="+mn-cs"/>
+              </a:rPr>
+              <a:t>Immer mehr (verschiedene) Aufgaben in einem Automobil =&gt; ~80 Steuergeräte in einem Auto und über 1 km CAN-Bus-Kabel!</a:t>
+            </a:r>
+          </a:p>
+          <a:p>
+            <a:endParaRPr lang="de-DE" sz="1200" b="0" kern="1200" dirty="0">
+              <a:solidFill>
+                <a:schemeClr val="tx1"/>
+              </a:solidFill>
+              <a:effectLst/>
+              <a:latin typeface="+mn-lt"/>
+              <a:ea typeface="+mn-ea"/>
+              <a:cs typeface="+mn-cs"/>
+            </a:endParaRPr>
+          </a:p>
+          <a:p>
+            <a:r>
+              <a:rPr lang="de-DE" sz="1200" b="0" kern="1200" dirty="0">
+                <a:solidFill>
+                  <a:schemeClr val="tx1"/>
+                </a:solidFill>
+                <a:effectLst/>
+                <a:latin typeface="+mn-lt"/>
+                <a:ea typeface="+mn-ea"/>
+                <a:cs typeface="+mn-cs"/>
+              </a:rPr>
+              <a:t>Im Auto bietet sich außerdem die moderne Multi-Core-Programmierung mit Threads und </a:t>
+            </a:r>
+            <a:r>
+              <a:rPr lang="de-DE" sz="1200" b="0" kern="1200" dirty="0" err="1">
+                <a:solidFill>
+                  <a:schemeClr val="tx1"/>
+                </a:solidFill>
+                <a:effectLst/>
+                <a:latin typeface="+mn-lt"/>
+                <a:ea typeface="+mn-ea"/>
+                <a:cs typeface="+mn-cs"/>
+              </a:rPr>
+              <a:t>Scheduling</a:t>
+            </a:r>
+            <a:r>
+              <a:rPr lang="de-DE" sz="1200" b="0" kern="1200" dirty="0">
+                <a:solidFill>
+                  <a:schemeClr val="tx1"/>
+                </a:solidFill>
+                <a:effectLst/>
+                <a:latin typeface="+mn-lt"/>
+                <a:ea typeface="+mn-ea"/>
+                <a:cs typeface="+mn-cs"/>
+              </a:rPr>
+              <a:t> an, weil man eben Multicores und Single-Speicher hat. Viele Aufgaben im Auto können (oder sogar müssen) auf die gleichen Daten zugreifen und unterschiedliche Befehle oder Aufgaben ableiten.</a:t>
+            </a:r>
+          </a:p>
+          <a:p>
+            <a:endParaRPr lang="en-US" dirty="0"/>
           </a:p>
         </p:txBody>
       </p:sp>
@@ -547,7 +637,7 @@
           <a:p>
             <a:fld id="{67F32239-C198-46BF-8243-3DEE8544CFAA}" type="slidenum">
               <a:rPr lang="de-DE" smtClean="0"/>
-              <a:t>4</a:t>
+              <a:t>2</a:t>
             </a:fld>
             <a:endParaRPr lang="de-DE"/>
           </a:p>
@@ -556,7 +646,7 @@
     </p:spTree>
     <p:extLst>
       <p:ext uri="{BB962C8B-B14F-4D97-AF65-F5344CB8AC3E}">
-        <p14:creationId xmlns:p14="http://schemas.microsoft.com/office/powerpoint/2010/main" val="1980002554"/>
+        <p14:creationId xmlns:p14="http://schemas.microsoft.com/office/powerpoint/2010/main" val="2603510932"/>
       </p:ext>
     </p:extLst>
   </p:cSld>
@@ -610,6 +700,258 @@
           <a:bodyPr/>
           <a:lstStyle/>
           <a:p>
+            <a:endParaRPr lang="de-DE" dirty="0"/>
+          </a:p>
+        </p:txBody>
+      </p:sp>
+      <p:sp>
+        <p:nvSpPr>
+          <p:cNvPr id="4" name="Foliennummernplatzhalter 3"/>
+          <p:cNvSpPr>
+            <a:spLocks noGrp="1"/>
+          </p:cNvSpPr>
+          <p:nvPr>
+            <p:ph type="sldNum" sz="quarter" idx="5"/>
+          </p:nvPr>
+        </p:nvSpPr>
+        <p:spPr/>
+        <p:txBody>
+          <a:bodyPr/>
+          <a:lstStyle/>
+          <a:p>
+            <a:fld id="{67F32239-C198-46BF-8243-3DEE8544CFAA}" type="slidenum">
+              <a:rPr lang="de-DE" smtClean="0"/>
+              <a:t>14</a:t>
+            </a:fld>
+            <a:endParaRPr lang="de-DE"/>
+          </a:p>
+        </p:txBody>
+      </p:sp>
+    </p:spTree>
+    <p:extLst>
+      <p:ext uri="{BB962C8B-B14F-4D97-AF65-F5344CB8AC3E}">
+        <p14:creationId xmlns:p14="http://schemas.microsoft.com/office/powerpoint/2010/main" val="1617195851"/>
+      </p:ext>
+    </p:extLst>
+  </p:cSld>
+  <p:clrMapOvr>
+    <a:masterClrMapping/>
+  </p:clrMapOvr>
+</p:notes>
+</file>
+
+<file path=ppt/notesSlides/notesSlide11.xml><?xml version="1.0" encoding="utf-8"?>
+<p:notes xmlns:a="http://schemas.openxmlformats.org/drawingml/2006/main" xmlns:r="http://schemas.openxmlformats.org/officeDocument/2006/relationships" xmlns:p="http://schemas.openxmlformats.org/presentationml/2006/main">
+  <p:cSld>
+    <p:spTree>
+      <p:nvGrpSpPr>
+        <p:cNvPr id="1" name=""/>
+        <p:cNvGrpSpPr/>
+        <p:nvPr/>
+      </p:nvGrpSpPr>
+      <p:grpSpPr>
+        <a:xfrm>
+          <a:off x="0" y="0"/>
+          <a:ext cx="0" cy="0"/>
+          <a:chOff x="0" y="0"/>
+          <a:chExt cx="0" cy="0"/>
+        </a:xfrm>
+      </p:grpSpPr>
+      <p:sp>
+        <p:nvSpPr>
+          <p:cNvPr id="2" name="Folienbildplatzhalter 1"/>
+          <p:cNvSpPr>
+            <a:spLocks noGrp="1" noRot="1" noChangeAspect="1"/>
+          </p:cNvSpPr>
+          <p:nvPr>
+            <p:ph type="sldImg"/>
+          </p:nvPr>
+        </p:nvSpPr>
+        <p:spPr/>
+      </p:sp>
+      <p:sp>
+        <p:nvSpPr>
+          <p:cNvPr id="3" name="Notizenplatzhalter 2"/>
+          <p:cNvSpPr>
+            <a:spLocks noGrp="1"/>
+          </p:cNvSpPr>
+          <p:nvPr>
+            <p:ph type="body" idx="1"/>
+          </p:nvPr>
+        </p:nvSpPr>
+        <p:spPr/>
+        <p:txBody>
+          <a:bodyPr/>
+          <a:lstStyle/>
+          <a:p>
+            <a:endParaRPr lang="de-DE" dirty="0"/>
+          </a:p>
+        </p:txBody>
+      </p:sp>
+      <p:sp>
+        <p:nvSpPr>
+          <p:cNvPr id="4" name="Foliennummernplatzhalter 3"/>
+          <p:cNvSpPr>
+            <a:spLocks noGrp="1"/>
+          </p:cNvSpPr>
+          <p:nvPr>
+            <p:ph type="sldNum" sz="quarter" idx="5"/>
+          </p:nvPr>
+        </p:nvSpPr>
+        <p:spPr/>
+        <p:txBody>
+          <a:bodyPr/>
+          <a:lstStyle/>
+          <a:p>
+            <a:fld id="{67F32239-C198-46BF-8243-3DEE8544CFAA}" type="slidenum">
+              <a:rPr lang="de-DE" smtClean="0"/>
+              <a:t>17</a:t>
+            </a:fld>
+            <a:endParaRPr lang="de-DE"/>
+          </a:p>
+        </p:txBody>
+      </p:sp>
+    </p:spTree>
+    <p:extLst>
+      <p:ext uri="{BB962C8B-B14F-4D97-AF65-F5344CB8AC3E}">
+        <p14:creationId xmlns:p14="http://schemas.microsoft.com/office/powerpoint/2010/main" val="1955124107"/>
+      </p:ext>
+    </p:extLst>
+  </p:cSld>
+  <p:clrMapOvr>
+    <a:masterClrMapping/>
+  </p:clrMapOvr>
+</p:notes>
+</file>
+
+<file path=ppt/notesSlides/notesSlide12.xml><?xml version="1.0" encoding="utf-8"?>
+<p:notes xmlns:a="http://schemas.openxmlformats.org/drawingml/2006/main" xmlns:r="http://schemas.openxmlformats.org/officeDocument/2006/relationships" xmlns:p="http://schemas.openxmlformats.org/presentationml/2006/main">
+  <p:cSld>
+    <p:spTree>
+      <p:nvGrpSpPr>
+        <p:cNvPr id="1" name=""/>
+        <p:cNvGrpSpPr/>
+        <p:nvPr/>
+      </p:nvGrpSpPr>
+      <p:grpSpPr>
+        <a:xfrm>
+          <a:off x="0" y="0"/>
+          <a:ext cx="0" cy="0"/>
+          <a:chOff x="0" y="0"/>
+          <a:chExt cx="0" cy="0"/>
+        </a:xfrm>
+      </p:grpSpPr>
+      <p:sp>
+        <p:nvSpPr>
+          <p:cNvPr id="2" name="Folienbildplatzhalter 1"/>
+          <p:cNvSpPr>
+            <a:spLocks noGrp="1" noRot="1" noChangeAspect="1"/>
+          </p:cNvSpPr>
+          <p:nvPr>
+            <p:ph type="sldImg"/>
+          </p:nvPr>
+        </p:nvSpPr>
+        <p:spPr/>
+      </p:sp>
+      <p:sp>
+        <p:nvSpPr>
+          <p:cNvPr id="3" name="Notizenplatzhalter 2"/>
+          <p:cNvSpPr>
+            <a:spLocks noGrp="1"/>
+          </p:cNvSpPr>
+          <p:nvPr>
+            <p:ph type="body" idx="1"/>
+          </p:nvPr>
+        </p:nvSpPr>
+        <p:spPr/>
+        <p:txBody>
+          <a:bodyPr/>
+          <a:lstStyle/>
+          <a:p>
+            <a:endParaRPr lang="de-DE" dirty="0"/>
+          </a:p>
+        </p:txBody>
+      </p:sp>
+      <p:sp>
+        <p:nvSpPr>
+          <p:cNvPr id="4" name="Foliennummernplatzhalter 3"/>
+          <p:cNvSpPr>
+            <a:spLocks noGrp="1"/>
+          </p:cNvSpPr>
+          <p:nvPr>
+            <p:ph type="sldNum" sz="quarter" idx="5"/>
+          </p:nvPr>
+        </p:nvSpPr>
+        <p:spPr/>
+        <p:txBody>
+          <a:bodyPr/>
+          <a:lstStyle/>
+          <a:p>
+            <a:fld id="{67F32239-C198-46BF-8243-3DEE8544CFAA}" type="slidenum">
+              <a:rPr lang="de-DE" smtClean="0"/>
+              <a:t>19</a:t>
+            </a:fld>
+            <a:endParaRPr lang="de-DE"/>
+          </a:p>
+        </p:txBody>
+      </p:sp>
+    </p:spTree>
+    <p:extLst>
+      <p:ext uri="{BB962C8B-B14F-4D97-AF65-F5344CB8AC3E}">
+        <p14:creationId xmlns:p14="http://schemas.microsoft.com/office/powerpoint/2010/main" val="1307838226"/>
+      </p:ext>
+    </p:extLst>
+  </p:cSld>
+  <p:clrMapOvr>
+    <a:masterClrMapping/>
+  </p:clrMapOvr>
+</p:notes>
+</file>
+
+<file path=ppt/notesSlides/notesSlide13.xml><?xml version="1.0" encoding="utf-8"?>
+<p:notes xmlns:a="http://schemas.openxmlformats.org/drawingml/2006/main" xmlns:r="http://schemas.openxmlformats.org/officeDocument/2006/relationships" xmlns:p="http://schemas.openxmlformats.org/presentationml/2006/main">
+  <p:cSld>
+    <p:spTree>
+      <p:nvGrpSpPr>
+        <p:cNvPr id="1" name=""/>
+        <p:cNvGrpSpPr/>
+        <p:nvPr/>
+      </p:nvGrpSpPr>
+      <p:grpSpPr>
+        <a:xfrm>
+          <a:off x="0" y="0"/>
+          <a:ext cx="0" cy="0"/>
+          <a:chOff x="0" y="0"/>
+          <a:chExt cx="0" cy="0"/>
+        </a:xfrm>
+      </p:grpSpPr>
+      <p:sp>
+        <p:nvSpPr>
+          <p:cNvPr id="2" name="Folienbildplatzhalter 1"/>
+          <p:cNvSpPr>
+            <a:spLocks noGrp="1" noRot="1" noChangeAspect="1"/>
+          </p:cNvSpPr>
+          <p:nvPr>
+            <p:ph type="sldImg"/>
+          </p:nvPr>
+        </p:nvSpPr>
+        <p:spPr/>
+      </p:sp>
+      <p:sp>
+        <p:nvSpPr>
+          <p:cNvPr id="3" name="Notizenplatzhalter 2"/>
+          <p:cNvSpPr>
+            <a:spLocks noGrp="1"/>
+          </p:cNvSpPr>
+          <p:nvPr>
+            <p:ph type="body" idx="1"/>
+          </p:nvPr>
+        </p:nvSpPr>
+        <p:spPr/>
+        <p:txBody>
+          <a:bodyPr/>
+          <a:lstStyle/>
+          <a:p>
             <a:r>
               <a:rPr lang="de-DE" sz="1200" b="0" i="0" kern="1200" dirty="0" err="1">
                 <a:solidFill>
@@ -1087,7 +1429,7 @@
           <a:p>
             <a:fld id="{67F32239-C198-46BF-8243-3DEE8544CFAA}" type="slidenum">
               <a:rPr lang="de-DE" smtClean="0"/>
-              <a:t>18</a:t>
+              <a:t>20</a:t>
             </a:fld>
             <a:endParaRPr lang="de-DE"/>
           </a:p>
@@ -1150,157 +1492,25 @@
           <a:bodyPr/>
           <a:lstStyle/>
           <a:p>
-            <a:r>
-              <a:rPr lang="en-US" dirty="0" err="1"/>
-              <a:t>Standadisierte</a:t>
-            </a:r>
-            <a:r>
-              <a:rPr lang="en-US" dirty="0"/>
-              <a:t> </a:t>
-            </a:r>
-            <a:r>
-              <a:rPr lang="en-US" dirty="0" err="1"/>
-              <a:t>Programmierschnittstelle</a:t>
-            </a:r>
-            <a:r>
-              <a:rPr lang="en-US" dirty="0"/>
-              <a:t> </a:t>
-            </a:r>
-            <a:r>
-              <a:rPr lang="en-US" dirty="0" err="1"/>
-              <a:t>für</a:t>
-            </a:r>
-            <a:r>
-              <a:rPr lang="en-US" dirty="0"/>
-              <a:t> shared memory </a:t>
-            </a:r>
-            <a:r>
-              <a:rPr lang="en-US" dirty="0" err="1"/>
-              <a:t>programmierung</a:t>
-            </a:r>
-            <a:r>
-              <a:rPr lang="en-US" dirty="0"/>
-              <a:t> in </a:t>
-            </a:r>
-            <a:r>
-              <a:rPr lang="en-US" dirty="0" err="1"/>
-              <a:t>c++</a:t>
-            </a:r>
-            <a:r>
-              <a:rPr lang="en-US" dirty="0"/>
-              <a:t>,c und </a:t>
-            </a:r>
-            <a:r>
-              <a:rPr lang="en-US" dirty="0" err="1"/>
-              <a:t>fortran</a:t>
-            </a:r>
-            <a:r>
-              <a:rPr lang="en-US" dirty="0"/>
-              <a:t> (prog </a:t>
-            </a:r>
-            <a:r>
-              <a:rPr lang="en-US" dirty="0" err="1"/>
-              <a:t>sprache</a:t>
-            </a:r>
-            <a:r>
-              <a:rPr lang="en-US" dirty="0"/>
-              <a:t> </a:t>
-            </a:r>
-            <a:r>
-              <a:rPr lang="en-US" dirty="0" err="1"/>
-              <a:t>ausgelegt</a:t>
-            </a:r>
-            <a:r>
-              <a:rPr lang="en-US" dirty="0"/>
-              <a:t> </a:t>
-            </a:r>
-            <a:r>
-              <a:rPr lang="en-US" dirty="0" err="1"/>
-              <a:t>für</a:t>
-            </a:r>
-            <a:r>
-              <a:rPr lang="en-US" dirty="0"/>
-              <a:t> </a:t>
-            </a:r>
-            <a:r>
-              <a:rPr lang="en-US" dirty="0" err="1"/>
-              <a:t>numerische</a:t>
-            </a:r>
-            <a:r>
-              <a:rPr lang="en-US" dirty="0"/>
-              <a:t> </a:t>
-            </a:r>
-            <a:r>
-              <a:rPr lang="en-US" dirty="0" err="1"/>
-              <a:t>berechnungen</a:t>
-            </a:r>
-            <a:r>
-              <a:rPr lang="en-US" dirty="0"/>
-              <a:t>) </a:t>
-            </a:r>
-            <a:r>
-              <a:rPr lang="en-US" dirty="0" err="1"/>
-              <a:t>seit</a:t>
-            </a:r>
-            <a:r>
-              <a:rPr lang="en-US" dirty="0"/>
-              <a:t> 1997</a:t>
-            </a:r>
-          </a:p>
-          <a:p>
-            <a:r>
-              <a:rPr lang="en-US" dirty="0"/>
-              <a:t>2002: v2.0</a:t>
-            </a:r>
-          </a:p>
-          <a:p>
-            <a:r>
-              <a:rPr lang="en-US" dirty="0"/>
-              <a:t>2008: v3.0</a:t>
-            </a:r>
-          </a:p>
-          <a:p>
-            <a:r>
-              <a:rPr lang="en-US" dirty="0"/>
-              <a:t>2013: v4.0</a:t>
-            </a:r>
-          </a:p>
-          <a:p>
-            <a:r>
-              <a:rPr lang="en-US" dirty="0"/>
-              <a:t>2018: v5.0</a:t>
-            </a:r>
-          </a:p>
-          <a:p>
-            <a:endParaRPr lang="en-US" dirty="0"/>
-          </a:p>
-          <a:p>
-            <a:r>
-              <a:rPr lang="en-US" dirty="0" err="1"/>
-              <a:t>Breite</a:t>
-            </a:r>
-            <a:r>
-              <a:rPr lang="en-US" dirty="0"/>
-              <a:t> </a:t>
-            </a:r>
-            <a:r>
-              <a:rPr lang="en-US" dirty="0" err="1"/>
-              <a:t>Unterstüzung</a:t>
-            </a:r>
-            <a:r>
-              <a:rPr lang="en-US" dirty="0"/>
-              <a:t> von </a:t>
-            </a:r>
-            <a:r>
-              <a:rPr lang="en-US" dirty="0" err="1"/>
-              <a:t>Herstellern</a:t>
-            </a:r>
-            <a:r>
-              <a:rPr lang="en-US" dirty="0"/>
-              <a:t> </a:t>
-            </a:r>
-            <a:r>
-              <a:rPr lang="de-DE" sz="1200" kern="1200" dirty="0">
+            <a:pPr marL="0" marR="0" lvl="0" indent="0" algn="l" defTabSz="914400" rtl="0" eaLnBrk="1" fontAlgn="auto" latinLnBrk="0" hangingPunct="1">
+              <a:lnSpc>
+                <a:spcPct val="100000"/>
+              </a:lnSpc>
+              <a:spcBef>
+                <a:spcPts val="0"/>
+              </a:spcBef>
+              <a:spcAft>
+                <a:spcPts val="0"/>
+              </a:spcAft>
+              <a:buClrTx/>
+              <a:buSzTx/>
+              <a:buFontTx/>
+              <a:buNone/>
+              <a:tabLst/>
+              <a:defRPr/>
+            </a:pPr>
+            <a:r>
+              <a:rPr lang="de-DE" sz="1200" b="0" kern="1200" dirty="0" err="1">
                 <a:solidFill>
                   <a:schemeClr val="tx1"/>
                 </a:solidFill>
@@ -1309,10 +1519,10 @@
                 <a:ea typeface="+mn-ea"/>
                 <a:cs typeface="+mn-cs"/>
               </a:rPr>
-              <a:t>SUN, IBM, Intel, </a:t>
-            </a:r>
-            <a:r>
-              <a:rPr lang="de-DE" sz="1200" kern="1200" dirty="0" err="1">
+              <a:t>OpenMP</a:t>
+            </a:r>
+            <a:r>
+              <a:rPr lang="de-DE" sz="1200" b="0" kern="1200" dirty="0">
                 <a:solidFill>
                   <a:schemeClr val="tx1"/>
                 </a:solidFill>
@@ -1321,167 +1531,11 @@
                 <a:ea typeface="+mn-ea"/>
                 <a:cs typeface="+mn-cs"/>
               </a:rPr>
-              <a:t>Amd</a:t>
-            </a:r>
-            <a:r>
-              <a:rPr lang="de-DE" sz="1200" kern="1200" dirty="0">
-                <a:solidFill>
-                  <a:schemeClr val="tx1"/>
-                </a:solidFill>
-                <a:effectLst/>
-                <a:latin typeface="+mn-lt"/>
-                <a:ea typeface="+mn-ea"/>
-                <a:cs typeface="+mn-cs"/>
-              </a:rPr>
-              <a:t>, Compaq</a:t>
-            </a:r>
-          </a:p>
-          <a:p>
-            <a:endParaRPr lang="de-DE" sz="1200" kern="1200" dirty="0">
-              <a:solidFill>
-                <a:schemeClr val="tx1"/>
-              </a:solidFill>
-              <a:effectLst/>
-              <a:latin typeface="+mn-lt"/>
-              <a:ea typeface="+mn-ea"/>
-              <a:cs typeface="+mn-cs"/>
-            </a:endParaRPr>
-          </a:p>
-          <a:p>
-            <a:r>
-              <a:rPr lang="de-DE" sz="1200" kern="1200" dirty="0">
-                <a:solidFill>
-                  <a:schemeClr val="tx1"/>
-                </a:solidFill>
-                <a:effectLst/>
-                <a:latin typeface="+mn-lt"/>
-                <a:ea typeface="+mn-ea"/>
-                <a:cs typeface="+mn-cs"/>
-              </a:rPr>
-              <a:t>Funktioniert nicht bei </a:t>
-            </a:r>
-            <a:r>
-              <a:rPr lang="de-DE" sz="1200" kern="1200" dirty="0" err="1">
-                <a:solidFill>
-                  <a:schemeClr val="tx1"/>
-                </a:solidFill>
-                <a:effectLst/>
-                <a:latin typeface="+mn-lt"/>
-                <a:ea typeface="+mn-ea"/>
-                <a:cs typeface="+mn-cs"/>
-              </a:rPr>
-              <a:t>systemen</a:t>
-            </a:r>
-            <a:r>
-              <a:rPr lang="de-DE" sz="1200" kern="1200" dirty="0">
-                <a:solidFill>
-                  <a:schemeClr val="tx1"/>
-                </a:solidFill>
-                <a:effectLst/>
-                <a:latin typeface="+mn-lt"/>
-                <a:ea typeface="+mn-ea"/>
-                <a:cs typeface="+mn-cs"/>
-              </a:rPr>
-              <a:t> mit verteiltem </a:t>
-            </a:r>
-            <a:r>
-              <a:rPr lang="de-DE" sz="1200" kern="1200" dirty="0" err="1">
-                <a:solidFill>
-                  <a:schemeClr val="tx1"/>
-                </a:solidFill>
-                <a:effectLst/>
-                <a:latin typeface="+mn-lt"/>
-                <a:ea typeface="+mn-ea"/>
-                <a:cs typeface="+mn-cs"/>
-              </a:rPr>
-              <a:t>speicher</a:t>
-            </a:r>
-            <a:r>
-              <a:rPr lang="de-DE" sz="1200" kern="1200" dirty="0">
-                <a:solidFill>
-                  <a:schemeClr val="tx1"/>
-                </a:solidFill>
-                <a:effectLst/>
-                <a:latin typeface="+mn-lt"/>
-                <a:ea typeface="+mn-ea"/>
-                <a:cs typeface="+mn-cs"/>
-              </a:rPr>
-              <a:t>, warum erkennt man später</a:t>
-            </a:r>
-          </a:p>
-          <a:p>
-            <a:endParaRPr lang="de-DE" sz="1200" kern="1200" dirty="0">
-              <a:solidFill>
-                <a:schemeClr val="tx1"/>
-              </a:solidFill>
-              <a:effectLst/>
-              <a:latin typeface="+mn-lt"/>
-              <a:ea typeface="+mn-ea"/>
-              <a:cs typeface="+mn-cs"/>
-            </a:endParaRPr>
-          </a:p>
-          <a:p>
-            <a:r>
-              <a:rPr lang="de-DE" sz="1200" kern="1200" dirty="0">
-                <a:solidFill>
-                  <a:schemeClr val="tx1"/>
-                </a:solidFill>
-                <a:effectLst/>
-                <a:latin typeface="+mn-lt"/>
-                <a:ea typeface="+mn-ea"/>
-                <a:cs typeface="+mn-cs"/>
-              </a:rPr>
-              <a:t>Keine Überprüfung der </a:t>
-            </a:r>
-            <a:r>
-              <a:rPr lang="de-DE" sz="1200" kern="1200" dirty="0" err="1">
-                <a:solidFill>
-                  <a:schemeClr val="tx1"/>
-                </a:solidFill>
-                <a:effectLst/>
-                <a:latin typeface="+mn-lt"/>
-                <a:ea typeface="+mn-ea"/>
-                <a:cs typeface="+mn-cs"/>
-              </a:rPr>
-              <a:t>genutzen</a:t>
-            </a:r>
-            <a:r>
-              <a:rPr lang="de-DE" sz="1200" kern="1200" dirty="0">
-                <a:solidFill>
-                  <a:schemeClr val="tx1"/>
-                </a:solidFill>
-                <a:effectLst/>
-                <a:latin typeface="+mn-lt"/>
-                <a:ea typeface="+mn-ea"/>
-                <a:cs typeface="+mn-cs"/>
-              </a:rPr>
-              <a:t> direktiven im </a:t>
-            </a:r>
-            <a:r>
-              <a:rPr lang="de-DE" sz="1200" kern="1200" dirty="0" err="1">
-                <a:solidFill>
-                  <a:schemeClr val="tx1"/>
-                </a:solidFill>
-                <a:effectLst/>
-                <a:latin typeface="+mn-lt"/>
-                <a:ea typeface="+mn-ea"/>
-                <a:cs typeface="+mn-cs"/>
-              </a:rPr>
-              <a:t>hinblick</a:t>
-            </a:r>
-            <a:r>
-              <a:rPr lang="de-DE" sz="1200" kern="1200" dirty="0">
-                <a:solidFill>
-                  <a:schemeClr val="tx1"/>
-                </a:solidFill>
-                <a:effectLst/>
-                <a:latin typeface="+mn-lt"/>
-                <a:ea typeface="+mn-ea"/>
-                <a:cs typeface="+mn-cs"/>
-              </a:rPr>
-              <a:t> auf die Korrektheit (Deadlocks, Datenabhängigkeiten) =&gt; man muss wissen was man macht</a:t>
-            </a:r>
-            <a:endParaRPr lang="de-DE" dirty="0"/>
+              <a:t> macht den Einstieg sehr einfach, weil man letztendlich einfach ein paar Präprozessor- und Compiler-Direktiven einfügt und schon Multi-Core Fähigkeit hat.</a:t>
+            </a:r>
+          </a:p>
+          <a:p>
+            <a:endParaRPr lang="en-US" dirty="0"/>
           </a:p>
         </p:txBody>
       </p:sp>
@@ -1502,7 +1556,7 @@
           <a:p>
             <a:fld id="{67F32239-C198-46BF-8243-3DEE8544CFAA}" type="slidenum">
               <a:rPr lang="de-DE" smtClean="0"/>
-              <a:t>6</a:t>
+              <a:t>3</a:t>
             </a:fld>
             <a:endParaRPr lang="de-DE"/>
           </a:p>
@@ -1511,7 +1565,7 @@
     </p:spTree>
     <p:extLst>
       <p:ext uri="{BB962C8B-B14F-4D97-AF65-F5344CB8AC3E}">
-        <p14:creationId xmlns:p14="http://schemas.microsoft.com/office/powerpoint/2010/main" val="810675153"/>
+        <p14:creationId xmlns:p14="http://schemas.microsoft.com/office/powerpoint/2010/main" val="995021617"/>
       </p:ext>
     </p:extLst>
   </p:cSld>
@@ -1565,153 +1619,6 @@
           <a:bodyPr/>
           <a:lstStyle/>
           <a:p>
-            <a:r>
-              <a:rPr lang="en-US" dirty="0" err="1"/>
-              <a:t>OpenMp</a:t>
-            </a:r>
-            <a:r>
-              <a:rPr lang="en-US" dirty="0"/>
-              <a:t> </a:t>
-            </a:r>
-            <a:r>
-              <a:rPr lang="en-US" dirty="0" err="1"/>
-              <a:t>basiert</a:t>
-            </a:r>
-            <a:r>
-              <a:rPr lang="en-US" dirty="0"/>
-              <a:t> auf </a:t>
-            </a:r>
-            <a:r>
-              <a:rPr lang="en-US" dirty="0" err="1"/>
-              <a:t>direktiven</a:t>
-            </a:r>
-            <a:r>
-              <a:rPr lang="en-US" dirty="0"/>
-              <a:t> </a:t>
-            </a:r>
-            <a:r>
-              <a:rPr lang="en-US" dirty="0" err="1"/>
-              <a:t>oder</a:t>
-            </a:r>
-            <a:r>
-              <a:rPr lang="en-US" dirty="0"/>
-              <a:t> </a:t>
-            </a:r>
-            <a:r>
-              <a:rPr lang="en-US" dirty="0" err="1"/>
-              <a:t>auch</a:t>
-            </a:r>
-            <a:r>
-              <a:rPr lang="en-US" dirty="0"/>
-              <a:t> pragmas</a:t>
-            </a:r>
-          </a:p>
-          <a:p>
-            <a:r>
-              <a:rPr lang="en-US" dirty="0" err="1"/>
-              <a:t>Diese</a:t>
-            </a:r>
-            <a:r>
-              <a:rPr lang="en-US" dirty="0"/>
-              <a:t> </a:t>
-            </a:r>
-            <a:r>
-              <a:rPr lang="en-US" dirty="0" err="1"/>
-              <a:t>geben</a:t>
-            </a:r>
-            <a:r>
-              <a:rPr lang="en-US" dirty="0"/>
-              <a:t> </a:t>
-            </a:r>
-            <a:r>
-              <a:rPr lang="en-US" dirty="0" err="1"/>
-              <a:t>Instruktionen</a:t>
-            </a:r>
-            <a:r>
-              <a:rPr lang="en-US" dirty="0"/>
-              <a:t> an den Compiler, </a:t>
-            </a:r>
-            <a:r>
-              <a:rPr lang="en-US" dirty="0" err="1"/>
-              <a:t>wenn</a:t>
-            </a:r>
-            <a:r>
-              <a:rPr lang="en-US" dirty="0"/>
-              <a:t> </a:t>
-            </a:r>
-            <a:r>
-              <a:rPr lang="en-US" dirty="0" err="1"/>
-              <a:t>OpenMp</a:t>
-            </a:r>
-            <a:r>
-              <a:rPr lang="en-US" dirty="0"/>
-              <a:t> </a:t>
-            </a:r>
-            <a:r>
-              <a:rPr lang="en-US" dirty="0" err="1"/>
-              <a:t>unterstützt</a:t>
-            </a:r>
-            <a:r>
-              <a:rPr lang="en-US" dirty="0"/>
-              <a:t> </a:t>
-            </a:r>
-            <a:r>
-              <a:rPr lang="en-US" dirty="0" err="1"/>
-              <a:t>wird</a:t>
-            </a:r>
-            <a:endParaRPr lang="en-US" dirty="0"/>
-          </a:p>
-          <a:p>
-            <a:endParaRPr lang="de-DE" dirty="0"/>
-          </a:p>
-          <a:p>
-            <a:r>
-              <a:rPr lang="de-DE" dirty="0"/>
-              <a:t>Dabei definiert man Kontrollstrukturen die die Parallelisierung beschreiben und auch wie die Daten dabei Synchronisiert </a:t>
-            </a:r>
-            <a:r>
-              <a:rPr lang="de-DE" dirty="0" err="1"/>
-              <a:t>wrden</a:t>
-            </a:r>
-            <a:r>
-              <a:rPr lang="de-DE" dirty="0"/>
-              <a:t> müssen</a:t>
-            </a:r>
-          </a:p>
-          <a:p>
-            <a:endParaRPr lang="de-DE" dirty="0"/>
-          </a:p>
-          <a:p>
-            <a:r>
-              <a:rPr lang="de-DE" dirty="0"/>
-              <a:t>Eine </a:t>
-            </a:r>
-            <a:r>
-              <a:rPr lang="de-DE" dirty="0" err="1"/>
-              <a:t>OpenMp</a:t>
-            </a:r>
-            <a:r>
-              <a:rPr lang="de-DE" dirty="0"/>
-              <a:t> </a:t>
-            </a:r>
-            <a:r>
-              <a:rPr lang="de-DE" dirty="0" err="1"/>
-              <a:t>directive</a:t>
-            </a:r>
-            <a:r>
-              <a:rPr lang="de-DE" dirty="0"/>
-              <a:t> ist immer mit dem darauf folgenden </a:t>
-            </a:r>
-            <a:r>
-              <a:rPr lang="de-DE" dirty="0" err="1"/>
-              <a:t>struktur</a:t>
-            </a:r>
-            <a:r>
-              <a:rPr lang="de-DE" dirty="0"/>
-              <a:t> block verbunden ( außer man klammert)</a:t>
-            </a:r>
-          </a:p>
-          <a:p>
             <a:endParaRPr lang="de-DE" dirty="0"/>
           </a:p>
         </p:txBody>
@@ -1733,7 +1640,7 @@
           <a:p>
             <a:fld id="{67F32239-C198-46BF-8243-3DEE8544CFAA}" type="slidenum">
               <a:rPr lang="de-DE" smtClean="0"/>
-              <a:t>7</a:t>
+              <a:t>4</a:t>
             </a:fld>
             <a:endParaRPr lang="de-DE"/>
           </a:p>
@@ -1742,7 +1649,7 @@
     </p:spTree>
     <p:extLst>
       <p:ext uri="{BB962C8B-B14F-4D97-AF65-F5344CB8AC3E}">
-        <p14:creationId xmlns:p14="http://schemas.microsoft.com/office/powerpoint/2010/main" val="1676947879"/>
+        <p14:creationId xmlns:p14="http://schemas.microsoft.com/office/powerpoint/2010/main" val="1980002554"/>
       </p:ext>
     </p:extLst>
   </p:cSld>
@@ -1797,6 +1704,167 @@
           <a:lstStyle/>
           <a:p>
             <a:r>
+              <a:rPr lang="en-US" dirty="0" err="1"/>
+              <a:t>Standadisierte</a:t>
+            </a:r>
+            <a:r>
+              <a:rPr lang="en-US" dirty="0"/>
+              <a:t> </a:t>
+            </a:r>
+            <a:r>
+              <a:rPr lang="en-US" dirty="0" err="1"/>
+              <a:t>Programmierschnittstelle</a:t>
+            </a:r>
+            <a:r>
+              <a:rPr lang="en-US" dirty="0"/>
+              <a:t> </a:t>
+            </a:r>
+            <a:r>
+              <a:rPr lang="en-US" dirty="0" err="1"/>
+              <a:t>für</a:t>
+            </a:r>
+            <a:r>
+              <a:rPr lang="en-US" dirty="0"/>
+              <a:t> shared memory </a:t>
+            </a:r>
+            <a:r>
+              <a:rPr lang="en-US" dirty="0" err="1"/>
+              <a:t>programmierung</a:t>
+            </a:r>
+            <a:r>
+              <a:rPr lang="en-US" dirty="0"/>
+              <a:t> in </a:t>
+            </a:r>
+            <a:r>
+              <a:rPr lang="en-US" dirty="0" err="1"/>
+              <a:t>c++</a:t>
+            </a:r>
+            <a:r>
+              <a:rPr lang="en-US" dirty="0"/>
+              <a:t>,c und </a:t>
+            </a:r>
+            <a:r>
+              <a:rPr lang="en-US" dirty="0" err="1"/>
+              <a:t>fortran</a:t>
+            </a:r>
+            <a:r>
+              <a:rPr lang="en-US" dirty="0"/>
+              <a:t> (prog </a:t>
+            </a:r>
+            <a:r>
+              <a:rPr lang="en-US" dirty="0" err="1"/>
+              <a:t>sprache</a:t>
+            </a:r>
+            <a:r>
+              <a:rPr lang="en-US" dirty="0"/>
+              <a:t> </a:t>
+            </a:r>
+            <a:r>
+              <a:rPr lang="en-US" dirty="0" err="1"/>
+              <a:t>ausgelegt</a:t>
+            </a:r>
+            <a:r>
+              <a:rPr lang="en-US" dirty="0"/>
+              <a:t> </a:t>
+            </a:r>
+            <a:r>
+              <a:rPr lang="en-US" dirty="0" err="1"/>
+              <a:t>für</a:t>
+            </a:r>
+            <a:r>
+              <a:rPr lang="en-US" dirty="0"/>
+              <a:t> </a:t>
+            </a:r>
+            <a:r>
+              <a:rPr lang="en-US" dirty="0" err="1"/>
+              <a:t>numerische</a:t>
+            </a:r>
+            <a:r>
+              <a:rPr lang="en-US" dirty="0"/>
+              <a:t> </a:t>
+            </a:r>
+            <a:r>
+              <a:rPr lang="en-US" dirty="0" err="1"/>
+              <a:t>berechnungen</a:t>
+            </a:r>
+            <a:r>
+              <a:rPr lang="en-US" dirty="0"/>
+              <a:t>) </a:t>
+            </a:r>
+            <a:r>
+              <a:rPr lang="en-US" dirty="0" err="1"/>
+              <a:t>seit</a:t>
+            </a:r>
+            <a:r>
+              <a:rPr lang="en-US" dirty="0"/>
+              <a:t> 1997</a:t>
+            </a:r>
+          </a:p>
+          <a:p>
+            <a:r>
+              <a:rPr lang="en-US" dirty="0"/>
+              <a:t>2002: v2.0</a:t>
+            </a:r>
+          </a:p>
+          <a:p>
+            <a:r>
+              <a:rPr lang="en-US" dirty="0"/>
+              <a:t>2008: v3.0</a:t>
+            </a:r>
+          </a:p>
+          <a:p>
+            <a:r>
+              <a:rPr lang="en-US" dirty="0"/>
+              <a:t>2013: v4.0</a:t>
+            </a:r>
+          </a:p>
+          <a:p>
+            <a:r>
+              <a:rPr lang="en-US" dirty="0"/>
+              <a:t>2018: v5.0</a:t>
+            </a:r>
+          </a:p>
+          <a:p>
+            <a:endParaRPr lang="en-US" dirty="0"/>
+          </a:p>
+          <a:p>
+            <a:r>
+              <a:rPr lang="en-US" dirty="0" err="1"/>
+              <a:t>Breite</a:t>
+            </a:r>
+            <a:r>
+              <a:rPr lang="en-US" dirty="0"/>
+              <a:t> </a:t>
+            </a:r>
+            <a:r>
+              <a:rPr lang="en-US" dirty="0" err="1"/>
+              <a:t>Unterstüzung</a:t>
+            </a:r>
+            <a:r>
+              <a:rPr lang="en-US" dirty="0"/>
+              <a:t> von </a:t>
+            </a:r>
+            <a:r>
+              <a:rPr lang="en-US" dirty="0" err="1"/>
+              <a:t>Herstellern</a:t>
+            </a:r>
+            <a:r>
+              <a:rPr lang="en-US" dirty="0"/>
+              <a:t> </a:t>
+            </a:r>
+            <a:r>
+              <a:rPr lang="de-DE" sz="1200" kern="1200" dirty="0">
+                <a:solidFill>
+                  <a:schemeClr val="tx1"/>
+                </a:solidFill>
+                <a:effectLst/>
+                <a:latin typeface="+mn-lt"/>
+                <a:ea typeface="+mn-ea"/>
+                <a:cs typeface="+mn-cs"/>
+              </a:rPr>
+              <a:t>SUN, IBM, Intel, </a:t>
+            </a:r>
+            <a:r>
               <a:rPr lang="de-DE" sz="1200" kern="1200" dirty="0" err="1">
                 <a:solidFill>
                   <a:schemeClr val="tx1"/>
@@ -1806,7 +1874,7 @@
                 <a:ea typeface="+mn-ea"/>
                 <a:cs typeface="+mn-cs"/>
               </a:rPr>
-              <a:t>OpenMP</a:t>
+              <a:t>Amd</a:t>
             </a:r>
             <a:r>
               <a:rPr lang="de-DE" sz="1200" kern="1200" dirty="0">
@@ -1818,7 +1886,32 @@
                 <a:ea typeface="+mn-ea"/>
                 <a:cs typeface="+mn-cs"/>
               </a:rPr>
-              <a:t> basiert auf dem </a:t>
+              <a:t>, Compaq</a:t>
+            </a:r>
+          </a:p>
+          <a:p>
+            <a:endParaRPr lang="de-DE" sz="1200" kern="1200" dirty="0">
+              <a:solidFill>
+                <a:schemeClr val="tx1"/>
+              </a:solidFill>
+              <a:effectLst/>
+              <a:latin typeface="+mn-lt"/>
+              <a:ea typeface="+mn-ea"/>
+              <a:cs typeface="+mn-cs"/>
+            </a:endParaRPr>
+          </a:p>
+          <a:p>
+            <a:r>
+              <a:rPr lang="de-DE" sz="1200" kern="1200" dirty="0">
+                <a:solidFill>
+                  <a:schemeClr val="tx1"/>
+                </a:solidFill>
+                <a:effectLst/>
+                <a:latin typeface="+mn-lt"/>
+                <a:ea typeface="+mn-ea"/>
+                <a:cs typeface="+mn-cs"/>
+              </a:rPr>
+              <a:t>Funktioniert nicht bei </a:t>
             </a:r>
             <a:r>
               <a:rPr lang="de-DE" sz="1200" kern="1200" dirty="0" err="1">
@@ -1830,7 +1923,7 @@
                 <a:ea typeface="+mn-ea"/>
                 <a:cs typeface="+mn-cs"/>
               </a:rPr>
-              <a:t>fork</a:t>
+              <a:t>systemen</a:t>
             </a:r>
             <a:r>
               <a:rPr lang="de-DE" sz="1200" kern="1200" dirty="0">
@@ -1842,7 +1935,7 @@
                 <a:ea typeface="+mn-ea"/>
                 <a:cs typeface="+mn-cs"/>
               </a:rPr>
-              <a:t>/</a:t>
+              <a:t> mit verteiltem </a:t>
             </a:r>
             <a:r>
               <a:rPr lang="de-DE" sz="1200" kern="1200" dirty="0" err="1">
@@ -1854,7 +1947,7 @@
                 <a:ea typeface="+mn-ea"/>
                 <a:cs typeface="+mn-cs"/>
               </a:rPr>
-              <a:t>join</a:t>
+              <a:t>speicher</a:t>
             </a:r>
             <a:r>
               <a:rPr lang="de-DE" sz="1200" kern="1200" dirty="0">
@@ -1866,7 +1959,7 @@
                 <a:ea typeface="+mn-ea"/>
                 <a:cs typeface="+mn-cs"/>
               </a:rPr>
-              <a:t> Modell</a:t>
+              <a:t>, warum erkennt man später</a:t>
             </a:r>
           </a:p>
           <a:p>
@@ -1891,7 +1984,7 @@
                 <a:ea typeface="+mn-ea"/>
                 <a:cs typeface="+mn-cs"/>
               </a:rPr>
-              <a:t>Ein </a:t>
+              <a:t>Keine Überprüfung der </a:t>
             </a:r>
             <a:r>
               <a:rPr lang="de-DE" sz="1200" kern="1200" dirty="0" err="1">
@@ -1903,7 +1996,7 @@
                 <a:ea typeface="+mn-ea"/>
                 <a:cs typeface="+mn-cs"/>
               </a:rPr>
-              <a:t>OpenMP</a:t>
+              <a:t>genutzen</a:t>
             </a:r>
             <a:r>
               <a:rPr lang="de-DE" sz="1200" kern="1200" dirty="0">
@@ -1915,7 +2008,7 @@
                 <a:ea typeface="+mn-ea"/>
                 <a:cs typeface="+mn-cs"/>
               </a:rPr>
-              <a:t>-Programm startet als einzelner Thread (</a:t>
+              <a:t> direktiven im </a:t>
             </a:r>
             <a:r>
               <a:rPr lang="de-DE" sz="1200" kern="1200" dirty="0" err="1">
@@ -1927,7 +2020,7 @@
                 <a:ea typeface="+mn-ea"/>
                 <a:cs typeface="+mn-cs"/>
               </a:rPr>
-              <a:t>master</a:t>
+              <a:t>hinblick</a:t>
             </a:r>
             <a:r>
               <a:rPr lang="de-DE" sz="1200" kern="1200" dirty="0">
@@ -1939,154 +2032,7 @@
                 <a:ea typeface="+mn-ea"/>
                 <a:cs typeface="+mn-cs"/>
               </a:rPr>
-              <a:t> </a:t>
-            </a:r>
-            <a:r>
-              <a:rPr lang="de-DE" sz="1200" kern="1200" dirty="0" err="1">
-                <a:solidFill>
-                  <a:schemeClr val="tx1"/>
-                </a:solidFill>
-                <a:effectLst/>
-                <a:latin typeface="+mn-lt"/>
-                <a:ea typeface="+mn-ea"/>
-                <a:cs typeface="+mn-cs"/>
-              </a:rPr>
-              <a:t>thread</a:t>
-            </a:r>
-            <a:r>
-              <a:rPr lang="de-DE" sz="1200" kern="1200" dirty="0">
-                <a:solidFill>
-                  <a:schemeClr val="tx1"/>
-                </a:solidFill>
-                <a:effectLst/>
-                <a:latin typeface="+mn-lt"/>
-                <a:ea typeface="+mn-ea"/>
-                <a:cs typeface="+mn-cs"/>
-              </a:rPr>
-              <a:t>). Weitere Threads (Team) werden durch eine parallele Region erzeugt und am Ende der parallelen Region wieder zurückgegeben</a:t>
-            </a:r>
-          </a:p>
-          <a:p>
-            <a:endParaRPr lang="de-DE" sz="1200" kern="1200" dirty="0">
-              <a:solidFill>
-                <a:schemeClr val="tx1"/>
-              </a:solidFill>
-              <a:effectLst/>
-              <a:latin typeface="+mn-lt"/>
-              <a:ea typeface="+mn-ea"/>
-              <a:cs typeface="+mn-cs"/>
-            </a:endParaRPr>
-          </a:p>
-          <a:p>
-            <a:r>
-              <a:rPr lang="de-DE" sz="1200" kern="1200" dirty="0">
-                <a:solidFill>
-                  <a:schemeClr val="tx1"/>
-                </a:solidFill>
-                <a:effectLst/>
-                <a:latin typeface="+mn-lt"/>
-                <a:ea typeface="+mn-ea"/>
-                <a:cs typeface="+mn-cs"/>
-              </a:rPr>
-              <a:t>Ein Team besteht aus einer festen Anzahl  von Threads, die die parallele Region redundant abarbeiten</a:t>
-            </a:r>
-          </a:p>
-          <a:p>
-            <a:endParaRPr lang="de-DE" sz="1200" kern="1200" dirty="0">
-              <a:solidFill>
-                <a:schemeClr val="tx1"/>
-              </a:solidFill>
-              <a:effectLst/>
-              <a:latin typeface="+mn-lt"/>
-              <a:ea typeface="+mn-ea"/>
-              <a:cs typeface="+mn-cs"/>
-            </a:endParaRPr>
-          </a:p>
-          <a:p>
-            <a:r>
-              <a:rPr lang="de-DE" sz="1200" kern="1200" dirty="0">
-                <a:solidFill>
-                  <a:schemeClr val="tx1"/>
-                </a:solidFill>
-                <a:effectLst/>
-                <a:latin typeface="+mn-lt"/>
-                <a:ea typeface="+mn-ea"/>
-                <a:cs typeface="+mn-cs"/>
-              </a:rPr>
-              <a:t>Am Ende der parallelen Region findet eine Synchronisation aller Threads im Team statt</a:t>
-            </a:r>
-          </a:p>
-          <a:p>
-            <a:endParaRPr lang="de-DE" sz="1200" kern="1200" dirty="0">
-              <a:solidFill>
-                <a:schemeClr val="tx1"/>
-              </a:solidFill>
-              <a:effectLst/>
-              <a:latin typeface="+mn-lt"/>
-              <a:ea typeface="+mn-ea"/>
-              <a:cs typeface="+mn-cs"/>
-            </a:endParaRPr>
-          </a:p>
-          <a:p>
-            <a:r>
-              <a:rPr lang="de-DE" sz="1200" kern="1200" dirty="0">
-                <a:solidFill>
-                  <a:schemeClr val="tx1"/>
-                </a:solidFill>
-                <a:effectLst/>
-                <a:latin typeface="+mn-lt"/>
-                <a:ea typeface="+mn-ea"/>
-                <a:cs typeface="+mn-cs"/>
-              </a:rPr>
-              <a:t>Nach der parallelen Region führt der </a:t>
-            </a:r>
-            <a:r>
-              <a:rPr lang="de-DE" sz="1200" kern="1200" dirty="0" err="1">
-                <a:solidFill>
-                  <a:schemeClr val="tx1"/>
-                </a:solidFill>
-                <a:effectLst/>
-                <a:latin typeface="+mn-lt"/>
-                <a:ea typeface="+mn-ea"/>
-                <a:cs typeface="+mn-cs"/>
-              </a:rPr>
-              <a:t>master</a:t>
-            </a:r>
-            <a:r>
-              <a:rPr lang="de-DE" sz="1200" kern="1200" dirty="0">
-                <a:solidFill>
-                  <a:schemeClr val="tx1"/>
-                </a:solidFill>
-                <a:effectLst/>
-                <a:latin typeface="+mn-lt"/>
-                <a:ea typeface="+mn-ea"/>
-                <a:cs typeface="+mn-cs"/>
-              </a:rPr>
-              <a:t> </a:t>
-            </a:r>
-            <a:r>
-              <a:rPr lang="de-DE" sz="1200" kern="1200" dirty="0" err="1">
-                <a:solidFill>
-                  <a:schemeClr val="tx1"/>
-                </a:solidFill>
-                <a:effectLst/>
-                <a:latin typeface="+mn-lt"/>
-                <a:ea typeface="+mn-ea"/>
-                <a:cs typeface="+mn-cs"/>
-              </a:rPr>
-              <a:t>thread</a:t>
-            </a:r>
-            <a:r>
-              <a:rPr lang="de-DE" sz="1200" kern="1200" dirty="0">
-                <a:solidFill>
-                  <a:schemeClr val="tx1"/>
-                </a:solidFill>
-                <a:effectLst/>
-                <a:latin typeface="+mn-lt"/>
-                <a:ea typeface="+mn-ea"/>
-                <a:cs typeface="+mn-cs"/>
-              </a:rPr>
-              <a:t> den Code (sequentiell) fort</a:t>
+              <a:t> auf die Korrektheit (Deadlocks, Datenabhängigkeiten) =&gt; man muss wissen was man macht</a:t>
             </a:r>
             <a:endParaRPr lang="de-DE" dirty="0"/>
           </a:p>
@@ -2109,7 +2055,7 @@
           <a:p>
             <a:fld id="{67F32239-C198-46BF-8243-3DEE8544CFAA}" type="slidenum">
               <a:rPr lang="de-DE" smtClean="0"/>
-              <a:t>8</a:t>
+              <a:t>6</a:t>
             </a:fld>
             <a:endParaRPr lang="de-DE"/>
           </a:p>
@@ -2118,7 +2064,7 @@
     </p:spTree>
     <p:extLst>
       <p:ext uri="{BB962C8B-B14F-4D97-AF65-F5344CB8AC3E}">
-        <p14:creationId xmlns:p14="http://schemas.microsoft.com/office/powerpoint/2010/main" val="1569336112"/>
+        <p14:creationId xmlns:p14="http://schemas.microsoft.com/office/powerpoint/2010/main" val="810675153"/>
       </p:ext>
     </p:extLst>
   </p:cSld>
@@ -2173,154 +2119,152 @@
           <a:lstStyle/>
           <a:p>
             <a:r>
-              <a:rPr lang="de-DE" sz="1200" kern="1200" dirty="0">
-                <a:solidFill>
-                  <a:schemeClr val="tx1"/>
-                </a:solidFill>
-                <a:effectLst/>
-                <a:latin typeface="+mn-lt"/>
-                <a:ea typeface="+mn-ea"/>
-                <a:cs typeface="+mn-cs"/>
-              </a:rPr>
-              <a:t>Gemeinsame Daten:</a:t>
-            </a:r>
-          </a:p>
-          <a:p>
-            <a:r>
-              <a:rPr lang="de-DE" sz="1200" kern="1200" dirty="0">
-                <a:solidFill>
-                  <a:schemeClr val="tx1"/>
-                </a:solidFill>
-                <a:effectLst/>
-                <a:latin typeface="+mn-lt"/>
-                <a:ea typeface="+mn-ea"/>
-                <a:cs typeface="+mn-cs"/>
-              </a:rPr>
-              <a:t>sind allen Threads bekannt und von diesen zugreifbar</a:t>
-            </a:r>
-          </a:p>
-          <a:p>
-            <a:r>
-              <a:rPr lang="de-DE" sz="1200" kern="1200" dirty="0">
-                <a:solidFill>
-                  <a:schemeClr val="tx1"/>
-                </a:solidFill>
-                <a:effectLst/>
-                <a:latin typeface="+mn-lt"/>
-                <a:ea typeface="+mn-ea"/>
-                <a:cs typeface="+mn-cs"/>
-              </a:rPr>
-              <a:t>alle Threads, die auf diese Daten zugreifen, greifen auf die selbe Speicherstelle zu</a:t>
-            </a:r>
-          </a:p>
-          <a:p>
-            <a:r>
-              <a:rPr lang="de-DE" sz="1200" kern="1200" dirty="0">
-                <a:solidFill>
-                  <a:schemeClr val="tx1"/>
-                </a:solidFill>
-                <a:effectLst/>
-                <a:latin typeface="+mn-lt"/>
-                <a:ea typeface="+mn-ea"/>
-                <a:cs typeface="+mn-cs"/>
-              </a:rPr>
-              <a:t>Threads kommunizieren miteinander oder synchronisieren sich über gemeinsame Daten</a:t>
-            </a:r>
-          </a:p>
-          <a:p>
-            <a:endParaRPr lang="de-DE" sz="1200" kern="1200" dirty="0">
-              <a:solidFill>
-                <a:schemeClr val="tx1"/>
-              </a:solidFill>
-              <a:effectLst/>
-              <a:latin typeface="+mn-lt"/>
-              <a:ea typeface="+mn-ea"/>
-              <a:cs typeface="+mn-cs"/>
-            </a:endParaRPr>
-          </a:p>
-          <a:p>
-            <a:r>
-              <a:rPr lang="de-DE" sz="1200" kern="1200" dirty="0">
-                <a:solidFill>
-                  <a:schemeClr val="tx1"/>
-                </a:solidFill>
-                <a:effectLst/>
-                <a:latin typeface="+mn-lt"/>
-                <a:ea typeface="+mn-ea"/>
-                <a:cs typeface="+mn-cs"/>
-              </a:rPr>
-              <a:t>Private Daten:</a:t>
-            </a:r>
-          </a:p>
-          <a:p>
-            <a:r>
-              <a:rPr lang="de-DE" sz="1200" kern="1200" dirty="0">
-                <a:solidFill>
-                  <a:schemeClr val="tx1"/>
-                </a:solidFill>
-                <a:effectLst/>
-                <a:latin typeface="+mn-lt"/>
-                <a:ea typeface="+mn-ea"/>
-                <a:cs typeface="+mn-cs"/>
-              </a:rPr>
-              <a:t>jeder Thread legt seine eigene private Kopie an</a:t>
-            </a:r>
-          </a:p>
-          <a:p>
-            <a:r>
-              <a:rPr lang="de-DE" sz="1200" kern="1200" dirty="0">
-                <a:solidFill>
-                  <a:schemeClr val="tx1"/>
-                </a:solidFill>
-                <a:effectLst/>
-                <a:latin typeface="+mn-lt"/>
-                <a:ea typeface="+mn-ea"/>
-                <a:cs typeface="+mn-cs"/>
-              </a:rPr>
-              <a:t>jeder Thread greift nur auf seine eigene Speicherstelle in seinem Ausführungskontext zu</a:t>
-            </a:r>
-          </a:p>
-          <a:p>
-            <a:r>
-              <a:rPr lang="de-DE" sz="1200" kern="1200" dirty="0">
-                <a:solidFill>
-                  <a:schemeClr val="tx1"/>
-                </a:solidFill>
-                <a:effectLst/>
-                <a:latin typeface="+mn-lt"/>
-                <a:ea typeface="+mn-ea"/>
-                <a:cs typeface="+mn-cs"/>
-              </a:rPr>
-              <a:t>nicht zugreifbar für andere Threads</a:t>
-            </a:r>
-          </a:p>
-          <a:p>
-            <a:r>
-              <a:rPr lang="de-DE" sz="1200" kern="1200" dirty="0">
-                <a:solidFill>
-                  <a:schemeClr val="tx1"/>
-                </a:solidFill>
-                <a:effectLst/>
-                <a:latin typeface="+mn-lt"/>
-                <a:ea typeface="+mn-ea"/>
-                <a:cs typeface="+mn-cs"/>
-              </a:rPr>
-              <a:t>existiert nur während der Ausführung einer parallelen Region</a:t>
-            </a:r>
-          </a:p>
-          <a:p>
-            <a:r>
-              <a:rPr lang="de-DE" sz="1200" kern="1200" dirty="0">
-                <a:solidFill>
-                  <a:schemeClr val="tx1"/>
-                </a:solidFill>
-                <a:effectLst/>
-                <a:latin typeface="+mn-lt"/>
-                <a:ea typeface="+mn-ea"/>
-                <a:cs typeface="+mn-cs"/>
-              </a:rPr>
-              <a:t>Wert beim Eintritt und Austritt in die parallele Region undefiniert</a:t>
-            </a:r>
+              <a:rPr lang="en-US" dirty="0" err="1"/>
+              <a:t>OpenMp</a:t>
+            </a:r>
+            <a:r>
+              <a:rPr lang="en-US" dirty="0"/>
+              <a:t> </a:t>
+            </a:r>
+            <a:r>
+              <a:rPr lang="en-US" dirty="0" err="1"/>
+              <a:t>basiert</a:t>
+            </a:r>
+            <a:r>
+              <a:rPr lang="en-US" dirty="0"/>
+              <a:t> auf </a:t>
+            </a:r>
+            <a:r>
+              <a:rPr lang="en-US" dirty="0" err="1"/>
+              <a:t>direktiven</a:t>
+            </a:r>
+            <a:r>
+              <a:rPr lang="en-US" dirty="0"/>
+              <a:t> </a:t>
+            </a:r>
+            <a:r>
+              <a:rPr lang="en-US" dirty="0" err="1"/>
+              <a:t>oder</a:t>
+            </a:r>
+            <a:r>
+              <a:rPr lang="en-US" dirty="0"/>
+              <a:t> </a:t>
+            </a:r>
+            <a:r>
+              <a:rPr lang="en-US" dirty="0" err="1"/>
+              <a:t>auch</a:t>
+            </a:r>
+            <a:r>
+              <a:rPr lang="en-US" dirty="0"/>
+              <a:t> pragmas</a:t>
+            </a:r>
+          </a:p>
+          <a:p>
+            <a:r>
+              <a:rPr lang="en-US" dirty="0" err="1"/>
+              <a:t>Diese</a:t>
+            </a:r>
+            <a:r>
+              <a:rPr lang="en-US" dirty="0"/>
+              <a:t> </a:t>
+            </a:r>
+            <a:r>
+              <a:rPr lang="en-US" dirty="0" err="1"/>
+              <a:t>geben</a:t>
+            </a:r>
+            <a:r>
+              <a:rPr lang="en-US" dirty="0"/>
+              <a:t> </a:t>
+            </a:r>
+            <a:r>
+              <a:rPr lang="en-US" dirty="0" err="1"/>
+              <a:t>Instruktionen</a:t>
+            </a:r>
+            <a:r>
+              <a:rPr lang="en-US" dirty="0"/>
+              <a:t> an den Compiler, </a:t>
+            </a:r>
+            <a:r>
+              <a:rPr lang="en-US" dirty="0" err="1"/>
+              <a:t>wenn</a:t>
+            </a:r>
+            <a:r>
+              <a:rPr lang="en-US" dirty="0"/>
+              <a:t> </a:t>
+            </a:r>
+            <a:r>
+              <a:rPr lang="en-US" dirty="0" err="1"/>
+              <a:t>OpenMp</a:t>
+            </a:r>
+            <a:r>
+              <a:rPr lang="en-US" dirty="0"/>
+              <a:t> </a:t>
+            </a:r>
+            <a:r>
+              <a:rPr lang="en-US" dirty="0" err="1"/>
+              <a:t>unterstützt</a:t>
+            </a:r>
+            <a:r>
+              <a:rPr lang="en-US" dirty="0"/>
+              <a:t> </a:t>
+            </a:r>
+            <a:r>
+              <a:rPr lang="en-US" dirty="0" err="1"/>
+              <a:t>wird</a:t>
+            </a:r>
+            <a:endParaRPr lang="en-US" dirty="0"/>
+          </a:p>
+          <a:p>
+            <a:endParaRPr lang="de-DE" dirty="0"/>
+          </a:p>
+          <a:p>
+            <a:r>
+              <a:rPr lang="de-DE" dirty="0"/>
+              <a:t>Dabei definiert man Kontrollstrukturen die die Parallelisierung beschreiben und auch wie die Daten dabei Synchronisiert </a:t>
+            </a:r>
+            <a:r>
+              <a:rPr lang="de-DE" dirty="0" err="1"/>
+              <a:t>wrden</a:t>
+            </a:r>
+            <a:r>
+              <a:rPr lang="de-DE" dirty="0"/>
+              <a:t> müssen</a:t>
+            </a:r>
+          </a:p>
+          <a:p>
+            <a:endParaRPr lang="de-DE" dirty="0"/>
+          </a:p>
+          <a:p>
+            <a:r>
+              <a:rPr lang="de-DE" dirty="0"/>
+              <a:t>Eine </a:t>
+            </a:r>
+            <a:r>
+              <a:rPr lang="de-DE" dirty="0" err="1"/>
+              <a:t>OpenMp</a:t>
+            </a:r>
+            <a:r>
+              <a:rPr lang="de-DE" dirty="0"/>
+              <a:t> </a:t>
+            </a:r>
+            <a:r>
+              <a:rPr lang="de-DE" dirty="0" err="1"/>
+              <a:t>directive</a:t>
+            </a:r>
+            <a:r>
+              <a:rPr lang="de-DE" dirty="0"/>
+              <a:t> ist immer mit dem darauf folgenden </a:t>
+            </a:r>
+            <a:r>
+              <a:rPr lang="de-DE" dirty="0" err="1"/>
+              <a:t>struktur</a:t>
+            </a:r>
+            <a:r>
+              <a:rPr lang="de-DE" dirty="0"/>
+              <a:t> block verbunden ( außer man klammert)</a:t>
+            </a:r>
+          </a:p>
+          <a:p>
             <a:endParaRPr lang="de-DE" dirty="0"/>
           </a:p>
         </p:txBody>
@@ -2342,7 +2286,7 @@
           <a:p>
             <a:fld id="{67F32239-C198-46BF-8243-3DEE8544CFAA}" type="slidenum">
               <a:rPr lang="de-DE" smtClean="0"/>
-              <a:t>9</a:t>
+              <a:t>7</a:t>
             </a:fld>
             <a:endParaRPr lang="de-DE"/>
           </a:p>
@@ -2351,7 +2295,7 @@
     </p:spTree>
     <p:extLst>
       <p:ext uri="{BB962C8B-B14F-4D97-AF65-F5344CB8AC3E}">
-        <p14:creationId xmlns:p14="http://schemas.microsoft.com/office/powerpoint/2010/main" val="1659285144"/>
+        <p14:creationId xmlns:p14="http://schemas.microsoft.com/office/powerpoint/2010/main" val="1676947879"/>
       </p:ext>
     </p:extLst>
   </p:cSld>
@@ -2405,6 +2349,298 @@
           <a:bodyPr/>
           <a:lstStyle/>
           <a:p>
+            <a:r>
+              <a:rPr lang="de-DE" sz="1200" kern="1200" dirty="0" err="1">
+                <a:solidFill>
+                  <a:schemeClr val="tx1"/>
+                </a:solidFill>
+                <a:effectLst/>
+                <a:latin typeface="+mn-lt"/>
+                <a:ea typeface="+mn-ea"/>
+                <a:cs typeface="+mn-cs"/>
+              </a:rPr>
+              <a:t>OpenMP</a:t>
+            </a:r>
+            <a:r>
+              <a:rPr lang="de-DE" sz="1200" kern="1200" dirty="0">
+                <a:solidFill>
+                  <a:schemeClr val="tx1"/>
+                </a:solidFill>
+                <a:effectLst/>
+                <a:latin typeface="+mn-lt"/>
+                <a:ea typeface="+mn-ea"/>
+                <a:cs typeface="+mn-cs"/>
+              </a:rPr>
+              <a:t> basiert auf dem </a:t>
+            </a:r>
+            <a:r>
+              <a:rPr lang="de-DE" sz="1200" kern="1200" dirty="0" err="1">
+                <a:solidFill>
+                  <a:schemeClr val="tx1"/>
+                </a:solidFill>
+                <a:effectLst/>
+                <a:latin typeface="+mn-lt"/>
+                <a:ea typeface="+mn-ea"/>
+                <a:cs typeface="+mn-cs"/>
+              </a:rPr>
+              <a:t>fork</a:t>
+            </a:r>
+            <a:r>
+              <a:rPr lang="de-DE" sz="1200" kern="1200" dirty="0">
+                <a:solidFill>
+                  <a:schemeClr val="tx1"/>
+                </a:solidFill>
+                <a:effectLst/>
+                <a:latin typeface="+mn-lt"/>
+                <a:ea typeface="+mn-ea"/>
+                <a:cs typeface="+mn-cs"/>
+              </a:rPr>
+              <a:t>/</a:t>
+            </a:r>
+            <a:r>
+              <a:rPr lang="de-DE" sz="1200" kern="1200" dirty="0" err="1">
+                <a:solidFill>
+                  <a:schemeClr val="tx1"/>
+                </a:solidFill>
+                <a:effectLst/>
+                <a:latin typeface="+mn-lt"/>
+                <a:ea typeface="+mn-ea"/>
+                <a:cs typeface="+mn-cs"/>
+              </a:rPr>
+              <a:t>join</a:t>
+            </a:r>
+            <a:r>
+              <a:rPr lang="de-DE" sz="1200" kern="1200" dirty="0">
+                <a:solidFill>
+                  <a:schemeClr val="tx1"/>
+                </a:solidFill>
+                <a:effectLst/>
+                <a:latin typeface="+mn-lt"/>
+                <a:ea typeface="+mn-ea"/>
+                <a:cs typeface="+mn-cs"/>
+              </a:rPr>
+              <a:t> Modell</a:t>
+            </a:r>
+          </a:p>
+          <a:p>
+            <a:endParaRPr lang="de-DE" sz="1200" kern="1200" dirty="0">
+              <a:solidFill>
+                <a:schemeClr val="tx1"/>
+              </a:solidFill>
+              <a:effectLst/>
+              <a:latin typeface="+mn-lt"/>
+              <a:ea typeface="+mn-ea"/>
+              <a:cs typeface="+mn-cs"/>
+            </a:endParaRPr>
+          </a:p>
+          <a:p>
+            <a:r>
+              <a:rPr lang="de-DE" sz="1200" kern="1200" dirty="0">
+                <a:solidFill>
+                  <a:schemeClr val="tx1"/>
+                </a:solidFill>
+                <a:effectLst/>
+                <a:latin typeface="+mn-lt"/>
+                <a:ea typeface="+mn-ea"/>
+                <a:cs typeface="+mn-cs"/>
+              </a:rPr>
+              <a:t>Ein </a:t>
+            </a:r>
+            <a:r>
+              <a:rPr lang="de-DE" sz="1200" kern="1200" dirty="0" err="1">
+                <a:solidFill>
+                  <a:schemeClr val="tx1"/>
+                </a:solidFill>
+                <a:effectLst/>
+                <a:latin typeface="+mn-lt"/>
+                <a:ea typeface="+mn-ea"/>
+                <a:cs typeface="+mn-cs"/>
+              </a:rPr>
+              <a:t>OpenMP</a:t>
+            </a:r>
+            <a:r>
+              <a:rPr lang="de-DE" sz="1200" kern="1200" dirty="0">
+                <a:solidFill>
+                  <a:schemeClr val="tx1"/>
+                </a:solidFill>
+                <a:effectLst/>
+                <a:latin typeface="+mn-lt"/>
+                <a:ea typeface="+mn-ea"/>
+                <a:cs typeface="+mn-cs"/>
+              </a:rPr>
+              <a:t>-Programm startet als einzelner Thread (</a:t>
+            </a:r>
+            <a:r>
+              <a:rPr lang="de-DE" sz="1200" kern="1200" dirty="0" err="1">
+                <a:solidFill>
+                  <a:schemeClr val="tx1"/>
+                </a:solidFill>
+                <a:effectLst/>
+                <a:latin typeface="+mn-lt"/>
+                <a:ea typeface="+mn-ea"/>
+                <a:cs typeface="+mn-cs"/>
+              </a:rPr>
+              <a:t>master</a:t>
+            </a:r>
+            <a:r>
+              <a:rPr lang="de-DE" sz="1200" kern="1200" dirty="0">
+                <a:solidFill>
+                  <a:schemeClr val="tx1"/>
+                </a:solidFill>
+                <a:effectLst/>
+                <a:latin typeface="+mn-lt"/>
+                <a:ea typeface="+mn-ea"/>
+                <a:cs typeface="+mn-cs"/>
+              </a:rPr>
+              <a:t> </a:t>
+            </a:r>
+            <a:r>
+              <a:rPr lang="de-DE" sz="1200" kern="1200" dirty="0" err="1">
+                <a:solidFill>
+                  <a:schemeClr val="tx1"/>
+                </a:solidFill>
+                <a:effectLst/>
+                <a:latin typeface="+mn-lt"/>
+                <a:ea typeface="+mn-ea"/>
+                <a:cs typeface="+mn-cs"/>
+              </a:rPr>
+              <a:t>thread</a:t>
+            </a:r>
+            <a:r>
+              <a:rPr lang="de-DE" sz="1200" kern="1200" dirty="0">
+                <a:solidFill>
+                  <a:schemeClr val="tx1"/>
+                </a:solidFill>
+                <a:effectLst/>
+                <a:latin typeface="+mn-lt"/>
+                <a:ea typeface="+mn-ea"/>
+                <a:cs typeface="+mn-cs"/>
+              </a:rPr>
+              <a:t>). Weitere Threads (Team) werden durch eine parallele Region erzeugt und am Ende der parallelen Region wieder zurückgegeben</a:t>
+            </a:r>
+          </a:p>
+          <a:p>
+            <a:endParaRPr lang="de-DE" sz="1200" kern="1200" dirty="0">
+              <a:solidFill>
+                <a:schemeClr val="tx1"/>
+              </a:solidFill>
+              <a:effectLst/>
+              <a:latin typeface="+mn-lt"/>
+              <a:ea typeface="+mn-ea"/>
+              <a:cs typeface="+mn-cs"/>
+            </a:endParaRPr>
+          </a:p>
+          <a:p>
+            <a:r>
+              <a:rPr lang="de-DE" sz="1200" kern="1200" dirty="0">
+                <a:solidFill>
+                  <a:schemeClr val="tx1"/>
+                </a:solidFill>
+                <a:effectLst/>
+                <a:latin typeface="+mn-lt"/>
+                <a:ea typeface="+mn-ea"/>
+                <a:cs typeface="+mn-cs"/>
+              </a:rPr>
+              <a:t>Ein Team besteht aus einer festen Anzahl  von Threads, die die parallele Region redundant abarbeiten</a:t>
+            </a:r>
+          </a:p>
+          <a:p>
+            <a:endParaRPr lang="de-DE" sz="1200" kern="1200" dirty="0">
+              <a:solidFill>
+                <a:schemeClr val="tx1"/>
+              </a:solidFill>
+              <a:effectLst/>
+              <a:latin typeface="+mn-lt"/>
+              <a:ea typeface="+mn-ea"/>
+              <a:cs typeface="+mn-cs"/>
+            </a:endParaRPr>
+          </a:p>
+          <a:p>
+            <a:r>
+              <a:rPr lang="de-DE" sz="1200" kern="1200" dirty="0">
+                <a:solidFill>
+                  <a:schemeClr val="tx1"/>
+                </a:solidFill>
+                <a:effectLst/>
+                <a:latin typeface="+mn-lt"/>
+                <a:ea typeface="+mn-ea"/>
+                <a:cs typeface="+mn-cs"/>
+              </a:rPr>
+              <a:t>Am Ende der parallelen Region findet eine Synchronisation aller Threads im Team statt</a:t>
+            </a:r>
+          </a:p>
+          <a:p>
+            <a:endParaRPr lang="de-DE" sz="1200" kern="1200" dirty="0">
+              <a:solidFill>
+                <a:schemeClr val="tx1"/>
+              </a:solidFill>
+              <a:effectLst/>
+              <a:latin typeface="+mn-lt"/>
+              <a:ea typeface="+mn-ea"/>
+              <a:cs typeface="+mn-cs"/>
+            </a:endParaRPr>
+          </a:p>
+          <a:p>
+            <a:r>
+              <a:rPr lang="de-DE" sz="1200" kern="1200" dirty="0">
+                <a:solidFill>
+                  <a:schemeClr val="tx1"/>
+                </a:solidFill>
+                <a:effectLst/>
+                <a:latin typeface="+mn-lt"/>
+                <a:ea typeface="+mn-ea"/>
+                <a:cs typeface="+mn-cs"/>
+              </a:rPr>
+              <a:t>Nach der parallelen Region führt der </a:t>
+            </a:r>
+            <a:r>
+              <a:rPr lang="de-DE" sz="1200" kern="1200" dirty="0" err="1">
+                <a:solidFill>
+                  <a:schemeClr val="tx1"/>
+                </a:solidFill>
+                <a:effectLst/>
+                <a:latin typeface="+mn-lt"/>
+                <a:ea typeface="+mn-ea"/>
+                <a:cs typeface="+mn-cs"/>
+              </a:rPr>
+              <a:t>master</a:t>
+            </a:r>
+            <a:r>
+              <a:rPr lang="de-DE" sz="1200" kern="1200" dirty="0">
+                <a:solidFill>
+                  <a:schemeClr val="tx1"/>
+                </a:solidFill>
+                <a:effectLst/>
+                <a:latin typeface="+mn-lt"/>
+                <a:ea typeface="+mn-ea"/>
+                <a:cs typeface="+mn-cs"/>
+              </a:rPr>
+              <a:t> </a:t>
+            </a:r>
+            <a:r>
+              <a:rPr lang="de-DE" sz="1200" kern="1200" dirty="0" err="1">
+                <a:solidFill>
+                  <a:schemeClr val="tx1"/>
+                </a:solidFill>
+                <a:effectLst/>
+                <a:latin typeface="+mn-lt"/>
+                <a:ea typeface="+mn-ea"/>
+                <a:cs typeface="+mn-cs"/>
+              </a:rPr>
+              <a:t>thread</a:t>
+            </a:r>
+            <a:r>
+              <a:rPr lang="de-DE" sz="1200" kern="1200" dirty="0">
+                <a:solidFill>
+                  <a:schemeClr val="tx1"/>
+                </a:solidFill>
+                <a:effectLst/>
+                <a:latin typeface="+mn-lt"/>
+                <a:ea typeface="+mn-ea"/>
+                <a:cs typeface="+mn-cs"/>
+              </a:rPr>
+              <a:t> den Code (sequentiell) fort</a:t>
+            </a:r>
             <a:endParaRPr lang="de-DE" dirty="0"/>
           </a:p>
         </p:txBody>
@@ -2426,7 +2662,7 @@
           <a:p>
             <a:fld id="{67F32239-C198-46BF-8243-3DEE8544CFAA}" type="slidenum">
               <a:rPr lang="de-DE" smtClean="0"/>
-              <a:t>10</a:t>
+              <a:t>8</a:t>
             </a:fld>
             <a:endParaRPr lang="de-DE"/>
           </a:p>
@@ -2435,7 +2671,7 @@
     </p:spTree>
     <p:extLst>
       <p:ext uri="{BB962C8B-B14F-4D97-AF65-F5344CB8AC3E}">
-        <p14:creationId xmlns:p14="http://schemas.microsoft.com/office/powerpoint/2010/main" val="4221942547"/>
+        <p14:creationId xmlns:p14="http://schemas.microsoft.com/office/powerpoint/2010/main" val="1569336112"/>
       </p:ext>
     </p:extLst>
   </p:cSld>
@@ -2499,7 +2735,49 @@
                 <a:ea typeface="+mn-ea"/>
                 <a:cs typeface="+mn-cs"/>
               </a:rPr>
-              <a:t>+erlaubt die Parallelisierung seriellen Codes durch Hinzufügen von Direktiven</a:t>
+              <a:t>Gemeinsame Daten:</a:t>
+            </a:r>
+          </a:p>
+          <a:p>
+            <a:r>
+              <a:rPr lang="de-DE" sz="1200" kern="1200" dirty="0">
+                <a:solidFill>
+                  <a:schemeClr val="tx1"/>
+                </a:solidFill>
+                <a:effectLst/>
+                <a:latin typeface="+mn-lt"/>
+                <a:ea typeface="+mn-ea"/>
+                <a:cs typeface="+mn-cs"/>
+              </a:rPr>
+              <a:t>sind allen Threads bekannt und von diesen zugreifbar</a:t>
+            </a:r>
+          </a:p>
+          <a:p>
+            <a:r>
+              <a:rPr lang="de-DE" sz="1200" kern="1200" dirty="0">
+                <a:solidFill>
+                  <a:schemeClr val="tx1"/>
+                </a:solidFill>
+                <a:effectLst/>
+                <a:latin typeface="+mn-lt"/>
+                <a:ea typeface="+mn-ea"/>
+                <a:cs typeface="+mn-cs"/>
+              </a:rPr>
+              <a:t>alle Threads, die auf diese Daten zugreifen, greifen auf die selbe Speicherstelle zu</a:t>
+            </a:r>
+          </a:p>
+          <a:p>
+            <a:r>
+              <a:rPr lang="de-DE" sz="1200" kern="1200" dirty="0">
+                <a:solidFill>
+                  <a:schemeClr val="tx1"/>
+                </a:solidFill>
+                <a:effectLst/>
+                <a:latin typeface="+mn-lt"/>
+                <a:ea typeface="+mn-ea"/>
+                <a:cs typeface="+mn-cs"/>
+              </a:rPr>
+              <a:t>Threads kommunizieren miteinander oder synchronisieren sich über gemeinsame Daten</a:t>
             </a:r>
           </a:p>
           <a:p>
@@ -2524,11 +2802,8 @@
                 <a:ea typeface="+mn-ea"/>
                 <a:cs typeface="+mn-cs"/>
               </a:rPr>
-              <a:t>+einfach und schnell zu implementieren</a:t>
-            </a:r>
-          </a:p>
-          <a:p>
-            <a:endParaRPr lang="de-DE" dirty="0"/>
+              <a:t>Private Daten:</a:t>
+            </a:r>
           </a:p>
           <a:p>
             <a:r>
@@ -2541,20 +2816,10 @@
                 <a:ea typeface="+mn-ea"/>
                 <a:cs typeface="+mn-cs"/>
               </a:rPr>
-              <a:t>+</a:t>
-            </a:r>
-            <a:r>
-              <a:rPr lang="de-DE" sz="1200" kern="1200" dirty="0" err="1">
-                <a:solidFill>
-                  <a:schemeClr val="tx1"/>
-                </a:solidFill>
-                <a:effectLst/>
-                <a:latin typeface="+mn-lt"/>
-                <a:ea typeface="+mn-ea"/>
-                <a:cs typeface="+mn-cs"/>
-              </a:rPr>
-              <a:t>aufblähung</a:t>
-            </a:r>
+              <a:t>jeder Thread legt seine eigene private Kopie an</a:t>
+            </a:r>
+          </a:p>
+          <a:p>
             <a:r>
               <a:rPr lang="de-DE" sz="1200" kern="1200" dirty="0">
                 <a:solidFill>
@@ -2565,19 +2830,8 @@
                 <a:ea typeface="+mn-ea"/>
                 <a:cs typeface="+mn-cs"/>
               </a:rPr>
-              <a:t> des Codes sehr gering (in der Regel 2 – 25%) =&gt; relativ sauberer code</a:t>
-            </a:r>
-          </a:p>
-          <a:p>
-            <a:endParaRPr lang="de-DE" sz="1200" kern="1200" dirty="0">
-              <a:solidFill>
-                <a:schemeClr val="tx1"/>
-              </a:solidFill>
-              <a:effectLst/>
-              <a:latin typeface="+mn-lt"/>
-              <a:ea typeface="+mn-ea"/>
-              <a:cs typeface="+mn-cs"/>
-            </a:endParaRPr>
+              <a:t>jeder Thread greift nur auf seine eigene Speicherstelle in seinem Ausführungskontext zu</a:t>
+            </a:r>
           </a:p>
           <a:p>
             <a:r>
@@ -2590,7 +2844,7 @@
                 <a:ea typeface="+mn-ea"/>
                 <a:cs typeface="+mn-cs"/>
               </a:rPr>
-              <a:t>-Spezieller Compiler wird benötigt</a:t>
+              <a:t>nicht zugreifbar für andere Threads</a:t>
             </a:r>
           </a:p>
           <a:p>
@@ -2604,7 +2858,7 @@
                 <a:ea typeface="+mn-ea"/>
                 <a:cs typeface="+mn-cs"/>
               </a:rPr>
-              <a:t>-kann nur auf Architekturen mit gemeinsamem Speicher verwendet werden</a:t>
+              <a:t>existiert nur während der Ausführung einer parallelen Region</a:t>
             </a:r>
           </a:p>
           <a:p>
@@ -2618,31 +2872,7 @@
                 <a:ea typeface="+mn-ea"/>
                 <a:cs typeface="+mn-cs"/>
               </a:rPr>
-              <a:t>- Kommunikation zwischen Threads werden implizit realisiert (schwer nachzuvollziehen, wann wird kommuniziert und wie, wie viel </a:t>
-            </a:r>
-            <a:r>
-              <a:rPr lang="de-DE" sz="1200" kern="1200" dirty="0" err="1">
-                <a:solidFill>
-                  <a:schemeClr val="tx1"/>
-                </a:solidFill>
-                <a:effectLst/>
-                <a:latin typeface="+mn-lt"/>
-                <a:ea typeface="+mn-ea"/>
-                <a:cs typeface="+mn-cs"/>
-              </a:rPr>
-              <a:t>overhead</a:t>
-            </a:r>
-            <a:r>
-              <a:rPr lang="de-DE" sz="1200" kern="1200" dirty="0">
-                <a:solidFill>
-                  <a:schemeClr val="tx1"/>
-                </a:solidFill>
-                <a:effectLst/>
-                <a:latin typeface="+mn-lt"/>
-                <a:ea typeface="+mn-ea"/>
-                <a:cs typeface="+mn-cs"/>
-              </a:rPr>
-              <a:t> entsteht durch Kommunikation)</a:t>
+              <a:t>Wert beim Eintritt und Austritt in die parallele Region undefiniert</a:t>
             </a:r>
             <a:endParaRPr lang="de-DE" dirty="0"/>
           </a:p>
@@ -2665,7 +2895,7 @@
           <a:p>
             <a:fld id="{67F32239-C198-46BF-8243-3DEE8544CFAA}" type="slidenum">
               <a:rPr lang="de-DE" smtClean="0"/>
-              <a:t>11</a:t>
+              <a:t>9</a:t>
             </a:fld>
             <a:endParaRPr lang="de-DE"/>
           </a:p>
@@ -2674,7 +2904,7 @@
     </p:spTree>
     <p:extLst>
       <p:ext uri="{BB962C8B-B14F-4D97-AF65-F5344CB8AC3E}">
-        <p14:creationId xmlns:p14="http://schemas.microsoft.com/office/powerpoint/2010/main" val="3930989936"/>
+        <p14:creationId xmlns:p14="http://schemas.microsoft.com/office/powerpoint/2010/main" val="1659285144"/>
       </p:ext>
     </p:extLst>
   </p:cSld>
@@ -2749,7 +2979,7 @@
           <a:p>
             <a:fld id="{67F32239-C198-46BF-8243-3DEE8544CFAA}" type="slidenum">
               <a:rPr lang="de-DE" smtClean="0"/>
-              <a:t>15</a:t>
+              <a:t>10</a:t>
             </a:fld>
             <a:endParaRPr lang="de-DE"/>
           </a:p>
@@ -2758,7 +2988,7 @@
     </p:spTree>
     <p:extLst>
       <p:ext uri="{BB962C8B-B14F-4D97-AF65-F5344CB8AC3E}">
-        <p14:creationId xmlns:p14="http://schemas.microsoft.com/office/powerpoint/2010/main" val="1955124107"/>
+        <p14:creationId xmlns:p14="http://schemas.microsoft.com/office/powerpoint/2010/main" val="4221942547"/>
       </p:ext>
     </p:extLst>
   </p:cSld>
@@ -2812,6 +3042,161 @@
           <a:bodyPr/>
           <a:lstStyle/>
           <a:p>
+            <a:r>
+              <a:rPr lang="de-DE" sz="1200" kern="1200" dirty="0">
+                <a:solidFill>
+                  <a:schemeClr val="tx1"/>
+                </a:solidFill>
+                <a:effectLst/>
+                <a:latin typeface="+mn-lt"/>
+                <a:ea typeface="+mn-ea"/>
+                <a:cs typeface="+mn-cs"/>
+              </a:rPr>
+              <a:t>+erlaubt die Parallelisierung seriellen Codes durch Hinzufügen von Direktiven</a:t>
+            </a:r>
+          </a:p>
+          <a:p>
+            <a:endParaRPr lang="de-DE" sz="1200" kern="1200" dirty="0">
+              <a:solidFill>
+                <a:schemeClr val="tx1"/>
+              </a:solidFill>
+              <a:effectLst/>
+              <a:latin typeface="+mn-lt"/>
+              <a:ea typeface="+mn-ea"/>
+              <a:cs typeface="+mn-cs"/>
+            </a:endParaRPr>
+          </a:p>
+          <a:p>
+            <a:r>
+              <a:rPr lang="de-DE" sz="1200" kern="1200" dirty="0">
+                <a:solidFill>
+                  <a:schemeClr val="tx1"/>
+                </a:solidFill>
+                <a:effectLst/>
+                <a:latin typeface="+mn-lt"/>
+                <a:ea typeface="+mn-ea"/>
+                <a:cs typeface="+mn-cs"/>
+              </a:rPr>
+              <a:t>+einfach und schnell zu implementieren</a:t>
+            </a:r>
+          </a:p>
+          <a:p>
+            <a:endParaRPr lang="de-DE" dirty="0"/>
+          </a:p>
+          <a:p>
+            <a:r>
+              <a:rPr lang="de-DE" sz="1200" kern="1200" dirty="0">
+                <a:solidFill>
+                  <a:schemeClr val="tx1"/>
+                </a:solidFill>
+                <a:effectLst/>
+                <a:latin typeface="+mn-lt"/>
+                <a:ea typeface="+mn-ea"/>
+                <a:cs typeface="+mn-cs"/>
+              </a:rPr>
+              <a:t>+</a:t>
+            </a:r>
+            <a:r>
+              <a:rPr lang="de-DE" sz="1200" kern="1200" dirty="0" err="1">
+                <a:solidFill>
+                  <a:schemeClr val="tx1"/>
+                </a:solidFill>
+                <a:effectLst/>
+                <a:latin typeface="+mn-lt"/>
+                <a:ea typeface="+mn-ea"/>
+                <a:cs typeface="+mn-cs"/>
+              </a:rPr>
+              <a:t>aufblähung</a:t>
+            </a:r>
+            <a:r>
+              <a:rPr lang="de-DE" sz="1200" kern="1200" dirty="0">
+                <a:solidFill>
+                  <a:schemeClr val="tx1"/>
+                </a:solidFill>
+                <a:effectLst/>
+                <a:latin typeface="+mn-lt"/>
+                <a:ea typeface="+mn-ea"/>
+                <a:cs typeface="+mn-cs"/>
+              </a:rPr>
+              <a:t> des Codes sehr gering (in der Regel 2 – 25%) =&gt; relativ sauberer code</a:t>
+            </a:r>
+          </a:p>
+          <a:p>
+            <a:endParaRPr lang="de-DE" sz="1200" kern="1200" dirty="0">
+              <a:solidFill>
+                <a:schemeClr val="tx1"/>
+              </a:solidFill>
+              <a:effectLst/>
+              <a:latin typeface="+mn-lt"/>
+              <a:ea typeface="+mn-ea"/>
+              <a:cs typeface="+mn-cs"/>
+            </a:endParaRPr>
+          </a:p>
+          <a:p>
+            <a:r>
+              <a:rPr lang="de-DE" sz="1200" kern="1200" dirty="0">
+                <a:solidFill>
+                  <a:schemeClr val="tx1"/>
+                </a:solidFill>
+                <a:effectLst/>
+                <a:latin typeface="+mn-lt"/>
+                <a:ea typeface="+mn-ea"/>
+                <a:cs typeface="+mn-cs"/>
+              </a:rPr>
+              <a:t>-Spezieller Compiler wird benötigt</a:t>
+            </a:r>
+          </a:p>
+          <a:p>
+            <a:r>
+              <a:rPr lang="de-DE" sz="1200" kern="1200" dirty="0">
+                <a:solidFill>
+                  <a:schemeClr val="tx1"/>
+                </a:solidFill>
+                <a:effectLst/>
+                <a:latin typeface="+mn-lt"/>
+                <a:ea typeface="+mn-ea"/>
+                <a:cs typeface="+mn-cs"/>
+              </a:rPr>
+              <a:t>-kann nur auf Architekturen mit gemeinsamem Speicher verwendet werden</a:t>
+            </a:r>
+          </a:p>
+          <a:p>
+            <a:r>
+              <a:rPr lang="de-DE" sz="1200" kern="1200" dirty="0">
+                <a:solidFill>
+                  <a:schemeClr val="tx1"/>
+                </a:solidFill>
+                <a:effectLst/>
+                <a:latin typeface="+mn-lt"/>
+                <a:ea typeface="+mn-ea"/>
+                <a:cs typeface="+mn-cs"/>
+              </a:rPr>
+              <a:t>- Kommunikation zwischen Threads werden implizit realisiert (schwer nachzuvollziehen, wann wird kommuniziert und wie, wie viel </a:t>
+            </a:r>
+            <a:r>
+              <a:rPr lang="de-DE" sz="1200" kern="1200" dirty="0" err="1">
+                <a:solidFill>
+                  <a:schemeClr val="tx1"/>
+                </a:solidFill>
+                <a:effectLst/>
+                <a:latin typeface="+mn-lt"/>
+                <a:ea typeface="+mn-ea"/>
+                <a:cs typeface="+mn-cs"/>
+              </a:rPr>
+              <a:t>overhead</a:t>
+            </a:r>
+            <a:r>
+              <a:rPr lang="de-DE" sz="1200" kern="1200" dirty="0">
+                <a:solidFill>
+                  <a:schemeClr val="tx1"/>
+                </a:solidFill>
+                <a:effectLst/>
+                <a:latin typeface="+mn-lt"/>
+                <a:ea typeface="+mn-ea"/>
+                <a:cs typeface="+mn-cs"/>
+              </a:rPr>
+              <a:t> entsteht durch Kommunikation)</a:t>
+            </a:r>
             <a:endParaRPr lang="de-DE" dirty="0"/>
           </a:p>
         </p:txBody>
@@ -2833,7 +3218,7 @@
           <a:p>
             <a:fld id="{67F32239-C198-46BF-8243-3DEE8544CFAA}" type="slidenum">
               <a:rPr lang="de-DE" smtClean="0"/>
-              <a:t>17</a:t>
+              <a:t>11</a:t>
             </a:fld>
             <a:endParaRPr lang="de-DE"/>
           </a:p>
@@ -2842,7 +3227,7 @@
     </p:spTree>
     <p:extLst>
       <p:ext uri="{BB962C8B-B14F-4D97-AF65-F5344CB8AC3E}">
-        <p14:creationId xmlns:p14="http://schemas.microsoft.com/office/powerpoint/2010/main" val="1307838226"/>
+        <p14:creationId xmlns:p14="http://schemas.microsoft.com/office/powerpoint/2010/main" val="3930989936"/>
       </p:ext>
     </p:extLst>
   </p:cSld>
@@ -2999,7 +3384,7 @@
           <a:p>
             <a:fld id="{B5E8A55B-A329-4846-8D76-CA2F32F53923}" type="datetimeFigureOut">
               <a:rPr lang="de-DE" smtClean="0"/>
-              <a:t>12.02.2020</a:t>
+              <a:t>13.02.20</a:t>
             </a:fld>
             <a:endParaRPr lang="de-DE"/>
           </a:p>
@@ -3197,7 +3582,7 @@
           <a:p>
             <a:fld id="{B5E8A55B-A329-4846-8D76-CA2F32F53923}" type="datetimeFigureOut">
               <a:rPr lang="de-DE" smtClean="0"/>
-              <a:t>12.02.2020</a:t>
+              <a:t>13.02.20</a:t>
             </a:fld>
             <a:endParaRPr lang="de-DE"/>
           </a:p>
@@ -3405,7 +3790,7 @@
           <a:p>
             <a:fld id="{B5E8A55B-A329-4846-8D76-CA2F32F53923}" type="datetimeFigureOut">
               <a:rPr lang="de-DE" smtClean="0"/>
-              <a:t>12.02.2020</a:t>
+              <a:t>13.02.20</a:t>
             </a:fld>
             <a:endParaRPr lang="de-DE"/>
           </a:p>
@@ -3603,7 +3988,7 @@
           <a:p>
             <a:fld id="{B5E8A55B-A329-4846-8D76-CA2F32F53923}" type="datetimeFigureOut">
               <a:rPr lang="de-DE" smtClean="0"/>
-              <a:t>12.02.2020</a:t>
+              <a:t>13.02.20</a:t>
             </a:fld>
             <a:endParaRPr lang="de-DE"/>
           </a:p>
@@ -3878,7 +4263,7 @@
           <a:p>
             <a:fld id="{B5E8A55B-A329-4846-8D76-CA2F32F53923}" type="datetimeFigureOut">
               <a:rPr lang="de-DE" smtClean="0"/>
-              <a:t>12.02.2020</a:t>
+              <a:t>13.02.20</a:t>
             </a:fld>
             <a:endParaRPr lang="de-DE"/>
           </a:p>
@@ -4143,7 +4528,7 @@
           <a:p>
             <a:fld id="{B5E8A55B-A329-4846-8D76-CA2F32F53923}" type="datetimeFigureOut">
               <a:rPr lang="de-DE" smtClean="0"/>
-              <a:t>12.02.2020</a:t>
+              <a:t>13.02.20</a:t>
             </a:fld>
             <a:endParaRPr lang="de-DE"/>
           </a:p>
@@ -4555,7 +4940,7 @@
           <a:p>
             <a:fld id="{B5E8A55B-A329-4846-8D76-CA2F32F53923}" type="datetimeFigureOut">
               <a:rPr lang="de-DE" smtClean="0"/>
-              <a:t>12.02.2020</a:t>
+              <a:t>13.02.20</a:t>
             </a:fld>
             <a:endParaRPr lang="de-DE"/>
           </a:p>
@@ -4696,7 +5081,7 @@
           <a:p>
             <a:fld id="{B5E8A55B-A329-4846-8D76-CA2F32F53923}" type="datetimeFigureOut">
               <a:rPr lang="de-DE" smtClean="0"/>
-              <a:t>12.02.2020</a:t>
+              <a:t>13.02.20</a:t>
             </a:fld>
             <a:endParaRPr lang="de-DE"/>
           </a:p>
@@ -4809,7 +5194,7 @@
           <a:p>
             <a:fld id="{B5E8A55B-A329-4846-8D76-CA2F32F53923}" type="datetimeFigureOut">
               <a:rPr lang="de-DE" smtClean="0"/>
-              <a:t>12.02.2020</a:t>
+              <a:t>13.02.20</a:t>
             </a:fld>
             <a:endParaRPr lang="de-DE"/>
           </a:p>
@@ -5120,7 +5505,7 @@
           <a:p>
             <a:fld id="{B5E8A55B-A329-4846-8D76-CA2F32F53923}" type="datetimeFigureOut">
               <a:rPr lang="de-DE" smtClean="0"/>
-              <a:t>12.02.2020</a:t>
+              <a:t>13.02.20</a:t>
             </a:fld>
             <a:endParaRPr lang="de-DE"/>
           </a:p>
@@ -5408,7 +5793,7 @@
           <a:p>
             <a:fld id="{B5E8A55B-A329-4846-8D76-CA2F32F53923}" type="datetimeFigureOut">
               <a:rPr lang="de-DE" smtClean="0"/>
-              <a:t>12.02.2020</a:t>
+              <a:t>13.02.20</a:t>
             </a:fld>
             <a:endParaRPr lang="de-DE"/>
           </a:p>
@@ -5649,7 +6034,7 @@
           <a:p>
             <a:fld id="{B5E8A55B-A329-4846-8D76-CA2F32F53923}" type="datetimeFigureOut">
               <a:rPr lang="de-DE" smtClean="0"/>
-              <a:t>12.02.2020</a:t>
+              <a:t>13.02.20</a:t>
             </a:fld>
             <a:endParaRPr lang="de-DE"/>
           </a:p>
@@ -7126,7 +7511,7 @@
           <p:cNvPr id="2" name="Titel 1">
             <a:extLst>
               <a:ext uri="{FF2B5EF4-FFF2-40B4-BE49-F238E27FC236}">
-                <a16:creationId xmlns:a16="http://schemas.microsoft.com/office/drawing/2014/main" id="{C7E3F825-1918-451E-B3AB-EE354B6B60AF}"/>
+                <a16:creationId xmlns:a16="http://schemas.microsoft.com/office/drawing/2014/main" id="{1545335F-63CE-9844-963E-812F3DE0A7EC}"/>
               </a:ext>
             </a:extLst>
           </p:cNvPr>
@@ -7151,12 +7536,12 @@
           <a:p>
             <a:pPr algn="r"/>
             <a:r>
-              <a:rPr lang="en-US" sz="4100" dirty="0">
+              <a:rPr lang="en-US">
                 <a:solidFill>
                   <a:schemeClr val="accent1"/>
                 </a:solidFill>
               </a:rPr>
-              <a:t>Exercise 1 Parallelization of Addition</a:t>
+              <a:t>Exercises</a:t>
             </a:r>
           </a:p>
         </p:txBody>
@@ -7221,7 +7606,7 @@
           <p:cNvPr id="3" name="Inhaltsplatzhalter 2">
             <a:extLst>
               <a:ext uri="{FF2B5EF4-FFF2-40B4-BE49-F238E27FC236}">
-                <a16:creationId xmlns:a16="http://schemas.microsoft.com/office/drawing/2014/main" id="{6EFFB83E-507E-4C9F-B3D5-EF05AE455650}"/>
+                <a16:creationId xmlns:a16="http://schemas.microsoft.com/office/drawing/2014/main" id="{1931DDEF-811F-DC45-8247-7D36D84FF741}"/>
               </a:ext>
             </a:extLst>
           </p:cNvPr>
@@ -7244,33 +7629,68 @@
           </a:bodyPr>
           <a:lstStyle/>
           <a:p>
+            <a:pPr marL="514350" indent="-514350">
+              <a:buFont typeface="+mj-lt"/>
+              <a:buAutoNum type="arabicPeriod"/>
+            </a:pPr>
             <a:r>
               <a:rPr lang="en-US" sz="2400" dirty="0"/>
-              <a:t>Why is there the same performance in the Release configuration?</a:t>
-            </a:r>
-          </a:p>
-          <a:p>
+              <a:t>Startup the Lab Computers</a:t>
+            </a:r>
+          </a:p>
+          <a:p>
+            <a:pPr marL="514350" indent="-514350">
+              <a:buFont typeface="+mj-lt"/>
+              <a:buAutoNum type="arabicPeriod"/>
+            </a:pPr>
+            <a:r>
+              <a:rPr lang="en-US" sz="2400" dirty="0"/>
+              <a:t>Retrieve our Zip packages and unzip them in a good-to-find location</a:t>
+            </a:r>
+          </a:p>
+          <a:p>
+            <a:pPr marL="514350" indent="-514350">
+              <a:buFont typeface="+mj-lt"/>
+              <a:buAutoNum type="arabicPeriod"/>
+            </a:pPr>
+            <a:r>
+              <a:rPr lang="en-US" sz="2400" dirty="0"/>
+              <a:t>Startup Visual Studio and Open up the Solution from the unzipped folder</a:t>
+            </a:r>
+          </a:p>
+          <a:p>
+            <a:pPr marL="514350" indent="-514350">
+              <a:buFont typeface="+mj-lt"/>
+              <a:buAutoNum type="arabicPeriod"/>
+            </a:pPr>
+            <a:r>
+              <a:rPr lang="en-US" sz="2400" dirty="0"/>
+              <a:t>You are good to go</a:t>
+            </a:r>
+          </a:p>
+          <a:p>
+            <a:pPr marL="514350" indent="-514350">
+              <a:buFont typeface="+mj-lt"/>
+              <a:buAutoNum type="arabicPeriod"/>
+            </a:pPr>
             <a:endParaRPr lang="en-US" sz="2400" dirty="0"/>
           </a:p>
           <a:p>
-            <a:endParaRPr lang="en-US" sz="2400" dirty="0"/>
-          </a:p>
-          <a:p>
+            <a:pPr marL="0" indent="0">
+              <a:buNone/>
+            </a:pPr>
             <a:r>
               <a:rPr lang="en-US" sz="2400" dirty="0"/>
-              <a:t>Are there differences between the results with a Debug and a Release build?</a:t>
-            </a:r>
-          </a:p>
-          <a:p>
-            <a:endParaRPr lang="en-US" sz="2400" dirty="0"/>
-          </a:p>
-          <a:p>
-            <a:endParaRPr lang="en-US" sz="2400" dirty="0"/>
-          </a:p>
-          <a:p>
+              <a:t>Tip: Helpful Resources &amp; Links are at the end of the description file! </a:t>
+            </a:r>
+          </a:p>
+          <a:p>
+            <a:pPr marL="0" indent="0">
+              <a:buNone/>
+            </a:pPr>
             <a:r>
               <a:rPr lang="en-US" sz="2400" dirty="0"/>
-              <a:t>How many resources are occupied by your system during execution?</a:t>
+              <a:t>Also: Look through all the provided files, you might find helpful ones ;)</a:t>
             </a:r>
           </a:p>
         </p:txBody>
@@ -7278,7 +7698,7 @@
     </p:spTree>
     <p:extLst>
       <p:ext uri="{BB962C8B-B14F-4D97-AF65-F5344CB8AC3E}">
-        <p14:creationId xmlns:p14="http://schemas.microsoft.com/office/powerpoint/2010/main" val="2737949822"/>
+        <p14:creationId xmlns:p14="http://schemas.microsoft.com/office/powerpoint/2010/main" val="1220348743"/>
       </p:ext>
     </p:extLst>
   </p:cSld>
@@ -7289,6 +7709,1180 @@
 </file>
 
 <file path=ppt/slides/slide14.xml><?xml version="1.0" encoding="utf-8"?>
+<p:sld xmlns:a="http://schemas.openxmlformats.org/drawingml/2006/main" xmlns:r="http://schemas.openxmlformats.org/officeDocument/2006/relationships" xmlns:p="http://schemas.openxmlformats.org/presentationml/2006/main">
+  <p:cSld>
+    <p:spTree>
+      <p:nvGrpSpPr>
+        <p:cNvPr id="1" name=""/>
+        <p:cNvGrpSpPr/>
+        <p:nvPr/>
+      </p:nvGrpSpPr>
+      <p:grpSpPr>
+        <a:xfrm>
+          <a:off x="0" y="0"/>
+          <a:ext cx="0" cy="0"/>
+          <a:chOff x="0" y="0"/>
+          <a:chExt cx="0" cy="0"/>
+        </a:xfrm>
+      </p:grpSpPr>
+      <p:sp>
+        <p:nvSpPr>
+          <p:cNvPr id="2" name="Titel 1">
+            <a:extLst>
+              <a:ext uri="{FF2B5EF4-FFF2-40B4-BE49-F238E27FC236}">
+                <a16:creationId xmlns:a16="http://schemas.microsoft.com/office/drawing/2014/main" id="{C7E3F825-1918-451E-B3AB-EE354B6B60AF}"/>
+              </a:ext>
+            </a:extLst>
+          </p:cNvPr>
+          <p:cNvSpPr>
+            <a:spLocks noGrp="1"/>
+          </p:cNvSpPr>
+          <p:nvPr>
+            <p:ph type="title"/>
+          </p:nvPr>
+        </p:nvSpPr>
+        <p:spPr>
+          <a:xfrm>
+            <a:off x="1051560" y="4444332"/>
+            <a:ext cx="3558466" cy="1645920"/>
+          </a:xfrm>
+        </p:spPr>
+        <p:txBody>
+          <a:bodyPr vert="horz" lIns="91440" tIns="45720" rIns="91440" bIns="45720" rtlCol="0" anchor="ctr">
+            <a:normAutofit/>
+          </a:bodyPr>
+          <a:lstStyle/>
+          <a:p>
+            <a:r>
+              <a:rPr lang="en-US" sz="3200" kern="1200" dirty="0">
+                <a:solidFill>
+                  <a:schemeClr val="tx1"/>
+                </a:solidFill>
+                <a:latin typeface="+mj-lt"/>
+                <a:ea typeface="+mj-ea"/>
+                <a:cs typeface="+mj-cs"/>
+              </a:rPr>
+              <a:t>Exercise 1 Parallelization of Addition</a:t>
+            </a:r>
+          </a:p>
+        </p:txBody>
+      </p:sp>
+      <p:graphicFrame>
+        <p:nvGraphicFramePr>
+          <p:cNvPr id="5" name="Tabelle 5">
+            <a:extLst>
+              <a:ext uri="{FF2B5EF4-FFF2-40B4-BE49-F238E27FC236}">
+                <a16:creationId xmlns:a16="http://schemas.microsoft.com/office/drawing/2014/main" id="{BF4B5319-A78F-476F-BDC1-E5551D330D1A}"/>
+              </a:ext>
+            </a:extLst>
+          </p:cNvPr>
+          <p:cNvGraphicFramePr>
+            <a:graphicFrameLocks noGrp="1"/>
+          </p:cNvGraphicFramePr>
+          <p:nvPr>
+            <p:ph idx="1"/>
+            <p:extLst>
+              <p:ext uri="{D42A27DB-BD31-4B8C-83A1-F6EECF244321}">
+                <p14:modId xmlns:p14="http://schemas.microsoft.com/office/powerpoint/2010/main" val="4263759048"/>
+              </p:ext>
+            </p:extLst>
+          </p:nvPr>
+        </p:nvGraphicFramePr>
+        <p:xfrm>
+          <a:off x="557784" y="703262"/>
+          <a:ext cx="11164828" cy="2952948"/>
+        </p:xfrm>
+        <a:graphic>
+          <a:graphicData uri="http://schemas.openxmlformats.org/drawingml/2006/table">
+            <a:tbl>
+              <a:tblPr firstRow="1" bandRow="1">
+                <a:noFill/>
+                <a:tableStyleId>{5C22544A-7EE6-4342-B048-85BDC9FD1C3A}</a:tableStyleId>
+              </a:tblPr>
+              <a:tblGrid>
+                <a:gridCol w="2142489">
+                  <a:extLst>
+                    <a:ext uri="{9D8B030D-6E8A-4147-A177-3AD203B41FA5}">
+                      <a16:colId xmlns:a16="http://schemas.microsoft.com/office/drawing/2014/main" val="3706614358"/>
+                    </a:ext>
+                  </a:extLst>
+                </a:gridCol>
+                <a:gridCol w="1584755">
+                  <a:extLst>
+                    <a:ext uri="{9D8B030D-6E8A-4147-A177-3AD203B41FA5}">
+                      <a16:colId xmlns:a16="http://schemas.microsoft.com/office/drawing/2014/main" val="1804461210"/>
+                    </a:ext>
+                  </a:extLst>
+                </a:gridCol>
+                <a:gridCol w="1767848">
+                  <a:extLst>
+                    <a:ext uri="{9D8B030D-6E8A-4147-A177-3AD203B41FA5}">
+                      <a16:colId xmlns:a16="http://schemas.microsoft.com/office/drawing/2014/main" val="4173243819"/>
+                    </a:ext>
+                  </a:extLst>
+                </a:gridCol>
+                <a:gridCol w="1767848">
+                  <a:extLst>
+                    <a:ext uri="{9D8B030D-6E8A-4147-A177-3AD203B41FA5}">
+                      <a16:colId xmlns:a16="http://schemas.microsoft.com/office/drawing/2014/main" val="4134306666"/>
+                    </a:ext>
+                  </a:extLst>
+                </a:gridCol>
+                <a:gridCol w="1950944">
+                  <a:extLst>
+                    <a:ext uri="{9D8B030D-6E8A-4147-A177-3AD203B41FA5}">
+                      <a16:colId xmlns:a16="http://schemas.microsoft.com/office/drawing/2014/main" val="3835685042"/>
+                    </a:ext>
+                  </a:extLst>
+                </a:gridCol>
+                <a:gridCol w="1950944">
+                  <a:extLst>
+                    <a:ext uri="{9D8B030D-6E8A-4147-A177-3AD203B41FA5}">
+                      <a16:colId xmlns:a16="http://schemas.microsoft.com/office/drawing/2014/main" val="1373760785"/>
+                    </a:ext>
+                  </a:extLst>
+                </a:gridCol>
+              </a:tblGrid>
+              <a:tr h="984316">
+                <a:tc>
+                  <a:txBody>
+                    <a:bodyPr/>
+                    <a:lstStyle/>
+                    <a:p>
+                      <a:endParaRPr lang="de-DE" sz="2800" b="1">
+                        <a:solidFill>
+                          <a:srgbClr val="FFFFFF"/>
+                        </a:solidFill>
+                      </a:endParaRPr>
+                    </a:p>
+                  </a:txBody>
+                  <a:tcPr marL="405625" marR="243375" marT="243375" marB="243375">
+                    <a:lnL w="12700" cmpd="sng">
+                      <a:noFill/>
+                      <a:prstDash val="solid"/>
+                    </a:lnL>
+                    <a:lnR w="38100" cap="flat" cmpd="sng" algn="ctr">
+                      <a:solidFill>
+                        <a:srgbClr val="FFFFFF"/>
+                      </a:solidFill>
+                      <a:prstDash val="solid"/>
+                    </a:lnR>
+                    <a:lnT w="12700" cmpd="sng">
+                      <a:noFill/>
+                      <a:prstDash val="solid"/>
+                    </a:lnT>
+                    <a:lnB w="38100" cap="flat" cmpd="sng" algn="ctr">
+                      <a:solidFill>
+                        <a:srgbClr val="FFFFFF"/>
+                      </a:solidFill>
+                      <a:prstDash val="solid"/>
+                    </a:lnB>
+                    <a:solidFill>
+                      <a:srgbClr val="636B68">
+                        <a:alpha val="69804"/>
+                      </a:srgbClr>
+                    </a:solidFill>
+                  </a:tcPr>
+                </a:tc>
+                <a:tc>
+                  <a:txBody>
+                    <a:bodyPr/>
+                    <a:lstStyle/>
+                    <a:p>
+                      <a:r>
+                        <a:rPr lang="en-US" sz="2800" b="1">
+                          <a:solidFill>
+                            <a:srgbClr val="FFFFFF"/>
+                          </a:solidFill>
+                        </a:rPr>
+                        <a:t>1000</a:t>
+                      </a:r>
+                      <a:endParaRPr lang="de-DE" sz="2800" b="1">
+                        <a:solidFill>
+                          <a:srgbClr val="FFFFFF"/>
+                        </a:solidFill>
+                      </a:endParaRPr>
+                    </a:p>
+                  </a:txBody>
+                  <a:tcPr marL="405625" marR="243375" marT="243375" marB="243375">
+                    <a:lnL w="38100" cap="flat" cmpd="sng" algn="ctr">
+                      <a:solidFill>
+                        <a:srgbClr val="FFFFFF"/>
+                      </a:solidFill>
+                      <a:prstDash val="solid"/>
+                    </a:lnL>
+                    <a:lnR w="38100" cap="flat" cmpd="sng" algn="ctr">
+                      <a:solidFill>
+                        <a:srgbClr val="FFFFFF"/>
+                      </a:solidFill>
+                      <a:prstDash val="solid"/>
+                    </a:lnR>
+                    <a:lnT w="12700" cmpd="sng">
+                      <a:noFill/>
+                      <a:prstDash val="solid"/>
+                    </a:lnT>
+                    <a:lnB w="38100" cap="flat" cmpd="sng" algn="ctr">
+                      <a:solidFill>
+                        <a:srgbClr val="FFFFFF"/>
+                      </a:solidFill>
+                      <a:prstDash val="solid"/>
+                    </a:lnB>
+                    <a:solidFill>
+                      <a:srgbClr val="636B68">
+                        <a:alpha val="69804"/>
+                      </a:srgbClr>
+                    </a:solidFill>
+                  </a:tcPr>
+                </a:tc>
+                <a:tc>
+                  <a:txBody>
+                    <a:bodyPr/>
+                    <a:lstStyle/>
+                    <a:p>
+                      <a:r>
+                        <a:rPr lang="en-US" sz="2800" b="1">
+                          <a:solidFill>
+                            <a:srgbClr val="FFFFFF"/>
+                          </a:solidFill>
+                        </a:rPr>
+                        <a:t>10000</a:t>
+                      </a:r>
+                      <a:endParaRPr lang="de-DE" sz="2800" b="1">
+                        <a:solidFill>
+                          <a:srgbClr val="FFFFFF"/>
+                        </a:solidFill>
+                      </a:endParaRPr>
+                    </a:p>
+                  </a:txBody>
+                  <a:tcPr marL="405625" marR="243375" marT="243375" marB="243375">
+                    <a:lnL w="38100" cap="flat" cmpd="sng" algn="ctr">
+                      <a:solidFill>
+                        <a:srgbClr val="FFFFFF"/>
+                      </a:solidFill>
+                      <a:prstDash val="solid"/>
+                    </a:lnL>
+                    <a:lnR w="38100" cap="flat" cmpd="sng" algn="ctr">
+                      <a:solidFill>
+                        <a:srgbClr val="FFFFFF"/>
+                      </a:solidFill>
+                      <a:prstDash val="solid"/>
+                    </a:lnR>
+                    <a:lnT w="12700" cmpd="sng">
+                      <a:noFill/>
+                      <a:prstDash val="solid"/>
+                    </a:lnT>
+                    <a:lnB w="38100" cap="flat" cmpd="sng" algn="ctr">
+                      <a:solidFill>
+                        <a:srgbClr val="FFFFFF"/>
+                      </a:solidFill>
+                      <a:prstDash val="solid"/>
+                    </a:lnB>
+                    <a:solidFill>
+                      <a:srgbClr val="636B68">
+                        <a:alpha val="69804"/>
+                      </a:srgbClr>
+                    </a:solidFill>
+                  </a:tcPr>
+                </a:tc>
+                <a:tc>
+                  <a:txBody>
+                    <a:bodyPr/>
+                    <a:lstStyle/>
+                    <a:p>
+                      <a:r>
+                        <a:rPr lang="en-US" sz="2800" b="1" dirty="0">
+                          <a:solidFill>
+                            <a:srgbClr val="FFFFFF"/>
+                          </a:solidFill>
+                        </a:rPr>
+                        <a:t>50000</a:t>
+                      </a:r>
+                      <a:endParaRPr lang="de-DE" sz="2800" b="1" dirty="0">
+                        <a:solidFill>
+                          <a:srgbClr val="FFFFFF"/>
+                        </a:solidFill>
+                      </a:endParaRPr>
+                    </a:p>
+                  </a:txBody>
+                  <a:tcPr marL="405625" marR="243375" marT="243375" marB="243375">
+                    <a:lnL w="38100" cap="flat" cmpd="sng" algn="ctr">
+                      <a:solidFill>
+                        <a:srgbClr val="FFFFFF"/>
+                      </a:solidFill>
+                      <a:prstDash val="solid"/>
+                    </a:lnL>
+                    <a:lnR w="38100" cap="flat" cmpd="sng" algn="ctr">
+                      <a:solidFill>
+                        <a:srgbClr val="FFFFFF"/>
+                      </a:solidFill>
+                      <a:prstDash val="solid"/>
+                    </a:lnR>
+                    <a:lnT w="12700" cmpd="sng">
+                      <a:noFill/>
+                      <a:prstDash val="solid"/>
+                    </a:lnT>
+                    <a:lnB w="38100" cap="flat" cmpd="sng" algn="ctr">
+                      <a:solidFill>
+                        <a:srgbClr val="FFFFFF"/>
+                      </a:solidFill>
+                      <a:prstDash val="solid"/>
+                    </a:lnB>
+                    <a:solidFill>
+                      <a:srgbClr val="636B68">
+                        <a:alpha val="69804"/>
+                      </a:srgbClr>
+                    </a:solidFill>
+                  </a:tcPr>
+                </a:tc>
+                <a:tc>
+                  <a:txBody>
+                    <a:bodyPr/>
+                    <a:lstStyle/>
+                    <a:p>
+                      <a:r>
+                        <a:rPr lang="en-US" sz="2800" b="1" dirty="0">
+                          <a:solidFill>
+                            <a:srgbClr val="FFFFFF"/>
+                          </a:solidFill>
+                        </a:rPr>
+                        <a:t>200000</a:t>
+                      </a:r>
+                      <a:endParaRPr lang="de-DE" sz="2800" b="1" dirty="0">
+                        <a:solidFill>
+                          <a:srgbClr val="FFFFFF"/>
+                        </a:solidFill>
+                      </a:endParaRPr>
+                    </a:p>
+                  </a:txBody>
+                  <a:tcPr marL="405625" marR="243375" marT="243375" marB="243375">
+                    <a:lnL w="38100" cap="flat" cmpd="sng" algn="ctr">
+                      <a:solidFill>
+                        <a:srgbClr val="FFFFFF"/>
+                      </a:solidFill>
+                      <a:prstDash val="solid"/>
+                    </a:lnL>
+                    <a:lnR w="38100" cap="flat" cmpd="sng" algn="ctr">
+                      <a:solidFill>
+                        <a:srgbClr val="FFFFFF"/>
+                      </a:solidFill>
+                      <a:prstDash val="solid"/>
+                    </a:lnR>
+                    <a:lnT w="12700" cmpd="sng">
+                      <a:noFill/>
+                      <a:prstDash val="solid"/>
+                    </a:lnT>
+                    <a:lnB w="38100" cap="flat" cmpd="sng" algn="ctr">
+                      <a:solidFill>
+                        <a:srgbClr val="FFFFFF"/>
+                      </a:solidFill>
+                      <a:prstDash val="solid"/>
+                    </a:lnB>
+                    <a:solidFill>
+                      <a:srgbClr val="636B68">
+                        <a:alpha val="69804"/>
+                      </a:srgbClr>
+                    </a:solidFill>
+                  </a:tcPr>
+                </a:tc>
+                <a:tc>
+                  <a:txBody>
+                    <a:bodyPr/>
+                    <a:lstStyle/>
+                    <a:p>
+                      <a:r>
+                        <a:rPr lang="en-US" sz="2800" b="1" dirty="0">
+                          <a:solidFill>
+                            <a:srgbClr val="FFFFFF"/>
+                          </a:solidFill>
+                        </a:rPr>
+                        <a:t>2000000</a:t>
+                      </a:r>
+                      <a:endParaRPr lang="de-DE" sz="2800" b="1" dirty="0">
+                        <a:solidFill>
+                          <a:srgbClr val="FFFFFF"/>
+                        </a:solidFill>
+                      </a:endParaRPr>
+                    </a:p>
+                  </a:txBody>
+                  <a:tcPr marL="405625" marR="243375" marT="243375" marB="243375">
+                    <a:lnL w="38100" cap="flat" cmpd="sng" algn="ctr">
+                      <a:solidFill>
+                        <a:srgbClr val="FFFFFF"/>
+                      </a:solidFill>
+                      <a:prstDash val="solid"/>
+                    </a:lnL>
+                    <a:lnR w="12700" cmpd="sng">
+                      <a:noFill/>
+                      <a:prstDash val="solid"/>
+                    </a:lnR>
+                    <a:lnT w="12700" cmpd="sng">
+                      <a:noFill/>
+                      <a:prstDash val="solid"/>
+                    </a:lnT>
+                    <a:lnB w="38100" cap="flat" cmpd="sng" algn="ctr">
+                      <a:solidFill>
+                        <a:srgbClr val="FFFFFF"/>
+                      </a:solidFill>
+                      <a:prstDash val="solid"/>
+                    </a:lnB>
+                    <a:solidFill>
+                      <a:srgbClr val="636B68">
+                        <a:alpha val="69804"/>
+                      </a:srgbClr>
+                    </a:solidFill>
+                  </a:tcPr>
+                </a:tc>
+                <a:extLst>
+                  <a:ext uri="{0D108BD9-81ED-4DB2-BD59-A6C34878D82A}">
+                    <a16:rowId xmlns:a16="http://schemas.microsoft.com/office/drawing/2014/main" val="2114500752"/>
+                  </a:ext>
+                </a:extLst>
+              </a:tr>
+              <a:tr h="984316">
+                <a:tc>
+                  <a:txBody>
+                    <a:bodyPr/>
+                    <a:lstStyle/>
+                    <a:p>
+                      <a:r>
+                        <a:rPr lang="en-US" sz="2800">
+                          <a:solidFill>
+                            <a:schemeClr val="tx1">
+                              <a:lumMod val="85000"/>
+                              <a:lumOff val="15000"/>
+                            </a:schemeClr>
+                          </a:solidFill>
+                        </a:rPr>
+                        <a:t>Normal</a:t>
+                      </a:r>
+                      <a:endParaRPr lang="de-DE" sz="2800">
+                        <a:solidFill>
+                          <a:schemeClr val="tx1">
+                            <a:lumMod val="85000"/>
+                            <a:lumOff val="15000"/>
+                          </a:schemeClr>
+                        </a:solidFill>
+                      </a:endParaRPr>
+                    </a:p>
+                  </a:txBody>
+                  <a:tcPr marL="405625" marR="243375" marT="243375" marB="243375">
+                    <a:lnL w="12700" cmpd="sng">
+                      <a:noFill/>
+                      <a:prstDash val="solid"/>
+                    </a:lnL>
+                    <a:lnR w="38100" cap="flat" cmpd="sng" algn="ctr">
+                      <a:solidFill>
+                        <a:srgbClr val="FFFFFF"/>
+                      </a:solidFill>
+                      <a:prstDash val="solid"/>
+                    </a:lnR>
+                    <a:lnT w="38100" cap="flat" cmpd="sng" algn="ctr">
+                      <a:solidFill>
+                        <a:srgbClr val="FFFFFF"/>
+                      </a:solidFill>
+                      <a:prstDash val="solid"/>
+                    </a:lnT>
+                    <a:lnB w="38100" cap="flat" cmpd="sng" algn="ctr">
+                      <a:solidFill>
+                        <a:srgbClr val="FFFFFF"/>
+                      </a:solidFill>
+                      <a:prstDash val="solid"/>
+                    </a:lnB>
+                    <a:solidFill>
+                      <a:srgbClr val="878E8B">
+                        <a:alpha val="14902"/>
+                      </a:srgbClr>
+                    </a:solidFill>
+                  </a:tcPr>
+                </a:tc>
+                <a:tc>
+                  <a:txBody>
+                    <a:bodyPr/>
+                    <a:lstStyle/>
+                    <a:p>
+                      <a:r>
+                        <a:rPr lang="en-US" sz="2800" dirty="0">
+                          <a:solidFill>
+                            <a:schemeClr val="tx1">
+                              <a:lumMod val="85000"/>
+                              <a:lumOff val="15000"/>
+                            </a:schemeClr>
+                          </a:solidFill>
+                        </a:rPr>
+                        <a:t>0</a:t>
+                      </a:r>
+                      <a:endParaRPr lang="de-DE" sz="2800" dirty="0">
+                        <a:solidFill>
+                          <a:schemeClr val="tx1">
+                            <a:lumMod val="85000"/>
+                            <a:lumOff val="15000"/>
+                          </a:schemeClr>
+                        </a:solidFill>
+                      </a:endParaRPr>
+                    </a:p>
+                  </a:txBody>
+                  <a:tcPr marL="405625" marR="243375" marT="243375" marB="243375">
+                    <a:lnL w="38100" cap="flat" cmpd="sng" algn="ctr">
+                      <a:solidFill>
+                        <a:srgbClr val="FFFFFF"/>
+                      </a:solidFill>
+                      <a:prstDash val="solid"/>
+                    </a:lnL>
+                    <a:lnR w="38100" cap="flat" cmpd="sng" algn="ctr">
+                      <a:solidFill>
+                        <a:srgbClr val="FFFFFF"/>
+                      </a:solidFill>
+                      <a:prstDash val="solid"/>
+                    </a:lnR>
+                    <a:lnT w="38100" cap="flat" cmpd="sng" algn="ctr">
+                      <a:solidFill>
+                        <a:srgbClr val="FFFFFF"/>
+                      </a:solidFill>
+                      <a:prstDash val="solid"/>
+                    </a:lnT>
+                    <a:lnB w="38100" cap="flat" cmpd="sng" algn="ctr">
+                      <a:solidFill>
+                        <a:srgbClr val="FFFFFF"/>
+                      </a:solidFill>
+                      <a:prstDash val="solid"/>
+                    </a:lnB>
+                    <a:solidFill>
+                      <a:srgbClr val="878E8B">
+                        <a:alpha val="14902"/>
+                      </a:srgbClr>
+                    </a:solidFill>
+                  </a:tcPr>
+                </a:tc>
+                <a:tc>
+                  <a:txBody>
+                    <a:bodyPr/>
+                    <a:lstStyle/>
+                    <a:p>
+                      <a:r>
+                        <a:rPr lang="en-US" sz="2800" dirty="0">
+                          <a:solidFill>
+                            <a:schemeClr val="tx1">
+                              <a:lumMod val="85000"/>
+                              <a:lumOff val="15000"/>
+                            </a:schemeClr>
+                          </a:solidFill>
+                        </a:rPr>
+                        <a:t>0</a:t>
+                      </a:r>
+                      <a:endParaRPr lang="de-DE" sz="2800" dirty="0">
+                        <a:solidFill>
+                          <a:schemeClr val="tx1">
+                            <a:lumMod val="85000"/>
+                            <a:lumOff val="15000"/>
+                          </a:schemeClr>
+                        </a:solidFill>
+                      </a:endParaRPr>
+                    </a:p>
+                  </a:txBody>
+                  <a:tcPr marL="405625" marR="243375" marT="243375" marB="243375">
+                    <a:lnL w="38100" cap="flat" cmpd="sng" algn="ctr">
+                      <a:solidFill>
+                        <a:srgbClr val="FFFFFF"/>
+                      </a:solidFill>
+                      <a:prstDash val="solid"/>
+                    </a:lnL>
+                    <a:lnR w="38100" cap="flat" cmpd="sng" algn="ctr">
+                      <a:solidFill>
+                        <a:srgbClr val="FFFFFF"/>
+                      </a:solidFill>
+                      <a:prstDash val="solid"/>
+                    </a:lnR>
+                    <a:lnT w="38100" cap="flat" cmpd="sng" algn="ctr">
+                      <a:solidFill>
+                        <a:srgbClr val="FFFFFF"/>
+                      </a:solidFill>
+                      <a:prstDash val="solid"/>
+                    </a:lnT>
+                    <a:lnB w="38100" cap="flat" cmpd="sng" algn="ctr">
+                      <a:solidFill>
+                        <a:srgbClr val="FFFFFF"/>
+                      </a:solidFill>
+                      <a:prstDash val="solid"/>
+                    </a:lnB>
+                    <a:solidFill>
+                      <a:srgbClr val="878E8B">
+                        <a:alpha val="14902"/>
+                      </a:srgbClr>
+                    </a:solidFill>
+                  </a:tcPr>
+                </a:tc>
+                <a:tc>
+                  <a:txBody>
+                    <a:bodyPr/>
+                    <a:lstStyle/>
+                    <a:p>
+                      <a:r>
+                        <a:rPr lang="en-US" sz="2800" dirty="0">
+                          <a:solidFill>
+                            <a:schemeClr val="tx1">
+                              <a:lumMod val="85000"/>
+                              <a:lumOff val="15000"/>
+                            </a:schemeClr>
+                          </a:solidFill>
+                        </a:rPr>
+                        <a:t>0</a:t>
+                      </a:r>
+                      <a:endParaRPr lang="de-DE" sz="2800" dirty="0">
+                        <a:solidFill>
+                          <a:schemeClr val="tx1">
+                            <a:lumMod val="85000"/>
+                            <a:lumOff val="15000"/>
+                          </a:schemeClr>
+                        </a:solidFill>
+                      </a:endParaRPr>
+                    </a:p>
+                  </a:txBody>
+                  <a:tcPr marL="405625" marR="243375" marT="243375" marB="243375">
+                    <a:lnL w="38100" cap="flat" cmpd="sng" algn="ctr">
+                      <a:solidFill>
+                        <a:srgbClr val="FFFFFF"/>
+                      </a:solidFill>
+                      <a:prstDash val="solid"/>
+                    </a:lnL>
+                    <a:lnR w="38100" cap="flat" cmpd="sng" algn="ctr">
+                      <a:solidFill>
+                        <a:srgbClr val="FFFFFF"/>
+                      </a:solidFill>
+                      <a:prstDash val="solid"/>
+                    </a:lnR>
+                    <a:lnT w="38100" cap="flat" cmpd="sng" algn="ctr">
+                      <a:solidFill>
+                        <a:srgbClr val="FFFFFF"/>
+                      </a:solidFill>
+                      <a:prstDash val="solid"/>
+                    </a:lnT>
+                    <a:lnB w="38100" cap="flat" cmpd="sng" algn="ctr">
+                      <a:solidFill>
+                        <a:srgbClr val="FFFFFF"/>
+                      </a:solidFill>
+                      <a:prstDash val="solid"/>
+                    </a:lnB>
+                    <a:solidFill>
+                      <a:srgbClr val="878E8B">
+                        <a:alpha val="14902"/>
+                      </a:srgbClr>
+                    </a:solidFill>
+                  </a:tcPr>
+                </a:tc>
+                <a:tc>
+                  <a:txBody>
+                    <a:bodyPr/>
+                    <a:lstStyle/>
+                    <a:p>
+                      <a:r>
+                        <a:rPr lang="en-US" sz="2800" dirty="0">
+                          <a:solidFill>
+                            <a:schemeClr val="tx1">
+                              <a:lumMod val="85000"/>
+                              <a:lumOff val="15000"/>
+                            </a:schemeClr>
+                          </a:solidFill>
+                        </a:rPr>
+                        <a:t>0</a:t>
+                      </a:r>
+                      <a:endParaRPr lang="de-DE" sz="2800" dirty="0">
+                        <a:solidFill>
+                          <a:schemeClr val="tx1">
+                            <a:lumMod val="85000"/>
+                            <a:lumOff val="15000"/>
+                          </a:schemeClr>
+                        </a:solidFill>
+                      </a:endParaRPr>
+                    </a:p>
+                  </a:txBody>
+                  <a:tcPr marL="405625" marR="243375" marT="243375" marB="243375">
+                    <a:lnL w="38100" cap="flat" cmpd="sng" algn="ctr">
+                      <a:solidFill>
+                        <a:srgbClr val="FFFFFF"/>
+                      </a:solidFill>
+                      <a:prstDash val="solid"/>
+                    </a:lnL>
+                    <a:lnR w="38100" cap="flat" cmpd="sng" algn="ctr">
+                      <a:solidFill>
+                        <a:srgbClr val="FFFFFF"/>
+                      </a:solidFill>
+                      <a:prstDash val="solid"/>
+                    </a:lnR>
+                    <a:lnT w="38100" cap="flat" cmpd="sng" algn="ctr">
+                      <a:solidFill>
+                        <a:srgbClr val="FFFFFF"/>
+                      </a:solidFill>
+                      <a:prstDash val="solid"/>
+                    </a:lnT>
+                    <a:lnB w="38100" cap="flat" cmpd="sng" algn="ctr">
+                      <a:solidFill>
+                        <a:srgbClr val="FFFFFF"/>
+                      </a:solidFill>
+                      <a:prstDash val="solid"/>
+                    </a:lnB>
+                    <a:solidFill>
+                      <a:srgbClr val="878E8B">
+                        <a:alpha val="14902"/>
+                      </a:srgbClr>
+                    </a:solidFill>
+                  </a:tcPr>
+                </a:tc>
+                <a:tc>
+                  <a:txBody>
+                    <a:bodyPr/>
+                    <a:lstStyle/>
+                    <a:p>
+                      <a:r>
+                        <a:rPr lang="en-US" sz="2800" dirty="0">
+                          <a:solidFill>
+                            <a:schemeClr val="tx1">
+                              <a:lumMod val="85000"/>
+                              <a:lumOff val="15000"/>
+                            </a:schemeClr>
+                          </a:solidFill>
+                        </a:rPr>
+                        <a:t>0</a:t>
+                      </a:r>
+                      <a:endParaRPr lang="de-DE" sz="2800" dirty="0">
+                        <a:solidFill>
+                          <a:schemeClr val="tx1">
+                            <a:lumMod val="85000"/>
+                            <a:lumOff val="15000"/>
+                          </a:schemeClr>
+                        </a:solidFill>
+                      </a:endParaRPr>
+                    </a:p>
+                  </a:txBody>
+                  <a:tcPr marL="405625" marR="243375" marT="243375" marB="243375">
+                    <a:lnL w="38100" cap="flat" cmpd="sng" algn="ctr">
+                      <a:solidFill>
+                        <a:srgbClr val="FFFFFF"/>
+                      </a:solidFill>
+                      <a:prstDash val="solid"/>
+                    </a:lnL>
+                    <a:lnR w="12700" cmpd="sng">
+                      <a:noFill/>
+                      <a:prstDash val="solid"/>
+                    </a:lnR>
+                    <a:lnT w="38100" cap="flat" cmpd="sng" algn="ctr">
+                      <a:solidFill>
+                        <a:srgbClr val="FFFFFF"/>
+                      </a:solidFill>
+                      <a:prstDash val="solid"/>
+                    </a:lnT>
+                    <a:lnB w="38100" cap="flat" cmpd="sng" algn="ctr">
+                      <a:solidFill>
+                        <a:srgbClr val="FFFFFF"/>
+                      </a:solidFill>
+                      <a:prstDash val="solid"/>
+                    </a:lnB>
+                    <a:solidFill>
+                      <a:srgbClr val="878E8B">
+                        <a:alpha val="14902"/>
+                      </a:srgbClr>
+                    </a:solidFill>
+                  </a:tcPr>
+                </a:tc>
+                <a:extLst>
+                  <a:ext uri="{0D108BD9-81ED-4DB2-BD59-A6C34878D82A}">
+                    <a16:rowId xmlns:a16="http://schemas.microsoft.com/office/drawing/2014/main" val="4031426376"/>
+                  </a:ext>
+                </a:extLst>
+              </a:tr>
+              <a:tr h="984316">
+                <a:tc>
+                  <a:txBody>
+                    <a:bodyPr/>
+                    <a:lstStyle/>
+                    <a:p>
+                      <a:r>
+                        <a:rPr lang="en-US" sz="2800">
+                          <a:solidFill>
+                            <a:schemeClr val="tx1">
+                              <a:lumMod val="85000"/>
+                              <a:lumOff val="15000"/>
+                            </a:schemeClr>
+                          </a:solidFill>
+                        </a:rPr>
+                        <a:t>OpenMP</a:t>
+                      </a:r>
+                      <a:endParaRPr lang="de-DE" sz="2800">
+                        <a:solidFill>
+                          <a:schemeClr val="tx1">
+                            <a:lumMod val="85000"/>
+                            <a:lumOff val="15000"/>
+                          </a:schemeClr>
+                        </a:solidFill>
+                      </a:endParaRPr>
+                    </a:p>
+                  </a:txBody>
+                  <a:tcPr marL="405625" marR="243375" marT="243375" marB="243375">
+                    <a:lnL w="12700" cmpd="sng">
+                      <a:noFill/>
+                      <a:prstDash val="solid"/>
+                    </a:lnL>
+                    <a:lnR w="38100" cap="flat" cmpd="sng" algn="ctr">
+                      <a:solidFill>
+                        <a:srgbClr val="FFFFFF"/>
+                      </a:solidFill>
+                      <a:prstDash val="solid"/>
+                    </a:lnR>
+                    <a:lnT w="38100" cap="flat" cmpd="sng" algn="ctr">
+                      <a:solidFill>
+                        <a:srgbClr val="FFFFFF"/>
+                      </a:solidFill>
+                      <a:prstDash val="solid"/>
+                    </a:lnT>
+                    <a:lnB w="12700" cmpd="sng">
+                      <a:noFill/>
+                      <a:prstDash val="solid"/>
+                    </a:lnB>
+                    <a:solidFill>
+                      <a:srgbClr val="878E8B">
+                        <a:alpha val="30196"/>
+                      </a:srgbClr>
+                    </a:solidFill>
+                  </a:tcPr>
+                </a:tc>
+                <a:tc>
+                  <a:txBody>
+                    <a:bodyPr/>
+                    <a:lstStyle/>
+                    <a:p>
+                      <a:r>
+                        <a:rPr lang="en-US" sz="2800" dirty="0">
+                          <a:solidFill>
+                            <a:schemeClr val="tx1">
+                              <a:lumMod val="85000"/>
+                              <a:lumOff val="15000"/>
+                            </a:schemeClr>
+                          </a:solidFill>
+                        </a:rPr>
+                        <a:t>260</a:t>
+                      </a:r>
+                      <a:endParaRPr lang="de-DE" sz="2800" dirty="0">
+                        <a:solidFill>
+                          <a:schemeClr val="tx1">
+                            <a:lumMod val="85000"/>
+                            <a:lumOff val="15000"/>
+                          </a:schemeClr>
+                        </a:solidFill>
+                      </a:endParaRPr>
+                    </a:p>
+                  </a:txBody>
+                  <a:tcPr marL="405625" marR="243375" marT="243375" marB="243375">
+                    <a:lnL w="38100" cap="flat" cmpd="sng" algn="ctr">
+                      <a:solidFill>
+                        <a:srgbClr val="FFFFFF"/>
+                      </a:solidFill>
+                      <a:prstDash val="solid"/>
+                    </a:lnL>
+                    <a:lnR w="38100" cap="flat" cmpd="sng" algn="ctr">
+                      <a:solidFill>
+                        <a:srgbClr val="FFFFFF"/>
+                      </a:solidFill>
+                      <a:prstDash val="solid"/>
+                    </a:lnR>
+                    <a:lnT w="38100" cap="flat" cmpd="sng" algn="ctr">
+                      <a:solidFill>
+                        <a:srgbClr val="FFFFFF"/>
+                      </a:solidFill>
+                      <a:prstDash val="solid"/>
+                    </a:lnT>
+                    <a:lnB w="12700" cmpd="sng">
+                      <a:noFill/>
+                      <a:prstDash val="solid"/>
+                    </a:lnB>
+                    <a:solidFill>
+                      <a:srgbClr val="878E8B">
+                        <a:alpha val="30196"/>
+                      </a:srgbClr>
+                    </a:solidFill>
+                  </a:tcPr>
+                </a:tc>
+                <a:tc>
+                  <a:txBody>
+                    <a:bodyPr/>
+                    <a:lstStyle/>
+                    <a:p>
+                      <a:r>
+                        <a:rPr lang="en-US" sz="2800" dirty="0">
+                          <a:solidFill>
+                            <a:schemeClr val="tx1">
+                              <a:lumMod val="85000"/>
+                              <a:lumOff val="15000"/>
+                            </a:schemeClr>
+                          </a:solidFill>
+                        </a:rPr>
+                        <a:t>500</a:t>
+                      </a:r>
+                      <a:endParaRPr lang="de-DE" sz="2800" dirty="0">
+                        <a:solidFill>
+                          <a:schemeClr val="tx1">
+                            <a:lumMod val="85000"/>
+                            <a:lumOff val="15000"/>
+                          </a:schemeClr>
+                        </a:solidFill>
+                      </a:endParaRPr>
+                    </a:p>
+                  </a:txBody>
+                  <a:tcPr marL="405625" marR="243375" marT="243375" marB="243375">
+                    <a:lnL w="38100" cap="flat" cmpd="sng" algn="ctr">
+                      <a:solidFill>
+                        <a:srgbClr val="FFFFFF"/>
+                      </a:solidFill>
+                      <a:prstDash val="solid"/>
+                    </a:lnL>
+                    <a:lnR w="38100" cap="flat" cmpd="sng" algn="ctr">
+                      <a:solidFill>
+                        <a:srgbClr val="FFFFFF"/>
+                      </a:solidFill>
+                      <a:prstDash val="solid"/>
+                    </a:lnR>
+                    <a:lnT w="38100" cap="flat" cmpd="sng" algn="ctr">
+                      <a:solidFill>
+                        <a:srgbClr val="FFFFFF"/>
+                      </a:solidFill>
+                      <a:prstDash val="solid"/>
+                    </a:lnT>
+                    <a:lnB w="12700" cmpd="sng">
+                      <a:noFill/>
+                      <a:prstDash val="solid"/>
+                    </a:lnB>
+                    <a:solidFill>
+                      <a:srgbClr val="878E8B">
+                        <a:alpha val="30196"/>
+                      </a:srgbClr>
+                    </a:solidFill>
+                  </a:tcPr>
+                </a:tc>
+                <a:tc>
+                  <a:txBody>
+                    <a:bodyPr/>
+                    <a:lstStyle/>
+                    <a:p>
+                      <a:r>
+                        <a:rPr lang="en-US" sz="2800" dirty="0">
+                          <a:solidFill>
+                            <a:schemeClr val="tx1">
+                              <a:lumMod val="85000"/>
+                              <a:lumOff val="15000"/>
+                            </a:schemeClr>
+                          </a:solidFill>
+                        </a:rPr>
+                        <a:t>1210</a:t>
+                      </a:r>
+                      <a:endParaRPr lang="de-DE" sz="2800" dirty="0">
+                        <a:solidFill>
+                          <a:schemeClr val="tx1">
+                            <a:lumMod val="85000"/>
+                            <a:lumOff val="15000"/>
+                          </a:schemeClr>
+                        </a:solidFill>
+                      </a:endParaRPr>
+                    </a:p>
+                  </a:txBody>
+                  <a:tcPr marL="405625" marR="243375" marT="243375" marB="243375">
+                    <a:lnL w="38100" cap="flat" cmpd="sng" algn="ctr">
+                      <a:solidFill>
+                        <a:srgbClr val="FFFFFF"/>
+                      </a:solidFill>
+                      <a:prstDash val="solid"/>
+                    </a:lnL>
+                    <a:lnR w="38100" cap="flat" cmpd="sng" algn="ctr">
+                      <a:solidFill>
+                        <a:srgbClr val="FFFFFF"/>
+                      </a:solidFill>
+                      <a:prstDash val="solid"/>
+                    </a:lnR>
+                    <a:lnT w="38100" cap="flat" cmpd="sng" algn="ctr">
+                      <a:solidFill>
+                        <a:srgbClr val="FFFFFF"/>
+                      </a:solidFill>
+                      <a:prstDash val="solid"/>
+                    </a:lnT>
+                    <a:lnB w="12700" cmpd="sng">
+                      <a:noFill/>
+                      <a:prstDash val="solid"/>
+                    </a:lnB>
+                    <a:solidFill>
+                      <a:srgbClr val="878E8B">
+                        <a:alpha val="30196"/>
+                      </a:srgbClr>
+                    </a:solidFill>
+                  </a:tcPr>
+                </a:tc>
+                <a:tc>
+                  <a:txBody>
+                    <a:bodyPr/>
+                    <a:lstStyle/>
+                    <a:p>
+                      <a:r>
+                        <a:rPr lang="en-US" sz="2800" dirty="0">
+                          <a:solidFill>
+                            <a:schemeClr val="tx1">
+                              <a:lumMod val="85000"/>
+                              <a:lumOff val="15000"/>
+                            </a:schemeClr>
+                          </a:solidFill>
+                        </a:rPr>
+                        <a:t>4530</a:t>
+                      </a:r>
+                      <a:endParaRPr lang="de-DE" sz="2800" dirty="0">
+                        <a:solidFill>
+                          <a:schemeClr val="tx1">
+                            <a:lumMod val="85000"/>
+                            <a:lumOff val="15000"/>
+                          </a:schemeClr>
+                        </a:solidFill>
+                      </a:endParaRPr>
+                    </a:p>
+                  </a:txBody>
+                  <a:tcPr marL="405625" marR="243375" marT="243375" marB="243375">
+                    <a:lnL w="38100" cap="flat" cmpd="sng" algn="ctr">
+                      <a:solidFill>
+                        <a:srgbClr val="FFFFFF"/>
+                      </a:solidFill>
+                      <a:prstDash val="solid"/>
+                    </a:lnL>
+                    <a:lnR w="38100" cap="flat" cmpd="sng" algn="ctr">
+                      <a:solidFill>
+                        <a:srgbClr val="FFFFFF"/>
+                      </a:solidFill>
+                      <a:prstDash val="solid"/>
+                    </a:lnR>
+                    <a:lnT w="38100" cap="flat" cmpd="sng" algn="ctr">
+                      <a:solidFill>
+                        <a:srgbClr val="FFFFFF"/>
+                      </a:solidFill>
+                      <a:prstDash val="solid"/>
+                    </a:lnT>
+                    <a:lnB w="12700" cmpd="sng">
+                      <a:noFill/>
+                      <a:prstDash val="solid"/>
+                    </a:lnB>
+                    <a:solidFill>
+                      <a:srgbClr val="878E8B">
+                        <a:alpha val="30196"/>
+                      </a:srgbClr>
+                    </a:solidFill>
+                  </a:tcPr>
+                </a:tc>
+                <a:tc>
+                  <a:txBody>
+                    <a:bodyPr/>
+                    <a:lstStyle/>
+                    <a:p>
+                      <a:r>
+                        <a:rPr lang="en-US" sz="2800" dirty="0">
+                          <a:solidFill>
+                            <a:schemeClr val="tx1">
+                              <a:lumMod val="85000"/>
+                              <a:lumOff val="15000"/>
+                            </a:schemeClr>
+                          </a:solidFill>
+                        </a:rPr>
+                        <a:t>33393</a:t>
+                      </a:r>
+                      <a:endParaRPr lang="de-DE" sz="2800" dirty="0">
+                        <a:solidFill>
+                          <a:schemeClr val="tx1">
+                            <a:lumMod val="85000"/>
+                            <a:lumOff val="15000"/>
+                          </a:schemeClr>
+                        </a:solidFill>
+                      </a:endParaRPr>
+                    </a:p>
+                  </a:txBody>
+                  <a:tcPr marL="405625" marR="243375" marT="243375" marB="243375">
+                    <a:lnL w="38100" cap="flat" cmpd="sng" algn="ctr">
+                      <a:solidFill>
+                        <a:srgbClr val="FFFFFF"/>
+                      </a:solidFill>
+                      <a:prstDash val="solid"/>
+                    </a:lnL>
+                    <a:lnR w="12700" cmpd="sng">
+                      <a:noFill/>
+                      <a:prstDash val="solid"/>
+                    </a:lnR>
+                    <a:lnT w="38100" cap="flat" cmpd="sng" algn="ctr">
+                      <a:solidFill>
+                        <a:srgbClr val="FFFFFF"/>
+                      </a:solidFill>
+                      <a:prstDash val="solid"/>
+                    </a:lnT>
+                    <a:lnB w="12700" cmpd="sng">
+                      <a:noFill/>
+                      <a:prstDash val="solid"/>
+                    </a:lnB>
+                    <a:solidFill>
+                      <a:srgbClr val="878E8B">
+                        <a:alpha val="30196"/>
+                      </a:srgbClr>
+                    </a:solidFill>
+                  </a:tcPr>
+                </a:tc>
+                <a:extLst>
+                  <a:ext uri="{0D108BD9-81ED-4DB2-BD59-A6C34878D82A}">
+                    <a16:rowId xmlns:a16="http://schemas.microsoft.com/office/drawing/2014/main" val="4186416659"/>
+                  </a:ext>
+                </a:extLst>
+              </a:tr>
+            </a:tbl>
+          </a:graphicData>
+        </a:graphic>
+      </p:graphicFrame>
+      <p:sp>
+        <p:nvSpPr>
+          <p:cNvPr id="3" name="Textfeld 2">
+            <a:extLst>
+              <a:ext uri="{FF2B5EF4-FFF2-40B4-BE49-F238E27FC236}">
+                <a16:creationId xmlns:a16="http://schemas.microsoft.com/office/drawing/2014/main" id="{246C933C-1B19-4985-B3C9-EBD53957CEB3}"/>
+              </a:ext>
+            </a:extLst>
+          </p:cNvPr>
+          <p:cNvSpPr txBox="1"/>
+          <p:nvPr/>
+        </p:nvSpPr>
+        <p:spPr>
+          <a:xfrm>
+            <a:off x="2698044" y="3656210"/>
+            <a:ext cx="7382934" cy="369332"/>
+          </a:xfrm>
+          <a:prstGeom prst="rect">
+            <a:avLst/>
+          </a:prstGeom>
+          <a:noFill/>
+        </p:spPr>
+        <p:txBody>
+          <a:bodyPr wrap="square" rtlCol="0">
+            <a:spAutoFit/>
+          </a:bodyPr>
+          <a:lstStyle/>
+          <a:p>
+            <a:pPr algn="r"/>
+            <a:r>
+              <a:rPr lang="en-US" dirty="0"/>
+              <a:t>Intel I5 8600K @ 4 x 3,6 GHZ</a:t>
+            </a:r>
+            <a:endParaRPr lang="de-DE" dirty="0"/>
+          </a:p>
+        </p:txBody>
+      </p:sp>
+    </p:spTree>
+    <p:extLst>
+      <p:ext uri="{BB962C8B-B14F-4D97-AF65-F5344CB8AC3E}">
+        <p14:creationId xmlns:p14="http://schemas.microsoft.com/office/powerpoint/2010/main" val="3384895520"/>
+      </p:ext>
+    </p:extLst>
+  </p:cSld>
+  <p:clrMapOvr>
+    <a:masterClrMapping/>
+  </p:clrMapOvr>
+</p:sld>
+</file>
+
+<file path=ppt/slides/slide15.xml><?xml version="1.0" encoding="utf-8"?>
 <p:sld xmlns:a="http://schemas.openxmlformats.org/drawingml/2006/main" xmlns:r="http://schemas.openxmlformats.org/officeDocument/2006/relationships" xmlns:p="http://schemas.openxmlformats.org/presentationml/2006/main">
   <p:cSld>
     <p:bg>
@@ -7408,12 +9002,12 @@
           <a:p>
             <a:pPr algn="r"/>
             <a:r>
-              <a:rPr lang="en-US" dirty="0">
+              <a:rPr lang="en-US" sz="4100" dirty="0">
                 <a:solidFill>
                   <a:schemeClr val="accent1"/>
                 </a:solidFill>
               </a:rPr>
-              <a:t>Exercise 2 Game of Life</a:t>
+              <a:t>Exercise 1 Parallelization of Addition</a:t>
             </a:r>
           </a:p>
         </p:txBody>
@@ -7503,6 +9097,263 @@
           <a:p>
             <a:r>
               <a:rPr lang="en-US" sz="2400" dirty="0"/>
+              <a:t>Why is there the same performance in the Release configuration?</a:t>
+            </a:r>
+          </a:p>
+          <a:p>
+            <a:endParaRPr lang="en-US" sz="2400" dirty="0"/>
+          </a:p>
+          <a:p>
+            <a:endParaRPr lang="en-US" sz="2400" dirty="0"/>
+          </a:p>
+          <a:p>
+            <a:r>
+              <a:rPr lang="en-US" sz="2400" dirty="0"/>
+              <a:t>Are there differences between the results with a Debug and a Release build?</a:t>
+            </a:r>
+          </a:p>
+          <a:p>
+            <a:endParaRPr lang="en-US" sz="2400" dirty="0"/>
+          </a:p>
+          <a:p>
+            <a:endParaRPr lang="en-US" sz="2400" dirty="0"/>
+          </a:p>
+          <a:p>
+            <a:r>
+              <a:rPr lang="en-US" sz="2400" dirty="0"/>
+              <a:t>How many resources are occupied by your system during execution?</a:t>
+            </a:r>
+          </a:p>
+        </p:txBody>
+      </p:sp>
+    </p:spTree>
+    <p:extLst>
+      <p:ext uri="{BB962C8B-B14F-4D97-AF65-F5344CB8AC3E}">
+        <p14:creationId xmlns:p14="http://schemas.microsoft.com/office/powerpoint/2010/main" val="2737949822"/>
+      </p:ext>
+    </p:extLst>
+  </p:cSld>
+  <p:clrMapOvr>
+    <a:masterClrMapping/>
+  </p:clrMapOvr>
+</p:sld>
+</file>
+
+<file path=ppt/slides/slide16.xml><?xml version="1.0" encoding="utf-8"?>
+<p:sld xmlns:a="http://schemas.openxmlformats.org/drawingml/2006/main" xmlns:r="http://schemas.openxmlformats.org/officeDocument/2006/relationships" xmlns:p="http://schemas.openxmlformats.org/presentationml/2006/main">
+  <p:cSld>
+    <p:bg>
+      <p:bgPr>
+        <a:solidFill>
+          <a:schemeClr val="bg1"/>
+        </a:solidFill>
+        <a:effectLst/>
+      </p:bgPr>
+    </p:bg>
+    <p:spTree>
+      <p:nvGrpSpPr>
+        <p:cNvPr id="1" name=""/>
+        <p:cNvGrpSpPr/>
+        <p:nvPr/>
+      </p:nvGrpSpPr>
+      <p:grpSpPr>
+        <a:xfrm>
+          <a:off x="0" y="0"/>
+          <a:ext cx="0" cy="0"/>
+          <a:chOff x="0" y="0"/>
+          <a:chExt cx="0" cy="0"/>
+        </a:xfrm>
+      </p:grpSpPr>
+      <p:sp>
+        <p:nvSpPr>
+          <p:cNvPr id="8" name="Rectangle 7">
+            <a:extLst>
+              <a:ext uri="{FF2B5EF4-FFF2-40B4-BE49-F238E27FC236}">
+                <a16:creationId xmlns:a16="http://schemas.microsoft.com/office/drawing/2014/main" id="{8D70B121-56F4-4848-B38B-182089D909FA}"/>
+              </a:ext>
+              <a:ext uri="{C183D7F6-B498-43B3-948B-1728B52AA6E4}">
+                <adec:decorative xmlns:adec="http://schemas.microsoft.com/office/drawing/2017/decorative" val="1"/>
+              </a:ext>
+            </a:extLst>
+          </p:cNvPr>
+          <p:cNvSpPr>
+            <a:spLocks noGrp="1" noRot="1" noChangeAspect="1" noMove="1" noResize="1" noEditPoints="1" noAdjustHandles="1" noChangeArrowheads="1" noChangeShapeType="1" noTextEdit="1"/>
+          </p:cNvSpPr>
+          <p:nvPr>
+            <p:extLst>
+              <p:ext uri="{386F3935-93C4-4BCD-93E2-E3B085C9AB24}">
+                <p16:designElem xmlns:p16="http://schemas.microsoft.com/office/powerpoint/2015/main" val="1"/>
+              </p:ext>
+            </p:extLst>
+          </p:nvPr>
+        </p:nvSpPr>
+        <p:spPr bwMode="ltGray">
+          <a:xfrm>
+            <a:off x="321564" y="320040"/>
+            <a:ext cx="11548872" cy="6217920"/>
+          </a:xfrm>
+          <a:prstGeom prst="rect">
+            <a:avLst/>
+          </a:prstGeom>
+          <a:solidFill>
+            <a:schemeClr val="tx1">
+              <a:alpha val="8000"/>
+            </a:schemeClr>
+          </a:solidFill>
+          <a:ln w="127000" cap="sq" cmpd="thinThick">
+            <a:noFill/>
+          </a:ln>
+        </p:spPr>
+        <p:style>
+          <a:lnRef idx="2">
+            <a:schemeClr val="accent1">
+              <a:shade val="50000"/>
+            </a:schemeClr>
+          </a:lnRef>
+          <a:fillRef idx="1">
+            <a:schemeClr val="accent1"/>
+          </a:fillRef>
+          <a:effectRef idx="0">
+            <a:schemeClr val="accent1"/>
+          </a:effectRef>
+          <a:fontRef idx="minor">
+            <a:schemeClr val="lt1"/>
+          </a:fontRef>
+        </p:style>
+        <p:txBody>
+          <a:bodyPr rtlCol="0" anchor="ctr"/>
+          <a:lstStyle/>
+          <a:p>
+            <a:pPr algn="ctr"/>
+            <a:endParaRPr lang="en-US"/>
+          </a:p>
+        </p:txBody>
+      </p:sp>
+      <p:sp>
+        <p:nvSpPr>
+          <p:cNvPr id="2" name="Titel 1">
+            <a:extLst>
+              <a:ext uri="{FF2B5EF4-FFF2-40B4-BE49-F238E27FC236}">
+                <a16:creationId xmlns:a16="http://schemas.microsoft.com/office/drawing/2014/main" id="{C7E3F825-1918-451E-B3AB-EE354B6B60AF}"/>
+              </a:ext>
+            </a:extLst>
+          </p:cNvPr>
+          <p:cNvSpPr>
+            <a:spLocks noGrp="1"/>
+          </p:cNvSpPr>
+          <p:nvPr>
+            <p:ph type="title"/>
+          </p:nvPr>
+        </p:nvSpPr>
+        <p:spPr>
+          <a:xfrm>
+            <a:off x="838200" y="963877"/>
+            <a:ext cx="3494362" cy="4930246"/>
+          </a:xfrm>
+        </p:spPr>
+        <p:txBody>
+          <a:bodyPr>
+            <a:normAutofit/>
+          </a:bodyPr>
+          <a:lstStyle/>
+          <a:p>
+            <a:pPr algn="r"/>
+            <a:r>
+              <a:rPr lang="en-US" dirty="0">
+                <a:solidFill>
+                  <a:schemeClr val="accent1"/>
+                </a:solidFill>
+              </a:rPr>
+              <a:t>Exercise 2 Game of Life</a:t>
+            </a:r>
+          </a:p>
+        </p:txBody>
+      </p:sp>
+      <p:cxnSp>
+        <p:nvCxnSpPr>
+          <p:cNvPr id="10" name="Straight Connector 9">
+            <a:extLst>
+              <a:ext uri="{FF2B5EF4-FFF2-40B4-BE49-F238E27FC236}">
+                <a16:creationId xmlns:a16="http://schemas.microsoft.com/office/drawing/2014/main" id="{2D72A2C9-F3CA-4216-8BAD-FA4C970C3C4E}"/>
+              </a:ext>
+              <a:ext uri="{C183D7F6-B498-43B3-948B-1728B52AA6E4}">
+                <adec:decorative xmlns:adec="http://schemas.microsoft.com/office/drawing/2017/decorative" val="1"/>
+              </a:ext>
+            </a:extLst>
+          </p:cNvPr>
+          <p:cNvCxnSpPr>
+            <a:cxnSpLocks noGrp="1" noRot="1" noChangeAspect="1" noMove="1" noResize="1" noEditPoints="1" noAdjustHandles="1" noChangeArrowheads="1" noChangeShapeType="1"/>
+          </p:cNvCxnSpPr>
+          <p:nvPr>
+            <p:extLst>
+              <p:ext uri="{386F3935-93C4-4BCD-93E2-E3B085C9AB24}">
+                <p16:designElem xmlns:p16="http://schemas.microsoft.com/office/powerpoint/2015/main" val="1"/>
+              </p:ext>
+            </p:extLst>
+          </p:nvPr>
+        </p:nvCxnSpPr>
+        <p:spPr>
+          <a:xfrm>
+            <a:off x="4654296" y="2057400"/>
+            <a:ext cx="0" cy="2743200"/>
+          </a:xfrm>
+          <a:prstGeom prst="line">
+            <a:avLst/>
+          </a:prstGeom>
+          <a:ln w="19050">
+            <a:solidFill>
+              <a:schemeClr val="tx1">
+                <a:lumMod val="85000"/>
+                <a:lumOff val="15000"/>
+              </a:schemeClr>
+            </a:solidFill>
+          </a:ln>
+        </p:spPr>
+        <p:style>
+          <a:lnRef idx="1">
+            <a:schemeClr val="accent1"/>
+          </a:lnRef>
+          <a:fillRef idx="0">
+            <a:schemeClr val="accent1"/>
+          </a:fillRef>
+          <a:effectRef idx="0">
+            <a:schemeClr val="accent1"/>
+          </a:effectRef>
+          <a:fontRef idx="minor">
+            <a:schemeClr val="tx1"/>
+          </a:fontRef>
+        </p:style>
+      </p:cxnSp>
+      <p:sp>
+        <p:nvSpPr>
+          <p:cNvPr id="3" name="Inhaltsplatzhalter 2">
+            <a:extLst>
+              <a:ext uri="{FF2B5EF4-FFF2-40B4-BE49-F238E27FC236}">
+                <a16:creationId xmlns:a16="http://schemas.microsoft.com/office/drawing/2014/main" id="{6EFFB83E-507E-4C9F-B3D5-EF05AE455650}"/>
+              </a:ext>
+            </a:extLst>
+          </p:cNvPr>
+          <p:cNvSpPr>
+            <a:spLocks noGrp="1"/>
+          </p:cNvSpPr>
+          <p:nvPr>
+            <p:ph idx="1"/>
+          </p:nvPr>
+        </p:nvSpPr>
+        <p:spPr>
+          <a:xfrm>
+            <a:off x="4976031" y="963877"/>
+            <a:ext cx="6377769" cy="4930246"/>
+          </a:xfrm>
+        </p:spPr>
+        <p:txBody>
+          <a:bodyPr anchor="ctr">
+            <a:normAutofit/>
+          </a:bodyPr>
+          <a:lstStyle/>
+          <a:p>
+            <a:r>
+              <a:rPr lang="en-US" sz="2400" dirty="0"/>
               <a:t>Which approach seemed to work best when optimizing?</a:t>
             </a:r>
           </a:p>
@@ -7545,7 +9396,7 @@
 </p:sld>
 </file>
 
-<file path=ppt/slides/slide15.xml><?xml version="1.0" encoding="utf-8"?>
+<file path=ppt/slides/slide17.xml><?xml version="1.0" encoding="utf-8"?>
 <p:sld xmlns:a="http://schemas.openxmlformats.org/drawingml/2006/main" xmlns:r="http://schemas.openxmlformats.org/officeDocument/2006/relationships" xmlns:p="http://schemas.openxmlformats.org/presentationml/2006/main">
   <p:cSld>
     <p:bg>
@@ -7766,7 +9617,22 @@
                 <a:ea typeface="+mj-ea"/>
                 <a:cs typeface="+mj-cs"/>
               </a:rPr>
-              <a:t>Exercise 3 Quicksort Parallelization of Sections</a:t>
+              <a:t>Exercise 3 Quicksort Parallelization </a:t>
+            </a:r>
+            <a:r>
+              <a:rPr lang="en-US" sz="3200" dirty="0"/>
+              <a:t>with</a:t>
+            </a:r>
+            <a:r>
+              <a:rPr lang="en-US" sz="3200" kern="1200" dirty="0">
+                <a:solidFill>
+                  <a:schemeClr val="tx1"/>
+                </a:solidFill>
+                <a:latin typeface="+mj-lt"/>
+                <a:ea typeface="+mj-ea"/>
+                <a:cs typeface="+mj-cs"/>
+              </a:rPr>
+              <a:t> Sections</a:t>
             </a:r>
           </a:p>
         </p:txBody>
@@ -9067,7 +10933,7 @@
 </p:sld>
 </file>
 
-<file path=ppt/slides/slide16.xml><?xml version="1.0" encoding="utf-8"?>
+<file path=ppt/slides/slide18.xml><?xml version="1.0" encoding="utf-8"?>
 <p:sld xmlns:a="http://schemas.openxmlformats.org/drawingml/2006/main" xmlns:r="http://schemas.openxmlformats.org/officeDocument/2006/relationships" xmlns:p="http://schemas.openxmlformats.org/presentationml/2006/main">
   <p:cSld>
     <p:bg>
@@ -9358,7 +11224,7 @@
 </p:sld>
 </file>
 
-<file path=ppt/slides/slide17.xml><?xml version="1.0" encoding="utf-8"?>
+<file path=ppt/slides/slide19.xml><?xml version="1.0" encoding="utf-8"?>
 <p:sld xmlns:a="http://schemas.openxmlformats.org/drawingml/2006/main" xmlns:r="http://schemas.openxmlformats.org/officeDocument/2006/relationships" xmlns:p="http://schemas.openxmlformats.org/presentationml/2006/main">
   <p:cSld>
     <p:spTree>
@@ -9542,7 +11408,277 @@
 </p:sld>
 </file>
 
-<file path=ppt/slides/slide18.xml><?xml version="1.0" encoding="utf-8"?>
+<file path=ppt/slides/slide2.xml><?xml version="1.0" encoding="utf-8"?>
+<p:sld xmlns:a="http://schemas.openxmlformats.org/drawingml/2006/main" xmlns:r="http://schemas.openxmlformats.org/officeDocument/2006/relationships" xmlns:p="http://schemas.openxmlformats.org/presentationml/2006/main">
+  <p:cSld>
+    <p:bg>
+      <p:bgPr>
+        <a:solidFill>
+          <a:schemeClr val="bg1"/>
+        </a:solidFill>
+        <a:effectLst/>
+      </p:bgPr>
+    </p:bg>
+    <p:spTree>
+      <p:nvGrpSpPr>
+        <p:cNvPr id="1" name=""/>
+        <p:cNvGrpSpPr/>
+        <p:nvPr/>
+      </p:nvGrpSpPr>
+      <p:grpSpPr>
+        <a:xfrm>
+          <a:off x="0" y="0"/>
+          <a:ext cx="0" cy="0"/>
+          <a:chOff x="0" y="0"/>
+          <a:chExt cx="0" cy="0"/>
+        </a:xfrm>
+      </p:grpSpPr>
+      <p:sp>
+        <p:nvSpPr>
+          <p:cNvPr id="8" name="Rectangle 7">
+            <a:extLst>
+              <a:ext uri="{FF2B5EF4-FFF2-40B4-BE49-F238E27FC236}">
+                <a16:creationId xmlns:a16="http://schemas.microsoft.com/office/drawing/2014/main" id="{8D70B121-56F4-4848-B38B-182089D909FA}"/>
+              </a:ext>
+              <a:ext uri="{C183D7F6-B498-43B3-948B-1728B52AA6E4}">
+                <adec:decorative xmlns:adec="http://schemas.microsoft.com/office/drawing/2017/decorative" val="1"/>
+              </a:ext>
+            </a:extLst>
+          </p:cNvPr>
+          <p:cNvSpPr>
+            <a:spLocks noGrp="1" noRot="1" noChangeAspect="1" noMove="1" noResize="1" noEditPoints="1" noAdjustHandles="1" noChangeArrowheads="1" noChangeShapeType="1" noTextEdit="1"/>
+          </p:cNvSpPr>
+          <p:nvPr>
+            <p:extLst>
+              <p:ext uri="{386F3935-93C4-4BCD-93E2-E3B085C9AB24}">
+                <p16:designElem xmlns:p16="http://schemas.microsoft.com/office/powerpoint/2015/main" val="1"/>
+              </p:ext>
+            </p:extLst>
+          </p:nvPr>
+        </p:nvSpPr>
+        <p:spPr bwMode="ltGray">
+          <a:xfrm>
+            <a:off x="321564" y="320040"/>
+            <a:ext cx="11548872" cy="6217920"/>
+          </a:xfrm>
+          <a:prstGeom prst="rect">
+            <a:avLst/>
+          </a:prstGeom>
+          <a:solidFill>
+            <a:schemeClr val="tx1">
+              <a:alpha val="8000"/>
+            </a:schemeClr>
+          </a:solidFill>
+          <a:ln w="127000" cap="sq" cmpd="thinThick">
+            <a:noFill/>
+          </a:ln>
+        </p:spPr>
+        <p:style>
+          <a:lnRef idx="2">
+            <a:schemeClr val="accent1">
+              <a:shade val="50000"/>
+            </a:schemeClr>
+          </a:lnRef>
+          <a:fillRef idx="1">
+            <a:schemeClr val="accent1"/>
+          </a:fillRef>
+          <a:effectRef idx="0">
+            <a:schemeClr val="accent1"/>
+          </a:effectRef>
+          <a:fontRef idx="minor">
+            <a:schemeClr val="lt1"/>
+          </a:fontRef>
+        </p:style>
+        <p:txBody>
+          <a:bodyPr rtlCol="0" anchor="ctr"/>
+          <a:lstStyle/>
+          <a:p>
+            <a:pPr algn="ctr"/>
+            <a:endParaRPr lang="en-US"/>
+          </a:p>
+        </p:txBody>
+      </p:sp>
+      <p:sp>
+        <p:nvSpPr>
+          <p:cNvPr id="2" name="Titel 1">
+            <a:extLst>
+              <a:ext uri="{FF2B5EF4-FFF2-40B4-BE49-F238E27FC236}">
+                <a16:creationId xmlns:a16="http://schemas.microsoft.com/office/drawing/2014/main" id="{CB83ABEE-60E2-E743-A0C5-E2EE437604EF}"/>
+              </a:ext>
+            </a:extLst>
+          </p:cNvPr>
+          <p:cNvSpPr>
+            <a:spLocks noGrp="1"/>
+          </p:cNvSpPr>
+          <p:nvPr>
+            <p:ph type="title"/>
+          </p:nvPr>
+        </p:nvSpPr>
+        <p:spPr>
+          <a:xfrm>
+            <a:off x="838200" y="963877"/>
+            <a:ext cx="3494362" cy="4930246"/>
+          </a:xfrm>
+        </p:spPr>
+        <p:txBody>
+          <a:bodyPr>
+            <a:normAutofit/>
+          </a:bodyPr>
+          <a:lstStyle/>
+          <a:p>
+            <a:pPr algn="r"/>
+            <a:r>
+              <a:rPr lang="en-US" sz="3700" dirty="0">
+                <a:solidFill>
+                  <a:schemeClr val="accent1"/>
+                </a:solidFill>
+              </a:rPr>
+              <a:t>Why are parallel programs important?</a:t>
+            </a:r>
+          </a:p>
+        </p:txBody>
+      </p:sp>
+      <p:cxnSp>
+        <p:nvCxnSpPr>
+          <p:cNvPr id="10" name="Straight Connector 9">
+            <a:extLst>
+              <a:ext uri="{FF2B5EF4-FFF2-40B4-BE49-F238E27FC236}">
+                <a16:creationId xmlns:a16="http://schemas.microsoft.com/office/drawing/2014/main" id="{2D72A2C9-F3CA-4216-8BAD-FA4C970C3C4E}"/>
+              </a:ext>
+              <a:ext uri="{C183D7F6-B498-43B3-948B-1728B52AA6E4}">
+                <adec:decorative xmlns:adec="http://schemas.microsoft.com/office/drawing/2017/decorative" val="1"/>
+              </a:ext>
+            </a:extLst>
+          </p:cNvPr>
+          <p:cNvCxnSpPr>
+            <a:cxnSpLocks noGrp="1" noRot="1" noChangeAspect="1" noMove="1" noResize="1" noEditPoints="1" noAdjustHandles="1" noChangeArrowheads="1" noChangeShapeType="1"/>
+          </p:cNvCxnSpPr>
+          <p:nvPr>
+            <p:extLst>
+              <p:ext uri="{386F3935-93C4-4BCD-93E2-E3B085C9AB24}">
+                <p16:designElem xmlns:p16="http://schemas.microsoft.com/office/powerpoint/2015/main" val="1"/>
+              </p:ext>
+            </p:extLst>
+          </p:nvPr>
+        </p:nvCxnSpPr>
+        <p:spPr>
+          <a:xfrm>
+            <a:off x="4654296" y="2057400"/>
+            <a:ext cx="0" cy="2743200"/>
+          </a:xfrm>
+          <a:prstGeom prst="line">
+            <a:avLst/>
+          </a:prstGeom>
+          <a:ln w="19050">
+            <a:solidFill>
+              <a:schemeClr val="tx1">
+                <a:lumMod val="85000"/>
+                <a:lumOff val="15000"/>
+              </a:schemeClr>
+            </a:solidFill>
+          </a:ln>
+        </p:spPr>
+        <p:style>
+          <a:lnRef idx="1">
+            <a:schemeClr val="accent1"/>
+          </a:lnRef>
+          <a:fillRef idx="0">
+            <a:schemeClr val="accent1"/>
+          </a:fillRef>
+          <a:effectRef idx="0">
+            <a:schemeClr val="accent1"/>
+          </a:effectRef>
+          <a:fontRef idx="minor">
+            <a:schemeClr val="tx1"/>
+          </a:fontRef>
+        </p:style>
+      </p:cxnSp>
+      <p:sp>
+        <p:nvSpPr>
+          <p:cNvPr id="3" name="Inhaltsplatzhalter 2">
+            <a:extLst>
+              <a:ext uri="{FF2B5EF4-FFF2-40B4-BE49-F238E27FC236}">
+                <a16:creationId xmlns:a16="http://schemas.microsoft.com/office/drawing/2014/main" id="{A17B0A23-234F-F84F-961D-07333D62CC8E}"/>
+              </a:ext>
+            </a:extLst>
+          </p:cNvPr>
+          <p:cNvSpPr>
+            <a:spLocks noGrp="1"/>
+          </p:cNvSpPr>
+          <p:nvPr>
+            <p:ph idx="1"/>
+          </p:nvPr>
+        </p:nvSpPr>
+        <p:spPr>
+          <a:xfrm>
+            <a:off x="4976031" y="963877"/>
+            <a:ext cx="6377769" cy="4930246"/>
+          </a:xfrm>
+        </p:spPr>
+        <p:txBody>
+          <a:bodyPr anchor="ctr">
+            <a:normAutofit/>
+          </a:bodyPr>
+          <a:lstStyle/>
+          <a:p>
+            <a:r>
+              <a:rPr lang="en-US" sz="2400" dirty="0"/>
+              <a:t>Moore‘s Law -&gt; Every 18 months the transistor density doubles</a:t>
+            </a:r>
+          </a:p>
+          <a:p>
+            <a:r>
+              <a:rPr lang="en-US" sz="2400" dirty="0"/>
+              <a:t>Higher power demand and more heat output</a:t>
+            </a:r>
+          </a:p>
+          <a:p>
+            <a:r>
+              <a:rPr lang="en-US" sz="2400" dirty="0"/>
+              <a:t>Even more performance?</a:t>
+            </a:r>
+          </a:p>
+          <a:p>
+            <a:pPr lvl="1"/>
+            <a:r>
+              <a:rPr lang="en-US" dirty="0"/>
+              <a:t>Higher frequency =&gt; shorter life span of processors</a:t>
+            </a:r>
+          </a:p>
+          <a:p>
+            <a:r>
+              <a:rPr lang="en-US" sz="2400" dirty="0"/>
+              <a:t>Or simply: </a:t>
+            </a:r>
+            <a:r>
+              <a:rPr lang="en-US" sz="2400" b="1" dirty="0"/>
+              <a:t>Use more processors</a:t>
+            </a:r>
+            <a:r>
+              <a:rPr lang="en-US" sz="2400" dirty="0"/>
+              <a:t>!</a:t>
+            </a:r>
+          </a:p>
+          <a:p>
+            <a:pPr lvl="1"/>
+            <a:endParaRPr lang="en-US" dirty="0"/>
+          </a:p>
+        </p:txBody>
+      </p:sp>
+    </p:spTree>
+    <p:extLst>
+      <p:ext uri="{BB962C8B-B14F-4D97-AF65-F5344CB8AC3E}">
+        <p14:creationId xmlns:p14="http://schemas.microsoft.com/office/powerpoint/2010/main" val="400010253"/>
+      </p:ext>
+    </p:extLst>
+  </p:cSld>
+  <p:clrMapOvr>
+    <a:masterClrMapping/>
+  </p:clrMapOvr>
+</p:sld>
+</file>
+
+<file path=ppt/slides/slide20.xml><?xml version="1.0" encoding="utf-8"?>
 <p:sld xmlns:a="http://schemas.openxmlformats.org/drawingml/2006/main" xmlns:r="http://schemas.openxmlformats.org/officeDocument/2006/relationships" xmlns:p="http://schemas.openxmlformats.org/presentationml/2006/main">
   <p:cSld>
     <p:spTree>
@@ -9726,7 +11862,7 @@
 </p:sld>
 </file>
 
-<file path=ppt/slides/slide19.xml><?xml version="1.0" encoding="utf-8"?>
+<file path=ppt/slides/slide21.xml><?xml version="1.0" encoding="utf-8"?>
 <p:sld xmlns:a="http://schemas.openxmlformats.org/drawingml/2006/main" xmlns:r="http://schemas.openxmlformats.org/officeDocument/2006/relationships" xmlns:p="http://schemas.openxmlformats.org/presentationml/2006/main">
   <p:cSld>
     <p:bg>
@@ -9987,7 +12123,7 @@
 </p:sld>
 </file>
 
-<file path=ppt/slides/slide2.xml><?xml version="1.0" encoding="utf-8"?>
+<file path=ppt/slides/slide3.xml><?xml version="1.0" encoding="utf-8"?>
 <p:sld xmlns:a="http://schemas.openxmlformats.org/drawingml/2006/main" xmlns:r="http://schemas.openxmlformats.org/officeDocument/2006/relationships" xmlns:p="http://schemas.openxmlformats.org/presentationml/2006/main">
   <p:cSld>
     <p:bg>
@@ -10082,7 +12218,7 @@
           <p:cNvPr id="2" name="Titel 1">
             <a:extLst>
               <a:ext uri="{FF2B5EF4-FFF2-40B4-BE49-F238E27FC236}">
-                <a16:creationId xmlns:a16="http://schemas.microsoft.com/office/drawing/2014/main" id="{CB83ABEE-60E2-E743-A0C5-E2EE437604EF}"/>
+                <a16:creationId xmlns:a16="http://schemas.microsoft.com/office/drawing/2014/main" id="{F5B0C704-E40E-CA4D-951F-C2C4E1529125}"/>
               </a:ext>
             </a:extLst>
           </p:cNvPr>
@@ -10107,286 +12243,12 @@
           <a:p>
             <a:pPr algn="r"/>
             <a:r>
-              <a:rPr lang="en-US" sz="3700" dirty="0">
-                <a:solidFill>
-                  <a:schemeClr val="accent1"/>
-                </a:solidFill>
-              </a:rPr>
-              <a:t>Why are parallel programs important?</a:t>
-            </a:r>
-          </a:p>
-        </p:txBody>
-      </p:sp>
-      <p:cxnSp>
-        <p:nvCxnSpPr>
-          <p:cNvPr id="10" name="Straight Connector 9">
-            <a:extLst>
-              <a:ext uri="{FF2B5EF4-FFF2-40B4-BE49-F238E27FC236}">
-                <a16:creationId xmlns:a16="http://schemas.microsoft.com/office/drawing/2014/main" id="{2D72A2C9-F3CA-4216-8BAD-FA4C970C3C4E}"/>
-              </a:ext>
-              <a:ext uri="{C183D7F6-B498-43B3-948B-1728B52AA6E4}">
-                <adec:decorative xmlns:adec="http://schemas.microsoft.com/office/drawing/2017/decorative" val="1"/>
-              </a:ext>
-            </a:extLst>
-          </p:cNvPr>
-          <p:cNvCxnSpPr>
-            <a:cxnSpLocks noGrp="1" noRot="1" noChangeAspect="1" noMove="1" noResize="1" noEditPoints="1" noAdjustHandles="1" noChangeArrowheads="1" noChangeShapeType="1"/>
-          </p:cNvCxnSpPr>
-          <p:nvPr>
-            <p:extLst>
-              <p:ext uri="{386F3935-93C4-4BCD-93E2-E3B085C9AB24}">
-                <p16:designElem xmlns:p16="http://schemas.microsoft.com/office/powerpoint/2015/main" val="1"/>
-              </p:ext>
-            </p:extLst>
-          </p:nvPr>
-        </p:nvCxnSpPr>
-        <p:spPr>
-          <a:xfrm>
-            <a:off x="4654296" y="2057400"/>
-            <a:ext cx="0" cy="2743200"/>
-          </a:xfrm>
-          <a:prstGeom prst="line">
-            <a:avLst/>
-          </a:prstGeom>
-          <a:ln w="19050">
-            <a:solidFill>
-              <a:schemeClr val="tx1">
-                <a:lumMod val="85000"/>
-                <a:lumOff val="15000"/>
-              </a:schemeClr>
-            </a:solidFill>
-          </a:ln>
-        </p:spPr>
-        <p:style>
-          <a:lnRef idx="1">
-            <a:schemeClr val="accent1"/>
-          </a:lnRef>
-          <a:fillRef idx="0">
-            <a:schemeClr val="accent1"/>
-          </a:fillRef>
-          <a:effectRef idx="0">
-            <a:schemeClr val="accent1"/>
-          </a:effectRef>
-          <a:fontRef idx="minor">
-            <a:schemeClr val="tx1"/>
-          </a:fontRef>
-        </p:style>
-      </p:cxnSp>
-      <p:sp>
-        <p:nvSpPr>
-          <p:cNvPr id="3" name="Inhaltsplatzhalter 2">
-            <a:extLst>
-              <a:ext uri="{FF2B5EF4-FFF2-40B4-BE49-F238E27FC236}">
-                <a16:creationId xmlns:a16="http://schemas.microsoft.com/office/drawing/2014/main" id="{A17B0A23-234F-F84F-961D-07333D62CC8E}"/>
-              </a:ext>
-            </a:extLst>
-          </p:cNvPr>
-          <p:cNvSpPr>
-            <a:spLocks noGrp="1"/>
-          </p:cNvSpPr>
-          <p:nvPr>
-            <p:ph idx="1"/>
-          </p:nvPr>
-        </p:nvSpPr>
-        <p:spPr>
-          <a:xfrm>
-            <a:off x="4976031" y="963877"/>
-            <a:ext cx="6377769" cy="4930246"/>
-          </a:xfrm>
-        </p:spPr>
-        <p:txBody>
-          <a:bodyPr anchor="ctr">
-            <a:normAutofit/>
-          </a:bodyPr>
-          <a:lstStyle/>
-          <a:p>
-            <a:r>
-              <a:rPr lang="de-DE" sz="2400" dirty="0" err="1"/>
-              <a:t>Moore‘s</a:t>
-            </a:r>
-            <a:r>
-              <a:rPr lang="de-DE" sz="2400" dirty="0"/>
-              <a:t> Law -&gt; Alle 18 Monate verdoppelt sich die Transistoren-Dichte in Chips &amp; Prozessoren</a:t>
-            </a:r>
-          </a:p>
-          <a:p>
-            <a:r>
-              <a:rPr lang="de-DE" sz="2400" dirty="0"/>
-              <a:t>Höherer Leistungsbedarf für Chips und mehr Wärmeentwicklung</a:t>
-            </a:r>
-          </a:p>
-          <a:p>
-            <a:r>
-              <a:rPr lang="de-DE" sz="2400" dirty="0"/>
-              <a:t>Noch mehr Leistung?</a:t>
-            </a:r>
-          </a:p>
-          <a:p>
-            <a:pPr lvl="1"/>
-            <a:r>
-              <a:rPr lang="de-DE" dirty="0"/>
-              <a:t>Höhere Frequenz =&gt; kürzere Lebensdauer der Prozessoren</a:t>
-            </a:r>
-          </a:p>
-          <a:p>
-            <a:r>
-              <a:rPr lang="de-DE" sz="2400" dirty="0"/>
-              <a:t>Oder eben: </a:t>
-            </a:r>
-            <a:r>
-              <a:rPr lang="de-DE" sz="2400" b="1" dirty="0"/>
-              <a:t>mehr Prozessoren</a:t>
-            </a:r>
-            <a:r>
-              <a:rPr lang="de-DE" sz="2400" dirty="0"/>
-              <a:t>!</a:t>
-            </a:r>
-          </a:p>
-          <a:p>
-            <a:pPr lvl="1"/>
-            <a:endParaRPr lang="de-DE" dirty="0"/>
-          </a:p>
-        </p:txBody>
-      </p:sp>
-    </p:spTree>
-    <p:extLst>
-      <p:ext uri="{BB962C8B-B14F-4D97-AF65-F5344CB8AC3E}">
-        <p14:creationId xmlns:p14="http://schemas.microsoft.com/office/powerpoint/2010/main" val="400010253"/>
-      </p:ext>
-    </p:extLst>
-  </p:cSld>
-  <p:clrMapOvr>
-    <a:masterClrMapping/>
-  </p:clrMapOvr>
-</p:sld>
-</file>
-
-<file path=ppt/slides/slide3.xml><?xml version="1.0" encoding="utf-8"?>
-<p:sld xmlns:a="http://schemas.openxmlformats.org/drawingml/2006/main" xmlns:r="http://schemas.openxmlformats.org/officeDocument/2006/relationships" xmlns:p="http://schemas.openxmlformats.org/presentationml/2006/main">
-  <p:cSld>
-    <p:bg>
-      <p:bgPr>
-        <a:solidFill>
-          <a:schemeClr val="bg1"/>
-        </a:solidFill>
-        <a:effectLst/>
-      </p:bgPr>
-    </p:bg>
-    <p:spTree>
-      <p:nvGrpSpPr>
-        <p:cNvPr id="1" name=""/>
-        <p:cNvGrpSpPr/>
-        <p:nvPr/>
-      </p:nvGrpSpPr>
-      <p:grpSpPr>
-        <a:xfrm>
-          <a:off x="0" y="0"/>
-          <a:ext cx="0" cy="0"/>
-          <a:chOff x="0" y="0"/>
-          <a:chExt cx="0" cy="0"/>
-        </a:xfrm>
-      </p:grpSpPr>
-      <p:sp>
-        <p:nvSpPr>
-          <p:cNvPr id="8" name="Rectangle 7">
-            <a:extLst>
-              <a:ext uri="{FF2B5EF4-FFF2-40B4-BE49-F238E27FC236}">
-                <a16:creationId xmlns:a16="http://schemas.microsoft.com/office/drawing/2014/main" id="{8D70B121-56F4-4848-B38B-182089D909FA}"/>
-              </a:ext>
-              <a:ext uri="{C183D7F6-B498-43B3-948B-1728B52AA6E4}">
-                <adec:decorative xmlns:adec="http://schemas.microsoft.com/office/drawing/2017/decorative" val="1"/>
-              </a:ext>
-            </a:extLst>
-          </p:cNvPr>
-          <p:cNvSpPr>
-            <a:spLocks noGrp="1" noRot="1" noChangeAspect="1" noMove="1" noResize="1" noEditPoints="1" noAdjustHandles="1" noChangeArrowheads="1" noChangeShapeType="1" noTextEdit="1"/>
-          </p:cNvSpPr>
-          <p:nvPr>
-            <p:extLst>
-              <p:ext uri="{386F3935-93C4-4BCD-93E2-E3B085C9AB24}">
-                <p16:designElem xmlns:p16="http://schemas.microsoft.com/office/powerpoint/2015/main" val="1"/>
-              </p:ext>
-            </p:extLst>
-          </p:nvPr>
-        </p:nvSpPr>
-        <p:spPr bwMode="ltGray">
-          <a:xfrm>
-            <a:off x="321564" y="320040"/>
-            <a:ext cx="11548872" cy="6217920"/>
-          </a:xfrm>
-          <a:prstGeom prst="rect">
-            <a:avLst/>
-          </a:prstGeom>
-          <a:solidFill>
-            <a:schemeClr val="tx1">
-              <a:alpha val="8000"/>
-            </a:schemeClr>
-          </a:solidFill>
-          <a:ln w="127000" cap="sq" cmpd="thinThick">
-            <a:noFill/>
-          </a:ln>
-        </p:spPr>
-        <p:style>
-          <a:lnRef idx="2">
-            <a:schemeClr val="accent1">
-              <a:shade val="50000"/>
-            </a:schemeClr>
-          </a:lnRef>
-          <a:fillRef idx="1">
-            <a:schemeClr val="accent1"/>
-          </a:fillRef>
-          <a:effectRef idx="0">
-            <a:schemeClr val="accent1"/>
-          </a:effectRef>
-          <a:fontRef idx="minor">
-            <a:schemeClr val="lt1"/>
-          </a:fontRef>
-        </p:style>
-        <p:txBody>
-          <a:bodyPr rtlCol="0" anchor="ctr"/>
-          <a:lstStyle/>
-          <a:p>
-            <a:pPr algn="ctr"/>
-            <a:endParaRPr lang="en-US"/>
-          </a:p>
-        </p:txBody>
-      </p:sp>
-      <p:sp>
-        <p:nvSpPr>
-          <p:cNvPr id="2" name="Titel 1">
-            <a:extLst>
-              <a:ext uri="{FF2B5EF4-FFF2-40B4-BE49-F238E27FC236}">
-                <a16:creationId xmlns:a16="http://schemas.microsoft.com/office/drawing/2014/main" id="{F5B0C704-E40E-CA4D-951F-C2C4E1529125}"/>
-              </a:ext>
-            </a:extLst>
-          </p:cNvPr>
-          <p:cNvSpPr>
-            <a:spLocks noGrp="1"/>
-          </p:cNvSpPr>
-          <p:nvPr>
-            <p:ph type="title"/>
-          </p:nvPr>
-        </p:nvSpPr>
-        <p:spPr>
-          <a:xfrm>
-            <a:off x="838200" y="963877"/>
-            <a:ext cx="3494362" cy="4930246"/>
-          </a:xfrm>
-        </p:spPr>
-        <p:txBody>
-          <a:bodyPr>
-            <a:normAutofit/>
-          </a:bodyPr>
-          <a:lstStyle/>
-          <a:p>
-            <a:pPr algn="r"/>
-            <a:r>
               <a:rPr lang="en-US" dirty="0">
                 <a:solidFill>
                   <a:schemeClr val="accent1"/>
                 </a:solidFill>
               </a:rPr>
-              <a:t>Automotive as an OpenMP Application</a:t>
+              <a:t>Automotive as a parallelized Application</a:t>
             </a:r>
             <a:endParaRPr lang="de-DE" dirty="0">
               <a:solidFill>
@@ -10827,7 +12689,7 @@
                   <a:schemeClr val="accent1"/>
                 </a:solidFill>
               </a:rPr>
-              <a:t>Automotive as an OpenMP Application</a:t>
+              <a:t>Automotive as a parallelized Application</a:t>
             </a:r>
           </a:p>
         </p:txBody>
